--- a/slides/classes.pptx
+++ b/slides/classes.pptx
@@ -205,7 +205,7 @@
           <a:p>
             <a:fld id="{B7A48688-84F4-1E49-8ACA-B3D0469C8F43}" type="datetimeFigureOut">
               <a:rPr lang="en-US" smtClean="0"/>
-              <a:t>5/1/20</a:t>
+              <a:t>5/5/20</a:t>
             </a:fld>
             <a:endParaRPr lang="en-US"/>
           </a:p>
@@ -751,7 +751,7 @@
           <a:p>
             <a:fld id="{51673806-0BCD-1F42-BAA8-2011034B3C6A}" type="datetimeFigureOut">
               <a:rPr lang="en-US" smtClean="0"/>
-              <a:t>5/1/20</a:t>
+              <a:t>5/5/20</a:t>
             </a:fld>
             <a:endParaRPr lang="en-US"/>
           </a:p>
@@ -1165,7 +1165,7 @@
           <a:p>
             <a:fld id="{51673806-0BCD-1F42-BAA8-2011034B3C6A}" type="datetimeFigureOut">
               <a:rPr lang="en-US" smtClean="0"/>
-              <a:t>5/1/20</a:t>
+              <a:t>5/5/20</a:t>
             </a:fld>
             <a:endParaRPr lang="en-US"/>
           </a:p>
@@ -1496,7 +1496,7 @@
           <a:p>
             <a:fld id="{51673806-0BCD-1F42-BAA8-2011034B3C6A}" type="datetimeFigureOut">
               <a:rPr lang="en-US" smtClean="0"/>
-              <a:t>5/1/20</a:t>
+              <a:t>5/5/20</a:t>
             </a:fld>
             <a:endParaRPr lang="en-US"/>
           </a:p>
@@ -1896,7 +1896,7 @@
           <a:p>
             <a:fld id="{51673806-0BCD-1F42-BAA8-2011034B3C6A}" type="datetimeFigureOut">
               <a:rPr lang="en-US" smtClean="0"/>
-              <a:t>5/1/20</a:t>
+              <a:t>5/5/20</a:t>
             </a:fld>
             <a:endParaRPr lang="en-US"/>
           </a:p>
@@ -2459,7 +2459,7 @@
           <a:p>
             <a:fld id="{51673806-0BCD-1F42-BAA8-2011034B3C6A}" type="datetimeFigureOut">
               <a:rPr lang="en-US" smtClean="0"/>
-              <a:t>5/1/20</a:t>
+              <a:t>5/5/20</a:t>
             </a:fld>
             <a:endParaRPr lang="en-US"/>
           </a:p>
@@ -3135,7 +3135,7 @@
           <a:p>
             <a:fld id="{51673806-0BCD-1F42-BAA8-2011034B3C6A}" type="datetimeFigureOut">
               <a:rPr lang="en-US" smtClean="0"/>
-              <a:t>5/1/20</a:t>
+              <a:t>5/5/20</a:t>
             </a:fld>
             <a:endParaRPr lang="en-US"/>
           </a:p>
@@ -4043,7 +4043,7 @@
           <a:p>
             <a:fld id="{51673806-0BCD-1F42-BAA8-2011034B3C6A}" type="datetimeFigureOut">
               <a:rPr lang="en-US" smtClean="0"/>
-              <a:t>5/1/20</a:t>
+              <a:t>5/5/20</a:t>
             </a:fld>
             <a:endParaRPr lang="en-US"/>
           </a:p>
@@ -4351,7 +4351,7 @@
           <a:p>
             <a:fld id="{51673806-0BCD-1F42-BAA8-2011034B3C6A}" type="datetimeFigureOut">
               <a:rPr lang="en-US" smtClean="0"/>
-              <a:t>5/1/20</a:t>
+              <a:t>5/5/20</a:t>
             </a:fld>
             <a:endParaRPr lang="en-US"/>
           </a:p>
@@ -4610,7 +4610,7 @@
           <a:p>
             <a:fld id="{51673806-0BCD-1F42-BAA8-2011034B3C6A}" type="datetimeFigureOut">
               <a:rPr lang="en-US" smtClean="0"/>
-              <a:t>5/1/20</a:t>
+              <a:t>5/5/20</a:t>
             </a:fld>
             <a:endParaRPr lang="en-US"/>
           </a:p>
@@ -4933,7 +4933,7 @@
           <a:p>
             <a:fld id="{51673806-0BCD-1F42-BAA8-2011034B3C6A}" type="datetimeFigureOut">
               <a:rPr lang="en-US" smtClean="0"/>
-              <a:t>5/1/20</a:t>
+              <a:t>5/5/20</a:t>
             </a:fld>
             <a:endParaRPr lang="en-US"/>
           </a:p>
@@ -5317,7 +5317,7 @@
           <a:p>
             <a:fld id="{51673806-0BCD-1F42-BAA8-2011034B3C6A}" type="datetimeFigureOut">
               <a:rPr lang="en-US" smtClean="0"/>
-              <a:t>5/1/20</a:t>
+              <a:t>5/5/20</a:t>
             </a:fld>
             <a:endParaRPr lang="en-US"/>
           </a:p>
@@ -5693,7 +5693,7 @@
           <a:p>
             <a:fld id="{51673806-0BCD-1F42-BAA8-2011034B3C6A}" type="datetimeFigureOut">
               <a:rPr lang="en-US" smtClean="0"/>
-              <a:t>5/1/20</a:t>
+              <a:t>5/5/20</a:t>
             </a:fld>
             <a:endParaRPr lang="en-US"/>
           </a:p>
@@ -6199,7 +6199,7 @@
           <a:p>
             <a:fld id="{51673806-0BCD-1F42-BAA8-2011034B3C6A}" type="datetimeFigureOut">
               <a:rPr lang="en-US" smtClean="0"/>
-              <a:t>5/1/20</a:t>
+              <a:t>5/5/20</a:t>
             </a:fld>
             <a:endParaRPr lang="en-US"/>
           </a:p>
@@ -6456,7 +6456,7 @@
           <a:p>
             <a:fld id="{51673806-0BCD-1F42-BAA8-2011034B3C6A}" type="datetimeFigureOut">
               <a:rPr lang="en-US" smtClean="0"/>
-              <a:t>5/1/20</a:t>
+              <a:t>5/5/20</a:t>
             </a:fld>
             <a:endParaRPr lang="en-US"/>
           </a:p>
@@ -6614,7 +6614,7 @@
           <a:p>
             <a:fld id="{51673806-0BCD-1F42-BAA8-2011034B3C6A}" type="datetimeFigureOut">
               <a:rPr lang="en-US" smtClean="0"/>
-              <a:t>5/1/20</a:t>
+              <a:t>5/5/20</a:t>
             </a:fld>
             <a:endParaRPr lang="en-US"/>
           </a:p>
@@ -7004,7 +7004,7 @@
           <a:p>
             <a:fld id="{51673806-0BCD-1F42-BAA8-2011034B3C6A}" type="datetimeFigureOut">
               <a:rPr lang="en-US" smtClean="0"/>
-              <a:t>5/1/20</a:t>
+              <a:t>5/5/20</a:t>
             </a:fld>
             <a:endParaRPr lang="en-US"/>
           </a:p>
@@ -7413,7 +7413,7 @@
           <a:p>
             <a:fld id="{51673806-0BCD-1F42-BAA8-2011034B3C6A}" type="datetimeFigureOut">
               <a:rPr lang="en-US" smtClean="0"/>
-              <a:t>5/1/20</a:t>
+              <a:t>5/5/20</a:t>
             </a:fld>
             <a:endParaRPr lang="en-US"/>
           </a:p>
@@ -7661,7 +7661,7 @@
             <a:fld id="{51673806-0BCD-1F42-BAA8-2011034B3C6A}" type="datetimeFigureOut">
               <a:rPr lang="en-US" smtClean="0"/>
               <a:pPr/>
-              <a:t>5/1/20</a:t>
+              <a:t>5/5/20</a:t>
             </a:fld>
             <a:endParaRPr lang="en-US" dirty="0"/>
           </a:p>
@@ -8666,8 +8666,17 @@
             </a:pPr>
             <a:r>
               <a:rPr lang="en-US" dirty="0" smtClean="0"/>
-              <a:t>Interactions with other objects: play with other dogs, their owner </a:t>
-            </a:r>
+              <a:t>Interactions with other objects: play with </a:t>
+            </a:r>
+            <a:r>
+              <a:rPr lang="en-US" smtClean="0"/>
+              <a:t>other </a:t>
+            </a:r>
+            <a:r>
+              <a:rPr lang="en-US" smtClean="0"/>
+              <a:t>dogs/owner, chase cats </a:t>
+            </a:r>
+            <a:endParaRPr lang="en-US" dirty="0" smtClean="0"/>
           </a:p>
         </p:txBody>
       </p:sp>

--- a/slides/classes.pptx
+++ b/slides/classes.pptx
@@ -5,7 +5,7 @@
     <p:sldMasterId id="2147484294" r:id="rId1"/>
   </p:sldMasterIdLst>
   <p:notesMasterIdLst>
-    <p:notesMasterId r:id="rId11"/>
+    <p:notesMasterId r:id="rId31"/>
   </p:notesMasterIdLst>
   <p:sldIdLst>
     <p:sldId id="256" r:id="rId2"/>
@@ -17,6 +17,26 @@
     <p:sldId id="262" r:id="rId8"/>
     <p:sldId id="263" r:id="rId9"/>
     <p:sldId id="264" r:id="rId10"/>
+    <p:sldId id="273" r:id="rId11"/>
+    <p:sldId id="265" r:id="rId12"/>
+    <p:sldId id="266" r:id="rId13"/>
+    <p:sldId id="267" r:id="rId14"/>
+    <p:sldId id="268" r:id="rId15"/>
+    <p:sldId id="269" r:id="rId16"/>
+    <p:sldId id="270" r:id="rId17"/>
+    <p:sldId id="271" r:id="rId18"/>
+    <p:sldId id="272" r:id="rId19"/>
+    <p:sldId id="274" r:id="rId20"/>
+    <p:sldId id="275" r:id="rId21"/>
+    <p:sldId id="276" r:id="rId22"/>
+    <p:sldId id="277" r:id="rId23"/>
+    <p:sldId id="278" r:id="rId24"/>
+    <p:sldId id="279" r:id="rId25"/>
+    <p:sldId id="281" r:id="rId26"/>
+    <p:sldId id="280" r:id="rId27"/>
+    <p:sldId id="282" r:id="rId28"/>
+    <p:sldId id="283" r:id="rId29"/>
+    <p:sldId id="284" r:id="rId30"/>
   </p:sldIdLst>
   <p:sldSz cx="12192000" cy="6858000"/>
   <p:notesSz cx="6858000" cy="9144000"/>
@@ -205,7 +225,7 @@
           <a:p>
             <a:fld id="{B7A48688-84F4-1E49-8ACA-B3D0469C8F43}" type="datetimeFigureOut">
               <a:rPr lang="en-US" smtClean="0"/>
-              <a:t>5/5/20</a:t>
+              <a:t>5/12/20</a:t>
             </a:fld>
             <a:endParaRPr lang="en-US"/>
           </a:p>
@@ -473,6 +493,406 @@
 </p:notesMaster>
 </file>
 
+<file path=ppt/notesSlides/notesSlide1.xml><?xml version="1.0" encoding="utf-8"?>
+<p:notes xmlns:a="http://schemas.openxmlformats.org/drawingml/2006/main" xmlns:r="http://schemas.openxmlformats.org/officeDocument/2006/relationships" xmlns:p="http://schemas.openxmlformats.org/presentationml/2006/main">
+  <p:cSld>
+    <p:spTree>
+      <p:nvGrpSpPr>
+        <p:cNvPr id="1" name=""/>
+        <p:cNvGrpSpPr/>
+        <p:nvPr/>
+      </p:nvGrpSpPr>
+      <p:grpSpPr>
+        <a:xfrm>
+          <a:off x="0" y="0"/>
+          <a:ext cx="0" cy="0"/>
+          <a:chOff x="0" y="0"/>
+          <a:chExt cx="0" cy="0"/>
+        </a:xfrm>
+      </p:grpSpPr>
+      <p:sp>
+        <p:nvSpPr>
+          <p:cNvPr id="2" name="Slide Image Placeholder 1"/>
+          <p:cNvSpPr>
+            <a:spLocks noGrp="1" noRot="1" noChangeAspect="1"/>
+          </p:cNvSpPr>
+          <p:nvPr>
+            <p:ph type="sldImg"/>
+          </p:nvPr>
+        </p:nvSpPr>
+        <p:spPr/>
+      </p:sp>
+      <p:sp>
+        <p:nvSpPr>
+          <p:cNvPr id="3" name="Notes Placeholder 2"/>
+          <p:cNvSpPr>
+            <a:spLocks noGrp="1"/>
+          </p:cNvSpPr>
+          <p:nvPr>
+            <p:ph type="body" idx="1"/>
+          </p:nvPr>
+        </p:nvSpPr>
+        <p:spPr/>
+        <p:txBody>
+          <a:bodyPr/>
+          <a:lstStyle/>
+          <a:p>
+            <a:r>
+              <a:rPr lang="en-US" dirty="0" smtClean="0"/>
+              <a:t>Note verbally</a:t>
+            </a:r>
+            <a:r>
+              <a:rPr lang="en-US" baseline="0" dirty="0" smtClean="0"/>
+              <a:t> here that @property, @</a:t>
+            </a:r>
+            <a:r>
+              <a:rPr lang="en-US" baseline="0" dirty="0" err="1" smtClean="0"/>
+              <a:t>name.setter</a:t>
+            </a:r>
+            <a:r>
+              <a:rPr lang="en-US" baseline="0" dirty="0" smtClean="0"/>
+              <a:t>, and @</a:t>
+            </a:r>
+            <a:r>
+              <a:rPr lang="en-US" baseline="0" dirty="0" err="1" smtClean="0"/>
+              <a:t>breed.setter</a:t>
+            </a:r>
+            <a:r>
+              <a:rPr lang="en-US" baseline="0" dirty="0" smtClean="0"/>
+              <a:t> are called decorators, and that we’ll see some more of them in a second. You can make your own decorators but that’s a bit outside the scope of the </a:t>
+            </a:r>
+            <a:r>
+              <a:rPr lang="en-US" baseline="0" dirty="0" err="1" smtClean="0"/>
+              <a:t>bootcamp</a:t>
+            </a:r>
+            <a:r>
+              <a:rPr lang="en-US" baseline="0" dirty="0" smtClean="0"/>
+              <a:t>. </a:t>
+            </a:r>
+            <a:endParaRPr lang="en-US" dirty="0"/>
+          </a:p>
+        </p:txBody>
+      </p:sp>
+      <p:sp>
+        <p:nvSpPr>
+          <p:cNvPr id="4" name="Slide Number Placeholder 3"/>
+          <p:cNvSpPr>
+            <a:spLocks noGrp="1"/>
+          </p:cNvSpPr>
+          <p:nvPr>
+            <p:ph type="sldNum" sz="quarter" idx="10"/>
+          </p:nvPr>
+        </p:nvSpPr>
+        <p:spPr/>
+        <p:txBody>
+          <a:bodyPr/>
+          <a:lstStyle/>
+          <a:p>
+            <a:fld id="{FB38BE01-6562-DE45-9404-D6DD8A86E18A}" type="slidenum">
+              <a:rPr lang="en-US" smtClean="0"/>
+              <a:t>8</a:t>
+            </a:fld>
+            <a:endParaRPr lang="en-US"/>
+          </a:p>
+        </p:txBody>
+      </p:sp>
+    </p:spTree>
+    <p:extLst>
+      <p:ext uri="{BB962C8B-B14F-4D97-AF65-F5344CB8AC3E}">
+        <p14:creationId xmlns:p14="http://schemas.microsoft.com/office/powerpoint/2010/main" val="192457221"/>
+      </p:ext>
+    </p:extLst>
+  </p:cSld>
+  <p:clrMapOvr>
+    <a:masterClrMapping/>
+  </p:clrMapOvr>
+</p:notes>
+</file>
+
+<file path=ppt/notesSlides/notesSlide2.xml><?xml version="1.0" encoding="utf-8"?>
+<p:notes xmlns:a="http://schemas.openxmlformats.org/drawingml/2006/main" xmlns:r="http://schemas.openxmlformats.org/officeDocument/2006/relationships" xmlns:p="http://schemas.openxmlformats.org/presentationml/2006/main">
+  <p:cSld>
+    <p:spTree>
+      <p:nvGrpSpPr>
+        <p:cNvPr id="1" name=""/>
+        <p:cNvGrpSpPr/>
+        <p:nvPr/>
+      </p:nvGrpSpPr>
+      <p:grpSpPr>
+        <a:xfrm>
+          <a:off x="0" y="0"/>
+          <a:ext cx="0" cy="0"/>
+          <a:chOff x="0" y="0"/>
+          <a:chExt cx="0" cy="0"/>
+        </a:xfrm>
+      </p:grpSpPr>
+      <p:sp>
+        <p:nvSpPr>
+          <p:cNvPr id="2" name="Slide Image Placeholder 1"/>
+          <p:cNvSpPr>
+            <a:spLocks noGrp="1" noRot="1" noChangeAspect="1"/>
+          </p:cNvSpPr>
+          <p:nvPr>
+            <p:ph type="sldImg"/>
+          </p:nvPr>
+        </p:nvSpPr>
+        <p:spPr/>
+      </p:sp>
+      <p:sp>
+        <p:nvSpPr>
+          <p:cNvPr id="3" name="Notes Placeholder 2"/>
+          <p:cNvSpPr>
+            <a:spLocks noGrp="1"/>
+          </p:cNvSpPr>
+          <p:nvPr>
+            <p:ph type="body" idx="1"/>
+          </p:nvPr>
+        </p:nvSpPr>
+        <p:spPr/>
+        <p:txBody>
+          <a:bodyPr/>
+          <a:lstStyle/>
+          <a:p>
+            <a:r>
+              <a:rPr lang="en-US" dirty="0" smtClean="0"/>
+              <a:t>Note</a:t>
+            </a:r>
+            <a:r>
+              <a:rPr lang="en-US" baseline="0" dirty="0" smtClean="0"/>
+              <a:t> verbally that there are TWO trailing and leading underscores, four in total </a:t>
+            </a:r>
+            <a:endParaRPr lang="en-US" dirty="0"/>
+          </a:p>
+        </p:txBody>
+      </p:sp>
+      <p:sp>
+        <p:nvSpPr>
+          <p:cNvPr id="4" name="Slide Number Placeholder 3"/>
+          <p:cNvSpPr>
+            <a:spLocks noGrp="1"/>
+          </p:cNvSpPr>
+          <p:nvPr>
+            <p:ph type="sldNum" sz="quarter" idx="10"/>
+          </p:nvPr>
+        </p:nvSpPr>
+        <p:spPr/>
+        <p:txBody>
+          <a:bodyPr/>
+          <a:lstStyle/>
+          <a:p>
+            <a:fld id="{FB38BE01-6562-DE45-9404-D6DD8A86E18A}" type="slidenum">
+              <a:rPr lang="en-US" smtClean="0"/>
+              <a:t>16</a:t>
+            </a:fld>
+            <a:endParaRPr lang="en-US"/>
+          </a:p>
+        </p:txBody>
+      </p:sp>
+    </p:spTree>
+    <p:extLst>
+      <p:ext uri="{BB962C8B-B14F-4D97-AF65-F5344CB8AC3E}">
+        <p14:creationId xmlns:p14="http://schemas.microsoft.com/office/powerpoint/2010/main" val="1965693612"/>
+      </p:ext>
+    </p:extLst>
+  </p:cSld>
+  <p:clrMapOvr>
+    <a:masterClrMapping/>
+  </p:clrMapOvr>
+</p:notes>
+</file>
+
+<file path=ppt/notesSlides/notesSlide3.xml><?xml version="1.0" encoding="utf-8"?>
+<p:notes xmlns:a="http://schemas.openxmlformats.org/drawingml/2006/main" xmlns:r="http://schemas.openxmlformats.org/officeDocument/2006/relationships" xmlns:p="http://schemas.openxmlformats.org/presentationml/2006/main">
+  <p:cSld>
+    <p:spTree>
+      <p:nvGrpSpPr>
+        <p:cNvPr id="1" name=""/>
+        <p:cNvGrpSpPr/>
+        <p:nvPr/>
+      </p:nvGrpSpPr>
+      <p:grpSpPr>
+        <a:xfrm>
+          <a:off x="0" y="0"/>
+          <a:ext cx="0" cy="0"/>
+          <a:chOff x="0" y="0"/>
+          <a:chExt cx="0" cy="0"/>
+        </a:xfrm>
+      </p:grpSpPr>
+      <p:sp>
+        <p:nvSpPr>
+          <p:cNvPr id="2" name="Slide Image Placeholder 1"/>
+          <p:cNvSpPr>
+            <a:spLocks noGrp="1" noRot="1" noChangeAspect="1"/>
+          </p:cNvSpPr>
+          <p:nvPr>
+            <p:ph type="sldImg"/>
+          </p:nvPr>
+        </p:nvSpPr>
+        <p:spPr/>
+      </p:sp>
+      <p:sp>
+        <p:nvSpPr>
+          <p:cNvPr id="3" name="Notes Placeholder 2"/>
+          <p:cNvSpPr>
+            <a:spLocks noGrp="1"/>
+          </p:cNvSpPr>
+          <p:nvPr>
+            <p:ph type="body" idx="1"/>
+          </p:nvPr>
+        </p:nvSpPr>
+        <p:spPr/>
+        <p:txBody>
+          <a:bodyPr/>
+          <a:lstStyle/>
+          <a:p>
+            <a:r>
+              <a:rPr lang="en-US" dirty="0" smtClean="0"/>
+              <a:t>Note</a:t>
+            </a:r>
+            <a:r>
+              <a:rPr lang="en-US" baseline="0" dirty="0" smtClean="0"/>
+              <a:t> verbally that the </a:t>
+            </a:r>
+            <a:r>
+              <a:rPr lang="en-US" baseline="0" dirty="0" err="1" smtClean="0"/>
+              <a:t>coeffs.setter</a:t>
+            </a:r>
+            <a:r>
+              <a:rPr lang="en-US" baseline="0" dirty="0" smtClean="0"/>
+              <a:t> function is a good example of production-level code </a:t>
+            </a:r>
+            <a:endParaRPr lang="en-US" dirty="0"/>
+          </a:p>
+        </p:txBody>
+      </p:sp>
+      <p:sp>
+        <p:nvSpPr>
+          <p:cNvPr id="4" name="Slide Number Placeholder 3"/>
+          <p:cNvSpPr>
+            <a:spLocks noGrp="1"/>
+          </p:cNvSpPr>
+          <p:nvPr>
+            <p:ph type="sldNum" sz="quarter" idx="10"/>
+          </p:nvPr>
+        </p:nvSpPr>
+        <p:spPr/>
+        <p:txBody>
+          <a:bodyPr/>
+          <a:lstStyle/>
+          <a:p>
+            <a:fld id="{FB38BE01-6562-DE45-9404-D6DD8A86E18A}" type="slidenum">
+              <a:rPr lang="en-US" smtClean="0"/>
+              <a:t>18</a:t>
+            </a:fld>
+            <a:endParaRPr lang="en-US"/>
+          </a:p>
+        </p:txBody>
+      </p:sp>
+    </p:spTree>
+    <p:extLst>
+      <p:ext uri="{BB962C8B-B14F-4D97-AF65-F5344CB8AC3E}">
+        <p14:creationId xmlns:p14="http://schemas.microsoft.com/office/powerpoint/2010/main" val="505673754"/>
+      </p:ext>
+    </p:extLst>
+  </p:cSld>
+  <p:clrMapOvr>
+    <a:masterClrMapping/>
+  </p:clrMapOvr>
+</p:notes>
+</file>
+
+<file path=ppt/notesSlides/notesSlide4.xml><?xml version="1.0" encoding="utf-8"?>
+<p:notes xmlns:a="http://schemas.openxmlformats.org/drawingml/2006/main" xmlns:r="http://schemas.openxmlformats.org/officeDocument/2006/relationships" xmlns:p="http://schemas.openxmlformats.org/presentationml/2006/main">
+  <p:cSld>
+    <p:spTree>
+      <p:nvGrpSpPr>
+        <p:cNvPr id="1" name=""/>
+        <p:cNvGrpSpPr/>
+        <p:nvPr/>
+      </p:nvGrpSpPr>
+      <p:grpSpPr>
+        <a:xfrm>
+          <a:off x="0" y="0"/>
+          <a:ext cx="0" cy="0"/>
+          <a:chOff x="0" y="0"/>
+          <a:chExt cx="0" cy="0"/>
+        </a:xfrm>
+      </p:grpSpPr>
+      <p:sp>
+        <p:nvSpPr>
+          <p:cNvPr id="2" name="Slide Image Placeholder 1"/>
+          <p:cNvSpPr>
+            <a:spLocks noGrp="1" noRot="1" noChangeAspect="1"/>
+          </p:cNvSpPr>
+          <p:nvPr>
+            <p:ph type="sldImg"/>
+          </p:nvPr>
+        </p:nvSpPr>
+        <p:spPr/>
+      </p:sp>
+      <p:sp>
+        <p:nvSpPr>
+          <p:cNvPr id="3" name="Notes Placeholder 2"/>
+          <p:cNvSpPr>
+            <a:spLocks noGrp="1"/>
+          </p:cNvSpPr>
+          <p:nvPr>
+            <p:ph type="body" idx="1"/>
+          </p:nvPr>
+        </p:nvSpPr>
+        <p:spPr/>
+        <p:txBody>
+          <a:bodyPr/>
+          <a:lstStyle/>
+          <a:p>
+            <a:r>
+              <a:rPr lang="en-US" dirty="0" smtClean="0"/>
+              <a:t>Note verbally here that when developers speak</a:t>
+            </a:r>
+            <a:r>
+              <a:rPr lang="en-US" baseline="0" dirty="0" smtClean="0"/>
+              <a:t> of ”callable objects” they’re not just referring to functions. This also includes classes with a __call__ function. </a:t>
+            </a:r>
+            <a:endParaRPr lang="en-US" dirty="0"/>
+          </a:p>
+        </p:txBody>
+      </p:sp>
+      <p:sp>
+        <p:nvSpPr>
+          <p:cNvPr id="4" name="Slide Number Placeholder 3"/>
+          <p:cNvSpPr>
+            <a:spLocks noGrp="1"/>
+          </p:cNvSpPr>
+          <p:nvPr>
+            <p:ph type="sldNum" sz="quarter" idx="10"/>
+          </p:nvPr>
+        </p:nvSpPr>
+        <p:spPr/>
+        <p:txBody>
+          <a:bodyPr/>
+          <a:lstStyle/>
+          <a:p>
+            <a:fld id="{FB38BE01-6562-DE45-9404-D6DD8A86E18A}" type="slidenum">
+              <a:rPr lang="en-US" smtClean="0"/>
+              <a:t>19</a:t>
+            </a:fld>
+            <a:endParaRPr lang="en-US"/>
+          </a:p>
+        </p:txBody>
+      </p:sp>
+    </p:spTree>
+    <p:extLst>
+      <p:ext uri="{BB962C8B-B14F-4D97-AF65-F5344CB8AC3E}">
+        <p14:creationId xmlns:p14="http://schemas.microsoft.com/office/powerpoint/2010/main" val="810331557"/>
+      </p:ext>
+    </p:extLst>
+  </p:cSld>
+  <p:clrMapOvr>
+    <a:masterClrMapping/>
+  </p:clrMapOvr>
+</p:notes>
+</file>
+
 <file path=ppt/slideLayouts/slideLayout1.xml><?xml version="1.0" encoding="utf-8"?>
 <p:sldLayout xmlns:a="http://schemas.openxmlformats.org/drawingml/2006/main" xmlns:r="http://schemas.openxmlformats.org/officeDocument/2006/relationships" xmlns:p="http://schemas.openxmlformats.org/presentationml/2006/main" type="title" preserve="1">
   <p:cSld name="Title Slide">
@@ -751,7 +1171,7 @@
           <a:p>
             <a:fld id="{51673806-0BCD-1F42-BAA8-2011034B3C6A}" type="datetimeFigureOut">
               <a:rPr lang="en-US" smtClean="0"/>
-              <a:t>5/5/20</a:t>
+              <a:t>5/12/20</a:t>
             </a:fld>
             <a:endParaRPr lang="en-US"/>
           </a:p>
@@ -1165,7 +1585,7 @@
           <a:p>
             <a:fld id="{51673806-0BCD-1F42-BAA8-2011034B3C6A}" type="datetimeFigureOut">
               <a:rPr lang="en-US" smtClean="0"/>
-              <a:t>5/5/20</a:t>
+              <a:t>5/12/20</a:t>
             </a:fld>
             <a:endParaRPr lang="en-US"/>
           </a:p>
@@ -1496,7 +1916,7 @@
           <a:p>
             <a:fld id="{51673806-0BCD-1F42-BAA8-2011034B3C6A}" type="datetimeFigureOut">
               <a:rPr lang="en-US" smtClean="0"/>
-              <a:t>5/5/20</a:t>
+              <a:t>5/12/20</a:t>
             </a:fld>
             <a:endParaRPr lang="en-US"/>
           </a:p>
@@ -1896,7 +2316,7 @@
           <a:p>
             <a:fld id="{51673806-0BCD-1F42-BAA8-2011034B3C6A}" type="datetimeFigureOut">
               <a:rPr lang="en-US" smtClean="0"/>
-              <a:t>5/5/20</a:t>
+              <a:t>5/12/20</a:t>
             </a:fld>
             <a:endParaRPr lang="en-US"/>
           </a:p>
@@ -2459,7 +2879,7 @@
           <a:p>
             <a:fld id="{51673806-0BCD-1F42-BAA8-2011034B3C6A}" type="datetimeFigureOut">
               <a:rPr lang="en-US" smtClean="0"/>
-              <a:t>5/5/20</a:t>
+              <a:t>5/12/20</a:t>
             </a:fld>
             <a:endParaRPr lang="en-US"/>
           </a:p>
@@ -3135,7 +3555,7 @@
           <a:p>
             <a:fld id="{51673806-0BCD-1F42-BAA8-2011034B3C6A}" type="datetimeFigureOut">
               <a:rPr lang="en-US" smtClean="0"/>
-              <a:t>5/5/20</a:t>
+              <a:t>5/12/20</a:t>
             </a:fld>
             <a:endParaRPr lang="en-US"/>
           </a:p>
@@ -4043,7 +4463,7 @@
           <a:p>
             <a:fld id="{51673806-0BCD-1F42-BAA8-2011034B3C6A}" type="datetimeFigureOut">
               <a:rPr lang="en-US" smtClean="0"/>
-              <a:t>5/5/20</a:t>
+              <a:t>5/12/20</a:t>
             </a:fld>
             <a:endParaRPr lang="en-US"/>
           </a:p>
@@ -4351,7 +4771,7 @@
           <a:p>
             <a:fld id="{51673806-0BCD-1F42-BAA8-2011034B3C6A}" type="datetimeFigureOut">
               <a:rPr lang="en-US" smtClean="0"/>
-              <a:t>5/5/20</a:t>
+              <a:t>5/12/20</a:t>
             </a:fld>
             <a:endParaRPr lang="en-US"/>
           </a:p>
@@ -4610,7 +5030,7 @@
           <a:p>
             <a:fld id="{51673806-0BCD-1F42-BAA8-2011034B3C6A}" type="datetimeFigureOut">
               <a:rPr lang="en-US" smtClean="0"/>
-              <a:t>5/5/20</a:t>
+              <a:t>5/12/20</a:t>
             </a:fld>
             <a:endParaRPr lang="en-US"/>
           </a:p>
@@ -4933,7 +5353,7 @@
           <a:p>
             <a:fld id="{51673806-0BCD-1F42-BAA8-2011034B3C6A}" type="datetimeFigureOut">
               <a:rPr lang="en-US" smtClean="0"/>
-              <a:t>5/5/20</a:t>
+              <a:t>5/12/20</a:t>
             </a:fld>
             <a:endParaRPr lang="en-US"/>
           </a:p>
@@ -5317,7 +5737,7 @@
           <a:p>
             <a:fld id="{51673806-0BCD-1F42-BAA8-2011034B3C6A}" type="datetimeFigureOut">
               <a:rPr lang="en-US" smtClean="0"/>
-              <a:t>5/5/20</a:t>
+              <a:t>5/12/20</a:t>
             </a:fld>
             <a:endParaRPr lang="en-US"/>
           </a:p>
@@ -5693,7 +6113,7 @@
           <a:p>
             <a:fld id="{51673806-0BCD-1F42-BAA8-2011034B3C6A}" type="datetimeFigureOut">
               <a:rPr lang="en-US" smtClean="0"/>
-              <a:t>5/5/20</a:t>
+              <a:t>5/12/20</a:t>
             </a:fld>
             <a:endParaRPr lang="en-US"/>
           </a:p>
@@ -6199,7 +6619,7 @@
           <a:p>
             <a:fld id="{51673806-0BCD-1F42-BAA8-2011034B3C6A}" type="datetimeFigureOut">
               <a:rPr lang="en-US" smtClean="0"/>
-              <a:t>5/5/20</a:t>
+              <a:t>5/12/20</a:t>
             </a:fld>
             <a:endParaRPr lang="en-US"/>
           </a:p>
@@ -6456,7 +6876,7 @@
           <a:p>
             <a:fld id="{51673806-0BCD-1F42-BAA8-2011034B3C6A}" type="datetimeFigureOut">
               <a:rPr lang="en-US" smtClean="0"/>
-              <a:t>5/5/20</a:t>
+              <a:t>5/12/20</a:t>
             </a:fld>
             <a:endParaRPr lang="en-US"/>
           </a:p>
@@ -6614,7 +7034,7 @@
           <a:p>
             <a:fld id="{51673806-0BCD-1F42-BAA8-2011034B3C6A}" type="datetimeFigureOut">
               <a:rPr lang="en-US" smtClean="0"/>
-              <a:t>5/5/20</a:t>
+              <a:t>5/12/20</a:t>
             </a:fld>
             <a:endParaRPr lang="en-US"/>
           </a:p>
@@ -7004,7 +7424,7 @@
           <a:p>
             <a:fld id="{51673806-0BCD-1F42-BAA8-2011034B3C6A}" type="datetimeFigureOut">
               <a:rPr lang="en-US" smtClean="0"/>
-              <a:t>5/5/20</a:t>
+              <a:t>5/12/20</a:t>
             </a:fld>
             <a:endParaRPr lang="en-US"/>
           </a:p>
@@ -7413,7 +7833,7 @@
           <a:p>
             <a:fld id="{51673806-0BCD-1F42-BAA8-2011034B3C6A}" type="datetimeFigureOut">
               <a:rPr lang="en-US" smtClean="0"/>
-              <a:t>5/5/20</a:t>
+              <a:t>5/12/20</a:t>
             </a:fld>
             <a:endParaRPr lang="en-US"/>
           </a:p>
@@ -7661,7 +8081,7 @@
             <a:fld id="{51673806-0BCD-1F42-BAA8-2011034B3C6A}" type="datetimeFigureOut">
               <a:rPr lang="en-US" smtClean="0"/>
               <a:pPr/>
-              <a:t>5/5/20</a:t>
+              <a:t>5/12/20</a:t>
             </a:fld>
             <a:endParaRPr lang="en-US" dirty="0"/>
           </a:p>
@@ -8168,6 +8588,2909 @@
 </p:sld>
 </file>
 
+<file path=ppt/slides/slide10.xml><?xml version="1.0" encoding="utf-8"?>
+<p:sld xmlns:a="http://schemas.openxmlformats.org/drawingml/2006/main" xmlns:r="http://schemas.openxmlformats.org/officeDocument/2006/relationships" xmlns:p="http://schemas.openxmlformats.org/presentationml/2006/main">
+  <p:cSld>
+    <p:spTree>
+      <p:nvGrpSpPr>
+        <p:cNvPr id="1" name=""/>
+        <p:cNvGrpSpPr/>
+        <p:nvPr/>
+      </p:nvGrpSpPr>
+      <p:grpSpPr>
+        <a:xfrm>
+          <a:off x="0" y="0"/>
+          <a:ext cx="0" cy="0"/>
+          <a:chOff x="0" y="0"/>
+          <a:chExt cx="0" cy="0"/>
+        </a:xfrm>
+      </p:grpSpPr>
+      <p:sp>
+        <p:nvSpPr>
+          <p:cNvPr id="2" name="Title 1"/>
+          <p:cNvSpPr>
+            <a:spLocks noGrp="1"/>
+          </p:cNvSpPr>
+          <p:nvPr>
+            <p:ph type="title"/>
+          </p:nvPr>
+        </p:nvSpPr>
+        <p:spPr/>
+        <p:txBody>
+          <a:bodyPr/>
+          <a:lstStyle/>
+          <a:p>
+            <a:r>
+              <a:rPr lang="en-US" dirty="0" smtClean="0"/>
+              <a:t>Dogs in Python </a:t>
+            </a:r>
+            <a:endParaRPr lang="en-US" dirty="0"/>
+          </a:p>
+        </p:txBody>
+      </p:sp>
+      <p:sp>
+        <p:nvSpPr>
+          <p:cNvPr id="3" name="Content Placeholder 2"/>
+          <p:cNvSpPr>
+            <a:spLocks noGrp="1"/>
+          </p:cNvSpPr>
+          <p:nvPr>
+            <p:ph idx="1"/>
+          </p:nvPr>
+        </p:nvSpPr>
+        <p:spPr>
+          <a:xfrm>
+            <a:off x="680321" y="2336872"/>
+            <a:ext cx="10360093" cy="4295747"/>
+          </a:xfrm>
+        </p:spPr>
+        <p:txBody>
+          <a:bodyPr>
+            <a:normAutofit/>
+          </a:bodyPr>
+          <a:lstStyle/>
+          <a:p>
+            <a:pPr marL="0" marR="0" lvl="0" indent="0" defTabSz="914400" eaLnBrk="1" fontAlgn="auto" latinLnBrk="0" hangingPunct="1">
+              <a:lnSpc>
+                <a:spcPct val="100000"/>
+              </a:lnSpc>
+              <a:spcBef>
+                <a:spcPts val="0"/>
+              </a:spcBef>
+              <a:spcAft>
+                <a:spcPts val="0"/>
+              </a:spcAft>
+              <a:buClrTx/>
+              <a:buSzTx/>
+              <a:buFontTx/>
+              <a:buNone/>
+              <a:tabLst/>
+              <a:defRPr/>
+            </a:pPr>
+            <a:r>
+              <a:rPr lang="en-US" dirty="0" smtClean="0"/>
+              <a:t>Classes can have functions too. The syntax is the same as any other </a:t>
+            </a:r>
+            <a:r>
+              <a:rPr lang="en-US" i="1" dirty="0" err="1" smtClean="0"/>
+              <a:t>def</a:t>
+            </a:r>
+            <a:r>
+              <a:rPr lang="en-US" dirty="0" smtClean="0"/>
+              <a:t> statement, except it occurs within the class and is thus indented </a:t>
+            </a:r>
+          </a:p>
+          <a:p>
+            <a:pPr marL="0" marR="0" lvl="0" indent="0" defTabSz="914400" eaLnBrk="1" fontAlgn="auto" latinLnBrk="0" hangingPunct="1">
+              <a:lnSpc>
+                <a:spcPct val="100000"/>
+              </a:lnSpc>
+              <a:spcBef>
+                <a:spcPts val="0"/>
+              </a:spcBef>
+              <a:spcAft>
+                <a:spcPts val="0"/>
+              </a:spcAft>
+              <a:buClrTx/>
+              <a:buSzTx/>
+              <a:buFontTx/>
+              <a:buNone/>
+              <a:tabLst/>
+              <a:defRPr/>
+            </a:pPr>
+            <a:endParaRPr lang="en-US" dirty="0"/>
+          </a:p>
+          <a:p>
+            <a:pPr marL="0" marR="0" lvl="0" indent="0" defTabSz="914400" eaLnBrk="1" fontAlgn="auto" latinLnBrk="0" hangingPunct="1">
+              <a:lnSpc>
+                <a:spcPct val="100000"/>
+              </a:lnSpc>
+              <a:spcBef>
+                <a:spcPts val="0"/>
+              </a:spcBef>
+              <a:spcAft>
+                <a:spcPts val="0"/>
+              </a:spcAft>
+              <a:buClrTx/>
+              <a:buSzTx/>
+              <a:buFontTx/>
+              <a:buNone/>
+              <a:tabLst/>
+              <a:defRPr/>
+            </a:pPr>
+            <a:r>
+              <a:rPr lang="en-US" dirty="0" smtClean="0"/>
+              <a:t>These functions can have any number of subroutines, just like other functions, and can access properties and other functions via </a:t>
+            </a:r>
+            <a:r>
+              <a:rPr lang="en-US" i="1" dirty="0" smtClean="0"/>
+              <a:t>self</a:t>
+            </a:r>
+            <a:r>
+              <a:rPr lang="en-US" dirty="0"/>
+              <a:t> </a:t>
+            </a:r>
+            <a:endParaRPr lang="en-US" dirty="0" smtClean="0"/>
+          </a:p>
+          <a:p>
+            <a:pPr marL="0" marR="0" lvl="0" indent="0" defTabSz="914400" eaLnBrk="1" fontAlgn="auto" latinLnBrk="0" hangingPunct="1">
+              <a:lnSpc>
+                <a:spcPct val="100000"/>
+              </a:lnSpc>
+              <a:spcBef>
+                <a:spcPts val="0"/>
+              </a:spcBef>
+              <a:spcAft>
+                <a:spcPts val="0"/>
+              </a:spcAft>
+              <a:buClrTx/>
+              <a:buSzTx/>
+              <a:buFontTx/>
+              <a:buNone/>
+              <a:tabLst/>
+              <a:defRPr/>
+            </a:pPr>
+            <a:endParaRPr lang="en-US" dirty="0"/>
+          </a:p>
+          <a:p>
+            <a:pPr marL="0" marR="0" lvl="0" indent="0" defTabSz="914400" eaLnBrk="1" fontAlgn="auto" latinLnBrk="0" hangingPunct="1">
+              <a:lnSpc>
+                <a:spcPct val="100000"/>
+              </a:lnSpc>
+              <a:spcBef>
+                <a:spcPts val="0"/>
+              </a:spcBef>
+              <a:spcAft>
+                <a:spcPts val="0"/>
+              </a:spcAft>
+              <a:buClrTx/>
+              <a:buSzTx/>
+              <a:buFontTx/>
+              <a:buNone/>
+              <a:tabLst/>
+              <a:defRPr/>
+            </a:pPr>
+            <a:endParaRPr lang="en-US" dirty="0" smtClean="0"/>
+          </a:p>
+          <a:p>
+            <a:pPr marL="0" marR="0" lvl="0" indent="0" defTabSz="914400" eaLnBrk="1" fontAlgn="auto" latinLnBrk="0" hangingPunct="1">
+              <a:lnSpc>
+                <a:spcPct val="100000"/>
+              </a:lnSpc>
+              <a:spcBef>
+                <a:spcPts val="0"/>
+              </a:spcBef>
+              <a:spcAft>
+                <a:spcPts val="0"/>
+              </a:spcAft>
+              <a:buClrTx/>
+              <a:buSzTx/>
+              <a:buFontTx/>
+              <a:buNone/>
+              <a:tabLst/>
+              <a:defRPr/>
+            </a:pPr>
+            <a:endParaRPr lang="en-US" dirty="0"/>
+          </a:p>
+          <a:p>
+            <a:pPr marL="0" marR="0" lvl="0" indent="0" defTabSz="914400" eaLnBrk="1" fontAlgn="auto" latinLnBrk="0" hangingPunct="1">
+              <a:lnSpc>
+                <a:spcPct val="100000"/>
+              </a:lnSpc>
+              <a:spcBef>
+                <a:spcPts val="0"/>
+              </a:spcBef>
+              <a:spcAft>
+                <a:spcPts val="0"/>
+              </a:spcAft>
+              <a:buClrTx/>
+              <a:buSzTx/>
+              <a:buFontTx/>
+              <a:buNone/>
+              <a:tabLst/>
+              <a:defRPr/>
+            </a:pPr>
+            <a:endParaRPr lang="en-US" dirty="0" smtClean="0"/>
+          </a:p>
+          <a:p>
+            <a:pPr marL="0" marR="0" lvl="0" indent="0" defTabSz="914400" eaLnBrk="1" fontAlgn="auto" latinLnBrk="0" hangingPunct="1">
+              <a:lnSpc>
+                <a:spcPct val="100000"/>
+              </a:lnSpc>
+              <a:spcBef>
+                <a:spcPts val="0"/>
+              </a:spcBef>
+              <a:spcAft>
+                <a:spcPts val="0"/>
+              </a:spcAft>
+              <a:buClrTx/>
+              <a:buSzTx/>
+              <a:buFontTx/>
+              <a:buNone/>
+              <a:tabLst/>
+              <a:defRPr/>
+            </a:pPr>
+            <a:r>
+              <a:rPr lang="en-US" dirty="0" smtClean="0"/>
+              <a:t>Note: </a:t>
+            </a:r>
+            <a:r>
+              <a:rPr lang="en-US" i="1" dirty="0" smtClean="0"/>
+              <a:t>self</a:t>
+            </a:r>
+            <a:r>
+              <a:rPr lang="en-US" dirty="0" smtClean="0"/>
+              <a:t> is not a python keyword. It is standard convention to use </a:t>
+            </a:r>
+            <a:r>
+              <a:rPr lang="en-US" i="1" dirty="0" smtClean="0"/>
+              <a:t>self</a:t>
+            </a:r>
+            <a:r>
+              <a:rPr lang="en-US" dirty="0" smtClean="0"/>
+              <a:t> to refer to the instance of the class (i.e. the object). </a:t>
+            </a:r>
+            <a:endParaRPr lang="en-US" dirty="0"/>
+          </a:p>
+        </p:txBody>
+      </p:sp>
+      <p:pic>
+        <p:nvPicPr>
+          <p:cNvPr id="6" name="Picture 5"/>
+          <p:cNvPicPr>
+            <a:picLocks noChangeAspect="1"/>
+          </p:cNvPicPr>
+          <p:nvPr/>
+        </p:nvPicPr>
+        <p:blipFill>
+          <a:blip r:embed="rId2">
+            <a:extLst>
+              <a:ext uri="{28A0092B-C50C-407E-A947-70E740481C1C}">
+                <a14:useLocalDpi xmlns:a14="http://schemas.microsoft.com/office/drawing/2010/main" val="0"/>
+              </a:ext>
+            </a:extLst>
+          </a:blip>
+          <a:stretch>
+            <a:fillRect/>
+          </a:stretch>
+        </p:blipFill>
+        <p:spPr>
+          <a:xfrm>
+            <a:off x="7217714" y="4081363"/>
+            <a:ext cx="3822700" cy="1536700"/>
+          </a:xfrm>
+          <a:prstGeom prst="rect">
+            <a:avLst/>
+          </a:prstGeom>
+        </p:spPr>
+      </p:pic>
+      <p:pic>
+        <p:nvPicPr>
+          <p:cNvPr id="7" name="Picture 6"/>
+          <p:cNvPicPr>
+            <a:picLocks noChangeAspect="1"/>
+          </p:cNvPicPr>
+          <p:nvPr/>
+        </p:nvPicPr>
+        <p:blipFill>
+          <a:blip r:embed="rId3">
+            <a:extLst>
+              <a:ext uri="{28A0092B-C50C-407E-A947-70E740481C1C}">
+                <a14:useLocalDpi xmlns:a14="http://schemas.microsoft.com/office/drawing/2010/main" val="0"/>
+              </a:ext>
+            </a:extLst>
+          </a:blip>
+          <a:stretch>
+            <a:fillRect/>
+          </a:stretch>
+        </p:blipFill>
+        <p:spPr>
+          <a:xfrm>
+            <a:off x="1047750" y="4265513"/>
+            <a:ext cx="5041900" cy="1168400"/>
+          </a:xfrm>
+          <a:prstGeom prst="rect">
+            <a:avLst/>
+          </a:prstGeom>
+        </p:spPr>
+      </p:pic>
+    </p:spTree>
+    <p:extLst>
+      <p:ext uri="{BB962C8B-B14F-4D97-AF65-F5344CB8AC3E}">
+        <p14:creationId xmlns:p14="http://schemas.microsoft.com/office/powerpoint/2010/main" val="1997452873"/>
+      </p:ext>
+    </p:extLst>
+  </p:cSld>
+  <p:clrMapOvr>
+    <a:masterClrMapping/>
+  </p:clrMapOvr>
+</p:sld>
+</file>
+
+<file path=ppt/slides/slide11.xml><?xml version="1.0" encoding="utf-8"?>
+<p:sld xmlns:a="http://schemas.openxmlformats.org/drawingml/2006/main" xmlns:r="http://schemas.openxmlformats.org/officeDocument/2006/relationships" xmlns:p="http://schemas.openxmlformats.org/presentationml/2006/main">
+  <p:cSld>
+    <p:spTree>
+      <p:nvGrpSpPr>
+        <p:cNvPr id="1" name=""/>
+        <p:cNvGrpSpPr/>
+        <p:nvPr/>
+      </p:nvGrpSpPr>
+      <p:grpSpPr>
+        <a:xfrm>
+          <a:off x="0" y="0"/>
+          <a:ext cx="0" cy="0"/>
+          <a:chOff x="0" y="0"/>
+          <a:chExt cx="0" cy="0"/>
+        </a:xfrm>
+      </p:grpSpPr>
+      <p:sp>
+        <p:nvSpPr>
+          <p:cNvPr id="2" name="Title 1"/>
+          <p:cNvSpPr>
+            <a:spLocks noGrp="1"/>
+          </p:cNvSpPr>
+          <p:nvPr>
+            <p:ph type="title"/>
+          </p:nvPr>
+        </p:nvSpPr>
+        <p:spPr/>
+        <p:txBody>
+          <a:bodyPr/>
+          <a:lstStyle/>
+          <a:p>
+            <a:r>
+              <a:rPr lang="en-US" dirty="0" smtClean="0"/>
+              <a:t>Static Methods </a:t>
+            </a:r>
+            <a:endParaRPr lang="en-US" dirty="0"/>
+          </a:p>
+        </p:txBody>
+      </p:sp>
+      <p:sp>
+        <p:nvSpPr>
+          <p:cNvPr id="3" name="Content Placeholder 2"/>
+          <p:cNvSpPr>
+            <a:spLocks noGrp="1"/>
+          </p:cNvSpPr>
+          <p:nvPr>
+            <p:ph idx="1"/>
+          </p:nvPr>
+        </p:nvSpPr>
+        <p:spPr>
+          <a:xfrm>
+            <a:off x="680321" y="2336873"/>
+            <a:ext cx="9613861" cy="4323234"/>
+          </a:xfrm>
+        </p:spPr>
+        <p:txBody>
+          <a:bodyPr>
+            <a:normAutofit/>
+          </a:bodyPr>
+          <a:lstStyle/>
+          <a:p>
+            <a:pPr marL="0" marR="0" lvl="0" indent="0" defTabSz="914400" eaLnBrk="1" fontAlgn="auto" latinLnBrk="0" hangingPunct="1">
+              <a:lnSpc>
+                <a:spcPct val="100000"/>
+              </a:lnSpc>
+              <a:spcBef>
+                <a:spcPts val="0"/>
+              </a:spcBef>
+              <a:spcAft>
+                <a:spcPts val="0"/>
+              </a:spcAft>
+              <a:buClrTx/>
+              <a:buSzTx/>
+              <a:buFontTx/>
+              <a:buNone/>
+              <a:tabLst/>
+              <a:defRPr/>
+            </a:pPr>
+            <a:r>
+              <a:rPr lang="en-US" dirty="0" smtClean="0"/>
+              <a:t>Functions which are bound to the class and not the object of the class </a:t>
+            </a:r>
+          </a:p>
+          <a:p>
+            <a:pPr marL="0" marR="0" lvl="0" indent="0" defTabSz="914400" eaLnBrk="1" fontAlgn="auto" latinLnBrk="0" hangingPunct="1">
+              <a:lnSpc>
+                <a:spcPct val="100000"/>
+              </a:lnSpc>
+              <a:spcBef>
+                <a:spcPts val="0"/>
+              </a:spcBef>
+              <a:spcAft>
+                <a:spcPts val="0"/>
+              </a:spcAft>
+              <a:buClrTx/>
+              <a:buSzTx/>
+              <a:buFontTx/>
+              <a:buNone/>
+              <a:tabLst/>
+              <a:defRPr/>
+            </a:pPr>
+            <a:endParaRPr lang="en-US" dirty="0" smtClean="0"/>
+          </a:p>
+          <a:p>
+            <a:pPr marL="0" marR="0" lvl="0" indent="0" defTabSz="914400" eaLnBrk="1" fontAlgn="auto" latinLnBrk="0" hangingPunct="1">
+              <a:lnSpc>
+                <a:spcPct val="100000"/>
+              </a:lnSpc>
+              <a:spcBef>
+                <a:spcPts val="0"/>
+              </a:spcBef>
+              <a:spcAft>
+                <a:spcPts val="0"/>
+              </a:spcAft>
+              <a:buClrTx/>
+              <a:buSzTx/>
+              <a:buFontTx/>
+              <a:buNone/>
+              <a:tabLst/>
+              <a:defRPr/>
+            </a:pPr>
+            <a:endParaRPr lang="en-US" dirty="0"/>
+          </a:p>
+          <a:p>
+            <a:pPr marL="0" marR="0" lvl="0" indent="0" defTabSz="914400" eaLnBrk="1" fontAlgn="auto" latinLnBrk="0" hangingPunct="1">
+              <a:lnSpc>
+                <a:spcPct val="100000"/>
+              </a:lnSpc>
+              <a:spcBef>
+                <a:spcPts val="0"/>
+              </a:spcBef>
+              <a:spcAft>
+                <a:spcPts val="0"/>
+              </a:spcAft>
+              <a:buClrTx/>
+              <a:buSzTx/>
+              <a:buFontTx/>
+              <a:buNone/>
+              <a:tabLst/>
+              <a:defRPr/>
+            </a:pPr>
+            <a:r>
+              <a:rPr lang="en-US" dirty="0" smtClean="0"/>
+              <a:t>Can’t access or modify the class</a:t>
+            </a:r>
+          </a:p>
+          <a:p>
+            <a:pPr marL="0" marR="0" lvl="0" indent="0" defTabSz="914400" eaLnBrk="1" fontAlgn="auto" latinLnBrk="0" hangingPunct="1">
+              <a:lnSpc>
+                <a:spcPct val="100000"/>
+              </a:lnSpc>
+              <a:spcBef>
+                <a:spcPts val="0"/>
+              </a:spcBef>
+              <a:spcAft>
+                <a:spcPts val="0"/>
+              </a:spcAft>
+              <a:buClrTx/>
+              <a:buSzTx/>
+              <a:buFontTx/>
+              <a:buNone/>
+              <a:tabLst/>
+              <a:defRPr/>
+            </a:pPr>
+            <a:endParaRPr lang="en-US" dirty="0" smtClean="0"/>
+          </a:p>
+          <a:p>
+            <a:pPr marL="0" marR="0" lvl="0" indent="0" defTabSz="914400" eaLnBrk="1" fontAlgn="auto" latinLnBrk="0" hangingPunct="1">
+              <a:lnSpc>
+                <a:spcPct val="100000"/>
+              </a:lnSpc>
+              <a:spcBef>
+                <a:spcPts val="0"/>
+              </a:spcBef>
+              <a:spcAft>
+                <a:spcPts val="0"/>
+              </a:spcAft>
+              <a:buClrTx/>
+              <a:buSzTx/>
+              <a:buFontTx/>
+              <a:buNone/>
+              <a:tabLst/>
+              <a:defRPr/>
+            </a:pPr>
+            <a:endParaRPr lang="en-US" dirty="0"/>
+          </a:p>
+          <a:p>
+            <a:pPr marL="0" marR="0" lvl="0" indent="0" defTabSz="914400" eaLnBrk="1" fontAlgn="auto" latinLnBrk="0" hangingPunct="1">
+              <a:lnSpc>
+                <a:spcPct val="100000"/>
+              </a:lnSpc>
+              <a:spcBef>
+                <a:spcPts val="0"/>
+              </a:spcBef>
+              <a:spcAft>
+                <a:spcPts val="0"/>
+              </a:spcAft>
+              <a:buClrTx/>
+              <a:buSzTx/>
+              <a:buFontTx/>
+              <a:buNone/>
+              <a:tabLst/>
+              <a:defRPr/>
+            </a:pPr>
+            <a:r>
+              <a:rPr lang="en-US" dirty="0" smtClean="0"/>
+              <a:t>Implemented as part of a class because it makes sense to do so </a:t>
+            </a:r>
+          </a:p>
+          <a:p>
+            <a:pPr marL="0" marR="0" lvl="0" indent="0" defTabSz="914400" eaLnBrk="1" fontAlgn="auto" latinLnBrk="0" hangingPunct="1">
+              <a:lnSpc>
+                <a:spcPct val="100000"/>
+              </a:lnSpc>
+              <a:spcBef>
+                <a:spcPts val="0"/>
+              </a:spcBef>
+              <a:spcAft>
+                <a:spcPts val="0"/>
+              </a:spcAft>
+              <a:buClrTx/>
+              <a:buSzTx/>
+              <a:buFontTx/>
+              <a:buNone/>
+              <a:tabLst/>
+              <a:defRPr/>
+            </a:pPr>
+            <a:endParaRPr lang="en-US" dirty="0" smtClean="0"/>
+          </a:p>
+          <a:p>
+            <a:pPr marL="0" marR="0" lvl="0" indent="0" defTabSz="914400" eaLnBrk="1" fontAlgn="auto" latinLnBrk="0" hangingPunct="1">
+              <a:lnSpc>
+                <a:spcPct val="100000"/>
+              </a:lnSpc>
+              <a:spcBef>
+                <a:spcPts val="0"/>
+              </a:spcBef>
+              <a:spcAft>
+                <a:spcPts val="0"/>
+              </a:spcAft>
+              <a:buClrTx/>
+              <a:buSzTx/>
+              <a:buFontTx/>
+              <a:buNone/>
+              <a:tabLst/>
+              <a:defRPr/>
+            </a:pPr>
+            <a:endParaRPr lang="en-US" dirty="0"/>
+          </a:p>
+          <a:p>
+            <a:pPr marL="0" marR="0" lvl="0" indent="0" defTabSz="914400" eaLnBrk="1" fontAlgn="auto" latinLnBrk="0" hangingPunct="1">
+              <a:lnSpc>
+                <a:spcPct val="100000"/>
+              </a:lnSpc>
+              <a:spcBef>
+                <a:spcPts val="0"/>
+              </a:spcBef>
+              <a:spcAft>
+                <a:spcPts val="0"/>
+              </a:spcAft>
+              <a:buClrTx/>
+              <a:buSzTx/>
+              <a:buFontTx/>
+              <a:buNone/>
+              <a:tabLst/>
+              <a:defRPr/>
+            </a:pPr>
+            <a:r>
+              <a:rPr lang="en-US" dirty="0" smtClean="0"/>
+              <a:t>Created with the </a:t>
+            </a:r>
+            <a:r>
+              <a:rPr lang="en-US" i="1" dirty="0" smtClean="0"/>
+              <a:t>@</a:t>
+            </a:r>
+            <a:r>
+              <a:rPr lang="en-US" i="1" dirty="0" err="1" smtClean="0"/>
+              <a:t>staticmethod</a:t>
+            </a:r>
+            <a:r>
+              <a:rPr lang="en-US" dirty="0" smtClean="0"/>
+              <a:t> decorator </a:t>
+            </a:r>
+            <a:endParaRPr lang="en-US" dirty="0"/>
+          </a:p>
+        </p:txBody>
+      </p:sp>
+    </p:spTree>
+    <p:extLst>
+      <p:ext uri="{BB962C8B-B14F-4D97-AF65-F5344CB8AC3E}">
+        <p14:creationId xmlns:p14="http://schemas.microsoft.com/office/powerpoint/2010/main" val="304644830"/>
+      </p:ext>
+    </p:extLst>
+  </p:cSld>
+  <p:clrMapOvr>
+    <a:masterClrMapping/>
+  </p:clrMapOvr>
+</p:sld>
+</file>
+
+<file path=ppt/slides/slide12.xml><?xml version="1.0" encoding="utf-8"?>
+<p:sld xmlns:a="http://schemas.openxmlformats.org/drawingml/2006/main" xmlns:r="http://schemas.openxmlformats.org/officeDocument/2006/relationships" xmlns:p="http://schemas.openxmlformats.org/presentationml/2006/main">
+  <p:cSld>
+    <p:spTree>
+      <p:nvGrpSpPr>
+        <p:cNvPr id="1" name=""/>
+        <p:cNvGrpSpPr/>
+        <p:nvPr/>
+      </p:nvGrpSpPr>
+      <p:grpSpPr>
+        <a:xfrm>
+          <a:off x="0" y="0"/>
+          <a:ext cx="0" cy="0"/>
+          <a:chOff x="0" y="0"/>
+          <a:chExt cx="0" cy="0"/>
+        </a:xfrm>
+      </p:grpSpPr>
+      <p:sp>
+        <p:nvSpPr>
+          <p:cNvPr id="2" name="Title 1"/>
+          <p:cNvSpPr>
+            <a:spLocks noGrp="1"/>
+          </p:cNvSpPr>
+          <p:nvPr>
+            <p:ph type="title"/>
+          </p:nvPr>
+        </p:nvSpPr>
+        <p:spPr/>
+        <p:txBody>
+          <a:bodyPr/>
+          <a:lstStyle/>
+          <a:p>
+            <a:r>
+              <a:rPr lang="en-US" dirty="0" smtClean="0"/>
+              <a:t>Dogs in Python </a:t>
+            </a:r>
+            <a:endParaRPr lang="en-US" dirty="0"/>
+          </a:p>
+        </p:txBody>
+      </p:sp>
+      <p:sp>
+        <p:nvSpPr>
+          <p:cNvPr id="3" name="Content Placeholder 2"/>
+          <p:cNvSpPr>
+            <a:spLocks noGrp="1"/>
+          </p:cNvSpPr>
+          <p:nvPr>
+            <p:ph idx="1"/>
+          </p:nvPr>
+        </p:nvSpPr>
+        <p:spPr>
+          <a:xfrm>
+            <a:off x="680322" y="2336873"/>
+            <a:ext cx="4737840" cy="3599316"/>
+          </a:xfrm>
+        </p:spPr>
+        <p:txBody>
+          <a:bodyPr/>
+          <a:lstStyle/>
+          <a:p>
+            <a:pPr marL="0" marR="0" lvl="0" indent="0" defTabSz="914400" eaLnBrk="1" fontAlgn="auto" latinLnBrk="0" hangingPunct="1">
+              <a:lnSpc>
+                <a:spcPct val="100000"/>
+              </a:lnSpc>
+              <a:spcBef>
+                <a:spcPts val="0"/>
+              </a:spcBef>
+              <a:spcAft>
+                <a:spcPts val="0"/>
+              </a:spcAft>
+              <a:buClrTx/>
+              <a:buSzTx/>
+              <a:buFontTx/>
+              <a:buNone/>
+              <a:tabLst/>
+              <a:defRPr/>
+            </a:pPr>
+            <a:r>
+              <a:rPr lang="en-US" dirty="0" smtClean="0"/>
+              <a:t>An example static method: </a:t>
+            </a:r>
+            <a:r>
+              <a:rPr lang="en-US" i="1" dirty="0" err="1" smtClean="0"/>
+              <a:t>is_puppy</a:t>
+            </a:r>
+            <a:r>
+              <a:rPr lang="en-US" i="1" dirty="0" smtClean="0"/>
+              <a:t> </a:t>
+            </a:r>
+            <a:r>
+              <a:rPr lang="en-US" dirty="0" smtClean="0"/>
+              <a:t>to determine if a dog is a puppy or not. </a:t>
+            </a:r>
+          </a:p>
+          <a:p>
+            <a:pPr marL="0" marR="0" lvl="0" indent="0" defTabSz="914400" eaLnBrk="1" fontAlgn="auto" latinLnBrk="0" hangingPunct="1">
+              <a:lnSpc>
+                <a:spcPct val="100000"/>
+              </a:lnSpc>
+              <a:spcBef>
+                <a:spcPts val="0"/>
+              </a:spcBef>
+              <a:spcAft>
+                <a:spcPts val="0"/>
+              </a:spcAft>
+              <a:buClrTx/>
+              <a:buSzTx/>
+              <a:buFontTx/>
+              <a:buNone/>
+              <a:tabLst/>
+              <a:defRPr/>
+            </a:pPr>
+            <a:endParaRPr lang="en-US" dirty="0"/>
+          </a:p>
+          <a:p>
+            <a:pPr marL="0" marR="0" lvl="0" indent="0" defTabSz="914400" eaLnBrk="1" fontAlgn="auto" latinLnBrk="0" hangingPunct="1">
+              <a:lnSpc>
+                <a:spcPct val="100000"/>
+              </a:lnSpc>
+              <a:spcBef>
+                <a:spcPts val="0"/>
+              </a:spcBef>
+              <a:spcAft>
+                <a:spcPts val="0"/>
+              </a:spcAft>
+              <a:buClrTx/>
+              <a:buSzTx/>
+              <a:buFontTx/>
+              <a:buNone/>
+              <a:tabLst/>
+              <a:defRPr/>
+            </a:pPr>
+            <a:r>
+              <a:rPr lang="en-US" dirty="0" smtClean="0"/>
+              <a:t>Do not take </a:t>
+            </a:r>
+            <a:r>
+              <a:rPr lang="en-US" i="1" dirty="0" smtClean="0"/>
+              <a:t>self</a:t>
+            </a:r>
+            <a:r>
+              <a:rPr lang="en-US" dirty="0" smtClean="0"/>
+              <a:t> as an argument, and are called with the name of the class </a:t>
+            </a:r>
+            <a:endParaRPr lang="en-US" dirty="0"/>
+          </a:p>
+        </p:txBody>
+      </p:sp>
+      <p:pic>
+        <p:nvPicPr>
+          <p:cNvPr id="4" name="Picture 3"/>
+          <p:cNvPicPr>
+            <a:picLocks noChangeAspect="1"/>
+          </p:cNvPicPr>
+          <p:nvPr/>
+        </p:nvPicPr>
+        <p:blipFill>
+          <a:blip r:embed="rId2">
+            <a:extLst>
+              <a:ext uri="{28A0092B-C50C-407E-A947-70E740481C1C}">
+                <a14:useLocalDpi xmlns:a14="http://schemas.microsoft.com/office/drawing/2010/main" val="0"/>
+              </a:ext>
+            </a:extLst>
+          </a:blip>
+          <a:stretch>
+            <a:fillRect/>
+          </a:stretch>
+        </p:blipFill>
+        <p:spPr>
+          <a:xfrm>
+            <a:off x="5663822" y="2720338"/>
+            <a:ext cx="6128792" cy="3513841"/>
+          </a:xfrm>
+          <a:prstGeom prst="rect">
+            <a:avLst/>
+          </a:prstGeom>
+        </p:spPr>
+      </p:pic>
+      <p:pic>
+        <p:nvPicPr>
+          <p:cNvPr id="5" name="Picture 4"/>
+          <p:cNvPicPr>
+            <a:picLocks noChangeAspect="1"/>
+          </p:cNvPicPr>
+          <p:nvPr/>
+        </p:nvPicPr>
+        <p:blipFill>
+          <a:blip r:embed="rId3">
+            <a:extLst>
+              <a:ext uri="{28A0092B-C50C-407E-A947-70E740481C1C}">
+                <a14:useLocalDpi xmlns:a14="http://schemas.microsoft.com/office/drawing/2010/main" val="0"/>
+              </a:ext>
+            </a:extLst>
+          </a:blip>
+          <a:stretch>
+            <a:fillRect/>
+          </a:stretch>
+        </p:blipFill>
+        <p:spPr>
+          <a:xfrm>
+            <a:off x="1703042" y="4762496"/>
+            <a:ext cx="2692400" cy="1676400"/>
+          </a:xfrm>
+          <a:prstGeom prst="rect">
+            <a:avLst/>
+          </a:prstGeom>
+        </p:spPr>
+      </p:pic>
+    </p:spTree>
+    <p:extLst>
+      <p:ext uri="{BB962C8B-B14F-4D97-AF65-F5344CB8AC3E}">
+        <p14:creationId xmlns:p14="http://schemas.microsoft.com/office/powerpoint/2010/main" val="1652208343"/>
+      </p:ext>
+    </p:extLst>
+  </p:cSld>
+  <p:clrMapOvr>
+    <a:masterClrMapping/>
+  </p:clrMapOvr>
+</p:sld>
+</file>
+
+<file path=ppt/slides/slide13.xml><?xml version="1.0" encoding="utf-8"?>
+<p:sld xmlns:a="http://schemas.openxmlformats.org/drawingml/2006/main" xmlns:r="http://schemas.openxmlformats.org/officeDocument/2006/relationships" xmlns:p="http://schemas.openxmlformats.org/presentationml/2006/main">
+  <p:cSld>
+    <p:spTree>
+      <p:nvGrpSpPr>
+        <p:cNvPr id="1" name=""/>
+        <p:cNvGrpSpPr/>
+        <p:nvPr/>
+      </p:nvGrpSpPr>
+      <p:grpSpPr>
+        <a:xfrm>
+          <a:off x="0" y="0"/>
+          <a:ext cx="0" cy="0"/>
+          <a:chOff x="0" y="0"/>
+          <a:chExt cx="0" cy="0"/>
+        </a:xfrm>
+      </p:grpSpPr>
+      <p:sp>
+        <p:nvSpPr>
+          <p:cNvPr id="2" name="Title 1"/>
+          <p:cNvSpPr>
+            <a:spLocks noGrp="1"/>
+          </p:cNvSpPr>
+          <p:nvPr>
+            <p:ph type="title"/>
+          </p:nvPr>
+        </p:nvSpPr>
+        <p:spPr/>
+        <p:txBody>
+          <a:bodyPr/>
+          <a:lstStyle/>
+          <a:p>
+            <a:r>
+              <a:rPr lang="en-US" dirty="0" smtClean="0"/>
+              <a:t>Class Methods </a:t>
+            </a:r>
+            <a:endParaRPr lang="en-US" dirty="0"/>
+          </a:p>
+        </p:txBody>
+      </p:sp>
+      <p:sp>
+        <p:nvSpPr>
+          <p:cNvPr id="3" name="Content Placeholder 2"/>
+          <p:cNvSpPr>
+            <a:spLocks noGrp="1"/>
+          </p:cNvSpPr>
+          <p:nvPr>
+            <p:ph idx="1"/>
+          </p:nvPr>
+        </p:nvSpPr>
+        <p:spPr>
+          <a:xfrm>
+            <a:off x="680321" y="2336873"/>
+            <a:ext cx="9613861" cy="4118518"/>
+          </a:xfrm>
+        </p:spPr>
+        <p:txBody>
+          <a:bodyPr/>
+          <a:lstStyle/>
+          <a:p>
+            <a:pPr marL="0" marR="0" lvl="0" indent="0" defTabSz="914400" eaLnBrk="1" fontAlgn="auto" latinLnBrk="0" hangingPunct="1">
+              <a:lnSpc>
+                <a:spcPct val="100000"/>
+              </a:lnSpc>
+              <a:spcBef>
+                <a:spcPts val="0"/>
+              </a:spcBef>
+              <a:spcAft>
+                <a:spcPts val="0"/>
+              </a:spcAft>
+              <a:buClrTx/>
+              <a:buSzTx/>
+              <a:buFontTx/>
+              <a:buNone/>
+              <a:tabLst/>
+              <a:defRPr/>
+            </a:pPr>
+            <a:r>
+              <a:rPr lang="en-US" dirty="0" smtClean="0"/>
+              <a:t>Like static methods, are bound to the class rather than objects of the class </a:t>
+            </a:r>
+          </a:p>
+          <a:p>
+            <a:pPr marL="0" marR="0" lvl="0" indent="0" defTabSz="914400" eaLnBrk="1" fontAlgn="auto" latinLnBrk="0" hangingPunct="1">
+              <a:lnSpc>
+                <a:spcPct val="100000"/>
+              </a:lnSpc>
+              <a:spcBef>
+                <a:spcPts val="0"/>
+              </a:spcBef>
+              <a:spcAft>
+                <a:spcPts val="0"/>
+              </a:spcAft>
+              <a:buClrTx/>
+              <a:buSzTx/>
+              <a:buFontTx/>
+              <a:buNone/>
+              <a:tabLst/>
+              <a:defRPr/>
+            </a:pPr>
+            <a:endParaRPr lang="en-US" dirty="0" smtClean="0"/>
+          </a:p>
+          <a:p>
+            <a:pPr marL="0" marR="0" lvl="0" indent="0" defTabSz="914400" eaLnBrk="1" fontAlgn="auto" latinLnBrk="0" hangingPunct="1">
+              <a:lnSpc>
+                <a:spcPct val="100000"/>
+              </a:lnSpc>
+              <a:spcBef>
+                <a:spcPts val="0"/>
+              </a:spcBef>
+              <a:spcAft>
+                <a:spcPts val="0"/>
+              </a:spcAft>
+              <a:buClrTx/>
+              <a:buSzTx/>
+              <a:buFontTx/>
+              <a:buNone/>
+              <a:tabLst/>
+              <a:defRPr/>
+            </a:pPr>
+            <a:endParaRPr lang="en-US" dirty="0"/>
+          </a:p>
+          <a:p>
+            <a:pPr marL="0" marR="0" lvl="0" indent="0" defTabSz="914400" eaLnBrk="1" fontAlgn="auto" latinLnBrk="0" hangingPunct="1">
+              <a:lnSpc>
+                <a:spcPct val="100000"/>
+              </a:lnSpc>
+              <a:spcBef>
+                <a:spcPts val="0"/>
+              </a:spcBef>
+              <a:spcAft>
+                <a:spcPts val="0"/>
+              </a:spcAft>
+              <a:buClrTx/>
+              <a:buSzTx/>
+              <a:buFontTx/>
+              <a:buNone/>
+              <a:tabLst/>
+              <a:defRPr/>
+            </a:pPr>
+            <a:r>
+              <a:rPr lang="en-US" dirty="0" smtClean="0"/>
+              <a:t>Can access and modify class state, unlike static methods </a:t>
+            </a:r>
+          </a:p>
+          <a:p>
+            <a:pPr marL="0" marR="0" lvl="0" indent="0" defTabSz="914400" eaLnBrk="1" fontAlgn="auto" latinLnBrk="0" hangingPunct="1">
+              <a:lnSpc>
+                <a:spcPct val="100000"/>
+              </a:lnSpc>
+              <a:spcBef>
+                <a:spcPts val="0"/>
+              </a:spcBef>
+              <a:spcAft>
+                <a:spcPts val="0"/>
+              </a:spcAft>
+              <a:buClrTx/>
+              <a:buSzTx/>
+              <a:buFontTx/>
+              <a:buNone/>
+              <a:tabLst/>
+              <a:defRPr/>
+            </a:pPr>
+            <a:endParaRPr lang="en-US" dirty="0"/>
+          </a:p>
+          <a:p>
+            <a:pPr marL="0" marR="0" lvl="0" indent="0" defTabSz="914400" eaLnBrk="1" fontAlgn="auto" latinLnBrk="0" hangingPunct="1">
+              <a:lnSpc>
+                <a:spcPct val="100000"/>
+              </a:lnSpc>
+              <a:spcBef>
+                <a:spcPts val="0"/>
+              </a:spcBef>
+              <a:spcAft>
+                <a:spcPts val="0"/>
+              </a:spcAft>
+              <a:buClrTx/>
+              <a:buSzTx/>
+              <a:buFontTx/>
+              <a:buNone/>
+              <a:tabLst/>
+              <a:defRPr/>
+            </a:pPr>
+            <a:endParaRPr lang="en-US" dirty="0" smtClean="0"/>
+          </a:p>
+          <a:p>
+            <a:pPr marL="0" marR="0" lvl="0" indent="0" defTabSz="914400" eaLnBrk="1" fontAlgn="auto" latinLnBrk="0" hangingPunct="1">
+              <a:lnSpc>
+                <a:spcPct val="100000"/>
+              </a:lnSpc>
+              <a:spcBef>
+                <a:spcPts val="0"/>
+              </a:spcBef>
+              <a:spcAft>
+                <a:spcPts val="0"/>
+              </a:spcAft>
+              <a:buClrTx/>
+              <a:buSzTx/>
+              <a:buFontTx/>
+              <a:buNone/>
+              <a:tabLst/>
+              <a:defRPr/>
+            </a:pPr>
+            <a:r>
+              <a:rPr lang="en-US" dirty="0" smtClean="0"/>
+              <a:t>Return an instance of the class (i.e. an object) </a:t>
+            </a:r>
+          </a:p>
+          <a:p>
+            <a:pPr marL="0" marR="0" lvl="0" indent="0" defTabSz="914400" eaLnBrk="1" fontAlgn="auto" latinLnBrk="0" hangingPunct="1">
+              <a:lnSpc>
+                <a:spcPct val="100000"/>
+              </a:lnSpc>
+              <a:spcBef>
+                <a:spcPts val="0"/>
+              </a:spcBef>
+              <a:spcAft>
+                <a:spcPts val="0"/>
+              </a:spcAft>
+              <a:buClrTx/>
+              <a:buSzTx/>
+              <a:buFontTx/>
+              <a:buNone/>
+              <a:tabLst/>
+              <a:defRPr/>
+            </a:pPr>
+            <a:endParaRPr lang="en-US" dirty="0"/>
+          </a:p>
+          <a:p>
+            <a:pPr marL="0" marR="0" lvl="0" indent="0" defTabSz="914400" eaLnBrk="1" fontAlgn="auto" latinLnBrk="0" hangingPunct="1">
+              <a:lnSpc>
+                <a:spcPct val="100000"/>
+              </a:lnSpc>
+              <a:spcBef>
+                <a:spcPts val="0"/>
+              </a:spcBef>
+              <a:spcAft>
+                <a:spcPts val="0"/>
+              </a:spcAft>
+              <a:buClrTx/>
+              <a:buSzTx/>
+              <a:buFontTx/>
+              <a:buNone/>
+              <a:tabLst/>
+              <a:defRPr/>
+            </a:pPr>
+            <a:endParaRPr lang="en-US" dirty="0" smtClean="0"/>
+          </a:p>
+          <a:p>
+            <a:pPr marL="0" marR="0" lvl="0" indent="0" defTabSz="914400" eaLnBrk="1" fontAlgn="auto" latinLnBrk="0" hangingPunct="1">
+              <a:lnSpc>
+                <a:spcPct val="100000"/>
+              </a:lnSpc>
+              <a:spcBef>
+                <a:spcPts val="0"/>
+              </a:spcBef>
+              <a:spcAft>
+                <a:spcPts val="0"/>
+              </a:spcAft>
+              <a:buClrTx/>
+              <a:buSzTx/>
+              <a:buFontTx/>
+              <a:buNone/>
+              <a:tabLst/>
+              <a:defRPr/>
+            </a:pPr>
+            <a:r>
+              <a:rPr lang="en-US" dirty="0" smtClean="0"/>
+              <a:t>Created with the @</a:t>
+            </a:r>
+            <a:r>
+              <a:rPr lang="en-US" dirty="0" err="1" smtClean="0"/>
+              <a:t>classmethod</a:t>
+            </a:r>
+            <a:r>
+              <a:rPr lang="en-US" dirty="0" smtClean="0"/>
+              <a:t> decorator </a:t>
+            </a:r>
+            <a:endParaRPr lang="en-US" dirty="0"/>
+          </a:p>
+        </p:txBody>
+      </p:sp>
+    </p:spTree>
+    <p:extLst>
+      <p:ext uri="{BB962C8B-B14F-4D97-AF65-F5344CB8AC3E}">
+        <p14:creationId xmlns:p14="http://schemas.microsoft.com/office/powerpoint/2010/main" val="374938074"/>
+      </p:ext>
+    </p:extLst>
+  </p:cSld>
+  <p:clrMapOvr>
+    <a:masterClrMapping/>
+  </p:clrMapOvr>
+</p:sld>
+</file>
+
+<file path=ppt/slides/slide14.xml><?xml version="1.0" encoding="utf-8"?>
+<p:sld xmlns:a="http://schemas.openxmlformats.org/drawingml/2006/main" xmlns:r="http://schemas.openxmlformats.org/officeDocument/2006/relationships" xmlns:p="http://schemas.openxmlformats.org/presentationml/2006/main">
+  <p:cSld>
+    <p:spTree>
+      <p:nvGrpSpPr>
+        <p:cNvPr id="1" name=""/>
+        <p:cNvGrpSpPr/>
+        <p:nvPr/>
+      </p:nvGrpSpPr>
+      <p:grpSpPr>
+        <a:xfrm>
+          <a:off x="0" y="0"/>
+          <a:ext cx="0" cy="0"/>
+          <a:chOff x="0" y="0"/>
+          <a:chExt cx="0" cy="0"/>
+        </a:xfrm>
+      </p:grpSpPr>
+      <p:sp>
+        <p:nvSpPr>
+          <p:cNvPr id="2" name="Title 1"/>
+          <p:cNvSpPr>
+            <a:spLocks noGrp="1"/>
+          </p:cNvSpPr>
+          <p:nvPr>
+            <p:ph type="title"/>
+          </p:nvPr>
+        </p:nvSpPr>
+        <p:spPr/>
+        <p:txBody>
+          <a:bodyPr/>
+          <a:lstStyle/>
+          <a:p>
+            <a:r>
+              <a:rPr lang="en-US" dirty="0" smtClean="0"/>
+              <a:t>Dogs in Python </a:t>
+            </a:r>
+            <a:endParaRPr lang="en-US" dirty="0"/>
+          </a:p>
+        </p:txBody>
+      </p:sp>
+      <p:sp>
+        <p:nvSpPr>
+          <p:cNvPr id="3" name="Content Placeholder 2"/>
+          <p:cNvSpPr>
+            <a:spLocks noGrp="1"/>
+          </p:cNvSpPr>
+          <p:nvPr>
+            <p:ph idx="1"/>
+          </p:nvPr>
+        </p:nvSpPr>
+        <p:spPr>
+          <a:xfrm>
+            <a:off x="680321" y="2336873"/>
+            <a:ext cx="5392933" cy="3599316"/>
+          </a:xfrm>
+        </p:spPr>
+        <p:txBody>
+          <a:bodyPr/>
+          <a:lstStyle/>
+          <a:p>
+            <a:pPr marL="0" marR="0" lvl="0" indent="0" defTabSz="914400" eaLnBrk="1" fontAlgn="auto" latinLnBrk="0" hangingPunct="1">
+              <a:lnSpc>
+                <a:spcPct val="100000"/>
+              </a:lnSpc>
+              <a:spcBef>
+                <a:spcPts val="0"/>
+              </a:spcBef>
+              <a:spcAft>
+                <a:spcPts val="0"/>
+              </a:spcAft>
+              <a:buClrTx/>
+              <a:buSzTx/>
+              <a:buFontTx/>
+              <a:buNone/>
+              <a:tabLst/>
+              <a:defRPr/>
+            </a:pPr>
+            <a:r>
+              <a:rPr lang="en-US" dirty="0" smtClean="0"/>
+              <a:t>An example class method: create Snoopy </a:t>
+            </a:r>
+          </a:p>
+          <a:p>
+            <a:pPr marL="0" marR="0" lvl="0" indent="0" defTabSz="914400" eaLnBrk="1" fontAlgn="auto" latinLnBrk="0" hangingPunct="1">
+              <a:lnSpc>
+                <a:spcPct val="100000"/>
+              </a:lnSpc>
+              <a:spcBef>
+                <a:spcPts val="0"/>
+              </a:spcBef>
+              <a:spcAft>
+                <a:spcPts val="0"/>
+              </a:spcAft>
+              <a:buClrTx/>
+              <a:buSzTx/>
+              <a:buFontTx/>
+              <a:buNone/>
+              <a:tabLst/>
+              <a:defRPr/>
+            </a:pPr>
+            <a:endParaRPr lang="en-US" dirty="0"/>
+          </a:p>
+          <a:p>
+            <a:pPr marL="0" marR="0" lvl="0" indent="0" defTabSz="914400" eaLnBrk="1" fontAlgn="auto" latinLnBrk="0" hangingPunct="1">
+              <a:lnSpc>
+                <a:spcPct val="100000"/>
+              </a:lnSpc>
+              <a:spcBef>
+                <a:spcPts val="0"/>
+              </a:spcBef>
+              <a:spcAft>
+                <a:spcPts val="0"/>
+              </a:spcAft>
+              <a:buClrTx/>
+              <a:buSzTx/>
+              <a:buFontTx/>
+              <a:buNone/>
+              <a:tabLst/>
+              <a:defRPr/>
+            </a:pPr>
+            <a:r>
+              <a:rPr lang="en-US" dirty="0" smtClean="0"/>
+              <a:t>They take the class as the first argument </a:t>
+            </a:r>
+            <a:endParaRPr lang="en-US" dirty="0"/>
+          </a:p>
+        </p:txBody>
+      </p:sp>
+      <p:pic>
+        <p:nvPicPr>
+          <p:cNvPr id="4" name="Picture 3"/>
+          <p:cNvPicPr>
+            <a:picLocks noChangeAspect="1"/>
+          </p:cNvPicPr>
+          <p:nvPr/>
+        </p:nvPicPr>
+        <p:blipFill>
+          <a:blip r:embed="rId2">
+            <a:extLst>
+              <a:ext uri="{28A0092B-C50C-407E-A947-70E740481C1C}">
+                <a14:useLocalDpi xmlns:a14="http://schemas.microsoft.com/office/drawing/2010/main" val="0"/>
+              </a:ext>
+            </a:extLst>
+          </a:blip>
+          <a:stretch>
+            <a:fillRect/>
+          </a:stretch>
+        </p:blipFill>
+        <p:spPr>
+          <a:xfrm>
+            <a:off x="1893151" y="4382191"/>
+            <a:ext cx="3594100" cy="1358900"/>
+          </a:xfrm>
+          <a:prstGeom prst="rect">
+            <a:avLst/>
+          </a:prstGeom>
+        </p:spPr>
+      </p:pic>
+      <p:pic>
+        <p:nvPicPr>
+          <p:cNvPr id="5" name="Picture 4"/>
+          <p:cNvPicPr>
+            <a:picLocks noChangeAspect="1"/>
+          </p:cNvPicPr>
+          <p:nvPr/>
+        </p:nvPicPr>
+        <p:blipFill>
+          <a:blip r:embed="rId3">
+            <a:extLst>
+              <a:ext uri="{28A0092B-C50C-407E-A947-70E740481C1C}">
+                <a14:useLocalDpi xmlns:a14="http://schemas.microsoft.com/office/drawing/2010/main" val="0"/>
+              </a:ext>
+            </a:extLst>
+          </a:blip>
+          <a:stretch>
+            <a:fillRect/>
+          </a:stretch>
+        </p:blipFill>
+        <p:spPr>
+          <a:xfrm>
+            <a:off x="7680097" y="3582091"/>
+            <a:ext cx="2857500" cy="2159000"/>
+          </a:xfrm>
+          <a:prstGeom prst="rect">
+            <a:avLst/>
+          </a:prstGeom>
+        </p:spPr>
+      </p:pic>
+    </p:spTree>
+    <p:extLst>
+      <p:ext uri="{BB962C8B-B14F-4D97-AF65-F5344CB8AC3E}">
+        <p14:creationId xmlns:p14="http://schemas.microsoft.com/office/powerpoint/2010/main" val="1587654744"/>
+      </p:ext>
+    </p:extLst>
+  </p:cSld>
+  <p:clrMapOvr>
+    <a:masterClrMapping/>
+  </p:clrMapOvr>
+</p:sld>
+</file>
+
+<file path=ppt/slides/slide15.xml><?xml version="1.0" encoding="utf-8"?>
+<p:sld xmlns:a="http://schemas.openxmlformats.org/drawingml/2006/main" xmlns:r="http://schemas.openxmlformats.org/officeDocument/2006/relationships" xmlns:p="http://schemas.openxmlformats.org/presentationml/2006/main">
+  <p:cSld>
+    <p:spTree>
+      <p:nvGrpSpPr>
+        <p:cNvPr id="1" name=""/>
+        <p:cNvGrpSpPr/>
+        <p:nvPr/>
+      </p:nvGrpSpPr>
+      <p:grpSpPr>
+        <a:xfrm>
+          <a:off x="0" y="0"/>
+          <a:ext cx="0" cy="0"/>
+          <a:chOff x="0" y="0"/>
+          <a:chExt cx="0" cy="0"/>
+        </a:xfrm>
+      </p:grpSpPr>
+      <p:sp>
+        <p:nvSpPr>
+          <p:cNvPr id="2" name="Title 1"/>
+          <p:cNvSpPr>
+            <a:spLocks noGrp="1"/>
+          </p:cNvSpPr>
+          <p:nvPr>
+            <p:ph type="title"/>
+          </p:nvPr>
+        </p:nvSpPr>
+        <p:spPr/>
+        <p:txBody>
+          <a:bodyPr/>
+          <a:lstStyle/>
+          <a:p>
+            <a:r>
+              <a:rPr lang="en-US" dirty="0" smtClean="0"/>
+              <a:t>Syntactic Sugar </a:t>
+            </a:r>
+            <a:endParaRPr lang="en-US" dirty="0"/>
+          </a:p>
+        </p:txBody>
+      </p:sp>
+      <p:sp>
+        <p:nvSpPr>
+          <p:cNvPr id="3" name="Content Placeholder 2"/>
+          <p:cNvSpPr>
+            <a:spLocks noGrp="1"/>
+          </p:cNvSpPr>
+          <p:nvPr>
+            <p:ph idx="1"/>
+          </p:nvPr>
+        </p:nvSpPr>
+        <p:spPr/>
+        <p:txBody>
+          <a:bodyPr/>
+          <a:lstStyle/>
+          <a:p>
+            <a:pPr marL="0" marR="0" lvl="0" indent="0" defTabSz="914400" eaLnBrk="1" fontAlgn="auto" latinLnBrk="0" hangingPunct="1">
+              <a:lnSpc>
+                <a:spcPct val="100000"/>
+              </a:lnSpc>
+              <a:spcBef>
+                <a:spcPts val="0"/>
+              </a:spcBef>
+              <a:spcAft>
+                <a:spcPts val="0"/>
+              </a:spcAft>
+              <a:buClrTx/>
+              <a:buSzTx/>
+              <a:buFontTx/>
+              <a:buNone/>
+              <a:tabLst/>
+              <a:defRPr/>
+            </a:pPr>
+            <a:r>
+              <a:rPr lang="en-US" dirty="0" smtClean="0"/>
+              <a:t>A line of code which is interpreted the same as another, but is more readable </a:t>
+            </a:r>
+          </a:p>
+          <a:p>
+            <a:pPr marL="0" marR="0" lvl="0" indent="0" defTabSz="914400" eaLnBrk="1" fontAlgn="auto" latinLnBrk="0" hangingPunct="1">
+              <a:lnSpc>
+                <a:spcPct val="100000"/>
+              </a:lnSpc>
+              <a:spcBef>
+                <a:spcPts val="0"/>
+              </a:spcBef>
+              <a:spcAft>
+                <a:spcPts val="0"/>
+              </a:spcAft>
+              <a:buClrTx/>
+              <a:buSzTx/>
+              <a:buFontTx/>
+              <a:buNone/>
+              <a:tabLst/>
+              <a:defRPr/>
+            </a:pPr>
+            <a:endParaRPr lang="en-US" dirty="0"/>
+          </a:p>
+          <a:p>
+            <a:pPr marL="0" marR="0" lvl="0" indent="0" defTabSz="914400" eaLnBrk="1" fontAlgn="auto" latinLnBrk="0" hangingPunct="1">
+              <a:lnSpc>
+                <a:spcPct val="100000"/>
+              </a:lnSpc>
+              <a:spcBef>
+                <a:spcPts val="0"/>
+              </a:spcBef>
+              <a:spcAft>
+                <a:spcPts val="0"/>
+              </a:spcAft>
+              <a:buClrTx/>
+              <a:buSzTx/>
+              <a:buFontTx/>
+              <a:buNone/>
+              <a:tabLst/>
+              <a:defRPr/>
+            </a:pPr>
+            <a:endParaRPr lang="en-US" dirty="0" smtClean="0"/>
+          </a:p>
+          <a:p>
+            <a:pPr marL="0" indent="0">
+              <a:lnSpc>
+                <a:spcPct val="100000"/>
+              </a:lnSpc>
+              <a:spcBef>
+                <a:spcPts val="0"/>
+              </a:spcBef>
+              <a:buNone/>
+            </a:pPr>
+            <a:r>
+              <a:rPr lang="en-US" dirty="0"/>
+              <a:t>You’ve been using it all along, you just didn’t know it </a:t>
+            </a:r>
+          </a:p>
+          <a:p>
+            <a:pPr marL="0" indent="0">
+              <a:lnSpc>
+                <a:spcPct val="100000"/>
+              </a:lnSpc>
+              <a:spcBef>
+                <a:spcPts val="0"/>
+              </a:spcBef>
+              <a:buNone/>
+            </a:pPr>
+            <a:endParaRPr lang="en-US" dirty="0" smtClean="0"/>
+          </a:p>
+          <a:p>
+            <a:pPr marL="0" indent="0">
+              <a:lnSpc>
+                <a:spcPct val="100000"/>
+              </a:lnSpc>
+              <a:spcBef>
+                <a:spcPts val="0"/>
+              </a:spcBef>
+              <a:buNone/>
+            </a:pPr>
+            <a:endParaRPr lang="en-US" dirty="0"/>
+          </a:p>
+          <a:p>
+            <a:pPr marL="0" indent="0">
+              <a:lnSpc>
+                <a:spcPct val="100000"/>
+              </a:lnSpc>
+              <a:spcBef>
+                <a:spcPts val="0"/>
+              </a:spcBef>
+              <a:buNone/>
+            </a:pPr>
+            <a:r>
+              <a:rPr lang="en-US" dirty="0" smtClean="0"/>
+              <a:t>To make use of syntactic sugar, you as the programmer write functions with specific names often referred to as “magic methods” </a:t>
+            </a:r>
+            <a:endParaRPr lang="en-US" dirty="0"/>
+          </a:p>
+        </p:txBody>
+      </p:sp>
+    </p:spTree>
+    <p:extLst>
+      <p:ext uri="{BB962C8B-B14F-4D97-AF65-F5344CB8AC3E}">
+        <p14:creationId xmlns:p14="http://schemas.microsoft.com/office/powerpoint/2010/main" val="604547886"/>
+      </p:ext>
+    </p:extLst>
+  </p:cSld>
+  <p:clrMapOvr>
+    <a:masterClrMapping/>
+  </p:clrMapOvr>
+</p:sld>
+</file>
+
+<file path=ppt/slides/slide16.xml><?xml version="1.0" encoding="utf-8"?>
+<p:sld xmlns:a="http://schemas.openxmlformats.org/drawingml/2006/main" xmlns:r="http://schemas.openxmlformats.org/officeDocument/2006/relationships" xmlns:p="http://schemas.openxmlformats.org/presentationml/2006/main">
+  <p:cSld>
+    <p:spTree>
+      <p:nvGrpSpPr>
+        <p:cNvPr id="1" name=""/>
+        <p:cNvGrpSpPr/>
+        <p:nvPr/>
+      </p:nvGrpSpPr>
+      <p:grpSpPr>
+        <a:xfrm>
+          <a:off x="0" y="0"/>
+          <a:ext cx="0" cy="0"/>
+          <a:chOff x="0" y="0"/>
+          <a:chExt cx="0" cy="0"/>
+        </a:xfrm>
+      </p:grpSpPr>
+      <p:sp>
+        <p:nvSpPr>
+          <p:cNvPr id="2" name="Title 1"/>
+          <p:cNvSpPr>
+            <a:spLocks noGrp="1"/>
+          </p:cNvSpPr>
+          <p:nvPr>
+            <p:ph type="title"/>
+          </p:nvPr>
+        </p:nvSpPr>
+        <p:spPr/>
+        <p:txBody>
+          <a:bodyPr/>
+          <a:lstStyle/>
+          <a:p>
+            <a:r>
+              <a:rPr lang="en-US" dirty="0" smtClean="0"/>
+              <a:t>Syntactic Sugar </a:t>
+            </a:r>
+            <a:endParaRPr lang="en-US" dirty="0"/>
+          </a:p>
+        </p:txBody>
+      </p:sp>
+      <p:sp>
+        <p:nvSpPr>
+          <p:cNvPr id="5" name="Content Placeholder 4"/>
+          <p:cNvSpPr>
+            <a:spLocks noGrp="1"/>
+          </p:cNvSpPr>
+          <p:nvPr>
+            <p:ph idx="1"/>
+          </p:nvPr>
+        </p:nvSpPr>
+        <p:spPr>
+          <a:xfrm>
+            <a:off x="680321" y="2336873"/>
+            <a:ext cx="10562935" cy="4179838"/>
+          </a:xfrm>
+        </p:spPr>
+        <p:txBody>
+          <a:bodyPr>
+            <a:normAutofit/>
+          </a:bodyPr>
+          <a:lstStyle/>
+          <a:p>
+            <a:pPr marL="0" marR="0" lvl="0" indent="0" defTabSz="914400" eaLnBrk="1" fontAlgn="auto" latinLnBrk="0" hangingPunct="1">
+              <a:lnSpc>
+                <a:spcPct val="100000"/>
+              </a:lnSpc>
+              <a:spcBef>
+                <a:spcPts val="0"/>
+              </a:spcBef>
+              <a:spcAft>
+                <a:spcPts val="0"/>
+              </a:spcAft>
+              <a:buClrTx/>
+              <a:buSzTx/>
+              <a:buFontTx/>
+              <a:buNone/>
+              <a:tabLst/>
+              <a:defRPr/>
+            </a:pPr>
+            <a:r>
+              <a:rPr lang="en-US" dirty="0" smtClean="0"/>
+              <a:t>Can be used to emulate array-like indexing, item assignment, calling, and more </a:t>
+            </a:r>
+          </a:p>
+          <a:p>
+            <a:pPr marL="0" marR="0" lvl="0" indent="0" defTabSz="914400" eaLnBrk="1" fontAlgn="auto" latinLnBrk="0" hangingPunct="1">
+              <a:lnSpc>
+                <a:spcPct val="100000"/>
+              </a:lnSpc>
+              <a:spcBef>
+                <a:spcPts val="0"/>
+              </a:spcBef>
+              <a:spcAft>
+                <a:spcPts val="0"/>
+              </a:spcAft>
+              <a:buClrTx/>
+              <a:buSzTx/>
+              <a:buFontTx/>
+              <a:buNone/>
+              <a:tabLst/>
+              <a:defRPr/>
+            </a:pPr>
+            <a:endParaRPr lang="en-US" dirty="0"/>
+          </a:p>
+          <a:p>
+            <a:pPr marL="0" marR="0" lvl="0" indent="0" defTabSz="914400" eaLnBrk="1" fontAlgn="auto" latinLnBrk="0" hangingPunct="1">
+              <a:lnSpc>
+                <a:spcPct val="100000"/>
+              </a:lnSpc>
+              <a:spcBef>
+                <a:spcPts val="0"/>
+              </a:spcBef>
+              <a:spcAft>
+                <a:spcPts val="0"/>
+              </a:spcAft>
+              <a:buClrTx/>
+              <a:buSzTx/>
+              <a:buFontTx/>
+              <a:buNone/>
+              <a:tabLst/>
+              <a:defRPr/>
+            </a:pPr>
+            <a:endParaRPr lang="en-US" dirty="0" smtClean="0"/>
+          </a:p>
+          <a:p>
+            <a:pPr marL="0" marR="0" lvl="0" indent="0" defTabSz="914400" eaLnBrk="1" fontAlgn="auto" latinLnBrk="0" hangingPunct="1">
+              <a:lnSpc>
+                <a:spcPct val="100000"/>
+              </a:lnSpc>
+              <a:spcBef>
+                <a:spcPts val="0"/>
+              </a:spcBef>
+              <a:spcAft>
+                <a:spcPts val="0"/>
+              </a:spcAft>
+              <a:buClrTx/>
+              <a:buSzTx/>
+              <a:buFontTx/>
+              <a:buNone/>
+              <a:tabLst/>
+              <a:defRPr/>
+            </a:pPr>
+            <a:endParaRPr lang="en-US" dirty="0"/>
+          </a:p>
+          <a:p>
+            <a:pPr marL="0" marR="0" lvl="0" indent="0" defTabSz="914400" eaLnBrk="1" fontAlgn="auto" latinLnBrk="0" hangingPunct="1">
+              <a:lnSpc>
+                <a:spcPct val="100000"/>
+              </a:lnSpc>
+              <a:spcBef>
+                <a:spcPts val="0"/>
+              </a:spcBef>
+              <a:spcAft>
+                <a:spcPts val="0"/>
+              </a:spcAft>
+              <a:buClrTx/>
+              <a:buSzTx/>
+              <a:buFontTx/>
+              <a:buNone/>
+              <a:tabLst/>
+              <a:defRPr/>
+            </a:pPr>
+            <a:endParaRPr lang="en-US" dirty="0" smtClean="0"/>
+          </a:p>
+          <a:p>
+            <a:pPr marL="0" marR="0" lvl="0" indent="0" defTabSz="914400" eaLnBrk="1" fontAlgn="auto" latinLnBrk="0" hangingPunct="1">
+              <a:lnSpc>
+                <a:spcPct val="100000"/>
+              </a:lnSpc>
+              <a:spcBef>
+                <a:spcPts val="0"/>
+              </a:spcBef>
+              <a:spcAft>
+                <a:spcPts val="0"/>
+              </a:spcAft>
+              <a:buClrTx/>
+              <a:buSzTx/>
+              <a:buFontTx/>
+              <a:buNone/>
+              <a:tabLst/>
+              <a:defRPr/>
+            </a:pPr>
+            <a:endParaRPr lang="en-US" dirty="0"/>
+          </a:p>
+          <a:p>
+            <a:pPr marL="0" marR="0" lvl="0" indent="0" defTabSz="914400" eaLnBrk="1" fontAlgn="auto" latinLnBrk="0" hangingPunct="1">
+              <a:lnSpc>
+                <a:spcPct val="100000"/>
+              </a:lnSpc>
+              <a:spcBef>
+                <a:spcPts val="0"/>
+              </a:spcBef>
+              <a:spcAft>
+                <a:spcPts val="0"/>
+              </a:spcAft>
+              <a:buClrTx/>
+              <a:buSzTx/>
+              <a:buFontTx/>
+              <a:buNone/>
+              <a:tabLst/>
+              <a:defRPr/>
+            </a:pPr>
+            <a:endParaRPr lang="en-US" dirty="0" smtClean="0"/>
+          </a:p>
+          <a:p>
+            <a:pPr marL="0" marR="0" lvl="0" indent="0" defTabSz="914400" eaLnBrk="1" fontAlgn="auto" latinLnBrk="0" hangingPunct="1">
+              <a:lnSpc>
+                <a:spcPct val="100000"/>
+              </a:lnSpc>
+              <a:spcBef>
+                <a:spcPts val="0"/>
+              </a:spcBef>
+              <a:spcAft>
+                <a:spcPts val="0"/>
+              </a:spcAft>
+              <a:buClrTx/>
+              <a:buSzTx/>
+              <a:buFontTx/>
+              <a:buNone/>
+              <a:tabLst/>
+              <a:defRPr/>
+            </a:pPr>
+            <a:endParaRPr lang="en-US" dirty="0"/>
+          </a:p>
+          <a:p>
+            <a:pPr marL="0" marR="0" lvl="0" indent="0" defTabSz="914400" eaLnBrk="1" fontAlgn="auto" latinLnBrk="0" hangingPunct="1">
+              <a:lnSpc>
+                <a:spcPct val="100000"/>
+              </a:lnSpc>
+              <a:spcBef>
+                <a:spcPts val="0"/>
+              </a:spcBef>
+              <a:spcAft>
+                <a:spcPts val="0"/>
+              </a:spcAft>
+              <a:buClrTx/>
+              <a:buSzTx/>
+              <a:buFontTx/>
+              <a:buNone/>
+              <a:tabLst/>
+              <a:defRPr/>
+            </a:pPr>
+            <a:endParaRPr lang="en-US" dirty="0"/>
+          </a:p>
+          <a:p>
+            <a:pPr marL="0" marR="0" lvl="0" indent="0" defTabSz="914400" eaLnBrk="1" fontAlgn="auto" latinLnBrk="0" hangingPunct="1">
+              <a:lnSpc>
+                <a:spcPct val="100000"/>
+              </a:lnSpc>
+              <a:spcBef>
+                <a:spcPts val="0"/>
+              </a:spcBef>
+              <a:spcAft>
+                <a:spcPts val="0"/>
+              </a:spcAft>
+              <a:buClrTx/>
+              <a:buSzTx/>
+              <a:buFontTx/>
+              <a:buNone/>
+              <a:tabLst/>
+              <a:defRPr/>
+            </a:pPr>
+            <a:r>
+              <a:rPr lang="en-US" dirty="0" smtClean="0"/>
+              <a:t>There are many other forms of syntactic sugar </a:t>
+            </a:r>
+            <a:endParaRPr lang="en-US" dirty="0"/>
+          </a:p>
+        </p:txBody>
+      </p:sp>
+      <p:graphicFrame>
+        <p:nvGraphicFramePr>
+          <p:cNvPr id="6" name="Content Placeholder 3"/>
+          <p:cNvGraphicFramePr>
+            <a:graphicFrameLocks/>
+          </p:cNvGraphicFramePr>
+          <p:nvPr>
+            <p:extLst>
+              <p:ext uri="{D42A27DB-BD31-4B8C-83A1-F6EECF244321}">
+                <p14:modId xmlns:p14="http://schemas.microsoft.com/office/powerpoint/2010/main" val="1519255933"/>
+              </p:ext>
+            </p:extLst>
+          </p:nvPr>
+        </p:nvGraphicFramePr>
+        <p:xfrm>
+          <a:off x="1398411" y="3071280"/>
+          <a:ext cx="9613900" cy="2286000"/>
+        </p:xfrm>
+        <a:graphic>
+          <a:graphicData uri="http://schemas.openxmlformats.org/drawingml/2006/table">
+            <a:tbl>
+              <a:tblPr firstRow="1" bandRow="1">
+                <a:tableStyleId>{5C22544A-7EE6-4342-B048-85BDC9FD1C3A}</a:tableStyleId>
+              </a:tblPr>
+              <a:tblGrid>
+                <a:gridCol w="4806950"/>
+                <a:gridCol w="4806950"/>
+              </a:tblGrid>
+              <a:tr h="370840">
+                <a:tc>
+                  <a:txBody>
+                    <a:bodyPr/>
+                    <a:lstStyle/>
+                    <a:p>
+                      <a:pPr algn="ctr"/>
+                      <a:r>
+                        <a:rPr lang="en-US" sz="2400" dirty="0" smtClean="0"/>
+                        <a:t>With Syntactic Sugar </a:t>
+                      </a:r>
+                      <a:endParaRPr lang="en-US" sz="2400" dirty="0"/>
+                    </a:p>
+                  </a:txBody>
+                  <a:tcPr/>
+                </a:tc>
+                <a:tc>
+                  <a:txBody>
+                    <a:bodyPr/>
+                    <a:lstStyle/>
+                    <a:p>
+                      <a:pPr algn="ctr"/>
+                      <a:r>
+                        <a:rPr lang="en-US" sz="2400" dirty="0" smtClean="0"/>
+                        <a:t>Without Syntactic</a:t>
+                      </a:r>
+                      <a:r>
+                        <a:rPr lang="en-US" sz="2400" baseline="0" dirty="0" smtClean="0"/>
+                        <a:t> Sugar</a:t>
+                      </a:r>
+                      <a:endParaRPr lang="en-US" sz="2400" dirty="0"/>
+                    </a:p>
+                  </a:txBody>
+                  <a:tcPr/>
+                </a:tc>
+              </a:tr>
+              <a:tr h="370840">
+                <a:tc>
+                  <a:txBody>
+                    <a:bodyPr/>
+                    <a:lstStyle/>
+                    <a:p>
+                      <a:pPr algn="ctr"/>
+                      <a:r>
+                        <a:rPr lang="en-US" sz="2400" i="0" dirty="0" smtClean="0"/>
+                        <a:t>x[0]</a:t>
+                      </a:r>
+                      <a:endParaRPr lang="en-US" sz="2400" i="0" dirty="0"/>
+                    </a:p>
+                  </a:txBody>
+                  <a:tcPr/>
+                </a:tc>
+                <a:tc>
+                  <a:txBody>
+                    <a:bodyPr/>
+                    <a:lstStyle/>
+                    <a:p>
+                      <a:pPr algn="ctr"/>
+                      <a:r>
+                        <a:rPr lang="en-US" sz="2400" dirty="0" smtClean="0"/>
+                        <a:t>x.__</a:t>
+                      </a:r>
+                      <a:r>
+                        <a:rPr lang="en-US" sz="2400" dirty="0" err="1" smtClean="0"/>
+                        <a:t>getitem</a:t>
+                      </a:r>
+                      <a:r>
+                        <a:rPr lang="en-US" sz="2400" dirty="0" smtClean="0"/>
+                        <a:t>__(0) </a:t>
+                      </a:r>
+                      <a:endParaRPr lang="en-US" sz="2400" dirty="0"/>
+                    </a:p>
+                  </a:txBody>
+                  <a:tcPr/>
+                </a:tc>
+              </a:tr>
+              <a:tr h="370840">
+                <a:tc>
+                  <a:txBody>
+                    <a:bodyPr/>
+                    <a:lstStyle/>
+                    <a:p>
+                      <a:pPr algn="ctr"/>
+                      <a:r>
+                        <a:rPr lang="en-US" sz="2400" dirty="0" smtClean="0"/>
+                        <a:t>x(0)</a:t>
+                      </a:r>
+                      <a:endParaRPr lang="en-US" sz="2400" dirty="0"/>
+                    </a:p>
+                  </a:txBody>
+                  <a:tcPr/>
+                </a:tc>
+                <a:tc>
+                  <a:txBody>
+                    <a:bodyPr/>
+                    <a:lstStyle/>
+                    <a:p>
+                      <a:pPr algn="ctr"/>
+                      <a:r>
+                        <a:rPr lang="en-US" sz="2400" dirty="0" err="1" smtClean="0"/>
+                        <a:t>x.__call</a:t>
+                      </a:r>
+                      <a:r>
+                        <a:rPr lang="en-US" sz="2400" dirty="0" smtClean="0"/>
+                        <a:t>__(0) </a:t>
+                      </a:r>
+                      <a:endParaRPr lang="en-US" sz="2400" dirty="0"/>
+                    </a:p>
+                  </a:txBody>
+                  <a:tcPr/>
+                </a:tc>
+              </a:tr>
+              <a:tr h="370840">
+                <a:tc>
+                  <a:txBody>
+                    <a:bodyPr/>
+                    <a:lstStyle/>
+                    <a:p>
+                      <a:pPr algn="ctr"/>
+                      <a:r>
+                        <a:rPr lang="en-US" sz="2400" dirty="0" smtClean="0"/>
+                        <a:t>x[0] = 1</a:t>
+                      </a:r>
+                      <a:endParaRPr lang="en-US" sz="2400" dirty="0"/>
+                    </a:p>
+                  </a:txBody>
+                  <a:tcPr/>
+                </a:tc>
+                <a:tc>
+                  <a:txBody>
+                    <a:bodyPr/>
+                    <a:lstStyle/>
+                    <a:p>
+                      <a:pPr algn="ctr"/>
+                      <a:r>
+                        <a:rPr lang="en-US" sz="2400" dirty="0" smtClean="0"/>
+                        <a:t>x.__</a:t>
+                      </a:r>
+                      <a:r>
+                        <a:rPr lang="en-US" sz="2400" dirty="0" err="1" smtClean="0"/>
+                        <a:t>setitem</a:t>
+                      </a:r>
+                      <a:r>
+                        <a:rPr lang="en-US" sz="2400" dirty="0" smtClean="0"/>
+                        <a:t>__(0, 1) </a:t>
+                      </a:r>
+                    </a:p>
+                  </a:txBody>
+                  <a:tcPr/>
+                </a:tc>
+              </a:tr>
+              <a:tr h="370840">
+                <a:tc>
+                  <a:txBody>
+                    <a:bodyPr/>
+                    <a:lstStyle/>
+                    <a:p>
+                      <a:pPr algn="ctr"/>
+                      <a:r>
+                        <a:rPr lang="en-US" sz="2400" dirty="0" err="1" smtClean="0"/>
+                        <a:t>str</a:t>
+                      </a:r>
+                      <a:r>
+                        <a:rPr lang="en-US" sz="2400" dirty="0" smtClean="0"/>
+                        <a:t>(x)</a:t>
+                      </a:r>
+                      <a:r>
+                        <a:rPr lang="en-US" sz="2400" baseline="0" dirty="0" smtClean="0"/>
+                        <a:t> </a:t>
+                      </a:r>
+                      <a:endParaRPr lang="en-US" sz="2400" dirty="0"/>
+                    </a:p>
+                  </a:txBody>
+                  <a:tcPr/>
+                </a:tc>
+                <a:tc>
+                  <a:txBody>
+                    <a:bodyPr/>
+                    <a:lstStyle/>
+                    <a:p>
+                      <a:pPr algn="ctr"/>
+                      <a:r>
+                        <a:rPr lang="en-US" sz="2400" dirty="0" smtClean="0"/>
+                        <a:t>x.__</a:t>
+                      </a:r>
+                      <a:r>
+                        <a:rPr lang="en-US" sz="2400" dirty="0" err="1" smtClean="0"/>
+                        <a:t>str</a:t>
+                      </a:r>
+                      <a:r>
+                        <a:rPr lang="en-US" sz="2400" dirty="0" smtClean="0"/>
+                        <a:t>__() and x.__</a:t>
+                      </a:r>
+                      <a:r>
+                        <a:rPr lang="en-US" sz="2400" dirty="0" err="1" smtClean="0"/>
+                        <a:t>repr</a:t>
+                      </a:r>
+                      <a:r>
+                        <a:rPr lang="en-US" sz="2400" dirty="0" smtClean="0"/>
+                        <a:t>__() </a:t>
+                      </a:r>
+                    </a:p>
+                  </a:txBody>
+                  <a:tcPr/>
+                </a:tc>
+              </a:tr>
+            </a:tbl>
+          </a:graphicData>
+        </a:graphic>
+      </p:graphicFrame>
+    </p:spTree>
+    <p:extLst>
+      <p:ext uri="{BB962C8B-B14F-4D97-AF65-F5344CB8AC3E}">
+        <p14:creationId xmlns:p14="http://schemas.microsoft.com/office/powerpoint/2010/main" val="1926880704"/>
+      </p:ext>
+    </p:extLst>
+  </p:cSld>
+  <p:clrMapOvr>
+    <a:masterClrMapping/>
+  </p:clrMapOvr>
+</p:sld>
+</file>
+
+<file path=ppt/slides/slide17.xml><?xml version="1.0" encoding="utf-8"?>
+<p:sld xmlns:a="http://schemas.openxmlformats.org/drawingml/2006/main" xmlns:r="http://schemas.openxmlformats.org/officeDocument/2006/relationships" xmlns:p="http://schemas.openxmlformats.org/presentationml/2006/main">
+  <p:cSld>
+    <p:spTree>
+      <p:nvGrpSpPr>
+        <p:cNvPr id="1" name=""/>
+        <p:cNvGrpSpPr/>
+        <p:nvPr/>
+      </p:nvGrpSpPr>
+      <p:grpSpPr>
+        <a:xfrm>
+          <a:off x="0" y="0"/>
+          <a:ext cx="0" cy="0"/>
+          <a:chOff x="0" y="0"/>
+          <a:chExt cx="0" cy="0"/>
+        </a:xfrm>
+      </p:grpSpPr>
+      <p:sp>
+        <p:nvSpPr>
+          <p:cNvPr id="2" name="Title 1"/>
+          <p:cNvSpPr>
+            <a:spLocks noGrp="1"/>
+          </p:cNvSpPr>
+          <p:nvPr>
+            <p:ph type="title"/>
+          </p:nvPr>
+        </p:nvSpPr>
+        <p:spPr/>
+        <p:txBody>
+          <a:bodyPr/>
+          <a:lstStyle/>
+          <a:p>
+            <a:r>
+              <a:rPr lang="en-US" dirty="0" smtClean="0"/>
+              <a:t>Example Usage of Syntactic Sugar: Polynomials </a:t>
+            </a:r>
+            <a:endParaRPr lang="en-US" dirty="0"/>
+          </a:p>
+        </p:txBody>
+      </p:sp>
+      <p:sp>
+        <p:nvSpPr>
+          <p:cNvPr id="3" name="Content Placeholder 2"/>
+          <p:cNvSpPr>
+            <a:spLocks noGrp="1"/>
+          </p:cNvSpPr>
+          <p:nvPr>
+            <p:ph idx="1"/>
+          </p:nvPr>
+        </p:nvSpPr>
+        <p:spPr/>
+        <p:txBody>
+          <a:bodyPr/>
+          <a:lstStyle/>
+          <a:p>
+            <a:pPr marL="0" marR="0" lvl="0" indent="0" defTabSz="914400" eaLnBrk="1" fontAlgn="auto" latinLnBrk="0" hangingPunct="1">
+              <a:lnSpc>
+                <a:spcPct val="100000"/>
+              </a:lnSpc>
+              <a:spcBef>
+                <a:spcPts val="0"/>
+              </a:spcBef>
+              <a:spcAft>
+                <a:spcPts val="0"/>
+              </a:spcAft>
+              <a:buClrTx/>
+              <a:buSzTx/>
+              <a:buFontTx/>
+              <a:buNone/>
+              <a:tabLst/>
+              <a:defRPr/>
+            </a:pPr>
+            <a:r>
+              <a:rPr lang="en-US" dirty="0" smtClean="0"/>
+              <a:t>Goals: </a:t>
+            </a:r>
+          </a:p>
+          <a:p>
+            <a:pPr lvl="1">
+              <a:lnSpc>
+                <a:spcPct val="100000"/>
+              </a:lnSpc>
+              <a:spcBef>
+                <a:spcPts val="0"/>
+              </a:spcBef>
+            </a:pPr>
+            <a:r>
+              <a:rPr lang="en-US" dirty="0" smtClean="0"/>
+              <a:t>Properties: coefficients and the order of the polynomial </a:t>
+            </a:r>
+          </a:p>
+          <a:p>
+            <a:pPr lvl="1">
+              <a:lnSpc>
+                <a:spcPct val="100000"/>
+              </a:lnSpc>
+              <a:spcBef>
+                <a:spcPts val="0"/>
+              </a:spcBef>
+            </a:pPr>
+            <a:r>
+              <a:rPr lang="en-US" dirty="0" smtClean="0"/>
+              <a:t>Indexing </a:t>
+            </a:r>
+            <a:r>
+              <a:rPr lang="mr-IN" dirty="0" smtClean="0"/>
+              <a:t>–</a:t>
+            </a:r>
+            <a:r>
+              <a:rPr lang="en-US" dirty="0" smtClean="0"/>
+              <a:t> index </a:t>
+            </a:r>
+            <a:r>
+              <a:rPr lang="en-US" i="1" dirty="0" err="1" smtClean="0"/>
+              <a:t>i</a:t>
+            </a:r>
+            <a:r>
+              <a:rPr lang="en-US" dirty="0" smtClean="0"/>
+              <a:t> should return the </a:t>
+            </a:r>
+            <a:r>
+              <a:rPr lang="en-US" i="1" dirty="0" err="1" smtClean="0"/>
+              <a:t>i</a:t>
+            </a:r>
+            <a:r>
+              <a:rPr lang="en-US" dirty="0" err="1" smtClean="0"/>
+              <a:t>’th</a:t>
+            </a:r>
+            <a:r>
+              <a:rPr lang="en-US" dirty="0" smtClean="0"/>
+              <a:t> coefficient </a:t>
+            </a:r>
+          </a:p>
+          <a:p>
+            <a:pPr lvl="1">
+              <a:lnSpc>
+                <a:spcPct val="100000"/>
+              </a:lnSpc>
+              <a:spcBef>
+                <a:spcPts val="0"/>
+              </a:spcBef>
+            </a:pPr>
+            <a:r>
+              <a:rPr lang="en-US" dirty="0" smtClean="0"/>
+              <a:t>Calling </a:t>
+            </a:r>
+            <a:r>
+              <a:rPr lang="mr-IN" dirty="0" smtClean="0"/>
+              <a:t>–</a:t>
+            </a:r>
+            <a:r>
+              <a:rPr lang="en-US" dirty="0" smtClean="0"/>
+              <a:t> </a:t>
+            </a:r>
+            <a:r>
+              <a:rPr lang="en-US" i="1" dirty="0" smtClean="0"/>
+              <a:t>f(x) </a:t>
+            </a:r>
+            <a:r>
+              <a:rPr lang="en-US" dirty="0" smtClean="0"/>
+              <a:t>should evaluate the polynomial at the value of </a:t>
+            </a:r>
+            <a:r>
+              <a:rPr lang="en-US" i="1" dirty="0" smtClean="0"/>
+              <a:t>x</a:t>
+            </a:r>
+            <a:r>
+              <a:rPr lang="en-US" dirty="0" smtClean="0"/>
+              <a:t> </a:t>
+            </a:r>
+          </a:p>
+          <a:p>
+            <a:pPr lvl="1">
+              <a:lnSpc>
+                <a:spcPct val="100000"/>
+              </a:lnSpc>
+              <a:spcBef>
+                <a:spcPts val="0"/>
+              </a:spcBef>
+            </a:pPr>
+            <a:r>
+              <a:rPr lang="en-US" dirty="0" smtClean="0"/>
+              <a:t>Item Assignment </a:t>
+            </a:r>
+            <a:r>
+              <a:rPr lang="mr-IN" dirty="0" smtClean="0"/>
+              <a:t>–</a:t>
+            </a:r>
+            <a:r>
+              <a:rPr lang="en-US" dirty="0" smtClean="0"/>
+              <a:t> </a:t>
+            </a:r>
+            <a:r>
+              <a:rPr lang="en-US" i="1" dirty="0" smtClean="0"/>
+              <a:t>f[</a:t>
+            </a:r>
+            <a:r>
+              <a:rPr lang="en-US" i="1" dirty="0" err="1" smtClean="0"/>
+              <a:t>i</a:t>
+            </a:r>
+            <a:r>
+              <a:rPr lang="en-US" i="1" dirty="0" smtClean="0"/>
+              <a:t>] = a</a:t>
+            </a:r>
+            <a:r>
+              <a:rPr lang="en-US" dirty="0" smtClean="0"/>
+              <a:t> should assign the </a:t>
+            </a:r>
+            <a:r>
+              <a:rPr lang="en-US" i="1" dirty="0" err="1"/>
+              <a:t>i</a:t>
+            </a:r>
+            <a:r>
+              <a:rPr lang="en-US" dirty="0" err="1" smtClean="0"/>
+              <a:t>’th</a:t>
+            </a:r>
+            <a:r>
+              <a:rPr lang="en-US" dirty="0" smtClean="0"/>
+              <a:t> coefficient to the value of </a:t>
+            </a:r>
+            <a:r>
+              <a:rPr lang="en-US" i="1" dirty="0" smtClean="0"/>
+              <a:t>a</a:t>
+            </a:r>
+            <a:r>
+              <a:rPr lang="en-US" dirty="0" smtClean="0"/>
+              <a:t> </a:t>
+            </a:r>
+          </a:p>
+          <a:p>
+            <a:pPr lvl="1">
+              <a:lnSpc>
+                <a:spcPct val="100000"/>
+              </a:lnSpc>
+              <a:spcBef>
+                <a:spcPts val="0"/>
+              </a:spcBef>
+            </a:pPr>
+            <a:r>
+              <a:rPr lang="en-US" dirty="0" smtClean="0"/>
+              <a:t>A string representation </a:t>
+            </a:r>
+          </a:p>
+          <a:p>
+            <a:pPr marL="0" indent="0">
+              <a:lnSpc>
+                <a:spcPct val="100000"/>
+              </a:lnSpc>
+              <a:spcBef>
+                <a:spcPts val="0"/>
+              </a:spcBef>
+              <a:buNone/>
+            </a:pPr>
+            <a:endParaRPr lang="en-US" dirty="0"/>
+          </a:p>
+          <a:p>
+            <a:pPr marL="0" indent="0">
+              <a:lnSpc>
+                <a:spcPct val="100000"/>
+              </a:lnSpc>
+              <a:spcBef>
+                <a:spcPts val="0"/>
+              </a:spcBef>
+              <a:buNone/>
+            </a:pPr>
+            <a:endParaRPr lang="en-US" dirty="0" smtClean="0"/>
+          </a:p>
+          <a:p>
+            <a:pPr marL="0" indent="0">
+              <a:lnSpc>
+                <a:spcPct val="100000"/>
+              </a:lnSpc>
+              <a:spcBef>
+                <a:spcPts val="0"/>
+              </a:spcBef>
+              <a:buNone/>
+            </a:pPr>
+            <a:r>
+              <a:rPr lang="en-US" dirty="0" smtClean="0"/>
+              <a:t>Note: This object is scripted at examples/</a:t>
+            </a:r>
+            <a:r>
+              <a:rPr lang="en-US" dirty="0" err="1" smtClean="0"/>
+              <a:t>mypkg</a:t>
+            </a:r>
+            <a:r>
+              <a:rPr lang="en-US" dirty="0" smtClean="0"/>
+              <a:t>/</a:t>
+            </a:r>
+            <a:r>
+              <a:rPr lang="en-US" dirty="0" err="1" smtClean="0"/>
+              <a:t>mathlib</a:t>
+            </a:r>
+            <a:r>
+              <a:rPr lang="en-US" dirty="0" smtClean="0"/>
+              <a:t>/</a:t>
+            </a:r>
+            <a:r>
+              <a:rPr lang="en-US" dirty="0" err="1" smtClean="0"/>
+              <a:t>polynomial.py</a:t>
+            </a:r>
+            <a:r>
+              <a:rPr lang="en-US" dirty="0" smtClean="0"/>
+              <a:t> in the </a:t>
+            </a:r>
+            <a:r>
+              <a:rPr lang="en-US" dirty="0" err="1" smtClean="0"/>
+              <a:t>git</a:t>
+            </a:r>
+            <a:r>
+              <a:rPr lang="en-US" dirty="0" smtClean="0"/>
+              <a:t> repository </a:t>
+            </a:r>
+          </a:p>
+        </p:txBody>
+      </p:sp>
+    </p:spTree>
+    <p:extLst>
+      <p:ext uri="{BB962C8B-B14F-4D97-AF65-F5344CB8AC3E}">
+        <p14:creationId xmlns:p14="http://schemas.microsoft.com/office/powerpoint/2010/main" val="1260141961"/>
+      </p:ext>
+    </p:extLst>
+  </p:cSld>
+  <p:clrMapOvr>
+    <a:masterClrMapping/>
+  </p:clrMapOvr>
+</p:sld>
+</file>
+
+<file path=ppt/slides/slide18.xml><?xml version="1.0" encoding="utf-8"?>
+<p:sld xmlns:a="http://schemas.openxmlformats.org/drawingml/2006/main" xmlns:r="http://schemas.openxmlformats.org/officeDocument/2006/relationships" xmlns:p="http://schemas.openxmlformats.org/presentationml/2006/main">
+  <p:cSld>
+    <p:spTree>
+      <p:nvGrpSpPr>
+        <p:cNvPr id="1" name=""/>
+        <p:cNvGrpSpPr/>
+        <p:nvPr/>
+      </p:nvGrpSpPr>
+      <p:grpSpPr>
+        <a:xfrm>
+          <a:off x="0" y="0"/>
+          <a:ext cx="0" cy="0"/>
+          <a:chOff x="0" y="0"/>
+          <a:chExt cx="0" cy="0"/>
+        </a:xfrm>
+      </p:grpSpPr>
+      <p:sp>
+        <p:nvSpPr>
+          <p:cNvPr id="2" name="Title 1"/>
+          <p:cNvSpPr>
+            <a:spLocks noGrp="1"/>
+          </p:cNvSpPr>
+          <p:nvPr>
+            <p:ph type="title"/>
+          </p:nvPr>
+        </p:nvSpPr>
+        <p:spPr/>
+        <p:txBody>
+          <a:bodyPr/>
+          <a:lstStyle/>
+          <a:p>
+            <a:r>
+              <a:rPr lang="en-US" dirty="0" smtClean="0"/>
+              <a:t>A Polynomial Object </a:t>
+            </a:r>
+            <a:endParaRPr lang="en-US" dirty="0"/>
+          </a:p>
+        </p:txBody>
+      </p:sp>
+      <p:sp>
+        <p:nvSpPr>
+          <p:cNvPr id="3" name="Content Placeholder 2"/>
+          <p:cNvSpPr>
+            <a:spLocks noGrp="1"/>
+          </p:cNvSpPr>
+          <p:nvPr>
+            <p:ph idx="1"/>
+          </p:nvPr>
+        </p:nvSpPr>
+        <p:spPr>
+          <a:xfrm>
+            <a:off x="680321" y="2336873"/>
+            <a:ext cx="5243961" cy="3599316"/>
+          </a:xfrm>
+        </p:spPr>
+        <p:txBody>
+          <a:bodyPr/>
+          <a:lstStyle/>
+          <a:p>
+            <a:pPr marL="0" marR="0" lvl="0" indent="0" defTabSz="914400" eaLnBrk="1" fontAlgn="auto" latinLnBrk="0" hangingPunct="1">
+              <a:lnSpc>
+                <a:spcPct val="100000"/>
+              </a:lnSpc>
+              <a:spcBef>
+                <a:spcPts val="0"/>
+              </a:spcBef>
+              <a:spcAft>
+                <a:spcPts val="0"/>
+              </a:spcAft>
+              <a:buClrTx/>
+              <a:buSzTx/>
+              <a:buFontTx/>
+              <a:buNone/>
+              <a:tabLst/>
+              <a:defRPr/>
+            </a:pPr>
+            <a:r>
+              <a:rPr lang="en-US" dirty="0" smtClean="0"/>
+              <a:t>The first pieces of the implementation: the __</a:t>
+            </a:r>
+            <a:r>
+              <a:rPr lang="en-US" dirty="0" err="1" smtClean="0"/>
+              <a:t>init</a:t>
+            </a:r>
+            <a:r>
+              <a:rPr lang="en-US" dirty="0" smtClean="0"/>
+              <a:t>__ function and the properties </a:t>
+            </a:r>
+            <a:endParaRPr lang="en-US" dirty="0"/>
+          </a:p>
+        </p:txBody>
+      </p:sp>
+      <p:pic>
+        <p:nvPicPr>
+          <p:cNvPr id="4" name="Picture 3"/>
+          <p:cNvPicPr>
+            <a:picLocks noChangeAspect="1"/>
+          </p:cNvPicPr>
+          <p:nvPr/>
+        </p:nvPicPr>
+        <p:blipFill>
+          <a:blip r:embed="rId3">
+            <a:extLst>
+              <a:ext uri="{28A0092B-C50C-407E-A947-70E740481C1C}">
+                <a14:useLocalDpi xmlns:a14="http://schemas.microsoft.com/office/drawing/2010/main" val="0"/>
+              </a:ext>
+            </a:extLst>
+          </a:blip>
+          <a:stretch>
+            <a:fillRect/>
+          </a:stretch>
+        </p:blipFill>
+        <p:spPr>
+          <a:xfrm>
+            <a:off x="249328" y="3419841"/>
+            <a:ext cx="6112835" cy="3249454"/>
+          </a:xfrm>
+          <a:prstGeom prst="rect">
+            <a:avLst/>
+          </a:prstGeom>
+        </p:spPr>
+      </p:pic>
+      <p:pic>
+        <p:nvPicPr>
+          <p:cNvPr id="5" name="Picture 4"/>
+          <p:cNvPicPr>
+            <a:picLocks noChangeAspect="1"/>
+          </p:cNvPicPr>
+          <p:nvPr/>
+        </p:nvPicPr>
+        <p:blipFill>
+          <a:blip r:embed="rId4">
+            <a:extLst>
+              <a:ext uri="{28A0092B-C50C-407E-A947-70E740481C1C}">
+                <a14:useLocalDpi xmlns:a14="http://schemas.microsoft.com/office/drawing/2010/main" val="0"/>
+              </a:ext>
+            </a:extLst>
+          </a:blip>
+          <a:stretch>
+            <a:fillRect/>
+          </a:stretch>
+        </p:blipFill>
+        <p:spPr>
+          <a:xfrm>
+            <a:off x="6355275" y="2009594"/>
+            <a:ext cx="5671808" cy="4659701"/>
+          </a:xfrm>
+          <a:prstGeom prst="rect">
+            <a:avLst/>
+          </a:prstGeom>
+        </p:spPr>
+      </p:pic>
+    </p:spTree>
+    <p:extLst>
+      <p:ext uri="{BB962C8B-B14F-4D97-AF65-F5344CB8AC3E}">
+        <p14:creationId xmlns:p14="http://schemas.microsoft.com/office/powerpoint/2010/main" val="352563479"/>
+      </p:ext>
+    </p:extLst>
+  </p:cSld>
+  <p:clrMapOvr>
+    <a:masterClrMapping/>
+  </p:clrMapOvr>
+</p:sld>
+</file>
+
+<file path=ppt/slides/slide19.xml><?xml version="1.0" encoding="utf-8"?>
+<p:sld xmlns:a="http://schemas.openxmlformats.org/drawingml/2006/main" xmlns:r="http://schemas.openxmlformats.org/officeDocument/2006/relationships" xmlns:p="http://schemas.openxmlformats.org/presentationml/2006/main">
+  <p:cSld>
+    <p:spTree>
+      <p:nvGrpSpPr>
+        <p:cNvPr id="1" name=""/>
+        <p:cNvGrpSpPr/>
+        <p:nvPr/>
+      </p:nvGrpSpPr>
+      <p:grpSpPr>
+        <a:xfrm>
+          <a:off x="0" y="0"/>
+          <a:ext cx="0" cy="0"/>
+          <a:chOff x="0" y="0"/>
+          <a:chExt cx="0" cy="0"/>
+        </a:xfrm>
+      </p:grpSpPr>
+      <p:sp>
+        <p:nvSpPr>
+          <p:cNvPr id="2" name="Title 1"/>
+          <p:cNvSpPr>
+            <a:spLocks noGrp="1"/>
+          </p:cNvSpPr>
+          <p:nvPr>
+            <p:ph type="title"/>
+          </p:nvPr>
+        </p:nvSpPr>
+        <p:spPr/>
+        <p:txBody>
+          <a:bodyPr/>
+          <a:lstStyle/>
+          <a:p>
+            <a:r>
+              <a:rPr lang="en-US" dirty="0" smtClean="0"/>
+              <a:t>A Polynomial Object </a:t>
+            </a:r>
+            <a:endParaRPr lang="en-US" dirty="0"/>
+          </a:p>
+        </p:txBody>
+      </p:sp>
+      <p:sp>
+        <p:nvSpPr>
+          <p:cNvPr id="3" name="Content Placeholder 2"/>
+          <p:cNvSpPr>
+            <a:spLocks noGrp="1"/>
+          </p:cNvSpPr>
+          <p:nvPr>
+            <p:ph idx="1"/>
+          </p:nvPr>
+        </p:nvSpPr>
+        <p:spPr>
+          <a:xfrm>
+            <a:off x="680321" y="2336873"/>
+            <a:ext cx="10756117" cy="3599316"/>
+          </a:xfrm>
+        </p:spPr>
+        <p:txBody>
+          <a:bodyPr/>
+          <a:lstStyle/>
+          <a:p>
+            <a:pPr marL="0" marR="0" lvl="0" indent="0" defTabSz="914400" eaLnBrk="1" fontAlgn="auto" latinLnBrk="0" hangingPunct="1">
+              <a:lnSpc>
+                <a:spcPct val="100000"/>
+              </a:lnSpc>
+              <a:spcBef>
+                <a:spcPts val="0"/>
+              </a:spcBef>
+              <a:spcAft>
+                <a:spcPts val="0"/>
+              </a:spcAft>
+              <a:buClrTx/>
+              <a:buSzTx/>
+              <a:buFontTx/>
+              <a:buNone/>
+              <a:tabLst/>
+              <a:defRPr/>
+            </a:pPr>
+            <a:r>
+              <a:rPr lang="en-US" dirty="0" smtClean="0"/>
+              <a:t>Indexing </a:t>
+            </a:r>
+            <a:r>
+              <a:rPr lang="mr-IN" dirty="0" smtClean="0"/>
+              <a:t>–</a:t>
+            </a:r>
+            <a:r>
+              <a:rPr lang="en-US" dirty="0" smtClean="0"/>
+              <a:t> requires </a:t>
+            </a:r>
+            <a:r>
+              <a:rPr lang="en-US" i="1" dirty="0" smtClean="0"/>
+              <a:t>__</a:t>
+            </a:r>
+            <a:r>
+              <a:rPr lang="en-US" i="1" dirty="0" err="1" smtClean="0"/>
+              <a:t>getitem</a:t>
+            </a:r>
+            <a:r>
+              <a:rPr lang="en-US" i="1" dirty="0" smtClean="0"/>
+              <a:t>__ </a:t>
+            </a:r>
+            <a:r>
+              <a:rPr lang="en-US" dirty="0" smtClean="0"/>
+              <a:t>function, which takes the index as a parameter  </a:t>
+            </a:r>
+          </a:p>
+          <a:p>
+            <a:pPr marL="0" marR="0" lvl="0" indent="0" defTabSz="914400" eaLnBrk="1" fontAlgn="auto" latinLnBrk="0" hangingPunct="1">
+              <a:lnSpc>
+                <a:spcPct val="100000"/>
+              </a:lnSpc>
+              <a:spcBef>
+                <a:spcPts val="0"/>
+              </a:spcBef>
+              <a:spcAft>
+                <a:spcPts val="0"/>
+              </a:spcAft>
+              <a:buClrTx/>
+              <a:buSzTx/>
+              <a:buFontTx/>
+              <a:buNone/>
+              <a:tabLst/>
+              <a:defRPr/>
+            </a:pPr>
+            <a:endParaRPr lang="en-US" dirty="0"/>
+          </a:p>
+          <a:p>
+            <a:pPr marL="0" marR="0" lvl="0" indent="0" defTabSz="914400" eaLnBrk="1" fontAlgn="auto" latinLnBrk="0" hangingPunct="1">
+              <a:lnSpc>
+                <a:spcPct val="100000"/>
+              </a:lnSpc>
+              <a:spcBef>
+                <a:spcPts val="0"/>
+              </a:spcBef>
+              <a:spcAft>
+                <a:spcPts val="0"/>
+              </a:spcAft>
+              <a:buClrTx/>
+              <a:buSzTx/>
+              <a:buFontTx/>
+              <a:buNone/>
+              <a:tabLst/>
+              <a:defRPr/>
+            </a:pPr>
+            <a:endParaRPr lang="en-US" dirty="0" smtClean="0"/>
+          </a:p>
+          <a:p>
+            <a:pPr marL="0" marR="0" lvl="0" indent="0" defTabSz="914400" eaLnBrk="1" fontAlgn="auto" latinLnBrk="0" hangingPunct="1">
+              <a:lnSpc>
+                <a:spcPct val="100000"/>
+              </a:lnSpc>
+              <a:spcBef>
+                <a:spcPts val="0"/>
+              </a:spcBef>
+              <a:spcAft>
+                <a:spcPts val="0"/>
+              </a:spcAft>
+              <a:buClrTx/>
+              <a:buSzTx/>
+              <a:buFontTx/>
+              <a:buNone/>
+              <a:tabLst/>
+              <a:defRPr/>
+            </a:pPr>
+            <a:endParaRPr lang="en-US" dirty="0"/>
+          </a:p>
+          <a:p>
+            <a:pPr marL="0" marR="0" lvl="0" indent="0" defTabSz="914400" eaLnBrk="1" fontAlgn="auto" latinLnBrk="0" hangingPunct="1">
+              <a:lnSpc>
+                <a:spcPct val="100000"/>
+              </a:lnSpc>
+              <a:spcBef>
+                <a:spcPts val="0"/>
+              </a:spcBef>
+              <a:spcAft>
+                <a:spcPts val="0"/>
+              </a:spcAft>
+              <a:buClrTx/>
+              <a:buSzTx/>
+              <a:buFontTx/>
+              <a:buNone/>
+              <a:tabLst/>
+              <a:defRPr/>
+            </a:pPr>
+            <a:endParaRPr lang="en-US" dirty="0" smtClean="0"/>
+          </a:p>
+          <a:p>
+            <a:pPr marL="0" marR="0" lvl="0" indent="0" defTabSz="914400" eaLnBrk="1" fontAlgn="auto" latinLnBrk="0" hangingPunct="1">
+              <a:lnSpc>
+                <a:spcPct val="100000"/>
+              </a:lnSpc>
+              <a:spcBef>
+                <a:spcPts val="0"/>
+              </a:spcBef>
+              <a:spcAft>
+                <a:spcPts val="0"/>
+              </a:spcAft>
+              <a:buClrTx/>
+              <a:buSzTx/>
+              <a:buFontTx/>
+              <a:buNone/>
+              <a:tabLst/>
+              <a:defRPr/>
+            </a:pPr>
+            <a:endParaRPr lang="en-US" dirty="0"/>
+          </a:p>
+          <a:p>
+            <a:pPr marL="0" marR="0" lvl="0" indent="0" defTabSz="914400" eaLnBrk="1" fontAlgn="auto" latinLnBrk="0" hangingPunct="1">
+              <a:lnSpc>
+                <a:spcPct val="100000"/>
+              </a:lnSpc>
+              <a:spcBef>
+                <a:spcPts val="0"/>
+              </a:spcBef>
+              <a:spcAft>
+                <a:spcPts val="0"/>
+              </a:spcAft>
+              <a:buClrTx/>
+              <a:buSzTx/>
+              <a:buFontTx/>
+              <a:buNone/>
+              <a:tabLst/>
+              <a:defRPr/>
+            </a:pPr>
+            <a:r>
+              <a:rPr lang="en-US" dirty="0" smtClean="0"/>
+              <a:t>Calling </a:t>
+            </a:r>
+            <a:r>
+              <a:rPr lang="mr-IN" dirty="0" smtClean="0"/>
+              <a:t>–</a:t>
+            </a:r>
+            <a:r>
+              <a:rPr lang="en-US" dirty="0" smtClean="0"/>
+              <a:t> requires </a:t>
+            </a:r>
+            <a:r>
+              <a:rPr lang="en-US" i="1" dirty="0" smtClean="0"/>
+              <a:t>__call__</a:t>
+            </a:r>
+            <a:r>
+              <a:rPr lang="en-US" dirty="0" smtClean="0"/>
+              <a:t> function, which takes any number of parameters </a:t>
+            </a:r>
+          </a:p>
+          <a:p>
+            <a:pPr lvl="1">
+              <a:lnSpc>
+                <a:spcPct val="100000"/>
+              </a:lnSpc>
+              <a:spcBef>
+                <a:spcPts val="0"/>
+              </a:spcBef>
+            </a:pPr>
+            <a:r>
+              <a:rPr lang="en-US" dirty="0" smtClean="0"/>
+              <a:t>Here it should be a value </a:t>
+            </a:r>
+            <a:r>
+              <a:rPr lang="en-US" i="1" dirty="0" smtClean="0"/>
+              <a:t>x</a:t>
+            </a:r>
+            <a:r>
+              <a:rPr lang="en-US" dirty="0" smtClean="0"/>
+              <a:t> to evaluate the polynomial at </a:t>
+            </a:r>
+            <a:endParaRPr lang="en-US" dirty="0"/>
+          </a:p>
+        </p:txBody>
+      </p:sp>
+      <p:pic>
+        <p:nvPicPr>
+          <p:cNvPr id="5" name="Picture 4"/>
+          <p:cNvPicPr>
+            <a:picLocks noChangeAspect="1"/>
+          </p:cNvPicPr>
+          <p:nvPr/>
+        </p:nvPicPr>
+        <p:blipFill>
+          <a:blip r:embed="rId3">
+            <a:extLst>
+              <a:ext uri="{28A0092B-C50C-407E-A947-70E740481C1C}">
+                <a14:useLocalDpi xmlns:a14="http://schemas.microsoft.com/office/drawing/2010/main" val="0"/>
+              </a:ext>
+            </a:extLst>
+          </a:blip>
+          <a:stretch>
+            <a:fillRect/>
+          </a:stretch>
+        </p:blipFill>
+        <p:spPr>
+          <a:xfrm>
+            <a:off x="2762729" y="3135212"/>
+            <a:ext cx="6591300" cy="1384300"/>
+          </a:xfrm>
+          <a:prstGeom prst="rect">
+            <a:avLst/>
+          </a:prstGeom>
+        </p:spPr>
+      </p:pic>
+      <p:pic>
+        <p:nvPicPr>
+          <p:cNvPr id="6" name="Picture 5"/>
+          <p:cNvPicPr>
+            <a:picLocks noChangeAspect="1"/>
+          </p:cNvPicPr>
+          <p:nvPr/>
+        </p:nvPicPr>
+        <p:blipFill>
+          <a:blip r:embed="rId4">
+            <a:extLst>
+              <a:ext uri="{28A0092B-C50C-407E-A947-70E740481C1C}">
+                <a14:useLocalDpi xmlns:a14="http://schemas.microsoft.com/office/drawing/2010/main" val="0"/>
+              </a:ext>
+            </a:extLst>
+          </a:blip>
+          <a:stretch>
+            <a:fillRect/>
+          </a:stretch>
+        </p:blipFill>
+        <p:spPr>
+          <a:xfrm>
+            <a:off x="4134329" y="5428189"/>
+            <a:ext cx="3848100" cy="1016000"/>
+          </a:xfrm>
+          <a:prstGeom prst="rect">
+            <a:avLst/>
+          </a:prstGeom>
+        </p:spPr>
+      </p:pic>
+    </p:spTree>
+    <p:extLst>
+      <p:ext uri="{BB962C8B-B14F-4D97-AF65-F5344CB8AC3E}">
+        <p14:creationId xmlns:p14="http://schemas.microsoft.com/office/powerpoint/2010/main" val="1721541879"/>
+      </p:ext>
+    </p:extLst>
+  </p:cSld>
+  <p:clrMapOvr>
+    <a:masterClrMapping/>
+  </p:clrMapOvr>
+</p:sld>
+</file>
+
 <file path=ppt/slides/slide2.xml><?xml version="1.0" encoding="utf-8"?>
 <p:sld xmlns:a="http://schemas.openxmlformats.org/drawingml/2006/main" xmlns:r="http://schemas.openxmlformats.org/officeDocument/2006/relationships" xmlns:p="http://schemas.openxmlformats.org/presentationml/2006/main">
   <p:cSld>
@@ -8247,6 +11570,12 @@
             <a:pPr marL="0" indent="0">
               <a:buNone/>
             </a:pPr>
+            <a:endParaRPr lang="en-US" dirty="0" smtClean="0"/>
+          </a:p>
+          <a:p>
+            <a:pPr marL="0" indent="0">
+              <a:buNone/>
+            </a:pPr>
             <a:endParaRPr lang="en-US" dirty="0"/>
           </a:p>
           <a:p>
@@ -8305,6 +11634,3282 @@
       </p:par>
     </p:tnLst>
   </p:timing>
+</p:sld>
+</file>
+
+<file path=ppt/slides/slide20.xml><?xml version="1.0" encoding="utf-8"?>
+<p:sld xmlns:a="http://schemas.openxmlformats.org/drawingml/2006/main" xmlns:r="http://schemas.openxmlformats.org/officeDocument/2006/relationships" xmlns:p="http://schemas.openxmlformats.org/presentationml/2006/main">
+  <p:cSld>
+    <p:spTree>
+      <p:nvGrpSpPr>
+        <p:cNvPr id="1" name=""/>
+        <p:cNvGrpSpPr/>
+        <p:nvPr/>
+      </p:nvGrpSpPr>
+      <p:grpSpPr>
+        <a:xfrm>
+          <a:off x="0" y="0"/>
+          <a:ext cx="0" cy="0"/>
+          <a:chOff x="0" y="0"/>
+          <a:chExt cx="0" cy="0"/>
+        </a:xfrm>
+      </p:grpSpPr>
+      <p:sp>
+        <p:nvSpPr>
+          <p:cNvPr id="2" name="Title 1"/>
+          <p:cNvSpPr>
+            <a:spLocks noGrp="1"/>
+          </p:cNvSpPr>
+          <p:nvPr>
+            <p:ph type="title"/>
+          </p:nvPr>
+        </p:nvSpPr>
+        <p:spPr/>
+        <p:txBody>
+          <a:bodyPr/>
+          <a:lstStyle/>
+          <a:p>
+            <a:r>
+              <a:rPr lang="en-US" dirty="0" smtClean="0"/>
+              <a:t>A Polynomial Object </a:t>
+            </a:r>
+            <a:endParaRPr lang="en-US" dirty="0"/>
+          </a:p>
+        </p:txBody>
+      </p:sp>
+      <p:sp>
+        <p:nvSpPr>
+          <p:cNvPr id="3" name="Content Placeholder 2"/>
+          <p:cNvSpPr>
+            <a:spLocks noGrp="1"/>
+          </p:cNvSpPr>
+          <p:nvPr>
+            <p:ph idx="1"/>
+          </p:nvPr>
+        </p:nvSpPr>
+        <p:spPr/>
+        <p:txBody>
+          <a:bodyPr/>
+          <a:lstStyle/>
+          <a:p>
+            <a:pPr marL="0" marR="0" lvl="0" indent="0" defTabSz="914400" eaLnBrk="1" fontAlgn="auto" latinLnBrk="0" hangingPunct="1">
+              <a:lnSpc>
+                <a:spcPct val="100000"/>
+              </a:lnSpc>
+              <a:spcBef>
+                <a:spcPts val="0"/>
+              </a:spcBef>
+              <a:spcAft>
+                <a:spcPts val="0"/>
+              </a:spcAft>
+              <a:buClrTx/>
+              <a:buSzTx/>
+              <a:buFontTx/>
+              <a:buNone/>
+              <a:tabLst/>
+              <a:defRPr/>
+            </a:pPr>
+            <a:r>
+              <a:rPr lang="en-US" dirty="0" smtClean="0"/>
+              <a:t>Item assignment </a:t>
+            </a:r>
+            <a:r>
+              <a:rPr lang="mr-IN" dirty="0" smtClean="0"/>
+              <a:t>–</a:t>
+            </a:r>
+            <a:r>
+              <a:rPr lang="en-US" dirty="0" smtClean="0"/>
+              <a:t> requires </a:t>
+            </a:r>
+            <a:r>
+              <a:rPr lang="en-US" i="1" dirty="0" smtClean="0"/>
+              <a:t>__</a:t>
+            </a:r>
+            <a:r>
+              <a:rPr lang="en-US" i="1" dirty="0" err="1" smtClean="0"/>
+              <a:t>setitem</a:t>
+            </a:r>
+            <a:r>
+              <a:rPr lang="en-US" i="1" dirty="0" smtClean="0"/>
+              <a:t>__</a:t>
+            </a:r>
+            <a:r>
+              <a:rPr lang="en-US" dirty="0" smtClean="0"/>
+              <a:t> function, which takes the index and the value to assign, in that order. </a:t>
+            </a:r>
+          </a:p>
+          <a:p>
+            <a:pPr marL="0" marR="0" lvl="0" indent="0" defTabSz="914400" eaLnBrk="1" fontAlgn="auto" latinLnBrk="0" hangingPunct="1">
+              <a:lnSpc>
+                <a:spcPct val="100000"/>
+              </a:lnSpc>
+              <a:spcBef>
+                <a:spcPts val="0"/>
+              </a:spcBef>
+              <a:spcAft>
+                <a:spcPts val="0"/>
+              </a:spcAft>
+              <a:buClrTx/>
+              <a:buSzTx/>
+              <a:buFontTx/>
+              <a:buNone/>
+              <a:tabLst/>
+              <a:defRPr/>
+            </a:pPr>
+            <a:r>
+              <a:rPr lang="en-US" dirty="0" smtClean="0"/>
+              <a:t> </a:t>
+            </a:r>
+            <a:endParaRPr lang="en-US" dirty="0"/>
+          </a:p>
+        </p:txBody>
+      </p:sp>
+      <p:pic>
+        <p:nvPicPr>
+          <p:cNvPr id="4" name="Picture 3"/>
+          <p:cNvPicPr>
+            <a:picLocks noChangeAspect="1"/>
+          </p:cNvPicPr>
+          <p:nvPr/>
+        </p:nvPicPr>
+        <p:blipFill>
+          <a:blip r:embed="rId2">
+            <a:extLst>
+              <a:ext uri="{28A0092B-C50C-407E-A947-70E740481C1C}">
+                <a14:useLocalDpi xmlns:a14="http://schemas.microsoft.com/office/drawing/2010/main" val="0"/>
+              </a:ext>
+            </a:extLst>
+          </a:blip>
+          <a:stretch>
+            <a:fillRect/>
+          </a:stretch>
+        </p:blipFill>
+        <p:spPr>
+          <a:xfrm>
+            <a:off x="2692937" y="3739089"/>
+            <a:ext cx="6883400" cy="2197100"/>
+          </a:xfrm>
+          <a:prstGeom prst="rect">
+            <a:avLst/>
+          </a:prstGeom>
+        </p:spPr>
+      </p:pic>
+    </p:spTree>
+    <p:extLst>
+      <p:ext uri="{BB962C8B-B14F-4D97-AF65-F5344CB8AC3E}">
+        <p14:creationId xmlns:p14="http://schemas.microsoft.com/office/powerpoint/2010/main" val="879552914"/>
+      </p:ext>
+    </p:extLst>
+  </p:cSld>
+  <p:clrMapOvr>
+    <a:masterClrMapping/>
+  </p:clrMapOvr>
+</p:sld>
+</file>
+
+<file path=ppt/slides/slide21.xml><?xml version="1.0" encoding="utf-8"?>
+<p:sld xmlns:a="http://schemas.openxmlformats.org/drawingml/2006/main" xmlns:r="http://schemas.openxmlformats.org/officeDocument/2006/relationships" xmlns:p="http://schemas.openxmlformats.org/presentationml/2006/main">
+  <p:cSld>
+    <p:spTree>
+      <p:nvGrpSpPr>
+        <p:cNvPr id="1" name=""/>
+        <p:cNvGrpSpPr/>
+        <p:nvPr/>
+      </p:nvGrpSpPr>
+      <p:grpSpPr>
+        <a:xfrm>
+          <a:off x="0" y="0"/>
+          <a:ext cx="0" cy="0"/>
+          <a:chOff x="0" y="0"/>
+          <a:chExt cx="0" cy="0"/>
+        </a:xfrm>
+      </p:grpSpPr>
+      <p:sp>
+        <p:nvSpPr>
+          <p:cNvPr id="2" name="Title 1"/>
+          <p:cNvSpPr>
+            <a:spLocks noGrp="1"/>
+          </p:cNvSpPr>
+          <p:nvPr>
+            <p:ph type="title"/>
+          </p:nvPr>
+        </p:nvSpPr>
+        <p:spPr/>
+        <p:txBody>
+          <a:bodyPr/>
+          <a:lstStyle/>
+          <a:p>
+            <a:r>
+              <a:rPr lang="en-US" dirty="0" smtClean="0"/>
+              <a:t>A Polynomial Object </a:t>
+            </a:r>
+            <a:endParaRPr lang="en-US" dirty="0"/>
+          </a:p>
+        </p:txBody>
+      </p:sp>
+      <p:sp>
+        <p:nvSpPr>
+          <p:cNvPr id="3" name="Content Placeholder 2"/>
+          <p:cNvSpPr>
+            <a:spLocks noGrp="1"/>
+          </p:cNvSpPr>
+          <p:nvPr>
+            <p:ph idx="1"/>
+          </p:nvPr>
+        </p:nvSpPr>
+        <p:spPr>
+          <a:xfrm>
+            <a:off x="680321" y="2336873"/>
+            <a:ext cx="4960625" cy="3599316"/>
+          </a:xfrm>
+        </p:spPr>
+        <p:txBody>
+          <a:bodyPr/>
+          <a:lstStyle/>
+          <a:p>
+            <a:pPr marL="0" marR="0" lvl="0" indent="0" defTabSz="914400" eaLnBrk="1" fontAlgn="auto" latinLnBrk="0" hangingPunct="1">
+              <a:lnSpc>
+                <a:spcPct val="100000"/>
+              </a:lnSpc>
+              <a:spcBef>
+                <a:spcPts val="0"/>
+              </a:spcBef>
+              <a:spcAft>
+                <a:spcPts val="0"/>
+              </a:spcAft>
+              <a:buClrTx/>
+              <a:buSzTx/>
+              <a:buFontTx/>
+              <a:buNone/>
+              <a:tabLst/>
+              <a:defRPr/>
+            </a:pPr>
+            <a:r>
+              <a:rPr lang="en-US" dirty="0" smtClean="0"/>
+              <a:t>A string representation </a:t>
+            </a:r>
+            <a:r>
+              <a:rPr lang="mr-IN" dirty="0" smtClean="0"/>
+              <a:t>–</a:t>
+            </a:r>
+            <a:r>
+              <a:rPr lang="en-US" dirty="0" smtClean="0"/>
+              <a:t> requires </a:t>
+            </a:r>
+            <a:r>
+              <a:rPr lang="en-US" i="1" dirty="0" smtClean="0"/>
+              <a:t>__</a:t>
+            </a:r>
+            <a:r>
+              <a:rPr lang="en-US" i="1" dirty="0" err="1" smtClean="0"/>
+              <a:t>str</a:t>
+            </a:r>
+            <a:r>
+              <a:rPr lang="en-US" i="1" dirty="0" smtClean="0"/>
+              <a:t>__ </a:t>
+            </a:r>
+            <a:r>
+              <a:rPr lang="en-US" dirty="0" smtClean="0"/>
+              <a:t>and </a:t>
+            </a:r>
+            <a:r>
+              <a:rPr lang="en-US" i="1" dirty="0" smtClean="0"/>
+              <a:t>__</a:t>
+            </a:r>
+            <a:r>
+              <a:rPr lang="en-US" i="1" dirty="0" err="1" smtClean="0"/>
+              <a:t>repr</a:t>
+            </a:r>
+            <a:r>
+              <a:rPr lang="en-US" i="1" dirty="0" smtClean="0"/>
+              <a:t>__ </a:t>
+            </a:r>
+            <a:r>
+              <a:rPr lang="en-US" dirty="0" smtClean="0"/>
+              <a:t>functions, which do slightly different things. </a:t>
+            </a:r>
+          </a:p>
+          <a:p>
+            <a:pPr lvl="1">
+              <a:lnSpc>
+                <a:spcPct val="100000"/>
+              </a:lnSpc>
+              <a:spcBef>
+                <a:spcPts val="0"/>
+              </a:spcBef>
+            </a:pPr>
+            <a:r>
+              <a:rPr lang="en-US" i="1" dirty="0" smtClean="0"/>
+              <a:t>__</a:t>
+            </a:r>
+            <a:r>
+              <a:rPr lang="en-US" i="1" dirty="0" err="1" smtClean="0"/>
+              <a:t>str</a:t>
+            </a:r>
+            <a:r>
+              <a:rPr lang="en-US" i="1" dirty="0" smtClean="0"/>
+              <a:t>__</a:t>
+            </a:r>
+            <a:r>
+              <a:rPr lang="en-US" dirty="0" smtClean="0"/>
+              <a:t> is called when you type-cast to a string </a:t>
+            </a:r>
+          </a:p>
+          <a:p>
+            <a:pPr lvl="1">
+              <a:lnSpc>
+                <a:spcPct val="100000"/>
+              </a:lnSpc>
+              <a:spcBef>
+                <a:spcPts val="0"/>
+              </a:spcBef>
+            </a:pPr>
+            <a:r>
+              <a:rPr lang="en-US" i="1" dirty="0" smtClean="0"/>
+              <a:t>__</a:t>
+            </a:r>
+            <a:r>
+              <a:rPr lang="en-US" i="1" dirty="0" err="1" smtClean="0"/>
+              <a:t>repr</a:t>
+            </a:r>
+            <a:r>
+              <a:rPr lang="en-US" i="1" dirty="0" smtClean="0"/>
+              <a:t>__ </a:t>
+            </a:r>
+            <a:r>
+              <a:rPr lang="en-US" dirty="0" smtClean="0"/>
+              <a:t>is called when you run a line with just the object in </a:t>
+            </a:r>
+            <a:r>
+              <a:rPr lang="en-US" i="1" dirty="0" err="1" smtClean="0"/>
+              <a:t>ipython</a:t>
+            </a:r>
+            <a:r>
+              <a:rPr lang="en-US" dirty="0" smtClean="0"/>
+              <a:t> or a notebook </a:t>
+            </a:r>
+            <a:endParaRPr lang="en-US" i="1" dirty="0"/>
+          </a:p>
+        </p:txBody>
+      </p:sp>
+      <p:pic>
+        <p:nvPicPr>
+          <p:cNvPr id="4" name="Picture 3"/>
+          <p:cNvPicPr>
+            <a:picLocks noChangeAspect="1"/>
+          </p:cNvPicPr>
+          <p:nvPr/>
+        </p:nvPicPr>
+        <p:blipFill>
+          <a:blip r:embed="rId2">
+            <a:extLst>
+              <a:ext uri="{28A0092B-C50C-407E-A947-70E740481C1C}">
+                <a14:useLocalDpi xmlns:a14="http://schemas.microsoft.com/office/drawing/2010/main" val="0"/>
+              </a:ext>
+            </a:extLst>
+          </a:blip>
+          <a:stretch>
+            <a:fillRect/>
+          </a:stretch>
+        </p:blipFill>
+        <p:spPr>
+          <a:xfrm>
+            <a:off x="6072568" y="2208369"/>
+            <a:ext cx="5816600" cy="4051300"/>
+          </a:xfrm>
+          <a:prstGeom prst="rect">
+            <a:avLst/>
+          </a:prstGeom>
+        </p:spPr>
+      </p:pic>
+    </p:spTree>
+    <p:extLst>
+      <p:ext uri="{BB962C8B-B14F-4D97-AF65-F5344CB8AC3E}">
+        <p14:creationId xmlns:p14="http://schemas.microsoft.com/office/powerpoint/2010/main" val="1675763766"/>
+      </p:ext>
+    </p:extLst>
+  </p:cSld>
+  <p:clrMapOvr>
+    <a:masterClrMapping/>
+  </p:clrMapOvr>
+</p:sld>
+</file>
+
+<file path=ppt/slides/slide22.xml><?xml version="1.0" encoding="utf-8"?>
+<p:sld xmlns:a="http://schemas.openxmlformats.org/drawingml/2006/main" xmlns:r="http://schemas.openxmlformats.org/officeDocument/2006/relationships" xmlns:p="http://schemas.openxmlformats.org/presentationml/2006/main">
+  <p:cSld>
+    <p:spTree>
+      <p:nvGrpSpPr>
+        <p:cNvPr id="1" name=""/>
+        <p:cNvGrpSpPr/>
+        <p:nvPr/>
+      </p:nvGrpSpPr>
+      <p:grpSpPr>
+        <a:xfrm>
+          <a:off x="0" y="0"/>
+          <a:ext cx="0" cy="0"/>
+          <a:chOff x="0" y="0"/>
+          <a:chExt cx="0" cy="0"/>
+        </a:xfrm>
+      </p:grpSpPr>
+      <p:sp>
+        <p:nvSpPr>
+          <p:cNvPr id="2" name="Title 1"/>
+          <p:cNvSpPr>
+            <a:spLocks noGrp="1"/>
+          </p:cNvSpPr>
+          <p:nvPr>
+            <p:ph type="title"/>
+          </p:nvPr>
+        </p:nvSpPr>
+        <p:spPr/>
+        <p:txBody>
+          <a:bodyPr/>
+          <a:lstStyle/>
+          <a:p>
+            <a:r>
+              <a:rPr lang="en-US" dirty="0" smtClean="0"/>
+              <a:t>A Polynomial Object </a:t>
+            </a:r>
+            <a:endParaRPr lang="en-US" dirty="0"/>
+          </a:p>
+        </p:txBody>
+      </p:sp>
+      <p:sp>
+        <p:nvSpPr>
+          <p:cNvPr id="3" name="Content Placeholder 2"/>
+          <p:cNvSpPr>
+            <a:spLocks noGrp="1"/>
+          </p:cNvSpPr>
+          <p:nvPr>
+            <p:ph idx="1"/>
+          </p:nvPr>
+        </p:nvSpPr>
+        <p:spPr>
+          <a:xfrm>
+            <a:off x="680322" y="2336873"/>
+            <a:ext cx="5681842" cy="3599316"/>
+          </a:xfrm>
+        </p:spPr>
+        <p:txBody>
+          <a:bodyPr/>
+          <a:lstStyle/>
+          <a:p>
+            <a:pPr marL="0" marR="0" lvl="0" indent="0" defTabSz="914400" eaLnBrk="1" fontAlgn="auto" latinLnBrk="0" hangingPunct="1">
+              <a:lnSpc>
+                <a:spcPct val="100000"/>
+              </a:lnSpc>
+              <a:spcBef>
+                <a:spcPts val="0"/>
+              </a:spcBef>
+              <a:spcAft>
+                <a:spcPts val="0"/>
+              </a:spcAft>
+              <a:buClrTx/>
+              <a:buSzTx/>
+              <a:buFontTx/>
+              <a:buNone/>
+              <a:tabLst/>
+              <a:defRPr/>
+            </a:pPr>
+            <a:r>
+              <a:rPr lang="en-US" dirty="0" smtClean="0"/>
+              <a:t>In action </a:t>
+            </a:r>
+            <a:r>
+              <a:rPr lang="mr-IN" dirty="0" smtClean="0"/>
+              <a:t>–</a:t>
+            </a:r>
+            <a:r>
+              <a:rPr lang="en-US" dirty="0" smtClean="0"/>
+              <a:t> the example has all of these features because of the magic methods implemented in the polynomial class </a:t>
+            </a:r>
+          </a:p>
+          <a:p>
+            <a:pPr marL="0" marR="0" lvl="0" indent="0" defTabSz="914400" eaLnBrk="1" fontAlgn="auto" latinLnBrk="0" hangingPunct="1">
+              <a:lnSpc>
+                <a:spcPct val="100000"/>
+              </a:lnSpc>
+              <a:spcBef>
+                <a:spcPts val="0"/>
+              </a:spcBef>
+              <a:spcAft>
+                <a:spcPts val="0"/>
+              </a:spcAft>
+              <a:buClrTx/>
+              <a:buSzTx/>
+              <a:buFontTx/>
+              <a:buNone/>
+              <a:tabLst/>
+              <a:defRPr/>
+            </a:pPr>
+            <a:endParaRPr lang="en-US" dirty="0"/>
+          </a:p>
+          <a:p>
+            <a:pPr marL="0" marR="0" lvl="0" indent="0" defTabSz="914400" eaLnBrk="1" fontAlgn="auto" latinLnBrk="0" hangingPunct="1">
+              <a:lnSpc>
+                <a:spcPct val="100000"/>
+              </a:lnSpc>
+              <a:spcBef>
+                <a:spcPts val="0"/>
+              </a:spcBef>
+              <a:spcAft>
+                <a:spcPts val="0"/>
+              </a:spcAft>
+              <a:buClrTx/>
+              <a:buSzTx/>
+              <a:buFontTx/>
+              <a:buNone/>
+              <a:tabLst/>
+              <a:defRPr/>
+            </a:pPr>
+            <a:endParaRPr lang="en-US" dirty="0" smtClean="0"/>
+          </a:p>
+          <a:p>
+            <a:pPr marL="0" marR="0" lvl="0" indent="0" defTabSz="914400" eaLnBrk="1" fontAlgn="auto" latinLnBrk="0" hangingPunct="1">
+              <a:lnSpc>
+                <a:spcPct val="100000"/>
+              </a:lnSpc>
+              <a:spcBef>
+                <a:spcPts val="0"/>
+              </a:spcBef>
+              <a:spcAft>
+                <a:spcPts val="0"/>
+              </a:spcAft>
+              <a:buClrTx/>
+              <a:buSzTx/>
+              <a:buFontTx/>
+              <a:buNone/>
+              <a:tabLst/>
+              <a:defRPr/>
+            </a:pPr>
+            <a:endParaRPr lang="en-US" dirty="0" smtClean="0"/>
+          </a:p>
+          <a:p>
+            <a:pPr marL="0" marR="0" lvl="0" indent="0" defTabSz="914400" eaLnBrk="1" fontAlgn="auto" latinLnBrk="0" hangingPunct="1">
+              <a:lnSpc>
+                <a:spcPct val="100000"/>
+              </a:lnSpc>
+              <a:spcBef>
+                <a:spcPts val="0"/>
+              </a:spcBef>
+              <a:spcAft>
+                <a:spcPts val="0"/>
+              </a:spcAft>
+              <a:buClrTx/>
+              <a:buSzTx/>
+              <a:buFontTx/>
+              <a:buNone/>
+              <a:tabLst/>
+              <a:defRPr/>
+            </a:pPr>
+            <a:r>
+              <a:rPr lang="en-US" dirty="0" smtClean="0"/>
+              <a:t>This is a essentially a reimplementation of </a:t>
+            </a:r>
+            <a:r>
+              <a:rPr lang="en-US" dirty="0" err="1" smtClean="0"/>
+              <a:t>NumPy’s</a:t>
+            </a:r>
+            <a:r>
+              <a:rPr lang="en-US" dirty="0" smtClean="0"/>
+              <a:t> </a:t>
+            </a:r>
+            <a:r>
+              <a:rPr lang="en-US" i="1" dirty="0" smtClean="0"/>
+              <a:t>poly1d</a:t>
+            </a:r>
+            <a:r>
+              <a:rPr lang="en-US" dirty="0" smtClean="0"/>
+              <a:t> object </a:t>
+            </a:r>
+          </a:p>
+        </p:txBody>
+      </p:sp>
+      <p:pic>
+        <p:nvPicPr>
+          <p:cNvPr id="4" name="Picture 3"/>
+          <p:cNvPicPr>
+            <a:picLocks noChangeAspect="1"/>
+          </p:cNvPicPr>
+          <p:nvPr/>
+        </p:nvPicPr>
+        <p:blipFill>
+          <a:blip r:embed="rId2">
+            <a:extLst>
+              <a:ext uri="{28A0092B-C50C-407E-A947-70E740481C1C}">
+                <a14:useLocalDpi xmlns:a14="http://schemas.microsoft.com/office/drawing/2010/main" val="0"/>
+              </a:ext>
+            </a:extLst>
+          </a:blip>
+          <a:stretch>
+            <a:fillRect/>
+          </a:stretch>
+        </p:blipFill>
+        <p:spPr>
+          <a:xfrm>
+            <a:off x="7195457" y="18676"/>
+            <a:ext cx="4996543" cy="6858000"/>
+          </a:xfrm>
+          <a:prstGeom prst="rect">
+            <a:avLst/>
+          </a:prstGeom>
+        </p:spPr>
+      </p:pic>
+    </p:spTree>
+    <p:extLst>
+      <p:ext uri="{BB962C8B-B14F-4D97-AF65-F5344CB8AC3E}">
+        <p14:creationId xmlns:p14="http://schemas.microsoft.com/office/powerpoint/2010/main" val="1378340880"/>
+      </p:ext>
+    </p:extLst>
+  </p:cSld>
+  <p:clrMapOvr>
+    <a:masterClrMapping/>
+  </p:clrMapOvr>
+</p:sld>
+</file>
+
+<file path=ppt/slides/slide23.xml><?xml version="1.0" encoding="utf-8"?>
+<p:sld xmlns:a="http://schemas.openxmlformats.org/drawingml/2006/main" xmlns:r="http://schemas.openxmlformats.org/officeDocument/2006/relationships" xmlns:p="http://schemas.openxmlformats.org/presentationml/2006/main">
+  <p:cSld>
+    <p:spTree>
+      <p:nvGrpSpPr>
+        <p:cNvPr id="1" name=""/>
+        <p:cNvGrpSpPr/>
+        <p:nvPr/>
+      </p:nvGrpSpPr>
+      <p:grpSpPr>
+        <a:xfrm>
+          <a:off x="0" y="0"/>
+          <a:ext cx="0" cy="0"/>
+          <a:chOff x="0" y="0"/>
+          <a:chExt cx="0" cy="0"/>
+        </a:xfrm>
+      </p:grpSpPr>
+      <p:sp>
+        <p:nvSpPr>
+          <p:cNvPr id="2" name="Title 1"/>
+          <p:cNvSpPr>
+            <a:spLocks noGrp="1"/>
+          </p:cNvSpPr>
+          <p:nvPr>
+            <p:ph type="title"/>
+          </p:nvPr>
+        </p:nvSpPr>
+        <p:spPr/>
+        <p:txBody>
+          <a:bodyPr/>
+          <a:lstStyle/>
+          <a:p>
+            <a:r>
+              <a:rPr lang="en-US" dirty="0" smtClean="0"/>
+              <a:t>Emulating Numeric Types </a:t>
+            </a:r>
+            <a:endParaRPr lang="en-US" dirty="0"/>
+          </a:p>
+        </p:txBody>
+      </p:sp>
+      <p:sp>
+        <p:nvSpPr>
+          <p:cNvPr id="3" name="Content Placeholder 2"/>
+          <p:cNvSpPr>
+            <a:spLocks noGrp="1"/>
+          </p:cNvSpPr>
+          <p:nvPr>
+            <p:ph idx="1"/>
+          </p:nvPr>
+        </p:nvSpPr>
+        <p:spPr>
+          <a:xfrm>
+            <a:off x="680320" y="2130810"/>
+            <a:ext cx="4071984" cy="4727189"/>
+          </a:xfrm>
+        </p:spPr>
+        <p:txBody>
+          <a:bodyPr/>
+          <a:lstStyle/>
+          <a:p>
+            <a:pPr marL="0" marR="0" lvl="0" indent="0" defTabSz="914400" eaLnBrk="1" fontAlgn="auto" latinLnBrk="0" hangingPunct="1">
+              <a:lnSpc>
+                <a:spcPct val="100000"/>
+              </a:lnSpc>
+              <a:spcBef>
+                <a:spcPts val="0"/>
+              </a:spcBef>
+              <a:spcAft>
+                <a:spcPts val="0"/>
+              </a:spcAft>
+              <a:buClrTx/>
+              <a:buSzTx/>
+              <a:buFontTx/>
+              <a:buNone/>
+              <a:tabLst/>
+              <a:defRPr/>
+            </a:pPr>
+            <a:r>
+              <a:rPr lang="en-US" dirty="0" smtClean="0"/>
+              <a:t>Another application of syntactic sugar </a:t>
+            </a:r>
+          </a:p>
+          <a:p>
+            <a:pPr marL="0" marR="0" lvl="0" indent="0" defTabSz="914400" eaLnBrk="1" fontAlgn="auto" latinLnBrk="0" hangingPunct="1">
+              <a:lnSpc>
+                <a:spcPct val="100000"/>
+              </a:lnSpc>
+              <a:spcBef>
+                <a:spcPts val="0"/>
+              </a:spcBef>
+              <a:spcAft>
+                <a:spcPts val="0"/>
+              </a:spcAft>
+              <a:buClrTx/>
+              <a:buSzTx/>
+              <a:buFontTx/>
+              <a:buNone/>
+              <a:tabLst/>
+              <a:defRPr/>
+            </a:pPr>
+            <a:endParaRPr lang="en-US" dirty="0"/>
+          </a:p>
+          <a:p>
+            <a:pPr marL="0" marR="0" lvl="0" indent="0" defTabSz="914400" eaLnBrk="1" fontAlgn="auto" latinLnBrk="0" hangingPunct="1">
+              <a:lnSpc>
+                <a:spcPct val="100000"/>
+              </a:lnSpc>
+              <a:spcBef>
+                <a:spcPts val="0"/>
+              </a:spcBef>
+              <a:spcAft>
+                <a:spcPts val="0"/>
+              </a:spcAft>
+              <a:buClrTx/>
+              <a:buSzTx/>
+              <a:buFontTx/>
+              <a:buNone/>
+              <a:tabLst/>
+              <a:defRPr/>
+            </a:pPr>
+            <a:endParaRPr lang="en-US" dirty="0" smtClean="0"/>
+          </a:p>
+          <a:p>
+            <a:pPr marL="0" marR="0" lvl="0" indent="0" defTabSz="914400" eaLnBrk="1" fontAlgn="auto" latinLnBrk="0" hangingPunct="1">
+              <a:lnSpc>
+                <a:spcPct val="100000"/>
+              </a:lnSpc>
+              <a:spcBef>
+                <a:spcPts val="0"/>
+              </a:spcBef>
+              <a:spcAft>
+                <a:spcPts val="0"/>
+              </a:spcAft>
+              <a:buClrTx/>
+              <a:buSzTx/>
+              <a:buFontTx/>
+              <a:buNone/>
+              <a:tabLst/>
+              <a:defRPr/>
+            </a:pPr>
+            <a:r>
+              <a:rPr lang="en-US" dirty="0" smtClean="0"/>
+              <a:t>There is also </a:t>
+            </a:r>
+            <a:r>
+              <a:rPr lang="en-US" i="1" dirty="0" smtClean="0"/>
+              <a:t>__</a:t>
+            </a:r>
+            <a:r>
+              <a:rPr lang="en-US" i="1" dirty="0" err="1" smtClean="0"/>
+              <a:t>rsub</a:t>
+            </a:r>
+            <a:r>
+              <a:rPr lang="en-US" i="1" dirty="0" smtClean="0"/>
+              <a:t>__</a:t>
+            </a:r>
+            <a:r>
+              <a:rPr lang="en-US" dirty="0" smtClean="0"/>
+              <a:t> for -=, </a:t>
+            </a:r>
+          </a:p>
+          <a:p>
+            <a:pPr marL="0" marR="0" lvl="0" indent="0" defTabSz="914400" eaLnBrk="1" fontAlgn="auto" latinLnBrk="0" hangingPunct="1">
+              <a:lnSpc>
+                <a:spcPct val="100000"/>
+              </a:lnSpc>
+              <a:spcBef>
+                <a:spcPts val="0"/>
+              </a:spcBef>
+              <a:spcAft>
+                <a:spcPts val="0"/>
+              </a:spcAft>
+              <a:buClrTx/>
+              <a:buSzTx/>
+              <a:buFontTx/>
+              <a:buNone/>
+              <a:tabLst/>
+              <a:defRPr/>
+            </a:pPr>
+            <a:r>
+              <a:rPr lang="en-US" i="1" dirty="0" smtClean="0"/>
+              <a:t>__</a:t>
+            </a:r>
+            <a:r>
+              <a:rPr lang="en-US" i="1" dirty="0" err="1" smtClean="0"/>
+              <a:t>rmul</a:t>
+            </a:r>
+            <a:r>
+              <a:rPr lang="en-US" i="1" dirty="0" smtClean="0"/>
+              <a:t>__</a:t>
+            </a:r>
+            <a:r>
+              <a:rPr lang="en-US" dirty="0" smtClean="0"/>
+              <a:t> for *=, </a:t>
+            </a:r>
+            <a:r>
+              <a:rPr lang="en-US" i="1" dirty="0" smtClean="0"/>
+              <a:t>__</a:t>
+            </a:r>
+            <a:r>
+              <a:rPr lang="en-US" i="1" dirty="0" err="1" smtClean="0"/>
+              <a:t>rdiv</a:t>
+            </a:r>
+            <a:r>
+              <a:rPr lang="en-US" i="1" dirty="0" smtClean="0"/>
+              <a:t>__ </a:t>
+            </a:r>
+            <a:r>
+              <a:rPr lang="en-US" dirty="0" smtClean="0"/>
+              <a:t>for /=, etc., but unless otherwise specified these lines will call the corresponding function without the </a:t>
+            </a:r>
+            <a:r>
+              <a:rPr lang="en-US" i="1" dirty="0" smtClean="0"/>
+              <a:t>r</a:t>
+            </a:r>
+            <a:r>
+              <a:rPr lang="en-US" dirty="0" smtClean="0"/>
+              <a:t> in the name. </a:t>
+            </a:r>
+          </a:p>
+        </p:txBody>
+      </p:sp>
+      <p:graphicFrame>
+        <p:nvGraphicFramePr>
+          <p:cNvPr id="5" name="Table 4"/>
+          <p:cNvGraphicFramePr>
+            <a:graphicFrameLocks noGrp="1"/>
+          </p:cNvGraphicFramePr>
+          <p:nvPr>
+            <p:extLst>
+              <p:ext uri="{D42A27DB-BD31-4B8C-83A1-F6EECF244321}">
+                <p14:modId xmlns:p14="http://schemas.microsoft.com/office/powerpoint/2010/main" val="1602761301"/>
+              </p:ext>
+            </p:extLst>
+          </p:nvPr>
+        </p:nvGraphicFramePr>
+        <p:xfrm>
+          <a:off x="5228822" y="2459900"/>
+          <a:ext cx="6443400" cy="3708400"/>
+        </p:xfrm>
+        <a:graphic>
+          <a:graphicData uri="http://schemas.openxmlformats.org/drawingml/2006/table">
+            <a:tbl>
+              <a:tblPr firstRow="1" bandRow="1">
+                <a:tableStyleId>{5C22544A-7EE6-4342-B048-85BDC9FD1C3A}</a:tableStyleId>
+              </a:tblPr>
+              <a:tblGrid>
+                <a:gridCol w="3221700"/>
+                <a:gridCol w="3221700"/>
+              </a:tblGrid>
+              <a:tr h="370840">
+                <a:tc>
+                  <a:txBody>
+                    <a:bodyPr/>
+                    <a:lstStyle/>
+                    <a:p>
+                      <a:pPr algn="ctr"/>
+                      <a:r>
+                        <a:rPr lang="en-US" dirty="0" smtClean="0"/>
+                        <a:t>With Syntactic</a:t>
+                      </a:r>
+                      <a:r>
+                        <a:rPr lang="en-US" baseline="0" dirty="0" smtClean="0"/>
+                        <a:t> Sugar</a:t>
+                      </a:r>
+                      <a:endParaRPr lang="en-US" dirty="0"/>
+                    </a:p>
+                  </a:txBody>
+                  <a:tcPr/>
+                </a:tc>
+                <a:tc>
+                  <a:txBody>
+                    <a:bodyPr/>
+                    <a:lstStyle/>
+                    <a:p>
+                      <a:pPr algn="ctr"/>
+                      <a:r>
+                        <a:rPr lang="en-US" dirty="0" smtClean="0"/>
+                        <a:t>Without</a:t>
+                      </a:r>
+                      <a:r>
+                        <a:rPr lang="en-US" baseline="0" dirty="0" smtClean="0"/>
+                        <a:t> Syntactic Sugar</a:t>
+                      </a:r>
+                      <a:endParaRPr lang="en-US" dirty="0"/>
+                    </a:p>
+                  </a:txBody>
+                  <a:tcPr/>
+                </a:tc>
+              </a:tr>
+              <a:tr h="370840">
+                <a:tc>
+                  <a:txBody>
+                    <a:bodyPr/>
+                    <a:lstStyle/>
+                    <a:p>
+                      <a:pPr algn="ctr"/>
+                      <a:r>
+                        <a:rPr lang="en-US" dirty="0" smtClean="0"/>
+                        <a:t>x</a:t>
+                      </a:r>
+                      <a:r>
+                        <a:rPr lang="en-US" baseline="0" dirty="0" smtClean="0"/>
+                        <a:t> + y</a:t>
+                      </a:r>
+                      <a:endParaRPr lang="en-US" dirty="0"/>
+                    </a:p>
+                  </a:txBody>
+                  <a:tcPr/>
+                </a:tc>
+                <a:tc>
+                  <a:txBody>
+                    <a:bodyPr/>
+                    <a:lstStyle/>
+                    <a:p>
+                      <a:pPr algn="ctr"/>
+                      <a:r>
+                        <a:rPr lang="en-US" dirty="0" err="1" smtClean="0"/>
+                        <a:t>x.__add</a:t>
+                      </a:r>
+                      <a:r>
+                        <a:rPr lang="en-US" dirty="0" smtClean="0"/>
+                        <a:t>__(y)</a:t>
+                      </a:r>
+                      <a:r>
+                        <a:rPr lang="en-US" baseline="0" dirty="0" smtClean="0"/>
+                        <a:t> </a:t>
+                      </a:r>
+                      <a:endParaRPr lang="en-US" dirty="0"/>
+                    </a:p>
+                  </a:txBody>
+                  <a:tcPr/>
+                </a:tc>
+              </a:tr>
+              <a:tr h="370840">
+                <a:tc>
+                  <a:txBody>
+                    <a:bodyPr/>
+                    <a:lstStyle/>
+                    <a:p>
+                      <a:pPr algn="ctr"/>
+                      <a:r>
+                        <a:rPr lang="en-US" dirty="0" smtClean="0"/>
+                        <a:t>x</a:t>
+                      </a:r>
+                      <a:r>
+                        <a:rPr lang="en-US" baseline="0" dirty="0" smtClean="0"/>
+                        <a:t> += y</a:t>
+                      </a:r>
+                      <a:endParaRPr lang="en-US" dirty="0"/>
+                    </a:p>
+                  </a:txBody>
+                  <a:tcPr/>
+                </a:tc>
+                <a:tc>
+                  <a:txBody>
+                    <a:bodyPr/>
+                    <a:lstStyle/>
+                    <a:p>
+                      <a:pPr algn="ctr"/>
+                      <a:r>
+                        <a:rPr lang="en-US" dirty="0" smtClean="0"/>
+                        <a:t>x.__</a:t>
+                      </a:r>
+                      <a:r>
+                        <a:rPr lang="en-US" dirty="0" err="1" smtClean="0"/>
+                        <a:t>radd</a:t>
+                      </a:r>
+                      <a:r>
+                        <a:rPr lang="en-US" dirty="0" smtClean="0"/>
+                        <a:t>__(y)</a:t>
+                      </a:r>
+                      <a:r>
+                        <a:rPr lang="en-US" baseline="0" dirty="0" smtClean="0"/>
+                        <a:t> </a:t>
+                      </a:r>
+                      <a:endParaRPr lang="en-US" dirty="0"/>
+                    </a:p>
+                  </a:txBody>
+                  <a:tcPr/>
+                </a:tc>
+              </a:tr>
+              <a:tr h="370840">
+                <a:tc>
+                  <a:txBody>
+                    <a:bodyPr/>
+                    <a:lstStyle/>
+                    <a:p>
+                      <a:pPr algn="ctr"/>
+                      <a:r>
+                        <a:rPr lang="en-US" dirty="0" smtClean="0"/>
+                        <a:t>x</a:t>
+                      </a:r>
+                      <a:r>
+                        <a:rPr lang="en-US" baseline="0" dirty="0" smtClean="0"/>
+                        <a:t> - y</a:t>
+                      </a:r>
+                      <a:endParaRPr lang="en-US" dirty="0"/>
+                    </a:p>
+                  </a:txBody>
+                  <a:tcPr/>
+                </a:tc>
+                <a:tc>
+                  <a:txBody>
+                    <a:bodyPr/>
+                    <a:lstStyle/>
+                    <a:p>
+                      <a:pPr algn="ctr"/>
+                      <a:r>
+                        <a:rPr lang="en-US" dirty="0" err="1" smtClean="0"/>
+                        <a:t>x.__sub</a:t>
+                      </a:r>
+                      <a:r>
+                        <a:rPr lang="en-US" dirty="0" smtClean="0"/>
+                        <a:t>__(y)</a:t>
+                      </a:r>
+                      <a:r>
+                        <a:rPr lang="en-US" baseline="0" dirty="0" smtClean="0"/>
+                        <a:t> </a:t>
+                      </a:r>
+                      <a:endParaRPr lang="en-US" dirty="0"/>
+                    </a:p>
+                  </a:txBody>
+                  <a:tcPr/>
+                </a:tc>
+              </a:tr>
+              <a:tr h="370840">
+                <a:tc>
+                  <a:txBody>
+                    <a:bodyPr/>
+                    <a:lstStyle/>
+                    <a:p>
+                      <a:pPr algn="ctr"/>
+                      <a:r>
+                        <a:rPr lang="en-US" dirty="0" smtClean="0"/>
+                        <a:t>x *</a:t>
+                      </a:r>
+                      <a:r>
+                        <a:rPr lang="en-US" baseline="0" dirty="0" smtClean="0"/>
+                        <a:t> y</a:t>
+                      </a:r>
+                      <a:endParaRPr lang="en-US" dirty="0"/>
+                    </a:p>
+                  </a:txBody>
+                  <a:tcPr/>
+                </a:tc>
+                <a:tc>
+                  <a:txBody>
+                    <a:bodyPr/>
+                    <a:lstStyle/>
+                    <a:p>
+                      <a:pPr algn="ctr"/>
+                      <a:r>
+                        <a:rPr lang="en-US" dirty="0" smtClean="0"/>
+                        <a:t>x.__</a:t>
+                      </a:r>
+                      <a:r>
+                        <a:rPr lang="en-US" dirty="0" err="1" smtClean="0"/>
+                        <a:t>mul</a:t>
+                      </a:r>
+                      <a:r>
+                        <a:rPr lang="en-US" dirty="0" smtClean="0"/>
+                        <a:t>__(y)</a:t>
+                      </a:r>
+                      <a:r>
+                        <a:rPr lang="en-US" baseline="0" dirty="0" smtClean="0"/>
+                        <a:t> </a:t>
+                      </a:r>
+                      <a:endParaRPr lang="en-US" dirty="0"/>
+                    </a:p>
+                  </a:txBody>
+                  <a:tcPr/>
+                </a:tc>
+              </a:tr>
+              <a:tr h="370840">
+                <a:tc>
+                  <a:txBody>
+                    <a:bodyPr/>
+                    <a:lstStyle/>
+                    <a:p>
+                      <a:pPr algn="ctr"/>
+                      <a:r>
+                        <a:rPr lang="en-US" dirty="0" smtClean="0"/>
+                        <a:t>x</a:t>
+                      </a:r>
+                      <a:r>
+                        <a:rPr lang="en-US" baseline="0" dirty="0" smtClean="0"/>
+                        <a:t> / y</a:t>
+                      </a:r>
+                      <a:endParaRPr lang="en-US" dirty="0"/>
+                    </a:p>
+                  </a:txBody>
+                  <a:tcPr/>
+                </a:tc>
+                <a:tc>
+                  <a:txBody>
+                    <a:bodyPr/>
+                    <a:lstStyle/>
+                    <a:p>
+                      <a:pPr algn="ctr"/>
+                      <a:r>
+                        <a:rPr lang="en-US" dirty="0" err="1" smtClean="0"/>
+                        <a:t>x.__div</a:t>
+                      </a:r>
+                      <a:r>
+                        <a:rPr lang="en-US" dirty="0" smtClean="0"/>
+                        <a:t>__(y)</a:t>
+                      </a:r>
+                      <a:endParaRPr lang="en-US" dirty="0"/>
+                    </a:p>
+                  </a:txBody>
+                  <a:tcPr/>
+                </a:tc>
+              </a:tr>
+              <a:tr h="370840">
+                <a:tc>
+                  <a:txBody>
+                    <a:bodyPr/>
+                    <a:lstStyle/>
+                    <a:p>
+                      <a:pPr algn="ctr"/>
+                      <a:r>
+                        <a:rPr lang="en-US" dirty="0" smtClean="0"/>
+                        <a:t>x</a:t>
+                      </a:r>
+                      <a:r>
+                        <a:rPr lang="en-US" baseline="0" dirty="0" smtClean="0"/>
+                        <a:t> // y</a:t>
+                      </a:r>
+                      <a:endParaRPr lang="en-US" dirty="0"/>
+                    </a:p>
+                  </a:txBody>
+                  <a:tcPr/>
+                </a:tc>
+                <a:tc>
+                  <a:txBody>
+                    <a:bodyPr/>
+                    <a:lstStyle/>
+                    <a:p>
+                      <a:pPr algn="ctr"/>
+                      <a:r>
+                        <a:rPr lang="en-US" dirty="0" smtClean="0"/>
+                        <a:t>x.__</a:t>
+                      </a:r>
+                      <a:r>
+                        <a:rPr lang="en-US" dirty="0" err="1" smtClean="0"/>
+                        <a:t>floordiv</a:t>
+                      </a:r>
+                      <a:r>
+                        <a:rPr lang="en-US" dirty="0" smtClean="0"/>
+                        <a:t>__(y) </a:t>
+                      </a:r>
+                      <a:endParaRPr lang="en-US" dirty="0"/>
+                    </a:p>
+                  </a:txBody>
+                  <a:tcPr/>
+                </a:tc>
+              </a:tr>
+              <a:tr h="370840">
+                <a:tc>
+                  <a:txBody>
+                    <a:bodyPr/>
+                    <a:lstStyle/>
+                    <a:p>
+                      <a:pPr algn="ctr"/>
+                      <a:r>
+                        <a:rPr lang="en-US" dirty="0" smtClean="0"/>
+                        <a:t>x</a:t>
+                      </a:r>
+                      <a:r>
+                        <a:rPr lang="en-US" baseline="0" dirty="0" smtClean="0"/>
+                        <a:t> % y</a:t>
+                      </a:r>
+                      <a:endParaRPr lang="en-US" dirty="0"/>
+                    </a:p>
+                  </a:txBody>
+                  <a:tcPr/>
+                </a:tc>
+                <a:tc>
+                  <a:txBody>
+                    <a:bodyPr/>
+                    <a:lstStyle/>
+                    <a:p>
+                      <a:pPr algn="ctr"/>
+                      <a:r>
+                        <a:rPr lang="en-US" dirty="0" err="1" smtClean="0"/>
+                        <a:t>x.__mod</a:t>
+                      </a:r>
+                      <a:r>
+                        <a:rPr lang="en-US" dirty="0" smtClean="0"/>
+                        <a:t>__(y) </a:t>
+                      </a:r>
+                      <a:endParaRPr lang="en-US" dirty="0"/>
+                    </a:p>
+                  </a:txBody>
+                  <a:tcPr/>
+                </a:tc>
+              </a:tr>
+              <a:tr h="370840">
+                <a:tc>
+                  <a:txBody>
+                    <a:bodyPr/>
+                    <a:lstStyle/>
+                    <a:p>
+                      <a:pPr algn="ctr"/>
+                      <a:r>
+                        <a:rPr lang="en-US" dirty="0" smtClean="0"/>
+                        <a:t>x</a:t>
+                      </a:r>
+                      <a:r>
+                        <a:rPr lang="en-US" baseline="0" dirty="0" smtClean="0"/>
+                        <a:t> == y</a:t>
+                      </a:r>
+                      <a:endParaRPr lang="en-US" dirty="0"/>
+                    </a:p>
+                  </a:txBody>
+                  <a:tcPr/>
+                </a:tc>
+                <a:tc>
+                  <a:txBody>
+                    <a:bodyPr/>
+                    <a:lstStyle/>
+                    <a:p>
+                      <a:pPr algn="ctr"/>
+                      <a:r>
+                        <a:rPr lang="en-US" dirty="0" smtClean="0"/>
+                        <a:t>x.__</a:t>
+                      </a:r>
+                      <a:r>
+                        <a:rPr lang="en-US" dirty="0" err="1" smtClean="0"/>
+                        <a:t>eq</a:t>
+                      </a:r>
+                      <a:r>
+                        <a:rPr lang="en-US" dirty="0" smtClean="0"/>
+                        <a:t>__(y)</a:t>
+                      </a:r>
+                      <a:r>
+                        <a:rPr lang="en-US" baseline="0" dirty="0" smtClean="0"/>
+                        <a:t> </a:t>
+                      </a:r>
+                      <a:endParaRPr lang="en-US" dirty="0"/>
+                    </a:p>
+                  </a:txBody>
+                  <a:tcPr/>
+                </a:tc>
+              </a:tr>
+              <a:tr h="370840">
+                <a:tc>
+                  <a:txBody>
+                    <a:bodyPr/>
+                    <a:lstStyle/>
+                    <a:p>
+                      <a:pPr algn="ctr"/>
+                      <a:r>
+                        <a:rPr lang="en-US" dirty="0" smtClean="0"/>
+                        <a:t>x</a:t>
+                      </a:r>
+                      <a:r>
+                        <a:rPr lang="en-US" baseline="0" dirty="0" smtClean="0"/>
+                        <a:t> != y</a:t>
+                      </a:r>
+                      <a:endParaRPr lang="en-US" dirty="0"/>
+                    </a:p>
+                  </a:txBody>
+                  <a:tcPr/>
+                </a:tc>
+                <a:tc>
+                  <a:txBody>
+                    <a:bodyPr/>
+                    <a:lstStyle/>
+                    <a:p>
+                      <a:pPr algn="ctr"/>
+                      <a:r>
+                        <a:rPr lang="en-US" dirty="0" err="1" smtClean="0"/>
+                        <a:t>x.__ne</a:t>
+                      </a:r>
+                      <a:r>
+                        <a:rPr lang="en-US" dirty="0" smtClean="0"/>
+                        <a:t>__(y) </a:t>
+                      </a:r>
+                      <a:endParaRPr lang="en-US" dirty="0"/>
+                    </a:p>
+                  </a:txBody>
+                  <a:tcPr/>
+                </a:tc>
+              </a:tr>
+            </a:tbl>
+          </a:graphicData>
+        </a:graphic>
+      </p:graphicFrame>
+    </p:spTree>
+    <p:extLst>
+      <p:ext uri="{BB962C8B-B14F-4D97-AF65-F5344CB8AC3E}">
+        <p14:creationId xmlns:p14="http://schemas.microsoft.com/office/powerpoint/2010/main" val="818253226"/>
+      </p:ext>
+    </p:extLst>
+  </p:cSld>
+  <p:clrMapOvr>
+    <a:masterClrMapping/>
+  </p:clrMapOvr>
+</p:sld>
+</file>
+
+<file path=ppt/slides/slide24.xml><?xml version="1.0" encoding="utf-8"?>
+<p:sld xmlns:a="http://schemas.openxmlformats.org/drawingml/2006/main" xmlns:r="http://schemas.openxmlformats.org/officeDocument/2006/relationships" xmlns:p="http://schemas.openxmlformats.org/presentationml/2006/main">
+  <p:cSld>
+    <p:spTree>
+      <p:nvGrpSpPr>
+        <p:cNvPr id="1" name=""/>
+        <p:cNvGrpSpPr/>
+        <p:nvPr/>
+      </p:nvGrpSpPr>
+      <p:grpSpPr>
+        <a:xfrm>
+          <a:off x="0" y="0"/>
+          <a:ext cx="0" cy="0"/>
+          <a:chOff x="0" y="0"/>
+          <a:chExt cx="0" cy="0"/>
+        </a:xfrm>
+      </p:grpSpPr>
+      <p:sp>
+        <p:nvSpPr>
+          <p:cNvPr id="2" name="Title 1"/>
+          <p:cNvSpPr>
+            <a:spLocks noGrp="1"/>
+          </p:cNvSpPr>
+          <p:nvPr>
+            <p:ph type="title"/>
+          </p:nvPr>
+        </p:nvSpPr>
+        <p:spPr/>
+        <p:txBody>
+          <a:bodyPr/>
+          <a:lstStyle/>
+          <a:p>
+            <a:r>
+              <a:rPr lang="en-US" dirty="0" smtClean="0"/>
+              <a:t>Emulating Numeric Types: A Polynomial </a:t>
+            </a:r>
+            <a:endParaRPr lang="en-US" dirty="0"/>
+          </a:p>
+        </p:txBody>
+      </p:sp>
+      <p:sp>
+        <p:nvSpPr>
+          <p:cNvPr id="3" name="Content Placeholder 2"/>
+          <p:cNvSpPr>
+            <a:spLocks noGrp="1"/>
+          </p:cNvSpPr>
+          <p:nvPr>
+            <p:ph idx="1"/>
+          </p:nvPr>
+        </p:nvSpPr>
+        <p:spPr>
+          <a:xfrm>
+            <a:off x="680321" y="2336873"/>
+            <a:ext cx="5192445" cy="3599316"/>
+          </a:xfrm>
+        </p:spPr>
+        <p:txBody>
+          <a:bodyPr/>
+          <a:lstStyle/>
+          <a:p>
+            <a:pPr marL="0" marR="0" lvl="0" indent="0" defTabSz="914400" eaLnBrk="1" fontAlgn="auto" latinLnBrk="0" hangingPunct="1">
+              <a:lnSpc>
+                <a:spcPct val="100000"/>
+              </a:lnSpc>
+              <a:spcBef>
+                <a:spcPts val="0"/>
+              </a:spcBef>
+              <a:spcAft>
+                <a:spcPts val="0"/>
+              </a:spcAft>
+              <a:buClrTx/>
+              <a:buSzTx/>
+              <a:buFontTx/>
+              <a:buNone/>
+              <a:tabLst/>
+              <a:defRPr/>
+            </a:pPr>
+            <a:r>
+              <a:rPr lang="en-US" dirty="0" smtClean="0"/>
+              <a:t>Extend the polynomial object to allow addition, subtraction, and equivalence comparison with other polynomials </a:t>
+            </a:r>
+          </a:p>
+          <a:p>
+            <a:pPr marL="0" marR="0" lvl="0" indent="0" defTabSz="914400" eaLnBrk="1" fontAlgn="auto" latinLnBrk="0" hangingPunct="1">
+              <a:lnSpc>
+                <a:spcPct val="100000"/>
+              </a:lnSpc>
+              <a:spcBef>
+                <a:spcPts val="0"/>
+              </a:spcBef>
+              <a:spcAft>
+                <a:spcPts val="0"/>
+              </a:spcAft>
+              <a:buClrTx/>
+              <a:buSzTx/>
+              <a:buFontTx/>
+              <a:buNone/>
+              <a:tabLst/>
+              <a:defRPr/>
+            </a:pPr>
+            <a:endParaRPr lang="en-US" dirty="0"/>
+          </a:p>
+          <a:p>
+            <a:pPr marL="0" marR="0" lvl="0" indent="0" defTabSz="914400" eaLnBrk="1" fontAlgn="auto" latinLnBrk="0" hangingPunct="1">
+              <a:lnSpc>
+                <a:spcPct val="100000"/>
+              </a:lnSpc>
+              <a:spcBef>
+                <a:spcPts val="0"/>
+              </a:spcBef>
+              <a:spcAft>
+                <a:spcPts val="0"/>
+              </a:spcAft>
+              <a:buClrTx/>
+              <a:buSzTx/>
+              <a:buFontTx/>
+              <a:buNone/>
+              <a:tabLst/>
+              <a:defRPr/>
+            </a:pPr>
+            <a:endParaRPr lang="en-US" dirty="0" smtClean="0"/>
+          </a:p>
+          <a:p>
+            <a:pPr marL="0" marR="0" lvl="0" indent="0" defTabSz="914400" eaLnBrk="1" fontAlgn="auto" latinLnBrk="0" hangingPunct="1">
+              <a:lnSpc>
+                <a:spcPct val="100000"/>
+              </a:lnSpc>
+              <a:spcBef>
+                <a:spcPts val="0"/>
+              </a:spcBef>
+              <a:spcAft>
+                <a:spcPts val="0"/>
+              </a:spcAft>
+              <a:buClrTx/>
+              <a:buSzTx/>
+              <a:buFontTx/>
+              <a:buNone/>
+              <a:tabLst/>
+              <a:defRPr/>
+            </a:pPr>
+            <a:r>
+              <a:rPr lang="en-US" dirty="0" smtClean="0"/>
+              <a:t>Some extra useful syntactic sugar elements in doing so: </a:t>
+            </a:r>
+            <a:endParaRPr lang="en-US" dirty="0"/>
+          </a:p>
+        </p:txBody>
+      </p:sp>
+      <p:graphicFrame>
+        <p:nvGraphicFramePr>
+          <p:cNvPr id="4" name="Table 3"/>
+          <p:cNvGraphicFramePr>
+            <a:graphicFrameLocks noGrp="1"/>
+          </p:cNvGraphicFramePr>
+          <p:nvPr>
+            <p:extLst>
+              <p:ext uri="{D42A27DB-BD31-4B8C-83A1-F6EECF244321}">
+                <p14:modId xmlns:p14="http://schemas.microsoft.com/office/powerpoint/2010/main" val="318458419"/>
+              </p:ext>
+            </p:extLst>
+          </p:nvPr>
+        </p:nvGraphicFramePr>
+        <p:xfrm>
+          <a:off x="5589431" y="3209430"/>
+          <a:ext cx="5815112" cy="3229465"/>
+        </p:xfrm>
+        <a:graphic>
+          <a:graphicData uri="http://schemas.openxmlformats.org/drawingml/2006/table">
+            <a:tbl>
+              <a:tblPr firstRow="1" bandRow="1">
+                <a:tableStyleId>{5C22544A-7EE6-4342-B048-85BDC9FD1C3A}</a:tableStyleId>
+              </a:tblPr>
+              <a:tblGrid>
+                <a:gridCol w="2907556"/>
+                <a:gridCol w="2907556"/>
+              </a:tblGrid>
+              <a:tr h="645893">
+                <a:tc>
+                  <a:txBody>
+                    <a:bodyPr/>
+                    <a:lstStyle/>
+                    <a:p>
+                      <a:pPr algn="ctr"/>
+                      <a:r>
+                        <a:rPr lang="en-US" dirty="0" smtClean="0"/>
+                        <a:t>With</a:t>
+                      </a:r>
+                      <a:r>
+                        <a:rPr lang="en-US" baseline="0" dirty="0" smtClean="0"/>
+                        <a:t> Syntactic Sugar</a:t>
+                      </a:r>
+                      <a:endParaRPr lang="en-US" dirty="0"/>
+                    </a:p>
+                  </a:txBody>
+                  <a:tcPr/>
+                </a:tc>
+                <a:tc>
+                  <a:txBody>
+                    <a:bodyPr/>
+                    <a:lstStyle/>
+                    <a:p>
+                      <a:pPr algn="ctr"/>
+                      <a:r>
+                        <a:rPr lang="en-US" dirty="0" smtClean="0"/>
+                        <a:t>Without Syntactic Sugar </a:t>
+                      </a:r>
+                      <a:endParaRPr lang="en-US" dirty="0"/>
+                    </a:p>
+                  </a:txBody>
+                  <a:tcPr/>
+                </a:tc>
+              </a:tr>
+              <a:tr h="645893">
+                <a:tc>
+                  <a:txBody>
+                    <a:bodyPr/>
+                    <a:lstStyle/>
+                    <a:p>
+                      <a:pPr algn="ctr"/>
+                      <a:r>
+                        <a:rPr lang="en-US" dirty="0" smtClean="0"/>
+                        <a:t>+x </a:t>
+                      </a:r>
+                      <a:endParaRPr lang="en-US" dirty="0"/>
+                    </a:p>
+                  </a:txBody>
+                  <a:tcPr/>
+                </a:tc>
+                <a:tc>
+                  <a:txBody>
+                    <a:bodyPr/>
+                    <a:lstStyle/>
+                    <a:p>
+                      <a:pPr algn="ctr"/>
+                      <a:r>
+                        <a:rPr lang="en-US" dirty="0" smtClean="0"/>
+                        <a:t>x.__</a:t>
+                      </a:r>
+                      <a:r>
+                        <a:rPr lang="en-US" dirty="0" err="1" smtClean="0"/>
+                        <a:t>pos</a:t>
+                      </a:r>
+                      <a:r>
+                        <a:rPr lang="en-US" dirty="0" smtClean="0"/>
+                        <a:t>__() </a:t>
+                      </a:r>
+                      <a:endParaRPr lang="en-US" dirty="0"/>
+                    </a:p>
+                  </a:txBody>
+                  <a:tcPr/>
+                </a:tc>
+              </a:tr>
+              <a:tr h="645893">
+                <a:tc>
+                  <a:txBody>
+                    <a:bodyPr/>
+                    <a:lstStyle/>
+                    <a:p>
+                      <a:pPr algn="ctr"/>
+                      <a:r>
+                        <a:rPr lang="en-US" dirty="0" smtClean="0"/>
+                        <a:t>-x </a:t>
+                      </a:r>
+                      <a:endParaRPr lang="en-US" dirty="0"/>
+                    </a:p>
+                  </a:txBody>
+                  <a:tcPr/>
+                </a:tc>
+                <a:tc>
+                  <a:txBody>
+                    <a:bodyPr/>
+                    <a:lstStyle/>
+                    <a:p>
+                      <a:pPr algn="ctr"/>
+                      <a:r>
+                        <a:rPr lang="en-US" dirty="0" smtClean="0"/>
+                        <a:t>x.__</a:t>
+                      </a:r>
+                      <a:r>
+                        <a:rPr lang="en-US" dirty="0" err="1" smtClean="0"/>
+                        <a:t>neg</a:t>
+                      </a:r>
+                      <a:r>
+                        <a:rPr lang="en-US" dirty="0" smtClean="0"/>
+                        <a:t>__() </a:t>
+                      </a:r>
+                      <a:endParaRPr lang="en-US" dirty="0"/>
+                    </a:p>
+                  </a:txBody>
+                  <a:tcPr/>
+                </a:tc>
+              </a:tr>
+              <a:tr h="645893">
+                <a:tc>
+                  <a:txBody>
+                    <a:bodyPr/>
+                    <a:lstStyle/>
+                    <a:p>
+                      <a:pPr algn="ctr"/>
+                      <a:r>
+                        <a:rPr lang="en-US" dirty="0" smtClean="0"/>
+                        <a:t>x</a:t>
+                      </a:r>
+                      <a:r>
+                        <a:rPr lang="en-US" baseline="0" dirty="0" smtClean="0"/>
+                        <a:t> == y </a:t>
+                      </a:r>
+                      <a:endParaRPr lang="en-US" dirty="0"/>
+                    </a:p>
+                  </a:txBody>
+                  <a:tcPr/>
+                </a:tc>
+                <a:tc>
+                  <a:txBody>
+                    <a:bodyPr/>
+                    <a:lstStyle/>
+                    <a:p>
+                      <a:pPr algn="ctr"/>
+                      <a:r>
+                        <a:rPr lang="en-US" dirty="0" smtClean="0"/>
+                        <a:t>x.__</a:t>
+                      </a:r>
+                      <a:r>
+                        <a:rPr lang="en-US" dirty="0" err="1" smtClean="0"/>
+                        <a:t>eq</a:t>
+                      </a:r>
+                      <a:r>
+                        <a:rPr lang="en-US" dirty="0" smtClean="0"/>
+                        <a:t>__(y) </a:t>
+                      </a:r>
+                    </a:p>
+                  </a:txBody>
+                  <a:tcPr/>
+                </a:tc>
+              </a:tr>
+              <a:tr h="645893">
+                <a:tc>
+                  <a:txBody>
+                    <a:bodyPr/>
+                    <a:lstStyle/>
+                    <a:p>
+                      <a:pPr algn="ctr"/>
+                      <a:r>
+                        <a:rPr lang="en-US" dirty="0" smtClean="0"/>
+                        <a:t>x</a:t>
+                      </a:r>
+                      <a:r>
+                        <a:rPr lang="en-US" baseline="0" dirty="0" smtClean="0"/>
+                        <a:t> != y</a:t>
+                      </a:r>
+                      <a:endParaRPr lang="en-US" dirty="0"/>
+                    </a:p>
+                  </a:txBody>
+                  <a:tcPr/>
+                </a:tc>
+                <a:tc>
+                  <a:txBody>
+                    <a:bodyPr/>
+                    <a:lstStyle/>
+                    <a:p>
+                      <a:pPr algn="ctr"/>
+                      <a:r>
+                        <a:rPr lang="en-US" dirty="0" err="1" smtClean="0"/>
+                        <a:t>x.__ne</a:t>
+                      </a:r>
+                      <a:r>
+                        <a:rPr lang="en-US" dirty="0" smtClean="0"/>
+                        <a:t>__(y) </a:t>
+                      </a:r>
+                      <a:endParaRPr lang="en-US" dirty="0"/>
+                    </a:p>
+                  </a:txBody>
+                  <a:tcPr/>
+                </a:tc>
+              </a:tr>
+            </a:tbl>
+          </a:graphicData>
+        </a:graphic>
+      </p:graphicFrame>
+    </p:spTree>
+    <p:extLst>
+      <p:ext uri="{BB962C8B-B14F-4D97-AF65-F5344CB8AC3E}">
+        <p14:creationId xmlns:p14="http://schemas.microsoft.com/office/powerpoint/2010/main" val="518615762"/>
+      </p:ext>
+    </p:extLst>
+  </p:cSld>
+  <p:clrMapOvr>
+    <a:masterClrMapping/>
+  </p:clrMapOvr>
+</p:sld>
+</file>
+
+<file path=ppt/slides/slide25.xml><?xml version="1.0" encoding="utf-8"?>
+<p:sld xmlns:a="http://schemas.openxmlformats.org/drawingml/2006/main" xmlns:r="http://schemas.openxmlformats.org/officeDocument/2006/relationships" xmlns:p="http://schemas.openxmlformats.org/presentationml/2006/main">
+  <p:cSld>
+    <p:spTree>
+      <p:nvGrpSpPr>
+        <p:cNvPr id="1" name=""/>
+        <p:cNvGrpSpPr/>
+        <p:nvPr/>
+      </p:nvGrpSpPr>
+      <p:grpSpPr>
+        <a:xfrm>
+          <a:off x="0" y="0"/>
+          <a:ext cx="0" cy="0"/>
+          <a:chOff x="0" y="0"/>
+          <a:chExt cx="0" cy="0"/>
+        </a:xfrm>
+      </p:grpSpPr>
+      <p:sp>
+        <p:nvSpPr>
+          <p:cNvPr id="2" name="Title 1"/>
+          <p:cNvSpPr>
+            <a:spLocks noGrp="1"/>
+          </p:cNvSpPr>
+          <p:nvPr>
+            <p:ph type="title"/>
+          </p:nvPr>
+        </p:nvSpPr>
+        <p:spPr/>
+        <p:txBody>
+          <a:bodyPr/>
+          <a:lstStyle/>
+          <a:p>
+            <a:r>
+              <a:rPr lang="en-US" dirty="0" smtClean="0"/>
+              <a:t>Emulating Numeric Types: A Polynomial </a:t>
+            </a:r>
+            <a:endParaRPr lang="en-US" dirty="0"/>
+          </a:p>
+        </p:txBody>
+      </p:sp>
+      <p:sp>
+        <p:nvSpPr>
+          <p:cNvPr id="3" name="Content Placeholder 2"/>
+          <p:cNvSpPr>
+            <a:spLocks noGrp="1"/>
+          </p:cNvSpPr>
+          <p:nvPr>
+            <p:ph idx="1"/>
+          </p:nvPr>
+        </p:nvSpPr>
+        <p:spPr>
+          <a:xfrm>
+            <a:off x="680321" y="2336873"/>
+            <a:ext cx="9613861" cy="4231352"/>
+          </a:xfrm>
+        </p:spPr>
+        <p:txBody>
+          <a:bodyPr/>
+          <a:lstStyle/>
+          <a:p>
+            <a:pPr marL="0" marR="0" lvl="0" indent="0" defTabSz="914400" eaLnBrk="1" fontAlgn="auto" latinLnBrk="0" hangingPunct="1">
+              <a:lnSpc>
+                <a:spcPct val="100000"/>
+              </a:lnSpc>
+              <a:spcBef>
+                <a:spcPts val="0"/>
+              </a:spcBef>
+              <a:spcAft>
+                <a:spcPts val="0"/>
+              </a:spcAft>
+              <a:buClrTx/>
+              <a:buSzTx/>
+              <a:buFontTx/>
+              <a:buNone/>
+              <a:tabLst/>
+              <a:defRPr/>
+            </a:pPr>
+            <a:r>
+              <a:rPr lang="en-US" dirty="0" smtClean="0"/>
+              <a:t>Unary +: The same as the original polynomial </a:t>
+            </a:r>
+          </a:p>
+          <a:p>
+            <a:pPr marL="0" marR="0" lvl="0" indent="0" defTabSz="914400" eaLnBrk="1" fontAlgn="auto" latinLnBrk="0" hangingPunct="1">
+              <a:lnSpc>
+                <a:spcPct val="100000"/>
+              </a:lnSpc>
+              <a:spcBef>
+                <a:spcPts val="0"/>
+              </a:spcBef>
+              <a:spcAft>
+                <a:spcPts val="0"/>
+              </a:spcAft>
+              <a:buClrTx/>
+              <a:buSzTx/>
+              <a:buFontTx/>
+              <a:buNone/>
+              <a:tabLst/>
+              <a:defRPr/>
+            </a:pPr>
+            <a:endParaRPr lang="en-US" dirty="0"/>
+          </a:p>
+          <a:p>
+            <a:pPr marL="0" marR="0" lvl="0" indent="0" defTabSz="914400" eaLnBrk="1" fontAlgn="auto" latinLnBrk="0" hangingPunct="1">
+              <a:lnSpc>
+                <a:spcPct val="100000"/>
+              </a:lnSpc>
+              <a:spcBef>
+                <a:spcPts val="0"/>
+              </a:spcBef>
+              <a:spcAft>
+                <a:spcPts val="0"/>
+              </a:spcAft>
+              <a:buClrTx/>
+              <a:buSzTx/>
+              <a:buFontTx/>
+              <a:buNone/>
+              <a:tabLst/>
+              <a:defRPr/>
+            </a:pPr>
+            <a:r>
+              <a:rPr lang="en-US" dirty="0" smtClean="0"/>
+              <a:t>Unary -: Each coefficient is the negative of the origin </a:t>
+            </a:r>
+          </a:p>
+          <a:p>
+            <a:pPr marL="0" marR="0" lvl="0" indent="0" defTabSz="914400" eaLnBrk="1" fontAlgn="auto" latinLnBrk="0" hangingPunct="1">
+              <a:lnSpc>
+                <a:spcPct val="100000"/>
+              </a:lnSpc>
+              <a:spcBef>
+                <a:spcPts val="0"/>
+              </a:spcBef>
+              <a:spcAft>
+                <a:spcPts val="0"/>
+              </a:spcAft>
+              <a:buClrTx/>
+              <a:buSzTx/>
+              <a:buFontTx/>
+              <a:buNone/>
+              <a:tabLst/>
+              <a:defRPr/>
+            </a:pPr>
+            <a:endParaRPr lang="en-US" dirty="0"/>
+          </a:p>
+          <a:p>
+            <a:pPr marL="0" marR="0" lvl="0" indent="0" defTabSz="914400" eaLnBrk="1" fontAlgn="auto" latinLnBrk="0" hangingPunct="1">
+              <a:lnSpc>
+                <a:spcPct val="100000"/>
+              </a:lnSpc>
+              <a:spcBef>
+                <a:spcPts val="0"/>
+              </a:spcBef>
+              <a:spcAft>
+                <a:spcPts val="0"/>
+              </a:spcAft>
+              <a:buClrTx/>
+              <a:buSzTx/>
+              <a:buFontTx/>
+              <a:buNone/>
+              <a:tabLst/>
+              <a:defRPr/>
+            </a:pPr>
+            <a:endParaRPr lang="en-US" dirty="0" smtClean="0"/>
+          </a:p>
+          <a:p>
+            <a:pPr marL="0" marR="0" lvl="0" indent="0" defTabSz="914400" eaLnBrk="1" fontAlgn="auto" latinLnBrk="0" hangingPunct="1">
+              <a:lnSpc>
+                <a:spcPct val="100000"/>
+              </a:lnSpc>
+              <a:spcBef>
+                <a:spcPts val="0"/>
+              </a:spcBef>
+              <a:spcAft>
+                <a:spcPts val="0"/>
+              </a:spcAft>
+              <a:buClrTx/>
+              <a:buSzTx/>
+              <a:buFontTx/>
+              <a:buNone/>
+              <a:tabLst/>
+              <a:defRPr/>
+            </a:pPr>
+            <a:endParaRPr lang="en-US" dirty="0"/>
+          </a:p>
+          <a:p>
+            <a:pPr marL="0" indent="0">
+              <a:lnSpc>
+                <a:spcPct val="100000"/>
+              </a:lnSpc>
+              <a:spcBef>
+                <a:spcPts val="0"/>
+              </a:spcBef>
+              <a:buNone/>
+            </a:pPr>
+            <a:endParaRPr lang="en-US" dirty="0" smtClean="0"/>
+          </a:p>
+          <a:p>
+            <a:pPr marL="0" indent="0">
+              <a:lnSpc>
+                <a:spcPct val="100000"/>
+              </a:lnSpc>
+              <a:spcBef>
+                <a:spcPts val="0"/>
+              </a:spcBef>
+              <a:buNone/>
+            </a:pPr>
+            <a:r>
+              <a:rPr lang="en-US" dirty="0" smtClean="0"/>
+              <a:t>Magic </a:t>
+            </a:r>
+            <a:r>
+              <a:rPr lang="en-US" dirty="0"/>
+              <a:t>methods can return anything, hence need to specifically create a polynomial object. They don’t call </a:t>
+            </a:r>
+            <a:r>
+              <a:rPr lang="en-US" i="1" dirty="0"/>
+              <a:t>__</a:t>
+            </a:r>
+            <a:r>
+              <a:rPr lang="en-US" i="1" dirty="0" err="1"/>
+              <a:t>init</a:t>
+            </a:r>
+            <a:r>
+              <a:rPr lang="en-US" i="1" dirty="0"/>
+              <a:t>__</a:t>
+            </a:r>
+            <a:r>
+              <a:rPr lang="en-US" dirty="0"/>
+              <a:t> automatically, so in theory you can have them do whatever you want. </a:t>
+            </a:r>
+            <a:r>
+              <a:rPr lang="en-US" dirty="0" smtClean="0"/>
+              <a:t>Why isn’t this required for </a:t>
+            </a:r>
+            <a:r>
+              <a:rPr lang="en-US" i="1" dirty="0" smtClean="0"/>
+              <a:t>__</a:t>
+            </a:r>
+            <a:r>
+              <a:rPr lang="en-US" i="1" dirty="0" err="1" smtClean="0"/>
+              <a:t>pos</a:t>
+            </a:r>
+            <a:r>
+              <a:rPr lang="en-US" i="1" dirty="0" smtClean="0"/>
+              <a:t>__</a:t>
+            </a:r>
+            <a:r>
+              <a:rPr lang="en-US" dirty="0" smtClean="0"/>
+              <a:t>? </a:t>
+            </a:r>
+            <a:endParaRPr lang="en-US" dirty="0"/>
+          </a:p>
+        </p:txBody>
+      </p:sp>
+      <p:pic>
+        <p:nvPicPr>
+          <p:cNvPr id="4" name="Picture 3"/>
+          <p:cNvPicPr>
+            <a:picLocks noChangeAspect="1"/>
+          </p:cNvPicPr>
+          <p:nvPr/>
+        </p:nvPicPr>
+        <p:blipFill>
+          <a:blip r:embed="rId2">
+            <a:extLst>
+              <a:ext uri="{28A0092B-C50C-407E-A947-70E740481C1C}">
+                <a14:useLocalDpi xmlns:a14="http://schemas.microsoft.com/office/drawing/2010/main" val="0"/>
+              </a:ext>
+            </a:extLst>
+          </a:blip>
+          <a:stretch>
+            <a:fillRect/>
+          </a:stretch>
+        </p:blipFill>
+        <p:spPr>
+          <a:xfrm>
+            <a:off x="2985351" y="3744335"/>
+            <a:ext cx="5003800" cy="1028700"/>
+          </a:xfrm>
+          <a:prstGeom prst="rect">
+            <a:avLst/>
+          </a:prstGeom>
+        </p:spPr>
+      </p:pic>
+    </p:spTree>
+    <p:extLst>
+      <p:ext uri="{BB962C8B-B14F-4D97-AF65-F5344CB8AC3E}">
+        <p14:creationId xmlns:p14="http://schemas.microsoft.com/office/powerpoint/2010/main" val="1642823146"/>
+      </p:ext>
+    </p:extLst>
+  </p:cSld>
+  <p:clrMapOvr>
+    <a:masterClrMapping/>
+  </p:clrMapOvr>
+</p:sld>
+</file>
+
+<file path=ppt/slides/slide26.xml><?xml version="1.0" encoding="utf-8"?>
+<p:sld xmlns:a="http://schemas.openxmlformats.org/drawingml/2006/main" xmlns:r="http://schemas.openxmlformats.org/officeDocument/2006/relationships" xmlns:p="http://schemas.openxmlformats.org/presentationml/2006/main">
+  <p:cSld>
+    <p:spTree>
+      <p:nvGrpSpPr>
+        <p:cNvPr id="1" name=""/>
+        <p:cNvGrpSpPr/>
+        <p:nvPr/>
+      </p:nvGrpSpPr>
+      <p:grpSpPr>
+        <a:xfrm>
+          <a:off x="0" y="0"/>
+          <a:ext cx="0" cy="0"/>
+          <a:chOff x="0" y="0"/>
+          <a:chExt cx="0" cy="0"/>
+        </a:xfrm>
+      </p:grpSpPr>
+      <p:sp>
+        <p:nvSpPr>
+          <p:cNvPr id="2" name="Title 1"/>
+          <p:cNvSpPr>
+            <a:spLocks noGrp="1"/>
+          </p:cNvSpPr>
+          <p:nvPr>
+            <p:ph type="title"/>
+          </p:nvPr>
+        </p:nvSpPr>
+        <p:spPr/>
+        <p:txBody>
+          <a:bodyPr/>
+          <a:lstStyle/>
+          <a:p>
+            <a:r>
+              <a:rPr lang="en-US" dirty="0" smtClean="0"/>
+              <a:t>Emulating Numeric Types: A Polynomial </a:t>
+            </a:r>
+            <a:endParaRPr lang="en-US" dirty="0"/>
+          </a:p>
+        </p:txBody>
+      </p:sp>
+      <p:sp>
+        <p:nvSpPr>
+          <p:cNvPr id="3" name="Content Placeholder 2"/>
+          <p:cNvSpPr>
+            <a:spLocks noGrp="1"/>
+          </p:cNvSpPr>
+          <p:nvPr>
+            <p:ph idx="1"/>
+          </p:nvPr>
+        </p:nvSpPr>
+        <p:spPr>
+          <a:xfrm>
+            <a:off x="680321" y="2336873"/>
+            <a:ext cx="10807634" cy="4231352"/>
+          </a:xfrm>
+        </p:spPr>
+        <p:txBody>
+          <a:bodyPr/>
+          <a:lstStyle/>
+          <a:p>
+            <a:pPr marL="0" marR="0" lvl="0" indent="0" defTabSz="914400" eaLnBrk="1" fontAlgn="auto" latinLnBrk="0" hangingPunct="1">
+              <a:lnSpc>
+                <a:spcPct val="100000"/>
+              </a:lnSpc>
+              <a:spcBef>
+                <a:spcPts val="0"/>
+              </a:spcBef>
+              <a:spcAft>
+                <a:spcPts val="0"/>
+              </a:spcAft>
+              <a:buClrTx/>
+              <a:buSzTx/>
+              <a:buFontTx/>
+              <a:buNone/>
+              <a:tabLst/>
+              <a:defRPr/>
+            </a:pPr>
+            <a:r>
+              <a:rPr lang="en-US" dirty="0" smtClean="0"/>
+              <a:t>Adding polynomials: The coefficients of each power on </a:t>
+            </a:r>
+            <a:r>
+              <a:rPr lang="en-US" i="1" dirty="0" smtClean="0"/>
+              <a:t>x</a:t>
+            </a:r>
+            <a:r>
+              <a:rPr lang="en-US" dirty="0" smtClean="0"/>
+              <a:t> add </a:t>
+            </a:r>
+          </a:p>
+          <a:p>
+            <a:pPr marL="0" marR="0" lvl="0" indent="0" defTabSz="914400" eaLnBrk="1" fontAlgn="auto" latinLnBrk="0" hangingPunct="1">
+              <a:lnSpc>
+                <a:spcPct val="100000"/>
+              </a:lnSpc>
+              <a:spcBef>
+                <a:spcPts val="0"/>
+              </a:spcBef>
+              <a:spcAft>
+                <a:spcPts val="0"/>
+              </a:spcAft>
+              <a:buClrTx/>
+              <a:buSzTx/>
+              <a:buFontTx/>
+              <a:buNone/>
+              <a:tabLst/>
+              <a:defRPr/>
+            </a:pPr>
+            <a:endParaRPr lang="en-US" dirty="0"/>
+          </a:p>
+          <a:p>
+            <a:pPr marL="0" marR="0" lvl="0" indent="0" defTabSz="914400" eaLnBrk="1" fontAlgn="auto" latinLnBrk="0" hangingPunct="1">
+              <a:lnSpc>
+                <a:spcPct val="100000"/>
+              </a:lnSpc>
+              <a:spcBef>
+                <a:spcPts val="0"/>
+              </a:spcBef>
+              <a:spcAft>
+                <a:spcPts val="0"/>
+              </a:spcAft>
+              <a:buClrTx/>
+              <a:buSzTx/>
+              <a:buFontTx/>
+              <a:buNone/>
+              <a:tabLst/>
+              <a:defRPr/>
+            </a:pPr>
+            <a:endParaRPr lang="en-US" dirty="0" smtClean="0"/>
+          </a:p>
+          <a:p>
+            <a:pPr marL="0" marR="0" lvl="0" indent="0" defTabSz="914400" eaLnBrk="1" fontAlgn="auto" latinLnBrk="0" hangingPunct="1">
+              <a:lnSpc>
+                <a:spcPct val="100000"/>
+              </a:lnSpc>
+              <a:spcBef>
+                <a:spcPts val="0"/>
+              </a:spcBef>
+              <a:spcAft>
+                <a:spcPts val="0"/>
+              </a:spcAft>
+              <a:buClrTx/>
+              <a:buSzTx/>
+              <a:buFontTx/>
+              <a:buNone/>
+              <a:tabLst/>
+              <a:defRPr/>
+            </a:pPr>
+            <a:endParaRPr lang="en-US" dirty="0" smtClean="0"/>
+          </a:p>
+          <a:p>
+            <a:pPr marL="0" marR="0" lvl="0" indent="0" defTabSz="914400" eaLnBrk="1" fontAlgn="auto" latinLnBrk="0" hangingPunct="1">
+              <a:lnSpc>
+                <a:spcPct val="100000"/>
+              </a:lnSpc>
+              <a:spcBef>
+                <a:spcPts val="0"/>
+              </a:spcBef>
+              <a:spcAft>
+                <a:spcPts val="0"/>
+              </a:spcAft>
+              <a:buClrTx/>
+              <a:buSzTx/>
+              <a:buFontTx/>
+              <a:buNone/>
+              <a:tabLst/>
+              <a:defRPr/>
+            </a:pPr>
+            <a:endParaRPr lang="en-US" dirty="0" smtClean="0"/>
+          </a:p>
+          <a:p>
+            <a:pPr marL="0" marR="0" lvl="0" indent="0" defTabSz="914400" eaLnBrk="1" fontAlgn="auto" latinLnBrk="0" hangingPunct="1">
+              <a:lnSpc>
+                <a:spcPct val="100000"/>
+              </a:lnSpc>
+              <a:spcBef>
+                <a:spcPts val="0"/>
+              </a:spcBef>
+              <a:spcAft>
+                <a:spcPts val="0"/>
+              </a:spcAft>
+              <a:buClrTx/>
+              <a:buSzTx/>
+              <a:buFontTx/>
+              <a:buNone/>
+              <a:tabLst/>
+              <a:defRPr/>
+            </a:pPr>
+            <a:endParaRPr lang="en-US" dirty="0"/>
+          </a:p>
+          <a:p>
+            <a:pPr marL="0" marR="0" lvl="0" indent="0" defTabSz="914400" eaLnBrk="1" fontAlgn="auto" latinLnBrk="0" hangingPunct="1">
+              <a:lnSpc>
+                <a:spcPct val="100000"/>
+              </a:lnSpc>
+              <a:spcBef>
+                <a:spcPts val="0"/>
+              </a:spcBef>
+              <a:spcAft>
+                <a:spcPts val="0"/>
+              </a:spcAft>
+              <a:buClrTx/>
+              <a:buSzTx/>
+              <a:buFontTx/>
+              <a:buNone/>
+              <a:tabLst/>
+              <a:defRPr/>
+            </a:pPr>
+            <a:endParaRPr lang="en-US" dirty="0" smtClean="0"/>
+          </a:p>
+          <a:p>
+            <a:pPr marL="0" marR="0" lvl="0" indent="0" defTabSz="914400" eaLnBrk="1" fontAlgn="auto" latinLnBrk="0" hangingPunct="1">
+              <a:lnSpc>
+                <a:spcPct val="100000"/>
+              </a:lnSpc>
+              <a:spcBef>
+                <a:spcPts val="0"/>
+              </a:spcBef>
+              <a:spcAft>
+                <a:spcPts val="0"/>
+              </a:spcAft>
+              <a:buClrTx/>
+              <a:buSzTx/>
+              <a:buFontTx/>
+              <a:buNone/>
+              <a:tabLst/>
+              <a:defRPr/>
+            </a:pPr>
+            <a:endParaRPr lang="en-US" dirty="0" smtClean="0"/>
+          </a:p>
+        </p:txBody>
+      </p:sp>
+      <p:pic>
+        <p:nvPicPr>
+          <p:cNvPr id="5" name="Picture 4"/>
+          <p:cNvPicPr>
+            <a:picLocks noChangeAspect="1"/>
+          </p:cNvPicPr>
+          <p:nvPr/>
+        </p:nvPicPr>
+        <p:blipFill>
+          <a:blip r:embed="rId2">
+            <a:extLst>
+              <a:ext uri="{28A0092B-C50C-407E-A947-70E740481C1C}">
+                <a14:useLocalDpi xmlns:a14="http://schemas.microsoft.com/office/drawing/2010/main" val="0"/>
+              </a:ext>
+            </a:extLst>
+          </a:blip>
+          <a:stretch>
+            <a:fillRect/>
+          </a:stretch>
+        </p:blipFill>
+        <p:spPr>
+          <a:xfrm>
+            <a:off x="3284963" y="3209074"/>
+            <a:ext cx="6324600" cy="1803400"/>
+          </a:xfrm>
+          <a:prstGeom prst="rect">
+            <a:avLst/>
+          </a:prstGeom>
+        </p:spPr>
+      </p:pic>
+    </p:spTree>
+    <p:extLst>
+      <p:ext uri="{BB962C8B-B14F-4D97-AF65-F5344CB8AC3E}">
+        <p14:creationId xmlns:p14="http://schemas.microsoft.com/office/powerpoint/2010/main" val="667367013"/>
+      </p:ext>
+    </p:extLst>
+  </p:cSld>
+  <p:clrMapOvr>
+    <a:masterClrMapping/>
+  </p:clrMapOvr>
+</p:sld>
+</file>
+
+<file path=ppt/slides/slide27.xml><?xml version="1.0" encoding="utf-8"?>
+<p:sld xmlns:a="http://schemas.openxmlformats.org/drawingml/2006/main" xmlns:r="http://schemas.openxmlformats.org/officeDocument/2006/relationships" xmlns:p="http://schemas.openxmlformats.org/presentationml/2006/main">
+  <p:cSld>
+    <p:spTree>
+      <p:nvGrpSpPr>
+        <p:cNvPr id="1" name=""/>
+        <p:cNvGrpSpPr/>
+        <p:nvPr/>
+      </p:nvGrpSpPr>
+      <p:grpSpPr>
+        <a:xfrm>
+          <a:off x="0" y="0"/>
+          <a:ext cx="0" cy="0"/>
+          <a:chOff x="0" y="0"/>
+          <a:chExt cx="0" cy="0"/>
+        </a:xfrm>
+      </p:grpSpPr>
+      <p:sp>
+        <p:nvSpPr>
+          <p:cNvPr id="2" name="Title 1"/>
+          <p:cNvSpPr>
+            <a:spLocks noGrp="1"/>
+          </p:cNvSpPr>
+          <p:nvPr>
+            <p:ph type="title"/>
+          </p:nvPr>
+        </p:nvSpPr>
+        <p:spPr/>
+        <p:txBody>
+          <a:bodyPr/>
+          <a:lstStyle/>
+          <a:p>
+            <a:r>
+              <a:rPr lang="en-US" dirty="0" smtClean="0"/>
+              <a:t>Emulating Numeric Types: A Polynomial </a:t>
+            </a:r>
+            <a:endParaRPr lang="en-US" dirty="0"/>
+          </a:p>
+        </p:txBody>
+      </p:sp>
+      <p:sp>
+        <p:nvSpPr>
+          <p:cNvPr id="3" name="Content Placeholder 2"/>
+          <p:cNvSpPr>
+            <a:spLocks noGrp="1"/>
+          </p:cNvSpPr>
+          <p:nvPr>
+            <p:ph idx="1"/>
+          </p:nvPr>
+        </p:nvSpPr>
+        <p:spPr>
+          <a:xfrm>
+            <a:off x="680321" y="2336873"/>
+            <a:ext cx="10807634" cy="4231352"/>
+          </a:xfrm>
+        </p:spPr>
+        <p:txBody>
+          <a:bodyPr/>
+          <a:lstStyle/>
+          <a:p>
+            <a:pPr marL="0" marR="0" lvl="0" indent="0" defTabSz="914400" eaLnBrk="1" fontAlgn="auto" latinLnBrk="0" hangingPunct="1">
+              <a:lnSpc>
+                <a:spcPct val="100000"/>
+              </a:lnSpc>
+              <a:spcBef>
+                <a:spcPts val="0"/>
+              </a:spcBef>
+              <a:spcAft>
+                <a:spcPts val="0"/>
+              </a:spcAft>
+              <a:buClrTx/>
+              <a:buSzTx/>
+              <a:buFontTx/>
+              <a:buNone/>
+              <a:tabLst/>
+              <a:defRPr/>
+            </a:pPr>
+            <a:r>
+              <a:rPr lang="en-US" dirty="0" smtClean="0"/>
+              <a:t>Subtracting polynomials: Use what we’ve already written to add the negative </a:t>
+            </a:r>
+          </a:p>
+          <a:p>
+            <a:pPr marL="0" marR="0" lvl="0" indent="0" defTabSz="914400" eaLnBrk="1" fontAlgn="auto" latinLnBrk="0" hangingPunct="1">
+              <a:lnSpc>
+                <a:spcPct val="100000"/>
+              </a:lnSpc>
+              <a:spcBef>
+                <a:spcPts val="0"/>
+              </a:spcBef>
+              <a:spcAft>
+                <a:spcPts val="0"/>
+              </a:spcAft>
+              <a:buClrTx/>
+              <a:buSzTx/>
+              <a:buFontTx/>
+              <a:buNone/>
+              <a:tabLst/>
+              <a:defRPr/>
+            </a:pPr>
+            <a:endParaRPr lang="en-US" dirty="0"/>
+          </a:p>
+          <a:p>
+            <a:pPr marL="0" marR="0" lvl="0" indent="0" defTabSz="914400" eaLnBrk="1" fontAlgn="auto" latinLnBrk="0" hangingPunct="1">
+              <a:lnSpc>
+                <a:spcPct val="100000"/>
+              </a:lnSpc>
+              <a:spcBef>
+                <a:spcPts val="0"/>
+              </a:spcBef>
+              <a:spcAft>
+                <a:spcPts val="0"/>
+              </a:spcAft>
+              <a:buClrTx/>
+              <a:buSzTx/>
+              <a:buFontTx/>
+              <a:buNone/>
+              <a:tabLst/>
+              <a:defRPr/>
+            </a:pPr>
+            <a:endParaRPr lang="en-US" dirty="0" smtClean="0"/>
+          </a:p>
+          <a:p>
+            <a:pPr marL="0" marR="0" lvl="0" indent="0" defTabSz="914400" eaLnBrk="1" fontAlgn="auto" latinLnBrk="0" hangingPunct="1">
+              <a:lnSpc>
+                <a:spcPct val="100000"/>
+              </a:lnSpc>
+              <a:spcBef>
+                <a:spcPts val="0"/>
+              </a:spcBef>
+              <a:spcAft>
+                <a:spcPts val="0"/>
+              </a:spcAft>
+              <a:buClrTx/>
+              <a:buSzTx/>
+              <a:buFontTx/>
+              <a:buNone/>
+              <a:tabLst/>
+              <a:defRPr/>
+            </a:pPr>
+            <a:endParaRPr lang="en-US" dirty="0" smtClean="0"/>
+          </a:p>
+          <a:p>
+            <a:pPr marL="0" marR="0" lvl="0" indent="0" defTabSz="914400" eaLnBrk="1" fontAlgn="auto" latinLnBrk="0" hangingPunct="1">
+              <a:lnSpc>
+                <a:spcPct val="100000"/>
+              </a:lnSpc>
+              <a:spcBef>
+                <a:spcPts val="0"/>
+              </a:spcBef>
+              <a:spcAft>
+                <a:spcPts val="0"/>
+              </a:spcAft>
+              <a:buClrTx/>
+              <a:buSzTx/>
+              <a:buFontTx/>
+              <a:buNone/>
+              <a:tabLst/>
+              <a:defRPr/>
+            </a:pPr>
+            <a:endParaRPr lang="en-US" dirty="0" smtClean="0"/>
+          </a:p>
+          <a:p>
+            <a:pPr marL="0" marR="0" lvl="0" indent="0" defTabSz="914400" eaLnBrk="1" fontAlgn="auto" latinLnBrk="0" hangingPunct="1">
+              <a:lnSpc>
+                <a:spcPct val="100000"/>
+              </a:lnSpc>
+              <a:spcBef>
+                <a:spcPts val="0"/>
+              </a:spcBef>
+              <a:spcAft>
+                <a:spcPts val="0"/>
+              </a:spcAft>
+              <a:buClrTx/>
+              <a:buSzTx/>
+              <a:buFontTx/>
+              <a:buNone/>
+              <a:tabLst/>
+              <a:defRPr/>
+            </a:pPr>
+            <a:endParaRPr lang="en-US" dirty="0"/>
+          </a:p>
+          <a:p>
+            <a:pPr marL="0" marR="0" lvl="0" indent="0" defTabSz="914400" eaLnBrk="1" fontAlgn="auto" latinLnBrk="0" hangingPunct="1">
+              <a:lnSpc>
+                <a:spcPct val="100000"/>
+              </a:lnSpc>
+              <a:spcBef>
+                <a:spcPts val="0"/>
+              </a:spcBef>
+              <a:spcAft>
+                <a:spcPts val="0"/>
+              </a:spcAft>
+              <a:buClrTx/>
+              <a:buSzTx/>
+              <a:buFontTx/>
+              <a:buNone/>
+              <a:tabLst/>
+              <a:defRPr/>
+            </a:pPr>
+            <a:endParaRPr lang="en-US" dirty="0" smtClean="0"/>
+          </a:p>
+          <a:p>
+            <a:pPr marL="0" marR="0" lvl="0" indent="0" defTabSz="914400" eaLnBrk="1" fontAlgn="auto" latinLnBrk="0" hangingPunct="1">
+              <a:lnSpc>
+                <a:spcPct val="100000"/>
+              </a:lnSpc>
+              <a:spcBef>
+                <a:spcPts val="0"/>
+              </a:spcBef>
+              <a:spcAft>
+                <a:spcPts val="0"/>
+              </a:spcAft>
+              <a:buClrTx/>
+              <a:buSzTx/>
+              <a:buFontTx/>
+              <a:buNone/>
+              <a:tabLst/>
+              <a:defRPr/>
+            </a:pPr>
+            <a:endParaRPr lang="en-US" dirty="0" smtClean="0"/>
+          </a:p>
+        </p:txBody>
+      </p:sp>
+      <p:pic>
+        <p:nvPicPr>
+          <p:cNvPr id="4" name="Picture 3"/>
+          <p:cNvPicPr>
+            <a:picLocks noChangeAspect="1"/>
+          </p:cNvPicPr>
+          <p:nvPr/>
+        </p:nvPicPr>
+        <p:blipFill>
+          <a:blip r:embed="rId2">
+            <a:extLst>
+              <a:ext uri="{28A0092B-C50C-407E-A947-70E740481C1C}">
+                <a14:useLocalDpi xmlns:a14="http://schemas.microsoft.com/office/drawing/2010/main" val="0"/>
+              </a:ext>
+            </a:extLst>
+          </a:blip>
+          <a:stretch>
+            <a:fillRect/>
+          </a:stretch>
+        </p:blipFill>
+        <p:spPr>
+          <a:xfrm>
+            <a:off x="2928188" y="3674664"/>
+            <a:ext cx="6311900" cy="1333500"/>
+          </a:xfrm>
+          <a:prstGeom prst="rect">
+            <a:avLst/>
+          </a:prstGeom>
+        </p:spPr>
+      </p:pic>
+    </p:spTree>
+    <p:extLst>
+      <p:ext uri="{BB962C8B-B14F-4D97-AF65-F5344CB8AC3E}">
+        <p14:creationId xmlns:p14="http://schemas.microsoft.com/office/powerpoint/2010/main" val="902332397"/>
+      </p:ext>
+    </p:extLst>
+  </p:cSld>
+  <p:clrMapOvr>
+    <a:masterClrMapping/>
+  </p:clrMapOvr>
+  <p:timing>
+    <p:tnLst>
+      <p:par>
+        <p:cTn id="1" dur="indefinite" restart="never" nodeType="tmRoot"/>
+      </p:par>
+    </p:tnLst>
+  </p:timing>
+</p:sld>
+</file>
+
+<file path=ppt/slides/slide28.xml><?xml version="1.0" encoding="utf-8"?>
+<p:sld xmlns:a="http://schemas.openxmlformats.org/drawingml/2006/main" xmlns:r="http://schemas.openxmlformats.org/officeDocument/2006/relationships" xmlns:p="http://schemas.openxmlformats.org/presentationml/2006/main">
+  <p:cSld>
+    <p:spTree>
+      <p:nvGrpSpPr>
+        <p:cNvPr id="1" name=""/>
+        <p:cNvGrpSpPr/>
+        <p:nvPr/>
+      </p:nvGrpSpPr>
+      <p:grpSpPr>
+        <a:xfrm>
+          <a:off x="0" y="0"/>
+          <a:ext cx="0" cy="0"/>
+          <a:chOff x="0" y="0"/>
+          <a:chExt cx="0" cy="0"/>
+        </a:xfrm>
+      </p:grpSpPr>
+      <p:sp>
+        <p:nvSpPr>
+          <p:cNvPr id="2" name="Title 1"/>
+          <p:cNvSpPr>
+            <a:spLocks noGrp="1"/>
+          </p:cNvSpPr>
+          <p:nvPr>
+            <p:ph type="title"/>
+          </p:nvPr>
+        </p:nvSpPr>
+        <p:spPr/>
+        <p:txBody>
+          <a:bodyPr/>
+          <a:lstStyle/>
+          <a:p>
+            <a:r>
+              <a:rPr lang="en-US" dirty="0" smtClean="0"/>
+              <a:t>Emulating Numeric Types: A Polynomial </a:t>
+            </a:r>
+            <a:endParaRPr lang="en-US" dirty="0"/>
+          </a:p>
+        </p:txBody>
+      </p:sp>
+      <p:sp>
+        <p:nvSpPr>
+          <p:cNvPr id="3" name="Content Placeholder 2"/>
+          <p:cNvSpPr>
+            <a:spLocks noGrp="1"/>
+          </p:cNvSpPr>
+          <p:nvPr>
+            <p:ph idx="1"/>
+          </p:nvPr>
+        </p:nvSpPr>
+        <p:spPr>
+          <a:xfrm>
+            <a:off x="680321" y="2336873"/>
+            <a:ext cx="10807634" cy="4231352"/>
+          </a:xfrm>
+        </p:spPr>
+        <p:txBody>
+          <a:bodyPr>
+            <a:normAutofit/>
+          </a:bodyPr>
+          <a:lstStyle/>
+          <a:p>
+            <a:pPr marL="0" marR="0" lvl="0" indent="0" defTabSz="914400" eaLnBrk="1" fontAlgn="auto" latinLnBrk="0" hangingPunct="1">
+              <a:lnSpc>
+                <a:spcPct val="100000"/>
+              </a:lnSpc>
+              <a:spcBef>
+                <a:spcPts val="0"/>
+              </a:spcBef>
+              <a:spcAft>
+                <a:spcPts val="0"/>
+              </a:spcAft>
+              <a:buClrTx/>
+              <a:buSzTx/>
+              <a:buFontTx/>
+              <a:buNone/>
+              <a:tabLst/>
+              <a:defRPr/>
+            </a:pPr>
+            <a:r>
+              <a:rPr lang="en-US" dirty="0" smtClean="0"/>
+              <a:t>Equivalence comparison: If two polynomials have the same coefficients, say that they are equal to one another </a:t>
+            </a:r>
+          </a:p>
+          <a:p>
+            <a:pPr marL="0" marR="0" lvl="0" indent="0" defTabSz="914400" eaLnBrk="1" fontAlgn="auto" latinLnBrk="0" hangingPunct="1">
+              <a:lnSpc>
+                <a:spcPct val="100000"/>
+              </a:lnSpc>
+              <a:spcBef>
+                <a:spcPts val="0"/>
+              </a:spcBef>
+              <a:spcAft>
+                <a:spcPts val="0"/>
+              </a:spcAft>
+              <a:buClrTx/>
+              <a:buSzTx/>
+              <a:buFontTx/>
+              <a:buNone/>
+              <a:tabLst/>
+              <a:defRPr/>
+            </a:pPr>
+            <a:endParaRPr lang="en-US" dirty="0"/>
+          </a:p>
+          <a:p>
+            <a:pPr marL="0" marR="0" lvl="0" indent="0" defTabSz="914400" eaLnBrk="1" fontAlgn="auto" latinLnBrk="0" hangingPunct="1">
+              <a:lnSpc>
+                <a:spcPct val="100000"/>
+              </a:lnSpc>
+              <a:spcBef>
+                <a:spcPts val="0"/>
+              </a:spcBef>
+              <a:spcAft>
+                <a:spcPts val="0"/>
+              </a:spcAft>
+              <a:buClrTx/>
+              <a:buSzTx/>
+              <a:buFontTx/>
+              <a:buNone/>
+              <a:tabLst/>
+              <a:defRPr/>
+            </a:pPr>
+            <a:endParaRPr lang="en-US" dirty="0" smtClean="0"/>
+          </a:p>
+          <a:p>
+            <a:pPr marL="0" marR="0" lvl="0" indent="0" defTabSz="914400" eaLnBrk="1" fontAlgn="auto" latinLnBrk="0" hangingPunct="1">
+              <a:lnSpc>
+                <a:spcPct val="100000"/>
+              </a:lnSpc>
+              <a:spcBef>
+                <a:spcPts val="0"/>
+              </a:spcBef>
+              <a:spcAft>
+                <a:spcPts val="0"/>
+              </a:spcAft>
+              <a:buClrTx/>
+              <a:buSzTx/>
+              <a:buFontTx/>
+              <a:buNone/>
+              <a:tabLst/>
+              <a:defRPr/>
+            </a:pPr>
+            <a:endParaRPr lang="en-US" dirty="0"/>
+          </a:p>
+          <a:p>
+            <a:pPr marL="0" marR="0" lvl="0" indent="0" defTabSz="914400" eaLnBrk="1" fontAlgn="auto" latinLnBrk="0" hangingPunct="1">
+              <a:lnSpc>
+                <a:spcPct val="100000"/>
+              </a:lnSpc>
+              <a:spcBef>
+                <a:spcPts val="0"/>
+              </a:spcBef>
+              <a:spcAft>
+                <a:spcPts val="0"/>
+              </a:spcAft>
+              <a:buClrTx/>
+              <a:buSzTx/>
+              <a:buFontTx/>
+              <a:buNone/>
+              <a:tabLst/>
+              <a:defRPr/>
+            </a:pPr>
+            <a:endParaRPr lang="en-US" dirty="0" smtClean="0"/>
+          </a:p>
+          <a:p>
+            <a:pPr marL="0" marR="0" lvl="0" indent="0" defTabSz="914400" eaLnBrk="1" fontAlgn="auto" latinLnBrk="0" hangingPunct="1">
+              <a:lnSpc>
+                <a:spcPct val="100000"/>
+              </a:lnSpc>
+              <a:spcBef>
+                <a:spcPts val="0"/>
+              </a:spcBef>
+              <a:spcAft>
+                <a:spcPts val="0"/>
+              </a:spcAft>
+              <a:buClrTx/>
+              <a:buSzTx/>
+              <a:buFontTx/>
+              <a:buNone/>
+              <a:tabLst/>
+              <a:defRPr/>
+            </a:pPr>
+            <a:endParaRPr lang="en-US" dirty="0" smtClean="0"/>
+          </a:p>
+          <a:p>
+            <a:pPr marL="0" marR="0" lvl="0" indent="0" defTabSz="914400" eaLnBrk="1" fontAlgn="auto" latinLnBrk="0" hangingPunct="1">
+              <a:lnSpc>
+                <a:spcPct val="100000"/>
+              </a:lnSpc>
+              <a:spcBef>
+                <a:spcPts val="0"/>
+              </a:spcBef>
+              <a:spcAft>
+                <a:spcPts val="0"/>
+              </a:spcAft>
+              <a:buClrTx/>
+              <a:buSzTx/>
+              <a:buFontTx/>
+              <a:buNone/>
+              <a:tabLst/>
+              <a:defRPr/>
+            </a:pPr>
+            <a:endParaRPr lang="en-US" dirty="0"/>
+          </a:p>
+          <a:p>
+            <a:pPr marL="0" marR="0" lvl="0" indent="0" defTabSz="914400" eaLnBrk="1" fontAlgn="auto" latinLnBrk="0" hangingPunct="1">
+              <a:lnSpc>
+                <a:spcPct val="100000"/>
+              </a:lnSpc>
+              <a:spcBef>
+                <a:spcPts val="0"/>
+              </a:spcBef>
+              <a:spcAft>
+                <a:spcPts val="0"/>
+              </a:spcAft>
+              <a:buClrTx/>
+              <a:buSzTx/>
+              <a:buFontTx/>
+              <a:buNone/>
+              <a:tabLst/>
+              <a:defRPr/>
+            </a:pPr>
+            <a:r>
+              <a:rPr lang="en-US" dirty="0" smtClean="0"/>
+              <a:t>Note: This </a:t>
+            </a:r>
+            <a:r>
+              <a:rPr lang="en-US" i="1" dirty="0" smtClean="0"/>
+              <a:t>__ne__ </a:t>
+            </a:r>
+            <a:r>
+              <a:rPr lang="en-US" dirty="0" smtClean="0"/>
+              <a:t>method actually isn’t necessary. If you write an </a:t>
+            </a:r>
+            <a:r>
+              <a:rPr lang="en-US" i="1" dirty="0" smtClean="0"/>
+              <a:t>__</a:t>
+            </a:r>
+            <a:r>
+              <a:rPr lang="en-US" i="1" dirty="0" err="1" smtClean="0"/>
+              <a:t>eq</a:t>
+            </a:r>
+            <a:r>
+              <a:rPr lang="en-US" i="1" dirty="0" smtClean="0"/>
+              <a:t>__ </a:t>
+            </a:r>
+            <a:r>
+              <a:rPr lang="en-US" dirty="0" smtClean="0"/>
+              <a:t>method, the </a:t>
+            </a:r>
+            <a:r>
+              <a:rPr lang="en-US" i="1" dirty="0" smtClean="0"/>
+              <a:t>__ne__</a:t>
+            </a:r>
+            <a:r>
+              <a:rPr lang="en-US" dirty="0" smtClean="0"/>
+              <a:t> method takes on this default form. Advice: If you ever override that, you should have a good reason for doing so. </a:t>
+            </a:r>
+          </a:p>
+          <a:p>
+            <a:pPr marL="0" marR="0" lvl="0" indent="0" defTabSz="914400" eaLnBrk="1" fontAlgn="auto" latinLnBrk="0" hangingPunct="1">
+              <a:lnSpc>
+                <a:spcPct val="100000"/>
+              </a:lnSpc>
+              <a:spcBef>
+                <a:spcPts val="0"/>
+              </a:spcBef>
+              <a:spcAft>
+                <a:spcPts val="0"/>
+              </a:spcAft>
+              <a:buClrTx/>
+              <a:buSzTx/>
+              <a:buFontTx/>
+              <a:buNone/>
+              <a:tabLst/>
+              <a:defRPr/>
+            </a:pPr>
+            <a:endParaRPr lang="en-US" dirty="0"/>
+          </a:p>
+          <a:p>
+            <a:pPr marL="0" marR="0" lvl="0" indent="0" defTabSz="914400" eaLnBrk="1" fontAlgn="auto" latinLnBrk="0" hangingPunct="1">
+              <a:lnSpc>
+                <a:spcPct val="100000"/>
+              </a:lnSpc>
+              <a:spcBef>
+                <a:spcPts val="0"/>
+              </a:spcBef>
+              <a:spcAft>
+                <a:spcPts val="0"/>
+              </a:spcAft>
+              <a:buClrTx/>
+              <a:buSzTx/>
+              <a:buFontTx/>
+              <a:buNone/>
+              <a:tabLst/>
+              <a:defRPr/>
+            </a:pPr>
+            <a:endParaRPr lang="en-US" dirty="0" smtClean="0"/>
+          </a:p>
+          <a:p>
+            <a:pPr marL="0" marR="0" lvl="0" indent="0" defTabSz="914400" eaLnBrk="1" fontAlgn="auto" latinLnBrk="0" hangingPunct="1">
+              <a:lnSpc>
+                <a:spcPct val="100000"/>
+              </a:lnSpc>
+              <a:spcBef>
+                <a:spcPts val="0"/>
+              </a:spcBef>
+              <a:spcAft>
+                <a:spcPts val="0"/>
+              </a:spcAft>
+              <a:buClrTx/>
+              <a:buSzTx/>
+              <a:buFontTx/>
+              <a:buNone/>
+              <a:tabLst/>
+              <a:defRPr/>
+            </a:pPr>
+            <a:endParaRPr lang="en-US" dirty="0" smtClean="0"/>
+          </a:p>
+          <a:p>
+            <a:pPr marL="0" marR="0" lvl="0" indent="0" defTabSz="914400" eaLnBrk="1" fontAlgn="auto" latinLnBrk="0" hangingPunct="1">
+              <a:lnSpc>
+                <a:spcPct val="100000"/>
+              </a:lnSpc>
+              <a:spcBef>
+                <a:spcPts val="0"/>
+              </a:spcBef>
+              <a:spcAft>
+                <a:spcPts val="0"/>
+              </a:spcAft>
+              <a:buClrTx/>
+              <a:buSzTx/>
+              <a:buFontTx/>
+              <a:buNone/>
+              <a:tabLst/>
+              <a:defRPr/>
+            </a:pPr>
+            <a:endParaRPr lang="en-US" dirty="0" smtClean="0"/>
+          </a:p>
+          <a:p>
+            <a:pPr marL="0" marR="0" lvl="0" indent="0" defTabSz="914400" eaLnBrk="1" fontAlgn="auto" latinLnBrk="0" hangingPunct="1">
+              <a:lnSpc>
+                <a:spcPct val="100000"/>
+              </a:lnSpc>
+              <a:spcBef>
+                <a:spcPts val="0"/>
+              </a:spcBef>
+              <a:spcAft>
+                <a:spcPts val="0"/>
+              </a:spcAft>
+              <a:buClrTx/>
+              <a:buSzTx/>
+              <a:buFontTx/>
+              <a:buNone/>
+              <a:tabLst/>
+              <a:defRPr/>
+            </a:pPr>
+            <a:endParaRPr lang="en-US" dirty="0"/>
+          </a:p>
+          <a:p>
+            <a:pPr marL="0" marR="0" lvl="0" indent="0" defTabSz="914400" eaLnBrk="1" fontAlgn="auto" latinLnBrk="0" hangingPunct="1">
+              <a:lnSpc>
+                <a:spcPct val="100000"/>
+              </a:lnSpc>
+              <a:spcBef>
+                <a:spcPts val="0"/>
+              </a:spcBef>
+              <a:spcAft>
+                <a:spcPts val="0"/>
+              </a:spcAft>
+              <a:buClrTx/>
+              <a:buSzTx/>
+              <a:buFontTx/>
+              <a:buNone/>
+              <a:tabLst/>
+              <a:defRPr/>
+            </a:pPr>
+            <a:endParaRPr lang="en-US" dirty="0" smtClean="0"/>
+          </a:p>
+          <a:p>
+            <a:pPr marL="0" marR="0" lvl="0" indent="0" defTabSz="914400" eaLnBrk="1" fontAlgn="auto" latinLnBrk="0" hangingPunct="1">
+              <a:lnSpc>
+                <a:spcPct val="100000"/>
+              </a:lnSpc>
+              <a:spcBef>
+                <a:spcPts val="0"/>
+              </a:spcBef>
+              <a:spcAft>
+                <a:spcPts val="0"/>
+              </a:spcAft>
+              <a:buClrTx/>
+              <a:buSzTx/>
+              <a:buFontTx/>
+              <a:buNone/>
+              <a:tabLst/>
+              <a:defRPr/>
+            </a:pPr>
+            <a:endParaRPr lang="en-US" dirty="0" smtClean="0"/>
+          </a:p>
+        </p:txBody>
+      </p:sp>
+      <p:pic>
+        <p:nvPicPr>
+          <p:cNvPr id="5" name="Picture 4"/>
+          <p:cNvPicPr>
+            <a:picLocks noChangeAspect="1"/>
+          </p:cNvPicPr>
+          <p:nvPr/>
+        </p:nvPicPr>
+        <p:blipFill>
+          <a:blip r:embed="rId2">
+            <a:extLst>
+              <a:ext uri="{28A0092B-C50C-407E-A947-70E740481C1C}">
+                <a14:useLocalDpi xmlns:a14="http://schemas.microsoft.com/office/drawing/2010/main" val="0"/>
+              </a:ext>
+            </a:extLst>
+          </a:blip>
+          <a:stretch>
+            <a:fillRect/>
+          </a:stretch>
+        </p:blipFill>
+        <p:spPr>
+          <a:xfrm>
+            <a:off x="3226728" y="3190388"/>
+            <a:ext cx="5711211" cy="2031138"/>
+          </a:xfrm>
+          <a:prstGeom prst="rect">
+            <a:avLst/>
+          </a:prstGeom>
+        </p:spPr>
+      </p:pic>
+    </p:spTree>
+    <p:extLst>
+      <p:ext uri="{BB962C8B-B14F-4D97-AF65-F5344CB8AC3E}">
+        <p14:creationId xmlns:p14="http://schemas.microsoft.com/office/powerpoint/2010/main" val="1398279766"/>
+      </p:ext>
+    </p:extLst>
+  </p:cSld>
+  <p:clrMapOvr>
+    <a:masterClrMapping/>
+  </p:clrMapOvr>
+  <p:timing>
+    <p:tnLst>
+      <p:par>
+        <p:cTn id="1" dur="indefinite" restart="never" nodeType="tmRoot"/>
+      </p:par>
+    </p:tnLst>
+  </p:timing>
+</p:sld>
+</file>
+
+<file path=ppt/slides/slide29.xml><?xml version="1.0" encoding="utf-8"?>
+<p:sld xmlns:a="http://schemas.openxmlformats.org/drawingml/2006/main" xmlns:r="http://schemas.openxmlformats.org/officeDocument/2006/relationships" xmlns:p="http://schemas.openxmlformats.org/presentationml/2006/main">
+  <p:cSld>
+    <p:spTree>
+      <p:nvGrpSpPr>
+        <p:cNvPr id="1" name=""/>
+        <p:cNvGrpSpPr/>
+        <p:nvPr/>
+      </p:nvGrpSpPr>
+      <p:grpSpPr>
+        <a:xfrm>
+          <a:off x="0" y="0"/>
+          <a:ext cx="0" cy="0"/>
+          <a:chOff x="0" y="0"/>
+          <a:chExt cx="0" cy="0"/>
+        </a:xfrm>
+      </p:grpSpPr>
+      <p:sp>
+        <p:nvSpPr>
+          <p:cNvPr id="2" name="Title 1"/>
+          <p:cNvSpPr>
+            <a:spLocks noGrp="1"/>
+          </p:cNvSpPr>
+          <p:nvPr>
+            <p:ph type="title"/>
+          </p:nvPr>
+        </p:nvSpPr>
+        <p:spPr/>
+        <p:txBody>
+          <a:bodyPr/>
+          <a:lstStyle/>
+          <a:p>
+            <a:r>
+              <a:rPr lang="en-US" dirty="0" smtClean="0"/>
+              <a:t>Emulating Numeric Types: A Polynomial </a:t>
+            </a:r>
+            <a:endParaRPr lang="en-US" dirty="0"/>
+          </a:p>
+        </p:txBody>
+      </p:sp>
+      <p:sp>
+        <p:nvSpPr>
+          <p:cNvPr id="3" name="Content Placeholder 2"/>
+          <p:cNvSpPr>
+            <a:spLocks noGrp="1"/>
+          </p:cNvSpPr>
+          <p:nvPr>
+            <p:ph idx="1"/>
+          </p:nvPr>
+        </p:nvSpPr>
+        <p:spPr>
+          <a:xfrm>
+            <a:off x="680322" y="2336873"/>
+            <a:ext cx="6377302" cy="3599316"/>
+          </a:xfrm>
+        </p:spPr>
+        <p:txBody>
+          <a:bodyPr/>
+          <a:lstStyle/>
+          <a:p>
+            <a:pPr marL="0" marR="0" lvl="0" indent="0" defTabSz="914400" eaLnBrk="1" fontAlgn="auto" latinLnBrk="0" hangingPunct="1">
+              <a:lnSpc>
+                <a:spcPct val="100000"/>
+              </a:lnSpc>
+              <a:spcBef>
+                <a:spcPts val="0"/>
+              </a:spcBef>
+              <a:spcAft>
+                <a:spcPts val="0"/>
+              </a:spcAft>
+              <a:buClrTx/>
+              <a:buSzTx/>
+              <a:buFontTx/>
+              <a:buNone/>
+              <a:tabLst/>
+              <a:defRPr/>
+            </a:pPr>
+            <a:r>
+              <a:rPr lang="en-US" dirty="0" smtClean="0"/>
+              <a:t>In action </a:t>
+            </a:r>
+            <a:r>
+              <a:rPr lang="mr-IN" dirty="0" smtClean="0"/>
+              <a:t>–</a:t>
+            </a:r>
+            <a:r>
+              <a:rPr lang="en-US" dirty="0" smtClean="0"/>
+              <a:t> </a:t>
+            </a:r>
+            <a:r>
+              <a:rPr lang="en-US" i="1" dirty="0" smtClean="0"/>
+              <a:t>x</a:t>
+            </a:r>
+            <a:r>
+              <a:rPr lang="en-US" dirty="0" smtClean="0"/>
+              <a:t> and </a:t>
+            </a:r>
+            <a:r>
+              <a:rPr lang="en-US" i="1" dirty="0" smtClean="0"/>
+              <a:t>y</a:t>
+            </a:r>
+            <a:r>
+              <a:rPr lang="en-US" dirty="0" smtClean="0"/>
+              <a:t> have all of these features because of the magic methods we implemented </a:t>
+            </a:r>
+          </a:p>
+          <a:p>
+            <a:pPr marL="0" marR="0" lvl="0" indent="0" defTabSz="914400" eaLnBrk="1" fontAlgn="auto" latinLnBrk="0" hangingPunct="1">
+              <a:lnSpc>
+                <a:spcPct val="100000"/>
+              </a:lnSpc>
+              <a:spcBef>
+                <a:spcPts val="0"/>
+              </a:spcBef>
+              <a:spcAft>
+                <a:spcPts val="0"/>
+              </a:spcAft>
+              <a:buClrTx/>
+              <a:buSzTx/>
+              <a:buFontTx/>
+              <a:buNone/>
+              <a:tabLst/>
+              <a:defRPr/>
+            </a:pPr>
+            <a:endParaRPr lang="en-US" dirty="0"/>
+          </a:p>
+          <a:p>
+            <a:pPr marL="0" marR="0" lvl="0" indent="0" defTabSz="914400" eaLnBrk="1" fontAlgn="auto" latinLnBrk="0" hangingPunct="1">
+              <a:lnSpc>
+                <a:spcPct val="100000"/>
+              </a:lnSpc>
+              <a:spcBef>
+                <a:spcPts val="0"/>
+              </a:spcBef>
+              <a:spcAft>
+                <a:spcPts val="0"/>
+              </a:spcAft>
+              <a:buClrTx/>
+              <a:buSzTx/>
+              <a:buFontTx/>
+              <a:buNone/>
+              <a:tabLst/>
+              <a:defRPr/>
+            </a:pPr>
+            <a:endParaRPr lang="en-US" dirty="0" smtClean="0"/>
+          </a:p>
+          <a:p>
+            <a:pPr marL="0" marR="0" lvl="0" indent="0" defTabSz="914400" eaLnBrk="1" fontAlgn="auto" latinLnBrk="0" hangingPunct="1">
+              <a:lnSpc>
+                <a:spcPct val="100000"/>
+              </a:lnSpc>
+              <a:spcBef>
+                <a:spcPts val="0"/>
+              </a:spcBef>
+              <a:spcAft>
+                <a:spcPts val="0"/>
+              </a:spcAft>
+              <a:buClrTx/>
+              <a:buSzTx/>
+              <a:buFontTx/>
+              <a:buNone/>
+              <a:tabLst/>
+              <a:defRPr/>
+            </a:pPr>
+            <a:endParaRPr lang="en-US" dirty="0"/>
+          </a:p>
+          <a:p>
+            <a:pPr marL="0" marR="0" lvl="0" indent="0" defTabSz="914400" eaLnBrk="1" fontAlgn="auto" latinLnBrk="0" hangingPunct="1">
+              <a:lnSpc>
+                <a:spcPct val="100000"/>
+              </a:lnSpc>
+              <a:spcBef>
+                <a:spcPts val="0"/>
+              </a:spcBef>
+              <a:spcAft>
+                <a:spcPts val="0"/>
+              </a:spcAft>
+              <a:buClrTx/>
+              <a:buSzTx/>
+              <a:buFontTx/>
+              <a:buNone/>
+              <a:tabLst/>
+              <a:defRPr/>
+            </a:pPr>
+            <a:r>
+              <a:rPr lang="en-US" dirty="0" smtClean="0"/>
+              <a:t>Features like this are also included in </a:t>
+            </a:r>
+            <a:r>
+              <a:rPr lang="en-US" dirty="0" err="1" smtClean="0"/>
+              <a:t>NumPy’s</a:t>
+            </a:r>
+            <a:r>
+              <a:rPr lang="en-US" dirty="0" smtClean="0"/>
+              <a:t> </a:t>
+            </a:r>
+            <a:r>
+              <a:rPr lang="en-US" i="1" dirty="0" smtClean="0"/>
+              <a:t>poly1d</a:t>
+            </a:r>
+            <a:r>
+              <a:rPr lang="en-US" dirty="0" smtClean="0"/>
+              <a:t> object </a:t>
+            </a:r>
+            <a:endParaRPr lang="en-US" dirty="0"/>
+          </a:p>
+        </p:txBody>
+      </p:sp>
+      <p:pic>
+        <p:nvPicPr>
+          <p:cNvPr id="4" name="Picture 3"/>
+          <p:cNvPicPr>
+            <a:picLocks noChangeAspect="1"/>
+          </p:cNvPicPr>
+          <p:nvPr/>
+        </p:nvPicPr>
+        <p:blipFill>
+          <a:blip r:embed="rId2">
+            <a:extLst>
+              <a:ext uri="{28A0092B-C50C-407E-A947-70E740481C1C}">
+                <a14:useLocalDpi xmlns:a14="http://schemas.microsoft.com/office/drawing/2010/main" val="0"/>
+              </a:ext>
+            </a:extLst>
+          </a:blip>
+          <a:stretch>
+            <a:fillRect/>
+          </a:stretch>
+        </p:blipFill>
+        <p:spPr>
+          <a:xfrm>
+            <a:off x="7375838" y="1594647"/>
+            <a:ext cx="4266664" cy="5127482"/>
+          </a:xfrm>
+          <a:prstGeom prst="rect">
+            <a:avLst/>
+          </a:prstGeom>
+        </p:spPr>
+      </p:pic>
+    </p:spTree>
+    <p:extLst>
+      <p:ext uri="{BB962C8B-B14F-4D97-AF65-F5344CB8AC3E}">
+        <p14:creationId xmlns:p14="http://schemas.microsoft.com/office/powerpoint/2010/main" val="44603956"/>
+      </p:ext>
+    </p:extLst>
+  </p:cSld>
+  <p:clrMapOvr>
+    <a:masterClrMapping/>
+  </p:clrMapOvr>
 </p:sld>
 </file>
 
@@ -8670,11 +15275,7 @@
             </a:r>
             <a:r>
               <a:rPr lang="en-US" smtClean="0"/>
-              <a:t>other </a:t>
-            </a:r>
-            <a:r>
-              <a:rPr lang="en-US" smtClean="0"/>
-              <a:t>dogs/owner, chase cats </a:t>
+              <a:t>other dogs/owner, chase cats </a:t>
             </a:r>
             <a:endParaRPr lang="en-US" dirty="0" smtClean="0"/>
           </a:p>
@@ -9536,7 +16137,7 @@
           <p:nvPr/>
         </p:nvPicPr>
         <p:blipFill>
-          <a:blip r:embed="rId2">
+          <a:blip r:embed="rId3">
             <a:extLst>
               <a:ext uri="{28A0092B-C50C-407E-A947-70E740481C1C}">
                 <a14:useLocalDpi xmlns:a14="http://schemas.microsoft.com/office/drawing/2010/main" val="0"/>

--- a/slides/classes.pptx
+++ b/slides/classes.pptx
@@ -5,7 +5,7 @@
     <p:sldMasterId id="2147484294" r:id="rId1"/>
   </p:sldMasterIdLst>
   <p:notesMasterIdLst>
-    <p:notesMasterId r:id="rId31"/>
+    <p:notesMasterId r:id="rId32"/>
   </p:notesMasterIdLst>
   <p:sldIdLst>
     <p:sldId id="256" r:id="rId2"/>
@@ -37,6 +37,7 @@
     <p:sldId id="282" r:id="rId28"/>
     <p:sldId id="283" r:id="rId29"/>
     <p:sldId id="284" r:id="rId30"/>
+    <p:sldId id="285" r:id="rId31"/>
   </p:sldIdLst>
   <p:sldSz cx="12192000" cy="6858000"/>
   <p:notesSz cx="6858000" cy="9144000"/>
@@ -225,7 +226,7 @@
           <a:p>
             <a:fld id="{B7A48688-84F4-1E49-8ACA-B3D0469C8F43}" type="datetimeFigureOut">
               <a:rPr lang="en-US" smtClean="0"/>
-              <a:t>5/12/20</a:t>
+              <a:t>5/13/20</a:t>
             </a:fld>
             <a:endParaRPr lang="en-US"/>
           </a:p>
@@ -893,6 +894,106 @@
 </p:notes>
 </file>
 
+<file path=ppt/notesSlides/notesSlide5.xml><?xml version="1.0" encoding="utf-8"?>
+<p:notes xmlns:a="http://schemas.openxmlformats.org/drawingml/2006/main" xmlns:r="http://schemas.openxmlformats.org/officeDocument/2006/relationships" xmlns:p="http://schemas.openxmlformats.org/presentationml/2006/main">
+  <p:cSld>
+    <p:spTree>
+      <p:nvGrpSpPr>
+        <p:cNvPr id="1" name=""/>
+        <p:cNvGrpSpPr/>
+        <p:nvPr/>
+      </p:nvGrpSpPr>
+      <p:grpSpPr>
+        <a:xfrm>
+          <a:off x="0" y="0"/>
+          <a:ext cx="0" cy="0"/>
+          <a:chOff x="0" y="0"/>
+          <a:chExt cx="0" cy="0"/>
+        </a:xfrm>
+      </p:grpSpPr>
+      <p:sp>
+        <p:nvSpPr>
+          <p:cNvPr id="2" name="Slide Image Placeholder 1"/>
+          <p:cNvSpPr>
+            <a:spLocks noGrp="1" noRot="1" noChangeAspect="1"/>
+          </p:cNvSpPr>
+          <p:nvPr>
+            <p:ph type="sldImg"/>
+          </p:nvPr>
+        </p:nvSpPr>
+        <p:spPr/>
+      </p:sp>
+      <p:sp>
+        <p:nvSpPr>
+          <p:cNvPr id="3" name="Notes Placeholder 2"/>
+          <p:cNvSpPr>
+            <a:spLocks noGrp="1"/>
+          </p:cNvSpPr>
+          <p:nvPr>
+            <p:ph type="body" idx="1"/>
+          </p:nvPr>
+        </p:nvSpPr>
+        <p:spPr/>
+        <p:txBody>
+          <a:bodyPr/>
+          <a:lstStyle/>
+          <a:p>
+            <a:r>
+              <a:rPr lang="en-US" dirty="0" smtClean="0"/>
+              <a:t>Note verbally that this definition of __</a:t>
+            </a:r>
+            <a:r>
+              <a:rPr lang="en-US" dirty="0" err="1" smtClean="0"/>
+              <a:t>str</a:t>
+            </a:r>
+            <a:r>
+              <a:rPr lang="en-US" dirty="0" smtClean="0"/>
+              <a:t>__ is</a:t>
+            </a:r>
+            <a:r>
+              <a:rPr lang="en-US" baseline="0" dirty="0" smtClean="0"/>
+              <a:t> actually not necessary </a:t>
+            </a:r>
+            <a:endParaRPr lang="en-US" dirty="0"/>
+          </a:p>
+        </p:txBody>
+      </p:sp>
+      <p:sp>
+        <p:nvSpPr>
+          <p:cNvPr id="4" name="Slide Number Placeholder 3"/>
+          <p:cNvSpPr>
+            <a:spLocks noGrp="1"/>
+          </p:cNvSpPr>
+          <p:nvPr>
+            <p:ph type="sldNum" sz="quarter" idx="10"/>
+          </p:nvPr>
+        </p:nvSpPr>
+        <p:spPr/>
+        <p:txBody>
+          <a:bodyPr/>
+          <a:lstStyle/>
+          <a:p>
+            <a:fld id="{FB38BE01-6562-DE45-9404-D6DD8A86E18A}" type="slidenum">
+              <a:rPr lang="en-US" smtClean="0"/>
+              <a:t>21</a:t>
+            </a:fld>
+            <a:endParaRPr lang="en-US"/>
+          </a:p>
+        </p:txBody>
+      </p:sp>
+    </p:spTree>
+    <p:extLst>
+      <p:ext uri="{BB962C8B-B14F-4D97-AF65-F5344CB8AC3E}">
+        <p14:creationId xmlns:p14="http://schemas.microsoft.com/office/powerpoint/2010/main" val="1896743649"/>
+      </p:ext>
+    </p:extLst>
+  </p:cSld>
+  <p:clrMapOvr>
+    <a:masterClrMapping/>
+  </p:clrMapOvr>
+</p:notes>
+</file>
+
 <file path=ppt/slideLayouts/slideLayout1.xml><?xml version="1.0" encoding="utf-8"?>
 <p:sldLayout xmlns:a="http://schemas.openxmlformats.org/drawingml/2006/main" xmlns:r="http://schemas.openxmlformats.org/officeDocument/2006/relationships" xmlns:p="http://schemas.openxmlformats.org/presentationml/2006/main" type="title" preserve="1">
   <p:cSld name="Title Slide">
@@ -1171,7 +1272,7 @@
           <a:p>
             <a:fld id="{51673806-0BCD-1F42-BAA8-2011034B3C6A}" type="datetimeFigureOut">
               <a:rPr lang="en-US" smtClean="0"/>
-              <a:t>5/12/20</a:t>
+              <a:t>5/13/20</a:t>
             </a:fld>
             <a:endParaRPr lang="en-US"/>
           </a:p>
@@ -1585,7 +1686,7 @@
           <a:p>
             <a:fld id="{51673806-0BCD-1F42-BAA8-2011034B3C6A}" type="datetimeFigureOut">
               <a:rPr lang="en-US" smtClean="0"/>
-              <a:t>5/12/20</a:t>
+              <a:t>5/13/20</a:t>
             </a:fld>
             <a:endParaRPr lang="en-US"/>
           </a:p>
@@ -1916,7 +2017,7 @@
           <a:p>
             <a:fld id="{51673806-0BCD-1F42-BAA8-2011034B3C6A}" type="datetimeFigureOut">
               <a:rPr lang="en-US" smtClean="0"/>
-              <a:t>5/12/20</a:t>
+              <a:t>5/13/20</a:t>
             </a:fld>
             <a:endParaRPr lang="en-US"/>
           </a:p>
@@ -2316,7 +2417,7 @@
           <a:p>
             <a:fld id="{51673806-0BCD-1F42-BAA8-2011034B3C6A}" type="datetimeFigureOut">
               <a:rPr lang="en-US" smtClean="0"/>
-              <a:t>5/12/20</a:t>
+              <a:t>5/13/20</a:t>
             </a:fld>
             <a:endParaRPr lang="en-US"/>
           </a:p>
@@ -2879,7 +2980,7 @@
           <a:p>
             <a:fld id="{51673806-0BCD-1F42-BAA8-2011034B3C6A}" type="datetimeFigureOut">
               <a:rPr lang="en-US" smtClean="0"/>
-              <a:t>5/12/20</a:t>
+              <a:t>5/13/20</a:t>
             </a:fld>
             <a:endParaRPr lang="en-US"/>
           </a:p>
@@ -3555,7 +3656,7 @@
           <a:p>
             <a:fld id="{51673806-0BCD-1F42-BAA8-2011034B3C6A}" type="datetimeFigureOut">
               <a:rPr lang="en-US" smtClean="0"/>
-              <a:t>5/12/20</a:t>
+              <a:t>5/13/20</a:t>
             </a:fld>
             <a:endParaRPr lang="en-US"/>
           </a:p>
@@ -4463,7 +4564,7 @@
           <a:p>
             <a:fld id="{51673806-0BCD-1F42-BAA8-2011034B3C6A}" type="datetimeFigureOut">
               <a:rPr lang="en-US" smtClean="0"/>
-              <a:t>5/12/20</a:t>
+              <a:t>5/13/20</a:t>
             </a:fld>
             <a:endParaRPr lang="en-US"/>
           </a:p>
@@ -4771,7 +4872,7 @@
           <a:p>
             <a:fld id="{51673806-0BCD-1F42-BAA8-2011034B3C6A}" type="datetimeFigureOut">
               <a:rPr lang="en-US" smtClean="0"/>
-              <a:t>5/12/20</a:t>
+              <a:t>5/13/20</a:t>
             </a:fld>
             <a:endParaRPr lang="en-US"/>
           </a:p>
@@ -5030,7 +5131,7 @@
           <a:p>
             <a:fld id="{51673806-0BCD-1F42-BAA8-2011034B3C6A}" type="datetimeFigureOut">
               <a:rPr lang="en-US" smtClean="0"/>
-              <a:t>5/12/20</a:t>
+              <a:t>5/13/20</a:t>
             </a:fld>
             <a:endParaRPr lang="en-US"/>
           </a:p>
@@ -5353,7 +5454,7 @@
           <a:p>
             <a:fld id="{51673806-0BCD-1F42-BAA8-2011034B3C6A}" type="datetimeFigureOut">
               <a:rPr lang="en-US" smtClean="0"/>
-              <a:t>5/12/20</a:t>
+              <a:t>5/13/20</a:t>
             </a:fld>
             <a:endParaRPr lang="en-US"/>
           </a:p>
@@ -5737,7 +5838,7 @@
           <a:p>
             <a:fld id="{51673806-0BCD-1F42-BAA8-2011034B3C6A}" type="datetimeFigureOut">
               <a:rPr lang="en-US" smtClean="0"/>
-              <a:t>5/12/20</a:t>
+              <a:t>5/13/20</a:t>
             </a:fld>
             <a:endParaRPr lang="en-US"/>
           </a:p>
@@ -6113,7 +6214,7 @@
           <a:p>
             <a:fld id="{51673806-0BCD-1F42-BAA8-2011034B3C6A}" type="datetimeFigureOut">
               <a:rPr lang="en-US" smtClean="0"/>
-              <a:t>5/12/20</a:t>
+              <a:t>5/13/20</a:t>
             </a:fld>
             <a:endParaRPr lang="en-US"/>
           </a:p>
@@ -6619,7 +6720,7 @@
           <a:p>
             <a:fld id="{51673806-0BCD-1F42-BAA8-2011034B3C6A}" type="datetimeFigureOut">
               <a:rPr lang="en-US" smtClean="0"/>
-              <a:t>5/12/20</a:t>
+              <a:t>5/13/20</a:t>
             </a:fld>
             <a:endParaRPr lang="en-US"/>
           </a:p>
@@ -6876,7 +6977,7 @@
           <a:p>
             <a:fld id="{51673806-0BCD-1F42-BAA8-2011034B3C6A}" type="datetimeFigureOut">
               <a:rPr lang="en-US" smtClean="0"/>
-              <a:t>5/12/20</a:t>
+              <a:t>5/13/20</a:t>
             </a:fld>
             <a:endParaRPr lang="en-US"/>
           </a:p>
@@ -7034,7 +7135,7 @@
           <a:p>
             <a:fld id="{51673806-0BCD-1F42-BAA8-2011034B3C6A}" type="datetimeFigureOut">
               <a:rPr lang="en-US" smtClean="0"/>
-              <a:t>5/12/20</a:t>
+              <a:t>5/13/20</a:t>
             </a:fld>
             <a:endParaRPr lang="en-US"/>
           </a:p>
@@ -7424,7 +7525,7 @@
           <a:p>
             <a:fld id="{51673806-0BCD-1F42-BAA8-2011034B3C6A}" type="datetimeFigureOut">
               <a:rPr lang="en-US" smtClean="0"/>
-              <a:t>5/12/20</a:t>
+              <a:t>5/13/20</a:t>
             </a:fld>
             <a:endParaRPr lang="en-US"/>
           </a:p>
@@ -7833,7 +7934,7 @@
           <a:p>
             <a:fld id="{51673806-0BCD-1F42-BAA8-2011034B3C6A}" type="datetimeFigureOut">
               <a:rPr lang="en-US" smtClean="0"/>
-              <a:t>5/12/20</a:t>
+              <a:t>5/13/20</a:t>
             </a:fld>
             <a:endParaRPr lang="en-US"/>
           </a:p>
@@ -8081,7 +8182,7 @@
             <a:fld id="{51673806-0BCD-1F42-BAA8-2011034B3C6A}" type="datetimeFigureOut">
               <a:rPr lang="en-US" smtClean="0"/>
               <a:pPr/>
-              <a:t>5/12/20</a:t>
+              <a:t>5/13/20</a:t>
             </a:fld>
             <a:endParaRPr lang="en-US" dirty="0"/>
           </a:p>
@@ -10185,12 +10286,12 @@
         <p:spPr>
           <a:xfrm>
             <a:off x="680321" y="2336873"/>
-            <a:ext cx="10562935" cy="4179838"/>
+            <a:ext cx="10562935" cy="4386656"/>
           </a:xfrm>
         </p:spPr>
         <p:txBody>
           <a:bodyPr>
-            <a:normAutofit/>
+            <a:normAutofit lnSpcReduction="10000"/>
           </a:bodyPr>
           <a:lstStyle/>
           <a:p>
@@ -10377,26 +10478,50 @@
             <a:endParaRPr lang="en-US" dirty="0"/>
           </a:p>
           <a:p>
-            <a:pPr marL="0" marR="0" lvl="0" indent="0" defTabSz="914400" eaLnBrk="1" fontAlgn="auto" latinLnBrk="0" hangingPunct="1">
+            <a:pPr marL="0" lvl="0" indent="0">
               <a:lnSpc>
                 <a:spcPct val="100000"/>
               </a:lnSpc>
               <a:spcBef>
                 <a:spcPts val="0"/>
               </a:spcBef>
-              <a:spcAft>
-                <a:spcPts val="0"/>
-              </a:spcAft>
-              <a:buClrTx/>
-              <a:buSzTx/>
-              <a:buFontTx/>
-              <a:buNone/>
-              <a:tabLst/>
+              <a:buNone/>
               <a:defRPr/>
             </a:pPr>
-            <a:r>
-              <a:rPr lang="en-US" dirty="0" smtClean="0"/>
-              <a:t>There are many other forms of syntactic sugar </a:t>
+            <a:endParaRPr lang="en-US" dirty="0" smtClean="0"/>
+          </a:p>
+          <a:p>
+            <a:pPr marL="0" lvl="0" indent="0">
+              <a:lnSpc>
+                <a:spcPct val="100000"/>
+              </a:lnSpc>
+              <a:spcBef>
+                <a:spcPts val="0"/>
+              </a:spcBef>
+              <a:buNone/>
+              <a:defRPr/>
+            </a:pPr>
+            <a:r>
+              <a:rPr lang="en-US" dirty="0" smtClean="0"/>
+              <a:t>There </a:t>
+            </a:r>
+            <a:r>
+              <a:rPr lang="en-US" dirty="0" smtClean="0"/>
+              <a:t>are many other forms of syntactic sugar </a:t>
+            </a:r>
+            <a:r>
+              <a:rPr lang="mr-IN" dirty="0" smtClean="0"/>
+              <a:t>–</a:t>
+            </a:r>
+            <a:r>
+              <a:rPr lang="en-US" dirty="0" smtClean="0"/>
+              <a:t> here is a reference on many of the magic methods you can implement: </a:t>
+            </a:r>
+            <a:r>
+              <a:rPr lang="en-US" dirty="0">
+                <a:hlinkClick r:id="rId3"/>
+              </a:rPr>
+              <a:t>https://www.tutorialsteacher.com/python/magic-methods-in-python</a:t>
             </a:r>
             <a:endParaRPr lang="en-US" dirty="0"/>
           </a:p>
@@ -12001,7 +12126,7 @@
           <p:nvPr/>
         </p:nvPicPr>
         <p:blipFill>
-          <a:blip r:embed="rId2">
+          <a:blip r:embed="rId3">
             <a:extLst>
               <a:ext uri="{28A0092B-C50C-407E-A947-70E740481C1C}">
                 <a14:useLocalDpi xmlns:a14="http://schemas.microsoft.com/office/drawing/2010/main" val="0"/>
@@ -15060,6 +15185,181 @@
       </p:par>
     </p:tnLst>
   </p:timing>
+</p:sld>
+</file>
+
+<file path=ppt/slides/slide30.xml><?xml version="1.0" encoding="utf-8"?>
+<p:sld xmlns:a="http://schemas.openxmlformats.org/drawingml/2006/main" xmlns:r="http://schemas.openxmlformats.org/officeDocument/2006/relationships" xmlns:p="http://schemas.openxmlformats.org/presentationml/2006/main">
+  <p:cSld>
+    <p:spTree>
+      <p:nvGrpSpPr>
+        <p:cNvPr id="1" name=""/>
+        <p:cNvGrpSpPr/>
+        <p:nvPr/>
+      </p:nvGrpSpPr>
+      <p:grpSpPr>
+        <a:xfrm>
+          <a:off x="0" y="0"/>
+          <a:ext cx="0" cy="0"/>
+          <a:chOff x="0" y="0"/>
+          <a:chExt cx="0" cy="0"/>
+        </a:xfrm>
+      </p:grpSpPr>
+      <p:sp>
+        <p:nvSpPr>
+          <p:cNvPr id="2" name="Title 1"/>
+          <p:cNvSpPr>
+            <a:spLocks noGrp="1"/>
+          </p:cNvSpPr>
+          <p:nvPr>
+            <p:ph type="title"/>
+          </p:nvPr>
+        </p:nvSpPr>
+        <p:spPr/>
+        <p:txBody>
+          <a:bodyPr/>
+          <a:lstStyle/>
+          <a:p>
+            <a:r>
+              <a:rPr lang="en-US" dirty="0" smtClean="0"/>
+              <a:t>Recall: Lists vs. Arrays</a:t>
+            </a:r>
+            <a:endParaRPr lang="en-US" dirty="0"/>
+          </a:p>
+        </p:txBody>
+      </p:sp>
+      <p:sp>
+        <p:nvSpPr>
+          <p:cNvPr id="3" name="Content Placeholder 2"/>
+          <p:cNvSpPr>
+            <a:spLocks noGrp="1"/>
+          </p:cNvSpPr>
+          <p:nvPr>
+            <p:ph idx="1"/>
+          </p:nvPr>
+        </p:nvSpPr>
+        <p:spPr/>
+        <p:txBody>
+          <a:bodyPr/>
+          <a:lstStyle/>
+          <a:p>
+            <a:pPr marL="0" marR="0" lvl="0" indent="0" defTabSz="914400" eaLnBrk="1" fontAlgn="auto" latinLnBrk="0" hangingPunct="1">
+              <a:lnSpc>
+                <a:spcPct val="100000"/>
+              </a:lnSpc>
+              <a:spcBef>
+                <a:spcPts val="0"/>
+              </a:spcBef>
+              <a:spcAft>
+                <a:spcPts val="0"/>
+              </a:spcAft>
+              <a:buClrTx/>
+              <a:buSzTx/>
+              <a:buFontTx/>
+              <a:buNone/>
+              <a:tabLst/>
+              <a:defRPr/>
+            </a:pPr>
+            <a:r>
+              <a:rPr lang="en-US" dirty="0" smtClean="0"/>
+              <a:t>If it wasn’t already, it should now be fairly clear what we mean when we say lists and arrays are different objects. </a:t>
+            </a:r>
+          </a:p>
+          <a:p>
+            <a:pPr marL="0" marR="0" lvl="0" indent="0" defTabSz="914400" eaLnBrk="1" fontAlgn="auto" latinLnBrk="0" hangingPunct="1">
+              <a:lnSpc>
+                <a:spcPct val="100000"/>
+              </a:lnSpc>
+              <a:spcBef>
+                <a:spcPts val="0"/>
+              </a:spcBef>
+              <a:spcAft>
+                <a:spcPts val="0"/>
+              </a:spcAft>
+              <a:buClrTx/>
+              <a:buSzTx/>
+              <a:buFontTx/>
+              <a:buNone/>
+              <a:tabLst/>
+              <a:defRPr/>
+            </a:pPr>
+            <a:endParaRPr lang="en-US" dirty="0" smtClean="0"/>
+          </a:p>
+          <a:p>
+            <a:pPr marL="0" marR="0" lvl="0" indent="0" defTabSz="914400" eaLnBrk="1" fontAlgn="auto" latinLnBrk="0" hangingPunct="1">
+              <a:lnSpc>
+                <a:spcPct val="100000"/>
+              </a:lnSpc>
+              <a:spcBef>
+                <a:spcPts val="0"/>
+              </a:spcBef>
+              <a:spcAft>
+                <a:spcPts val="0"/>
+              </a:spcAft>
+              <a:buClrTx/>
+              <a:buSzTx/>
+              <a:buFontTx/>
+              <a:buNone/>
+              <a:tabLst/>
+              <a:defRPr/>
+            </a:pPr>
+            <a:endParaRPr lang="en-US" dirty="0"/>
+          </a:p>
+          <a:p>
+            <a:pPr marL="0" marR="0" lvl="0" indent="0" defTabSz="914400" eaLnBrk="1" fontAlgn="auto" latinLnBrk="0" hangingPunct="1">
+              <a:lnSpc>
+                <a:spcPct val="100000"/>
+              </a:lnSpc>
+              <a:spcBef>
+                <a:spcPts val="0"/>
+              </a:spcBef>
+              <a:spcAft>
+                <a:spcPts val="0"/>
+              </a:spcAft>
+              <a:buClrTx/>
+              <a:buSzTx/>
+              <a:buFontTx/>
+              <a:buNone/>
+              <a:tabLst/>
+              <a:defRPr/>
+            </a:pPr>
+            <a:endParaRPr lang="en-US" dirty="0"/>
+          </a:p>
+          <a:p>
+            <a:pPr marL="0" marR="0" lvl="0" indent="0" defTabSz="914400" eaLnBrk="1" fontAlgn="auto" latinLnBrk="0" hangingPunct="1">
+              <a:lnSpc>
+                <a:spcPct val="100000"/>
+              </a:lnSpc>
+              <a:spcBef>
+                <a:spcPts val="0"/>
+              </a:spcBef>
+              <a:spcAft>
+                <a:spcPts val="0"/>
+              </a:spcAft>
+              <a:buClrTx/>
+              <a:buSzTx/>
+              <a:buFontTx/>
+              <a:buNone/>
+              <a:tabLst/>
+              <a:defRPr/>
+            </a:pPr>
+            <a:r>
+              <a:rPr lang="en-US" dirty="0" smtClean="0"/>
+              <a:t>They are instances of different classes with different source code. </a:t>
+            </a:r>
+          </a:p>
+        </p:txBody>
+      </p:sp>
+    </p:spTree>
+    <p:extLst>
+      <p:ext uri="{BB962C8B-B14F-4D97-AF65-F5344CB8AC3E}">
+        <p14:creationId xmlns:p14="http://schemas.microsoft.com/office/powerpoint/2010/main" val="1421848589"/>
+      </p:ext>
+    </p:extLst>
+  </p:cSld>
+  <p:clrMapOvr>
+    <a:masterClrMapping/>
+  </p:clrMapOvr>
 </p:sld>
 </file>
 

--- a/slides/classes.pptx
+++ b/slides/classes.pptx
@@ -226,7 +226,7 @@
           <a:p>
             <a:fld id="{B7A48688-84F4-1E49-8ACA-B3D0469C8F43}" type="datetimeFigureOut">
               <a:rPr lang="en-US" smtClean="0"/>
-              <a:t>5/13/20</a:t>
+              <a:t>4/30/21</a:t>
             </a:fld>
             <a:endParaRPr lang="en-US"/>
           </a:p>
@@ -656,11 +656,11 @@
           <a:p>
             <a:r>
               <a:rPr lang="en-US" dirty="0" smtClean="0"/>
-              <a:t>Note</a:t>
+              <a:t>The key difference between</a:t>
             </a:r>
             <a:r>
               <a:rPr lang="en-US" baseline="0" dirty="0" smtClean="0"/>
-              <a:t> verbally that there are TWO trailing and leading underscores, four in total </a:t>
+              <a:t> static methods and class methods is that static methods don’t interact with a single instance. </a:t>
             </a:r>
             <a:endParaRPr lang="en-US" dirty="0"/>
           </a:p>
@@ -683,7 +683,7 @@
           <a:p>
             <a:fld id="{FB38BE01-6562-DE45-9404-D6DD8A86E18A}" type="slidenum">
               <a:rPr lang="en-US" smtClean="0"/>
-              <a:t>16</a:t>
+              <a:t>12</a:t>
             </a:fld>
             <a:endParaRPr lang="en-US"/>
           </a:p>
@@ -692,7 +692,7 @@
     </p:spTree>
     <p:extLst>
       <p:ext uri="{BB962C8B-B14F-4D97-AF65-F5344CB8AC3E}">
-        <p14:creationId xmlns:p14="http://schemas.microsoft.com/office/powerpoint/2010/main" val="1965693612"/>
+        <p14:creationId xmlns:p14="http://schemas.microsoft.com/office/powerpoint/2010/main" val="1711151255"/>
       </p:ext>
     </p:extLst>
   </p:cSld>
@@ -746,23 +746,32 @@
           <a:bodyPr/>
           <a:lstStyle/>
           <a:p>
-            <a:r>
-              <a:rPr lang="en-US" dirty="0" smtClean="0"/>
-              <a:t>Note</a:t>
+            <a:pPr marL="0" marR="0" indent="0" algn="l" defTabSz="914400" rtl="0" eaLnBrk="1" fontAlgn="auto" latinLnBrk="0" hangingPunct="1">
+              <a:lnSpc>
+                <a:spcPct val="100000"/>
+              </a:lnSpc>
+              <a:spcBef>
+                <a:spcPts val="0"/>
+              </a:spcBef>
+              <a:spcAft>
+                <a:spcPts val="0"/>
+              </a:spcAft>
+              <a:buClrTx/>
+              <a:buSzTx/>
+              <a:buFontTx/>
+              <a:buNone/>
+              <a:tabLst/>
+              <a:defRPr/>
+            </a:pPr>
+            <a:r>
+              <a:rPr lang="en-US" dirty="0" smtClean="0"/>
+              <a:t>The key difference between</a:t>
             </a:r>
             <a:r>
               <a:rPr lang="en-US" baseline="0" dirty="0" smtClean="0"/>
-              <a:t> verbally that the </a:t>
-            </a:r>
-            <a:r>
-              <a:rPr lang="en-US" baseline="0" dirty="0" err="1" smtClean="0"/>
-              <a:t>coeffs.setter</a:t>
-            </a:r>
-            <a:r>
-              <a:rPr lang="en-US" baseline="0" dirty="0" smtClean="0"/>
-              <a:t> function is a good example of production-level code </a:t>
-            </a:r>
-            <a:endParaRPr lang="en-US" dirty="0"/>
+              <a:t> static methods and class methods is that static methods don’t interact with a single instance. </a:t>
+            </a:r>
+            <a:endParaRPr lang="en-US" dirty="0" smtClean="0"/>
           </a:p>
         </p:txBody>
       </p:sp>
@@ -783,7 +792,7 @@
           <a:p>
             <a:fld id="{FB38BE01-6562-DE45-9404-D6DD8A86E18A}" type="slidenum">
               <a:rPr lang="en-US" smtClean="0"/>
-              <a:t>18</a:t>
+              <a:t>14</a:t>
             </a:fld>
             <a:endParaRPr lang="en-US"/>
           </a:p>
@@ -792,7 +801,7 @@
     </p:spTree>
     <p:extLst>
       <p:ext uri="{BB962C8B-B14F-4D97-AF65-F5344CB8AC3E}">
-        <p14:creationId xmlns:p14="http://schemas.microsoft.com/office/powerpoint/2010/main" val="505673754"/>
+        <p14:creationId xmlns:p14="http://schemas.microsoft.com/office/powerpoint/2010/main" val="680890540"/>
       </p:ext>
     </p:extLst>
   </p:cSld>
@@ -848,11 +857,11 @@
           <a:p>
             <a:r>
               <a:rPr lang="en-US" dirty="0" smtClean="0"/>
-              <a:t>Note verbally here that when developers speak</a:t>
+              <a:t>Note</a:t>
             </a:r>
             <a:r>
               <a:rPr lang="en-US" baseline="0" dirty="0" smtClean="0"/>
-              <a:t> of ”callable objects” they’re not just referring to functions. This also includes classes with a __call__ function. </a:t>
+              <a:t> verbally that there are TWO trailing and leading underscores, four in total </a:t>
             </a:r>
             <a:endParaRPr lang="en-US" dirty="0"/>
           </a:p>
@@ -875,7 +884,7 @@
           <a:p>
             <a:fld id="{FB38BE01-6562-DE45-9404-D6DD8A86E18A}" type="slidenum">
               <a:rPr lang="en-US" smtClean="0"/>
-              <a:t>19</a:t>
+              <a:t>16</a:t>
             </a:fld>
             <a:endParaRPr lang="en-US"/>
           </a:p>
@@ -884,7 +893,7 @@
     </p:spTree>
     <p:extLst>
       <p:ext uri="{BB962C8B-B14F-4D97-AF65-F5344CB8AC3E}">
-        <p14:creationId xmlns:p14="http://schemas.microsoft.com/office/powerpoint/2010/main" val="810331557"/>
+        <p14:creationId xmlns:p14="http://schemas.microsoft.com/office/powerpoint/2010/main" val="1965693612"/>
       </p:ext>
     </p:extLst>
   </p:cSld>
@@ -940,6 +949,198 @@
           <a:p>
             <a:r>
               <a:rPr lang="en-US" dirty="0" smtClean="0"/>
+              <a:t>Note</a:t>
+            </a:r>
+            <a:r>
+              <a:rPr lang="en-US" baseline="0" dirty="0" smtClean="0"/>
+              <a:t> verbally that the </a:t>
+            </a:r>
+            <a:r>
+              <a:rPr lang="en-US" baseline="0" dirty="0" err="1" smtClean="0"/>
+              <a:t>coeffs.setter</a:t>
+            </a:r>
+            <a:r>
+              <a:rPr lang="en-US" baseline="0" dirty="0" smtClean="0"/>
+              <a:t> function is a good example of production-level code </a:t>
+            </a:r>
+            <a:endParaRPr lang="en-US" dirty="0"/>
+          </a:p>
+        </p:txBody>
+      </p:sp>
+      <p:sp>
+        <p:nvSpPr>
+          <p:cNvPr id="4" name="Slide Number Placeholder 3"/>
+          <p:cNvSpPr>
+            <a:spLocks noGrp="1"/>
+          </p:cNvSpPr>
+          <p:nvPr>
+            <p:ph type="sldNum" sz="quarter" idx="10"/>
+          </p:nvPr>
+        </p:nvSpPr>
+        <p:spPr/>
+        <p:txBody>
+          <a:bodyPr/>
+          <a:lstStyle/>
+          <a:p>
+            <a:fld id="{FB38BE01-6562-DE45-9404-D6DD8A86E18A}" type="slidenum">
+              <a:rPr lang="en-US" smtClean="0"/>
+              <a:t>18</a:t>
+            </a:fld>
+            <a:endParaRPr lang="en-US"/>
+          </a:p>
+        </p:txBody>
+      </p:sp>
+    </p:spTree>
+    <p:extLst>
+      <p:ext uri="{BB962C8B-B14F-4D97-AF65-F5344CB8AC3E}">
+        <p14:creationId xmlns:p14="http://schemas.microsoft.com/office/powerpoint/2010/main" val="505673754"/>
+      </p:ext>
+    </p:extLst>
+  </p:cSld>
+  <p:clrMapOvr>
+    <a:masterClrMapping/>
+  </p:clrMapOvr>
+</p:notes>
+</file>
+
+<file path=ppt/notesSlides/notesSlide6.xml><?xml version="1.0" encoding="utf-8"?>
+<p:notes xmlns:a="http://schemas.openxmlformats.org/drawingml/2006/main" xmlns:r="http://schemas.openxmlformats.org/officeDocument/2006/relationships" xmlns:p="http://schemas.openxmlformats.org/presentationml/2006/main">
+  <p:cSld>
+    <p:spTree>
+      <p:nvGrpSpPr>
+        <p:cNvPr id="1" name=""/>
+        <p:cNvGrpSpPr/>
+        <p:nvPr/>
+      </p:nvGrpSpPr>
+      <p:grpSpPr>
+        <a:xfrm>
+          <a:off x="0" y="0"/>
+          <a:ext cx="0" cy="0"/>
+          <a:chOff x="0" y="0"/>
+          <a:chExt cx="0" cy="0"/>
+        </a:xfrm>
+      </p:grpSpPr>
+      <p:sp>
+        <p:nvSpPr>
+          <p:cNvPr id="2" name="Slide Image Placeholder 1"/>
+          <p:cNvSpPr>
+            <a:spLocks noGrp="1" noRot="1" noChangeAspect="1"/>
+          </p:cNvSpPr>
+          <p:nvPr>
+            <p:ph type="sldImg"/>
+          </p:nvPr>
+        </p:nvSpPr>
+        <p:spPr/>
+      </p:sp>
+      <p:sp>
+        <p:nvSpPr>
+          <p:cNvPr id="3" name="Notes Placeholder 2"/>
+          <p:cNvSpPr>
+            <a:spLocks noGrp="1"/>
+          </p:cNvSpPr>
+          <p:nvPr>
+            <p:ph type="body" idx="1"/>
+          </p:nvPr>
+        </p:nvSpPr>
+        <p:spPr/>
+        <p:txBody>
+          <a:bodyPr/>
+          <a:lstStyle/>
+          <a:p>
+            <a:r>
+              <a:rPr lang="en-US" dirty="0" smtClean="0"/>
+              <a:t>Note verbally here that when developers speak</a:t>
+            </a:r>
+            <a:r>
+              <a:rPr lang="en-US" baseline="0" dirty="0" smtClean="0"/>
+              <a:t> of ”callable objects” they’re not just referring to functions. This also includes classes with a __call__ function. </a:t>
+            </a:r>
+            <a:endParaRPr lang="en-US" dirty="0"/>
+          </a:p>
+        </p:txBody>
+      </p:sp>
+      <p:sp>
+        <p:nvSpPr>
+          <p:cNvPr id="4" name="Slide Number Placeholder 3"/>
+          <p:cNvSpPr>
+            <a:spLocks noGrp="1"/>
+          </p:cNvSpPr>
+          <p:nvPr>
+            <p:ph type="sldNum" sz="quarter" idx="10"/>
+          </p:nvPr>
+        </p:nvSpPr>
+        <p:spPr/>
+        <p:txBody>
+          <a:bodyPr/>
+          <a:lstStyle/>
+          <a:p>
+            <a:fld id="{FB38BE01-6562-DE45-9404-D6DD8A86E18A}" type="slidenum">
+              <a:rPr lang="en-US" smtClean="0"/>
+              <a:t>19</a:t>
+            </a:fld>
+            <a:endParaRPr lang="en-US"/>
+          </a:p>
+        </p:txBody>
+      </p:sp>
+    </p:spTree>
+    <p:extLst>
+      <p:ext uri="{BB962C8B-B14F-4D97-AF65-F5344CB8AC3E}">
+        <p14:creationId xmlns:p14="http://schemas.microsoft.com/office/powerpoint/2010/main" val="810331557"/>
+      </p:ext>
+    </p:extLst>
+  </p:cSld>
+  <p:clrMapOvr>
+    <a:masterClrMapping/>
+  </p:clrMapOvr>
+</p:notes>
+</file>
+
+<file path=ppt/notesSlides/notesSlide7.xml><?xml version="1.0" encoding="utf-8"?>
+<p:notes xmlns:a="http://schemas.openxmlformats.org/drawingml/2006/main" xmlns:r="http://schemas.openxmlformats.org/officeDocument/2006/relationships" xmlns:p="http://schemas.openxmlformats.org/presentationml/2006/main">
+  <p:cSld>
+    <p:spTree>
+      <p:nvGrpSpPr>
+        <p:cNvPr id="1" name=""/>
+        <p:cNvGrpSpPr/>
+        <p:nvPr/>
+      </p:nvGrpSpPr>
+      <p:grpSpPr>
+        <a:xfrm>
+          <a:off x="0" y="0"/>
+          <a:ext cx="0" cy="0"/>
+          <a:chOff x="0" y="0"/>
+          <a:chExt cx="0" cy="0"/>
+        </a:xfrm>
+      </p:grpSpPr>
+      <p:sp>
+        <p:nvSpPr>
+          <p:cNvPr id="2" name="Slide Image Placeholder 1"/>
+          <p:cNvSpPr>
+            <a:spLocks noGrp="1" noRot="1" noChangeAspect="1"/>
+          </p:cNvSpPr>
+          <p:nvPr>
+            <p:ph type="sldImg"/>
+          </p:nvPr>
+        </p:nvSpPr>
+        <p:spPr/>
+      </p:sp>
+      <p:sp>
+        <p:nvSpPr>
+          <p:cNvPr id="3" name="Notes Placeholder 2"/>
+          <p:cNvSpPr>
+            <a:spLocks noGrp="1"/>
+          </p:cNvSpPr>
+          <p:nvPr>
+            <p:ph type="body" idx="1"/>
+          </p:nvPr>
+        </p:nvSpPr>
+        <p:spPr/>
+        <p:txBody>
+          <a:bodyPr/>
+          <a:lstStyle/>
+          <a:p>
+            <a:r>
+              <a:rPr lang="en-US" dirty="0" smtClean="0"/>
               <a:t>Note verbally that this definition of __</a:t>
             </a:r>
             <a:r>
@@ -952,7 +1153,15 @@
             </a:r>
             <a:r>
               <a:rPr lang="en-US" baseline="0" dirty="0" smtClean="0"/>
-              <a:t> actually not necessary </a:t>
+              <a:t> actually not necessary – by default it returns self.__</a:t>
+            </a:r>
+            <a:r>
+              <a:rPr lang="en-US" baseline="0" dirty="0" err="1" smtClean="0"/>
+              <a:t>repr</a:t>
+            </a:r>
+            <a:r>
+              <a:rPr lang="en-US" baseline="0" dirty="0" smtClean="0"/>
+              <a:t>__(), but included here as an example </a:t>
             </a:r>
             <a:endParaRPr lang="en-US" dirty="0"/>
           </a:p>
@@ -1272,7 +1481,7 @@
           <a:p>
             <a:fld id="{51673806-0BCD-1F42-BAA8-2011034B3C6A}" type="datetimeFigureOut">
               <a:rPr lang="en-US" smtClean="0"/>
-              <a:t>5/13/20</a:t>
+              <a:t>4/30/21</a:t>
             </a:fld>
             <a:endParaRPr lang="en-US"/>
           </a:p>
@@ -1686,7 +1895,7 @@
           <a:p>
             <a:fld id="{51673806-0BCD-1F42-BAA8-2011034B3C6A}" type="datetimeFigureOut">
               <a:rPr lang="en-US" smtClean="0"/>
-              <a:t>5/13/20</a:t>
+              <a:t>4/30/21</a:t>
             </a:fld>
             <a:endParaRPr lang="en-US"/>
           </a:p>
@@ -2017,7 +2226,7 @@
           <a:p>
             <a:fld id="{51673806-0BCD-1F42-BAA8-2011034B3C6A}" type="datetimeFigureOut">
               <a:rPr lang="en-US" smtClean="0"/>
-              <a:t>5/13/20</a:t>
+              <a:t>4/30/21</a:t>
             </a:fld>
             <a:endParaRPr lang="en-US"/>
           </a:p>
@@ -2417,7 +2626,7 @@
           <a:p>
             <a:fld id="{51673806-0BCD-1F42-BAA8-2011034B3C6A}" type="datetimeFigureOut">
               <a:rPr lang="en-US" smtClean="0"/>
-              <a:t>5/13/20</a:t>
+              <a:t>4/30/21</a:t>
             </a:fld>
             <a:endParaRPr lang="en-US"/>
           </a:p>
@@ -2980,7 +3189,7 @@
           <a:p>
             <a:fld id="{51673806-0BCD-1F42-BAA8-2011034B3C6A}" type="datetimeFigureOut">
               <a:rPr lang="en-US" smtClean="0"/>
-              <a:t>5/13/20</a:t>
+              <a:t>4/30/21</a:t>
             </a:fld>
             <a:endParaRPr lang="en-US"/>
           </a:p>
@@ -3656,7 +3865,7 @@
           <a:p>
             <a:fld id="{51673806-0BCD-1F42-BAA8-2011034B3C6A}" type="datetimeFigureOut">
               <a:rPr lang="en-US" smtClean="0"/>
-              <a:t>5/13/20</a:t>
+              <a:t>4/30/21</a:t>
             </a:fld>
             <a:endParaRPr lang="en-US"/>
           </a:p>
@@ -4564,7 +4773,7 @@
           <a:p>
             <a:fld id="{51673806-0BCD-1F42-BAA8-2011034B3C6A}" type="datetimeFigureOut">
               <a:rPr lang="en-US" smtClean="0"/>
-              <a:t>5/13/20</a:t>
+              <a:t>4/30/21</a:t>
             </a:fld>
             <a:endParaRPr lang="en-US"/>
           </a:p>
@@ -4872,7 +5081,7 @@
           <a:p>
             <a:fld id="{51673806-0BCD-1F42-BAA8-2011034B3C6A}" type="datetimeFigureOut">
               <a:rPr lang="en-US" smtClean="0"/>
-              <a:t>5/13/20</a:t>
+              <a:t>4/30/21</a:t>
             </a:fld>
             <a:endParaRPr lang="en-US"/>
           </a:p>
@@ -5131,7 +5340,7 @@
           <a:p>
             <a:fld id="{51673806-0BCD-1F42-BAA8-2011034B3C6A}" type="datetimeFigureOut">
               <a:rPr lang="en-US" smtClean="0"/>
-              <a:t>5/13/20</a:t>
+              <a:t>4/30/21</a:t>
             </a:fld>
             <a:endParaRPr lang="en-US"/>
           </a:p>
@@ -5454,7 +5663,7 @@
           <a:p>
             <a:fld id="{51673806-0BCD-1F42-BAA8-2011034B3C6A}" type="datetimeFigureOut">
               <a:rPr lang="en-US" smtClean="0"/>
-              <a:t>5/13/20</a:t>
+              <a:t>4/30/21</a:t>
             </a:fld>
             <a:endParaRPr lang="en-US"/>
           </a:p>
@@ -5838,7 +6047,7 @@
           <a:p>
             <a:fld id="{51673806-0BCD-1F42-BAA8-2011034B3C6A}" type="datetimeFigureOut">
               <a:rPr lang="en-US" smtClean="0"/>
-              <a:t>5/13/20</a:t>
+              <a:t>4/30/21</a:t>
             </a:fld>
             <a:endParaRPr lang="en-US"/>
           </a:p>
@@ -6214,7 +6423,7 @@
           <a:p>
             <a:fld id="{51673806-0BCD-1F42-BAA8-2011034B3C6A}" type="datetimeFigureOut">
               <a:rPr lang="en-US" smtClean="0"/>
-              <a:t>5/13/20</a:t>
+              <a:t>4/30/21</a:t>
             </a:fld>
             <a:endParaRPr lang="en-US"/>
           </a:p>
@@ -6720,7 +6929,7 @@
           <a:p>
             <a:fld id="{51673806-0BCD-1F42-BAA8-2011034B3C6A}" type="datetimeFigureOut">
               <a:rPr lang="en-US" smtClean="0"/>
-              <a:t>5/13/20</a:t>
+              <a:t>4/30/21</a:t>
             </a:fld>
             <a:endParaRPr lang="en-US"/>
           </a:p>
@@ -6977,7 +7186,7 @@
           <a:p>
             <a:fld id="{51673806-0BCD-1F42-BAA8-2011034B3C6A}" type="datetimeFigureOut">
               <a:rPr lang="en-US" smtClean="0"/>
-              <a:t>5/13/20</a:t>
+              <a:t>4/30/21</a:t>
             </a:fld>
             <a:endParaRPr lang="en-US"/>
           </a:p>
@@ -7135,7 +7344,7 @@
           <a:p>
             <a:fld id="{51673806-0BCD-1F42-BAA8-2011034B3C6A}" type="datetimeFigureOut">
               <a:rPr lang="en-US" smtClean="0"/>
-              <a:t>5/13/20</a:t>
+              <a:t>4/30/21</a:t>
             </a:fld>
             <a:endParaRPr lang="en-US"/>
           </a:p>
@@ -7525,7 +7734,7 @@
           <a:p>
             <a:fld id="{51673806-0BCD-1F42-BAA8-2011034B3C6A}" type="datetimeFigureOut">
               <a:rPr lang="en-US" smtClean="0"/>
-              <a:t>5/13/20</a:t>
+              <a:t>4/30/21</a:t>
             </a:fld>
             <a:endParaRPr lang="en-US"/>
           </a:p>
@@ -7934,7 +8143,7 @@
           <a:p>
             <a:fld id="{51673806-0BCD-1F42-BAA8-2011034B3C6A}" type="datetimeFigureOut">
               <a:rPr lang="en-US" smtClean="0"/>
-              <a:t>5/13/20</a:t>
+              <a:t>4/30/21</a:t>
             </a:fld>
             <a:endParaRPr lang="en-US"/>
           </a:p>
@@ -8182,7 +8391,7 @@
             <a:fld id="{51673806-0BCD-1F42-BAA8-2011034B3C6A}" type="datetimeFigureOut">
               <a:rPr lang="en-US" smtClean="0"/>
               <a:pPr/>
-              <a:t>5/13/20</a:t>
+              <a:t>4/30/21</a:t>
             </a:fld>
             <a:endParaRPr lang="en-US" dirty="0"/>
           </a:p>
@@ -8646,8 +8855,16 @@
           <a:lstStyle/>
           <a:p>
             <a:r>
+              <a:rPr lang="en-US"/>
+              <a:t>SURP </a:t>
+            </a:r>
+            <a:r>
+              <a:rPr lang="en-US" smtClean="0"/>
+              <a:t>2021 </a:t>
+            </a:r>
+            <a:r>
               <a:rPr lang="en-US" dirty="0"/>
-              <a:t>SURP 2020 Python Bootcamp</a:t>
+              <a:t>Python Bootcamp</a:t>
             </a:r>
           </a:p>
           <a:p>
@@ -8949,7 +9166,15 @@
             </a:r>
             <a:r>
               <a:rPr lang="en-US" dirty="0" smtClean="0"/>
-              <a:t> to refer to the instance of the class (i.e. the object). </a:t>
+              <a:t> to refer to the instance of the class (i.e. the object), but it </a:t>
+            </a:r>
+            <a:r>
+              <a:rPr lang="en-US" i="1" dirty="0" smtClean="0"/>
+              <a:t>must</a:t>
+            </a:r>
+            <a:r>
+              <a:rPr lang="en-US" dirty="0" smtClean="0"/>
+              <a:t> be the first argument. </a:t>
             </a:r>
             <a:endParaRPr lang="en-US" dirty="0"/>
           </a:p>
@@ -9486,7 +9711,7 @@
           <p:nvPr/>
         </p:nvPicPr>
         <p:blipFill>
-          <a:blip r:embed="rId2">
+          <a:blip r:embed="rId3">
             <a:extLst>
               <a:ext uri="{28A0092B-C50C-407E-A947-70E740481C1C}">
                 <a14:useLocalDpi xmlns:a14="http://schemas.microsoft.com/office/drawing/2010/main" val="0"/>
@@ -9516,7 +9741,7 @@
           <p:nvPr/>
         </p:nvPicPr>
         <p:blipFill>
-          <a:blip r:embed="rId3">
+          <a:blip r:embed="rId4">
             <a:extLst>
               <a:ext uri="{28A0092B-C50C-407E-A947-70E740481C1C}">
                 <a14:useLocalDpi xmlns:a14="http://schemas.microsoft.com/office/drawing/2010/main" val="0"/>
@@ -9898,7 +10123,7 @@
         <p:spPr>
           <a:xfrm>
             <a:off x="680321" y="2336873"/>
-            <a:ext cx="5392933" cy="3599316"/>
+            <a:ext cx="5841503" cy="3599316"/>
           </a:xfrm>
         </p:spPr>
         <p:txBody>
@@ -9967,7 +10192,15 @@
             </a:pPr>
             <a:r>
               <a:rPr lang="en-US" dirty="0" smtClean="0"/>
-              <a:t>They take the class as the first argument </a:t>
+              <a:t>They take the class as the first argument (</a:t>
+            </a:r>
+            <a:r>
+              <a:rPr lang="en-US" dirty="0" err="1" smtClean="0"/>
+              <a:t>cls</a:t>
+            </a:r>
+            <a:r>
+              <a:rPr lang="en-US" dirty="0" smtClean="0"/>
+              <a:t>)</a:t>
             </a:r>
             <a:endParaRPr lang="en-US" dirty="0"/>
           </a:p>
@@ -9982,7 +10215,7 @@
           <p:nvPr/>
         </p:nvPicPr>
         <p:blipFill>
-          <a:blip r:embed="rId2">
+          <a:blip r:embed="rId3">
             <a:extLst>
               <a:ext uri="{28A0092B-C50C-407E-A947-70E740481C1C}">
                 <a14:useLocalDpi xmlns:a14="http://schemas.microsoft.com/office/drawing/2010/main" val="0"/>
@@ -10012,7 +10245,7 @@
           <p:nvPr/>
         </p:nvPicPr>
         <p:blipFill>
-          <a:blip r:embed="rId3">
+          <a:blip r:embed="rId4">
             <a:extLst>
               <a:ext uri="{28A0092B-C50C-407E-A947-70E740481C1C}">
                 <a14:useLocalDpi xmlns:a14="http://schemas.microsoft.com/office/drawing/2010/main" val="0"/>
@@ -10503,11 +10736,7 @@
             </a:pPr>
             <a:r>
               <a:rPr lang="en-US" dirty="0" smtClean="0"/>
-              <a:t>There </a:t>
-            </a:r>
-            <a:r>
-              <a:rPr lang="en-US" dirty="0" smtClean="0"/>
-              <a:t>are many other forms of syntactic sugar </a:t>
+              <a:t>There are many other forms of syntactic sugar </a:t>
             </a:r>
             <a:r>
               <a:rPr lang="mr-IN" dirty="0" smtClean="0"/>

--- a/slides/classes.pptx
+++ b/slides/classes.pptx
@@ -226,7 +226,7 @@
           <a:p>
             <a:fld id="{B7A48688-84F4-1E49-8ACA-B3D0469C8F43}" type="datetimeFigureOut">
               <a:rPr lang="en-US" smtClean="0"/>
-              <a:t>4/30/21</a:t>
+              <a:t>5/7/21</a:t>
             </a:fld>
             <a:endParaRPr lang="en-US"/>
           </a:p>
@@ -1481,7 +1481,7 @@
           <a:p>
             <a:fld id="{51673806-0BCD-1F42-BAA8-2011034B3C6A}" type="datetimeFigureOut">
               <a:rPr lang="en-US" smtClean="0"/>
-              <a:t>4/30/21</a:t>
+              <a:t>5/7/21</a:t>
             </a:fld>
             <a:endParaRPr lang="en-US"/>
           </a:p>
@@ -1895,7 +1895,7 @@
           <a:p>
             <a:fld id="{51673806-0BCD-1F42-BAA8-2011034B3C6A}" type="datetimeFigureOut">
               <a:rPr lang="en-US" smtClean="0"/>
-              <a:t>4/30/21</a:t>
+              <a:t>5/7/21</a:t>
             </a:fld>
             <a:endParaRPr lang="en-US"/>
           </a:p>
@@ -2226,7 +2226,7 @@
           <a:p>
             <a:fld id="{51673806-0BCD-1F42-BAA8-2011034B3C6A}" type="datetimeFigureOut">
               <a:rPr lang="en-US" smtClean="0"/>
-              <a:t>4/30/21</a:t>
+              <a:t>5/7/21</a:t>
             </a:fld>
             <a:endParaRPr lang="en-US"/>
           </a:p>
@@ -2626,7 +2626,7 @@
           <a:p>
             <a:fld id="{51673806-0BCD-1F42-BAA8-2011034B3C6A}" type="datetimeFigureOut">
               <a:rPr lang="en-US" smtClean="0"/>
-              <a:t>4/30/21</a:t>
+              <a:t>5/7/21</a:t>
             </a:fld>
             <a:endParaRPr lang="en-US"/>
           </a:p>
@@ -3189,7 +3189,7 @@
           <a:p>
             <a:fld id="{51673806-0BCD-1F42-BAA8-2011034B3C6A}" type="datetimeFigureOut">
               <a:rPr lang="en-US" smtClean="0"/>
-              <a:t>4/30/21</a:t>
+              <a:t>5/7/21</a:t>
             </a:fld>
             <a:endParaRPr lang="en-US"/>
           </a:p>
@@ -3865,7 +3865,7 @@
           <a:p>
             <a:fld id="{51673806-0BCD-1F42-BAA8-2011034B3C6A}" type="datetimeFigureOut">
               <a:rPr lang="en-US" smtClean="0"/>
-              <a:t>4/30/21</a:t>
+              <a:t>5/7/21</a:t>
             </a:fld>
             <a:endParaRPr lang="en-US"/>
           </a:p>
@@ -4773,7 +4773,7 @@
           <a:p>
             <a:fld id="{51673806-0BCD-1F42-BAA8-2011034B3C6A}" type="datetimeFigureOut">
               <a:rPr lang="en-US" smtClean="0"/>
-              <a:t>4/30/21</a:t>
+              <a:t>5/7/21</a:t>
             </a:fld>
             <a:endParaRPr lang="en-US"/>
           </a:p>
@@ -5081,7 +5081,7 @@
           <a:p>
             <a:fld id="{51673806-0BCD-1F42-BAA8-2011034B3C6A}" type="datetimeFigureOut">
               <a:rPr lang="en-US" smtClean="0"/>
-              <a:t>4/30/21</a:t>
+              <a:t>5/7/21</a:t>
             </a:fld>
             <a:endParaRPr lang="en-US"/>
           </a:p>
@@ -5340,7 +5340,7 @@
           <a:p>
             <a:fld id="{51673806-0BCD-1F42-BAA8-2011034B3C6A}" type="datetimeFigureOut">
               <a:rPr lang="en-US" smtClean="0"/>
-              <a:t>4/30/21</a:t>
+              <a:t>5/7/21</a:t>
             </a:fld>
             <a:endParaRPr lang="en-US"/>
           </a:p>
@@ -5663,7 +5663,7 @@
           <a:p>
             <a:fld id="{51673806-0BCD-1F42-BAA8-2011034B3C6A}" type="datetimeFigureOut">
               <a:rPr lang="en-US" smtClean="0"/>
-              <a:t>4/30/21</a:t>
+              <a:t>5/7/21</a:t>
             </a:fld>
             <a:endParaRPr lang="en-US"/>
           </a:p>
@@ -6047,7 +6047,7 @@
           <a:p>
             <a:fld id="{51673806-0BCD-1F42-BAA8-2011034B3C6A}" type="datetimeFigureOut">
               <a:rPr lang="en-US" smtClean="0"/>
-              <a:t>4/30/21</a:t>
+              <a:t>5/7/21</a:t>
             </a:fld>
             <a:endParaRPr lang="en-US"/>
           </a:p>
@@ -6423,7 +6423,7 @@
           <a:p>
             <a:fld id="{51673806-0BCD-1F42-BAA8-2011034B3C6A}" type="datetimeFigureOut">
               <a:rPr lang="en-US" smtClean="0"/>
-              <a:t>4/30/21</a:t>
+              <a:t>5/7/21</a:t>
             </a:fld>
             <a:endParaRPr lang="en-US"/>
           </a:p>
@@ -6929,7 +6929,7 @@
           <a:p>
             <a:fld id="{51673806-0BCD-1F42-BAA8-2011034B3C6A}" type="datetimeFigureOut">
               <a:rPr lang="en-US" smtClean="0"/>
-              <a:t>4/30/21</a:t>
+              <a:t>5/7/21</a:t>
             </a:fld>
             <a:endParaRPr lang="en-US"/>
           </a:p>
@@ -7186,7 +7186,7 @@
           <a:p>
             <a:fld id="{51673806-0BCD-1F42-BAA8-2011034B3C6A}" type="datetimeFigureOut">
               <a:rPr lang="en-US" smtClean="0"/>
-              <a:t>4/30/21</a:t>
+              <a:t>5/7/21</a:t>
             </a:fld>
             <a:endParaRPr lang="en-US"/>
           </a:p>
@@ -7344,7 +7344,7 @@
           <a:p>
             <a:fld id="{51673806-0BCD-1F42-BAA8-2011034B3C6A}" type="datetimeFigureOut">
               <a:rPr lang="en-US" smtClean="0"/>
-              <a:t>4/30/21</a:t>
+              <a:t>5/7/21</a:t>
             </a:fld>
             <a:endParaRPr lang="en-US"/>
           </a:p>
@@ -7734,7 +7734,7 @@
           <a:p>
             <a:fld id="{51673806-0BCD-1F42-BAA8-2011034B3C6A}" type="datetimeFigureOut">
               <a:rPr lang="en-US" smtClean="0"/>
-              <a:t>4/30/21</a:t>
+              <a:t>5/7/21</a:t>
             </a:fld>
             <a:endParaRPr lang="en-US"/>
           </a:p>
@@ -8143,7 +8143,7 @@
           <a:p>
             <a:fld id="{51673806-0BCD-1F42-BAA8-2011034B3C6A}" type="datetimeFigureOut">
               <a:rPr lang="en-US" smtClean="0"/>
-              <a:t>4/30/21</a:t>
+              <a:t>5/7/21</a:t>
             </a:fld>
             <a:endParaRPr lang="en-US"/>
           </a:p>
@@ -8391,7 +8391,7 @@
             <a:fld id="{51673806-0BCD-1F42-BAA8-2011034B3C6A}" type="datetimeFigureOut">
               <a:rPr lang="en-US" smtClean="0"/>
               <a:pPr/>
-              <a:t>4/30/21</a:t>
+              <a:t>5/7/21</a:t>
             </a:fld>
             <a:endParaRPr lang="en-US" dirty="0"/>
           </a:p>

--- a/slides/classes.pptx
+++ b/slides/classes.pptx
@@ -226,7 +226,7 @@
           <a:p>
             <a:fld id="{B7A48688-84F4-1E49-8ACA-B3D0469C8F43}" type="datetimeFigureOut">
               <a:rPr lang="en-US" smtClean="0"/>
-              <a:t>5/7/21</a:t>
+              <a:t>5/17/21</a:t>
             </a:fld>
             <a:endParaRPr lang="en-US"/>
           </a:p>
@@ -290,38 +290,37 @@
           <a:p>
             <a:pPr lvl="0"/>
             <a:r>
-              <a:rPr lang="en-US" smtClean="0"/>
+              <a:rPr lang="en-US"/>
               <a:t>Click to edit Master text styles</a:t>
             </a:r>
           </a:p>
           <a:p>
             <a:pPr lvl="1"/>
             <a:r>
-              <a:rPr lang="en-US" smtClean="0"/>
+              <a:rPr lang="en-US"/>
               <a:t>Second level</a:t>
             </a:r>
           </a:p>
           <a:p>
             <a:pPr lvl="2"/>
             <a:r>
-              <a:rPr lang="en-US" smtClean="0"/>
+              <a:rPr lang="en-US"/>
               <a:t>Third level</a:t>
             </a:r>
           </a:p>
           <a:p>
             <a:pPr lvl="3"/>
             <a:r>
-              <a:rPr lang="en-US" smtClean="0"/>
+              <a:rPr lang="en-US"/>
               <a:t>Fourth level</a:t>
             </a:r>
           </a:p>
           <a:p>
             <a:pPr lvl="4"/>
             <a:r>
-              <a:rPr lang="en-US" smtClean="0"/>
+              <a:rPr lang="en-US"/>
               <a:t>Fifth level</a:t>
             </a:r>
-            <a:endParaRPr lang="en-US"/>
           </a:p>
         </p:txBody>
       </p:sp>
@@ -539,35 +538,35 @@
           <a:lstStyle/>
           <a:p>
             <a:r>
-              <a:rPr lang="en-US" dirty="0" smtClean="0"/>
+              <a:rPr lang="en-US" dirty="0"/>
               <a:t>Note verbally</a:t>
             </a:r>
             <a:r>
-              <a:rPr lang="en-US" baseline="0" dirty="0" smtClean="0"/>
+              <a:rPr lang="en-US" baseline="0" dirty="0"/>
               <a:t> here that @property, @</a:t>
             </a:r>
             <a:r>
-              <a:rPr lang="en-US" baseline="0" dirty="0" err="1" smtClean="0"/>
+              <a:rPr lang="en-US" baseline="0" dirty="0" err="1"/>
               <a:t>name.setter</a:t>
             </a:r>
             <a:r>
-              <a:rPr lang="en-US" baseline="0" dirty="0" smtClean="0"/>
+              <a:rPr lang="en-US" baseline="0" dirty="0"/>
               <a:t>, and @</a:t>
             </a:r>
             <a:r>
-              <a:rPr lang="en-US" baseline="0" dirty="0" err="1" smtClean="0"/>
+              <a:rPr lang="en-US" baseline="0" dirty="0" err="1"/>
               <a:t>breed.setter</a:t>
             </a:r>
             <a:r>
-              <a:rPr lang="en-US" baseline="0" dirty="0" smtClean="0"/>
+              <a:rPr lang="en-US" baseline="0" dirty="0"/>
               <a:t> are called decorators, and that we’ll see some more of them in a second. You can make your own decorators but that’s a bit outside the scope of the </a:t>
             </a:r>
             <a:r>
-              <a:rPr lang="en-US" baseline="0" dirty="0" err="1" smtClean="0"/>
+              <a:rPr lang="en-US" baseline="0" dirty="0" err="1"/>
               <a:t>bootcamp</a:t>
             </a:r>
             <a:r>
-              <a:rPr lang="en-US" baseline="0" dirty="0" smtClean="0"/>
+              <a:rPr lang="en-US" baseline="0" dirty="0"/>
               <a:t>. </a:t>
             </a:r>
             <a:endParaRPr lang="en-US" dirty="0"/>
@@ -655,11 +654,11 @@
           <a:lstStyle/>
           <a:p>
             <a:r>
-              <a:rPr lang="en-US" dirty="0" smtClean="0"/>
+              <a:rPr lang="en-US" dirty="0"/>
               <a:t>The key difference between</a:t>
             </a:r>
             <a:r>
-              <a:rPr lang="en-US" baseline="0" dirty="0" smtClean="0"/>
+              <a:rPr lang="en-US" baseline="0" dirty="0"/>
               <a:t> static methods and class methods is that static methods don’t interact with a single instance. </a:t>
             </a:r>
             <a:endParaRPr lang="en-US" dirty="0"/>
@@ -764,14 +763,14 @@
               <a:defRPr/>
             </a:pPr>
             <a:r>
-              <a:rPr lang="en-US" dirty="0" smtClean="0"/>
+              <a:rPr lang="en-US" dirty="0"/>
               <a:t>The key difference between</a:t>
             </a:r>
             <a:r>
-              <a:rPr lang="en-US" baseline="0" dirty="0" smtClean="0"/>
+              <a:rPr lang="en-US" baseline="0" dirty="0"/>
               <a:t> static methods and class methods is that static methods don’t interact with a single instance. </a:t>
             </a:r>
-            <a:endParaRPr lang="en-US" dirty="0" smtClean="0"/>
+            <a:endParaRPr lang="en-US" dirty="0"/>
           </a:p>
         </p:txBody>
       </p:sp>
@@ -856,11 +855,11 @@
           <a:lstStyle/>
           <a:p>
             <a:r>
-              <a:rPr lang="en-US" dirty="0" smtClean="0"/>
+              <a:rPr lang="en-US" dirty="0"/>
               <a:t>Note</a:t>
             </a:r>
             <a:r>
-              <a:rPr lang="en-US" baseline="0" dirty="0" smtClean="0"/>
+              <a:rPr lang="en-US" baseline="0" dirty="0"/>
               <a:t> verbally that there are TWO trailing and leading underscores, four in total </a:t>
             </a:r>
             <a:endParaRPr lang="en-US" dirty="0"/>
@@ -948,19 +947,19 @@
           <a:lstStyle/>
           <a:p>
             <a:r>
-              <a:rPr lang="en-US" dirty="0" smtClean="0"/>
+              <a:rPr lang="en-US" dirty="0"/>
               <a:t>Note</a:t>
             </a:r>
             <a:r>
-              <a:rPr lang="en-US" baseline="0" dirty="0" smtClean="0"/>
+              <a:rPr lang="en-US" baseline="0" dirty="0"/>
               <a:t> verbally that the </a:t>
             </a:r>
             <a:r>
-              <a:rPr lang="en-US" baseline="0" dirty="0" err="1" smtClean="0"/>
+              <a:rPr lang="en-US" baseline="0" dirty="0" err="1"/>
               <a:t>coeffs.setter</a:t>
             </a:r>
             <a:r>
-              <a:rPr lang="en-US" baseline="0" dirty="0" smtClean="0"/>
+              <a:rPr lang="en-US" baseline="0" dirty="0"/>
               <a:t> function is a good example of production-level code </a:t>
             </a:r>
             <a:endParaRPr lang="en-US" dirty="0"/>
@@ -1048,11 +1047,11 @@
           <a:lstStyle/>
           <a:p>
             <a:r>
-              <a:rPr lang="en-US" dirty="0" smtClean="0"/>
+              <a:rPr lang="en-US" dirty="0"/>
               <a:t>Note verbally here that when developers speak</a:t>
             </a:r>
             <a:r>
-              <a:rPr lang="en-US" baseline="0" dirty="0" smtClean="0"/>
+              <a:rPr lang="en-US" baseline="0" dirty="0"/>
               <a:t> of ”callable objects” they’re not just referring to functions. This also includes classes with a __call__ function. </a:t>
             </a:r>
             <a:endParaRPr lang="en-US" dirty="0"/>
@@ -1140,27 +1139,27 @@
           <a:lstStyle/>
           <a:p>
             <a:r>
-              <a:rPr lang="en-US" dirty="0" smtClean="0"/>
+              <a:rPr lang="en-US" dirty="0"/>
               <a:t>Note verbally that this definition of __</a:t>
             </a:r>
             <a:r>
-              <a:rPr lang="en-US" dirty="0" err="1" smtClean="0"/>
+              <a:rPr lang="en-US" dirty="0" err="1"/>
               <a:t>str</a:t>
             </a:r>
             <a:r>
-              <a:rPr lang="en-US" dirty="0" smtClean="0"/>
+              <a:rPr lang="en-US" dirty="0"/>
               <a:t>__ is</a:t>
             </a:r>
             <a:r>
-              <a:rPr lang="en-US" baseline="0" dirty="0" smtClean="0"/>
+              <a:rPr lang="en-US" baseline="0" dirty="0"/>
               <a:t> actually not necessary – by default it returns self.__</a:t>
             </a:r>
             <a:r>
-              <a:rPr lang="en-US" baseline="0" dirty="0" err="1" smtClean="0"/>
+              <a:rPr lang="en-US" baseline="0" dirty="0" err="1"/>
               <a:t>repr</a:t>
             </a:r>
             <a:r>
-              <a:rPr lang="en-US" baseline="0" dirty="0" smtClean="0"/>
+              <a:rPr lang="en-US" baseline="0" dirty="0"/>
               <a:t>__(), but included here as an example </a:t>
             </a:r>
             <a:endParaRPr lang="en-US" dirty="0"/>
@@ -1194,6 +1193,90 @@
     <p:extLst>
       <p:ext uri="{BB962C8B-B14F-4D97-AF65-F5344CB8AC3E}">
         <p14:creationId xmlns:p14="http://schemas.microsoft.com/office/powerpoint/2010/main" val="1896743649"/>
+      </p:ext>
+    </p:extLst>
+  </p:cSld>
+  <p:clrMapOvr>
+    <a:masterClrMapping/>
+  </p:clrMapOvr>
+</p:notes>
+</file>
+
+<file path=ppt/notesSlides/notesSlide8.xml><?xml version="1.0" encoding="utf-8"?>
+<p:notes xmlns:a="http://schemas.openxmlformats.org/drawingml/2006/main" xmlns:r="http://schemas.openxmlformats.org/officeDocument/2006/relationships" xmlns:p="http://schemas.openxmlformats.org/presentationml/2006/main">
+  <p:cSld>
+    <p:spTree>
+      <p:nvGrpSpPr>
+        <p:cNvPr id="1" name=""/>
+        <p:cNvGrpSpPr/>
+        <p:nvPr/>
+      </p:nvGrpSpPr>
+      <p:grpSpPr>
+        <a:xfrm>
+          <a:off x="0" y="0"/>
+          <a:ext cx="0" cy="0"/>
+          <a:chOff x="0" y="0"/>
+          <a:chExt cx="0" cy="0"/>
+        </a:xfrm>
+      </p:grpSpPr>
+      <p:sp>
+        <p:nvSpPr>
+          <p:cNvPr id="2" name="Slide Image Placeholder 1"/>
+          <p:cNvSpPr>
+            <a:spLocks noGrp="1" noRot="1" noChangeAspect="1"/>
+          </p:cNvSpPr>
+          <p:nvPr>
+            <p:ph type="sldImg"/>
+          </p:nvPr>
+        </p:nvSpPr>
+        <p:spPr/>
+      </p:sp>
+      <p:sp>
+        <p:nvSpPr>
+          <p:cNvPr id="3" name="Notes Placeholder 2"/>
+          <p:cNvSpPr>
+            <a:spLocks noGrp="1"/>
+          </p:cNvSpPr>
+          <p:nvPr>
+            <p:ph type="body" idx="1"/>
+          </p:nvPr>
+        </p:nvSpPr>
+        <p:spPr/>
+        <p:txBody>
+          <a:bodyPr/>
+          <a:lstStyle/>
+          <a:p>
+            <a:endParaRPr lang="en-US"/>
+          </a:p>
+        </p:txBody>
+      </p:sp>
+      <p:sp>
+        <p:nvSpPr>
+          <p:cNvPr id="4" name="Slide Number Placeholder 3"/>
+          <p:cNvSpPr>
+            <a:spLocks noGrp="1"/>
+          </p:cNvSpPr>
+          <p:nvPr>
+            <p:ph type="sldNum" sz="quarter" idx="5"/>
+          </p:nvPr>
+        </p:nvSpPr>
+        <p:spPr/>
+        <p:txBody>
+          <a:bodyPr/>
+          <a:lstStyle/>
+          <a:p>
+            <a:fld id="{FB38BE01-6562-DE45-9404-D6DD8A86E18A}" type="slidenum">
+              <a:rPr lang="en-US" smtClean="0"/>
+              <a:t>30</a:t>
+            </a:fld>
+            <a:endParaRPr lang="en-US"/>
+          </a:p>
+        </p:txBody>
+      </p:sp>
+    </p:spTree>
+    <p:extLst>
+      <p:ext uri="{BB962C8B-B14F-4D97-AF65-F5344CB8AC3E}">
+        <p14:creationId xmlns:p14="http://schemas.microsoft.com/office/powerpoint/2010/main" val="1520147894"/>
       </p:ext>
     </p:extLst>
   </p:cSld>
@@ -1390,10 +1473,9 @@
           </a:lstStyle>
           <a:p>
             <a:r>
-              <a:rPr lang="en-US" dirty="0" smtClean="0"/>
+              <a:rPr lang="en-US" dirty="0"/>
               <a:t>Click to edit Master title style</a:t>
             </a:r>
-            <a:endParaRPr lang="en-US" dirty="0"/>
           </a:p>
         </p:txBody>
       </p:sp>
@@ -1457,10 +1539,9 @@
           </a:lstStyle>
           <a:p>
             <a:r>
-              <a:rPr lang="en-US" dirty="0" smtClean="0"/>
+              <a:rPr lang="en-US" dirty="0"/>
               <a:t>Click to edit Master subtitle style</a:t>
             </a:r>
-            <a:endParaRPr lang="en-US" dirty="0"/>
           </a:p>
         </p:txBody>
       </p:sp>
@@ -1481,7 +1562,7 @@
           <a:p>
             <a:fld id="{51673806-0BCD-1F42-BAA8-2011034B3C6A}" type="datetimeFigureOut">
               <a:rPr lang="en-US" smtClean="0"/>
-              <a:t>5/7/21</a:t>
+              <a:t>5/17/21</a:t>
             </a:fld>
             <a:endParaRPr lang="en-US"/>
           </a:p>
@@ -1730,7 +1811,7 @@
           </a:lstStyle>
           <a:p>
             <a:r>
-              <a:rPr lang="en-US" smtClean="0"/>
+              <a:rPr lang="en-US"/>
               <a:t>Click to edit Master title style</a:t>
             </a:r>
             <a:endParaRPr lang="en-US" dirty="0"/>
@@ -1806,7 +1887,7 @@
           </a:lstStyle>
           <a:p>
             <a:r>
-              <a:rPr lang="en-US" smtClean="0"/>
+              <a:rPr lang="en-US"/>
               <a:t>Drag picture to placeholder or click icon to add</a:t>
             </a:r>
             <a:endParaRPr lang="en-US" dirty="0"/>
@@ -1872,7 +1953,7 @@
           <a:p>
             <a:pPr lvl="0"/>
             <a:r>
-              <a:rPr lang="en-US" smtClean="0"/>
+              <a:rPr lang="en-US"/>
               <a:t>Click to edit Master text styles</a:t>
             </a:r>
           </a:p>
@@ -1895,7 +1976,7 @@
           <a:p>
             <a:fld id="{51673806-0BCD-1F42-BAA8-2011034B3C6A}" type="datetimeFigureOut">
               <a:rPr lang="en-US" smtClean="0"/>
-              <a:t>5/7/21</a:t>
+              <a:t>5/17/21</a:t>
             </a:fld>
             <a:endParaRPr lang="en-US"/>
           </a:p>
@@ -2137,7 +2218,7 @@
           </a:lstStyle>
           <a:p>
             <a:r>
-              <a:rPr lang="en-US" smtClean="0"/>
+              <a:rPr lang="en-US"/>
               <a:t>Click to edit Master title style</a:t>
             </a:r>
             <a:endParaRPr lang="en-US" dirty="0"/>
@@ -2203,7 +2284,7 @@
           <a:p>
             <a:pPr lvl="0"/>
             <a:r>
-              <a:rPr lang="en-US" smtClean="0"/>
+              <a:rPr lang="en-US"/>
               <a:t>Click to edit Master text styles</a:t>
             </a:r>
           </a:p>
@@ -2226,7 +2307,7 @@
           <a:p>
             <a:fld id="{51673806-0BCD-1F42-BAA8-2011034B3C6A}" type="datetimeFigureOut">
               <a:rPr lang="en-US" smtClean="0"/>
-              <a:t>5/7/21</a:t>
+              <a:t>5/17/21</a:t>
             </a:fld>
             <a:endParaRPr lang="en-US"/>
           </a:p>
@@ -2468,7 +2549,7 @@
           </a:lstStyle>
           <a:p>
             <a:r>
-              <a:rPr lang="en-US" smtClean="0"/>
+              <a:rPr lang="en-US"/>
               <a:t>Click to edit Master title style</a:t>
             </a:r>
             <a:endParaRPr lang="en-US" dirty="0"/>
@@ -2536,7 +2617,7 @@
           <a:p>
             <a:pPr lvl="0"/>
             <a:r>
-              <a:rPr lang="en-US" smtClean="0"/>
+              <a:rPr lang="en-US"/>
               <a:t>Click to edit Master text styles</a:t>
             </a:r>
           </a:p>
@@ -2603,7 +2684,7 @@
           <a:p>
             <a:pPr lvl="0"/>
             <a:r>
-              <a:rPr lang="en-US" smtClean="0"/>
+              <a:rPr lang="en-US"/>
               <a:t>Click to edit Master text styles</a:t>
             </a:r>
           </a:p>
@@ -2626,7 +2707,7 @@
           <a:p>
             <a:fld id="{51673806-0BCD-1F42-BAA8-2011034B3C6A}" type="datetimeFigureOut">
               <a:rPr lang="en-US" smtClean="0"/>
-              <a:t>5/7/21</a:t>
+              <a:t>5/17/21</a:t>
             </a:fld>
             <a:endParaRPr lang="en-US"/>
           </a:p>
@@ -3100,7 +3181,7 @@
           </a:lstStyle>
           <a:p>
             <a:r>
-              <a:rPr lang="en-US" smtClean="0"/>
+              <a:rPr lang="en-US"/>
               <a:t>Click to edit Master title style</a:t>
             </a:r>
             <a:endParaRPr lang="en-US" dirty="0"/>
@@ -3166,7 +3247,7 @@
           <a:p>
             <a:pPr lvl="0"/>
             <a:r>
-              <a:rPr lang="en-US" smtClean="0"/>
+              <a:rPr lang="en-US"/>
               <a:t>Click to edit Master text styles</a:t>
             </a:r>
           </a:p>
@@ -3189,7 +3270,7 @@
           <a:p>
             <a:fld id="{51673806-0BCD-1F42-BAA8-2011034B3C6A}" type="datetimeFigureOut">
               <a:rPr lang="en-US" smtClean="0"/>
-              <a:t>5/7/21</a:t>
+              <a:t>5/17/21</a:t>
             </a:fld>
             <a:endParaRPr lang="en-US"/>
           </a:p>
@@ -3427,7 +3508,7 @@
           <a:lstStyle/>
           <a:p>
             <a:r>
-              <a:rPr lang="en-US" smtClean="0"/>
+              <a:rPr lang="en-US"/>
               <a:t>Click to edit Master title style</a:t>
             </a:r>
             <a:endParaRPr lang="en-US" dirty="0"/>
@@ -3499,7 +3580,7 @@
           <a:p>
             <a:pPr lvl="0"/>
             <a:r>
-              <a:rPr lang="en-US" smtClean="0"/>
+              <a:rPr lang="en-US"/>
               <a:t>Click to edit Master text styles</a:t>
             </a:r>
           </a:p>
@@ -3566,7 +3647,7 @@
           <a:p>
             <a:pPr lvl="0"/>
             <a:r>
-              <a:rPr lang="en-US" smtClean="0"/>
+              <a:rPr lang="en-US"/>
               <a:t>Click to edit Master text styles</a:t>
             </a:r>
           </a:p>
@@ -3637,7 +3718,7 @@
           <a:p>
             <a:pPr lvl="0"/>
             <a:r>
-              <a:rPr lang="en-US" smtClean="0"/>
+              <a:rPr lang="en-US"/>
               <a:t>Click to edit Master text styles</a:t>
             </a:r>
           </a:p>
@@ -3704,7 +3785,7 @@
           <a:p>
             <a:pPr lvl="0"/>
             <a:r>
-              <a:rPr lang="en-US" smtClean="0"/>
+              <a:rPr lang="en-US"/>
               <a:t>Click to edit Master text styles</a:t>
             </a:r>
           </a:p>
@@ -3775,7 +3856,7 @@
           <a:p>
             <a:pPr lvl="0"/>
             <a:r>
-              <a:rPr lang="en-US" smtClean="0"/>
+              <a:rPr lang="en-US"/>
               <a:t>Click to edit Master text styles</a:t>
             </a:r>
           </a:p>
@@ -3842,7 +3923,7 @@
           <a:p>
             <a:pPr lvl="0"/>
             <a:r>
-              <a:rPr lang="en-US" smtClean="0"/>
+              <a:rPr lang="en-US"/>
               <a:t>Click to edit Master text styles</a:t>
             </a:r>
           </a:p>
@@ -3865,7 +3946,7 @@
           <a:p>
             <a:fld id="{51673806-0BCD-1F42-BAA8-2011034B3C6A}" type="datetimeFigureOut">
               <a:rPr lang="en-US" smtClean="0"/>
-              <a:t>5/7/21</a:t>
+              <a:t>5/17/21</a:t>
             </a:fld>
             <a:endParaRPr lang="en-US"/>
           </a:p>
@@ -4098,7 +4179,7 @@
           <a:lstStyle/>
           <a:p>
             <a:r>
-              <a:rPr lang="en-US" smtClean="0"/>
+              <a:rPr lang="en-US"/>
               <a:t>Click to edit Master title style</a:t>
             </a:r>
             <a:endParaRPr lang="en-US" dirty="0"/>
@@ -4170,7 +4251,7 @@
           <a:p>
             <a:pPr lvl="0"/>
             <a:r>
-              <a:rPr lang="en-US" smtClean="0"/>
+              <a:rPr lang="en-US"/>
               <a:t>Click to edit Master text styles</a:t>
             </a:r>
           </a:p>
@@ -4248,7 +4329,7 @@
           </a:lstStyle>
           <a:p>
             <a:r>
-              <a:rPr lang="en-US" smtClean="0"/>
+              <a:rPr lang="en-US"/>
               <a:t>Drag picture to placeholder or click icon to add</a:t>
             </a:r>
             <a:endParaRPr lang="en-US" dirty="0"/>
@@ -4316,7 +4397,7 @@
           <a:p>
             <a:pPr lvl="0"/>
             <a:r>
-              <a:rPr lang="en-US" smtClean="0"/>
+              <a:rPr lang="en-US"/>
               <a:t>Click to edit Master text styles</a:t>
             </a:r>
           </a:p>
@@ -4387,7 +4468,7 @@
           <a:p>
             <a:pPr lvl="0"/>
             <a:r>
-              <a:rPr lang="en-US" smtClean="0"/>
+              <a:rPr lang="en-US"/>
               <a:t>Click to edit Master text styles</a:t>
             </a:r>
           </a:p>
@@ -4465,7 +4546,7 @@
           </a:lstStyle>
           <a:p>
             <a:r>
-              <a:rPr lang="en-US" smtClean="0"/>
+              <a:rPr lang="en-US"/>
               <a:t>Drag picture to placeholder or click icon to add</a:t>
             </a:r>
             <a:endParaRPr lang="en-US" dirty="0"/>
@@ -4533,7 +4614,7 @@
           <a:p>
             <a:pPr lvl="0"/>
             <a:r>
-              <a:rPr lang="en-US" smtClean="0"/>
+              <a:rPr lang="en-US"/>
               <a:t>Click to edit Master text styles</a:t>
             </a:r>
           </a:p>
@@ -4604,7 +4685,7 @@
           <a:p>
             <a:pPr lvl="0"/>
             <a:r>
-              <a:rPr lang="en-US" smtClean="0"/>
+              <a:rPr lang="en-US"/>
               <a:t>Click to edit Master text styles</a:t>
             </a:r>
           </a:p>
@@ -4682,7 +4763,7 @@
           </a:lstStyle>
           <a:p>
             <a:r>
-              <a:rPr lang="en-US" smtClean="0"/>
+              <a:rPr lang="en-US"/>
               <a:t>Drag picture to placeholder or click icon to add</a:t>
             </a:r>
             <a:endParaRPr lang="en-US" dirty="0"/>
@@ -4750,7 +4831,7 @@
           <a:p>
             <a:pPr lvl="0"/>
             <a:r>
-              <a:rPr lang="en-US" smtClean="0"/>
+              <a:rPr lang="en-US"/>
               <a:t>Click to edit Master text styles</a:t>
             </a:r>
           </a:p>
@@ -4773,7 +4854,7 @@
           <a:p>
             <a:fld id="{51673806-0BCD-1F42-BAA8-2011034B3C6A}" type="datetimeFigureOut">
               <a:rPr lang="en-US" smtClean="0"/>
-              <a:t>5/7/21</a:t>
+              <a:t>5/17/21</a:t>
             </a:fld>
             <a:endParaRPr lang="en-US"/>
           </a:p>
@@ -5005,7 +5086,7 @@
           </a:lstStyle>
           <a:p>
             <a:r>
-              <a:rPr lang="en-US" smtClean="0"/>
+              <a:rPr lang="en-US"/>
               <a:t>Click to edit Master title style</a:t>
             </a:r>
             <a:endParaRPr lang="en-US" dirty="0"/>
@@ -5029,35 +5110,35 @@
           <a:p>
             <a:pPr lvl="0"/>
             <a:r>
-              <a:rPr lang="en-US" smtClean="0"/>
+              <a:rPr lang="en-US"/>
               <a:t>Click to edit Master text styles</a:t>
             </a:r>
           </a:p>
           <a:p>
             <a:pPr lvl="1"/>
             <a:r>
-              <a:rPr lang="en-US" smtClean="0"/>
+              <a:rPr lang="en-US"/>
               <a:t>Second level</a:t>
             </a:r>
           </a:p>
           <a:p>
             <a:pPr lvl="2"/>
             <a:r>
-              <a:rPr lang="en-US" smtClean="0"/>
+              <a:rPr lang="en-US"/>
               <a:t>Third level</a:t>
             </a:r>
           </a:p>
           <a:p>
             <a:pPr lvl="3"/>
             <a:r>
-              <a:rPr lang="en-US" smtClean="0"/>
+              <a:rPr lang="en-US"/>
               <a:t>Fourth level</a:t>
             </a:r>
           </a:p>
           <a:p>
             <a:pPr lvl="4"/>
             <a:r>
-              <a:rPr lang="en-US" smtClean="0"/>
+              <a:rPr lang="en-US"/>
               <a:t>Fifth level</a:t>
             </a:r>
             <a:endParaRPr lang="en-US" dirty="0"/>
@@ -5081,7 +5162,7 @@
           <a:p>
             <a:fld id="{51673806-0BCD-1F42-BAA8-2011034B3C6A}" type="datetimeFigureOut">
               <a:rPr lang="en-US" smtClean="0"/>
-              <a:t>5/7/21</a:t>
+              <a:t>5/17/21</a:t>
             </a:fld>
             <a:endParaRPr lang="en-US"/>
           </a:p>
@@ -5254,7 +5335,7 @@
           <a:lstStyle/>
           <a:p>
             <a:r>
-              <a:rPr lang="en-US" smtClean="0"/>
+              <a:rPr lang="en-US"/>
               <a:t>Click to edit Master title style</a:t>
             </a:r>
             <a:endParaRPr lang="en-US" dirty="0"/>
@@ -5283,35 +5364,35 @@
           <a:p>
             <a:pPr lvl="0"/>
             <a:r>
-              <a:rPr lang="en-US" smtClean="0"/>
+              <a:rPr lang="en-US"/>
               <a:t>Click to edit Master text styles</a:t>
             </a:r>
           </a:p>
           <a:p>
             <a:pPr lvl="1"/>
             <a:r>
-              <a:rPr lang="en-US" smtClean="0"/>
+              <a:rPr lang="en-US"/>
               <a:t>Second level</a:t>
             </a:r>
           </a:p>
           <a:p>
             <a:pPr lvl="2"/>
             <a:r>
-              <a:rPr lang="en-US" smtClean="0"/>
+              <a:rPr lang="en-US"/>
               <a:t>Third level</a:t>
             </a:r>
           </a:p>
           <a:p>
             <a:pPr lvl="3"/>
             <a:r>
-              <a:rPr lang="en-US" smtClean="0"/>
+              <a:rPr lang="en-US"/>
               <a:t>Fourth level</a:t>
             </a:r>
           </a:p>
           <a:p>
             <a:pPr lvl="4"/>
             <a:r>
-              <a:rPr lang="en-US" smtClean="0"/>
+              <a:rPr lang="en-US"/>
               <a:t>Fifth level</a:t>
             </a:r>
             <a:endParaRPr lang="en-US" dirty="0"/>
@@ -5340,7 +5421,7 @@
           <a:p>
             <a:fld id="{51673806-0BCD-1F42-BAA8-2011034B3C6A}" type="datetimeFigureOut">
               <a:rPr lang="en-US" smtClean="0"/>
-              <a:t>5/7/21</a:t>
+              <a:t>5/17/21</a:t>
             </a:fld>
             <a:endParaRPr lang="en-US"/>
           </a:p>
@@ -5587,7 +5668,7 @@
           <a:lstStyle/>
           <a:p>
             <a:r>
-              <a:rPr lang="en-US" smtClean="0"/>
+              <a:rPr lang="en-US"/>
               <a:t>Click to edit Master title style</a:t>
             </a:r>
             <a:endParaRPr lang="en-US" dirty="0"/>
@@ -5611,35 +5692,35 @@
           <a:p>
             <a:pPr lvl="0"/>
             <a:r>
-              <a:rPr lang="en-US" smtClean="0"/>
+              <a:rPr lang="en-US"/>
               <a:t>Click to edit Master text styles</a:t>
             </a:r>
           </a:p>
           <a:p>
             <a:pPr lvl="1"/>
             <a:r>
-              <a:rPr lang="en-US" smtClean="0"/>
+              <a:rPr lang="en-US"/>
               <a:t>Second level</a:t>
             </a:r>
           </a:p>
           <a:p>
             <a:pPr lvl="2"/>
             <a:r>
-              <a:rPr lang="en-US" smtClean="0"/>
+              <a:rPr lang="en-US"/>
               <a:t>Third level</a:t>
             </a:r>
           </a:p>
           <a:p>
             <a:pPr lvl="3"/>
             <a:r>
-              <a:rPr lang="en-US" smtClean="0"/>
+              <a:rPr lang="en-US"/>
               <a:t>Fourth level</a:t>
             </a:r>
           </a:p>
           <a:p>
             <a:pPr lvl="4"/>
             <a:r>
-              <a:rPr lang="en-US" smtClean="0"/>
+              <a:rPr lang="en-US"/>
               <a:t>Fifth level</a:t>
             </a:r>
             <a:endParaRPr lang="en-US" dirty="0"/>
@@ -5663,7 +5744,7 @@
           <a:p>
             <a:fld id="{51673806-0BCD-1F42-BAA8-2011034B3C6A}" type="datetimeFigureOut">
               <a:rPr lang="en-US" smtClean="0"/>
-              <a:t>5/7/21</a:t>
+              <a:t>5/17/21</a:t>
             </a:fld>
             <a:endParaRPr lang="en-US"/>
           </a:p>
@@ -5902,7 +5983,7 @@
           </a:lstStyle>
           <a:p>
             <a:r>
-              <a:rPr lang="en-US" smtClean="0"/>
+              <a:rPr lang="en-US"/>
               <a:t>Click to edit Master title style</a:t>
             </a:r>
             <a:endParaRPr lang="en-US" dirty="0"/>
@@ -6024,7 +6105,7 @@
           <a:p>
             <a:pPr lvl="0"/>
             <a:r>
-              <a:rPr lang="en-US" smtClean="0"/>
+              <a:rPr lang="en-US"/>
               <a:t>Click to edit Master text styles</a:t>
             </a:r>
           </a:p>
@@ -6047,7 +6128,7 @@
           <a:p>
             <a:fld id="{51673806-0BCD-1F42-BAA8-2011034B3C6A}" type="datetimeFigureOut">
               <a:rPr lang="en-US" smtClean="0"/>
-              <a:t>5/7/21</a:t>
+              <a:t>5/17/21</a:t>
             </a:fld>
             <a:endParaRPr lang="en-US"/>
           </a:p>
@@ -6285,7 +6366,7 @@
           <a:lstStyle/>
           <a:p>
             <a:r>
-              <a:rPr lang="en-US" smtClean="0"/>
+              <a:rPr lang="en-US"/>
               <a:t>Click to edit Master title style</a:t>
             </a:r>
             <a:endParaRPr lang="en-US" dirty="0"/>
@@ -6314,35 +6395,35 @@
           <a:p>
             <a:pPr lvl="0"/>
             <a:r>
-              <a:rPr lang="en-US" smtClean="0"/>
+              <a:rPr lang="en-US"/>
               <a:t>Click to edit Master text styles</a:t>
             </a:r>
           </a:p>
           <a:p>
             <a:pPr lvl="1"/>
             <a:r>
-              <a:rPr lang="en-US" smtClean="0"/>
+              <a:rPr lang="en-US"/>
               <a:t>Second level</a:t>
             </a:r>
           </a:p>
           <a:p>
             <a:pPr lvl="2"/>
             <a:r>
-              <a:rPr lang="en-US" smtClean="0"/>
+              <a:rPr lang="en-US"/>
               <a:t>Third level</a:t>
             </a:r>
           </a:p>
           <a:p>
             <a:pPr lvl="3"/>
             <a:r>
-              <a:rPr lang="en-US" smtClean="0"/>
+              <a:rPr lang="en-US"/>
               <a:t>Fourth level</a:t>
             </a:r>
           </a:p>
           <a:p>
             <a:pPr lvl="4"/>
             <a:r>
-              <a:rPr lang="en-US" smtClean="0"/>
+              <a:rPr lang="en-US"/>
               <a:t>Fifth level</a:t>
             </a:r>
             <a:endParaRPr lang="en-US" dirty="0"/>
@@ -6371,35 +6452,35 @@
           <a:p>
             <a:pPr lvl="0"/>
             <a:r>
-              <a:rPr lang="en-US" smtClean="0"/>
+              <a:rPr lang="en-US"/>
               <a:t>Click to edit Master text styles</a:t>
             </a:r>
           </a:p>
           <a:p>
             <a:pPr lvl="1"/>
             <a:r>
-              <a:rPr lang="en-US" smtClean="0"/>
+              <a:rPr lang="en-US"/>
               <a:t>Second level</a:t>
             </a:r>
           </a:p>
           <a:p>
             <a:pPr lvl="2"/>
             <a:r>
-              <a:rPr lang="en-US" smtClean="0"/>
+              <a:rPr lang="en-US"/>
               <a:t>Third level</a:t>
             </a:r>
           </a:p>
           <a:p>
             <a:pPr lvl="3"/>
             <a:r>
-              <a:rPr lang="en-US" smtClean="0"/>
+              <a:rPr lang="en-US"/>
               <a:t>Fourth level</a:t>
             </a:r>
           </a:p>
           <a:p>
             <a:pPr lvl="4"/>
             <a:r>
-              <a:rPr lang="en-US" smtClean="0"/>
+              <a:rPr lang="en-US"/>
               <a:t>Fifth level</a:t>
             </a:r>
             <a:endParaRPr lang="en-US" dirty="0"/>
@@ -6423,7 +6504,7 @@
           <a:p>
             <a:fld id="{51673806-0BCD-1F42-BAA8-2011034B3C6A}" type="datetimeFigureOut">
               <a:rPr lang="en-US" smtClean="0"/>
-              <a:t>5/7/21</a:t>
+              <a:t>5/17/21</a:t>
             </a:fld>
             <a:endParaRPr lang="en-US"/>
           </a:p>
@@ -6661,7 +6742,7 @@
           <a:lstStyle/>
           <a:p>
             <a:r>
-              <a:rPr lang="en-US" smtClean="0"/>
+              <a:rPr lang="en-US"/>
               <a:t>Click to edit Master title style</a:t>
             </a:r>
             <a:endParaRPr lang="en-US" dirty="0"/>
@@ -6727,7 +6808,7 @@
           <a:p>
             <a:pPr lvl="0"/>
             <a:r>
-              <a:rPr lang="en-US" smtClean="0"/>
+              <a:rPr lang="en-US"/>
               <a:t>Click to edit Master text styles</a:t>
             </a:r>
           </a:p>
@@ -6755,35 +6836,35 @@
           <a:p>
             <a:pPr lvl="0"/>
             <a:r>
-              <a:rPr lang="en-US" smtClean="0"/>
+              <a:rPr lang="en-US"/>
               <a:t>Click to edit Master text styles</a:t>
             </a:r>
           </a:p>
           <a:p>
             <a:pPr lvl="1"/>
             <a:r>
-              <a:rPr lang="en-US" smtClean="0"/>
+              <a:rPr lang="en-US"/>
               <a:t>Second level</a:t>
             </a:r>
           </a:p>
           <a:p>
             <a:pPr lvl="2"/>
             <a:r>
-              <a:rPr lang="en-US" smtClean="0"/>
+              <a:rPr lang="en-US"/>
               <a:t>Third level</a:t>
             </a:r>
           </a:p>
           <a:p>
             <a:pPr lvl="3"/>
             <a:r>
-              <a:rPr lang="en-US" smtClean="0"/>
+              <a:rPr lang="en-US"/>
               <a:t>Fourth level</a:t>
             </a:r>
           </a:p>
           <a:p>
             <a:pPr lvl="4"/>
             <a:r>
-              <a:rPr lang="en-US" smtClean="0"/>
+              <a:rPr lang="en-US"/>
               <a:t>Fifth level</a:t>
             </a:r>
             <a:endParaRPr lang="en-US" dirty="0"/>
@@ -6849,7 +6930,7 @@
           <a:p>
             <a:pPr lvl="0"/>
             <a:r>
-              <a:rPr lang="en-US" smtClean="0"/>
+              <a:rPr lang="en-US"/>
               <a:t>Click to edit Master text styles</a:t>
             </a:r>
           </a:p>
@@ -6877,35 +6958,35 @@
           <a:p>
             <a:pPr lvl="0"/>
             <a:r>
-              <a:rPr lang="en-US" smtClean="0"/>
+              <a:rPr lang="en-US"/>
               <a:t>Click to edit Master text styles</a:t>
             </a:r>
           </a:p>
           <a:p>
             <a:pPr lvl="1"/>
             <a:r>
-              <a:rPr lang="en-US" smtClean="0"/>
+              <a:rPr lang="en-US"/>
               <a:t>Second level</a:t>
             </a:r>
           </a:p>
           <a:p>
             <a:pPr lvl="2"/>
             <a:r>
-              <a:rPr lang="en-US" smtClean="0"/>
+              <a:rPr lang="en-US"/>
               <a:t>Third level</a:t>
             </a:r>
           </a:p>
           <a:p>
             <a:pPr lvl="3"/>
             <a:r>
-              <a:rPr lang="en-US" smtClean="0"/>
+              <a:rPr lang="en-US"/>
               <a:t>Fourth level</a:t>
             </a:r>
           </a:p>
           <a:p>
             <a:pPr lvl="4"/>
             <a:r>
-              <a:rPr lang="en-US" smtClean="0"/>
+              <a:rPr lang="en-US"/>
               <a:t>Fifth level</a:t>
             </a:r>
             <a:endParaRPr lang="en-US" dirty="0"/>
@@ -6929,7 +7010,7 @@
           <a:p>
             <a:fld id="{51673806-0BCD-1F42-BAA8-2011034B3C6A}" type="datetimeFigureOut">
               <a:rPr lang="en-US" smtClean="0"/>
-              <a:t>5/7/21</a:t>
+              <a:t>5/17/21</a:t>
             </a:fld>
             <a:endParaRPr lang="en-US"/>
           </a:p>
@@ -7162,7 +7243,7 @@
           <a:lstStyle/>
           <a:p>
             <a:r>
-              <a:rPr lang="en-US" smtClean="0"/>
+              <a:rPr lang="en-US"/>
               <a:t>Click to edit Master title style</a:t>
             </a:r>
             <a:endParaRPr lang="en-US" dirty="0"/>
@@ -7186,7 +7267,7 @@
           <a:p>
             <a:fld id="{51673806-0BCD-1F42-BAA8-2011034B3C6A}" type="datetimeFigureOut">
               <a:rPr lang="en-US" smtClean="0"/>
-              <a:t>5/7/21</a:t>
+              <a:t>5/17/21</a:t>
             </a:fld>
             <a:endParaRPr lang="en-US"/>
           </a:p>
@@ -7344,7 +7425,7 @@
           <a:p>
             <a:fld id="{51673806-0BCD-1F42-BAA8-2011034B3C6A}" type="datetimeFigureOut">
               <a:rPr lang="en-US" smtClean="0"/>
-              <a:t>5/7/21</a:t>
+              <a:t>5/17/21</a:t>
             </a:fld>
             <a:endParaRPr lang="en-US"/>
           </a:p>
@@ -7588,7 +7669,7 @@
           </a:lstStyle>
           <a:p>
             <a:r>
-              <a:rPr lang="en-US" smtClean="0"/>
+              <a:rPr lang="en-US"/>
               <a:t>Click to edit Master title style</a:t>
             </a:r>
             <a:endParaRPr lang="en-US" dirty="0"/>
@@ -7617,35 +7698,35 @@
           <a:p>
             <a:pPr lvl="0"/>
             <a:r>
-              <a:rPr lang="en-US" smtClean="0"/>
+              <a:rPr lang="en-US"/>
               <a:t>Click to edit Master text styles</a:t>
             </a:r>
           </a:p>
           <a:p>
             <a:pPr lvl="1"/>
             <a:r>
-              <a:rPr lang="en-US" smtClean="0"/>
+              <a:rPr lang="en-US"/>
               <a:t>Second level</a:t>
             </a:r>
           </a:p>
           <a:p>
             <a:pPr lvl="2"/>
             <a:r>
-              <a:rPr lang="en-US" smtClean="0"/>
+              <a:rPr lang="en-US"/>
               <a:t>Third level</a:t>
             </a:r>
           </a:p>
           <a:p>
             <a:pPr lvl="3"/>
             <a:r>
-              <a:rPr lang="en-US" smtClean="0"/>
+              <a:rPr lang="en-US"/>
               <a:t>Fourth level</a:t>
             </a:r>
           </a:p>
           <a:p>
             <a:pPr lvl="4"/>
             <a:r>
-              <a:rPr lang="en-US" smtClean="0"/>
+              <a:rPr lang="en-US"/>
               <a:t>Fifth level</a:t>
             </a:r>
             <a:endParaRPr lang="en-US" dirty="0"/>
@@ -7711,7 +7792,7 @@
           <a:p>
             <a:pPr lvl="0"/>
             <a:r>
-              <a:rPr lang="en-US" smtClean="0"/>
+              <a:rPr lang="en-US"/>
               <a:t>Click to edit Master text styles</a:t>
             </a:r>
           </a:p>
@@ -7734,7 +7815,7 @@
           <a:p>
             <a:fld id="{51673806-0BCD-1F42-BAA8-2011034B3C6A}" type="datetimeFigureOut">
               <a:rPr lang="en-US" smtClean="0"/>
-              <a:t>5/7/21</a:t>
+              <a:t>5/17/21</a:t>
             </a:fld>
             <a:endParaRPr lang="en-US"/>
           </a:p>
@@ -7978,7 +8059,7 @@
           </a:lstStyle>
           <a:p>
             <a:r>
-              <a:rPr lang="en-US" smtClean="0"/>
+              <a:rPr lang="en-US"/>
               <a:t>Click to edit Master title style</a:t>
             </a:r>
             <a:endParaRPr lang="en-US" dirty="0"/>
@@ -8054,7 +8135,7 @@
           </a:lstStyle>
           <a:p>
             <a:r>
-              <a:rPr lang="en-US" smtClean="0"/>
+              <a:rPr lang="en-US"/>
               <a:t>Drag picture to placeholder or click icon to add</a:t>
             </a:r>
             <a:endParaRPr lang="en-US" dirty="0"/>
@@ -8120,7 +8201,7 @@
           <a:p>
             <a:pPr lvl="0"/>
             <a:r>
-              <a:rPr lang="en-US" smtClean="0"/>
+              <a:rPr lang="en-US"/>
               <a:t>Click to edit Master text styles</a:t>
             </a:r>
           </a:p>
@@ -8143,7 +8224,7 @@
           <a:p>
             <a:fld id="{51673806-0BCD-1F42-BAA8-2011034B3C6A}" type="datetimeFigureOut">
               <a:rPr lang="en-US" smtClean="0"/>
-              <a:t>5/7/21</a:t>
+              <a:t>5/17/21</a:t>
             </a:fld>
             <a:endParaRPr lang="en-US"/>
           </a:p>
@@ -8165,7 +8246,7 @@
           <a:lstStyle/>
           <a:p>
             <a:r>
-              <a:rPr lang="en-US" smtClean="0"/>
+              <a:rPr lang="en-US"/>
               <a:t>
               </a:t>
             </a:r>
@@ -8283,10 +8364,9 @@
           <a:lstStyle/>
           <a:p>
             <a:r>
-              <a:rPr lang="en-US" dirty="0" smtClean="0"/>
+              <a:rPr lang="en-US" dirty="0"/>
               <a:t>Click to edit Master title style</a:t>
             </a:r>
-            <a:endParaRPr lang="en-US" dirty="0"/>
           </a:p>
         </p:txBody>
       </p:sp>
@@ -8317,38 +8397,37 @@
           <a:p>
             <a:pPr lvl="0"/>
             <a:r>
-              <a:rPr lang="en-US" dirty="0" smtClean="0"/>
+              <a:rPr lang="en-US" dirty="0"/>
               <a:t>Click to edit Master text styles</a:t>
             </a:r>
           </a:p>
           <a:p>
             <a:pPr lvl="1"/>
             <a:r>
-              <a:rPr lang="en-US" dirty="0" smtClean="0"/>
+              <a:rPr lang="en-US" dirty="0"/>
               <a:t>Second level</a:t>
             </a:r>
           </a:p>
           <a:p>
             <a:pPr lvl="2"/>
             <a:r>
-              <a:rPr lang="en-US" dirty="0" smtClean="0"/>
+              <a:rPr lang="en-US" dirty="0"/>
               <a:t>Third level</a:t>
             </a:r>
           </a:p>
           <a:p>
             <a:pPr lvl="3"/>
             <a:r>
-              <a:rPr lang="en-US" dirty="0" smtClean="0"/>
+              <a:rPr lang="en-US" dirty="0"/>
               <a:t>Fourth level</a:t>
             </a:r>
           </a:p>
           <a:p>
             <a:pPr lvl="4"/>
             <a:r>
-              <a:rPr lang="en-US" dirty="0" smtClean="0"/>
+              <a:rPr lang="en-US" dirty="0"/>
               <a:t>Fifth level</a:t>
             </a:r>
-            <a:endParaRPr lang="en-US" dirty="0"/>
           </a:p>
         </p:txBody>
       </p:sp>
@@ -8391,7 +8470,7 @@
             <a:fld id="{51673806-0BCD-1F42-BAA8-2011034B3C6A}" type="datetimeFigureOut">
               <a:rPr lang="en-US" smtClean="0"/>
               <a:pPr/>
-              <a:t>5/7/21</a:t>
+              <a:t>5/17/21</a:t>
             </a:fld>
             <a:endParaRPr lang="en-US" dirty="0"/>
           </a:p>
@@ -8830,10 +8909,9 @@
           <a:lstStyle/>
           <a:p>
             <a:r>
-              <a:rPr lang="en-US" dirty="0" smtClean="0"/>
+              <a:rPr lang="en-US" dirty="0"/>
               <a:t>Classes</a:t>
             </a:r>
-            <a:endParaRPr lang="en-US" dirty="0"/>
           </a:p>
         </p:txBody>
       </p:sp>
@@ -8856,11 +8934,7 @@
           <a:p>
             <a:r>
               <a:rPr lang="en-US"/>
-              <a:t>SURP </a:t>
-            </a:r>
-            <a:r>
-              <a:rPr lang="en-US" smtClean="0"/>
-              <a:t>2021 </a:t>
+              <a:t>SURP 2021 </a:t>
             </a:r>
             <a:r>
               <a:rPr lang="en-US" dirty="0"/>
@@ -8876,13 +8950,8 @@
           <a:p>
             <a:r>
               <a:rPr lang="en-US" dirty="0"/>
-              <a:t>Slides by: James W. </a:t>
-            </a:r>
-            <a:r>
-              <a:rPr lang="en-US" dirty="0" smtClean="0"/>
-              <a:t>Johnson</a:t>
-            </a:r>
-            <a:endParaRPr lang="en-US" dirty="0"/>
+              <a:t>Slides by: James W. Johnson</a:t>
+            </a:r>
           </a:p>
         </p:txBody>
       </p:sp>
@@ -8896,13 +8965,6 @@
   <p:clrMapOvr>
     <a:masterClrMapping/>
   </p:clrMapOvr>
-  <p:timing>
-    <p:tnLst>
-      <p:par>
-        <p:cTn id="1" dur="indefinite" restart="never" nodeType="tmRoot"/>
-      </p:par>
-    </p:tnLst>
-  </p:timing>
 </p:sld>
 </file>
 
@@ -8939,10 +9001,9 @@
           <a:lstStyle/>
           <a:p>
             <a:r>
-              <a:rPr lang="en-US" dirty="0" smtClean="0"/>
+              <a:rPr lang="en-US" dirty="0"/>
               <a:t>Dogs in Python </a:t>
             </a:r>
-            <a:endParaRPr lang="en-US" dirty="0"/>
           </a:p>
         </p:txBody>
       </p:sp>
@@ -8986,15 +9047,15 @@
               <a:defRPr/>
             </a:pPr>
             <a:r>
-              <a:rPr lang="en-US" dirty="0" smtClean="0"/>
+              <a:rPr lang="en-US" dirty="0"/>
               <a:t>Classes can have functions too. The syntax is the same as any other </a:t>
             </a:r>
             <a:r>
-              <a:rPr lang="en-US" i="1" dirty="0" err="1" smtClean="0"/>
+              <a:rPr lang="en-US" i="1" dirty="0" err="1"/>
               <a:t>def</a:t>
             </a:r>
             <a:r>
-              <a:rPr lang="en-US" dirty="0" smtClean="0"/>
+              <a:rPr lang="en-US" dirty="0"/>
               <a:t> statement, except it occurs within the class and is thus indented </a:t>
             </a:r>
           </a:p>
@@ -9037,18 +9098,17 @@
               <a:defRPr/>
             </a:pPr>
             <a:r>
-              <a:rPr lang="en-US" dirty="0" smtClean="0"/>
+              <a:rPr lang="en-US" dirty="0"/>
               <a:t>These functions can have any number of subroutines, just like other functions, and can access properties and other functions via </a:t>
             </a:r>
             <a:r>
-              <a:rPr lang="en-US" i="1" dirty="0" smtClean="0"/>
+              <a:rPr lang="en-US" i="1" dirty="0"/>
               <a:t>self</a:t>
             </a:r>
             <a:r>
               <a:rPr lang="en-US" dirty="0"/>
               <a:t> </a:t>
             </a:r>
-            <a:endParaRPr lang="en-US" dirty="0" smtClean="0"/>
           </a:p>
           <a:p>
             <a:pPr marL="0" marR="0" lvl="0" indent="0" defTabSz="914400" eaLnBrk="1" fontAlgn="auto" latinLnBrk="0" hangingPunct="1">
@@ -9088,7 +9148,7 @@
               <a:tabLst/>
               <a:defRPr/>
             </a:pPr>
-            <a:endParaRPr lang="en-US" dirty="0" smtClean="0"/>
+            <a:endParaRPr lang="en-US" dirty="0"/>
           </a:p>
           <a:p>
             <a:pPr marL="0" marR="0" lvl="0" indent="0" defTabSz="914400" eaLnBrk="1" fontAlgn="auto" latinLnBrk="0" hangingPunct="1">
@@ -9128,7 +9188,7 @@
               <a:tabLst/>
               <a:defRPr/>
             </a:pPr>
-            <a:endParaRPr lang="en-US" dirty="0" smtClean="0"/>
+            <a:endParaRPr lang="en-US" dirty="0"/>
           </a:p>
           <a:p>
             <a:pPr marL="0" marR="0" lvl="0" indent="0" defTabSz="914400" eaLnBrk="1" fontAlgn="auto" latinLnBrk="0" hangingPunct="1">
@@ -9149,34 +9209,33 @@
               <a:defRPr/>
             </a:pPr>
             <a:r>
-              <a:rPr lang="en-US" dirty="0" smtClean="0"/>
+              <a:rPr lang="en-US" dirty="0"/>
               <a:t>Note: </a:t>
             </a:r>
             <a:r>
-              <a:rPr lang="en-US" i="1" dirty="0" smtClean="0"/>
+              <a:rPr lang="en-US" i="1" dirty="0"/>
               <a:t>self</a:t>
             </a:r>
             <a:r>
-              <a:rPr lang="en-US" dirty="0" smtClean="0"/>
+              <a:rPr lang="en-US" dirty="0"/>
               <a:t> is not a python keyword. It is standard convention to use </a:t>
             </a:r>
             <a:r>
-              <a:rPr lang="en-US" i="1" dirty="0" smtClean="0"/>
+              <a:rPr lang="en-US" i="1" dirty="0"/>
               <a:t>self</a:t>
             </a:r>
             <a:r>
-              <a:rPr lang="en-US" dirty="0" smtClean="0"/>
+              <a:rPr lang="en-US" dirty="0"/>
               <a:t> to refer to the instance of the class (i.e. the object), but it </a:t>
             </a:r>
             <a:r>
-              <a:rPr lang="en-US" i="1" dirty="0" smtClean="0"/>
+              <a:rPr lang="en-US" i="1" dirty="0"/>
               <a:t>must</a:t>
             </a:r>
             <a:r>
-              <a:rPr lang="en-US" dirty="0" smtClean="0"/>
+              <a:rPr lang="en-US" dirty="0"/>
               <a:t> be the first argument. </a:t>
             </a:r>
-            <a:endParaRPr lang="en-US" dirty="0"/>
           </a:p>
         </p:txBody>
       </p:sp>
@@ -9286,10 +9345,9 @@
           <a:lstStyle/>
           <a:p>
             <a:r>
-              <a:rPr lang="en-US" dirty="0" smtClean="0"/>
+              <a:rPr lang="en-US" dirty="0"/>
               <a:t>Static Methods </a:t>
             </a:r>
-            <a:endParaRPr lang="en-US" dirty="0"/>
           </a:p>
         </p:txBody>
       </p:sp>
@@ -9333,7 +9391,7 @@
               <a:defRPr/>
             </a:pPr>
             <a:r>
-              <a:rPr lang="en-US" dirty="0" smtClean="0"/>
+              <a:rPr lang="en-US" dirty="0"/>
               <a:t>Functions which are bound to the class and not the object of the class </a:t>
             </a:r>
           </a:p>
@@ -9355,7 +9413,7 @@
               <a:tabLst/>
               <a:defRPr/>
             </a:pPr>
-            <a:endParaRPr lang="en-US" dirty="0" smtClean="0"/>
+            <a:endParaRPr lang="en-US" dirty="0"/>
           </a:p>
           <a:p>
             <a:pPr marL="0" marR="0" lvl="0" indent="0" defTabSz="914400" eaLnBrk="1" fontAlgn="auto" latinLnBrk="0" hangingPunct="1">
@@ -9396,7 +9454,7 @@
               <a:defRPr/>
             </a:pPr>
             <a:r>
-              <a:rPr lang="en-US" dirty="0" smtClean="0"/>
+              <a:rPr lang="en-US" dirty="0"/>
               <a:t>Can’t access or modify the class</a:t>
             </a:r>
           </a:p>
@@ -9418,7 +9476,7 @@
               <a:tabLst/>
               <a:defRPr/>
             </a:pPr>
-            <a:endParaRPr lang="en-US" dirty="0" smtClean="0"/>
+            <a:endParaRPr lang="en-US" dirty="0"/>
           </a:p>
           <a:p>
             <a:pPr marL="0" marR="0" lvl="0" indent="0" defTabSz="914400" eaLnBrk="1" fontAlgn="auto" latinLnBrk="0" hangingPunct="1">
@@ -9459,7 +9517,7 @@
               <a:defRPr/>
             </a:pPr>
             <a:r>
-              <a:rPr lang="en-US" dirty="0" smtClean="0"/>
+              <a:rPr lang="en-US" dirty="0"/>
               <a:t>Implemented as part of a class because it makes sense to do so </a:t>
             </a:r>
           </a:p>
@@ -9481,7 +9539,7 @@
               <a:tabLst/>
               <a:defRPr/>
             </a:pPr>
-            <a:endParaRPr lang="en-US" dirty="0" smtClean="0"/>
+            <a:endParaRPr lang="en-US" dirty="0"/>
           </a:p>
           <a:p>
             <a:pPr marL="0" marR="0" lvl="0" indent="0" defTabSz="914400" eaLnBrk="1" fontAlgn="auto" latinLnBrk="0" hangingPunct="1">
@@ -9522,22 +9580,21 @@
               <a:defRPr/>
             </a:pPr>
             <a:r>
-              <a:rPr lang="en-US" dirty="0" smtClean="0"/>
+              <a:rPr lang="en-US" dirty="0"/>
               <a:t>Created with the </a:t>
             </a:r>
             <a:r>
-              <a:rPr lang="en-US" i="1" dirty="0" smtClean="0"/>
+              <a:rPr lang="en-US" i="1" dirty="0"/>
               <a:t>@</a:t>
             </a:r>
             <a:r>
-              <a:rPr lang="en-US" i="1" dirty="0" err="1" smtClean="0"/>
+              <a:rPr lang="en-US" i="1" dirty="0" err="1"/>
               <a:t>staticmethod</a:t>
             </a:r>
             <a:r>
-              <a:rPr lang="en-US" dirty="0" smtClean="0"/>
+              <a:rPr lang="en-US" dirty="0"/>
               <a:t> decorator </a:t>
             </a:r>
-            <a:endParaRPr lang="en-US" dirty="0"/>
           </a:p>
         </p:txBody>
       </p:sp>
@@ -9587,10 +9644,9 @@
           <a:lstStyle/>
           <a:p>
             <a:r>
-              <a:rPr lang="en-US" dirty="0" smtClean="0"/>
+              <a:rPr lang="en-US" dirty="0"/>
               <a:t>Dogs in Python </a:t>
             </a:r>
-            <a:endParaRPr lang="en-US" dirty="0"/>
           </a:p>
         </p:txBody>
       </p:sp>
@@ -9632,19 +9688,19 @@
               <a:defRPr/>
             </a:pPr>
             <a:r>
-              <a:rPr lang="en-US" dirty="0" smtClean="0"/>
+              <a:rPr lang="en-US" dirty="0"/>
               <a:t>An example static method: </a:t>
             </a:r>
             <a:r>
-              <a:rPr lang="en-US" i="1" dirty="0" err="1" smtClean="0"/>
+              <a:rPr lang="en-US" i="1" dirty="0" err="1"/>
               <a:t>is_puppy</a:t>
             </a:r>
             <a:r>
-              <a:rPr lang="en-US" i="1" dirty="0" smtClean="0"/>
+              <a:rPr lang="en-US" i="1" dirty="0"/>
               <a:t> </a:t>
             </a:r>
             <a:r>
-              <a:rPr lang="en-US" dirty="0" smtClean="0"/>
+              <a:rPr lang="en-US" dirty="0"/>
               <a:t>to determine if a dog is a puppy or not. </a:t>
             </a:r>
           </a:p>
@@ -9687,18 +9743,17 @@
               <a:defRPr/>
             </a:pPr>
             <a:r>
-              <a:rPr lang="en-US" dirty="0" smtClean="0"/>
+              <a:rPr lang="en-US" dirty="0"/>
               <a:t>Do not take </a:t>
             </a:r>
             <a:r>
-              <a:rPr lang="en-US" i="1" dirty="0" smtClean="0"/>
+              <a:rPr lang="en-US" i="1" dirty="0"/>
               <a:t>self</a:t>
             </a:r>
             <a:r>
-              <a:rPr lang="en-US" dirty="0" smtClean="0"/>
+              <a:rPr lang="en-US" dirty="0"/>
               <a:t> as an argument, and are called with the name of the class </a:t>
             </a:r>
-            <a:endParaRPr lang="en-US" dirty="0"/>
           </a:p>
         </p:txBody>
       </p:sp>
@@ -9808,10 +9863,9 @@
           <a:lstStyle/>
           <a:p>
             <a:r>
-              <a:rPr lang="en-US" dirty="0" smtClean="0"/>
+              <a:rPr lang="en-US" dirty="0"/>
               <a:t>Class Methods </a:t>
             </a:r>
-            <a:endParaRPr lang="en-US" dirty="0"/>
           </a:p>
         </p:txBody>
       </p:sp>
@@ -9853,7 +9907,7 @@
               <a:defRPr/>
             </a:pPr>
             <a:r>
-              <a:rPr lang="en-US" dirty="0" smtClean="0"/>
+              <a:rPr lang="en-US" dirty="0"/>
               <a:t>Like static methods, are bound to the class rather than objects of the class </a:t>
             </a:r>
           </a:p>
@@ -9875,7 +9929,7 @@
               <a:tabLst/>
               <a:defRPr/>
             </a:pPr>
-            <a:endParaRPr lang="en-US" dirty="0" smtClean="0"/>
+            <a:endParaRPr lang="en-US" dirty="0"/>
           </a:p>
           <a:p>
             <a:pPr marL="0" marR="0" lvl="0" indent="0" defTabSz="914400" eaLnBrk="1" fontAlgn="auto" latinLnBrk="0" hangingPunct="1">
@@ -9916,7 +9970,7 @@
               <a:defRPr/>
             </a:pPr>
             <a:r>
-              <a:rPr lang="en-US" dirty="0" smtClean="0"/>
+              <a:rPr lang="en-US" dirty="0"/>
               <a:t>Can access and modify class state, unlike static methods </a:t>
             </a:r>
           </a:p>
@@ -9958,7 +10012,7 @@
               <a:tabLst/>
               <a:defRPr/>
             </a:pPr>
-            <a:endParaRPr lang="en-US" dirty="0" smtClean="0"/>
+            <a:endParaRPr lang="en-US" dirty="0"/>
           </a:p>
           <a:p>
             <a:pPr marL="0" marR="0" lvl="0" indent="0" defTabSz="914400" eaLnBrk="1" fontAlgn="auto" latinLnBrk="0" hangingPunct="1">
@@ -9979,7 +10033,7 @@
               <a:defRPr/>
             </a:pPr>
             <a:r>
-              <a:rPr lang="en-US" dirty="0" smtClean="0"/>
+              <a:rPr lang="en-US" dirty="0"/>
               <a:t>Return an instance of the class (i.e. an object) </a:t>
             </a:r>
           </a:p>
@@ -10021,7 +10075,7 @@
               <a:tabLst/>
               <a:defRPr/>
             </a:pPr>
-            <a:endParaRPr lang="en-US" dirty="0" smtClean="0"/>
+            <a:endParaRPr lang="en-US" dirty="0"/>
           </a:p>
           <a:p>
             <a:pPr marL="0" marR="0" lvl="0" indent="0" defTabSz="914400" eaLnBrk="1" fontAlgn="auto" latinLnBrk="0" hangingPunct="1">
@@ -10042,18 +10096,17 @@
               <a:defRPr/>
             </a:pPr>
             <a:r>
-              <a:rPr lang="en-US" dirty="0" smtClean="0"/>
+              <a:rPr lang="en-US" dirty="0"/>
               <a:t>Created with the @</a:t>
             </a:r>
             <a:r>
-              <a:rPr lang="en-US" dirty="0" err="1" smtClean="0"/>
+              <a:rPr lang="en-US" dirty="0" err="1"/>
               <a:t>classmethod</a:t>
             </a:r>
             <a:r>
-              <a:rPr lang="en-US" dirty="0" smtClean="0"/>
+              <a:rPr lang="en-US" dirty="0"/>
               <a:t> decorator </a:t>
             </a:r>
-            <a:endParaRPr lang="en-US" dirty="0"/>
           </a:p>
         </p:txBody>
       </p:sp>
@@ -10103,10 +10156,9 @@
           <a:lstStyle/>
           <a:p>
             <a:r>
-              <a:rPr lang="en-US" dirty="0" smtClean="0"/>
+              <a:rPr lang="en-US" dirty="0"/>
               <a:t>Dogs in Python </a:t>
             </a:r>
-            <a:endParaRPr lang="en-US" dirty="0"/>
           </a:p>
         </p:txBody>
       </p:sp>
@@ -10148,7 +10200,7 @@
               <a:defRPr/>
             </a:pPr>
             <a:r>
-              <a:rPr lang="en-US" dirty="0" smtClean="0"/>
+              <a:rPr lang="en-US" dirty="0"/>
               <a:t>An example class method: create Snoopy </a:t>
             </a:r>
           </a:p>
@@ -10191,18 +10243,17 @@
               <a:defRPr/>
             </a:pPr>
             <a:r>
-              <a:rPr lang="en-US" dirty="0" smtClean="0"/>
+              <a:rPr lang="en-US" dirty="0"/>
               <a:t>They take the class as the first argument (</a:t>
             </a:r>
             <a:r>
-              <a:rPr lang="en-US" dirty="0" err="1" smtClean="0"/>
+              <a:rPr lang="en-US" dirty="0" err="1"/>
               <a:t>cls</a:t>
             </a:r>
             <a:r>
-              <a:rPr lang="en-US" dirty="0" smtClean="0"/>
+              <a:rPr lang="en-US" dirty="0"/>
               <a:t>)</a:t>
             </a:r>
-            <a:endParaRPr lang="en-US" dirty="0"/>
           </a:p>
         </p:txBody>
       </p:sp>
@@ -10312,10 +10363,9 @@
           <a:lstStyle/>
           <a:p>
             <a:r>
-              <a:rPr lang="en-US" dirty="0" smtClean="0"/>
+              <a:rPr lang="en-US" dirty="0"/>
               <a:t>Syntactic Sugar </a:t>
             </a:r>
-            <a:endParaRPr lang="en-US" dirty="0"/>
           </a:p>
         </p:txBody>
       </p:sp>
@@ -10352,7 +10402,7 @@
               <a:defRPr/>
             </a:pPr>
             <a:r>
-              <a:rPr lang="en-US" dirty="0" smtClean="0"/>
+              <a:rPr lang="en-US" dirty="0"/>
               <a:t>A line of code which is interpreted the same as another, but is more readable </a:t>
             </a:r>
           </a:p>
@@ -10394,7 +10444,7 @@
               <a:tabLst/>
               <a:defRPr/>
             </a:pPr>
-            <a:endParaRPr lang="en-US" dirty="0" smtClean="0"/>
+            <a:endParaRPr lang="en-US" dirty="0"/>
           </a:p>
           <a:p>
             <a:pPr marL="0" indent="0">
@@ -10421,7 +10471,7 @@
               </a:spcBef>
               <a:buNone/>
             </a:pPr>
-            <a:endParaRPr lang="en-US" dirty="0" smtClean="0"/>
+            <a:endParaRPr lang="en-US" dirty="0"/>
           </a:p>
           <a:p>
             <a:pPr marL="0" indent="0">
@@ -10446,10 +10496,9 @@
               <a:buNone/>
             </a:pPr>
             <a:r>
-              <a:rPr lang="en-US" dirty="0" smtClean="0"/>
-              <a:t>To make use of syntactic sugar, you as the programmer write functions with specific names often referred to as “magic methods” </a:t>
-            </a:r>
-            <a:endParaRPr lang="en-US" dirty="0"/>
+              <a:rPr lang="en-US" dirty="0"/>
+              <a:t>To implement syntactic sugar, you as the programmer write functions with specific names often referred to as “magic methods” </a:t>
+            </a:r>
           </a:p>
         </p:txBody>
       </p:sp>
@@ -10499,10 +10548,9 @@
           <a:lstStyle/>
           <a:p>
             <a:r>
-              <a:rPr lang="en-US" dirty="0" smtClean="0"/>
+              <a:rPr lang="en-US" dirty="0"/>
               <a:t>Syntactic Sugar </a:t>
             </a:r>
-            <a:endParaRPr lang="en-US" dirty="0"/>
           </a:p>
         </p:txBody>
       </p:sp>
@@ -10546,7 +10594,7 @@
               <a:defRPr/>
             </a:pPr>
             <a:r>
-              <a:rPr lang="en-US" dirty="0" smtClean="0"/>
+              <a:rPr lang="en-US" dirty="0"/>
               <a:t>Can be used to emulate array-like indexing, item assignment, calling, and more </a:t>
             </a:r>
           </a:p>
@@ -10588,7 +10636,7 @@
               <a:tabLst/>
               <a:defRPr/>
             </a:pPr>
-            <a:endParaRPr lang="en-US" dirty="0" smtClean="0"/>
+            <a:endParaRPr lang="en-US" dirty="0"/>
           </a:p>
           <a:p>
             <a:pPr marL="0" marR="0" lvl="0" indent="0" defTabSz="914400" eaLnBrk="1" fontAlgn="auto" latinLnBrk="0" hangingPunct="1">
@@ -10628,7 +10676,7 @@
               <a:tabLst/>
               <a:defRPr/>
             </a:pPr>
-            <a:endParaRPr lang="en-US" dirty="0" smtClean="0"/>
+            <a:endParaRPr lang="en-US" dirty="0"/>
           </a:p>
           <a:p>
             <a:pPr marL="0" marR="0" lvl="0" indent="0" defTabSz="914400" eaLnBrk="1" fontAlgn="auto" latinLnBrk="0" hangingPunct="1">
@@ -10668,7 +10716,7 @@
               <a:tabLst/>
               <a:defRPr/>
             </a:pPr>
-            <a:endParaRPr lang="en-US" dirty="0" smtClean="0"/>
+            <a:endParaRPr lang="en-US" dirty="0"/>
           </a:p>
           <a:p>
             <a:pPr marL="0" marR="0" lvl="0" indent="0" defTabSz="914400" eaLnBrk="1" fontAlgn="auto" latinLnBrk="0" hangingPunct="1">
@@ -10721,7 +10769,7 @@
               <a:buNone/>
               <a:defRPr/>
             </a:pPr>
-            <a:endParaRPr lang="en-US" dirty="0" smtClean="0"/>
+            <a:endParaRPr lang="en-US" dirty="0"/>
           </a:p>
           <a:p>
             <a:pPr marL="0" lvl="0" indent="0">
@@ -10735,15 +10783,15 @@
               <a:defRPr/>
             </a:pPr>
             <a:r>
-              <a:rPr lang="en-US" dirty="0" smtClean="0"/>
+              <a:rPr lang="en-US" dirty="0"/>
               <a:t>There are many other forms of syntactic sugar </a:t>
             </a:r>
             <a:r>
-              <a:rPr lang="mr-IN" dirty="0" smtClean="0"/>
+              <a:rPr lang="mr-IN" dirty="0"/>
               <a:t>–</a:t>
             </a:r>
             <a:r>
-              <a:rPr lang="en-US" dirty="0" smtClean="0"/>
+              <a:rPr lang="en-US" dirty="0"/>
               <a:t> here is a reference on many of the magic methods you can implement: </a:t>
             </a:r>
             <a:r>
@@ -10781,8 +10829,20 @@
                 <a:tableStyleId>{5C22544A-7EE6-4342-B048-85BDC9FD1C3A}</a:tableStyleId>
               </a:tblPr>
               <a:tblGrid>
-                <a:gridCol w="4806950"/>
-                <a:gridCol w="4806950"/>
+                <a:gridCol w="4806950">
+                  <a:extLst>
+                    <a:ext uri="{9D8B030D-6E8A-4147-A177-3AD203B41FA5}">
+                      <a16:colId xmlns:a16="http://schemas.microsoft.com/office/drawing/2014/main" val="20000"/>
+                    </a:ext>
+                  </a:extLst>
+                </a:gridCol>
+                <a:gridCol w="4806950">
+                  <a:extLst>
+                    <a:ext uri="{9D8B030D-6E8A-4147-A177-3AD203B41FA5}">
+                      <a16:colId xmlns:a16="http://schemas.microsoft.com/office/drawing/2014/main" val="20001"/>
+                    </a:ext>
+                  </a:extLst>
+                </a:gridCol>
               </a:tblGrid>
               <a:tr h="370840">
                 <a:tc>
@@ -10792,10 +10852,9 @@
                     <a:p>
                       <a:pPr algn="ctr"/>
                       <a:r>
-                        <a:rPr lang="en-US" sz="2400" dirty="0" smtClean="0"/>
+                        <a:rPr lang="en-US" sz="2400" dirty="0"/>
                         <a:t>With Syntactic Sugar </a:t>
                       </a:r>
-                      <a:endParaRPr lang="en-US" sz="2400" dirty="0"/>
                     </a:p>
                   </a:txBody>
                   <a:tcPr/>
@@ -10807,11 +10866,11 @@
                     <a:p>
                       <a:pPr algn="ctr"/>
                       <a:r>
-                        <a:rPr lang="en-US" sz="2400" dirty="0" smtClean="0"/>
+                        <a:rPr lang="en-US" sz="2400" dirty="0"/>
                         <a:t>Without Syntactic</a:t>
                       </a:r>
                       <a:r>
-                        <a:rPr lang="en-US" sz="2400" baseline="0" dirty="0" smtClean="0"/>
+                        <a:rPr lang="en-US" sz="2400" baseline="0" dirty="0"/>
                         <a:t> Sugar</a:t>
                       </a:r>
                       <a:endParaRPr lang="en-US" sz="2400" dirty="0"/>
@@ -10819,6 +10878,11 @@
                   </a:txBody>
                   <a:tcPr/>
                 </a:tc>
+                <a:extLst>
+                  <a:ext uri="{0D108BD9-81ED-4DB2-BD59-A6C34878D82A}">
+                    <a16:rowId xmlns:a16="http://schemas.microsoft.com/office/drawing/2014/main" val="10000"/>
+                  </a:ext>
+                </a:extLst>
               </a:tr>
               <a:tr h="370840">
                 <a:tc>
@@ -10828,10 +10892,9 @@
                     <a:p>
                       <a:pPr algn="ctr"/>
                       <a:r>
-                        <a:rPr lang="en-US" sz="2400" i="0" dirty="0" smtClean="0"/>
+                        <a:rPr lang="en-US" sz="2400" i="0" dirty="0"/>
                         <a:t>x[0]</a:t>
                       </a:r>
-                      <a:endParaRPr lang="en-US" sz="2400" i="0" dirty="0"/>
                     </a:p>
                   </a:txBody>
                   <a:tcPr/>
@@ -10843,22 +10906,26 @@
                     <a:p>
                       <a:pPr algn="ctr"/>
                       <a:r>
-                        <a:rPr lang="en-US" sz="2400" dirty="0" smtClean="0"/>
+                        <a:rPr lang="en-US" sz="2400" dirty="0"/>
                         <a:t>x.__</a:t>
                       </a:r>
                       <a:r>
-                        <a:rPr lang="en-US" sz="2400" dirty="0" err="1" smtClean="0"/>
+                        <a:rPr lang="en-US" sz="2400" dirty="0" err="1"/>
                         <a:t>getitem</a:t>
                       </a:r>
                       <a:r>
-                        <a:rPr lang="en-US" sz="2400" dirty="0" smtClean="0"/>
+                        <a:rPr lang="en-US" sz="2400" dirty="0"/>
                         <a:t>__(0) </a:t>
                       </a:r>
-                      <a:endParaRPr lang="en-US" sz="2400" dirty="0"/>
                     </a:p>
                   </a:txBody>
                   <a:tcPr/>
                 </a:tc>
+                <a:extLst>
+                  <a:ext uri="{0D108BD9-81ED-4DB2-BD59-A6C34878D82A}">
+                    <a16:rowId xmlns:a16="http://schemas.microsoft.com/office/drawing/2014/main" val="10001"/>
+                  </a:ext>
+                </a:extLst>
               </a:tr>
               <a:tr h="370840">
                 <a:tc>
@@ -10868,10 +10935,9 @@
                     <a:p>
                       <a:pPr algn="ctr"/>
                       <a:r>
-                        <a:rPr lang="en-US" sz="2400" dirty="0" smtClean="0"/>
+                        <a:rPr lang="en-US" sz="2400" dirty="0"/>
                         <a:t>x(0)</a:t>
                       </a:r>
-                      <a:endParaRPr lang="en-US" sz="2400" dirty="0"/>
                     </a:p>
                   </a:txBody>
                   <a:tcPr/>
@@ -10883,18 +10949,22 @@
                     <a:p>
                       <a:pPr algn="ctr"/>
                       <a:r>
-                        <a:rPr lang="en-US" sz="2400" dirty="0" err="1" smtClean="0"/>
+                        <a:rPr lang="en-US" sz="2400" dirty="0" err="1"/>
                         <a:t>x.__call</a:t>
                       </a:r>
                       <a:r>
-                        <a:rPr lang="en-US" sz="2400" dirty="0" smtClean="0"/>
+                        <a:rPr lang="en-US" sz="2400" dirty="0"/>
                         <a:t>__(0) </a:t>
                       </a:r>
-                      <a:endParaRPr lang="en-US" sz="2400" dirty="0"/>
                     </a:p>
                   </a:txBody>
                   <a:tcPr/>
                 </a:tc>
+                <a:extLst>
+                  <a:ext uri="{0D108BD9-81ED-4DB2-BD59-A6C34878D82A}">
+                    <a16:rowId xmlns:a16="http://schemas.microsoft.com/office/drawing/2014/main" val="10002"/>
+                  </a:ext>
+                </a:extLst>
               </a:tr>
               <a:tr h="370840">
                 <a:tc>
@@ -10904,10 +10974,9 @@
                     <a:p>
                       <a:pPr algn="ctr"/>
                       <a:r>
-                        <a:rPr lang="en-US" sz="2400" dirty="0" smtClean="0"/>
+                        <a:rPr lang="en-US" sz="2400" dirty="0"/>
                         <a:t>x[0] = 1</a:t>
                       </a:r>
-                      <a:endParaRPr lang="en-US" sz="2400" dirty="0"/>
                     </a:p>
                   </a:txBody>
                   <a:tcPr/>
@@ -10919,21 +10988,26 @@
                     <a:p>
                       <a:pPr algn="ctr"/>
                       <a:r>
-                        <a:rPr lang="en-US" sz="2400" dirty="0" smtClean="0"/>
+                        <a:rPr lang="en-US" sz="2400" dirty="0"/>
                         <a:t>x.__</a:t>
                       </a:r>
                       <a:r>
-                        <a:rPr lang="en-US" sz="2400" dirty="0" err="1" smtClean="0"/>
+                        <a:rPr lang="en-US" sz="2400" dirty="0" err="1"/>
                         <a:t>setitem</a:t>
                       </a:r>
                       <a:r>
-                        <a:rPr lang="en-US" sz="2400" dirty="0" smtClean="0"/>
+                        <a:rPr lang="en-US" sz="2400" dirty="0"/>
                         <a:t>__(0, 1) </a:t>
                       </a:r>
                     </a:p>
                   </a:txBody>
                   <a:tcPr/>
                 </a:tc>
+                <a:extLst>
+                  <a:ext uri="{0D108BD9-81ED-4DB2-BD59-A6C34878D82A}">
+                    <a16:rowId xmlns:a16="http://schemas.microsoft.com/office/drawing/2014/main" val="10003"/>
+                  </a:ext>
+                </a:extLst>
               </a:tr>
               <a:tr h="370840">
                 <a:tc>
@@ -10943,15 +11017,15 @@
                     <a:p>
                       <a:pPr algn="ctr"/>
                       <a:r>
-                        <a:rPr lang="en-US" sz="2400" dirty="0" err="1" smtClean="0"/>
+                        <a:rPr lang="en-US" sz="2400" dirty="0" err="1"/>
                         <a:t>str</a:t>
                       </a:r>
                       <a:r>
-                        <a:rPr lang="en-US" sz="2400" dirty="0" smtClean="0"/>
+                        <a:rPr lang="en-US" sz="2400" dirty="0"/>
                         <a:t>(x)</a:t>
                       </a:r>
                       <a:r>
-                        <a:rPr lang="en-US" sz="2400" baseline="0" dirty="0" smtClean="0"/>
+                        <a:rPr lang="en-US" sz="2400" baseline="0" dirty="0"/>
                         <a:t> </a:t>
                       </a:r>
                       <a:endParaRPr lang="en-US" sz="2400" dirty="0"/>
@@ -10966,29 +11040,34 @@
                     <a:p>
                       <a:pPr algn="ctr"/>
                       <a:r>
-                        <a:rPr lang="en-US" sz="2400" dirty="0" smtClean="0"/>
+                        <a:rPr lang="en-US" sz="2400" dirty="0"/>
                         <a:t>x.__</a:t>
                       </a:r>
                       <a:r>
-                        <a:rPr lang="en-US" sz="2400" dirty="0" err="1" smtClean="0"/>
+                        <a:rPr lang="en-US" sz="2400" dirty="0" err="1"/>
                         <a:t>str</a:t>
                       </a:r>
                       <a:r>
-                        <a:rPr lang="en-US" sz="2400" dirty="0" smtClean="0"/>
+                        <a:rPr lang="en-US" sz="2400" dirty="0"/>
                         <a:t>__() and x.__</a:t>
                       </a:r>
                       <a:r>
-                        <a:rPr lang="en-US" sz="2400" dirty="0" err="1" smtClean="0"/>
+                        <a:rPr lang="en-US" sz="2400" dirty="0" err="1"/>
                         <a:t>repr</a:t>
                       </a:r>
                       <a:r>
-                        <a:rPr lang="en-US" sz="2400" dirty="0" smtClean="0"/>
+                        <a:rPr lang="en-US" sz="2400" dirty="0"/>
                         <a:t>__() </a:t>
                       </a:r>
                     </a:p>
                   </a:txBody>
                   <a:tcPr/>
                 </a:tc>
+                <a:extLst>
+                  <a:ext uri="{0D108BD9-81ED-4DB2-BD59-A6C34878D82A}">
+                    <a16:rowId xmlns:a16="http://schemas.microsoft.com/office/drawing/2014/main" val="10004"/>
+                  </a:ext>
+                </a:extLst>
               </a:tr>
             </a:tbl>
           </a:graphicData>
@@ -11040,10 +11119,9 @@
           <a:lstStyle/>
           <a:p>
             <a:r>
-              <a:rPr lang="en-US" dirty="0" smtClean="0"/>
+              <a:rPr lang="en-US" dirty="0"/>
               <a:t>Example Usage of Syntactic Sugar: Polynomials </a:t>
             </a:r>
-            <a:endParaRPr lang="en-US" dirty="0"/>
           </a:p>
         </p:txBody>
       </p:sp>
@@ -11080,7 +11158,7 @@
               <a:defRPr/>
             </a:pPr>
             <a:r>
-              <a:rPr lang="en-US" dirty="0" smtClean="0"/>
+              <a:rPr lang="en-US" dirty="0"/>
               <a:t>Goals: </a:t>
             </a:r>
           </a:p>
@@ -11094,7 +11172,7 @@
               </a:spcBef>
             </a:pPr>
             <a:r>
-              <a:rPr lang="en-US" dirty="0" smtClean="0"/>
+              <a:rPr lang="en-US" dirty="0"/>
               <a:t>Properties: coefficients and the order of the polynomial </a:t>
             </a:r>
           </a:p>
@@ -11108,35 +11186,35 @@
               </a:spcBef>
             </a:pPr>
             <a:r>
-              <a:rPr lang="en-US" dirty="0" smtClean="0"/>
+              <a:rPr lang="en-US" dirty="0"/>
               <a:t>Indexing </a:t>
             </a:r>
             <a:r>
-              <a:rPr lang="mr-IN" dirty="0" smtClean="0"/>
+              <a:rPr lang="mr-IN" dirty="0"/>
               <a:t>–</a:t>
             </a:r>
             <a:r>
-              <a:rPr lang="en-US" dirty="0" smtClean="0"/>
+              <a:rPr lang="en-US" dirty="0"/>
               <a:t> index </a:t>
             </a:r>
             <a:r>
-              <a:rPr lang="en-US" i="1" dirty="0" err="1" smtClean="0"/>
+              <a:rPr lang="en-US" i="1" dirty="0" err="1"/>
               <a:t>i</a:t>
             </a:r>
             <a:r>
-              <a:rPr lang="en-US" dirty="0" smtClean="0"/>
+              <a:rPr lang="en-US" dirty="0"/>
               <a:t> should return the </a:t>
             </a:r>
             <a:r>
-              <a:rPr lang="en-US" i="1" dirty="0" err="1" smtClean="0"/>
+              <a:rPr lang="en-US" i="1" dirty="0" err="1"/>
               <a:t>i</a:t>
             </a:r>
             <a:r>
-              <a:rPr lang="en-US" dirty="0" err="1" smtClean="0"/>
+              <a:rPr lang="en-US" dirty="0" err="1"/>
               <a:t>’th</a:t>
             </a:r>
             <a:r>
-              <a:rPr lang="en-US" dirty="0" smtClean="0"/>
+              <a:rPr lang="en-US" dirty="0"/>
               <a:t> coefficient </a:t>
             </a:r>
           </a:p>
@@ -11150,31 +11228,31 @@
               </a:spcBef>
             </a:pPr>
             <a:r>
-              <a:rPr lang="en-US" dirty="0" smtClean="0"/>
+              <a:rPr lang="en-US" dirty="0"/>
               <a:t>Calling </a:t>
             </a:r>
             <a:r>
-              <a:rPr lang="mr-IN" dirty="0" smtClean="0"/>
+              <a:rPr lang="mr-IN" dirty="0"/>
               <a:t>–</a:t>
             </a:r>
             <a:r>
-              <a:rPr lang="en-US" dirty="0" smtClean="0"/>
+              <a:rPr lang="en-US" dirty="0"/>
               <a:t> </a:t>
             </a:r>
             <a:r>
-              <a:rPr lang="en-US" i="1" dirty="0" smtClean="0"/>
+              <a:rPr lang="en-US" i="1" dirty="0"/>
               <a:t>f(x) </a:t>
             </a:r>
             <a:r>
-              <a:rPr lang="en-US" dirty="0" smtClean="0"/>
+              <a:rPr lang="en-US" dirty="0"/>
               <a:t>should evaluate the polynomial at the value of </a:t>
             </a:r>
             <a:r>
-              <a:rPr lang="en-US" i="1" dirty="0" smtClean="0"/>
+              <a:rPr lang="en-US" i="1" dirty="0"/>
               <a:t>x</a:t>
             </a:r>
             <a:r>
-              <a:rPr lang="en-US" dirty="0" smtClean="0"/>
+              <a:rPr lang="en-US" dirty="0"/>
               <a:t> </a:t>
             </a:r>
           </a:p>
@@ -11188,51 +11266,51 @@
               </a:spcBef>
             </a:pPr>
             <a:r>
-              <a:rPr lang="en-US" dirty="0" smtClean="0"/>
+              <a:rPr lang="en-US" dirty="0"/>
               <a:t>Item Assignment </a:t>
             </a:r>
             <a:r>
-              <a:rPr lang="mr-IN" dirty="0" smtClean="0"/>
+              <a:rPr lang="mr-IN" dirty="0"/>
               <a:t>–</a:t>
             </a:r>
             <a:r>
-              <a:rPr lang="en-US" dirty="0" smtClean="0"/>
+              <a:rPr lang="en-US" dirty="0"/>
               <a:t> </a:t>
             </a:r>
             <a:r>
-              <a:rPr lang="en-US" i="1" dirty="0" smtClean="0"/>
+              <a:rPr lang="en-US" i="1" dirty="0"/>
               <a:t>f[</a:t>
-            </a:r>
-            <a:r>
-              <a:rPr lang="en-US" i="1" dirty="0" err="1" smtClean="0"/>
-              <a:t>i</a:t>
-            </a:r>
-            <a:r>
-              <a:rPr lang="en-US" i="1" dirty="0" smtClean="0"/>
-              <a:t>] = a</a:t>
-            </a:r>
-            <a:r>
-              <a:rPr lang="en-US" dirty="0" smtClean="0"/>
-              <a:t> should assign the </a:t>
             </a:r>
             <a:r>
               <a:rPr lang="en-US" i="1" dirty="0" err="1"/>
               <a:t>i</a:t>
             </a:r>
             <a:r>
-              <a:rPr lang="en-US" dirty="0" err="1" smtClean="0"/>
+              <a:rPr lang="en-US" i="1" dirty="0"/>
+              <a:t>] = a</a:t>
+            </a:r>
+            <a:r>
+              <a:rPr lang="en-US" dirty="0"/>
+              <a:t> should assign the </a:t>
+            </a:r>
+            <a:r>
+              <a:rPr lang="en-US" i="1" dirty="0" err="1"/>
+              <a:t>i</a:t>
+            </a:r>
+            <a:r>
+              <a:rPr lang="en-US" dirty="0" err="1"/>
               <a:t>’th</a:t>
             </a:r>
             <a:r>
-              <a:rPr lang="en-US" dirty="0" smtClean="0"/>
+              <a:rPr lang="en-US" dirty="0"/>
               <a:t> coefficient to the value of </a:t>
             </a:r>
             <a:r>
-              <a:rPr lang="en-US" i="1" dirty="0" smtClean="0"/>
+              <a:rPr lang="en-US" i="1" dirty="0"/>
               <a:t>a</a:t>
             </a:r>
             <a:r>
-              <a:rPr lang="en-US" dirty="0" smtClean="0"/>
+              <a:rPr lang="en-US" dirty="0"/>
               <a:t> </a:t>
             </a:r>
           </a:p>
@@ -11246,7 +11324,7 @@
               </a:spcBef>
             </a:pPr>
             <a:r>
-              <a:rPr lang="en-US" dirty="0" smtClean="0"/>
+              <a:rPr lang="en-US" dirty="0"/>
               <a:t>A string representation </a:t>
             </a:r>
           </a:p>
@@ -11272,7 +11350,7 @@
               </a:spcBef>
               <a:buNone/>
             </a:pPr>
-            <a:endParaRPr lang="en-US" dirty="0" smtClean="0"/>
+            <a:endParaRPr lang="en-US" dirty="0"/>
           </a:p>
           <a:p>
             <a:pPr marL="0" indent="0">
@@ -11285,39 +11363,39 @@
               <a:buNone/>
             </a:pPr>
             <a:r>
-              <a:rPr lang="en-US" dirty="0" smtClean="0"/>
+              <a:rPr lang="en-US" dirty="0"/>
               <a:t>Note: This object is scripted at examples/</a:t>
             </a:r>
             <a:r>
-              <a:rPr lang="en-US" dirty="0" err="1" smtClean="0"/>
+              <a:rPr lang="en-US" dirty="0" err="1"/>
               <a:t>mypkg</a:t>
             </a:r>
             <a:r>
-              <a:rPr lang="en-US" dirty="0" smtClean="0"/>
+              <a:rPr lang="en-US" dirty="0"/>
               <a:t>/</a:t>
             </a:r>
             <a:r>
-              <a:rPr lang="en-US" dirty="0" err="1" smtClean="0"/>
+              <a:rPr lang="en-US" dirty="0" err="1"/>
               <a:t>mathlib</a:t>
             </a:r>
             <a:r>
-              <a:rPr lang="en-US" dirty="0" smtClean="0"/>
+              <a:rPr lang="en-US" dirty="0"/>
               <a:t>/</a:t>
             </a:r>
             <a:r>
-              <a:rPr lang="en-US" dirty="0" err="1" smtClean="0"/>
+              <a:rPr lang="en-US" dirty="0" err="1"/>
               <a:t>polynomial.py</a:t>
             </a:r>
             <a:r>
-              <a:rPr lang="en-US" dirty="0" smtClean="0"/>
+              <a:rPr lang="en-US" dirty="0"/>
               <a:t> in the </a:t>
             </a:r>
             <a:r>
-              <a:rPr lang="en-US" dirty="0" err="1" smtClean="0"/>
+              <a:rPr lang="en-US" dirty="0" err="1"/>
               <a:t>git</a:t>
             </a:r>
             <a:r>
-              <a:rPr lang="en-US" dirty="0" smtClean="0"/>
+              <a:rPr lang="en-US" dirty="0"/>
               <a:t> repository </a:t>
             </a:r>
           </a:p>
@@ -11369,10 +11447,9 @@
           <a:lstStyle/>
           <a:p>
             <a:r>
-              <a:rPr lang="en-US" dirty="0" smtClean="0"/>
+              <a:rPr lang="en-US" dirty="0"/>
               <a:t>A Polynomial Object </a:t>
             </a:r>
-            <a:endParaRPr lang="en-US" dirty="0"/>
           </a:p>
         </p:txBody>
       </p:sp>
@@ -11414,18 +11491,17 @@
               <a:defRPr/>
             </a:pPr>
             <a:r>
-              <a:rPr lang="en-US" dirty="0" smtClean="0"/>
+              <a:rPr lang="en-US" dirty="0"/>
               <a:t>The first pieces of the implementation: the __</a:t>
             </a:r>
             <a:r>
-              <a:rPr lang="en-US" dirty="0" err="1" smtClean="0"/>
+              <a:rPr lang="en-US" dirty="0" err="1"/>
               <a:t>init</a:t>
             </a:r>
             <a:r>
-              <a:rPr lang="en-US" dirty="0" smtClean="0"/>
+              <a:rPr lang="en-US" dirty="0"/>
               <a:t>__ function and the properties </a:t>
             </a:r>
-            <a:endParaRPr lang="en-US" dirty="0"/>
           </a:p>
         </p:txBody>
       </p:sp>
@@ -11535,10 +11611,9 @@
           <a:lstStyle/>
           <a:p>
             <a:r>
-              <a:rPr lang="en-US" dirty="0" smtClean="0"/>
+              <a:rPr lang="en-US" dirty="0"/>
               <a:t>A Polynomial Object </a:t>
             </a:r>
-            <a:endParaRPr lang="en-US" dirty="0"/>
           </a:p>
         </p:txBody>
       </p:sp>
@@ -11580,31 +11655,31 @@
               <a:defRPr/>
             </a:pPr>
             <a:r>
-              <a:rPr lang="en-US" dirty="0" smtClean="0"/>
+              <a:rPr lang="en-US" dirty="0"/>
               <a:t>Indexing </a:t>
             </a:r>
             <a:r>
-              <a:rPr lang="mr-IN" dirty="0" smtClean="0"/>
+              <a:rPr lang="mr-IN" dirty="0"/>
               <a:t>–</a:t>
             </a:r>
             <a:r>
-              <a:rPr lang="en-US" dirty="0" smtClean="0"/>
+              <a:rPr lang="en-US" dirty="0"/>
               <a:t> requires </a:t>
             </a:r>
             <a:r>
-              <a:rPr lang="en-US" i="1" dirty="0" smtClean="0"/>
+              <a:rPr lang="en-US" i="1" dirty="0"/>
               <a:t>__</a:t>
             </a:r>
             <a:r>
-              <a:rPr lang="en-US" i="1" dirty="0" err="1" smtClean="0"/>
+              <a:rPr lang="en-US" i="1" dirty="0" err="1"/>
               <a:t>getitem</a:t>
             </a:r>
             <a:r>
-              <a:rPr lang="en-US" i="1" dirty="0" smtClean="0"/>
+              <a:rPr lang="en-US" i="1" dirty="0"/>
               <a:t>__ </a:t>
             </a:r>
             <a:r>
-              <a:rPr lang="en-US" dirty="0" smtClean="0"/>
+              <a:rPr lang="en-US" dirty="0"/>
               <a:t>function, which takes the index as a parameter  </a:t>
             </a:r>
           </a:p>
@@ -11646,7 +11721,7 @@
               <a:tabLst/>
               <a:defRPr/>
             </a:pPr>
-            <a:endParaRPr lang="en-US" dirty="0" smtClean="0"/>
+            <a:endParaRPr lang="en-US" dirty="0"/>
           </a:p>
           <a:p>
             <a:pPr marL="0" marR="0" lvl="0" indent="0" defTabSz="914400" eaLnBrk="1" fontAlgn="auto" latinLnBrk="0" hangingPunct="1">
@@ -11686,7 +11761,7 @@
               <a:tabLst/>
               <a:defRPr/>
             </a:pPr>
-            <a:endParaRPr lang="en-US" dirty="0" smtClean="0"/>
+            <a:endParaRPr lang="en-US" dirty="0"/>
           </a:p>
           <a:p>
             <a:pPr marL="0" marR="0" lvl="0" indent="0" defTabSz="914400" eaLnBrk="1" fontAlgn="auto" latinLnBrk="0" hangingPunct="1">
@@ -11727,23 +11802,23 @@
               <a:defRPr/>
             </a:pPr>
             <a:r>
-              <a:rPr lang="en-US" dirty="0" smtClean="0"/>
+              <a:rPr lang="en-US" dirty="0"/>
               <a:t>Calling </a:t>
             </a:r>
             <a:r>
-              <a:rPr lang="mr-IN" dirty="0" smtClean="0"/>
+              <a:rPr lang="mr-IN" dirty="0"/>
               <a:t>–</a:t>
             </a:r>
             <a:r>
-              <a:rPr lang="en-US" dirty="0" smtClean="0"/>
+              <a:rPr lang="en-US" dirty="0"/>
               <a:t> requires </a:t>
             </a:r>
             <a:r>
-              <a:rPr lang="en-US" i="1" dirty="0" smtClean="0"/>
+              <a:rPr lang="en-US" i="1" dirty="0"/>
               <a:t>__call__</a:t>
             </a:r>
             <a:r>
-              <a:rPr lang="en-US" dirty="0" smtClean="0"/>
+              <a:rPr lang="en-US" dirty="0"/>
               <a:t> function, which takes any number of parameters </a:t>
             </a:r>
           </a:p>
@@ -11757,18 +11832,17 @@
               </a:spcBef>
             </a:pPr>
             <a:r>
-              <a:rPr lang="en-US" dirty="0" smtClean="0"/>
+              <a:rPr lang="en-US" dirty="0"/>
               <a:t>Here it should be a value </a:t>
             </a:r>
             <a:r>
-              <a:rPr lang="en-US" i="1" dirty="0" smtClean="0"/>
+              <a:rPr lang="en-US" i="1" dirty="0"/>
               <a:t>x</a:t>
             </a:r>
             <a:r>
-              <a:rPr lang="en-US" dirty="0" smtClean="0"/>
+              <a:rPr lang="en-US" dirty="0"/>
               <a:t> to evaluate the polynomial at </a:t>
             </a:r>
-            <a:endParaRPr lang="en-US" dirty="0"/>
           </a:p>
         </p:txBody>
       </p:sp>
@@ -11878,10 +11952,9 @@
           <a:lstStyle/>
           <a:p>
             <a:r>
-              <a:rPr lang="en-US" dirty="0" smtClean="0"/>
+              <a:rPr lang="en-US" dirty="0"/>
               <a:t>What are they? Why should I care? </a:t>
             </a:r>
-            <a:endParaRPr lang="en-US" dirty="0"/>
           </a:p>
         </p:txBody>
       </p:sp>
@@ -11904,19 +11977,15 @@
               <a:buNone/>
             </a:pPr>
             <a:r>
-              <a:rPr lang="en-US" dirty="0" smtClean="0"/>
+              <a:rPr lang="en-US" dirty="0"/>
               <a:t>A</a:t>
             </a:r>
             <a:r>
               <a:rPr lang="en-US" i="1" dirty="0"/>
-              <a:t> </a:t>
-            </a:r>
-            <a:r>
-              <a:rPr lang="en-US" i="1" dirty="0" smtClean="0"/>
-              <a:t>class</a:t>
-            </a:r>
-            <a:r>
-              <a:rPr lang="en-US" dirty="0" smtClean="0"/>
+              <a:t> class</a:t>
+            </a:r>
+            <a:r>
+              <a:rPr lang="en-US" dirty="0"/>
               <a:t> is how you implement a new object. </a:t>
             </a:r>
           </a:p>
@@ -11924,7 +11993,7 @@
             <a:pPr marL="0" indent="0">
               <a:buNone/>
             </a:pPr>
-            <a:endParaRPr lang="en-US" dirty="0" smtClean="0"/>
+            <a:endParaRPr lang="en-US" dirty="0"/>
           </a:p>
           <a:p>
             <a:pPr marL="0" indent="0">
@@ -11937,23 +12006,23 @@
               <a:buNone/>
             </a:pPr>
             <a:r>
-              <a:rPr lang="en-US" dirty="0" smtClean="0"/>
+              <a:rPr lang="en-US" dirty="0"/>
               <a:t>Python is an object-oriented programming language - if you’re a python programmer and you’ve never written a class, you’re missing out on the </a:t>
             </a:r>
             <a:r>
-              <a:rPr lang="en-US" i="1" dirty="0" smtClean="0"/>
+              <a:rPr lang="en-US" i="1" dirty="0"/>
               <a:t>single most powerful</a:t>
             </a:r>
             <a:r>
-              <a:rPr lang="en-US" dirty="0" smtClean="0"/>
+              <a:rPr lang="en-US" dirty="0"/>
               <a:t> aspect of the language </a:t>
             </a:r>
             <a:r>
-              <a:rPr lang="en-US" i="1" dirty="0" smtClean="0"/>
+              <a:rPr lang="en-US" i="1" dirty="0"/>
               <a:t>by far</a:t>
             </a:r>
             <a:r>
-              <a:rPr lang="en-US" dirty="0" smtClean="0"/>
+              <a:rPr lang="en-US" dirty="0"/>
               <a:t>. </a:t>
             </a:r>
           </a:p>
@@ -11981,13 +12050,6 @@
   <p:clrMapOvr>
     <a:masterClrMapping/>
   </p:clrMapOvr>
-  <p:timing>
-    <p:tnLst>
-      <p:par>
-        <p:cTn id="1" dur="indefinite" restart="never" nodeType="tmRoot"/>
-      </p:par>
-    </p:tnLst>
-  </p:timing>
 </p:sld>
 </file>
 
@@ -12024,10 +12086,9 @@
           <a:lstStyle/>
           <a:p>
             <a:r>
-              <a:rPr lang="en-US" dirty="0" smtClean="0"/>
+              <a:rPr lang="en-US" dirty="0"/>
               <a:t>A Polynomial Object </a:t>
             </a:r>
-            <a:endParaRPr lang="en-US" dirty="0"/>
           </a:p>
         </p:txBody>
       </p:sp>
@@ -12064,31 +12125,31 @@
               <a:defRPr/>
             </a:pPr>
             <a:r>
-              <a:rPr lang="en-US" dirty="0" smtClean="0"/>
+              <a:rPr lang="en-US" dirty="0"/>
               <a:t>Item assignment </a:t>
             </a:r>
             <a:r>
-              <a:rPr lang="mr-IN" dirty="0" smtClean="0"/>
+              <a:rPr lang="mr-IN" dirty="0"/>
               <a:t>–</a:t>
             </a:r>
             <a:r>
-              <a:rPr lang="en-US" dirty="0" smtClean="0"/>
+              <a:rPr lang="en-US" dirty="0"/>
               <a:t> requires </a:t>
             </a:r>
             <a:r>
-              <a:rPr lang="en-US" i="1" dirty="0" smtClean="0"/>
+              <a:rPr lang="en-US" i="1" dirty="0"/>
               <a:t>__</a:t>
             </a:r>
             <a:r>
-              <a:rPr lang="en-US" i="1" dirty="0" err="1" smtClean="0"/>
+              <a:rPr lang="en-US" i="1" dirty="0" err="1"/>
               <a:t>setitem</a:t>
             </a:r>
             <a:r>
-              <a:rPr lang="en-US" i="1" dirty="0" smtClean="0"/>
+              <a:rPr lang="en-US" i="1" dirty="0"/>
               <a:t>__</a:t>
             </a:r>
             <a:r>
-              <a:rPr lang="en-US" dirty="0" smtClean="0"/>
+              <a:rPr lang="en-US" dirty="0"/>
               <a:t> function, which takes the index and the value to assign, in that order. </a:t>
             </a:r>
           </a:p>
@@ -12111,10 +12172,9 @@
               <a:defRPr/>
             </a:pPr>
             <a:r>
-              <a:rPr lang="en-US" dirty="0" smtClean="0"/>
+              <a:rPr lang="en-US" dirty="0"/>
               <a:t> </a:t>
             </a:r>
-            <a:endParaRPr lang="en-US" dirty="0"/>
           </a:p>
         </p:txBody>
       </p:sp>
@@ -12194,10 +12254,9 @@
           <a:lstStyle/>
           <a:p>
             <a:r>
-              <a:rPr lang="en-US" dirty="0" smtClean="0"/>
+              <a:rPr lang="en-US" dirty="0"/>
               <a:t>A Polynomial Object </a:t>
             </a:r>
-            <a:endParaRPr lang="en-US" dirty="0"/>
           </a:p>
         </p:txBody>
       </p:sp>
@@ -12239,47 +12298,47 @@
               <a:defRPr/>
             </a:pPr>
             <a:r>
-              <a:rPr lang="en-US" dirty="0" smtClean="0"/>
+              <a:rPr lang="en-US" dirty="0"/>
               <a:t>A string representation </a:t>
             </a:r>
             <a:r>
-              <a:rPr lang="mr-IN" dirty="0" smtClean="0"/>
+              <a:rPr lang="mr-IN" dirty="0"/>
               <a:t>–</a:t>
             </a:r>
             <a:r>
-              <a:rPr lang="en-US" dirty="0" smtClean="0"/>
+              <a:rPr lang="en-US" dirty="0"/>
               <a:t> requires </a:t>
             </a:r>
             <a:r>
-              <a:rPr lang="en-US" i="1" dirty="0" smtClean="0"/>
+              <a:rPr lang="en-US" i="1" dirty="0"/>
               <a:t>__</a:t>
             </a:r>
             <a:r>
-              <a:rPr lang="en-US" i="1" dirty="0" err="1" smtClean="0"/>
+              <a:rPr lang="en-US" i="1" dirty="0" err="1"/>
               <a:t>str</a:t>
             </a:r>
             <a:r>
-              <a:rPr lang="en-US" i="1" dirty="0" smtClean="0"/>
+              <a:rPr lang="en-US" i="1" dirty="0"/>
               <a:t>__ </a:t>
             </a:r>
             <a:r>
-              <a:rPr lang="en-US" dirty="0" smtClean="0"/>
+              <a:rPr lang="en-US" dirty="0"/>
               <a:t>and </a:t>
             </a:r>
             <a:r>
-              <a:rPr lang="en-US" i="1" dirty="0" smtClean="0"/>
+              <a:rPr lang="en-US" i="1" dirty="0"/>
               <a:t>__</a:t>
             </a:r>
             <a:r>
-              <a:rPr lang="en-US" i="1" dirty="0" err="1" smtClean="0"/>
+              <a:rPr lang="en-US" i="1" dirty="0" err="1"/>
               <a:t>repr</a:t>
             </a:r>
             <a:r>
-              <a:rPr lang="en-US" i="1" dirty="0" smtClean="0"/>
+              <a:rPr lang="en-US" i="1" dirty="0"/>
               <a:t>__ </a:t>
             </a:r>
             <a:r>
-              <a:rPr lang="en-US" dirty="0" smtClean="0"/>
+              <a:rPr lang="en-US" dirty="0"/>
               <a:t>functions, which do slightly different things. </a:t>
             </a:r>
           </a:p>
@@ -12293,19 +12352,19 @@
               </a:spcBef>
             </a:pPr>
             <a:r>
-              <a:rPr lang="en-US" i="1" dirty="0" smtClean="0"/>
+              <a:rPr lang="en-US" i="1" dirty="0"/>
               <a:t>__</a:t>
             </a:r>
             <a:r>
-              <a:rPr lang="en-US" i="1" dirty="0" err="1" smtClean="0"/>
+              <a:rPr lang="en-US" i="1" dirty="0" err="1"/>
               <a:t>str</a:t>
             </a:r>
             <a:r>
-              <a:rPr lang="en-US" i="1" dirty="0" smtClean="0"/>
+              <a:rPr lang="en-US" i="1" dirty="0"/>
               <a:t>__</a:t>
             </a:r>
             <a:r>
-              <a:rPr lang="en-US" dirty="0" smtClean="0"/>
+              <a:rPr lang="en-US" dirty="0"/>
               <a:t> is called when you type-cast to a string </a:t>
             </a:r>
           </a:p>
@@ -12319,27 +12378,27 @@
               </a:spcBef>
             </a:pPr>
             <a:r>
-              <a:rPr lang="en-US" i="1" dirty="0" smtClean="0"/>
+              <a:rPr lang="en-US" i="1" dirty="0"/>
               <a:t>__</a:t>
             </a:r>
             <a:r>
-              <a:rPr lang="en-US" i="1" dirty="0" err="1" smtClean="0"/>
+              <a:rPr lang="en-US" i="1" dirty="0" err="1"/>
               <a:t>repr</a:t>
             </a:r>
             <a:r>
-              <a:rPr lang="en-US" i="1" dirty="0" smtClean="0"/>
+              <a:rPr lang="en-US" i="1" dirty="0"/>
               <a:t>__ </a:t>
             </a:r>
             <a:r>
-              <a:rPr lang="en-US" dirty="0" smtClean="0"/>
+              <a:rPr lang="en-US" dirty="0"/>
               <a:t>is called when you run a line with just the object in </a:t>
             </a:r>
             <a:r>
-              <a:rPr lang="en-US" i="1" dirty="0" err="1" smtClean="0"/>
+              <a:rPr lang="en-US" i="1" dirty="0" err="1"/>
               <a:t>ipython</a:t>
             </a:r>
             <a:r>
-              <a:rPr lang="en-US" dirty="0" smtClean="0"/>
+              <a:rPr lang="en-US" dirty="0"/>
               <a:t> or a notebook </a:t>
             </a:r>
             <a:endParaRPr lang="en-US" i="1" dirty="0"/>
@@ -12422,10 +12481,9 @@
           <a:lstStyle/>
           <a:p>
             <a:r>
-              <a:rPr lang="en-US" dirty="0" smtClean="0"/>
+              <a:rPr lang="en-US" dirty="0"/>
               <a:t>A Polynomial Object </a:t>
             </a:r>
-            <a:endParaRPr lang="en-US" dirty="0"/>
           </a:p>
         </p:txBody>
       </p:sp>
@@ -12467,15 +12525,15 @@
               <a:defRPr/>
             </a:pPr>
             <a:r>
-              <a:rPr lang="en-US" dirty="0" smtClean="0"/>
+              <a:rPr lang="en-US" dirty="0"/>
               <a:t>In action </a:t>
             </a:r>
             <a:r>
-              <a:rPr lang="mr-IN" dirty="0" smtClean="0"/>
+              <a:rPr lang="mr-IN" dirty="0"/>
               <a:t>–</a:t>
             </a:r>
             <a:r>
-              <a:rPr lang="en-US" dirty="0" smtClean="0"/>
+              <a:rPr lang="en-US" dirty="0"/>
               <a:t> the example has all of these features because of the magic methods implemented in the polynomial class </a:t>
             </a:r>
           </a:p>
@@ -12517,7 +12575,7 @@
               <a:tabLst/>
               <a:defRPr/>
             </a:pPr>
-            <a:endParaRPr lang="en-US" dirty="0" smtClean="0"/>
+            <a:endParaRPr lang="en-US" dirty="0"/>
           </a:p>
           <a:p>
             <a:pPr marL="0" marR="0" lvl="0" indent="0" defTabSz="914400" eaLnBrk="1" fontAlgn="auto" latinLnBrk="0" hangingPunct="1">
@@ -12537,7 +12595,7 @@
               <a:tabLst/>
               <a:defRPr/>
             </a:pPr>
-            <a:endParaRPr lang="en-US" dirty="0" smtClean="0"/>
+            <a:endParaRPr lang="en-US" dirty="0"/>
           </a:p>
           <a:p>
             <a:pPr marL="0" marR="0" lvl="0" indent="0" defTabSz="914400" eaLnBrk="1" fontAlgn="auto" latinLnBrk="0" hangingPunct="1">
@@ -12558,23 +12616,23 @@
               <a:defRPr/>
             </a:pPr>
             <a:r>
-              <a:rPr lang="en-US" dirty="0" smtClean="0"/>
+              <a:rPr lang="en-US" dirty="0"/>
               <a:t>This is a essentially a reimplementation of </a:t>
             </a:r>
             <a:r>
-              <a:rPr lang="en-US" dirty="0" err="1" smtClean="0"/>
+              <a:rPr lang="en-US" dirty="0" err="1"/>
               <a:t>NumPy’s</a:t>
             </a:r>
             <a:r>
-              <a:rPr lang="en-US" dirty="0" smtClean="0"/>
+              <a:rPr lang="en-US" dirty="0"/>
               <a:t> </a:t>
             </a:r>
             <a:r>
-              <a:rPr lang="en-US" i="1" dirty="0" smtClean="0"/>
+              <a:rPr lang="en-US" i="1" dirty="0"/>
               <a:t>poly1d</a:t>
             </a:r>
             <a:r>
-              <a:rPr lang="en-US" dirty="0" smtClean="0"/>
+              <a:rPr lang="en-US" dirty="0"/>
               <a:t> object </a:t>
             </a:r>
           </a:p>
@@ -12656,10 +12714,9 @@
           <a:lstStyle/>
           <a:p>
             <a:r>
-              <a:rPr lang="en-US" dirty="0" smtClean="0"/>
+              <a:rPr lang="en-US" dirty="0"/>
               <a:t>Emulating Numeric Types </a:t>
             </a:r>
-            <a:endParaRPr lang="en-US" dirty="0"/>
           </a:p>
         </p:txBody>
       </p:sp>
@@ -12701,7 +12758,7 @@
               <a:defRPr/>
             </a:pPr>
             <a:r>
-              <a:rPr lang="en-US" dirty="0" smtClean="0"/>
+              <a:rPr lang="en-US" dirty="0"/>
               <a:t>Another application of syntactic sugar </a:t>
             </a:r>
           </a:p>
@@ -12743,7 +12800,7 @@
               <a:tabLst/>
               <a:defRPr/>
             </a:pPr>
-            <a:endParaRPr lang="en-US" dirty="0" smtClean="0"/>
+            <a:endParaRPr lang="en-US" dirty="0"/>
           </a:p>
           <a:p>
             <a:pPr marL="0" marR="0" lvl="0" indent="0" defTabSz="914400" eaLnBrk="1" fontAlgn="auto" latinLnBrk="0" hangingPunct="1">
@@ -12764,23 +12821,23 @@
               <a:defRPr/>
             </a:pPr>
             <a:r>
-              <a:rPr lang="en-US" dirty="0" smtClean="0"/>
+              <a:rPr lang="en-US" dirty="0"/>
               <a:t>There is also </a:t>
             </a:r>
             <a:r>
-              <a:rPr lang="en-US" i="1" dirty="0" smtClean="0"/>
+              <a:rPr lang="en-US" i="1" dirty="0"/>
               <a:t>__</a:t>
             </a:r>
             <a:r>
-              <a:rPr lang="en-US" i="1" dirty="0" err="1" smtClean="0"/>
+              <a:rPr lang="en-US" i="1" dirty="0" err="1"/>
               <a:t>rsub</a:t>
             </a:r>
             <a:r>
-              <a:rPr lang="en-US" i="1" dirty="0" smtClean="0"/>
+              <a:rPr lang="en-US" i="1" dirty="0"/>
               <a:t>__</a:t>
             </a:r>
             <a:r>
-              <a:rPr lang="en-US" dirty="0" smtClean="0"/>
+              <a:rPr lang="en-US" dirty="0"/>
               <a:t> for -=, </a:t>
             </a:r>
           </a:p>
@@ -12803,43 +12860,43 @@
               <a:defRPr/>
             </a:pPr>
             <a:r>
-              <a:rPr lang="en-US" i="1" dirty="0" smtClean="0"/>
+              <a:rPr lang="en-US" i="1" dirty="0"/>
               <a:t>__</a:t>
             </a:r>
             <a:r>
-              <a:rPr lang="en-US" i="1" dirty="0" err="1" smtClean="0"/>
+              <a:rPr lang="en-US" i="1" dirty="0" err="1"/>
               <a:t>rmul</a:t>
             </a:r>
             <a:r>
-              <a:rPr lang="en-US" i="1" dirty="0" smtClean="0"/>
+              <a:rPr lang="en-US" i="1" dirty="0"/>
               <a:t>__</a:t>
             </a:r>
             <a:r>
-              <a:rPr lang="en-US" dirty="0" smtClean="0"/>
+              <a:rPr lang="en-US" dirty="0"/>
               <a:t> for *=, </a:t>
             </a:r>
             <a:r>
-              <a:rPr lang="en-US" i="1" dirty="0" smtClean="0"/>
+              <a:rPr lang="en-US" i="1" dirty="0"/>
               <a:t>__</a:t>
             </a:r>
             <a:r>
-              <a:rPr lang="en-US" i="1" dirty="0" err="1" smtClean="0"/>
+              <a:rPr lang="en-US" i="1" dirty="0" err="1"/>
               <a:t>rdiv</a:t>
             </a:r>
             <a:r>
-              <a:rPr lang="en-US" i="1" dirty="0" smtClean="0"/>
+              <a:rPr lang="en-US" i="1" dirty="0"/>
               <a:t>__ </a:t>
             </a:r>
             <a:r>
-              <a:rPr lang="en-US" dirty="0" smtClean="0"/>
+              <a:rPr lang="en-US" dirty="0"/>
               <a:t>for /=, etc., but unless otherwise specified these lines will call the corresponding function without the </a:t>
             </a:r>
             <a:r>
-              <a:rPr lang="en-US" i="1" dirty="0" smtClean="0"/>
+              <a:rPr lang="en-US" i="1" dirty="0"/>
               <a:t>r</a:t>
             </a:r>
             <a:r>
-              <a:rPr lang="en-US" dirty="0" smtClean="0"/>
+              <a:rPr lang="en-US" dirty="0"/>
               <a:t> in the name. </a:t>
             </a:r>
           </a:p>
@@ -12854,14 +12911,14 @@
           <p:nvPr>
             <p:extLst>
               <p:ext uri="{D42A27DB-BD31-4B8C-83A1-F6EECF244321}">
-                <p14:modId xmlns:p14="http://schemas.microsoft.com/office/powerpoint/2010/main" val="1602761301"/>
+                <p14:modId xmlns:p14="http://schemas.microsoft.com/office/powerpoint/2010/main" val="3354428227"/>
               </p:ext>
             </p:extLst>
           </p:nvPr>
         </p:nvGraphicFramePr>
         <p:xfrm>
-          <a:off x="5228822" y="2459900"/>
-          <a:ext cx="6443400" cy="3708400"/>
+          <a:off x="5064920" y="2451272"/>
+          <a:ext cx="6443400" cy="3587216"/>
         </p:xfrm>
         <a:graphic>
           <a:graphicData uri="http://schemas.openxmlformats.org/drawingml/2006/table">
@@ -12870,10 +12927,22 @@
                 <a:tableStyleId>{5C22544A-7EE6-4342-B048-85BDC9FD1C3A}</a:tableStyleId>
               </a:tblPr>
               <a:tblGrid>
-                <a:gridCol w="3221700"/>
-                <a:gridCol w="3221700"/>
+                <a:gridCol w="3221700">
+                  <a:extLst>
+                    <a:ext uri="{9D8B030D-6E8A-4147-A177-3AD203B41FA5}">
+                      <a16:colId xmlns:a16="http://schemas.microsoft.com/office/drawing/2014/main" val="20000"/>
+                    </a:ext>
+                  </a:extLst>
+                </a:gridCol>
+                <a:gridCol w="3221700">
+                  <a:extLst>
+                    <a:ext uri="{9D8B030D-6E8A-4147-A177-3AD203B41FA5}">
+                      <a16:colId xmlns:a16="http://schemas.microsoft.com/office/drawing/2014/main" val="20001"/>
+                    </a:ext>
+                  </a:extLst>
+                </a:gridCol>
               </a:tblGrid>
-              <a:tr h="370840">
+              <a:tr h="448402">
                 <a:tc>
                   <a:txBody>
                     <a:bodyPr/>
@@ -12881,11 +12950,11 @@
                     <a:p>
                       <a:pPr algn="ctr"/>
                       <a:r>
-                        <a:rPr lang="en-US" dirty="0" smtClean="0"/>
+                        <a:rPr lang="en-US" dirty="0"/>
                         <a:t>With Syntactic</a:t>
                       </a:r>
                       <a:r>
-                        <a:rPr lang="en-US" baseline="0" dirty="0" smtClean="0"/>
+                        <a:rPr lang="en-US" baseline="0" dirty="0"/>
                         <a:t> Sugar</a:t>
                       </a:r>
                       <a:endParaRPr lang="en-US" dirty="0"/>
@@ -12900,11 +12969,11 @@
                     <a:p>
                       <a:pPr algn="ctr"/>
                       <a:r>
-                        <a:rPr lang="en-US" dirty="0" smtClean="0"/>
+                        <a:rPr lang="en-US" dirty="0"/>
                         <a:t>Without</a:t>
                       </a:r>
                       <a:r>
-                        <a:rPr lang="en-US" baseline="0" dirty="0" smtClean="0"/>
+                        <a:rPr lang="en-US" baseline="0" dirty="0"/>
                         <a:t> Syntactic Sugar</a:t>
                       </a:r>
                       <a:endParaRPr lang="en-US" dirty="0"/>
@@ -12912,8 +12981,13 @@
                   </a:txBody>
                   <a:tcPr/>
                 </a:tc>
+                <a:extLst>
+                  <a:ext uri="{0D108BD9-81ED-4DB2-BD59-A6C34878D82A}">
+                    <a16:rowId xmlns:a16="http://schemas.microsoft.com/office/drawing/2014/main" val="10000"/>
+                  </a:ext>
+                </a:extLst>
               </a:tr>
-              <a:tr h="370840">
+              <a:tr h="448402">
                 <a:tc>
                   <a:txBody>
                     <a:bodyPr/>
@@ -12921,11 +12995,11 @@
                     <a:p>
                       <a:pPr algn="ctr"/>
                       <a:r>
-                        <a:rPr lang="en-US" dirty="0" smtClean="0"/>
+                        <a:rPr lang="en-US" dirty="0"/>
                         <a:t>x</a:t>
                       </a:r>
                       <a:r>
-                        <a:rPr lang="en-US" baseline="0" dirty="0" smtClean="0"/>
+                        <a:rPr lang="en-US" baseline="0" dirty="0"/>
                         <a:t> + y</a:t>
                       </a:r>
                       <a:endParaRPr lang="en-US" dirty="0"/>
@@ -12940,15 +13014,15 @@
                     <a:p>
                       <a:pPr algn="ctr"/>
                       <a:r>
-                        <a:rPr lang="en-US" dirty="0" err="1" smtClean="0"/>
+                        <a:rPr lang="en-US" dirty="0" err="1"/>
                         <a:t>x.__add</a:t>
                       </a:r>
                       <a:r>
-                        <a:rPr lang="en-US" dirty="0" smtClean="0"/>
+                        <a:rPr lang="en-US" dirty="0"/>
                         <a:t>__(y)</a:t>
                       </a:r>
                       <a:r>
-                        <a:rPr lang="en-US" baseline="0" dirty="0" smtClean="0"/>
+                        <a:rPr lang="en-US" baseline="0" dirty="0"/>
                         <a:t> </a:t>
                       </a:r>
                       <a:endParaRPr lang="en-US" dirty="0"/>
@@ -12956,8 +13030,13 @@
                   </a:txBody>
                   <a:tcPr/>
                 </a:tc>
+                <a:extLst>
+                  <a:ext uri="{0D108BD9-81ED-4DB2-BD59-A6C34878D82A}">
+                    <a16:rowId xmlns:a16="http://schemas.microsoft.com/office/drawing/2014/main" val="10001"/>
+                  </a:ext>
+                </a:extLst>
               </a:tr>
-              <a:tr h="370840">
+              <a:tr h="448402">
                 <a:tc>
                   <a:txBody>
                     <a:bodyPr/>
@@ -12965,11 +13044,11 @@
                     <a:p>
                       <a:pPr algn="ctr"/>
                       <a:r>
-                        <a:rPr lang="en-US" dirty="0" smtClean="0"/>
+                        <a:rPr lang="en-US" dirty="0"/>
                         <a:t>x</a:t>
                       </a:r>
                       <a:r>
-                        <a:rPr lang="en-US" baseline="0" dirty="0" smtClean="0"/>
+                        <a:rPr lang="en-US" baseline="0" dirty="0"/>
                         <a:t> += y</a:t>
                       </a:r>
                       <a:endParaRPr lang="en-US" dirty="0"/>
@@ -12984,19 +13063,19 @@
                     <a:p>
                       <a:pPr algn="ctr"/>
                       <a:r>
-                        <a:rPr lang="en-US" dirty="0" smtClean="0"/>
+                        <a:rPr lang="en-US" dirty="0"/>
                         <a:t>x.__</a:t>
                       </a:r>
                       <a:r>
-                        <a:rPr lang="en-US" dirty="0" err="1" smtClean="0"/>
+                        <a:rPr lang="en-US" dirty="0" err="1"/>
                         <a:t>radd</a:t>
                       </a:r>
                       <a:r>
-                        <a:rPr lang="en-US" dirty="0" smtClean="0"/>
+                        <a:rPr lang="en-US" dirty="0"/>
                         <a:t>__(y)</a:t>
                       </a:r>
                       <a:r>
-                        <a:rPr lang="en-US" baseline="0" dirty="0" smtClean="0"/>
+                        <a:rPr lang="en-US" baseline="0" dirty="0"/>
                         <a:t> </a:t>
                       </a:r>
                       <a:endParaRPr lang="en-US" dirty="0"/>
@@ -13004,8 +13083,13 @@
                   </a:txBody>
                   <a:tcPr/>
                 </a:tc>
+                <a:extLst>
+                  <a:ext uri="{0D108BD9-81ED-4DB2-BD59-A6C34878D82A}">
+                    <a16:rowId xmlns:a16="http://schemas.microsoft.com/office/drawing/2014/main" val="10002"/>
+                  </a:ext>
+                </a:extLst>
               </a:tr>
-              <a:tr h="370840">
+              <a:tr h="448402">
                 <a:tc>
                   <a:txBody>
                     <a:bodyPr/>
@@ -13013,11 +13097,11 @@
                     <a:p>
                       <a:pPr algn="ctr"/>
                       <a:r>
-                        <a:rPr lang="en-US" dirty="0" smtClean="0"/>
+                        <a:rPr lang="en-US" dirty="0"/>
                         <a:t>x</a:t>
                       </a:r>
                       <a:r>
-                        <a:rPr lang="en-US" baseline="0" dirty="0" smtClean="0"/>
+                        <a:rPr lang="en-US" baseline="0" dirty="0"/>
                         <a:t> - y</a:t>
                       </a:r>
                       <a:endParaRPr lang="en-US" dirty="0"/>
@@ -13032,15 +13116,15 @@
                     <a:p>
                       <a:pPr algn="ctr"/>
                       <a:r>
-                        <a:rPr lang="en-US" dirty="0" err="1" smtClean="0"/>
+                        <a:rPr lang="en-US" dirty="0" err="1"/>
                         <a:t>x.__sub</a:t>
                       </a:r>
                       <a:r>
-                        <a:rPr lang="en-US" dirty="0" smtClean="0"/>
+                        <a:rPr lang="en-US" dirty="0"/>
                         <a:t>__(y)</a:t>
                       </a:r>
                       <a:r>
-                        <a:rPr lang="en-US" baseline="0" dirty="0" smtClean="0"/>
+                        <a:rPr lang="en-US" baseline="0" dirty="0"/>
                         <a:t> </a:t>
                       </a:r>
                       <a:endParaRPr lang="en-US" dirty="0"/>
@@ -13048,8 +13132,13 @@
                   </a:txBody>
                   <a:tcPr/>
                 </a:tc>
+                <a:extLst>
+                  <a:ext uri="{0D108BD9-81ED-4DB2-BD59-A6C34878D82A}">
+                    <a16:rowId xmlns:a16="http://schemas.microsoft.com/office/drawing/2014/main" val="10003"/>
+                  </a:ext>
+                </a:extLst>
               </a:tr>
-              <a:tr h="370840">
+              <a:tr h="448402">
                 <a:tc>
                   <a:txBody>
                     <a:bodyPr/>
@@ -13057,11 +13146,11 @@
                     <a:p>
                       <a:pPr algn="ctr"/>
                       <a:r>
-                        <a:rPr lang="en-US" dirty="0" smtClean="0"/>
+                        <a:rPr lang="en-US" dirty="0"/>
                         <a:t>x *</a:t>
                       </a:r>
                       <a:r>
-                        <a:rPr lang="en-US" baseline="0" dirty="0" smtClean="0"/>
+                        <a:rPr lang="en-US" baseline="0" dirty="0"/>
                         <a:t> y</a:t>
                       </a:r>
                       <a:endParaRPr lang="en-US" dirty="0"/>
@@ -13076,19 +13165,19 @@
                     <a:p>
                       <a:pPr algn="ctr"/>
                       <a:r>
-                        <a:rPr lang="en-US" dirty="0" smtClean="0"/>
+                        <a:rPr lang="en-US" dirty="0"/>
                         <a:t>x.__</a:t>
                       </a:r>
                       <a:r>
-                        <a:rPr lang="en-US" dirty="0" err="1" smtClean="0"/>
+                        <a:rPr lang="en-US" dirty="0" err="1"/>
                         <a:t>mul</a:t>
                       </a:r>
                       <a:r>
-                        <a:rPr lang="en-US" dirty="0" smtClean="0"/>
+                        <a:rPr lang="en-US" dirty="0"/>
                         <a:t>__(y)</a:t>
                       </a:r>
                       <a:r>
-                        <a:rPr lang="en-US" baseline="0" dirty="0" smtClean="0"/>
+                        <a:rPr lang="en-US" baseline="0" dirty="0"/>
                         <a:t> </a:t>
                       </a:r>
                       <a:endParaRPr lang="en-US" dirty="0"/>
@@ -13096,8 +13185,13 @@
                   </a:txBody>
                   <a:tcPr/>
                 </a:tc>
+                <a:extLst>
+                  <a:ext uri="{0D108BD9-81ED-4DB2-BD59-A6C34878D82A}">
+                    <a16:rowId xmlns:a16="http://schemas.microsoft.com/office/drawing/2014/main" val="10004"/>
+                  </a:ext>
+                </a:extLst>
               </a:tr>
-              <a:tr h="370840">
+              <a:tr h="448402">
                 <a:tc>
                   <a:txBody>
                     <a:bodyPr/>
@@ -13105,11 +13199,11 @@
                     <a:p>
                       <a:pPr algn="ctr"/>
                       <a:r>
-                        <a:rPr lang="en-US" dirty="0" smtClean="0"/>
+                        <a:rPr lang="en-US" dirty="0"/>
                         <a:t>x</a:t>
                       </a:r>
                       <a:r>
-                        <a:rPr lang="en-US" baseline="0" dirty="0" smtClean="0"/>
+                        <a:rPr lang="en-US" baseline="0" dirty="0"/>
                         <a:t> / y</a:t>
                       </a:r>
                       <a:endParaRPr lang="en-US" dirty="0"/>
@@ -13124,20 +13218,24 @@
                     <a:p>
                       <a:pPr algn="ctr"/>
                       <a:r>
-                        <a:rPr lang="en-US" dirty="0" err="1" smtClean="0"/>
+                        <a:rPr lang="en-US" dirty="0" err="1"/>
                         <a:t>x.__div</a:t>
                       </a:r>
                       <a:r>
-                        <a:rPr lang="en-US" dirty="0" smtClean="0"/>
+                        <a:rPr lang="en-US" dirty="0"/>
                         <a:t>__(y)</a:t>
                       </a:r>
-                      <a:endParaRPr lang="en-US" dirty="0"/>
                     </a:p>
                   </a:txBody>
                   <a:tcPr/>
                 </a:tc>
+                <a:extLst>
+                  <a:ext uri="{0D108BD9-81ED-4DB2-BD59-A6C34878D82A}">
+                    <a16:rowId xmlns:a16="http://schemas.microsoft.com/office/drawing/2014/main" val="10005"/>
+                  </a:ext>
+                </a:extLst>
               </a:tr>
-              <a:tr h="370840">
+              <a:tr h="448402">
                 <a:tc>
                   <a:txBody>
                     <a:bodyPr/>
@@ -13145,11 +13243,11 @@
                     <a:p>
                       <a:pPr algn="ctr"/>
                       <a:r>
-                        <a:rPr lang="en-US" dirty="0" smtClean="0"/>
+                        <a:rPr lang="en-US" dirty="0"/>
                         <a:t>x</a:t>
                       </a:r>
                       <a:r>
-                        <a:rPr lang="en-US" baseline="0" dirty="0" smtClean="0"/>
+                        <a:rPr lang="en-US" baseline="0" dirty="0"/>
                         <a:t> // y</a:t>
                       </a:r>
                       <a:endParaRPr lang="en-US" dirty="0"/>
@@ -13164,24 +13262,28 @@
                     <a:p>
                       <a:pPr algn="ctr"/>
                       <a:r>
-                        <a:rPr lang="en-US" dirty="0" smtClean="0"/>
+                        <a:rPr lang="en-US" dirty="0"/>
                         <a:t>x.__</a:t>
                       </a:r>
                       <a:r>
-                        <a:rPr lang="en-US" dirty="0" err="1" smtClean="0"/>
+                        <a:rPr lang="en-US" dirty="0" err="1"/>
                         <a:t>floordiv</a:t>
                       </a:r>
                       <a:r>
-                        <a:rPr lang="en-US" dirty="0" smtClean="0"/>
+                        <a:rPr lang="en-US" dirty="0"/>
                         <a:t>__(y) </a:t>
                       </a:r>
-                      <a:endParaRPr lang="en-US" dirty="0"/>
                     </a:p>
                   </a:txBody>
                   <a:tcPr/>
                 </a:tc>
+                <a:extLst>
+                  <a:ext uri="{0D108BD9-81ED-4DB2-BD59-A6C34878D82A}">
+                    <a16:rowId xmlns:a16="http://schemas.microsoft.com/office/drawing/2014/main" val="10006"/>
+                  </a:ext>
+                </a:extLst>
               </a:tr>
-              <a:tr h="370840">
+              <a:tr h="448402">
                 <a:tc>
                   <a:txBody>
                     <a:bodyPr/>
@@ -13189,11 +13291,11 @@
                     <a:p>
                       <a:pPr algn="ctr"/>
                       <a:r>
-                        <a:rPr lang="en-US" dirty="0" smtClean="0"/>
+                        <a:rPr lang="en-US" dirty="0"/>
                         <a:t>x</a:t>
                       </a:r>
                       <a:r>
-                        <a:rPr lang="en-US" baseline="0" dirty="0" smtClean="0"/>
+                        <a:rPr lang="en-US" baseline="0" dirty="0"/>
                         <a:t> % y</a:t>
                       </a:r>
                       <a:endParaRPr lang="en-US" dirty="0"/>
@@ -13208,106 +13310,22 @@
                     <a:p>
                       <a:pPr algn="ctr"/>
                       <a:r>
-                        <a:rPr lang="en-US" dirty="0" err="1" smtClean="0"/>
+                        <a:rPr lang="en-US" dirty="0" err="1"/>
                         <a:t>x.__mod</a:t>
                       </a:r>
                       <a:r>
-                        <a:rPr lang="en-US" dirty="0" smtClean="0"/>
+                        <a:rPr lang="en-US" dirty="0"/>
                         <a:t>__(y) </a:t>
                       </a:r>
-                      <a:endParaRPr lang="en-US" dirty="0"/>
                     </a:p>
                   </a:txBody>
                   <a:tcPr/>
                 </a:tc>
-              </a:tr>
-              <a:tr h="370840">
-                <a:tc>
-                  <a:txBody>
-                    <a:bodyPr/>
-                    <a:lstStyle/>
-                    <a:p>
-                      <a:pPr algn="ctr"/>
-                      <a:r>
-                        <a:rPr lang="en-US" dirty="0" smtClean="0"/>
-                        <a:t>x</a:t>
-                      </a:r>
-                      <a:r>
-                        <a:rPr lang="en-US" baseline="0" dirty="0" smtClean="0"/>
-                        <a:t> == y</a:t>
-                      </a:r>
-                      <a:endParaRPr lang="en-US" dirty="0"/>
-                    </a:p>
-                  </a:txBody>
-                  <a:tcPr/>
-                </a:tc>
-                <a:tc>
-                  <a:txBody>
-                    <a:bodyPr/>
-                    <a:lstStyle/>
-                    <a:p>
-                      <a:pPr algn="ctr"/>
-                      <a:r>
-                        <a:rPr lang="en-US" dirty="0" smtClean="0"/>
-                        <a:t>x.__</a:t>
-                      </a:r>
-                      <a:r>
-                        <a:rPr lang="en-US" dirty="0" err="1" smtClean="0"/>
-                        <a:t>eq</a:t>
-                      </a:r>
-                      <a:r>
-                        <a:rPr lang="en-US" dirty="0" smtClean="0"/>
-                        <a:t>__(y)</a:t>
-                      </a:r>
-                      <a:r>
-                        <a:rPr lang="en-US" baseline="0" dirty="0" smtClean="0"/>
-                        <a:t> </a:t>
-                      </a:r>
-                      <a:endParaRPr lang="en-US" dirty="0"/>
-                    </a:p>
-                  </a:txBody>
-                  <a:tcPr/>
-                </a:tc>
-              </a:tr>
-              <a:tr h="370840">
-                <a:tc>
-                  <a:txBody>
-                    <a:bodyPr/>
-                    <a:lstStyle/>
-                    <a:p>
-                      <a:pPr algn="ctr"/>
-                      <a:r>
-                        <a:rPr lang="en-US" dirty="0" smtClean="0"/>
-                        <a:t>x</a:t>
-                      </a:r>
-                      <a:r>
-                        <a:rPr lang="en-US" baseline="0" dirty="0" smtClean="0"/>
-                        <a:t> != y</a:t>
-                      </a:r>
-                      <a:endParaRPr lang="en-US" dirty="0"/>
-                    </a:p>
-                  </a:txBody>
-                  <a:tcPr/>
-                </a:tc>
-                <a:tc>
-                  <a:txBody>
-                    <a:bodyPr/>
-                    <a:lstStyle/>
-                    <a:p>
-                      <a:pPr algn="ctr"/>
-                      <a:r>
-                        <a:rPr lang="en-US" dirty="0" err="1" smtClean="0"/>
-                        <a:t>x.__ne</a:t>
-                      </a:r>
-                      <a:r>
-                        <a:rPr lang="en-US" dirty="0" smtClean="0"/>
-                        <a:t>__(y) </a:t>
-                      </a:r>
-                      <a:endParaRPr lang="en-US" dirty="0"/>
-                    </a:p>
-                  </a:txBody>
-                  <a:tcPr/>
-                </a:tc>
+                <a:extLst>
+                  <a:ext uri="{0D108BD9-81ED-4DB2-BD59-A6C34878D82A}">
+                    <a16:rowId xmlns:a16="http://schemas.microsoft.com/office/drawing/2014/main" val="10007"/>
+                  </a:ext>
+                </a:extLst>
               </a:tr>
             </a:tbl>
           </a:graphicData>
@@ -13359,10 +13377,9 @@
           <a:lstStyle/>
           <a:p>
             <a:r>
-              <a:rPr lang="en-US" dirty="0" smtClean="0"/>
+              <a:rPr lang="en-US" dirty="0"/>
               <a:t>Emulating Numeric Types: A Polynomial </a:t>
             </a:r>
-            <a:endParaRPr lang="en-US" dirty="0"/>
           </a:p>
         </p:txBody>
       </p:sp>
@@ -13378,7 +13395,7 @@
         </p:nvSpPr>
         <p:spPr>
           <a:xfrm>
-            <a:off x="680321" y="2336873"/>
+            <a:off x="464660" y="2561160"/>
             <a:ext cx="5192445" cy="3599316"/>
           </a:xfrm>
         </p:spPr>
@@ -13403,10 +13420,7 @@
               <a:tabLst/>
               <a:defRPr/>
             </a:pPr>
-            <a:r>
-              <a:rPr lang="en-US" dirty="0" smtClean="0"/>
-              <a:t>Extend the polynomial object to allow addition, subtraction, and equivalence comparison with other polynomials </a:t>
-            </a:r>
+            <a:endParaRPr lang="en-US" dirty="0"/>
           </a:p>
           <a:p>
             <a:pPr marL="0" marR="0" lvl="0" indent="0" defTabSz="914400" eaLnBrk="1" fontAlgn="auto" latinLnBrk="0" hangingPunct="1">
@@ -13426,7 +13440,10 @@
               <a:tabLst/>
               <a:defRPr/>
             </a:pPr>
-            <a:endParaRPr lang="en-US" dirty="0"/>
+            <a:r>
+              <a:rPr lang="en-US" dirty="0"/>
+              <a:t>Extend the polynomial object to allow addition, subtraction, and equivalence comparison with other polynomials </a:t>
+            </a:r>
           </a:p>
           <a:p>
             <a:pPr marL="0" marR="0" lvl="0" indent="0" defTabSz="914400" eaLnBrk="1" fontAlgn="auto" latinLnBrk="0" hangingPunct="1">
@@ -13446,7 +13463,7 @@
               <a:tabLst/>
               <a:defRPr/>
             </a:pPr>
-            <a:endParaRPr lang="en-US" dirty="0" smtClean="0"/>
+            <a:endParaRPr lang="en-US" dirty="0"/>
           </a:p>
           <a:p>
             <a:pPr marL="0" marR="0" lvl="0" indent="0" defTabSz="914400" eaLnBrk="1" fontAlgn="auto" latinLnBrk="0" hangingPunct="1">
@@ -13466,11 +13483,30 @@
               <a:tabLst/>
               <a:defRPr/>
             </a:pPr>
-            <a:r>
-              <a:rPr lang="en-US" dirty="0" smtClean="0"/>
+            <a:endParaRPr lang="en-US" dirty="0"/>
+          </a:p>
+          <a:p>
+            <a:pPr marL="0" marR="0" lvl="0" indent="0" defTabSz="914400" eaLnBrk="1" fontAlgn="auto" latinLnBrk="0" hangingPunct="1">
+              <a:lnSpc>
+                <a:spcPct val="100000"/>
+              </a:lnSpc>
+              <a:spcBef>
+                <a:spcPts val="0"/>
+              </a:spcBef>
+              <a:spcAft>
+                <a:spcPts val="0"/>
+              </a:spcAft>
+              <a:buClrTx/>
+              <a:buSzTx/>
+              <a:buFontTx/>
+              <a:buNone/>
+              <a:tabLst/>
+              <a:defRPr/>
+            </a:pPr>
+            <a:r>
+              <a:rPr lang="en-US" dirty="0"/>
               <a:t>Some extra useful syntactic sugar elements in doing so: </a:t>
             </a:r>
-            <a:endParaRPr lang="en-US" dirty="0"/>
           </a:p>
         </p:txBody>
       </p:sp>
@@ -13483,13 +13519,13 @@
           <p:nvPr>
             <p:extLst>
               <p:ext uri="{D42A27DB-BD31-4B8C-83A1-F6EECF244321}">
-                <p14:modId xmlns:p14="http://schemas.microsoft.com/office/powerpoint/2010/main" val="318458419"/>
+                <p14:modId xmlns:p14="http://schemas.microsoft.com/office/powerpoint/2010/main" val="3281679903"/>
               </p:ext>
             </p:extLst>
           </p:nvPr>
         </p:nvGraphicFramePr>
         <p:xfrm>
-          <a:off x="5589431" y="3209430"/>
+          <a:off x="5787839" y="2746085"/>
           <a:ext cx="5815112" cy="3229465"/>
         </p:xfrm>
         <a:graphic>
@@ -13499,8 +13535,20 @@
                 <a:tableStyleId>{5C22544A-7EE6-4342-B048-85BDC9FD1C3A}</a:tableStyleId>
               </a:tblPr>
               <a:tblGrid>
-                <a:gridCol w="2907556"/>
-                <a:gridCol w="2907556"/>
+                <a:gridCol w="2907556">
+                  <a:extLst>
+                    <a:ext uri="{9D8B030D-6E8A-4147-A177-3AD203B41FA5}">
+                      <a16:colId xmlns:a16="http://schemas.microsoft.com/office/drawing/2014/main" val="20000"/>
+                    </a:ext>
+                  </a:extLst>
+                </a:gridCol>
+                <a:gridCol w="2907556">
+                  <a:extLst>
+                    <a:ext uri="{9D8B030D-6E8A-4147-A177-3AD203B41FA5}">
+                      <a16:colId xmlns:a16="http://schemas.microsoft.com/office/drawing/2014/main" val="20001"/>
+                    </a:ext>
+                  </a:extLst>
+                </a:gridCol>
               </a:tblGrid>
               <a:tr h="645893">
                 <a:tc>
@@ -13510,11 +13558,11 @@
                     <a:p>
                       <a:pPr algn="ctr"/>
                       <a:r>
-                        <a:rPr lang="en-US" dirty="0" smtClean="0"/>
+                        <a:rPr lang="en-US" dirty="0"/>
                         <a:t>With</a:t>
                       </a:r>
                       <a:r>
-                        <a:rPr lang="en-US" baseline="0" dirty="0" smtClean="0"/>
+                        <a:rPr lang="en-US" baseline="0" dirty="0"/>
                         <a:t> Syntactic Sugar</a:t>
                       </a:r>
                       <a:endParaRPr lang="en-US" dirty="0"/>
@@ -13529,14 +13577,18 @@
                     <a:p>
                       <a:pPr algn="ctr"/>
                       <a:r>
-                        <a:rPr lang="en-US" dirty="0" smtClean="0"/>
+                        <a:rPr lang="en-US" dirty="0"/>
                         <a:t>Without Syntactic Sugar </a:t>
                       </a:r>
-                      <a:endParaRPr lang="en-US" dirty="0"/>
                     </a:p>
                   </a:txBody>
                   <a:tcPr/>
                 </a:tc>
+                <a:extLst>
+                  <a:ext uri="{0D108BD9-81ED-4DB2-BD59-A6C34878D82A}">
+                    <a16:rowId xmlns:a16="http://schemas.microsoft.com/office/drawing/2014/main" val="10000"/>
+                  </a:ext>
+                </a:extLst>
               </a:tr>
               <a:tr h="645893">
                 <a:tc>
@@ -13546,10 +13598,9 @@
                     <a:p>
                       <a:pPr algn="ctr"/>
                       <a:r>
-                        <a:rPr lang="en-US" dirty="0" smtClean="0"/>
+                        <a:rPr lang="en-US" dirty="0"/>
                         <a:t>+x </a:t>
                       </a:r>
-                      <a:endParaRPr lang="en-US" dirty="0"/>
                     </a:p>
                   </a:txBody>
                   <a:tcPr/>
@@ -13561,22 +13612,26 @@
                     <a:p>
                       <a:pPr algn="ctr"/>
                       <a:r>
-                        <a:rPr lang="en-US" dirty="0" smtClean="0"/>
+                        <a:rPr lang="en-US" dirty="0"/>
                         <a:t>x.__</a:t>
                       </a:r>
                       <a:r>
-                        <a:rPr lang="en-US" dirty="0" err="1" smtClean="0"/>
+                        <a:rPr lang="en-US" dirty="0" err="1"/>
                         <a:t>pos</a:t>
                       </a:r>
                       <a:r>
-                        <a:rPr lang="en-US" dirty="0" smtClean="0"/>
+                        <a:rPr lang="en-US" dirty="0"/>
                         <a:t>__() </a:t>
                       </a:r>
-                      <a:endParaRPr lang="en-US" dirty="0"/>
                     </a:p>
                   </a:txBody>
                   <a:tcPr/>
                 </a:tc>
+                <a:extLst>
+                  <a:ext uri="{0D108BD9-81ED-4DB2-BD59-A6C34878D82A}">
+                    <a16:rowId xmlns:a16="http://schemas.microsoft.com/office/drawing/2014/main" val="10001"/>
+                  </a:ext>
+                </a:extLst>
               </a:tr>
               <a:tr h="645893">
                 <a:tc>
@@ -13586,10 +13641,9 @@
                     <a:p>
                       <a:pPr algn="ctr"/>
                       <a:r>
-                        <a:rPr lang="en-US" dirty="0" smtClean="0"/>
+                        <a:rPr lang="en-US" dirty="0"/>
                         <a:t>-x </a:t>
                       </a:r>
-                      <a:endParaRPr lang="en-US" dirty="0"/>
                     </a:p>
                   </a:txBody>
                   <a:tcPr/>
@@ -13601,22 +13655,26 @@
                     <a:p>
                       <a:pPr algn="ctr"/>
                       <a:r>
-                        <a:rPr lang="en-US" dirty="0" smtClean="0"/>
+                        <a:rPr lang="en-US" dirty="0"/>
                         <a:t>x.__</a:t>
                       </a:r>
                       <a:r>
-                        <a:rPr lang="en-US" dirty="0" err="1" smtClean="0"/>
+                        <a:rPr lang="en-US" dirty="0" err="1"/>
                         <a:t>neg</a:t>
                       </a:r>
                       <a:r>
-                        <a:rPr lang="en-US" dirty="0" smtClean="0"/>
+                        <a:rPr lang="en-US" dirty="0"/>
                         <a:t>__() </a:t>
                       </a:r>
-                      <a:endParaRPr lang="en-US" dirty="0"/>
                     </a:p>
                   </a:txBody>
                   <a:tcPr/>
                 </a:tc>
+                <a:extLst>
+                  <a:ext uri="{0D108BD9-81ED-4DB2-BD59-A6C34878D82A}">
+                    <a16:rowId xmlns:a16="http://schemas.microsoft.com/office/drawing/2014/main" val="10002"/>
+                  </a:ext>
+                </a:extLst>
               </a:tr>
               <a:tr h="645893">
                 <a:tc>
@@ -13626,11 +13684,11 @@
                     <a:p>
                       <a:pPr algn="ctr"/>
                       <a:r>
-                        <a:rPr lang="en-US" dirty="0" smtClean="0"/>
+                        <a:rPr lang="en-US" dirty="0"/>
                         <a:t>x</a:t>
                       </a:r>
                       <a:r>
-                        <a:rPr lang="en-US" baseline="0" dirty="0" smtClean="0"/>
+                        <a:rPr lang="en-US" baseline="0" dirty="0"/>
                         <a:t> == y </a:t>
                       </a:r>
                       <a:endParaRPr lang="en-US" dirty="0"/>
@@ -13645,21 +13703,26 @@
                     <a:p>
                       <a:pPr algn="ctr"/>
                       <a:r>
-                        <a:rPr lang="en-US" dirty="0" smtClean="0"/>
+                        <a:rPr lang="en-US" dirty="0"/>
                         <a:t>x.__</a:t>
                       </a:r>
                       <a:r>
-                        <a:rPr lang="en-US" dirty="0" err="1" smtClean="0"/>
+                        <a:rPr lang="en-US" dirty="0" err="1"/>
                         <a:t>eq</a:t>
                       </a:r>
                       <a:r>
-                        <a:rPr lang="en-US" dirty="0" smtClean="0"/>
+                        <a:rPr lang="en-US" dirty="0"/>
                         <a:t>__(y) </a:t>
                       </a:r>
                     </a:p>
                   </a:txBody>
                   <a:tcPr/>
                 </a:tc>
+                <a:extLst>
+                  <a:ext uri="{0D108BD9-81ED-4DB2-BD59-A6C34878D82A}">
+                    <a16:rowId xmlns:a16="http://schemas.microsoft.com/office/drawing/2014/main" val="10003"/>
+                  </a:ext>
+                </a:extLst>
               </a:tr>
               <a:tr h="645893">
                 <a:tc>
@@ -13669,11 +13732,11 @@
                     <a:p>
                       <a:pPr algn="ctr"/>
                       <a:r>
-                        <a:rPr lang="en-US" dirty="0" smtClean="0"/>
+                        <a:rPr lang="en-US" dirty="0"/>
                         <a:t>x</a:t>
                       </a:r>
                       <a:r>
-                        <a:rPr lang="en-US" baseline="0" dirty="0" smtClean="0"/>
+                        <a:rPr lang="en-US" baseline="0" dirty="0"/>
                         <a:t> != y</a:t>
                       </a:r>
                       <a:endParaRPr lang="en-US" dirty="0"/>
@@ -13688,18 +13751,22 @@
                     <a:p>
                       <a:pPr algn="ctr"/>
                       <a:r>
-                        <a:rPr lang="en-US" dirty="0" err="1" smtClean="0"/>
+                        <a:rPr lang="en-US" dirty="0" err="1"/>
                         <a:t>x.__ne</a:t>
                       </a:r>
                       <a:r>
-                        <a:rPr lang="en-US" dirty="0" smtClean="0"/>
+                        <a:rPr lang="en-US" dirty="0"/>
                         <a:t>__(y) </a:t>
                       </a:r>
-                      <a:endParaRPr lang="en-US" dirty="0"/>
                     </a:p>
                   </a:txBody>
                   <a:tcPr/>
                 </a:tc>
+                <a:extLst>
+                  <a:ext uri="{0D108BD9-81ED-4DB2-BD59-A6C34878D82A}">
+                    <a16:rowId xmlns:a16="http://schemas.microsoft.com/office/drawing/2014/main" val="10004"/>
+                  </a:ext>
+                </a:extLst>
               </a:tr>
             </a:tbl>
           </a:graphicData>
@@ -13751,10 +13818,9 @@
           <a:lstStyle/>
           <a:p>
             <a:r>
-              <a:rPr lang="en-US" dirty="0" smtClean="0"/>
+              <a:rPr lang="en-US" dirty="0"/>
               <a:t>Emulating Numeric Types: A Polynomial </a:t>
             </a:r>
-            <a:endParaRPr lang="en-US" dirty="0"/>
           </a:p>
         </p:txBody>
       </p:sp>
@@ -13796,7 +13862,7 @@
               <a:defRPr/>
             </a:pPr>
             <a:r>
-              <a:rPr lang="en-US" dirty="0" smtClean="0"/>
+              <a:rPr lang="en-US" dirty="0"/>
               <a:t>Unary +: The same as the original polynomial </a:t>
             </a:r>
           </a:p>
@@ -13839,7 +13905,7 @@
               <a:defRPr/>
             </a:pPr>
             <a:r>
-              <a:rPr lang="en-US" dirty="0" smtClean="0"/>
+              <a:rPr lang="en-US" dirty="0"/>
               <a:t>Unary -: Each coefficient is the negative of the origin </a:t>
             </a:r>
           </a:p>
@@ -13881,7 +13947,7 @@
               <a:tabLst/>
               <a:defRPr/>
             </a:pPr>
-            <a:endParaRPr lang="en-US" dirty="0" smtClean="0"/>
+            <a:endParaRPr lang="en-US" dirty="0"/>
           </a:p>
           <a:p>
             <a:pPr marL="0" marR="0" lvl="0" indent="0" defTabSz="914400" eaLnBrk="1" fontAlgn="auto" latinLnBrk="0" hangingPunct="1">
@@ -13913,7 +13979,7 @@
               </a:spcBef>
               <a:buNone/>
             </a:pPr>
-            <a:endParaRPr lang="en-US" dirty="0" smtClean="0"/>
+            <a:endParaRPr lang="en-US" dirty="0"/>
           </a:p>
           <a:p>
             <a:pPr marL="0" indent="0">
@@ -13926,12 +13992,8 @@
               <a:buNone/>
             </a:pPr>
             <a:r>
-              <a:rPr lang="en-US" dirty="0" smtClean="0"/>
-              <a:t>Magic </a:t>
-            </a:r>
-            <a:r>
-              <a:rPr lang="en-US" dirty="0"/>
-              <a:t>methods can return anything, hence need to specifically create a polynomial object. They don’t call </a:t>
+              <a:rPr lang="en-US" dirty="0"/>
+              <a:t>Magic methods can return anything, hence need to specifically create a polynomial object. They don’t call </a:t>
             </a:r>
             <a:r>
               <a:rPr lang="en-US" i="1" dirty="0"/>
@@ -13947,29 +14009,24 @@
             </a:r>
             <a:r>
               <a:rPr lang="en-US" dirty="0"/>
-              <a:t> automatically, so in theory you can have them do whatever you want. </a:t>
-            </a:r>
-            <a:r>
-              <a:rPr lang="en-US" dirty="0" smtClean="0"/>
-              <a:t>Why isn’t this required for </a:t>
-            </a:r>
-            <a:r>
-              <a:rPr lang="en-US" i="1" dirty="0" smtClean="0"/>
+              <a:t> automatically, so in theory you can have them do whatever you want. Why isn’t this required for </a:t>
+            </a:r>
+            <a:r>
+              <a:rPr lang="en-US" i="1" dirty="0"/>
               <a:t>__</a:t>
             </a:r>
             <a:r>
-              <a:rPr lang="en-US" i="1" dirty="0" err="1" smtClean="0"/>
+              <a:rPr lang="en-US" i="1" dirty="0" err="1"/>
               <a:t>pos</a:t>
             </a:r>
             <a:r>
-              <a:rPr lang="en-US" i="1" dirty="0" smtClean="0"/>
+              <a:rPr lang="en-US" i="1" dirty="0"/>
               <a:t>__</a:t>
             </a:r>
             <a:r>
-              <a:rPr lang="en-US" dirty="0" smtClean="0"/>
+              <a:rPr lang="en-US" dirty="0"/>
               <a:t>? </a:t>
             </a:r>
-            <a:endParaRPr lang="en-US" dirty="0"/>
           </a:p>
         </p:txBody>
       </p:sp>
@@ -14049,10 +14106,9 @@
           <a:lstStyle/>
           <a:p>
             <a:r>
-              <a:rPr lang="en-US" dirty="0" smtClean="0"/>
+              <a:rPr lang="en-US" dirty="0"/>
               <a:t>Emulating Numeric Types: A Polynomial </a:t>
             </a:r>
-            <a:endParaRPr lang="en-US" dirty="0"/>
           </a:p>
         </p:txBody>
       </p:sp>
@@ -14094,15 +14150,15 @@
               <a:defRPr/>
             </a:pPr>
             <a:r>
-              <a:rPr lang="en-US" dirty="0" smtClean="0"/>
+              <a:rPr lang="en-US" dirty="0"/>
               <a:t>Adding polynomials: The coefficients of each power on </a:t>
             </a:r>
             <a:r>
-              <a:rPr lang="en-US" i="1" dirty="0" smtClean="0"/>
+              <a:rPr lang="en-US" i="1" dirty="0"/>
               <a:t>x</a:t>
             </a:r>
             <a:r>
-              <a:rPr lang="en-US" dirty="0" smtClean="0"/>
+              <a:rPr lang="en-US" dirty="0"/>
               <a:t> add </a:t>
             </a:r>
           </a:p>
@@ -14144,7 +14200,7 @@
               <a:tabLst/>
               <a:defRPr/>
             </a:pPr>
-            <a:endParaRPr lang="en-US" dirty="0" smtClean="0"/>
+            <a:endParaRPr lang="en-US" dirty="0"/>
           </a:p>
           <a:p>
             <a:pPr marL="0" marR="0" lvl="0" indent="0" defTabSz="914400" eaLnBrk="1" fontAlgn="auto" latinLnBrk="0" hangingPunct="1">
@@ -14164,7 +14220,7 @@
               <a:tabLst/>
               <a:defRPr/>
             </a:pPr>
-            <a:endParaRPr lang="en-US" dirty="0" smtClean="0"/>
+            <a:endParaRPr lang="en-US" dirty="0"/>
           </a:p>
           <a:p>
             <a:pPr marL="0" marR="0" lvl="0" indent="0" defTabSz="914400" eaLnBrk="1" fontAlgn="auto" latinLnBrk="0" hangingPunct="1">
@@ -14184,7 +14240,7 @@
               <a:tabLst/>
               <a:defRPr/>
             </a:pPr>
-            <a:endParaRPr lang="en-US" dirty="0" smtClean="0"/>
+            <a:endParaRPr lang="en-US" dirty="0"/>
           </a:p>
           <a:p>
             <a:pPr marL="0" marR="0" lvl="0" indent="0" defTabSz="914400" eaLnBrk="1" fontAlgn="auto" latinLnBrk="0" hangingPunct="1">
@@ -14224,7 +14280,7 @@
               <a:tabLst/>
               <a:defRPr/>
             </a:pPr>
-            <a:endParaRPr lang="en-US" dirty="0" smtClean="0"/>
+            <a:endParaRPr lang="en-US" dirty="0"/>
           </a:p>
           <a:p>
             <a:pPr marL="0" marR="0" lvl="0" indent="0" defTabSz="914400" eaLnBrk="1" fontAlgn="auto" latinLnBrk="0" hangingPunct="1">
@@ -14244,7 +14300,7 @@
               <a:tabLst/>
               <a:defRPr/>
             </a:pPr>
-            <a:endParaRPr lang="en-US" dirty="0" smtClean="0"/>
+            <a:endParaRPr lang="en-US" dirty="0"/>
           </a:p>
         </p:txBody>
       </p:sp>
@@ -14324,10 +14380,9 @@
           <a:lstStyle/>
           <a:p>
             <a:r>
-              <a:rPr lang="en-US" dirty="0" smtClean="0"/>
+              <a:rPr lang="en-US" dirty="0"/>
               <a:t>Emulating Numeric Types: A Polynomial </a:t>
             </a:r>
-            <a:endParaRPr lang="en-US" dirty="0"/>
           </a:p>
         </p:txBody>
       </p:sp>
@@ -14369,7 +14424,7 @@
               <a:defRPr/>
             </a:pPr>
             <a:r>
-              <a:rPr lang="en-US" dirty="0" smtClean="0"/>
+              <a:rPr lang="en-US" dirty="0"/>
               <a:t>Subtracting polynomials: Use what we’ve already written to add the negative </a:t>
             </a:r>
           </a:p>
@@ -14411,7 +14466,7 @@
               <a:tabLst/>
               <a:defRPr/>
             </a:pPr>
-            <a:endParaRPr lang="en-US" dirty="0" smtClean="0"/>
+            <a:endParaRPr lang="en-US" dirty="0"/>
           </a:p>
           <a:p>
             <a:pPr marL="0" marR="0" lvl="0" indent="0" defTabSz="914400" eaLnBrk="1" fontAlgn="auto" latinLnBrk="0" hangingPunct="1">
@@ -14431,7 +14486,7 @@
               <a:tabLst/>
               <a:defRPr/>
             </a:pPr>
-            <a:endParaRPr lang="en-US" dirty="0" smtClean="0"/>
+            <a:endParaRPr lang="en-US" dirty="0"/>
           </a:p>
           <a:p>
             <a:pPr marL="0" marR="0" lvl="0" indent="0" defTabSz="914400" eaLnBrk="1" fontAlgn="auto" latinLnBrk="0" hangingPunct="1">
@@ -14451,7 +14506,7 @@
               <a:tabLst/>
               <a:defRPr/>
             </a:pPr>
-            <a:endParaRPr lang="en-US" dirty="0" smtClean="0"/>
+            <a:endParaRPr lang="en-US" dirty="0"/>
           </a:p>
           <a:p>
             <a:pPr marL="0" marR="0" lvl="0" indent="0" defTabSz="914400" eaLnBrk="1" fontAlgn="auto" latinLnBrk="0" hangingPunct="1">
@@ -14491,7 +14546,7 @@
               <a:tabLst/>
               <a:defRPr/>
             </a:pPr>
-            <a:endParaRPr lang="en-US" dirty="0" smtClean="0"/>
+            <a:endParaRPr lang="en-US" dirty="0"/>
           </a:p>
           <a:p>
             <a:pPr marL="0" marR="0" lvl="0" indent="0" defTabSz="914400" eaLnBrk="1" fontAlgn="auto" latinLnBrk="0" hangingPunct="1">
@@ -14511,7 +14566,7 @@
               <a:tabLst/>
               <a:defRPr/>
             </a:pPr>
-            <a:endParaRPr lang="en-US" dirty="0" smtClean="0"/>
+            <a:endParaRPr lang="en-US" dirty="0"/>
           </a:p>
         </p:txBody>
       </p:sp>
@@ -14555,13 +14610,6 @@
   <p:clrMapOvr>
     <a:masterClrMapping/>
   </p:clrMapOvr>
-  <p:timing>
-    <p:tnLst>
-      <p:par>
-        <p:cTn id="1" dur="indefinite" restart="never" nodeType="tmRoot"/>
-      </p:par>
-    </p:tnLst>
-  </p:timing>
 </p:sld>
 </file>
 
@@ -14598,10 +14646,9 @@
           <a:lstStyle/>
           <a:p>
             <a:r>
-              <a:rPr lang="en-US" dirty="0" smtClean="0"/>
+              <a:rPr lang="en-US" dirty="0"/>
               <a:t>Emulating Numeric Types: A Polynomial </a:t>
             </a:r>
-            <a:endParaRPr lang="en-US" dirty="0"/>
           </a:p>
         </p:txBody>
       </p:sp>
@@ -14645,7 +14692,7 @@
               <a:defRPr/>
             </a:pPr>
             <a:r>
-              <a:rPr lang="en-US" dirty="0" smtClean="0"/>
+              <a:rPr lang="en-US" dirty="0"/>
               <a:t>Equivalence comparison: If two polynomials have the same coefficients, say that they are equal to one another </a:t>
             </a:r>
           </a:p>
@@ -14687,7 +14734,7 @@
               <a:tabLst/>
               <a:defRPr/>
             </a:pPr>
-            <a:endParaRPr lang="en-US" dirty="0" smtClean="0"/>
+            <a:endParaRPr lang="en-US" dirty="0"/>
           </a:p>
           <a:p>
             <a:pPr marL="0" marR="0" lvl="0" indent="0" defTabSz="914400" eaLnBrk="1" fontAlgn="auto" latinLnBrk="0" hangingPunct="1">
@@ -14727,7 +14774,7 @@
               <a:tabLst/>
               <a:defRPr/>
             </a:pPr>
-            <a:endParaRPr lang="en-US" dirty="0" smtClean="0"/>
+            <a:endParaRPr lang="en-US" dirty="0"/>
           </a:p>
           <a:p>
             <a:pPr marL="0" marR="0" lvl="0" indent="0" defTabSz="914400" eaLnBrk="1" fontAlgn="auto" latinLnBrk="0" hangingPunct="1">
@@ -14747,7 +14794,7 @@
               <a:tabLst/>
               <a:defRPr/>
             </a:pPr>
-            <a:endParaRPr lang="en-US" dirty="0" smtClean="0"/>
+            <a:endParaRPr lang="en-US" dirty="0"/>
           </a:p>
           <a:p>
             <a:pPr marL="0" marR="0" lvl="0" indent="0" defTabSz="914400" eaLnBrk="1" fontAlgn="auto" latinLnBrk="0" hangingPunct="1">
@@ -14788,39 +14835,39 @@
               <a:defRPr/>
             </a:pPr>
             <a:r>
-              <a:rPr lang="en-US" dirty="0" smtClean="0"/>
+              <a:rPr lang="en-US" dirty="0"/>
               <a:t>Note: This </a:t>
             </a:r>
             <a:r>
-              <a:rPr lang="en-US" i="1" dirty="0" smtClean="0"/>
+              <a:rPr lang="en-US" i="1" dirty="0"/>
               <a:t>__ne__ </a:t>
             </a:r>
             <a:r>
-              <a:rPr lang="en-US" dirty="0" smtClean="0"/>
+              <a:rPr lang="en-US" dirty="0"/>
               <a:t>method actually isn’t necessary. If you write an </a:t>
             </a:r>
             <a:r>
-              <a:rPr lang="en-US" i="1" dirty="0" smtClean="0"/>
+              <a:rPr lang="en-US" i="1" dirty="0"/>
               <a:t>__</a:t>
             </a:r>
             <a:r>
-              <a:rPr lang="en-US" i="1" dirty="0" err="1" smtClean="0"/>
+              <a:rPr lang="en-US" i="1" dirty="0" err="1"/>
               <a:t>eq</a:t>
             </a:r>
             <a:r>
-              <a:rPr lang="en-US" i="1" dirty="0" smtClean="0"/>
+              <a:rPr lang="en-US" i="1" dirty="0"/>
               <a:t>__ </a:t>
             </a:r>
             <a:r>
-              <a:rPr lang="en-US" dirty="0" smtClean="0"/>
+              <a:rPr lang="en-US" dirty="0"/>
               <a:t>method, the </a:t>
             </a:r>
             <a:r>
-              <a:rPr lang="en-US" i="1" dirty="0" smtClean="0"/>
+              <a:rPr lang="en-US" i="1" dirty="0"/>
               <a:t>__ne__</a:t>
             </a:r>
             <a:r>
-              <a:rPr lang="en-US" dirty="0" smtClean="0"/>
+              <a:rPr lang="en-US" dirty="0"/>
               <a:t> method takes on this default form. Advice: If you ever override that, you should have a good reason for doing so. </a:t>
             </a:r>
           </a:p>
@@ -14862,7 +14909,7 @@
               <a:tabLst/>
               <a:defRPr/>
             </a:pPr>
-            <a:endParaRPr lang="en-US" dirty="0" smtClean="0"/>
+            <a:endParaRPr lang="en-US" dirty="0"/>
           </a:p>
           <a:p>
             <a:pPr marL="0" marR="0" lvl="0" indent="0" defTabSz="914400" eaLnBrk="1" fontAlgn="auto" latinLnBrk="0" hangingPunct="1">
@@ -14882,7 +14929,7 @@
               <a:tabLst/>
               <a:defRPr/>
             </a:pPr>
-            <a:endParaRPr lang="en-US" dirty="0" smtClean="0"/>
+            <a:endParaRPr lang="en-US" dirty="0"/>
           </a:p>
           <a:p>
             <a:pPr marL="0" marR="0" lvl="0" indent="0" defTabSz="914400" eaLnBrk="1" fontAlgn="auto" latinLnBrk="0" hangingPunct="1">
@@ -14902,7 +14949,7 @@
               <a:tabLst/>
               <a:defRPr/>
             </a:pPr>
-            <a:endParaRPr lang="en-US" dirty="0" smtClean="0"/>
+            <a:endParaRPr lang="en-US" dirty="0"/>
           </a:p>
           <a:p>
             <a:pPr marL="0" marR="0" lvl="0" indent="0" defTabSz="914400" eaLnBrk="1" fontAlgn="auto" latinLnBrk="0" hangingPunct="1">
@@ -14942,7 +14989,7 @@
               <a:tabLst/>
               <a:defRPr/>
             </a:pPr>
-            <a:endParaRPr lang="en-US" dirty="0" smtClean="0"/>
+            <a:endParaRPr lang="en-US" dirty="0"/>
           </a:p>
           <a:p>
             <a:pPr marL="0" marR="0" lvl="0" indent="0" defTabSz="914400" eaLnBrk="1" fontAlgn="auto" latinLnBrk="0" hangingPunct="1">
@@ -14962,7 +15009,7 @@
               <a:tabLst/>
               <a:defRPr/>
             </a:pPr>
-            <a:endParaRPr lang="en-US" dirty="0" smtClean="0"/>
+            <a:endParaRPr lang="en-US" dirty="0"/>
           </a:p>
         </p:txBody>
       </p:sp>
@@ -15006,13 +15053,6 @@
   <p:clrMapOvr>
     <a:masterClrMapping/>
   </p:clrMapOvr>
-  <p:timing>
-    <p:tnLst>
-      <p:par>
-        <p:cTn id="1" dur="indefinite" restart="never" nodeType="tmRoot"/>
-      </p:par>
-    </p:tnLst>
-  </p:timing>
 </p:sld>
 </file>
 
@@ -15049,10 +15089,9 @@
           <a:lstStyle/>
           <a:p>
             <a:r>
-              <a:rPr lang="en-US" dirty="0" smtClean="0"/>
+              <a:rPr lang="en-US" dirty="0"/>
               <a:t>Emulating Numeric Types: A Polynomial </a:t>
             </a:r>
-            <a:endParaRPr lang="en-US" dirty="0"/>
           </a:p>
         </p:txBody>
       </p:sp>
@@ -15094,31 +15133,31 @@
               <a:defRPr/>
             </a:pPr>
             <a:r>
-              <a:rPr lang="en-US" dirty="0" smtClean="0"/>
+              <a:rPr lang="en-US" dirty="0"/>
               <a:t>In action </a:t>
             </a:r>
             <a:r>
-              <a:rPr lang="mr-IN" dirty="0" smtClean="0"/>
+              <a:rPr lang="mr-IN" dirty="0"/>
               <a:t>–</a:t>
             </a:r>
             <a:r>
-              <a:rPr lang="en-US" dirty="0" smtClean="0"/>
+              <a:rPr lang="en-US" dirty="0"/>
               <a:t> </a:t>
             </a:r>
             <a:r>
-              <a:rPr lang="en-US" i="1" dirty="0" smtClean="0"/>
+              <a:rPr lang="en-US" i="1" dirty="0"/>
               <a:t>x</a:t>
             </a:r>
             <a:r>
-              <a:rPr lang="en-US" dirty="0" smtClean="0"/>
+              <a:rPr lang="en-US" dirty="0"/>
               <a:t> and </a:t>
             </a:r>
             <a:r>
-              <a:rPr lang="en-US" i="1" dirty="0" smtClean="0"/>
+              <a:rPr lang="en-US" i="1" dirty="0"/>
               <a:t>y</a:t>
             </a:r>
             <a:r>
-              <a:rPr lang="en-US" dirty="0" smtClean="0"/>
+              <a:rPr lang="en-US" dirty="0"/>
               <a:t> have all of these features because of the magic methods we implemented </a:t>
             </a:r>
           </a:p>
@@ -15160,7 +15199,7 @@
               <a:tabLst/>
               <a:defRPr/>
             </a:pPr>
-            <a:endParaRPr lang="en-US" dirty="0" smtClean="0"/>
+            <a:endParaRPr lang="en-US" dirty="0"/>
           </a:p>
           <a:p>
             <a:pPr marL="0" marR="0" lvl="0" indent="0" defTabSz="914400" eaLnBrk="1" fontAlgn="auto" latinLnBrk="0" hangingPunct="1">
@@ -15201,26 +15240,25 @@
               <a:defRPr/>
             </a:pPr>
             <a:r>
-              <a:rPr lang="en-US" dirty="0" smtClean="0"/>
+              <a:rPr lang="en-US" dirty="0"/>
               <a:t>Features like this are also included in </a:t>
             </a:r>
             <a:r>
-              <a:rPr lang="en-US" dirty="0" err="1" smtClean="0"/>
+              <a:rPr lang="en-US" dirty="0" err="1"/>
               <a:t>NumPy’s</a:t>
             </a:r>
             <a:r>
-              <a:rPr lang="en-US" dirty="0" smtClean="0"/>
+              <a:rPr lang="en-US" dirty="0"/>
               <a:t> </a:t>
             </a:r>
             <a:r>
-              <a:rPr lang="en-US" i="1" dirty="0" smtClean="0"/>
+              <a:rPr lang="en-US" i="1" dirty="0"/>
               <a:t>poly1d</a:t>
             </a:r>
             <a:r>
-              <a:rPr lang="en-US" dirty="0" smtClean="0"/>
+              <a:rPr lang="en-US" dirty="0"/>
               <a:t> object </a:t>
             </a:r>
-            <a:endParaRPr lang="en-US" dirty="0"/>
           </a:p>
         </p:txBody>
       </p:sp>
@@ -15300,10 +15338,9 @@
           <a:lstStyle/>
           <a:p>
             <a:r>
-              <a:rPr lang="en-US" dirty="0" smtClean="0"/>
+              <a:rPr lang="en-US" dirty="0"/>
               <a:t>Recall: The Python Model </a:t>
             </a:r>
-            <a:endParaRPr lang="en-US" dirty="0"/>
           </a:p>
         </p:txBody>
       </p:sp>
@@ -15326,7 +15363,7 @@
               <a:buNone/>
             </a:pPr>
             <a:r>
-              <a:rPr lang="en-US" dirty="0" smtClean="0"/>
+              <a:rPr lang="en-US" dirty="0"/>
               <a:t>Everything is an object in Python, whether you knew it or not. </a:t>
             </a:r>
           </a:p>
@@ -15334,43 +15371,43 @@
             <a:pPr marL="0" indent="0">
               <a:buNone/>
             </a:pPr>
-            <a:endParaRPr lang="en-US" dirty="0" smtClean="0"/>
+            <a:endParaRPr lang="en-US" dirty="0"/>
           </a:p>
           <a:p>
             <a:pPr marL="0" indent="0">
               <a:buNone/>
             </a:pPr>
             <a:r>
-              <a:rPr lang="en-US" dirty="0" smtClean="0"/>
+              <a:rPr lang="en-US" dirty="0"/>
               <a:t>Objects have </a:t>
             </a:r>
             <a:r>
-              <a:rPr lang="mr-IN" dirty="0" smtClean="0"/>
+              <a:rPr lang="mr-IN" dirty="0"/>
               <a:t>…</a:t>
             </a:r>
             <a:r>
-              <a:rPr lang="en-US" dirty="0" smtClean="0"/>
+              <a:rPr lang="en-US" dirty="0"/>
               <a:t> </a:t>
             </a:r>
           </a:p>
           <a:p>
             <a:pPr lvl="1"/>
             <a:r>
-              <a:rPr lang="en-US" dirty="0" smtClean="0"/>
+              <a:rPr lang="en-US" dirty="0"/>
               <a:t>Attributes </a:t>
             </a:r>
           </a:p>
           <a:p>
             <a:pPr lvl="1"/>
             <a:r>
-              <a:rPr lang="en-US" dirty="0" smtClean="0"/>
+              <a:rPr lang="en-US" dirty="0"/>
               <a:t>Functions </a:t>
             </a:r>
           </a:p>
           <a:p>
             <a:pPr lvl="1"/>
             <a:r>
-              <a:rPr lang="en-US" dirty="0" smtClean="0"/>
+              <a:rPr lang="en-US" dirty="0"/>
               <a:t>Data </a:t>
             </a:r>
           </a:p>
@@ -15379,21 +15416,21 @@
               <a:buNone/>
             </a:pPr>
             <a:r>
-              <a:rPr lang="mr-IN" dirty="0" smtClean="0"/>
+              <a:rPr lang="mr-IN" dirty="0"/>
               <a:t>…</a:t>
             </a:r>
             <a:r>
-              <a:rPr lang="en-US" dirty="0" smtClean="0"/>
-              <a:t> which is unique to the object, as well as interactions with other objects. </a:t>
+              <a:rPr lang="en-US" dirty="0"/>
+              <a:t> which are unique to the object; also interactions with other objects. </a:t>
             </a:r>
           </a:p>
           <a:p>
             <a:pPr lvl="1"/>
-            <a:endParaRPr lang="en-US" dirty="0" smtClean="0"/>
+            <a:endParaRPr lang="en-US" dirty="0"/>
           </a:p>
           <a:p>
             <a:pPr lvl="1"/>
-            <a:endParaRPr lang="en-US" dirty="0" smtClean="0"/>
+            <a:endParaRPr lang="en-US" dirty="0"/>
           </a:p>
         </p:txBody>
       </p:sp>
@@ -15407,13 +15444,6 @@
   <p:clrMapOvr>
     <a:masterClrMapping/>
   </p:clrMapOvr>
-  <p:timing>
-    <p:tnLst>
-      <p:par>
-        <p:cTn id="1" dur="indefinite" restart="never" nodeType="tmRoot"/>
-      </p:par>
-    </p:tnLst>
-  </p:timing>
 </p:sld>
 </file>
 
@@ -15450,10 +15480,9 @@
           <a:lstStyle/>
           <a:p>
             <a:r>
-              <a:rPr lang="en-US" dirty="0" smtClean="0"/>
+              <a:rPr lang="en-US" dirty="0"/>
               <a:t>Recall: Lists vs. Arrays</a:t>
             </a:r>
-            <a:endParaRPr lang="en-US" dirty="0"/>
           </a:p>
         </p:txBody>
       </p:sp>
@@ -15490,7 +15519,7 @@
               <a:defRPr/>
             </a:pPr>
             <a:r>
-              <a:rPr lang="en-US" dirty="0" smtClean="0"/>
+              <a:rPr lang="en-US" dirty="0"/>
               <a:t>If it wasn’t already, it should now be fairly clear what we mean when we say lists and arrays are different objects. </a:t>
             </a:r>
           </a:p>
@@ -15512,7 +15541,7 @@
               <a:tabLst/>
               <a:defRPr/>
             </a:pPr>
-            <a:endParaRPr lang="en-US" dirty="0" smtClean="0"/>
+            <a:endParaRPr lang="en-US" dirty="0"/>
           </a:p>
           <a:p>
             <a:pPr marL="0" marR="0" lvl="0" indent="0" defTabSz="914400" eaLnBrk="1" fontAlgn="auto" latinLnBrk="0" hangingPunct="1">
@@ -15573,7 +15602,7 @@
               <a:defRPr/>
             </a:pPr>
             <a:r>
-              <a:rPr lang="en-US" dirty="0" smtClean="0"/>
+              <a:rPr lang="en-US" dirty="0"/>
               <a:t>They are instances of different classes with different source code. </a:t>
             </a:r>
           </a:p>
@@ -15625,10 +15654,9 @@
           <a:lstStyle/>
           <a:p>
             <a:r>
-              <a:rPr lang="en-US" dirty="0" smtClean="0"/>
+              <a:rPr lang="en-US" dirty="0"/>
               <a:t>An Example Object: A Dog </a:t>
             </a:r>
-            <a:endParaRPr lang="en-US" dirty="0"/>
           </a:p>
         </p:txBody>
       </p:sp>
@@ -15670,7 +15698,7 @@
               <a:defRPr/>
             </a:pPr>
             <a:r>
-              <a:rPr lang="en-US" dirty="0" smtClean="0"/>
+              <a:rPr lang="en-US" dirty="0"/>
               <a:t>Attributes: color, breed, name, gender </a:t>
             </a:r>
           </a:p>
@@ -15713,7 +15741,7 @@
               <a:defRPr/>
             </a:pPr>
             <a:r>
-              <a:rPr lang="en-US" dirty="0" smtClean="0"/>
+              <a:rPr lang="en-US" dirty="0"/>
               <a:t>Functions: bark, roll over, shake, eat, drink, chase tail </a:t>
             </a:r>
           </a:p>
@@ -15735,7 +15763,7 @@
               <a:tabLst/>
               <a:defRPr/>
             </a:pPr>
-            <a:endParaRPr lang="en-US" dirty="0" smtClean="0"/>
+            <a:endParaRPr lang="en-US" dirty="0"/>
           </a:p>
           <a:p>
             <a:pPr marL="0" marR="0" lvl="0" indent="0" defTabSz="914400" eaLnBrk="1" fontAlgn="auto" latinLnBrk="0" hangingPunct="1">
@@ -15756,7 +15784,7 @@
               <a:defRPr/>
             </a:pPr>
             <a:r>
-              <a:rPr lang="en-US" dirty="0" smtClean="0"/>
+              <a:rPr lang="en-US" dirty="0"/>
               <a:t>Data: date of birth, veterinary records, previous owners </a:t>
             </a:r>
           </a:p>
@@ -15799,14 +15827,14 @@
               <a:defRPr/>
             </a:pPr>
             <a:r>
-              <a:rPr lang="en-US" dirty="0" smtClean="0"/>
+              <a:rPr lang="en-US" dirty="0"/>
               <a:t>Interactions with other objects: play with </a:t>
             </a:r>
             <a:r>
-              <a:rPr lang="en-US" smtClean="0"/>
+              <a:rPr lang="en-US"/>
               <a:t>other dogs/owner, chase cats </a:t>
             </a:r>
-            <a:endParaRPr lang="en-US" dirty="0" smtClean="0"/>
+            <a:endParaRPr lang="en-US" dirty="0"/>
           </a:p>
         </p:txBody>
       </p:sp>
@@ -15850,13 +15878,6 @@
   <p:clrMapOvr>
     <a:masterClrMapping/>
   </p:clrMapOvr>
-  <p:timing>
-    <p:tnLst>
-      <p:par>
-        <p:cTn id="1" dur="indefinite" restart="never" nodeType="tmRoot"/>
-      </p:par>
-    </p:tnLst>
-  </p:timing>
 </p:sld>
 </file>
 
@@ -15893,10 +15914,9 @@
           <a:lstStyle/>
           <a:p>
             <a:r>
-              <a:rPr lang="en-US" dirty="0" smtClean="0"/>
+              <a:rPr lang="en-US" dirty="0"/>
               <a:t>Dogs in Python </a:t>
             </a:r>
-            <a:endParaRPr lang="en-US" dirty="0"/>
           </a:p>
         </p:txBody>
       </p:sp>
@@ -15924,15 +15944,15 @@
               <a:buNone/>
             </a:pPr>
             <a:r>
-              <a:rPr lang="en-US" dirty="0" smtClean="0"/>
+              <a:rPr lang="en-US" dirty="0"/>
               <a:t>How you create instances of the class (i.e. objects) is determined by the __</a:t>
             </a:r>
             <a:r>
-              <a:rPr lang="en-US" dirty="0" err="1" smtClean="0"/>
+              <a:rPr lang="en-US" dirty="0" err="1"/>
               <a:t>init</a:t>
             </a:r>
             <a:r>
-              <a:rPr lang="en-US" dirty="0" smtClean="0"/>
+              <a:rPr lang="en-US" dirty="0"/>
               <a:t>__ function. </a:t>
             </a:r>
           </a:p>
@@ -15947,34 +15967,33 @@
               <a:buNone/>
             </a:pPr>
             <a:r>
-              <a:rPr lang="en-US" dirty="0" smtClean="0"/>
+              <a:rPr lang="en-US" dirty="0"/>
               <a:t>The first argument to __</a:t>
             </a:r>
             <a:r>
-              <a:rPr lang="en-US" dirty="0" err="1" smtClean="0"/>
+              <a:rPr lang="en-US" dirty="0" err="1"/>
               <a:t>init</a:t>
             </a:r>
             <a:r>
-              <a:rPr lang="en-US" dirty="0" smtClean="0"/>
+              <a:rPr lang="en-US" dirty="0"/>
               <a:t>__ should always be </a:t>
             </a:r>
             <a:r>
-              <a:rPr lang="en-US" i="1" dirty="0" smtClean="0"/>
+              <a:rPr lang="en-US" i="1" dirty="0"/>
               <a:t>self </a:t>
             </a:r>
             <a:r>
-              <a:rPr lang="mr-IN" i="1" dirty="0" smtClean="0"/>
+              <a:rPr lang="mr-IN" i="1" dirty="0"/>
               <a:t>–</a:t>
             </a:r>
             <a:r>
-              <a:rPr lang="en-US" i="1" dirty="0" smtClean="0"/>
+              <a:rPr lang="en-US" i="1" dirty="0"/>
               <a:t> </a:t>
             </a:r>
             <a:r>
-              <a:rPr lang="en-US" dirty="0" smtClean="0"/>
+              <a:rPr lang="en-US" dirty="0"/>
               <a:t>this is true of most functions in a class, and refers to the object itself being passed </a:t>
             </a:r>
-            <a:endParaRPr lang="en-US" dirty="0"/>
           </a:p>
         </p:txBody>
       </p:sp>
@@ -16048,13 +16067,6 @@
   <p:clrMapOvr>
     <a:masterClrMapping/>
   </p:clrMapOvr>
-  <p:timing>
-    <p:tnLst>
-      <p:par>
-        <p:cTn id="1" dur="indefinite" restart="never" nodeType="tmRoot"/>
-      </p:par>
-    </p:tnLst>
-  </p:timing>
 </p:sld>
 </file>
 
@@ -16091,10 +16103,9 @@
           <a:lstStyle/>
           <a:p>
             <a:r>
-              <a:rPr lang="en-US" dirty="0" smtClean="0"/>
+              <a:rPr lang="en-US" dirty="0"/>
               <a:t>Dogs in Python </a:t>
             </a:r>
-            <a:endParaRPr lang="en-US" dirty="0"/>
           </a:p>
         </p:txBody>
       </p:sp>
@@ -16122,15 +16133,15 @@
               <a:buNone/>
             </a:pPr>
             <a:r>
-              <a:rPr lang="en-US" dirty="0" smtClean="0"/>
+              <a:rPr lang="en-US" dirty="0"/>
               <a:t>How you create instances of the class (i.e. objects) is determined by the __</a:t>
             </a:r>
             <a:r>
-              <a:rPr lang="en-US" dirty="0" err="1" smtClean="0"/>
+              <a:rPr lang="en-US" dirty="0" err="1"/>
               <a:t>init</a:t>
             </a:r>
             <a:r>
-              <a:rPr lang="en-US" dirty="0" smtClean="0"/>
+              <a:rPr lang="en-US" dirty="0"/>
               <a:t>__ function. </a:t>
             </a:r>
           </a:p>
@@ -16145,31 +16156,31 @@
               <a:buNone/>
             </a:pPr>
             <a:r>
-              <a:rPr lang="en-US" dirty="0" smtClean="0"/>
+              <a:rPr lang="en-US" dirty="0"/>
               <a:t>The first argument to __</a:t>
             </a:r>
             <a:r>
-              <a:rPr lang="en-US" dirty="0" err="1" smtClean="0"/>
+              <a:rPr lang="en-US" dirty="0" err="1"/>
               <a:t>init</a:t>
             </a:r>
             <a:r>
-              <a:rPr lang="en-US" dirty="0" smtClean="0"/>
+              <a:rPr lang="en-US" dirty="0"/>
               <a:t>__ should always be </a:t>
             </a:r>
             <a:r>
-              <a:rPr lang="en-US" i="1" dirty="0" smtClean="0"/>
+              <a:rPr lang="en-US" i="1" dirty="0"/>
               <a:t>self </a:t>
             </a:r>
             <a:r>
-              <a:rPr lang="mr-IN" i="1" dirty="0" smtClean="0"/>
+              <a:rPr lang="mr-IN" i="1" dirty="0"/>
               <a:t>–</a:t>
             </a:r>
             <a:r>
-              <a:rPr lang="en-US" i="1" dirty="0" smtClean="0"/>
+              <a:rPr lang="en-US" i="1" dirty="0"/>
               <a:t> </a:t>
             </a:r>
             <a:r>
-              <a:rPr lang="en-US" dirty="0" smtClean="0"/>
+              <a:rPr lang="en-US" dirty="0"/>
               <a:t>this is true of most functions in a class, and refers to the object itself being passed </a:t>
             </a:r>
           </a:p>
@@ -16184,18 +16195,17 @@
               <a:buNone/>
             </a:pPr>
             <a:r>
-              <a:rPr lang="en-US" dirty="0" smtClean="0"/>
+              <a:rPr lang="en-US" dirty="0"/>
               <a:t>This gets the job done, but</a:t>
             </a:r>
             <a:r>
-              <a:rPr lang="mr-IN" dirty="0" smtClean="0"/>
+              <a:rPr lang="mr-IN" dirty="0"/>
               <a:t>…</a:t>
             </a:r>
             <a:r>
-              <a:rPr lang="en-US" dirty="0" smtClean="0"/>
+              <a:rPr lang="en-US" dirty="0"/>
               <a:t> </a:t>
             </a:r>
-            <a:endParaRPr lang="en-US" dirty="0"/>
           </a:p>
         </p:txBody>
       </p:sp>
@@ -16269,13 +16279,6 @@
   <p:clrMapOvr>
     <a:masterClrMapping/>
   </p:clrMapOvr>
-  <p:timing>
-    <p:tnLst>
-      <p:par>
-        <p:cTn id="1" dur="indefinite" restart="never" nodeType="tmRoot"/>
-      </p:par>
-    </p:tnLst>
-  </p:timing>
 </p:sld>
 </file>
 
@@ -16312,10 +16315,9 @@
           <a:lstStyle/>
           <a:p>
             <a:r>
-              <a:rPr lang="en-US" dirty="0" smtClean="0"/>
+              <a:rPr lang="en-US" dirty="0"/>
               <a:t>Dogs in Python </a:t>
             </a:r>
-            <a:endParaRPr lang="en-US" dirty="0"/>
           </a:p>
         </p:txBody>
       </p:sp>
@@ -16345,15 +16347,15 @@
               <a:buNone/>
             </a:pPr>
             <a:r>
-              <a:rPr lang="en-US" dirty="0" smtClean="0"/>
+              <a:rPr lang="en-US" dirty="0"/>
               <a:t>How you create instances of the class (i.e. objects) is determined by the __</a:t>
             </a:r>
             <a:r>
-              <a:rPr lang="en-US" dirty="0" err="1" smtClean="0"/>
+              <a:rPr lang="en-US" dirty="0" err="1"/>
               <a:t>init</a:t>
             </a:r>
             <a:r>
-              <a:rPr lang="en-US" dirty="0" smtClean="0"/>
+              <a:rPr lang="en-US" dirty="0"/>
               <a:t>__ function. </a:t>
             </a:r>
           </a:p>
@@ -16368,31 +16370,31 @@
               <a:buNone/>
             </a:pPr>
             <a:r>
-              <a:rPr lang="en-US" dirty="0" smtClean="0"/>
+              <a:rPr lang="en-US" dirty="0"/>
               <a:t>The first argument to __</a:t>
             </a:r>
             <a:r>
-              <a:rPr lang="en-US" dirty="0" err="1" smtClean="0"/>
+              <a:rPr lang="en-US" dirty="0" err="1"/>
               <a:t>init</a:t>
             </a:r>
             <a:r>
-              <a:rPr lang="en-US" dirty="0" smtClean="0"/>
+              <a:rPr lang="en-US" dirty="0"/>
               <a:t>__ should always be </a:t>
             </a:r>
             <a:r>
-              <a:rPr lang="en-US" i="1" dirty="0" smtClean="0"/>
+              <a:rPr lang="en-US" i="1" dirty="0"/>
               <a:t>self </a:t>
             </a:r>
             <a:r>
-              <a:rPr lang="mr-IN" i="1" dirty="0" smtClean="0"/>
+              <a:rPr lang="mr-IN" i="1" dirty="0"/>
               <a:t>–</a:t>
             </a:r>
             <a:r>
-              <a:rPr lang="en-US" i="1" dirty="0" smtClean="0"/>
+              <a:rPr lang="en-US" i="1" dirty="0"/>
               <a:t> </a:t>
             </a:r>
             <a:r>
-              <a:rPr lang="en-US" dirty="0" smtClean="0"/>
+              <a:rPr lang="en-US" dirty="0"/>
               <a:t>this is true of most functions in a class, and refers to the object itself being passed </a:t>
             </a:r>
           </a:p>
@@ -16407,10 +16409,9 @@
               <a:buNone/>
             </a:pPr>
             <a:r>
-              <a:rPr lang="en-US" dirty="0" smtClean="0"/>
+              <a:rPr lang="en-US" dirty="0"/>
               <a:t>This gets the job done, but it’s easily broken </a:t>
             </a:r>
-            <a:endParaRPr lang="en-US" dirty="0"/>
           </a:p>
         </p:txBody>
       </p:sp>
@@ -16484,13 +16485,6 @@
   <p:clrMapOvr>
     <a:masterClrMapping/>
   </p:clrMapOvr>
-  <p:timing>
-    <p:tnLst>
-      <p:par>
-        <p:cTn id="1" dur="indefinite" restart="never" nodeType="tmRoot"/>
-      </p:par>
-    </p:tnLst>
-  </p:timing>
 </p:sld>
 </file>
 
@@ -16527,10 +16521,9 @@
           <a:lstStyle/>
           <a:p>
             <a:r>
-              <a:rPr lang="en-US" dirty="0" smtClean="0"/>
+              <a:rPr lang="en-US" dirty="0"/>
               <a:t>Dogs in Python </a:t>
             </a:r>
-            <a:endParaRPr lang="en-US" dirty="0"/>
           </a:p>
         </p:txBody>
       </p:sp>
@@ -16560,23 +16553,23 @@
               <a:buNone/>
             </a:pPr>
             <a:r>
-              <a:rPr lang="en-US" dirty="0" smtClean="0"/>
+              <a:rPr lang="en-US" dirty="0"/>
               <a:t>Error-handling of attributes requires </a:t>
             </a:r>
             <a:r>
-              <a:rPr lang="en-US" i="1" dirty="0" smtClean="0"/>
+              <a:rPr lang="en-US" i="1" dirty="0"/>
               <a:t>property</a:t>
             </a:r>
             <a:r>
-              <a:rPr lang="en-US" dirty="0" smtClean="0"/>
+              <a:rPr lang="en-US" dirty="0"/>
               <a:t> and </a:t>
             </a:r>
             <a:r>
-              <a:rPr lang="en-US" i="1" dirty="0" smtClean="0"/>
+              <a:rPr lang="en-US" i="1" dirty="0"/>
               <a:t>setter</a:t>
             </a:r>
             <a:r>
-              <a:rPr lang="en-US" dirty="0" smtClean="0"/>
+              <a:rPr lang="en-US" dirty="0"/>
               <a:t> functions </a:t>
             </a:r>
           </a:p>
@@ -16591,19 +16584,19 @@
               <a:buNone/>
             </a:pPr>
             <a:r>
-              <a:rPr lang="en-US" i="1" dirty="0" err="1" smtClean="0"/>
+              <a:rPr lang="en-US" i="1" dirty="0" err="1"/>
               <a:t>self._property</a:t>
             </a:r>
             <a:r>
-              <a:rPr lang="en-US" dirty="0" smtClean="0"/>
+              <a:rPr lang="en-US" dirty="0"/>
               <a:t> is a conventional way of storing </a:t>
             </a:r>
             <a:r>
-              <a:rPr lang="en-US" i="1" dirty="0" err="1" smtClean="0"/>
+              <a:rPr lang="en-US" i="1" dirty="0" err="1"/>
               <a:t>self.property</a:t>
             </a:r>
             <a:r>
-              <a:rPr lang="en-US" dirty="0" smtClean="0"/>
+              <a:rPr lang="en-US" dirty="0"/>
               <a:t> under the hood, protected by error-handling </a:t>
             </a:r>
           </a:p>
@@ -16618,42 +16611,41 @@
               <a:buNone/>
             </a:pPr>
             <a:r>
-              <a:rPr lang="en-US" dirty="0" smtClean="0"/>
+              <a:rPr lang="en-US" dirty="0"/>
               <a:t>This throws a </a:t>
             </a:r>
             <a:r>
-              <a:rPr lang="en-US" i="1" dirty="0" err="1" smtClean="0"/>
+              <a:rPr lang="en-US" i="1" dirty="0" err="1"/>
               <a:t>TypeError</a:t>
             </a:r>
             <a:r>
-              <a:rPr lang="en-US" dirty="0" smtClean="0"/>
+              <a:rPr lang="en-US" dirty="0"/>
               <a:t> whenever the user tries to set </a:t>
             </a:r>
             <a:r>
-              <a:rPr lang="en-US" i="1" dirty="0" smtClean="0"/>
+              <a:rPr lang="en-US" i="1" dirty="0"/>
               <a:t>name</a:t>
             </a:r>
             <a:r>
-              <a:rPr lang="en-US" dirty="0" smtClean="0"/>
+              <a:rPr lang="en-US" dirty="0"/>
               <a:t> or </a:t>
             </a:r>
             <a:r>
-              <a:rPr lang="en-US" i="1" dirty="0" smtClean="0"/>
+              <a:rPr lang="en-US" i="1" dirty="0"/>
               <a:t>breed</a:t>
             </a:r>
             <a:r>
-              <a:rPr lang="en-US" dirty="0" smtClean="0"/>
+              <a:rPr lang="en-US" dirty="0"/>
               <a:t> to something other than a </a:t>
             </a:r>
             <a:r>
-              <a:rPr lang="en-US" i="1" dirty="0" err="1" smtClean="0"/>
+              <a:rPr lang="en-US" i="1" dirty="0" err="1"/>
               <a:t>str</a:t>
             </a:r>
             <a:r>
-              <a:rPr lang="en-US" dirty="0" smtClean="0"/>
+              <a:rPr lang="en-US" dirty="0"/>
               <a:t> </a:t>
             </a:r>
-            <a:endParaRPr lang="en-US" dirty="0"/>
           </a:p>
         </p:txBody>
       </p:sp>
@@ -16697,13 +16689,6 @@
   <p:clrMapOvr>
     <a:masterClrMapping/>
   </p:clrMapOvr>
-  <p:timing>
-    <p:tnLst>
-      <p:par>
-        <p:cTn id="1" dur="indefinite" restart="never" nodeType="tmRoot"/>
-      </p:par>
-    </p:tnLst>
-  </p:timing>
 </p:sld>
 </file>
 
@@ -16740,10 +16725,9 @@
           <a:lstStyle/>
           <a:p>
             <a:r>
-              <a:rPr lang="en-US" dirty="0" smtClean="0"/>
+              <a:rPr lang="en-US" dirty="0"/>
               <a:t>Dogs in Python </a:t>
             </a:r>
-            <a:endParaRPr lang="en-US" dirty="0"/>
           </a:p>
         </p:txBody>
       </p:sp>
@@ -16773,23 +16757,23 @@
               <a:buNone/>
             </a:pPr>
             <a:r>
-              <a:rPr lang="en-US" dirty="0" smtClean="0"/>
+              <a:rPr lang="en-US" dirty="0"/>
               <a:t>Error-handling of attributes requires </a:t>
             </a:r>
             <a:r>
-              <a:rPr lang="en-US" i="1" dirty="0" smtClean="0"/>
+              <a:rPr lang="en-US" i="1" dirty="0"/>
               <a:t>property</a:t>
             </a:r>
             <a:r>
-              <a:rPr lang="en-US" dirty="0" smtClean="0"/>
+              <a:rPr lang="en-US" dirty="0"/>
               <a:t> and </a:t>
             </a:r>
             <a:r>
-              <a:rPr lang="en-US" i="1" dirty="0" smtClean="0"/>
+              <a:rPr lang="en-US" i="1" dirty="0"/>
               <a:t>setter</a:t>
             </a:r>
             <a:r>
-              <a:rPr lang="en-US" dirty="0" smtClean="0"/>
+              <a:rPr lang="en-US" dirty="0"/>
               <a:t> functions </a:t>
             </a:r>
           </a:p>
@@ -16804,19 +16788,19 @@
               <a:buNone/>
             </a:pPr>
             <a:r>
-              <a:rPr lang="en-US" i="1" dirty="0" err="1" smtClean="0"/>
+              <a:rPr lang="en-US" i="1" dirty="0" err="1"/>
               <a:t>self._property</a:t>
             </a:r>
             <a:r>
-              <a:rPr lang="en-US" dirty="0" smtClean="0"/>
+              <a:rPr lang="en-US" dirty="0"/>
               <a:t> is a conventional way of storing </a:t>
             </a:r>
             <a:r>
-              <a:rPr lang="en-US" i="1" dirty="0" err="1" smtClean="0"/>
+              <a:rPr lang="en-US" i="1" dirty="0" err="1"/>
               <a:t>self.property</a:t>
             </a:r>
             <a:r>
-              <a:rPr lang="en-US" dirty="0" smtClean="0"/>
+              <a:rPr lang="en-US" dirty="0"/>
               <a:t> under the hood, protected by error-handling </a:t>
             </a:r>
           </a:p>
@@ -16831,39 +16815,39 @@
               <a:buNone/>
             </a:pPr>
             <a:r>
-              <a:rPr lang="en-US" dirty="0" smtClean="0"/>
+              <a:rPr lang="en-US" dirty="0"/>
               <a:t>This throws a </a:t>
             </a:r>
             <a:r>
-              <a:rPr lang="en-US" i="1" dirty="0" err="1" smtClean="0"/>
+              <a:rPr lang="en-US" i="1" dirty="0" err="1"/>
               <a:t>TypeError</a:t>
             </a:r>
             <a:r>
-              <a:rPr lang="en-US" dirty="0" smtClean="0"/>
+              <a:rPr lang="en-US" dirty="0"/>
               <a:t> whenever the user tries to set </a:t>
             </a:r>
             <a:r>
-              <a:rPr lang="en-US" i="1" dirty="0" smtClean="0"/>
+              <a:rPr lang="en-US" i="1" dirty="0"/>
               <a:t>name</a:t>
             </a:r>
             <a:r>
-              <a:rPr lang="en-US" dirty="0" smtClean="0"/>
+              <a:rPr lang="en-US" dirty="0"/>
               <a:t> or </a:t>
             </a:r>
             <a:r>
-              <a:rPr lang="en-US" i="1" dirty="0" smtClean="0"/>
+              <a:rPr lang="en-US" i="1" dirty="0"/>
               <a:t>breed</a:t>
             </a:r>
             <a:r>
-              <a:rPr lang="en-US" dirty="0" smtClean="0"/>
+              <a:rPr lang="en-US" dirty="0"/>
               <a:t> to something other than a </a:t>
             </a:r>
             <a:r>
-              <a:rPr lang="en-US" i="1" dirty="0" err="1" smtClean="0"/>
+              <a:rPr lang="en-US" i="1" dirty="0" err="1"/>
               <a:t>str</a:t>
             </a:r>
             <a:r>
-              <a:rPr lang="en-US" smtClean="0"/>
+              <a:rPr lang="en-US"/>
               <a:t> </a:t>
             </a:r>
             <a:endParaRPr lang="en-US" dirty="0"/>
@@ -16910,13 +16894,6 @@
   <p:clrMapOvr>
     <a:masterClrMapping/>
   </p:clrMapOvr>
-  <p:timing>
-    <p:tnLst>
-      <p:par>
-        <p:cTn id="1" dur="indefinite" restart="never" nodeType="tmRoot"/>
-      </p:par>
-    </p:tnLst>
-  </p:timing>
 </p:sld>
 </file>
 

--- a/slides/classes.pptx
+++ b/slides/classes.pptx
@@ -226,7 +226,7 @@
           <a:p>
             <a:fld id="{B7A48688-84F4-1E49-8ACA-B3D0469C8F43}" type="datetimeFigureOut">
               <a:rPr lang="en-US" smtClean="0"/>
-              <a:t>5/17/21</a:t>
+              <a:t>5/8/22</a:t>
             </a:fld>
             <a:endParaRPr lang="en-US"/>
           </a:p>
@@ -1562,7 +1562,7 @@
           <a:p>
             <a:fld id="{51673806-0BCD-1F42-BAA8-2011034B3C6A}" type="datetimeFigureOut">
               <a:rPr lang="en-US" smtClean="0"/>
-              <a:t>5/17/21</a:t>
+              <a:t>5/8/22</a:t>
             </a:fld>
             <a:endParaRPr lang="en-US"/>
           </a:p>
@@ -1976,7 +1976,7 @@
           <a:p>
             <a:fld id="{51673806-0BCD-1F42-BAA8-2011034B3C6A}" type="datetimeFigureOut">
               <a:rPr lang="en-US" smtClean="0"/>
-              <a:t>5/17/21</a:t>
+              <a:t>5/8/22</a:t>
             </a:fld>
             <a:endParaRPr lang="en-US"/>
           </a:p>
@@ -2307,7 +2307,7 @@
           <a:p>
             <a:fld id="{51673806-0BCD-1F42-BAA8-2011034B3C6A}" type="datetimeFigureOut">
               <a:rPr lang="en-US" smtClean="0"/>
-              <a:t>5/17/21</a:t>
+              <a:t>5/8/22</a:t>
             </a:fld>
             <a:endParaRPr lang="en-US"/>
           </a:p>
@@ -2707,7 +2707,7 @@
           <a:p>
             <a:fld id="{51673806-0BCD-1F42-BAA8-2011034B3C6A}" type="datetimeFigureOut">
               <a:rPr lang="en-US" smtClean="0"/>
-              <a:t>5/17/21</a:t>
+              <a:t>5/8/22</a:t>
             </a:fld>
             <a:endParaRPr lang="en-US"/>
           </a:p>
@@ -3270,7 +3270,7 @@
           <a:p>
             <a:fld id="{51673806-0BCD-1F42-BAA8-2011034B3C6A}" type="datetimeFigureOut">
               <a:rPr lang="en-US" smtClean="0"/>
-              <a:t>5/17/21</a:t>
+              <a:t>5/8/22</a:t>
             </a:fld>
             <a:endParaRPr lang="en-US"/>
           </a:p>
@@ -3946,7 +3946,7 @@
           <a:p>
             <a:fld id="{51673806-0BCD-1F42-BAA8-2011034B3C6A}" type="datetimeFigureOut">
               <a:rPr lang="en-US" smtClean="0"/>
-              <a:t>5/17/21</a:t>
+              <a:t>5/8/22</a:t>
             </a:fld>
             <a:endParaRPr lang="en-US"/>
           </a:p>
@@ -4854,7 +4854,7 @@
           <a:p>
             <a:fld id="{51673806-0BCD-1F42-BAA8-2011034B3C6A}" type="datetimeFigureOut">
               <a:rPr lang="en-US" smtClean="0"/>
-              <a:t>5/17/21</a:t>
+              <a:t>5/8/22</a:t>
             </a:fld>
             <a:endParaRPr lang="en-US"/>
           </a:p>
@@ -5162,7 +5162,7 @@
           <a:p>
             <a:fld id="{51673806-0BCD-1F42-BAA8-2011034B3C6A}" type="datetimeFigureOut">
               <a:rPr lang="en-US" smtClean="0"/>
-              <a:t>5/17/21</a:t>
+              <a:t>5/8/22</a:t>
             </a:fld>
             <a:endParaRPr lang="en-US"/>
           </a:p>
@@ -5421,7 +5421,7 @@
           <a:p>
             <a:fld id="{51673806-0BCD-1F42-BAA8-2011034B3C6A}" type="datetimeFigureOut">
               <a:rPr lang="en-US" smtClean="0"/>
-              <a:t>5/17/21</a:t>
+              <a:t>5/8/22</a:t>
             </a:fld>
             <a:endParaRPr lang="en-US"/>
           </a:p>
@@ -5744,7 +5744,7 @@
           <a:p>
             <a:fld id="{51673806-0BCD-1F42-BAA8-2011034B3C6A}" type="datetimeFigureOut">
               <a:rPr lang="en-US" smtClean="0"/>
-              <a:t>5/17/21</a:t>
+              <a:t>5/8/22</a:t>
             </a:fld>
             <a:endParaRPr lang="en-US"/>
           </a:p>
@@ -6128,7 +6128,7 @@
           <a:p>
             <a:fld id="{51673806-0BCD-1F42-BAA8-2011034B3C6A}" type="datetimeFigureOut">
               <a:rPr lang="en-US" smtClean="0"/>
-              <a:t>5/17/21</a:t>
+              <a:t>5/8/22</a:t>
             </a:fld>
             <a:endParaRPr lang="en-US"/>
           </a:p>
@@ -6504,7 +6504,7 @@
           <a:p>
             <a:fld id="{51673806-0BCD-1F42-BAA8-2011034B3C6A}" type="datetimeFigureOut">
               <a:rPr lang="en-US" smtClean="0"/>
-              <a:t>5/17/21</a:t>
+              <a:t>5/8/22</a:t>
             </a:fld>
             <a:endParaRPr lang="en-US"/>
           </a:p>
@@ -7010,7 +7010,7 @@
           <a:p>
             <a:fld id="{51673806-0BCD-1F42-BAA8-2011034B3C6A}" type="datetimeFigureOut">
               <a:rPr lang="en-US" smtClean="0"/>
-              <a:t>5/17/21</a:t>
+              <a:t>5/8/22</a:t>
             </a:fld>
             <a:endParaRPr lang="en-US"/>
           </a:p>
@@ -7267,7 +7267,7 @@
           <a:p>
             <a:fld id="{51673806-0BCD-1F42-BAA8-2011034B3C6A}" type="datetimeFigureOut">
               <a:rPr lang="en-US" smtClean="0"/>
-              <a:t>5/17/21</a:t>
+              <a:t>5/8/22</a:t>
             </a:fld>
             <a:endParaRPr lang="en-US"/>
           </a:p>
@@ -7425,7 +7425,7 @@
           <a:p>
             <a:fld id="{51673806-0BCD-1F42-BAA8-2011034B3C6A}" type="datetimeFigureOut">
               <a:rPr lang="en-US" smtClean="0"/>
-              <a:t>5/17/21</a:t>
+              <a:t>5/8/22</a:t>
             </a:fld>
             <a:endParaRPr lang="en-US"/>
           </a:p>
@@ -7815,7 +7815,7 @@
           <a:p>
             <a:fld id="{51673806-0BCD-1F42-BAA8-2011034B3C6A}" type="datetimeFigureOut">
               <a:rPr lang="en-US" smtClean="0"/>
-              <a:t>5/17/21</a:t>
+              <a:t>5/8/22</a:t>
             </a:fld>
             <a:endParaRPr lang="en-US"/>
           </a:p>
@@ -8224,7 +8224,7 @@
           <a:p>
             <a:fld id="{51673806-0BCD-1F42-BAA8-2011034B3C6A}" type="datetimeFigureOut">
               <a:rPr lang="en-US" smtClean="0"/>
-              <a:t>5/17/21</a:t>
+              <a:t>5/8/22</a:t>
             </a:fld>
             <a:endParaRPr lang="en-US"/>
           </a:p>
@@ -8470,7 +8470,7 @@
             <a:fld id="{51673806-0BCD-1F42-BAA8-2011034B3C6A}" type="datetimeFigureOut">
               <a:rPr lang="en-US" smtClean="0"/>
               <a:pPr/>
-              <a:t>5/17/21</a:t>
+              <a:t>5/8/22</a:t>
             </a:fld>
             <a:endParaRPr lang="en-US" dirty="0"/>
           </a:p>
@@ -8934,7 +8934,7 @@
           <a:p>
             <a:r>
               <a:rPr lang="en-US"/>
-              <a:t>SURP 2021 </a:t>
+              <a:t>SURP 2022 </a:t>
             </a:r>
             <a:r>
               <a:rPr lang="en-US" dirty="0"/>

--- a/slides/classes.pptx
+++ b/slides/classes.pptx
@@ -5,39 +5,41 @@
     <p:sldMasterId id="2147484294" r:id="rId1"/>
   </p:sldMasterIdLst>
   <p:notesMasterIdLst>
-    <p:notesMasterId r:id="rId32"/>
+    <p:notesMasterId r:id="rId34"/>
   </p:notesMasterIdLst>
   <p:sldIdLst>
     <p:sldId id="256" r:id="rId2"/>
     <p:sldId id="257" r:id="rId3"/>
     <p:sldId id="258" r:id="rId4"/>
-    <p:sldId id="259" r:id="rId5"/>
-    <p:sldId id="260" r:id="rId6"/>
-    <p:sldId id="261" r:id="rId7"/>
-    <p:sldId id="262" r:id="rId8"/>
-    <p:sldId id="263" r:id="rId9"/>
-    <p:sldId id="264" r:id="rId10"/>
-    <p:sldId id="273" r:id="rId11"/>
-    <p:sldId id="265" r:id="rId12"/>
-    <p:sldId id="266" r:id="rId13"/>
-    <p:sldId id="267" r:id="rId14"/>
-    <p:sldId id="268" r:id="rId15"/>
-    <p:sldId id="269" r:id="rId16"/>
-    <p:sldId id="270" r:id="rId17"/>
-    <p:sldId id="271" r:id="rId18"/>
-    <p:sldId id="272" r:id="rId19"/>
-    <p:sldId id="274" r:id="rId20"/>
-    <p:sldId id="275" r:id="rId21"/>
-    <p:sldId id="276" r:id="rId22"/>
-    <p:sldId id="277" r:id="rId23"/>
-    <p:sldId id="278" r:id="rId24"/>
-    <p:sldId id="279" r:id="rId25"/>
-    <p:sldId id="281" r:id="rId26"/>
-    <p:sldId id="280" r:id="rId27"/>
-    <p:sldId id="282" r:id="rId28"/>
-    <p:sldId id="283" r:id="rId29"/>
-    <p:sldId id="284" r:id="rId30"/>
-    <p:sldId id="285" r:id="rId31"/>
+    <p:sldId id="286" r:id="rId5"/>
+    <p:sldId id="259" r:id="rId6"/>
+    <p:sldId id="260" r:id="rId7"/>
+    <p:sldId id="261" r:id="rId8"/>
+    <p:sldId id="262" r:id="rId9"/>
+    <p:sldId id="263" r:id="rId10"/>
+    <p:sldId id="264" r:id="rId11"/>
+    <p:sldId id="287" r:id="rId12"/>
+    <p:sldId id="273" r:id="rId13"/>
+    <p:sldId id="265" r:id="rId14"/>
+    <p:sldId id="266" r:id="rId15"/>
+    <p:sldId id="267" r:id="rId16"/>
+    <p:sldId id="268" r:id="rId17"/>
+    <p:sldId id="269" r:id="rId18"/>
+    <p:sldId id="270" r:id="rId19"/>
+    <p:sldId id="271" r:id="rId20"/>
+    <p:sldId id="272" r:id="rId21"/>
+    <p:sldId id="274" r:id="rId22"/>
+    <p:sldId id="275" r:id="rId23"/>
+    <p:sldId id="276" r:id="rId24"/>
+    <p:sldId id="277" r:id="rId25"/>
+    <p:sldId id="278" r:id="rId26"/>
+    <p:sldId id="279" r:id="rId27"/>
+    <p:sldId id="281" r:id="rId28"/>
+    <p:sldId id="280" r:id="rId29"/>
+    <p:sldId id="282" r:id="rId30"/>
+    <p:sldId id="283" r:id="rId31"/>
+    <p:sldId id="284" r:id="rId32"/>
+    <p:sldId id="285" r:id="rId33"/>
   </p:sldIdLst>
   <p:sldSz cx="12192000" cy="6858000"/>
   <p:notesSz cx="6858000" cy="9144000"/>
@@ -226,7 +228,7 @@
           <a:p>
             <a:fld id="{B7A48688-84F4-1E49-8ACA-B3D0469C8F43}" type="datetimeFigureOut">
               <a:rPr lang="en-US" smtClean="0"/>
-              <a:t>5/8/22</a:t>
+              <a:t>5/15/22</a:t>
             </a:fld>
             <a:endParaRPr lang="en-US"/>
           </a:p>
@@ -539,37 +541,8 @@
           <a:p>
             <a:r>
               <a:rPr lang="en-US" dirty="0"/>
-              <a:t>Note verbally</a:t>
-            </a:r>
-            <a:r>
-              <a:rPr lang="en-US" baseline="0" dirty="0"/>
-              <a:t> here that @property, @</a:t>
-            </a:r>
-            <a:r>
-              <a:rPr lang="en-US" baseline="0" dirty="0" err="1"/>
-              <a:t>name.setter</a:t>
-            </a:r>
-            <a:r>
-              <a:rPr lang="en-US" baseline="0" dirty="0"/>
-              <a:t>, and @</a:t>
-            </a:r>
-            <a:r>
-              <a:rPr lang="en-US" baseline="0" dirty="0" err="1"/>
-              <a:t>breed.setter</a:t>
-            </a:r>
-            <a:r>
-              <a:rPr lang="en-US" baseline="0" dirty="0"/>
-              <a:t> are called decorators, and that we’ll see some more of them in a second. You can make your own decorators but that’s a bit outside the scope of the </a:t>
-            </a:r>
-            <a:r>
-              <a:rPr lang="en-US" baseline="0" dirty="0" err="1"/>
-              <a:t>bootcamp</a:t>
-            </a:r>
-            <a:r>
-              <a:rPr lang="en-US" baseline="0" dirty="0"/>
-              <a:t>. </a:t>
-            </a:r>
-            <a:endParaRPr lang="en-US" dirty="0"/>
+              <a:t>This “dot syntax” is going to keep arising – it’s how you access attributes and functions associated with specific objects.</a:t>
+            </a:r>
           </a:p>
         </p:txBody>
       </p:sp>
@@ -580,7 +553,7 @@
             <a:spLocks noGrp="1"/>
           </p:cNvSpPr>
           <p:nvPr>
-            <p:ph type="sldNum" sz="quarter" idx="10"/>
+            <p:ph type="sldNum" sz="quarter" idx="5"/>
           </p:nvPr>
         </p:nvSpPr>
         <p:spPr/>
@@ -590,7 +563,7 @@
           <a:p>
             <a:fld id="{FB38BE01-6562-DE45-9404-D6DD8A86E18A}" type="slidenum">
               <a:rPr lang="en-US" smtClean="0"/>
-              <a:t>8</a:t>
+              <a:t>4</a:t>
             </a:fld>
             <a:endParaRPr lang="en-US"/>
           </a:p>
@@ -599,7 +572,291 @@
     </p:spTree>
     <p:extLst>
       <p:ext uri="{BB962C8B-B14F-4D97-AF65-F5344CB8AC3E}">
-        <p14:creationId xmlns:p14="http://schemas.microsoft.com/office/powerpoint/2010/main" val="192457221"/>
+        <p14:creationId xmlns:p14="http://schemas.microsoft.com/office/powerpoint/2010/main" val="523544569"/>
+      </p:ext>
+    </p:extLst>
+  </p:cSld>
+  <p:clrMapOvr>
+    <a:masterClrMapping/>
+  </p:clrMapOvr>
+</p:notes>
+</file>
+
+<file path=ppt/notesSlides/notesSlide10.xml><?xml version="1.0" encoding="utf-8"?>
+<p:notes xmlns:a="http://schemas.openxmlformats.org/drawingml/2006/main" xmlns:r="http://schemas.openxmlformats.org/officeDocument/2006/relationships" xmlns:p="http://schemas.openxmlformats.org/presentationml/2006/main">
+  <p:cSld>
+    <p:spTree>
+      <p:nvGrpSpPr>
+        <p:cNvPr id="1" name=""/>
+        <p:cNvGrpSpPr/>
+        <p:nvPr/>
+      </p:nvGrpSpPr>
+      <p:grpSpPr>
+        <a:xfrm>
+          <a:off x="0" y="0"/>
+          <a:ext cx="0" cy="0"/>
+          <a:chOff x="0" y="0"/>
+          <a:chExt cx="0" cy="0"/>
+        </a:xfrm>
+      </p:grpSpPr>
+      <p:sp>
+        <p:nvSpPr>
+          <p:cNvPr id="2" name="Slide Image Placeholder 1"/>
+          <p:cNvSpPr>
+            <a:spLocks noGrp="1" noRot="1" noChangeAspect="1"/>
+          </p:cNvSpPr>
+          <p:nvPr>
+            <p:ph type="sldImg"/>
+          </p:nvPr>
+        </p:nvSpPr>
+        <p:spPr/>
+      </p:sp>
+      <p:sp>
+        <p:nvSpPr>
+          <p:cNvPr id="3" name="Notes Placeholder 2"/>
+          <p:cNvSpPr>
+            <a:spLocks noGrp="1"/>
+          </p:cNvSpPr>
+          <p:nvPr>
+            <p:ph type="body" idx="1"/>
+          </p:nvPr>
+        </p:nvSpPr>
+        <p:spPr/>
+        <p:txBody>
+          <a:bodyPr/>
+          <a:lstStyle/>
+          <a:p>
+            <a:r>
+              <a:rPr lang="en-US" dirty="0"/>
+              <a:t>Note verbally here that when developers speak</a:t>
+            </a:r>
+            <a:r>
+              <a:rPr lang="en-US" baseline="0" dirty="0"/>
+              <a:t> of ”callable objects” they’re not just referring to functions. This also includes classes with a __call__ function. </a:t>
+            </a:r>
+            <a:endParaRPr lang="en-US" dirty="0"/>
+          </a:p>
+        </p:txBody>
+      </p:sp>
+      <p:sp>
+        <p:nvSpPr>
+          <p:cNvPr id="4" name="Slide Number Placeholder 3"/>
+          <p:cNvSpPr>
+            <a:spLocks noGrp="1"/>
+          </p:cNvSpPr>
+          <p:nvPr>
+            <p:ph type="sldNum" sz="quarter" idx="10"/>
+          </p:nvPr>
+        </p:nvSpPr>
+        <p:spPr/>
+        <p:txBody>
+          <a:bodyPr/>
+          <a:lstStyle/>
+          <a:p>
+            <a:fld id="{FB38BE01-6562-DE45-9404-D6DD8A86E18A}" type="slidenum">
+              <a:rPr lang="en-US" smtClean="0"/>
+              <a:t>21</a:t>
+            </a:fld>
+            <a:endParaRPr lang="en-US"/>
+          </a:p>
+        </p:txBody>
+      </p:sp>
+    </p:spTree>
+    <p:extLst>
+      <p:ext uri="{BB962C8B-B14F-4D97-AF65-F5344CB8AC3E}">
+        <p14:creationId xmlns:p14="http://schemas.microsoft.com/office/powerpoint/2010/main" val="810331557"/>
+      </p:ext>
+    </p:extLst>
+  </p:cSld>
+  <p:clrMapOvr>
+    <a:masterClrMapping/>
+  </p:clrMapOvr>
+</p:notes>
+</file>
+
+<file path=ppt/notesSlides/notesSlide11.xml><?xml version="1.0" encoding="utf-8"?>
+<p:notes xmlns:a="http://schemas.openxmlformats.org/drawingml/2006/main" xmlns:r="http://schemas.openxmlformats.org/officeDocument/2006/relationships" xmlns:p="http://schemas.openxmlformats.org/presentationml/2006/main">
+  <p:cSld>
+    <p:spTree>
+      <p:nvGrpSpPr>
+        <p:cNvPr id="1" name=""/>
+        <p:cNvGrpSpPr/>
+        <p:nvPr/>
+      </p:nvGrpSpPr>
+      <p:grpSpPr>
+        <a:xfrm>
+          <a:off x="0" y="0"/>
+          <a:ext cx="0" cy="0"/>
+          <a:chOff x="0" y="0"/>
+          <a:chExt cx="0" cy="0"/>
+        </a:xfrm>
+      </p:grpSpPr>
+      <p:sp>
+        <p:nvSpPr>
+          <p:cNvPr id="2" name="Slide Image Placeholder 1"/>
+          <p:cNvSpPr>
+            <a:spLocks noGrp="1" noRot="1" noChangeAspect="1"/>
+          </p:cNvSpPr>
+          <p:nvPr>
+            <p:ph type="sldImg"/>
+          </p:nvPr>
+        </p:nvSpPr>
+        <p:spPr/>
+      </p:sp>
+      <p:sp>
+        <p:nvSpPr>
+          <p:cNvPr id="3" name="Notes Placeholder 2"/>
+          <p:cNvSpPr>
+            <a:spLocks noGrp="1"/>
+          </p:cNvSpPr>
+          <p:nvPr>
+            <p:ph type="body" idx="1"/>
+          </p:nvPr>
+        </p:nvSpPr>
+        <p:spPr/>
+        <p:txBody>
+          <a:bodyPr/>
+          <a:lstStyle/>
+          <a:p>
+            <a:r>
+              <a:rPr lang="en-US" dirty="0"/>
+              <a:t>Note verbally that this definition of __</a:t>
+            </a:r>
+            <a:r>
+              <a:rPr lang="en-US" dirty="0" err="1"/>
+              <a:t>str</a:t>
+            </a:r>
+            <a:r>
+              <a:rPr lang="en-US" dirty="0"/>
+              <a:t>__ is</a:t>
+            </a:r>
+            <a:r>
+              <a:rPr lang="en-US" baseline="0" dirty="0"/>
+              <a:t> actually not necessary – by default it returns self.__</a:t>
+            </a:r>
+            <a:r>
+              <a:rPr lang="en-US" baseline="0" dirty="0" err="1"/>
+              <a:t>repr</a:t>
+            </a:r>
+            <a:r>
+              <a:rPr lang="en-US" baseline="0" dirty="0"/>
+              <a:t>__(), but included here as an example </a:t>
+            </a:r>
+            <a:endParaRPr lang="en-US" dirty="0"/>
+          </a:p>
+        </p:txBody>
+      </p:sp>
+      <p:sp>
+        <p:nvSpPr>
+          <p:cNvPr id="4" name="Slide Number Placeholder 3"/>
+          <p:cNvSpPr>
+            <a:spLocks noGrp="1"/>
+          </p:cNvSpPr>
+          <p:nvPr>
+            <p:ph type="sldNum" sz="quarter" idx="10"/>
+          </p:nvPr>
+        </p:nvSpPr>
+        <p:spPr/>
+        <p:txBody>
+          <a:bodyPr/>
+          <a:lstStyle/>
+          <a:p>
+            <a:fld id="{FB38BE01-6562-DE45-9404-D6DD8A86E18A}" type="slidenum">
+              <a:rPr lang="en-US" smtClean="0"/>
+              <a:t>23</a:t>
+            </a:fld>
+            <a:endParaRPr lang="en-US"/>
+          </a:p>
+        </p:txBody>
+      </p:sp>
+    </p:spTree>
+    <p:extLst>
+      <p:ext uri="{BB962C8B-B14F-4D97-AF65-F5344CB8AC3E}">
+        <p14:creationId xmlns:p14="http://schemas.microsoft.com/office/powerpoint/2010/main" val="1896743649"/>
+      </p:ext>
+    </p:extLst>
+  </p:cSld>
+  <p:clrMapOvr>
+    <a:masterClrMapping/>
+  </p:clrMapOvr>
+</p:notes>
+</file>
+
+<file path=ppt/notesSlides/notesSlide12.xml><?xml version="1.0" encoding="utf-8"?>
+<p:notes xmlns:a="http://schemas.openxmlformats.org/drawingml/2006/main" xmlns:r="http://schemas.openxmlformats.org/officeDocument/2006/relationships" xmlns:p="http://schemas.openxmlformats.org/presentationml/2006/main">
+  <p:cSld>
+    <p:spTree>
+      <p:nvGrpSpPr>
+        <p:cNvPr id="1" name=""/>
+        <p:cNvGrpSpPr/>
+        <p:nvPr/>
+      </p:nvGrpSpPr>
+      <p:grpSpPr>
+        <a:xfrm>
+          <a:off x="0" y="0"/>
+          <a:ext cx="0" cy="0"/>
+          <a:chOff x="0" y="0"/>
+          <a:chExt cx="0" cy="0"/>
+        </a:xfrm>
+      </p:grpSpPr>
+      <p:sp>
+        <p:nvSpPr>
+          <p:cNvPr id="2" name="Slide Image Placeholder 1"/>
+          <p:cNvSpPr>
+            <a:spLocks noGrp="1" noRot="1" noChangeAspect="1"/>
+          </p:cNvSpPr>
+          <p:nvPr>
+            <p:ph type="sldImg"/>
+          </p:nvPr>
+        </p:nvSpPr>
+        <p:spPr/>
+      </p:sp>
+      <p:sp>
+        <p:nvSpPr>
+          <p:cNvPr id="3" name="Notes Placeholder 2"/>
+          <p:cNvSpPr>
+            <a:spLocks noGrp="1"/>
+          </p:cNvSpPr>
+          <p:nvPr>
+            <p:ph type="body" idx="1"/>
+          </p:nvPr>
+        </p:nvSpPr>
+        <p:spPr/>
+        <p:txBody>
+          <a:bodyPr/>
+          <a:lstStyle/>
+          <a:p>
+            <a:endParaRPr lang="en-US"/>
+          </a:p>
+        </p:txBody>
+      </p:sp>
+      <p:sp>
+        <p:nvSpPr>
+          <p:cNvPr id="4" name="Slide Number Placeholder 3"/>
+          <p:cNvSpPr>
+            <a:spLocks noGrp="1"/>
+          </p:cNvSpPr>
+          <p:nvPr>
+            <p:ph type="sldNum" sz="quarter" idx="5"/>
+          </p:nvPr>
+        </p:nvSpPr>
+        <p:spPr/>
+        <p:txBody>
+          <a:bodyPr/>
+          <a:lstStyle/>
+          <a:p>
+            <a:fld id="{FB38BE01-6562-DE45-9404-D6DD8A86E18A}" type="slidenum">
+              <a:rPr lang="en-US" smtClean="0"/>
+              <a:t>32</a:t>
+            </a:fld>
+            <a:endParaRPr lang="en-US"/>
+          </a:p>
+        </p:txBody>
+      </p:sp>
+    </p:spTree>
+    <p:extLst>
+      <p:ext uri="{BB962C8B-B14F-4D97-AF65-F5344CB8AC3E}">
+        <p14:creationId xmlns:p14="http://schemas.microsoft.com/office/powerpoint/2010/main" val="1520147894"/>
       </p:ext>
     </p:extLst>
   </p:cSld>
@@ -655,11 +912,15 @@
           <a:p>
             <a:r>
               <a:rPr lang="en-US" dirty="0"/>
-              <a:t>The key difference between</a:t>
-            </a:r>
-            <a:r>
-              <a:rPr lang="en-US" baseline="0" dirty="0"/>
-              <a:t> static methods and class methods is that static methods don’t interact with a single instance. </a:t>
+              <a:t>We’ll see another example focusing on the meaning of </a:t>
+            </a:r>
+            <a:r>
+              <a:rPr lang="en-US" i="1" dirty="0"/>
+              <a:t>self</a:t>
+            </a:r>
+            <a:r>
+              <a:rPr lang="en-US" i="0" dirty="0"/>
+              <a:t> in a few slides.</a:t>
             </a:r>
             <a:endParaRPr lang="en-US" dirty="0"/>
           </a:p>
@@ -672,7 +933,7 @@
             <a:spLocks noGrp="1"/>
           </p:cNvSpPr>
           <p:nvPr>
-            <p:ph type="sldNum" sz="quarter" idx="10"/>
+            <p:ph type="sldNum" sz="quarter" idx="5"/>
           </p:nvPr>
         </p:nvSpPr>
         <p:spPr/>
@@ -682,7 +943,7 @@
           <a:p>
             <a:fld id="{FB38BE01-6562-DE45-9404-D6DD8A86E18A}" type="slidenum">
               <a:rPr lang="en-US" smtClean="0"/>
-              <a:t>12</a:t>
+              <a:t>7</a:t>
             </a:fld>
             <a:endParaRPr lang="en-US"/>
           </a:p>
@@ -691,7 +952,7 @@
     </p:spTree>
     <p:extLst>
       <p:ext uri="{BB962C8B-B14F-4D97-AF65-F5344CB8AC3E}">
-        <p14:creationId xmlns:p14="http://schemas.microsoft.com/office/powerpoint/2010/main" val="1711151255"/>
+        <p14:creationId xmlns:p14="http://schemas.microsoft.com/office/powerpoint/2010/main" val="2669075619"/>
       </p:ext>
     </p:extLst>
   </p:cSld>
@@ -745,30 +1006,37 @@
           <a:bodyPr/>
           <a:lstStyle/>
           <a:p>
-            <a:pPr marL="0" marR="0" indent="0" algn="l" defTabSz="914400" rtl="0" eaLnBrk="1" fontAlgn="auto" latinLnBrk="0" hangingPunct="1">
-              <a:lnSpc>
-                <a:spcPct val="100000"/>
-              </a:lnSpc>
-              <a:spcBef>
-                <a:spcPts val="0"/>
-              </a:spcBef>
-              <a:spcAft>
-                <a:spcPts val="0"/>
-              </a:spcAft>
-              <a:buClrTx/>
-              <a:buSzTx/>
-              <a:buFontTx/>
-              <a:buNone/>
-              <a:tabLst/>
-              <a:defRPr/>
-            </a:pPr>
-            <a:r>
-              <a:rPr lang="en-US" dirty="0"/>
-              <a:t>The key difference between</a:t>
+            <a:r>
+              <a:rPr lang="en-US" dirty="0"/>
+              <a:t>Note verbally</a:t>
             </a:r>
             <a:r>
               <a:rPr lang="en-US" baseline="0" dirty="0"/>
-              <a:t> static methods and class methods is that static methods don’t interact with a single instance. </a:t>
+              <a:t> here that @property, @</a:t>
+            </a:r>
+            <a:r>
+              <a:rPr lang="en-US" baseline="0" dirty="0" err="1"/>
+              <a:t>name.setter</a:t>
+            </a:r>
+            <a:r>
+              <a:rPr lang="en-US" baseline="0" dirty="0"/>
+              <a:t>, and @</a:t>
+            </a:r>
+            <a:r>
+              <a:rPr lang="en-US" baseline="0" dirty="0" err="1"/>
+              <a:t>breed.setter</a:t>
+            </a:r>
+            <a:r>
+              <a:rPr lang="en-US" baseline="0" dirty="0"/>
+              <a:t> are called decorators, and that we’ll see some more of them in a second. You can make your own decorators but that’s a bit outside the scope of the </a:t>
+            </a:r>
+            <a:r>
+              <a:rPr lang="en-US" baseline="0" dirty="0" err="1"/>
+              <a:t>bootcamp</a:t>
+            </a:r>
+            <a:r>
+              <a:rPr lang="en-US" baseline="0" dirty="0"/>
+              <a:t>. </a:t>
             </a:r>
             <a:endParaRPr lang="en-US" dirty="0"/>
           </a:p>
@@ -791,7 +1059,7 @@
           <a:p>
             <a:fld id="{FB38BE01-6562-DE45-9404-D6DD8A86E18A}" type="slidenum">
               <a:rPr lang="en-US" smtClean="0"/>
-              <a:t>14</a:t>
+              <a:t>9</a:t>
             </a:fld>
             <a:endParaRPr lang="en-US"/>
           </a:p>
@@ -800,7 +1068,7 @@
     </p:spTree>
     <p:extLst>
       <p:ext uri="{BB962C8B-B14F-4D97-AF65-F5344CB8AC3E}">
-        <p14:creationId xmlns:p14="http://schemas.microsoft.com/office/powerpoint/2010/main" val="680890540"/>
+        <p14:creationId xmlns:p14="http://schemas.microsoft.com/office/powerpoint/2010/main" val="192457221"/>
       </p:ext>
     </p:extLst>
   </p:cSld>
@@ -856,13 +1124,16 @@
           <a:p>
             <a:r>
               <a:rPr lang="en-US" dirty="0"/>
-              <a:t>Note</a:t>
-            </a:r>
-            <a:r>
-              <a:rPr lang="en-US" baseline="0" dirty="0"/>
-              <a:t> verbally that there are TWO trailing and leading underscores, four in total </a:t>
-            </a:r>
-            <a:endParaRPr lang="en-US" dirty="0"/>
+              <a:t>We’ll get back to </a:t>
+            </a:r>
+            <a:r>
+              <a:rPr lang="en-US" dirty="0" err="1"/>
+              <a:t>doggos</a:t>
+            </a:r>
+            <a:r>
+              <a:rPr lang="en-US" dirty="0"/>
+              <a:t> in just a second.</a:t>
+            </a:r>
           </a:p>
         </p:txBody>
       </p:sp>
@@ -873,7 +1144,7 @@
             <a:spLocks noGrp="1"/>
           </p:cNvSpPr>
           <p:nvPr>
-            <p:ph type="sldNum" sz="quarter" idx="10"/>
+            <p:ph type="sldNum" sz="quarter" idx="5"/>
           </p:nvPr>
         </p:nvSpPr>
         <p:spPr/>
@@ -883,7 +1154,7 @@
           <a:p>
             <a:fld id="{FB38BE01-6562-DE45-9404-D6DD8A86E18A}" type="slidenum">
               <a:rPr lang="en-US" smtClean="0"/>
-              <a:t>16</a:t>
+              <a:t>11</a:t>
             </a:fld>
             <a:endParaRPr lang="en-US"/>
           </a:p>
@@ -892,7 +1163,7 @@
     </p:spTree>
     <p:extLst>
       <p:ext uri="{BB962C8B-B14F-4D97-AF65-F5344CB8AC3E}">
-        <p14:creationId xmlns:p14="http://schemas.microsoft.com/office/powerpoint/2010/main" val="1965693612"/>
+        <p14:creationId xmlns:p14="http://schemas.microsoft.com/office/powerpoint/2010/main" val="1538892501"/>
       </p:ext>
     </p:extLst>
   </p:cSld>
@@ -948,19 +1219,72 @@
           <a:p>
             <a:r>
               <a:rPr lang="en-US" dirty="0"/>
-              <a:t>Note</a:t>
-            </a:r>
-            <a:r>
-              <a:rPr lang="en-US" baseline="0" dirty="0"/>
-              <a:t> verbally that the </a:t>
-            </a:r>
-            <a:r>
-              <a:rPr lang="en-US" baseline="0" dirty="0" err="1"/>
-              <a:t>coeffs.setter</a:t>
-            </a:r>
-            <a:r>
-              <a:rPr lang="en-US" baseline="0" dirty="0"/>
-              <a:t> function is a good example of production-level code </a:t>
+              <a:t>Note: </a:t>
+            </a:r>
+            <a:r>
+              <a:rPr lang="en-US" i="1" dirty="0"/>
+              <a:t>self </a:t>
+            </a:r>
+            <a:r>
+              <a:rPr lang="en-US" dirty="0"/>
+              <a:t>is not a python keyword. It is standard convention to use </a:t>
+            </a:r>
+            <a:r>
+              <a:rPr lang="en-US" i="1" dirty="0"/>
+              <a:t>self </a:t>
+            </a:r>
+            <a:r>
+              <a:rPr lang="en-US" i="0" dirty="0"/>
+              <a:t>to refer to the instance of the class (i.e. the object), but it </a:t>
+            </a:r>
+            <a:r>
+              <a:rPr lang="en-US" i="1" dirty="0"/>
+              <a:t>must</a:t>
+            </a:r>
+            <a:r>
+              <a:rPr lang="en-US" i="0" dirty="0"/>
+              <a:t> be the first argument.</a:t>
+            </a:r>
+          </a:p>
+          <a:p>
+            <a:endParaRPr lang="en-US" i="0" dirty="0"/>
+          </a:p>
+          <a:p>
+            <a:r>
+              <a:rPr lang="en-US" i="0" dirty="0"/>
+              <a:t>The nomenclature here is enlightening – the keyword </a:t>
+            </a:r>
+            <a:r>
+              <a:rPr lang="en-US" i="1" dirty="0"/>
+              <a:t>class</a:t>
+            </a:r>
+            <a:r>
+              <a:rPr lang="en-US" i="0" dirty="0"/>
+              <a:t> is used because a class implements a “class of objects.” </a:t>
+            </a:r>
+            <a:r>
+              <a:rPr lang="en-US" i="1" dirty="0"/>
+              <a:t>class dog</a:t>
+            </a:r>
+            <a:r>
+              <a:rPr lang="en-US" i="0" dirty="0"/>
+              <a:t> doesn’t represent a single dog, but dogs in the abstract sense, and </a:t>
+            </a:r>
+            <a:r>
+              <a:rPr lang="en-US" i="1" dirty="0"/>
+              <a:t>snoopy</a:t>
+            </a:r>
+            <a:r>
+              <a:rPr lang="en-US" i="0" dirty="0"/>
+              <a:t> is an instance of </a:t>
+            </a:r>
+            <a:r>
+              <a:rPr lang="en-US" i="1" dirty="0"/>
+              <a:t>dog</a:t>
+            </a:r>
+            <a:r>
+              <a:rPr lang="en-US" i="0" dirty="0"/>
+              <a:t> because he is only one dog.</a:t>
             </a:r>
             <a:endParaRPr lang="en-US" dirty="0"/>
           </a:p>
@@ -973,7 +1297,7 @@
             <a:spLocks noGrp="1"/>
           </p:cNvSpPr>
           <p:nvPr>
-            <p:ph type="sldNum" sz="quarter" idx="10"/>
+            <p:ph type="sldNum" sz="quarter" idx="5"/>
           </p:nvPr>
         </p:nvSpPr>
         <p:spPr/>
@@ -983,7 +1307,7 @@
           <a:p>
             <a:fld id="{FB38BE01-6562-DE45-9404-D6DD8A86E18A}" type="slidenum">
               <a:rPr lang="en-US" smtClean="0"/>
-              <a:t>18</a:t>
+              <a:t>12</a:t>
             </a:fld>
             <a:endParaRPr lang="en-US"/>
           </a:p>
@@ -992,7 +1316,7 @@
     </p:spTree>
     <p:extLst>
       <p:ext uri="{BB962C8B-B14F-4D97-AF65-F5344CB8AC3E}">
-        <p14:creationId xmlns:p14="http://schemas.microsoft.com/office/powerpoint/2010/main" val="505673754"/>
+        <p14:creationId xmlns:p14="http://schemas.microsoft.com/office/powerpoint/2010/main" val="1642333116"/>
       </p:ext>
     </p:extLst>
   </p:cSld>
@@ -1048,11 +1372,19 @@
           <a:p>
             <a:r>
               <a:rPr lang="en-US" dirty="0"/>
-              <a:t>Note verbally here that when developers speak</a:t>
+              <a:t>The key difference between</a:t>
             </a:r>
             <a:r>
               <a:rPr lang="en-US" baseline="0" dirty="0"/>
-              <a:t> of ”callable objects” they’re not just referring to functions. This also includes classes with a __call__ function. </a:t>
+              <a:t> static methods and class methods is that static methods don’t interact with a single instance (i.e. they don’t take </a:t>
+            </a:r>
+            <a:r>
+              <a:rPr lang="en-US" i="1" baseline="0" dirty="0"/>
+              <a:t>self</a:t>
+            </a:r>
+            <a:r>
+              <a:rPr lang="en-US" i="0" baseline="0" dirty="0"/>
+              <a:t> as an argument).</a:t>
             </a:r>
             <a:endParaRPr lang="en-US" dirty="0"/>
           </a:p>
@@ -1075,7 +1407,7 @@
           <a:p>
             <a:fld id="{FB38BE01-6562-DE45-9404-D6DD8A86E18A}" type="slidenum">
               <a:rPr lang="en-US" smtClean="0"/>
-              <a:t>19</a:t>
+              <a:t>14</a:t>
             </a:fld>
             <a:endParaRPr lang="en-US"/>
           </a:p>
@@ -1084,7 +1416,7 @@
     </p:spTree>
     <p:extLst>
       <p:ext uri="{BB962C8B-B14F-4D97-AF65-F5344CB8AC3E}">
-        <p14:creationId xmlns:p14="http://schemas.microsoft.com/office/powerpoint/2010/main" val="810331557"/>
+        <p14:creationId xmlns:p14="http://schemas.microsoft.com/office/powerpoint/2010/main" val="1711151255"/>
       </p:ext>
     </p:extLst>
   </p:cSld>
@@ -1138,29 +1470,30 @@
           <a:bodyPr/>
           <a:lstStyle/>
           <a:p>
-            <a:r>
-              <a:rPr lang="en-US" dirty="0"/>
-              <a:t>Note verbally that this definition of __</a:t>
-            </a:r>
-            <a:r>
-              <a:rPr lang="en-US" dirty="0" err="1"/>
-              <a:t>str</a:t>
-            </a:r>
-            <a:r>
-              <a:rPr lang="en-US" dirty="0"/>
-              <a:t>__ is</a:t>
+            <a:pPr marL="0" marR="0" indent="0" algn="l" defTabSz="914400" rtl="0" eaLnBrk="1" fontAlgn="auto" latinLnBrk="0" hangingPunct="1">
+              <a:lnSpc>
+                <a:spcPct val="100000"/>
+              </a:lnSpc>
+              <a:spcBef>
+                <a:spcPts val="0"/>
+              </a:spcBef>
+              <a:spcAft>
+                <a:spcPts val="0"/>
+              </a:spcAft>
+              <a:buClrTx/>
+              <a:buSzTx/>
+              <a:buFontTx/>
+              <a:buNone/>
+              <a:tabLst/>
+              <a:defRPr/>
+            </a:pPr>
+            <a:r>
+              <a:rPr lang="en-US" dirty="0"/>
+              <a:t>The key difference between</a:t>
             </a:r>
             <a:r>
               <a:rPr lang="en-US" baseline="0" dirty="0"/>
-              <a:t> actually not necessary – by default it returns self.__</a:t>
-            </a:r>
-            <a:r>
-              <a:rPr lang="en-US" baseline="0" dirty="0" err="1"/>
-              <a:t>repr</a:t>
-            </a:r>
-            <a:r>
-              <a:rPr lang="en-US" baseline="0" dirty="0"/>
-              <a:t>__(), but included here as an example </a:t>
+              <a:t> static methods and class methods is that static methods don’t interact with a single instance. </a:t>
             </a:r>
             <a:endParaRPr lang="en-US" dirty="0"/>
           </a:p>
@@ -1183,7 +1516,7 @@
           <a:p>
             <a:fld id="{FB38BE01-6562-DE45-9404-D6DD8A86E18A}" type="slidenum">
               <a:rPr lang="en-US" smtClean="0"/>
-              <a:t>21</a:t>
+              <a:t>16</a:t>
             </a:fld>
             <a:endParaRPr lang="en-US"/>
           </a:p>
@@ -1192,7 +1525,7 @@
     </p:spTree>
     <p:extLst>
       <p:ext uri="{BB962C8B-B14F-4D97-AF65-F5344CB8AC3E}">
-        <p14:creationId xmlns:p14="http://schemas.microsoft.com/office/powerpoint/2010/main" val="1896743649"/>
+        <p14:creationId xmlns:p14="http://schemas.microsoft.com/office/powerpoint/2010/main" val="680890540"/>
       </p:ext>
     </p:extLst>
   </p:cSld>
@@ -1246,7 +1579,15 @@
           <a:bodyPr/>
           <a:lstStyle/>
           <a:p>
-            <a:endParaRPr lang="en-US"/>
+            <a:r>
+              <a:rPr lang="en-US" dirty="0"/>
+              <a:t>Note</a:t>
+            </a:r>
+            <a:r>
+              <a:rPr lang="en-US" baseline="0" dirty="0"/>
+              <a:t> verbally that there are TWO trailing and leading underscores, four in total </a:t>
+            </a:r>
+            <a:endParaRPr lang="en-US" dirty="0"/>
           </a:p>
         </p:txBody>
       </p:sp>
@@ -1257,7 +1598,7 @@
             <a:spLocks noGrp="1"/>
           </p:cNvSpPr>
           <p:nvPr>
-            <p:ph type="sldNum" sz="quarter" idx="5"/>
+            <p:ph type="sldNum" sz="quarter" idx="10"/>
           </p:nvPr>
         </p:nvSpPr>
         <p:spPr/>
@@ -1267,7 +1608,7 @@
           <a:p>
             <a:fld id="{FB38BE01-6562-DE45-9404-D6DD8A86E18A}" type="slidenum">
               <a:rPr lang="en-US" smtClean="0"/>
-              <a:t>30</a:t>
+              <a:t>18</a:t>
             </a:fld>
             <a:endParaRPr lang="en-US"/>
           </a:p>
@@ -1276,7 +1617,107 @@
     </p:spTree>
     <p:extLst>
       <p:ext uri="{BB962C8B-B14F-4D97-AF65-F5344CB8AC3E}">
-        <p14:creationId xmlns:p14="http://schemas.microsoft.com/office/powerpoint/2010/main" val="1520147894"/>
+        <p14:creationId xmlns:p14="http://schemas.microsoft.com/office/powerpoint/2010/main" val="1965693612"/>
+      </p:ext>
+    </p:extLst>
+  </p:cSld>
+  <p:clrMapOvr>
+    <a:masterClrMapping/>
+  </p:clrMapOvr>
+</p:notes>
+</file>
+
+<file path=ppt/notesSlides/notesSlide9.xml><?xml version="1.0" encoding="utf-8"?>
+<p:notes xmlns:a="http://schemas.openxmlformats.org/drawingml/2006/main" xmlns:r="http://schemas.openxmlformats.org/officeDocument/2006/relationships" xmlns:p="http://schemas.openxmlformats.org/presentationml/2006/main">
+  <p:cSld>
+    <p:spTree>
+      <p:nvGrpSpPr>
+        <p:cNvPr id="1" name=""/>
+        <p:cNvGrpSpPr/>
+        <p:nvPr/>
+      </p:nvGrpSpPr>
+      <p:grpSpPr>
+        <a:xfrm>
+          <a:off x="0" y="0"/>
+          <a:ext cx="0" cy="0"/>
+          <a:chOff x="0" y="0"/>
+          <a:chExt cx="0" cy="0"/>
+        </a:xfrm>
+      </p:grpSpPr>
+      <p:sp>
+        <p:nvSpPr>
+          <p:cNvPr id="2" name="Slide Image Placeholder 1"/>
+          <p:cNvSpPr>
+            <a:spLocks noGrp="1" noRot="1" noChangeAspect="1"/>
+          </p:cNvSpPr>
+          <p:nvPr>
+            <p:ph type="sldImg"/>
+          </p:nvPr>
+        </p:nvSpPr>
+        <p:spPr/>
+      </p:sp>
+      <p:sp>
+        <p:nvSpPr>
+          <p:cNvPr id="3" name="Notes Placeholder 2"/>
+          <p:cNvSpPr>
+            <a:spLocks noGrp="1"/>
+          </p:cNvSpPr>
+          <p:nvPr>
+            <p:ph type="body" idx="1"/>
+          </p:nvPr>
+        </p:nvSpPr>
+        <p:spPr/>
+        <p:txBody>
+          <a:bodyPr/>
+          <a:lstStyle/>
+          <a:p>
+            <a:r>
+              <a:rPr lang="en-US" dirty="0"/>
+              <a:t>Note</a:t>
+            </a:r>
+            <a:r>
+              <a:rPr lang="en-US" baseline="0" dirty="0"/>
+              <a:t> verbally that the </a:t>
+            </a:r>
+            <a:r>
+              <a:rPr lang="en-US" baseline="0" dirty="0" err="1"/>
+              <a:t>coeffs.setter</a:t>
+            </a:r>
+            <a:r>
+              <a:rPr lang="en-US" baseline="0" dirty="0"/>
+              <a:t> function is a good example of production-level code </a:t>
+            </a:r>
+            <a:endParaRPr lang="en-US" dirty="0"/>
+          </a:p>
+        </p:txBody>
+      </p:sp>
+      <p:sp>
+        <p:nvSpPr>
+          <p:cNvPr id="4" name="Slide Number Placeholder 3"/>
+          <p:cNvSpPr>
+            <a:spLocks noGrp="1"/>
+          </p:cNvSpPr>
+          <p:nvPr>
+            <p:ph type="sldNum" sz="quarter" idx="10"/>
+          </p:nvPr>
+        </p:nvSpPr>
+        <p:spPr/>
+        <p:txBody>
+          <a:bodyPr/>
+          <a:lstStyle/>
+          <a:p>
+            <a:fld id="{FB38BE01-6562-DE45-9404-D6DD8A86E18A}" type="slidenum">
+              <a:rPr lang="en-US" smtClean="0"/>
+              <a:t>20</a:t>
+            </a:fld>
+            <a:endParaRPr lang="en-US"/>
+          </a:p>
+        </p:txBody>
+      </p:sp>
+    </p:spTree>
+    <p:extLst>
+      <p:ext uri="{BB962C8B-B14F-4D97-AF65-F5344CB8AC3E}">
+        <p14:creationId xmlns:p14="http://schemas.microsoft.com/office/powerpoint/2010/main" val="505673754"/>
       </p:ext>
     </p:extLst>
   </p:cSld>
@@ -1562,7 +2003,7 @@
           <a:p>
             <a:fld id="{51673806-0BCD-1F42-BAA8-2011034B3C6A}" type="datetimeFigureOut">
               <a:rPr lang="en-US" smtClean="0"/>
-              <a:t>5/8/22</a:t>
+              <a:t>5/15/22</a:t>
             </a:fld>
             <a:endParaRPr lang="en-US"/>
           </a:p>
@@ -1976,7 +2417,7 @@
           <a:p>
             <a:fld id="{51673806-0BCD-1F42-BAA8-2011034B3C6A}" type="datetimeFigureOut">
               <a:rPr lang="en-US" smtClean="0"/>
-              <a:t>5/8/22</a:t>
+              <a:t>5/15/22</a:t>
             </a:fld>
             <a:endParaRPr lang="en-US"/>
           </a:p>
@@ -2307,7 +2748,7 @@
           <a:p>
             <a:fld id="{51673806-0BCD-1F42-BAA8-2011034B3C6A}" type="datetimeFigureOut">
               <a:rPr lang="en-US" smtClean="0"/>
-              <a:t>5/8/22</a:t>
+              <a:t>5/15/22</a:t>
             </a:fld>
             <a:endParaRPr lang="en-US"/>
           </a:p>
@@ -2707,7 +3148,7 @@
           <a:p>
             <a:fld id="{51673806-0BCD-1F42-BAA8-2011034B3C6A}" type="datetimeFigureOut">
               <a:rPr lang="en-US" smtClean="0"/>
-              <a:t>5/8/22</a:t>
+              <a:t>5/15/22</a:t>
             </a:fld>
             <a:endParaRPr lang="en-US"/>
           </a:p>
@@ -3270,7 +3711,7 @@
           <a:p>
             <a:fld id="{51673806-0BCD-1F42-BAA8-2011034B3C6A}" type="datetimeFigureOut">
               <a:rPr lang="en-US" smtClean="0"/>
-              <a:t>5/8/22</a:t>
+              <a:t>5/15/22</a:t>
             </a:fld>
             <a:endParaRPr lang="en-US"/>
           </a:p>
@@ -3946,7 +4387,7 @@
           <a:p>
             <a:fld id="{51673806-0BCD-1F42-BAA8-2011034B3C6A}" type="datetimeFigureOut">
               <a:rPr lang="en-US" smtClean="0"/>
-              <a:t>5/8/22</a:t>
+              <a:t>5/15/22</a:t>
             </a:fld>
             <a:endParaRPr lang="en-US"/>
           </a:p>
@@ -4854,7 +5295,7 @@
           <a:p>
             <a:fld id="{51673806-0BCD-1F42-BAA8-2011034B3C6A}" type="datetimeFigureOut">
               <a:rPr lang="en-US" smtClean="0"/>
-              <a:t>5/8/22</a:t>
+              <a:t>5/15/22</a:t>
             </a:fld>
             <a:endParaRPr lang="en-US"/>
           </a:p>
@@ -5162,7 +5603,7 @@
           <a:p>
             <a:fld id="{51673806-0BCD-1F42-BAA8-2011034B3C6A}" type="datetimeFigureOut">
               <a:rPr lang="en-US" smtClean="0"/>
-              <a:t>5/8/22</a:t>
+              <a:t>5/15/22</a:t>
             </a:fld>
             <a:endParaRPr lang="en-US"/>
           </a:p>
@@ -5421,7 +5862,7 @@
           <a:p>
             <a:fld id="{51673806-0BCD-1F42-BAA8-2011034B3C6A}" type="datetimeFigureOut">
               <a:rPr lang="en-US" smtClean="0"/>
-              <a:t>5/8/22</a:t>
+              <a:t>5/15/22</a:t>
             </a:fld>
             <a:endParaRPr lang="en-US"/>
           </a:p>
@@ -5744,7 +6185,7 @@
           <a:p>
             <a:fld id="{51673806-0BCD-1F42-BAA8-2011034B3C6A}" type="datetimeFigureOut">
               <a:rPr lang="en-US" smtClean="0"/>
-              <a:t>5/8/22</a:t>
+              <a:t>5/15/22</a:t>
             </a:fld>
             <a:endParaRPr lang="en-US"/>
           </a:p>
@@ -6128,7 +6569,7 @@
           <a:p>
             <a:fld id="{51673806-0BCD-1F42-BAA8-2011034B3C6A}" type="datetimeFigureOut">
               <a:rPr lang="en-US" smtClean="0"/>
-              <a:t>5/8/22</a:t>
+              <a:t>5/15/22</a:t>
             </a:fld>
             <a:endParaRPr lang="en-US"/>
           </a:p>
@@ -6504,7 +6945,7 @@
           <a:p>
             <a:fld id="{51673806-0BCD-1F42-BAA8-2011034B3C6A}" type="datetimeFigureOut">
               <a:rPr lang="en-US" smtClean="0"/>
-              <a:t>5/8/22</a:t>
+              <a:t>5/15/22</a:t>
             </a:fld>
             <a:endParaRPr lang="en-US"/>
           </a:p>
@@ -7010,7 +7451,7 @@
           <a:p>
             <a:fld id="{51673806-0BCD-1F42-BAA8-2011034B3C6A}" type="datetimeFigureOut">
               <a:rPr lang="en-US" smtClean="0"/>
-              <a:t>5/8/22</a:t>
+              <a:t>5/15/22</a:t>
             </a:fld>
             <a:endParaRPr lang="en-US"/>
           </a:p>
@@ -7267,7 +7708,7 @@
           <a:p>
             <a:fld id="{51673806-0BCD-1F42-BAA8-2011034B3C6A}" type="datetimeFigureOut">
               <a:rPr lang="en-US" smtClean="0"/>
-              <a:t>5/8/22</a:t>
+              <a:t>5/15/22</a:t>
             </a:fld>
             <a:endParaRPr lang="en-US"/>
           </a:p>
@@ -7425,7 +7866,7 @@
           <a:p>
             <a:fld id="{51673806-0BCD-1F42-BAA8-2011034B3C6A}" type="datetimeFigureOut">
               <a:rPr lang="en-US" smtClean="0"/>
-              <a:t>5/8/22</a:t>
+              <a:t>5/15/22</a:t>
             </a:fld>
             <a:endParaRPr lang="en-US"/>
           </a:p>
@@ -7815,7 +8256,7 @@
           <a:p>
             <a:fld id="{51673806-0BCD-1F42-BAA8-2011034B3C6A}" type="datetimeFigureOut">
               <a:rPr lang="en-US" smtClean="0"/>
-              <a:t>5/8/22</a:t>
+              <a:t>5/15/22</a:t>
             </a:fld>
             <a:endParaRPr lang="en-US"/>
           </a:p>
@@ -8224,7 +8665,7 @@
           <a:p>
             <a:fld id="{51673806-0BCD-1F42-BAA8-2011034B3C6A}" type="datetimeFigureOut">
               <a:rPr lang="en-US" smtClean="0"/>
-              <a:t>5/8/22</a:t>
+              <a:t>5/15/22</a:t>
             </a:fld>
             <a:endParaRPr lang="en-US"/>
           </a:p>
@@ -8470,7 +8911,7 @@
             <a:fld id="{51673806-0BCD-1F42-BAA8-2011034B3C6A}" type="datetimeFigureOut">
               <a:rPr lang="en-US" smtClean="0"/>
               <a:pPr/>
-              <a:t>5/8/22</a:t>
+              <a:t>5/15/22</a:t>
             </a:fld>
             <a:endParaRPr lang="en-US" dirty="0"/>
           </a:p>
@@ -9009,7 +9450,7 @@
       </p:sp>
       <p:sp>
         <p:nvSpPr>
-          <p:cNvPr id="3" name="Content Placeholder 2"/>
+          <p:cNvPr id="5" name="Content Placeholder 4"/>
           <p:cNvSpPr>
             <a:spLocks noGrp="1"/>
           </p:cNvSpPr>
@@ -9020,7 +9461,7 @@
         <p:spPr>
           <a:xfrm>
             <a:off x="680321" y="2336872"/>
-            <a:ext cx="10360093" cy="4295747"/>
+            <a:ext cx="5079034" cy="4269680"/>
           </a:xfrm>
         </p:spPr>
         <p:txBody>
@@ -9029,219 +9470,110 @@
           </a:bodyPr>
           <a:lstStyle/>
           <a:p>
-            <a:pPr marL="0" marR="0" lvl="0" indent="0" defTabSz="914400" eaLnBrk="1" fontAlgn="auto" latinLnBrk="0" hangingPunct="1">
-              <a:lnSpc>
-                <a:spcPct val="100000"/>
-              </a:lnSpc>
-              <a:spcBef>
-                <a:spcPts val="0"/>
-              </a:spcBef>
-              <a:spcAft>
-                <a:spcPts val="0"/>
-              </a:spcAft>
-              <a:buClrTx/>
-              <a:buSzTx/>
-              <a:buFontTx/>
-              <a:buNone/>
-              <a:tabLst/>
-              <a:defRPr/>
-            </a:pPr>
-            <a:r>
-              <a:rPr lang="en-US" dirty="0"/>
-              <a:t>Classes can have functions too. The syntax is the same as any other </a:t>
-            </a:r>
+            <a:pPr marL="0" indent="0">
+              <a:buNone/>
+            </a:pPr>
+            <a:r>
+              <a:rPr lang="en-US" dirty="0"/>
+              <a:t>Error-handling of attributes requires </a:t>
+            </a:r>
+            <a:r>
+              <a:rPr lang="en-US" i="1" dirty="0"/>
+              <a:t>property</a:t>
+            </a:r>
+            <a:r>
+              <a:rPr lang="en-US" dirty="0"/>
+              <a:t> and </a:t>
+            </a:r>
+            <a:r>
+              <a:rPr lang="en-US" i="1" dirty="0"/>
+              <a:t>setter</a:t>
+            </a:r>
+            <a:r>
+              <a:rPr lang="en-US" dirty="0"/>
+              <a:t> functions </a:t>
+            </a:r>
+          </a:p>
+          <a:p>
+            <a:pPr marL="0" indent="0">
+              <a:buNone/>
+            </a:pPr>
+            <a:endParaRPr lang="en-US" dirty="0"/>
+          </a:p>
+          <a:p>
+            <a:pPr marL="0" indent="0">
+              <a:buNone/>
+            </a:pPr>
             <a:r>
               <a:rPr lang="en-US" i="1" dirty="0" err="1"/>
-              <a:t>def</a:t>
-            </a:r>
-            <a:r>
-              <a:rPr lang="en-US" dirty="0"/>
-              <a:t> statement, except it occurs within the class and is thus indented </a:t>
-            </a:r>
-          </a:p>
-          <a:p>
-            <a:pPr marL="0" marR="0" lvl="0" indent="0" defTabSz="914400" eaLnBrk="1" fontAlgn="auto" latinLnBrk="0" hangingPunct="1">
-              <a:lnSpc>
-                <a:spcPct val="100000"/>
-              </a:lnSpc>
-              <a:spcBef>
-                <a:spcPts val="0"/>
-              </a:spcBef>
-              <a:spcAft>
-                <a:spcPts val="0"/>
-              </a:spcAft>
-              <a:buClrTx/>
-              <a:buSzTx/>
-              <a:buFontTx/>
-              <a:buNone/>
-              <a:tabLst/>
-              <a:defRPr/>
-            </a:pPr>
+              <a:t>self._property</a:t>
+            </a:r>
+            <a:r>
+              <a:rPr lang="en-US" dirty="0"/>
+              <a:t> is a conventional way of storing </a:t>
+            </a:r>
+            <a:r>
+              <a:rPr lang="en-US" i="1" dirty="0" err="1"/>
+              <a:t>self.property</a:t>
+            </a:r>
+            <a:r>
+              <a:rPr lang="en-US" dirty="0"/>
+              <a:t> under the hood, protected by error-handling </a:t>
+            </a:r>
+          </a:p>
+          <a:p>
+            <a:pPr marL="0" indent="0">
+              <a:buNone/>
+            </a:pPr>
+            <a:endParaRPr lang="en-US" i="1" dirty="0"/>
+          </a:p>
+          <a:p>
+            <a:pPr marL="0" indent="0">
+              <a:buNone/>
+            </a:pPr>
+            <a:r>
+              <a:rPr lang="en-US" dirty="0"/>
+              <a:t>This throws a </a:t>
+            </a:r>
+            <a:r>
+              <a:rPr lang="en-US" i="1" dirty="0" err="1"/>
+              <a:t>TypeError</a:t>
+            </a:r>
+            <a:r>
+              <a:rPr lang="en-US" dirty="0"/>
+              <a:t> whenever the user tries to set </a:t>
+            </a:r>
+            <a:r>
+              <a:rPr lang="en-US" i="1" dirty="0"/>
+              <a:t>name</a:t>
+            </a:r>
+            <a:r>
+              <a:rPr lang="en-US" dirty="0"/>
+              <a:t> or </a:t>
+            </a:r>
+            <a:r>
+              <a:rPr lang="en-US" i="1" dirty="0"/>
+              <a:t>breed</a:t>
+            </a:r>
+            <a:r>
+              <a:rPr lang="en-US" dirty="0"/>
+              <a:t> to something other than a </a:t>
+            </a:r>
+            <a:r>
+              <a:rPr lang="en-US" i="1" dirty="0" err="1"/>
+              <a:t>str</a:t>
+            </a:r>
+            <a:r>
+              <a:rPr lang="en-US"/>
+              <a:t> </a:t>
+            </a:r>
             <a:endParaRPr lang="en-US" dirty="0"/>
-          </a:p>
-          <a:p>
-            <a:pPr marL="0" marR="0" lvl="0" indent="0" defTabSz="914400" eaLnBrk="1" fontAlgn="auto" latinLnBrk="0" hangingPunct="1">
-              <a:lnSpc>
-                <a:spcPct val="100000"/>
-              </a:lnSpc>
-              <a:spcBef>
-                <a:spcPts val="0"/>
-              </a:spcBef>
-              <a:spcAft>
-                <a:spcPts val="0"/>
-              </a:spcAft>
-              <a:buClrTx/>
-              <a:buSzTx/>
-              <a:buFontTx/>
-              <a:buNone/>
-              <a:tabLst/>
-              <a:defRPr/>
-            </a:pPr>
-            <a:r>
-              <a:rPr lang="en-US" dirty="0"/>
-              <a:t>These functions can have any number of subroutines, just like other functions, and can access properties and other functions via </a:t>
-            </a:r>
-            <a:r>
-              <a:rPr lang="en-US" i="1" dirty="0"/>
-              <a:t>self</a:t>
-            </a:r>
-            <a:r>
-              <a:rPr lang="en-US" dirty="0"/>
-              <a:t> </a:t>
-            </a:r>
-          </a:p>
-          <a:p>
-            <a:pPr marL="0" marR="0" lvl="0" indent="0" defTabSz="914400" eaLnBrk="1" fontAlgn="auto" latinLnBrk="0" hangingPunct="1">
-              <a:lnSpc>
-                <a:spcPct val="100000"/>
-              </a:lnSpc>
-              <a:spcBef>
-                <a:spcPts val="0"/>
-              </a:spcBef>
-              <a:spcAft>
-                <a:spcPts val="0"/>
-              </a:spcAft>
-              <a:buClrTx/>
-              <a:buSzTx/>
-              <a:buFontTx/>
-              <a:buNone/>
-              <a:tabLst/>
-              <a:defRPr/>
-            </a:pPr>
-            <a:endParaRPr lang="en-US" dirty="0"/>
-          </a:p>
-          <a:p>
-            <a:pPr marL="0" marR="0" lvl="0" indent="0" defTabSz="914400" eaLnBrk="1" fontAlgn="auto" latinLnBrk="0" hangingPunct="1">
-              <a:lnSpc>
-                <a:spcPct val="100000"/>
-              </a:lnSpc>
-              <a:spcBef>
-                <a:spcPts val="0"/>
-              </a:spcBef>
-              <a:spcAft>
-                <a:spcPts val="0"/>
-              </a:spcAft>
-              <a:buClrTx/>
-              <a:buSzTx/>
-              <a:buFontTx/>
-              <a:buNone/>
-              <a:tabLst/>
-              <a:defRPr/>
-            </a:pPr>
-            <a:endParaRPr lang="en-US" dirty="0"/>
-          </a:p>
-          <a:p>
-            <a:pPr marL="0" marR="0" lvl="0" indent="0" defTabSz="914400" eaLnBrk="1" fontAlgn="auto" latinLnBrk="0" hangingPunct="1">
-              <a:lnSpc>
-                <a:spcPct val="100000"/>
-              </a:lnSpc>
-              <a:spcBef>
-                <a:spcPts val="0"/>
-              </a:spcBef>
-              <a:spcAft>
-                <a:spcPts val="0"/>
-              </a:spcAft>
-              <a:buClrTx/>
-              <a:buSzTx/>
-              <a:buFontTx/>
-              <a:buNone/>
-              <a:tabLst/>
-              <a:defRPr/>
-            </a:pPr>
-            <a:endParaRPr lang="en-US" dirty="0"/>
-          </a:p>
-          <a:p>
-            <a:pPr marL="0" marR="0" lvl="0" indent="0" defTabSz="914400" eaLnBrk="1" fontAlgn="auto" latinLnBrk="0" hangingPunct="1">
-              <a:lnSpc>
-                <a:spcPct val="100000"/>
-              </a:lnSpc>
-              <a:spcBef>
-                <a:spcPts val="0"/>
-              </a:spcBef>
-              <a:spcAft>
-                <a:spcPts val="0"/>
-              </a:spcAft>
-              <a:buClrTx/>
-              <a:buSzTx/>
-              <a:buFontTx/>
-              <a:buNone/>
-              <a:tabLst/>
-              <a:defRPr/>
-            </a:pPr>
-            <a:endParaRPr lang="en-US" dirty="0"/>
-          </a:p>
-          <a:p>
-            <a:pPr marL="0" marR="0" lvl="0" indent="0" defTabSz="914400" eaLnBrk="1" fontAlgn="auto" latinLnBrk="0" hangingPunct="1">
-              <a:lnSpc>
-                <a:spcPct val="100000"/>
-              </a:lnSpc>
-              <a:spcBef>
-                <a:spcPts val="0"/>
-              </a:spcBef>
-              <a:spcAft>
-                <a:spcPts val="0"/>
-              </a:spcAft>
-              <a:buClrTx/>
-              <a:buSzTx/>
-              <a:buFontTx/>
-              <a:buNone/>
-              <a:tabLst/>
-              <a:defRPr/>
-            </a:pPr>
-            <a:r>
-              <a:rPr lang="en-US" dirty="0"/>
-              <a:t>Note: </a:t>
-            </a:r>
-            <a:r>
-              <a:rPr lang="en-US" i="1" dirty="0"/>
-              <a:t>self</a:t>
-            </a:r>
-            <a:r>
-              <a:rPr lang="en-US" dirty="0"/>
-              <a:t> is not a python keyword. It is standard convention to use </a:t>
-            </a:r>
-            <a:r>
-              <a:rPr lang="en-US" i="1" dirty="0"/>
-              <a:t>self</a:t>
-            </a:r>
-            <a:r>
-              <a:rPr lang="en-US" dirty="0"/>
-              <a:t> to refer to the instance of the class (i.e. the object), but it </a:t>
-            </a:r>
-            <a:r>
-              <a:rPr lang="en-US" i="1" dirty="0"/>
-              <a:t>must</a:t>
-            </a:r>
-            <a:r>
-              <a:rPr lang="en-US" dirty="0"/>
-              <a:t> be the first argument. </a:t>
-            </a:r>
           </a:p>
         </p:txBody>
       </p:sp>
       <p:pic>
         <p:nvPicPr>
-          <p:cNvPr id="6" name="Picture 5"/>
+          <p:cNvPr id="3" name="Picture 2"/>
           <p:cNvPicPr>
             <a:picLocks noChangeAspect="1"/>
           </p:cNvPicPr>
@@ -9261,38 +9593,8 @@
         </p:blipFill>
         <p:spPr>
           <a:xfrm>
-            <a:off x="7217714" y="4081363"/>
-            <a:ext cx="3822700" cy="1536700"/>
-          </a:xfrm>
-          <a:prstGeom prst="rect">
-            <a:avLst/>
-          </a:prstGeom>
-        </p:spPr>
-      </p:pic>
-      <p:pic>
-        <p:nvPicPr>
-          <p:cNvPr id="7" name="Picture 6"/>
-          <p:cNvPicPr>
-            <a:picLocks noChangeAspect="1"/>
-          </p:cNvPicPr>
-          <p:nvPr/>
-        </p:nvPicPr>
-        <p:blipFill>
-          <a:blip r:embed="rId3">
-            <a:extLst>
-              <a:ext uri="{28A0092B-C50C-407E-A947-70E740481C1C}">
-                <a14:useLocalDpi xmlns:a14="http://schemas.microsoft.com/office/drawing/2010/main" val="0"/>
-              </a:ext>
-            </a:extLst>
-          </a:blip>
-          <a:stretch>
-            <a:fillRect/>
-          </a:stretch>
-        </p:blipFill>
-        <p:spPr>
-          <a:xfrm>
-            <a:off x="1047750" y="4265513"/>
-            <a:ext cx="5041900" cy="1168400"/>
+            <a:off x="5759355" y="717543"/>
+            <a:ext cx="6375173" cy="5889009"/>
           </a:xfrm>
           <a:prstGeom prst="rect">
             <a:avLst/>
@@ -9302,7 +9604,7 @@
     </p:spTree>
     <p:extLst>
       <p:ext uri="{BB962C8B-B14F-4D97-AF65-F5344CB8AC3E}">
-        <p14:creationId xmlns:p14="http://schemas.microsoft.com/office/powerpoint/2010/main" val="1997452873"/>
+        <p14:creationId xmlns:p14="http://schemas.microsoft.com/office/powerpoint/2010/main" val="569915285"/>
       </p:ext>
     </p:extLst>
   </p:cSld>
@@ -9331,7 +9633,13 @@
       </p:grpSpPr>
       <p:sp>
         <p:nvSpPr>
-          <p:cNvPr id="2" name="Title 1"/>
+          <p:cNvPr id="2" name="Title 1">
+            <a:extLst>
+              <a:ext uri="{FF2B5EF4-FFF2-40B4-BE49-F238E27FC236}">
+                <a16:creationId xmlns:a16="http://schemas.microsoft.com/office/drawing/2014/main" id="{E914F412-26A9-D346-AF9A-52B8899366FE}"/>
+              </a:ext>
+            </a:extLst>
+          </p:cNvPr>
           <p:cNvSpPr>
             <a:spLocks noGrp="1"/>
           </p:cNvSpPr>
@@ -9346,14 +9654,20 @@
           <a:p>
             <a:r>
               <a:rPr lang="en-US" dirty="0"/>
-              <a:t>Static Methods </a:t>
-            </a:r>
-          </a:p>
-        </p:txBody>
-      </p:sp>
-      <p:sp>
-        <p:nvSpPr>
-          <p:cNvPr id="3" name="Content Placeholder 2"/>
+              <a:t>A Quick Note: Property vs. Stored Data</a:t>
+            </a:r>
+          </a:p>
+        </p:txBody>
+      </p:sp>
+      <p:sp>
+        <p:nvSpPr>
+          <p:cNvPr id="3" name="Content Placeholder 2">
+            <a:extLst>
+              <a:ext uri="{FF2B5EF4-FFF2-40B4-BE49-F238E27FC236}">
+                <a16:creationId xmlns:a16="http://schemas.microsoft.com/office/drawing/2014/main" id="{E7BBE7EB-3935-544D-B0D5-4EE0C67556B5}"/>
+              </a:ext>
+            </a:extLst>
+          </p:cNvPr>
           <p:cNvSpPr>
             <a:spLocks noGrp="1"/>
           </p:cNvSpPr>
@@ -9363,245 +9677,169 @@
         </p:nvSpPr>
         <p:spPr>
           <a:xfrm>
-            <a:off x="680321" y="2336873"/>
-            <a:ext cx="9613861" cy="4323234"/>
-          </a:xfrm>
-        </p:spPr>
-        <p:txBody>
-          <a:bodyPr>
-            <a:normAutofit/>
-          </a:bodyPr>
+            <a:off x="680322" y="2336873"/>
+            <a:ext cx="7422670" cy="4190536"/>
+          </a:xfrm>
+        </p:spPr>
+        <p:txBody>
+          <a:bodyPr/>
           <a:lstStyle/>
           <a:p>
-            <a:pPr marL="0" marR="0" lvl="0" indent="0" defTabSz="914400" eaLnBrk="1" fontAlgn="auto" latinLnBrk="0" hangingPunct="1">
-              <a:lnSpc>
-                <a:spcPct val="100000"/>
-              </a:lnSpc>
-              <a:spcBef>
-                <a:spcPts val="0"/>
-              </a:spcBef>
-              <a:spcAft>
-                <a:spcPts val="0"/>
-              </a:spcAft>
-              <a:buClrTx/>
-              <a:buSzTx/>
-              <a:buFontTx/>
-              <a:buNone/>
-              <a:tabLst/>
-              <a:defRPr/>
-            </a:pPr>
-            <a:r>
-              <a:rPr lang="en-US" dirty="0"/>
-              <a:t>Functions which are bound to the class and not the object of the class </a:t>
-            </a:r>
-          </a:p>
-          <a:p>
-            <a:pPr marL="0" marR="0" lvl="0" indent="0" defTabSz="914400" eaLnBrk="1" fontAlgn="auto" latinLnBrk="0" hangingPunct="1">
-              <a:lnSpc>
-                <a:spcPct val="100000"/>
-              </a:lnSpc>
-              <a:spcBef>
-                <a:spcPts val="0"/>
-              </a:spcBef>
-              <a:spcAft>
-                <a:spcPts val="0"/>
-              </a:spcAft>
-              <a:buClrTx/>
-              <a:buSzTx/>
-              <a:buFontTx/>
-              <a:buNone/>
-              <a:tabLst/>
-              <a:defRPr/>
+            <a:pPr marL="0" indent="0">
+              <a:buNone/>
+            </a:pPr>
+            <a:r>
+              <a:rPr lang="en-US" dirty="0"/>
+              <a:t>Important: the name of a </a:t>
+            </a:r>
+            <a:r>
+              <a:rPr lang="en-US" i="1" dirty="0"/>
+              <a:t>property</a:t>
+            </a:r>
+            <a:r>
+              <a:rPr lang="en-US" dirty="0"/>
+              <a:t> is NOT related to the variables stored as data by a class</a:t>
+            </a:r>
+          </a:p>
+          <a:p>
+            <a:pPr lvl="1"/>
+            <a:r>
+              <a:rPr lang="en-US" dirty="0"/>
+              <a:t>The connection between </a:t>
+            </a:r>
+            <a:r>
+              <a:rPr lang="en-US" i="1" dirty="0" err="1"/>
+              <a:t>obj.x</a:t>
+            </a:r>
+            <a:r>
+              <a:rPr lang="en-US" dirty="0"/>
+              <a:t> and </a:t>
+            </a:r>
+            <a:r>
+              <a:rPr lang="en-US" i="1" dirty="0" err="1"/>
+              <a:t>obj._x</a:t>
+            </a:r>
+            <a:r>
+              <a:rPr lang="en-US" dirty="0"/>
+              <a:t> is purely for readability – if a value stored under the hood may be of use to the user, it is simply convention to use </a:t>
+            </a:r>
+            <a:r>
+              <a:rPr lang="en-US" i="1" dirty="0"/>
+              <a:t>x</a:t>
+            </a:r>
+            <a:r>
+              <a:rPr lang="en-US" dirty="0"/>
+              <a:t> and </a:t>
+            </a:r>
+            <a:r>
+              <a:rPr lang="en-US" i="1" dirty="0"/>
+              <a:t>_x</a:t>
+            </a:r>
+          </a:p>
+          <a:p>
+            <a:pPr marL="0" indent="0">
+              <a:buNone/>
+            </a:pPr>
+            <a:endParaRPr lang="en-US" i="1" dirty="0"/>
+          </a:p>
+          <a:p>
+            <a:pPr marL="0" indent="0">
+              <a:buNone/>
+            </a:pPr>
+            <a:r>
+              <a:rPr lang="en-US" dirty="0"/>
+              <a:t>In this example, the values of certain properties are calculated “on the fly” based only one value actually stored as internal data</a:t>
+            </a:r>
+          </a:p>
+          <a:p>
+            <a:pPr marL="0" indent="0">
+              <a:buNone/>
             </a:pPr>
             <a:endParaRPr lang="en-US" dirty="0"/>
           </a:p>
           <a:p>
-            <a:pPr marL="0" marR="0" lvl="0" indent="0" defTabSz="914400" eaLnBrk="1" fontAlgn="auto" latinLnBrk="0" hangingPunct="1">
-              <a:lnSpc>
-                <a:spcPct val="100000"/>
-              </a:lnSpc>
-              <a:spcBef>
-                <a:spcPts val="0"/>
-              </a:spcBef>
-              <a:spcAft>
-                <a:spcPts val="0"/>
-              </a:spcAft>
-              <a:buClrTx/>
-              <a:buSzTx/>
-              <a:buFontTx/>
-              <a:buNone/>
-              <a:tabLst/>
-              <a:defRPr/>
-            </a:pPr>
-            <a:endParaRPr lang="en-US" dirty="0"/>
-          </a:p>
-          <a:p>
-            <a:pPr marL="0" marR="0" lvl="0" indent="0" defTabSz="914400" eaLnBrk="1" fontAlgn="auto" latinLnBrk="0" hangingPunct="1">
-              <a:lnSpc>
-                <a:spcPct val="100000"/>
-              </a:lnSpc>
-              <a:spcBef>
-                <a:spcPts val="0"/>
-              </a:spcBef>
-              <a:spcAft>
-                <a:spcPts val="0"/>
-              </a:spcAft>
-              <a:buClrTx/>
-              <a:buSzTx/>
-              <a:buFontTx/>
-              <a:buNone/>
-              <a:tabLst/>
-              <a:defRPr/>
-            </a:pPr>
-            <a:r>
-              <a:rPr lang="en-US" dirty="0"/>
-              <a:t>Can’t access or modify the class</a:t>
-            </a:r>
-          </a:p>
-          <a:p>
-            <a:pPr marL="0" marR="0" lvl="0" indent="0" defTabSz="914400" eaLnBrk="1" fontAlgn="auto" latinLnBrk="0" hangingPunct="1">
-              <a:lnSpc>
-                <a:spcPct val="100000"/>
-              </a:lnSpc>
-              <a:spcBef>
-                <a:spcPts val="0"/>
-              </a:spcBef>
-              <a:spcAft>
-                <a:spcPts val="0"/>
-              </a:spcAft>
-              <a:buClrTx/>
-              <a:buSzTx/>
-              <a:buFontTx/>
-              <a:buNone/>
-              <a:tabLst/>
-              <a:defRPr/>
-            </a:pPr>
-            <a:endParaRPr lang="en-US" dirty="0"/>
-          </a:p>
-          <a:p>
-            <a:pPr marL="0" marR="0" lvl="0" indent="0" defTabSz="914400" eaLnBrk="1" fontAlgn="auto" latinLnBrk="0" hangingPunct="1">
-              <a:lnSpc>
-                <a:spcPct val="100000"/>
-              </a:lnSpc>
-              <a:spcBef>
-                <a:spcPts val="0"/>
-              </a:spcBef>
-              <a:spcAft>
-                <a:spcPts val="0"/>
-              </a:spcAft>
-              <a:buClrTx/>
-              <a:buSzTx/>
-              <a:buFontTx/>
-              <a:buNone/>
-              <a:tabLst/>
-              <a:defRPr/>
-            </a:pPr>
-            <a:endParaRPr lang="en-US" dirty="0"/>
-          </a:p>
-          <a:p>
-            <a:pPr marL="0" marR="0" lvl="0" indent="0" defTabSz="914400" eaLnBrk="1" fontAlgn="auto" latinLnBrk="0" hangingPunct="1">
-              <a:lnSpc>
-                <a:spcPct val="100000"/>
-              </a:lnSpc>
-              <a:spcBef>
-                <a:spcPts val="0"/>
-              </a:spcBef>
-              <a:spcAft>
-                <a:spcPts val="0"/>
-              </a:spcAft>
-              <a:buClrTx/>
-              <a:buSzTx/>
-              <a:buFontTx/>
-              <a:buNone/>
-              <a:tabLst/>
-              <a:defRPr/>
-            </a:pPr>
-            <a:r>
-              <a:rPr lang="en-US" dirty="0"/>
-              <a:t>Implemented as part of a class because it makes sense to do so </a:t>
-            </a:r>
-          </a:p>
-          <a:p>
-            <a:pPr marL="0" marR="0" lvl="0" indent="0" defTabSz="914400" eaLnBrk="1" fontAlgn="auto" latinLnBrk="0" hangingPunct="1">
-              <a:lnSpc>
-                <a:spcPct val="100000"/>
-              </a:lnSpc>
-              <a:spcBef>
-                <a:spcPts val="0"/>
-              </a:spcBef>
-              <a:spcAft>
-                <a:spcPts val="0"/>
-              </a:spcAft>
-              <a:buClrTx/>
-              <a:buSzTx/>
-              <a:buFontTx/>
-              <a:buNone/>
-              <a:tabLst/>
-              <a:defRPr/>
-            </a:pPr>
-            <a:endParaRPr lang="en-US" dirty="0"/>
-          </a:p>
-          <a:p>
-            <a:pPr marL="0" marR="0" lvl="0" indent="0" defTabSz="914400" eaLnBrk="1" fontAlgn="auto" latinLnBrk="0" hangingPunct="1">
-              <a:lnSpc>
-                <a:spcPct val="100000"/>
-              </a:lnSpc>
-              <a:spcBef>
-                <a:spcPts val="0"/>
-              </a:spcBef>
-              <a:spcAft>
-                <a:spcPts val="0"/>
-              </a:spcAft>
-              <a:buClrTx/>
-              <a:buSzTx/>
-              <a:buFontTx/>
-              <a:buNone/>
-              <a:tabLst/>
-              <a:defRPr/>
-            </a:pPr>
-            <a:endParaRPr lang="en-US" dirty="0"/>
-          </a:p>
-          <a:p>
-            <a:pPr marL="0" marR="0" lvl="0" indent="0" defTabSz="914400" eaLnBrk="1" fontAlgn="auto" latinLnBrk="0" hangingPunct="1">
-              <a:lnSpc>
-                <a:spcPct val="100000"/>
-              </a:lnSpc>
-              <a:spcBef>
-                <a:spcPts val="0"/>
-              </a:spcBef>
-              <a:spcAft>
-                <a:spcPts val="0"/>
-              </a:spcAft>
-              <a:buClrTx/>
-              <a:buSzTx/>
-              <a:buFontTx/>
-              <a:buNone/>
-              <a:tabLst/>
-              <a:defRPr/>
-            </a:pPr>
-            <a:r>
-              <a:rPr lang="en-US" dirty="0"/>
-              <a:t>Created with the </a:t>
+            <a:pPr marL="0" indent="0">
+              <a:buNone/>
+            </a:pPr>
+            <a:r>
+              <a:rPr lang="en-US" dirty="0"/>
+              <a:t>The </a:t>
             </a:r>
             <a:r>
               <a:rPr lang="en-US" i="1" dirty="0"/>
-              <a:t>@</a:t>
-            </a:r>
-            <a:r>
-              <a:rPr lang="en-US" i="1" dirty="0" err="1"/>
-              <a:t>staticmethod</a:t>
-            </a:r>
-            <a:r>
-              <a:rPr lang="en-US" dirty="0"/>
-              <a:t> decorator </a:t>
-            </a:r>
-          </a:p>
-        </p:txBody>
-      </p:sp>
+              <a:t>@property</a:t>
+            </a:r>
+            <a:r>
+              <a:rPr lang="en-US" dirty="0"/>
+              <a:t> decorator removes the need for parentheses</a:t>
+            </a:r>
+          </a:p>
+        </p:txBody>
+      </p:sp>
+      <p:pic>
+        <p:nvPicPr>
+          <p:cNvPr id="5" name="Picture 4" descr="Text&#10;&#10;Description automatically generated">
+            <a:extLst>
+              <a:ext uri="{FF2B5EF4-FFF2-40B4-BE49-F238E27FC236}">
+                <a16:creationId xmlns:a16="http://schemas.microsoft.com/office/drawing/2014/main" id="{A3986D1D-141D-3343-B37E-654CDD6FB2F6}"/>
+              </a:ext>
+            </a:extLst>
+          </p:cNvPr>
+          <p:cNvPicPr>
+            <a:picLocks noChangeAspect="1"/>
+          </p:cNvPicPr>
+          <p:nvPr/>
+        </p:nvPicPr>
+        <p:blipFill>
+          <a:blip r:embed="rId3"/>
+          <a:stretch>
+            <a:fillRect/>
+          </a:stretch>
+        </p:blipFill>
+        <p:spPr>
+          <a:xfrm>
+            <a:off x="8456897" y="3409014"/>
+            <a:ext cx="3368237" cy="3350510"/>
+          </a:xfrm>
+          <a:prstGeom prst="rect">
+            <a:avLst/>
+          </a:prstGeom>
+        </p:spPr>
+      </p:pic>
+      <p:pic>
+        <p:nvPicPr>
+          <p:cNvPr id="7" name="Picture 6" descr="Text&#10;&#10;Description automatically generated">
+            <a:extLst>
+              <a:ext uri="{FF2B5EF4-FFF2-40B4-BE49-F238E27FC236}">
+                <a16:creationId xmlns:a16="http://schemas.microsoft.com/office/drawing/2014/main" id="{72D0B7B7-E8E7-054C-BECC-D147FB8374E5}"/>
+              </a:ext>
+            </a:extLst>
+          </p:cNvPr>
+          <p:cNvPicPr>
+            <a:picLocks noChangeAspect="1"/>
+          </p:cNvPicPr>
+          <p:nvPr/>
+        </p:nvPicPr>
+        <p:blipFill>
+          <a:blip r:embed="rId4"/>
+          <a:stretch>
+            <a:fillRect/>
+          </a:stretch>
+        </p:blipFill>
+        <p:spPr>
+          <a:xfrm>
+            <a:off x="8456897" y="96946"/>
+            <a:ext cx="3368237" cy="3324869"/>
+          </a:xfrm>
+          <a:prstGeom prst="rect">
+            <a:avLst/>
+          </a:prstGeom>
+        </p:spPr>
+      </p:pic>
     </p:spTree>
     <p:extLst>
       <p:ext uri="{BB962C8B-B14F-4D97-AF65-F5344CB8AC3E}">
-        <p14:creationId xmlns:p14="http://schemas.microsoft.com/office/powerpoint/2010/main" val="304644830"/>
+        <p14:creationId xmlns:p14="http://schemas.microsoft.com/office/powerpoint/2010/main" val="2790072516"/>
       </p:ext>
     </p:extLst>
   </p:cSld>
@@ -9645,7 +9883,7 @@
           <a:p>
             <a:r>
               <a:rPr lang="en-US" dirty="0"/>
-              <a:t>Dogs in Python </a:t>
+              <a:t>Dogs in Python</a:t>
             </a:r>
           </a:p>
         </p:txBody>
@@ -9662,12 +9900,14 @@
         </p:nvSpPr>
         <p:spPr>
           <a:xfrm>
-            <a:off x="680322" y="2336873"/>
-            <a:ext cx="4737840" cy="3599316"/>
-          </a:xfrm>
-        </p:spPr>
-        <p:txBody>
-          <a:bodyPr/>
+            <a:off x="680321" y="2336872"/>
+            <a:ext cx="11129606" cy="4295747"/>
+          </a:xfrm>
+        </p:spPr>
+        <p:txBody>
+          <a:bodyPr>
+            <a:normAutofit/>
+          </a:bodyPr>
           <a:lstStyle/>
           <a:p>
             <a:pPr marL="0" marR="0" lvl="0" indent="0" defTabSz="914400" eaLnBrk="1" fontAlgn="auto" latinLnBrk="0" hangingPunct="1">
@@ -9689,19 +9929,15 @@
             </a:pPr>
             <a:r>
               <a:rPr lang="en-US" dirty="0"/>
-              <a:t>An example static method: </a:t>
-            </a:r>
-            <a:r>
-              <a:rPr lang="en-US" i="1" dirty="0" err="1"/>
-              <a:t>is_puppy</a:t>
+              <a:t>Classes can have functions too. These functions can have any number of subroutines, just like other functions, and can access properties and other functions via </a:t>
             </a:r>
             <a:r>
               <a:rPr lang="en-US" i="1" dirty="0"/>
+              <a:t>self</a:t>
+            </a:r>
+            <a:r>
+              <a:rPr lang="en-US" dirty="0"/>
               <a:t> </a:t>
-            </a:r>
-            <a:r>
-              <a:rPr lang="en-US" dirty="0"/>
-              <a:t>to determine if a dog is a puppy or not. </a:t>
             </a:r>
           </a:p>
           <a:p>
@@ -9742,9 +9978,129 @@
               <a:tabLst/>
               <a:defRPr/>
             </a:pPr>
-            <a:r>
-              <a:rPr lang="en-US" dirty="0"/>
-              <a:t>Do not take </a:t>
+            <a:endParaRPr lang="en-US" dirty="0"/>
+          </a:p>
+          <a:p>
+            <a:pPr marL="0" marR="0" lvl="0" indent="0" defTabSz="914400" eaLnBrk="1" fontAlgn="auto" latinLnBrk="0" hangingPunct="1">
+              <a:lnSpc>
+                <a:spcPct val="100000"/>
+              </a:lnSpc>
+              <a:spcBef>
+                <a:spcPts val="0"/>
+              </a:spcBef>
+              <a:spcAft>
+                <a:spcPts val="0"/>
+              </a:spcAft>
+              <a:buClrTx/>
+              <a:buSzTx/>
+              <a:buFontTx/>
+              <a:buNone/>
+              <a:tabLst/>
+              <a:defRPr/>
+            </a:pPr>
+            <a:endParaRPr lang="en-US" dirty="0"/>
+          </a:p>
+          <a:p>
+            <a:pPr marL="0" marR="0" lvl="0" indent="0" defTabSz="914400" eaLnBrk="1" fontAlgn="auto" latinLnBrk="0" hangingPunct="1">
+              <a:lnSpc>
+                <a:spcPct val="100000"/>
+              </a:lnSpc>
+              <a:spcBef>
+                <a:spcPts val="0"/>
+              </a:spcBef>
+              <a:spcAft>
+                <a:spcPts val="0"/>
+              </a:spcAft>
+              <a:buClrTx/>
+              <a:buSzTx/>
+              <a:buFontTx/>
+              <a:buNone/>
+              <a:tabLst/>
+              <a:defRPr/>
+            </a:pPr>
+            <a:endParaRPr lang="en-US" dirty="0"/>
+          </a:p>
+          <a:p>
+            <a:pPr marL="0" marR="0" lvl="0" indent="0" defTabSz="914400" eaLnBrk="1" fontAlgn="auto" latinLnBrk="0" hangingPunct="1">
+              <a:lnSpc>
+                <a:spcPct val="100000"/>
+              </a:lnSpc>
+              <a:spcBef>
+                <a:spcPts val="0"/>
+              </a:spcBef>
+              <a:spcAft>
+                <a:spcPts val="0"/>
+              </a:spcAft>
+              <a:buClrTx/>
+              <a:buSzTx/>
+              <a:buFontTx/>
+              <a:buNone/>
+              <a:tabLst/>
+              <a:defRPr/>
+            </a:pPr>
+            <a:endParaRPr lang="en-US" dirty="0"/>
+          </a:p>
+          <a:p>
+            <a:pPr marL="0" marR="0" lvl="0" indent="0" defTabSz="914400" eaLnBrk="1" fontAlgn="auto" latinLnBrk="0" hangingPunct="1">
+              <a:lnSpc>
+                <a:spcPct val="100000"/>
+              </a:lnSpc>
+              <a:spcBef>
+                <a:spcPts val="0"/>
+              </a:spcBef>
+              <a:spcAft>
+                <a:spcPts val="0"/>
+              </a:spcAft>
+              <a:buClrTx/>
+              <a:buSzTx/>
+              <a:buFontTx/>
+              <a:buNone/>
+              <a:tabLst/>
+              <a:defRPr/>
+            </a:pPr>
+            <a:endParaRPr lang="en-US" dirty="0"/>
+          </a:p>
+          <a:p>
+            <a:pPr marL="0" marR="0" lvl="0" indent="0" defTabSz="914400" eaLnBrk="1" fontAlgn="auto" latinLnBrk="0" hangingPunct="1">
+              <a:lnSpc>
+                <a:spcPct val="100000"/>
+              </a:lnSpc>
+              <a:spcBef>
+                <a:spcPts val="0"/>
+              </a:spcBef>
+              <a:spcAft>
+                <a:spcPts val="0"/>
+              </a:spcAft>
+              <a:buClrTx/>
+              <a:buSzTx/>
+              <a:buFontTx/>
+              <a:buNone/>
+              <a:tabLst/>
+              <a:defRPr/>
+            </a:pPr>
+            <a:endParaRPr lang="en-US" dirty="0"/>
+          </a:p>
+          <a:p>
+            <a:pPr marL="0" marR="0" lvl="0" indent="0" defTabSz="914400" eaLnBrk="1" fontAlgn="auto" latinLnBrk="0" hangingPunct="1">
+              <a:lnSpc>
+                <a:spcPct val="100000"/>
+              </a:lnSpc>
+              <a:spcBef>
+                <a:spcPts val="0"/>
+              </a:spcBef>
+              <a:spcAft>
+                <a:spcPts val="0"/>
+              </a:spcAft>
+              <a:buClrTx/>
+              <a:buSzTx/>
+              <a:buFontTx/>
+              <a:buNone/>
+              <a:tabLst/>
+              <a:defRPr/>
+            </a:pPr>
+            <a:r>
+              <a:rPr lang="en-US" dirty="0"/>
+              <a:t>The interpretation of </a:t>
             </a:r>
             <a:r>
               <a:rPr lang="en-US" i="1" dirty="0"/>
@@ -9752,14 +10108,74 @@
             </a:r>
             <a:r>
               <a:rPr lang="en-US" dirty="0"/>
-              <a:t> as an argument, and are called with the name of the class </a:t>
+              <a:t>: refers to the </a:t>
+            </a:r>
+            <a:r>
+              <a:rPr lang="en-US" i="1" dirty="0"/>
+              <a:t>instance</a:t>
+            </a:r>
+            <a:r>
+              <a:rPr lang="en-US" dirty="0"/>
+              <a:t> of the class (</a:t>
+            </a:r>
+            <a:r>
+              <a:rPr lang="en-US" i="1" dirty="0" err="1"/>
+              <a:t>x.func</a:t>
+            </a:r>
+            <a:r>
+              <a:rPr lang="en-US" i="1" dirty="0"/>
+              <a:t>()</a:t>
+            </a:r>
+            <a:r>
+              <a:rPr lang="en-US" dirty="0"/>
+              <a:t> is the same as </a:t>
+            </a:r>
+            <a:r>
+              <a:rPr lang="en-US" i="1" dirty="0" err="1"/>
+              <a:t>classname.func</a:t>
+            </a:r>
+            <a:r>
+              <a:rPr lang="en-US" i="1" dirty="0"/>
+              <a:t>(x)</a:t>
+            </a:r>
+            <a:r>
+              <a:rPr lang="en-US" dirty="0"/>
+              <a:t>). On line 4 here, I’ve passed </a:t>
+            </a:r>
+            <a:r>
+              <a:rPr lang="en-US" i="1" dirty="0"/>
+              <a:t>snoopy</a:t>
+            </a:r>
+            <a:r>
+              <a:rPr lang="en-US" dirty="0"/>
+              <a:t> to </a:t>
+            </a:r>
+            <a:r>
+              <a:rPr lang="en-US" i="1" dirty="0" err="1"/>
+              <a:t>dog.speak</a:t>
+            </a:r>
+            <a:r>
+              <a:rPr lang="en-US" i="1" dirty="0"/>
+              <a:t> </a:t>
+            </a:r>
+            <a:r>
+              <a:rPr lang="en-US" dirty="0"/>
+              <a:t>as </a:t>
+            </a:r>
+            <a:r>
+              <a:rPr lang="en-US" i="1" dirty="0"/>
+              <a:t>self</a:t>
+            </a:r>
+            <a:r>
+              <a:rPr lang="en-US" dirty="0"/>
+              <a:t>.</a:t>
             </a:r>
           </a:p>
         </p:txBody>
       </p:sp>
       <p:pic>
         <p:nvPicPr>
-          <p:cNvPr id="4" name="Picture 3"/>
+          <p:cNvPr id="7" name="Picture 6"/>
           <p:cNvPicPr>
             <a:picLocks noChangeAspect="1"/>
           </p:cNvPicPr>
@@ -9779,8 +10195,8 @@
         </p:blipFill>
         <p:spPr>
           <a:xfrm>
-            <a:off x="5663822" y="2720338"/>
-            <a:ext cx="6128792" cy="3513841"/>
+            <a:off x="847746" y="3837760"/>
+            <a:ext cx="5583758" cy="1293969"/>
           </a:xfrm>
           <a:prstGeom prst="rect">
             <a:avLst/>
@@ -9789,28 +10205,28 @@
       </p:pic>
       <p:pic>
         <p:nvPicPr>
-          <p:cNvPr id="5" name="Picture 4"/>
+          <p:cNvPr id="5" name="Picture 4">
+            <a:extLst>
+              <a:ext uri="{FF2B5EF4-FFF2-40B4-BE49-F238E27FC236}">
+                <a16:creationId xmlns:a16="http://schemas.microsoft.com/office/drawing/2014/main" id="{C03F2B75-22BF-1148-8C2D-FBFD235A76A7}"/>
+              </a:ext>
+            </a:extLst>
+          </p:cNvPr>
           <p:cNvPicPr>
             <a:picLocks noChangeAspect="1"/>
           </p:cNvPicPr>
           <p:nvPr/>
         </p:nvPicPr>
         <p:blipFill>
-          <a:blip r:embed="rId4">
-            <a:extLst>
-              <a:ext uri="{28A0092B-C50C-407E-A947-70E740481C1C}">
-                <a14:useLocalDpi xmlns:a14="http://schemas.microsoft.com/office/drawing/2010/main" val="0"/>
-              </a:ext>
-            </a:extLst>
-          </a:blip>
+          <a:blip r:embed="rId4"/>
           <a:stretch>
             <a:fillRect/>
           </a:stretch>
         </p:blipFill>
         <p:spPr>
           <a:xfrm>
-            <a:off x="1703042" y="4762496"/>
-            <a:ext cx="2692400" cy="1676400"/>
+            <a:off x="7018865" y="3429000"/>
+            <a:ext cx="4203700" cy="2095500"/>
           </a:xfrm>
           <a:prstGeom prst="rect">
             <a:avLst/>
@@ -9820,7 +10236,7 @@
     </p:spTree>
     <p:extLst>
       <p:ext uri="{BB962C8B-B14F-4D97-AF65-F5344CB8AC3E}">
-        <p14:creationId xmlns:p14="http://schemas.microsoft.com/office/powerpoint/2010/main" val="1652208343"/>
+        <p14:creationId xmlns:p14="http://schemas.microsoft.com/office/powerpoint/2010/main" val="1997452873"/>
       </p:ext>
     </p:extLst>
   </p:cSld>
@@ -9864,7 +10280,7 @@
           <a:p>
             <a:r>
               <a:rPr lang="en-US" dirty="0"/>
-              <a:t>Class Methods </a:t>
+              <a:t>Static Methods </a:t>
             </a:r>
           </a:p>
         </p:txBody>
@@ -9882,11 +10298,13 @@
         <p:spPr>
           <a:xfrm>
             <a:off x="680321" y="2336873"/>
-            <a:ext cx="9613861" cy="4118518"/>
-          </a:xfrm>
-        </p:spPr>
-        <p:txBody>
-          <a:bodyPr/>
+            <a:ext cx="9613861" cy="4323234"/>
+          </a:xfrm>
+        </p:spPr>
+        <p:txBody>
+          <a:bodyPr>
+            <a:normAutofit/>
+          </a:bodyPr>
           <a:lstStyle/>
           <a:p>
             <a:pPr marL="0" marR="0" lvl="0" indent="0" defTabSz="914400" eaLnBrk="1" fontAlgn="auto" latinLnBrk="0" hangingPunct="1">
@@ -9908,7 +10326,7 @@
             </a:pPr>
             <a:r>
               <a:rPr lang="en-US" dirty="0"/>
-              <a:t>Like static methods, are bound to the class rather than objects of the class </a:t>
+              <a:t>Functions which are bound to the class and not the object of the class </a:t>
             </a:r>
           </a:p>
           <a:p>
@@ -9971,7 +10389,7 @@
             </a:pPr>
             <a:r>
               <a:rPr lang="en-US" dirty="0"/>
-              <a:t>Can access and modify class state, unlike static methods </a:t>
+              <a:t>Can’t access or modify the class</a:t>
             </a:r>
           </a:p>
           <a:p>
@@ -10034,7 +10452,7 @@
             </a:pPr>
             <a:r>
               <a:rPr lang="en-US" dirty="0"/>
-              <a:t>Return an instance of the class (i.e. an object) </a:t>
+              <a:t>Implemented as part of a class because it makes sense to do so </a:t>
             </a:r>
           </a:p>
           <a:p>
@@ -10097,11 +10515,15 @@
             </a:pPr>
             <a:r>
               <a:rPr lang="en-US" dirty="0"/>
-              <a:t>Created with the @</a:t>
-            </a:r>
-            <a:r>
-              <a:rPr lang="en-US" dirty="0" err="1"/>
-              <a:t>classmethod</a:t>
+              <a:t>Created with the </a:t>
+            </a:r>
+            <a:r>
+              <a:rPr lang="en-US" i="1" dirty="0"/>
+              <a:t>@</a:t>
+            </a:r>
+            <a:r>
+              <a:rPr lang="en-US" i="1" dirty="0" err="1"/>
+              <a:t>staticmethod</a:t>
             </a:r>
             <a:r>
               <a:rPr lang="en-US" dirty="0"/>
@@ -10113,7 +10535,7 @@
     </p:spTree>
     <p:extLst>
       <p:ext uri="{BB962C8B-B14F-4D97-AF65-F5344CB8AC3E}">
-        <p14:creationId xmlns:p14="http://schemas.microsoft.com/office/powerpoint/2010/main" val="374938074"/>
+        <p14:creationId xmlns:p14="http://schemas.microsoft.com/office/powerpoint/2010/main" val="304644830"/>
       </p:ext>
     </p:extLst>
   </p:cSld>
@@ -10174,8 +10596,8 @@
         </p:nvSpPr>
         <p:spPr>
           <a:xfrm>
-            <a:off x="680321" y="2336873"/>
-            <a:ext cx="5841503" cy="3599316"/>
+            <a:off x="680322" y="2336873"/>
+            <a:ext cx="4737840" cy="3599316"/>
           </a:xfrm>
         </p:spPr>
         <p:txBody>
@@ -10201,7 +10623,19 @@
             </a:pPr>
             <a:r>
               <a:rPr lang="en-US" dirty="0"/>
-              <a:t>An example class method: create Snoopy </a:t>
+              <a:t>An example static method: </a:t>
+            </a:r>
+            <a:r>
+              <a:rPr lang="en-US" i="1" dirty="0" err="1"/>
+              <a:t>is_puppy</a:t>
+            </a:r>
+            <a:r>
+              <a:rPr lang="en-US" i="1" dirty="0"/>
+              <a:t> </a:t>
+            </a:r>
+            <a:r>
+              <a:rPr lang="en-US" dirty="0"/>
+              <a:t>to determine if a dog is a puppy or not. </a:t>
             </a:r>
           </a:p>
           <a:p>
@@ -10244,15 +10678,15 @@
             </a:pPr>
             <a:r>
               <a:rPr lang="en-US" dirty="0"/>
-              <a:t>They take the class as the first argument (</a:t>
-            </a:r>
-            <a:r>
-              <a:rPr lang="en-US" dirty="0" err="1"/>
-              <a:t>cls</a:t>
-            </a:r>
-            <a:r>
-              <a:rPr lang="en-US" dirty="0"/>
-              <a:t>)</a:t>
+              <a:t>Do not take </a:t>
+            </a:r>
+            <a:r>
+              <a:rPr lang="en-US" i="1" dirty="0"/>
+              <a:t>self</a:t>
+            </a:r>
+            <a:r>
+              <a:rPr lang="en-US" dirty="0"/>
+              <a:t> as an argument, and are called with the name of the class </a:t>
             </a:r>
           </a:p>
         </p:txBody>
@@ -10279,8 +10713,8 @@
         </p:blipFill>
         <p:spPr>
           <a:xfrm>
-            <a:off x="1893151" y="4382191"/>
-            <a:ext cx="3594100" cy="1358900"/>
+            <a:off x="5663822" y="2720338"/>
+            <a:ext cx="6128792" cy="3513841"/>
           </a:xfrm>
           <a:prstGeom prst="rect">
             <a:avLst/>
@@ -10309,8 +10743,8 @@
         </p:blipFill>
         <p:spPr>
           <a:xfrm>
-            <a:off x="7680097" y="3582091"/>
-            <a:ext cx="2857500" cy="2159000"/>
+            <a:off x="1703042" y="4762496"/>
+            <a:ext cx="2692400" cy="1676400"/>
           </a:xfrm>
           <a:prstGeom prst="rect">
             <a:avLst/>
@@ -10320,7 +10754,7 @@
     </p:spTree>
     <p:extLst>
       <p:ext uri="{BB962C8B-B14F-4D97-AF65-F5344CB8AC3E}">
-        <p14:creationId xmlns:p14="http://schemas.microsoft.com/office/powerpoint/2010/main" val="1587654744"/>
+        <p14:creationId xmlns:p14="http://schemas.microsoft.com/office/powerpoint/2010/main" val="1652208343"/>
       </p:ext>
     </p:extLst>
   </p:cSld>
@@ -10364,6 +10798,506 @@
           <a:p>
             <a:r>
               <a:rPr lang="en-US" dirty="0"/>
+              <a:t>Class Methods </a:t>
+            </a:r>
+          </a:p>
+        </p:txBody>
+      </p:sp>
+      <p:sp>
+        <p:nvSpPr>
+          <p:cNvPr id="3" name="Content Placeholder 2"/>
+          <p:cNvSpPr>
+            <a:spLocks noGrp="1"/>
+          </p:cNvSpPr>
+          <p:nvPr>
+            <p:ph idx="1"/>
+          </p:nvPr>
+        </p:nvSpPr>
+        <p:spPr>
+          <a:xfrm>
+            <a:off x="680321" y="2336873"/>
+            <a:ext cx="9613861" cy="4118518"/>
+          </a:xfrm>
+        </p:spPr>
+        <p:txBody>
+          <a:bodyPr/>
+          <a:lstStyle/>
+          <a:p>
+            <a:pPr marL="0" marR="0" lvl="0" indent="0" defTabSz="914400" eaLnBrk="1" fontAlgn="auto" latinLnBrk="0" hangingPunct="1">
+              <a:lnSpc>
+                <a:spcPct val="100000"/>
+              </a:lnSpc>
+              <a:spcBef>
+                <a:spcPts val="0"/>
+              </a:spcBef>
+              <a:spcAft>
+                <a:spcPts val="0"/>
+              </a:spcAft>
+              <a:buClrTx/>
+              <a:buSzTx/>
+              <a:buFontTx/>
+              <a:buNone/>
+              <a:tabLst/>
+              <a:defRPr/>
+            </a:pPr>
+            <a:r>
+              <a:rPr lang="en-US" dirty="0"/>
+              <a:t>Like static methods, are bound to the class rather than objects of the class </a:t>
+            </a:r>
+          </a:p>
+          <a:p>
+            <a:pPr marL="0" marR="0" lvl="0" indent="0" defTabSz="914400" eaLnBrk="1" fontAlgn="auto" latinLnBrk="0" hangingPunct="1">
+              <a:lnSpc>
+                <a:spcPct val="100000"/>
+              </a:lnSpc>
+              <a:spcBef>
+                <a:spcPts val="0"/>
+              </a:spcBef>
+              <a:spcAft>
+                <a:spcPts val="0"/>
+              </a:spcAft>
+              <a:buClrTx/>
+              <a:buSzTx/>
+              <a:buFontTx/>
+              <a:buNone/>
+              <a:tabLst/>
+              <a:defRPr/>
+            </a:pPr>
+            <a:endParaRPr lang="en-US" dirty="0"/>
+          </a:p>
+          <a:p>
+            <a:pPr marL="0" marR="0" lvl="0" indent="0" defTabSz="914400" eaLnBrk="1" fontAlgn="auto" latinLnBrk="0" hangingPunct="1">
+              <a:lnSpc>
+                <a:spcPct val="100000"/>
+              </a:lnSpc>
+              <a:spcBef>
+                <a:spcPts val="0"/>
+              </a:spcBef>
+              <a:spcAft>
+                <a:spcPts val="0"/>
+              </a:spcAft>
+              <a:buClrTx/>
+              <a:buSzTx/>
+              <a:buFontTx/>
+              <a:buNone/>
+              <a:tabLst/>
+              <a:defRPr/>
+            </a:pPr>
+            <a:endParaRPr lang="en-US" dirty="0"/>
+          </a:p>
+          <a:p>
+            <a:pPr marL="0" marR="0" lvl="0" indent="0" defTabSz="914400" eaLnBrk="1" fontAlgn="auto" latinLnBrk="0" hangingPunct="1">
+              <a:lnSpc>
+                <a:spcPct val="100000"/>
+              </a:lnSpc>
+              <a:spcBef>
+                <a:spcPts val="0"/>
+              </a:spcBef>
+              <a:spcAft>
+                <a:spcPts val="0"/>
+              </a:spcAft>
+              <a:buClrTx/>
+              <a:buSzTx/>
+              <a:buFontTx/>
+              <a:buNone/>
+              <a:tabLst/>
+              <a:defRPr/>
+            </a:pPr>
+            <a:r>
+              <a:rPr lang="en-US" dirty="0"/>
+              <a:t>Can access and modify class state, unlike static methods </a:t>
+            </a:r>
+          </a:p>
+          <a:p>
+            <a:pPr marL="0" marR="0" lvl="0" indent="0" defTabSz="914400" eaLnBrk="1" fontAlgn="auto" latinLnBrk="0" hangingPunct="1">
+              <a:lnSpc>
+                <a:spcPct val="100000"/>
+              </a:lnSpc>
+              <a:spcBef>
+                <a:spcPts val="0"/>
+              </a:spcBef>
+              <a:spcAft>
+                <a:spcPts val="0"/>
+              </a:spcAft>
+              <a:buClrTx/>
+              <a:buSzTx/>
+              <a:buFontTx/>
+              <a:buNone/>
+              <a:tabLst/>
+              <a:defRPr/>
+            </a:pPr>
+            <a:endParaRPr lang="en-US" dirty="0"/>
+          </a:p>
+          <a:p>
+            <a:pPr marL="0" marR="0" lvl="0" indent="0" defTabSz="914400" eaLnBrk="1" fontAlgn="auto" latinLnBrk="0" hangingPunct="1">
+              <a:lnSpc>
+                <a:spcPct val="100000"/>
+              </a:lnSpc>
+              <a:spcBef>
+                <a:spcPts val="0"/>
+              </a:spcBef>
+              <a:spcAft>
+                <a:spcPts val="0"/>
+              </a:spcAft>
+              <a:buClrTx/>
+              <a:buSzTx/>
+              <a:buFontTx/>
+              <a:buNone/>
+              <a:tabLst/>
+              <a:defRPr/>
+            </a:pPr>
+            <a:endParaRPr lang="en-US" dirty="0"/>
+          </a:p>
+          <a:p>
+            <a:pPr marL="0" marR="0" lvl="0" indent="0" defTabSz="914400" eaLnBrk="1" fontAlgn="auto" latinLnBrk="0" hangingPunct="1">
+              <a:lnSpc>
+                <a:spcPct val="100000"/>
+              </a:lnSpc>
+              <a:spcBef>
+                <a:spcPts val="0"/>
+              </a:spcBef>
+              <a:spcAft>
+                <a:spcPts val="0"/>
+              </a:spcAft>
+              <a:buClrTx/>
+              <a:buSzTx/>
+              <a:buFontTx/>
+              <a:buNone/>
+              <a:tabLst/>
+              <a:defRPr/>
+            </a:pPr>
+            <a:r>
+              <a:rPr lang="en-US" dirty="0"/>
+              <a:t>Return an instance of the class (i.e. an object) </a:t>
+            </a:r>
+          </a:p>
+          <a:p>
+            <a:pPr marL="0" marR="0" lvl="0" indent="0" defTabSz="914400" eaLnBrk="1" fontAlgn="auto" latinLnBrk="0" hangingPunct="1">
+              <a:lnSpc>
+                <a:spcPct val="100000"/>
+              </a:lnSpc>
+              <a:spcBef>
+                <a:spcPts val="0"/>
+              </a:spcBef>
+              <a:spcAft>
+                <a:spcPts val="0"/>
+              </a:spcAft>
+              <a:buClrTx/>
+              <a:buSzTx/>
+              <a:buFontTx/>
+              <a:buNone/>
+              <a:tabLst/>
+              <a:defRPr/>
+            </a:pPr>
+            <a:endParaRPr lang="en-US" dirty="0"/>
+          </a:p>
+          <a:p>
+            <a:pPr marL="0" marR="0" lvl="0" indent="0" defTabSz="914400" eaLnBrk="1" fontAlgn="auto" latinLnBrk="0" hangingPunct="1">
+              <a:lnSpc>
+                <a:spcPct val="100000"/>
+              </a:lnSpc>
+              <a:spcBef>
+                <a:spcPts val="0"/>
+              </a:spcBef>
+              <a:spcAft>
+                <a:spcPts val="0"/>
+              </a:spcAft>
+              <a:buClrTx/>
+              <a:buSzTx/>
+              <a:buFontTx/>
+              <a:buNone/>
+              <a:tabLst/>
+              <a:defRPr/>
+            </a:pPr>
+            <a:endParaRPr lang="en-US" dirty="0"/>
+          </a:p>
+          <a:p>
+            <a:pPr marL="0" marR="0" lvl="0" indent="0" defTabSz="914400" eaLnBrk="1" fontAlgn="auto" latinLnBrk="0" hangingPunct="1">
+              <a:lnSpc>
+                <a:spcPct val="100000"/>
+              </a:lnSpc>
+              <a:spcBef>
+                <a:spcPts val="0"/>
+              </a:spcBef>
+              <a:spcAft>
+                <a:spcPts val="0"/>
+              </a:spcAft>
+              <a:buClrTx/>
+              <a:buSzTx/>
+              <a:buFontTx/>
+              <a:buNone/>
+              <a:tabLst/>
+              <a:defRPr/>
+            </a:pPr>
+            <a:r>
+              <a:rPr lang="en-US" dirty="0"/>
+              <a:t>Created with the @</a:t>
+            </a:r>
+            <a:r>
+              <a:rPr lang="en-US" dirty="0" err="1"/>
+              <a:t>classmethod</a:t>
+            </a:r>
+            <a:r>
+              <a:rPr lang="en-US" dirty="0"/>
+              <a:t> decorator </a:t>
+            </a:r>
+          </a:p>
+        </p:txBody>
+      </p:sp>
+    </p:spTree>
+    <p:extLst>
+      <p:ext uri="{BB962C8B-B14F-4D97-AF65-F5344CB8AC3E}">
+        <p14:creationId xmlns:p14="http://schemas.microsoft.com/office/powerpoint/2010/main" val="374938074"/>
+      </p:ext>
+    </p:extLst>
+  </p:cSld>
+  <p:clrMapOvr>
+    <a:masterClrMapping/>
+  </p:clrMapOvr>
+</p:sld>
+</file>
+
+<file path=ppt/slides/slide16.xml><?xml version="1.0" encoding="utf-8"?>
+<p:sld xmlns:a="http://schemas.openxmlformats.org/drawingml/2006/main" xmlns:r="http://schemas.openxmlformats.org/officeDocument/2006/relationships" xmlns:p="http://schemas.openxmlformats.org/presentationml/2006/main">
+  <p:cSld>
+    <p:spTree>
+      <p:nvGrpSpPr>
+        <p:cNvPr id="1" name=""/>
+        <p:cNvGrpSpPr/>
+        <p:nvPr/>
+      </p:nvGrpSpPr>
+      <p:grpSpPr>
+        <a:xfrm>
+          <a:off x="0" y="0"/>
+          <a:ext cx="0" cy="0"/>
+          <a:chOff x="0" y="0"/>
+          <a:chExt cx="0" cy="0"/>
+        </a:xfrm>
+      </p:grpSpPr>
+      <p:sp>
+        <p:nvSpPr>
+          <p:cNvPr id="2" name="Title 1"/>
+          <p:cNvSpPr>
+            <a:spLocks noGrp="1"/>
+          </p:cNvSpPr>
+          <p:nvPr>
+            <p:ph type="title"/>
+          </p:nvPr>
+        </p:nvSpPr>
+        <p:spPr/>
+        <p:txBody>
+          <a:bodyPr/>
+          <a:lstStyle/>
+          <a:p>
+            <a:r>
+              <a:rPr lang="en-US" dirty="0"/>
+              <a:t>Dogs in Python </a:t>
+            </a:r>
+          </a:p>
+        </p:txBody>
+      </p:sp>
+      <p:sp>
+        <p:nvSpPr>
+          <p:cNvPr id="3" name="Content Placeholder 2"/>
+          <p:cNvSpPr>
+            <a:spLocks noGrp="1"/>
+          </p:cNvSpPr>
+          <p:nvPr>
+            <p:ph idx="1"/>
+          </p:nvPr>
+        </p:nvSpPr>
+        <p:spPr>
+          <a:xfrm>
+            <a:off x="680321" y="2336873"/>
+            <a:ext cx="5841503" cy="3599316"/>
+          </a:xfrm>
+        </p:spPr>
+        <p:txBody>
+          <a:bodyPr/>
+          <a:lstStyle/>
+          <a:p>
+            <a:pPr marL="0" marR="0" lvl="0" indent="0" defTabSz="914400" eaLnBrk="1" fontAlgn="auto" latinLnBrk="0" hangingPunct="1">
+              <a:lnSpc>
+                <a:spcPct val="100000"/>
+              </a:lnSpc>
+              <a:spcBef>
+                <a:spcPts val="0"/>
+              </a:spcBef>
+              <a:spcAft>
+                <a:spcPts val="0"/>
+              </a:spcAft>
+              <a:buClrTx/>
+              <a:buSzTx/>
+              <a:buFontTx/>
+              <a:buNone/>
+              <a:tabLst/>
+              <a:defRPr/>
+            </a:pPr>
+            <a:r>
+              <a:rPr lang="en-US" dirty="0"/>
+              <a:t>An example class method: create Snoopy </a:t>
+            </a:r>
+          </a:p>
+          <a:p>
+            <a:pPr marL="0" marR="0" lvl="0" indent="0" defTabSz="914400" eaLnBrk="1" fontAlgn="auto" latinLnBrk="0" hangingPunct="1">
+              <a:lnSpc>
+                <a:spcPct val="100000"/>
+              </a:lnSpc>
+              <a:spcBef>
+                <a:spcPts val="0"/>
+              </a:spcBef>
+              <a:spcAft>
+                <a:spcPts val="0"/>
+              </a:spcAft>
+              <a:buClrTx/>
+              <a:buSzTx/>
+              <a:buFontTx/>
+              <a:buNone/>
+              <a:tabLst/>
+              <a:defRPr/>
+            </a:pPr>
+            <a:endParaRPr lang="en-US" dirty="0"/>
+          </a:p>
+          <a:p>
+            <a:pPr marL="0" marR="0" lvl="0" indent="0" defTabSz="914400" eaLnBrk="1" fontAlgn="auto" latinLnBrk="0" hangingPunct="1">
+              <a:lnSpc>
+                <a:spcPct val="100000"/>
+              </a:lnSpc>
+              <a:spcBef>
+                <a:spcPts val="0"/>
+              </a:spcBef>
+              <a:spcAft>
+                <a:spcPts val="0"/>
+              </a:spcAft>
+              <a:buClrTx/>
+              <a:buSzTx/>
+              <a:buFontTx/>
+              <a:buNone/>
+              <a:tabLst/>
+              <a:defRPr/>
+            </a:pPr>
+            <a:r>
+              <a:rPr lang="en-US" dirty="0"/>
+              <a:t>They take the class as the first argument (</a:t>
+            </a:r>
+            <a:r>
+              <a:rPr lang="en-US" dirty="0" err="1"/>
+              <a:t>cls</a:t>
+            </a:r>
+            <a:r>
+              <a:rPr lang="en-US" dirty="0"/>
+              <a:t>)</a:t>
+            </a:r>
+          </a:p>
+        </p:txBody>
+      </p:sp>
+      <p:pic>
+        <p:nvPicPr>
+          <p:cNvPr id="4" name="Picture 3"/>
+          <p:cNvPicPr>
+            <a:picLocks noChangeAspect="1"/>
+          </p:cNvPicPr>
+          <p:nvPr/>
+        </p:nvPicPr>
+        <p:blipFill>
+          <a:blip r:embed="rId3">
+            <a:extLst>
+              <a:ext uri="{28A0092B-C50C-407E-A947-70E740481C1C}">
+                <a14:useLocalDpi xmlns:a14="http://schemas.microsoft.com/office/drawing/2010/main" val="0"/>
+              </a:ext>
+            </a:extLst>
+          </a:blip>
+          <a:stretch>
+            <a:fillRect/>
+          </a:stretch>
+        </p:blipFill>
+        <p:spPr>
+          <a:xfrm>
+            <a:off x="1893151" y="4382191"/>
+            <a:ext cx="3594100" cy="1358900"/>
+          </a:xfrm>
+          <a:prstGeom prst="rect">
+            <a:avLst/>
+          </a:prstGeom>
+        </p:spPr>
+      </p:pic>
+      <p:pic>
+        <p:nvPicPr>
+          <p:cNvPr id="5" name="Picture 4"/>
+          <p:cNvPicPr>
+            <a:picLocks noChangeAspect="1"/>
+          </p:cNvPicPr>
+          <p:nvPr/>
+        </p:nvPicPr>
+        <p:blipFill>
+          <a:blip r:embed="rId4">
+            <a:extLst>
+              <a:ext uri="{28A0092B-C50C-407E-A947-70E740481C1C}">
+                <a14:useLocalDpi xmlns:a14="http://schemas.microsoft.com/office/drawing/2010/main" val="0"/>
+              </a:ext>
+            </a:extLst>
+          </a:blip>
+          <a:stretch>
+            <a:fillRect/>
+          </a:stretch>
+        </p:blipFill>
+        <p:spPr>
+          <a:xfrm>
+            <a:off x="7680097" y="3582091"/>
+            <a:ext cx="2857500" cy="2159000"/>
+          </a:xfrm>
+          <a:prstGeom prst="rect">
+            <a:avLst/>
+          </a:prstGeom>
+        </p:spPr>
+      </p:pic>
+    </p:spTree>
+    <p:extLst>
+      <p:ext uri="{BB962C8B-B14F-4D97-AF65-F5344CB8AC3E}">
+        <p14:creationId xmlns:p14="http://schemas.microsoft.com/office/powerpoint/2010/main" val="1587654744"/>
+      </p:ext>
+    </p:extLst>
+  </p:cSld>
+  <p:clrMapOvr>
+    <a:masterClrMapping/>
+  </p:clrMapOvr>
+</p:sld>
+</file>
+
+<file path=ppt/slides/slide17.xml><?xml version="1.0" encoding="utf-8"?>
+<p:sld xmlns:a="http://schemas.openxmlformats.org/drawingml/2006/main" xmlns:r="http://schemas.openxmlformats.org/officeDocument/2006/relationships" xmlns:p="http://schemas.openxmlformats.org/presentationml/2006/main">
+  <p:cSld>
+    <p:spTree>
+      <p:nvGrpSpPr>
+        <p:cNvPr id="1" name=""/>
+        <p:cNvGrpSpPr/>
+        <p:nvPr/>
+      </p:nvGrpSpPr>
+      <p:grpSpPr>
+        <a:xfrm>
+          <a:off x="0" y="0"/>
+          <a:ext cx="0" cy="0"/>
+          <a:chOff x="0" y="0"/>
+          <a:chExt cx="0" cy="0"/>
+        </a:xfrm>
+      </p:grpSpPr>
+      <p:sp>
+        <p:nvSpPr>
+          <p:cNvPr id="2" name="Title 1"/>
+          <p:cNvSpPr>
+            <a:spLocks noGrp="1"/>
+          </p:cNvSpPr>
+          <p:nvPr>
+            <p:ph type="title"/>
+          </p:nvPr>
+        </p:nvSpPr>
+        <p:spPr/>
+        <p:txBody>
+          <a:bodyPr/>
+          <a:lstStyle/>
+          <a:p>
+            <a:r>
+              <a:rPr lang="en-US" dirty="0"/>
               <a:t>Syntactic Sugar </a:t>
             </a:r>
           </a:p>
@@ -10515,7 +11449,7 @@
 </p:sld>
 </file>
 
-<file path=ppt/slides/slide16.xml><?xml version="1.0" encoding="utf-8"?>
+<file path=ppt/slides/slide18.xml><?xml version="1.0" encoding="utf-8"?>
 <p:sld xmlns:a="http://schemas.openxmlformats.org/drawingml/2006/main" xmlns:r="http://schemas.openxmlformats.org/officeDocument/2006/relationships" xmlns:p="http://schemas.openxmlformats.org/presentationml/2006/main">
   <p:cSld>
     <p:spTree>
@@ -11086,498 +12020,6 @@
 </p:sld>
 </file>
 
-<file path=ppt/slides/slide17.xml><?xml version="1.0" encoding="utf-8"?>
-<p:sld xmlns:a="http://schemas.openxmlformats.org/drawingml/2006/main" xmlns:r="http://schemas.openxmlformats.org/officeDocument/2006/relationships" xmlns:p="http://schemas.openxmlformats.org/presentationml/2006/main">
-  <p:cSld>
-    <p:spTree>
-      <p:nvGrpSpPr>
-        <p:cNvPr id="1" name=""/>
-        <p:cNvGrpSpPr/>
-        <p:nvPr/>
-      </p:nvGrpSpPr>
-      <p:grpSpPr>
-        <a:xfrm>
-          <a:off x="0" y="0"/>
-          <a:ext cx="0" cy="0"/>
-          <a:chOff x="0" y="0"/>
-          <a:chExt cx="0" cy="0"/>
-        </a:xfrm>
-      </p:grpSpPr>
-      <p:sp>
-        <p:nvSpPr>
-          <p:cNvPr id="2" name="Title 1"/>
-          <p:cNvSpPr>
-            <a:spLocks noGrp="1"/>
-          </p:cNvSpPr>
-          <p:nvPr>
-            <p:ph type="title"/>
-          </p:nvPr>
-        </p:nvSpPr>
-        <p:spPr/>
-        <p:txBody>
-          <a:bodyPr/>
-          <a:lstStyle/>
-          <a:p>
-            <a:r>
-              <a:rPr lang="en-US" dirty="0"/>
-              <a:t>Example Usage of Syntactic Sugar: Polynomials </a:t>
-            </a:r>
-          </a:p>
-        </p:txBody>
-      </p:sp>
-      <p:sp>
-        <p:nvSpPr>
-          <p:cNvPr id="3" name="Content Placeholder 2"/>
-          <p:cNvSpPr>
-            <a:spLocks noGrp="1"/>
-          </p:cNvSpPr>
-          <p:nvPr>
-            <p:ph idx="1"/>
-          </p:nvPr>
-        </p:nvSpPr>
-        <p:spPr/>
-        <p:txBody>
-          <a:bodyPr/>
-          <a:lstStyle/>
-          <a:p>
-            <a:pPr marL="0" marR="0" lvl="0" indent="0" defTabSz="914400" eaLnBrk="1" fontAlgn="auto" latinLnBrk="0" hangingPunct="1">
-              <a:lnSpc>
-                <a:spcPct val="100000"/>
-              </a:lnSpc>
-              <a:spcBef>
-                <a:spcPts val="0"/>
-              </a:spcBef>
-              <a:spcAft>
-                <a:spcPts val="0"/>
-              </a:spcAft>
-              <a:buClrTx/>
-              <a:buSzTx/>
-              <a:buFontTx/>
-              <a:buNone/>
-              <a:tabLst/>
-              <a:defRPr/>
-            </a:pPr>
-            <a:r>
-              <a:rPr lang="en-US" dirty="0"/>
-              <a:t>Goals: </a:t>
-            </a:r>
-          </a:p>
-          <a:p>
-            <a:pPr lvl="1">
-              <a:lnSpc>
-                <a:spcPct val="100000"/>
-              </a:lnSpc>
-              <a:spcBef>
-                <a:spcPts val="0"/>
-              </a:spcBef>
-            </a:pPr>
-            <a:r>
-              <a:rPr lang="en-US" dirty="0"/>
-              <a:t>Properties: coefficients and the order of the polynomial </a:t>
-            </a:r>
-          </a:p>
-          <a:p>
-            <a:pPr lvl="1">
-              <a:lnSpc>
-                <a:spcPct val="100000"/>
-              </a:lnSpc>
-              <a:spcBef>
-                <a:spcPts val="0"/>
-              </a:spcBef>
-            </a:pPr>
-            <a:r>
-              <a:rPr lang="en-US" dirty="0"/>
-              <a:t>Indexing </a:t>
-            </a:r>
-            <a:r>
-              <a:rPr lang="mr-IN" dirty="0"/>
-              <a:t>–</a:t>
-            </a:r>
-            <a:r>
-              <a:rPr lang="en-US" dirty="0"/>
-              <a:t> index </a:t>
-            </a:r>
-            <a:r>
-              <a:rPr lang="en-US" i="1" dirty="0" err="1"/>
-              <a:t>i</a:t>
-            </a:r>
-            <a:r>
-              <a:rPr lang="en-US" dirty="0"/>
-              <a:t> should return the </a:t>
-            </a:r>
-            <a:r>
-              <a:rPr lang="en-US" i="1" dirty="0" err="1"/>
-              <a:t>i</a:t>
-            </a:r>
-            <a:r>
-              <a:rPr lang="en-US" dirty="0" err="1"/>
-              <a:t>’th</a:t>
-            </a:r>
-            <a:r>
-              <a:rPr lang="en-US" dirty="0"/>
-              <a:t> coefficient </a:t>
-            </a:r>
-          </a:p>
-          <a:p>
-            <a:pPr lvl="1">
-              <a:lnSpc>
-                <a:spcPct val="100000"/>
-              </a:lnSpc>
-              <a:spcBef>
-                <a:spcPts val="0"/>
-              </a:spcBef>
-            </a:pPr>
-            <a:r>
-              <a:rPr lang="en-US" dirty="0"/>
-              <a:t>Calling </a:t>
-            </a:r>
-            <a:r>
-              <a:rPr lang="mr-IN" dirty="0"/>
-              <a:t>–</a:t>
-            </a:r>
-            <a:r>
-              <a:rPr lang="en-US" dirty="0"/>
-              <a:t> </a:t>
-            </a:r>
-            <a:r>
-              <a:rPr lang="en-US" i="1" dirty="0"/>
-              <a:t>f(x) </a:t>
-            </a:r>
-            <a:r>
-              <a:rPr lang="en-US" dirty="0"/>
-              <a:t>should evaluate the polynomial at the value of </a:t>
-            </a:r>
-            <a:r>
-              <a:rPr lang="en-US" i="1" dirty="0"/>
-              <a:t>x</a:t>
-            </a:r>
-            <a:r>
-              <a:rPr lang="en-US" dirty="0"/>
-              <a:t> </a:t>
-            </a:r>
-          </a:p>
-          <a:p>
-            <a:pPr lvl="1">
-              <a:lnSpc>
-                <a:spcPct val="100000"/>
-              </a:lnSpc>
-              <a:spcBef>
-                <a:spcPts val="0"/>
-              </a:spcBef>
-            </a:pPr>
-            <a:r>
-              <a:rPr lang="en-US" dirty="0"/>
-              <a:t>Item Assignment </a:t>
-            </a:r>
-            <a:r>
-              <a:rPr lang="mr-IN" dirty="0"/>
-              <a:t>–</a:t>
-            </a:r>
-            <a:r>
-              <a:rPr lang="en-US" dirty="0"/>
-              <a:t> </a:t>
-            </a:r>
-            <a:r>
-              <a:rPr lang="en-US" i="1" dirty="0"/>
-              <a:t>f[</a:t>
-            </a:r>
-            <a:r>
-              <a:rPr lang="en-US" i="1" dirty="0" err="1"/>
-              <a:t>i</a:t>
-            </a:r>
-            <a:r>
-              <a:rPr lang="en-US" i="1" dirty="0"/>
-              <a:t>] = a</a:t>
-            </a:r>
-            <a:r>
-              <a:rPr lang="en-US" dirty="0"/>
-              <a:t> should assign the </a:t>
-            </a:r>
-            <a:r>
-              <a:rPr lang="en-US" i="1" dirty="0" err="1"/>
-              <a:t>i</a:t>
-            </a:r>
-            <a:r>
-              <a:rPr lang="en-US" dirty="0" err="1"/>
-              <a:t>’th</a:t>
-            </a:r>
-            <a:r>
-              <a:rPr lang="en-US" dirty="0"/>
-              <a:t> coefficient to the value of </a:t>
-            </a:r>
-            <a:r>
-              <a:rPr lang="en-US" i="1" dirty="0"/>
-              <a:t>a</a:t>
-            </a:r>
-            <a:r>
-              <a:rPr lang="en-US" dirty="0"/>
-              <a:t> </a:t>
-            </a:r>
-          </a:p>
-          <a:p>
-            <a:pPr lvl="1">
-              <a:lnSpc>
-                <a:spcPct val="100000"/>
-              </a:lnSpc>
-              <a:spcBef>
-                <a:spcPts val="0"/>
-              </a:spcBef>
-            </a:pPr>
-            <a:r>
-              <a:rPr lang="en-US" dirty="0"/>
-              <a:t>A string representation </a:t>
-            </a:r>
-          </a:p>
-          <a:p>
-            <a:pPr marL="0" indent="0">
-              <a:lnSpc>
-                <a:spcPct val="100000"/>
-              </a:lnSpc>
-              <a:spcBef>
-                <a:spcPts val="0"/>
-              </a:spcBef>
-              <a:buNone/>
-            </a:pPr>
-            <a:endParaRPr lang="en-US" dirty="0"/>
-          </a:p>
-          <a:p>
-            <a:pPr marL="0" indent="0">
-              <a:lnSpc>
-                <a:spcPct val="100000"/>
-              </a:lnSpc>
-              <a:spcBef>
-                <a:spcPts val="0"/>
-              </a:spcBef>
-              <a:buNone/>
-            </a:pPr>
-            <a:endParaRPr lang="en-US" dirty="0"/>
-          </a:p>
-          <a:p>
-            <a:pPr marL="0" indent="0">
-              <a:lnSpc>
-                <a:spcPct val="100000"/>
-              </a:lnSpc>
-              <a:spcBef>
-                <a:spcPts val="0"/>
-              </a:spcBef>
-              <a:buNone/>
-            </a:pPr>
-            <a:r>
-              <a:rPr lang="en-US" dirty="0"/>
-              <a:t>Note: This object is scripted at examples/</a:t>
-            </a:r>
-            <a:r>
-              <a:rPr lang="en-US" dirty="0" err="1"/>
-              <a:t>mypkg</a:t>
-            </a:r>
-            <a:r>
-              <a:rPr lang="en-US" dirty="0"/>
-              <a:t>/</a:t>
-            </a:r>
-            <a:r>
-              <a:rPr lang="en-US" dirty="0" err="1"/>
-              <a:t>mathlib</a:t>
-            </a:r>
-            <a:r>
-              <a:rPr lang="en-US" dirty="0"/>
-              <a:t>/</a:t>
-            </a:r>
-            <a:r>
-              <a:rPr lang="en-US" dirty="0" err="1"/>
-              <a:t>polynomial.py</a:t>
-            </a:r>
-            <a:r>
-              <a:rPr lang="en-US" dirty="0"/>
-              <a:t> in the </a:t>
-            </a:r>
-            <a:r>
-              <a:rPr lang="en-US" dirty="0" err="1"/>
-              <a:t>git</a:t>
-            </a:r>
-            <a:r>
-              <a:rPr lang="en-US" dirty="0"/>
-              <a:t> repository </a:t>
-            </a:r>
-          </a:p>
-        </p:txBody>
-      </p:sp>
-    </p:spTree>
-    <p:extLst>
-      <p:ext uri="{BB962C8B-B14F-4D97-AF65-F5344CB8AC3E}">
-        <p14:creationId xmlns:p14="http://schemas.microsoft.com/office/powerpoint/2010/main" val="1260141961"/>
-      </p:ext>
-    </p:extLst>
-  </p:cSld>
-  <p:clrMapOvr>
-    <a:masterClrMapping/>
-  </p:clrMapOvr>
-</p:sld>
-</file>
-
-<file path=ppt/slides/slide18.xml><?xml version="1.0" encoding="utf-8"?>
-<p:sld xmlns:a="http://schemas.openxmlformats.org/drawingml/2006/main" xmlns:r="http://schemas.openxmlformats.org/officeDocument/2006/relationships" xmlns:p="http://schemas.openxmlformats.org/presentationml/2006/main">
-  <p:cSld>
-    <p:spTree>
-      <p:nvGrpSpPr>
-        <p:cNvPr id="1" name=""/>
-        <p:cNvGrpSpPr/>
-        <p:nvPr/>
-      </p:nvGrpSpPr>
-      <p:grpSpPr>
-        <a:xfrm>
-          <a:off x="0" y="0"/>
-          <a:ext cx="0" cy="0"/>
-          <a:chOff x="0" y="0"/>
-          <a:chExt cx="0" cy="0"/>
-        </a:xfrm>
-      </p:grpSpPr>
-      <p:sp>
-        <p:nvSpPr>
-          <p:cNvPr id="2" name="Title 1"/>
-          <p:cNvSpPr>
-            <a:spLocks noGrp="1"/>
-          </p:cNvSpPr>
-          <p:nvPr>
-            <p:ph type="title"/>
-          </p:nvPr>
-        </p:nvSpPr>
-        <p:spPr/>
-        <p:txBody>
-          <a:bodyPr/>
-          <a:lstStyle/>
-          <a:p>
-            <a:r>
-              <a:rPr lang="en-US" dirty="0"/>
-              <a:t>A Polynomial Object </a:t>
-            </a:r>
-          </a:p>
-        </p:txBody>
-      </p:sp>
-      <p:sp>
-        <p:nvSpPr>
-          <p:cNvPr id="3" name="Content Placeholder 2"/>
-          <p:cNvSpPr>
-            <a:spLocks noGrp="1"/>
-          </p:cNvSpPr>
-          <p:nvPr>
-            <p:ph idx="1"/>
-          </p:nvPr>
-        </p:nvSpPr>
-        <p:spPr>
-          <a:xfrm>
-            <a:off x="680321" y="2336873"/>
-            <a:ext cx="5243961" cy="3599316"/>
-          </a:xfrm>
-        </p:spPr>
-        <p:txBody>
-          <a:bodyPr/>
-          <a:lstStyle/>
-          <a:p>
-            <a:pPr marL="0" marR="0" lvl="0" indent="0" defTabSz="914400" eaLnBrk="1" fontAlgn="auto" latinLnBrk="0" hangingPunct="1">
-              <a:lnSpc>
-                <a:spcPct val="100000"/>
-              </a:lnSpc>
-              <a:spcBef>
-                <a:spcPts val="0"/>
-              </a:spcBef>
-              <a:spcAft>
-                <a:spcPts val="0"/>
-              </a:spcAft>
-              <a:buClrTx/>
-              <a:buSzTx/>
-              <a:buFontTx/>
-              <a:buNone/>
-              <a:tabLst/>
-              <a:defRPr/>
-            </a:pPr>
-            <a:r>
-              <a:rPr lang="en-US" dirty="0"/>
-              <a:t>The first pieces of the implementation: the __</a:t>
-            </a:r>
-            <a:r>
-              <a:rPr lang="en-US" dirty="0" err="1"/>
-              <a:t>init</a:t>
-            </a:r>
-            <a:r>
-              <a:rPr lang="en-US" dirty="0"/>
-              <a:t>__ function and the properties </a:t>
-            </a:r>
-          </a:p>
-        </p:txBody>
-      </p:sp>
-      <p:pic>
-        <p:nvPicPr>
-          <p:cNvPr id="4" name="Picture 3"/>
-          <p:cNvPicPr>
-            <a:picLocks noChangeAspect="1"/>
-          </p:cNvPicPr>
-          <p:nvPr/>
-        </p:nvPicPr>
-        <p:blipFill>
-          <a:blip r:embed="rId3">
-            <a:extLst>
-              <a:ext uri="{28A0092B-C50C-407E-A947-70E740481C1C}">
-                <a14:useLocalDpi xmlns:a14="http://schemas.microsoft.com/office/drawing/2010/main" val="0"/>
-              </a:ext>
-            </a:extLst>
-          </a:blip>
-          <a:stretch>
-            <a:fillRect/>
-          </a:stretch>
-        </p:blipFill>
-        <p:spPr>
-          <a:xfrm>
-            <a:off x="249328" y="3419841"/>
-            <a:ext cx="6112835" cy="3249454"/>
-          </a:xfrm>
-          <a:prstGeom prst="rect">
-            <a:avLst/>
-          </a:prstGeom>
-        </p:spPr>
-      </p:pic>
-      <p:pic>
-        <p:nvPicPr>
-          <p:cNvPr id="5" name="Picture 4"/>
-          <p:cNvPicPr>
-            <a:picLocks noChangeAspect="1"/>
-          </p:cNvPicPr>
-          <p:nvPr/>
-        </p:nvPicPr>
-        <p:blipFill>
-          <a:blip r:embed="rId4">
-            <a:extLst>
-              <a:ext uri="{28A0092B-C50C-407E-A947-70E740481C1C}">
-                <a14:useLocalDpi xmlns:a14="http://schemas.microsoft.com/office/drawing/2010/main" val="0"/>
-              </a:ext>
-            </a:extLst>
-          </a:blip>
-          <a:stretch>
-            <a:fillRect/>
-          </a:stretch>
-        </p:blipFill>
-        <p:spPr>
-          <a:xfrm>
-            <a:off x="6355275" y="2009594"/>
-            <a:ext cx="5671808" cy="4659701"/>
-          </a:xfrm>
-          <a:prstGeom prst="rect">
-            <a:avLst/>
-          </a:prstGeom>
-        </p:spPr>
-      </p:pic>
-    </p:spTree>
-    <p:extLst>
-      <p:ext uri="{BB962C8B-B14F-4D97-AF65-F5344CB8AC3E}">
-        <p14:creationId xmlns:p14="http://schemas.microsoft.com/office/powerpoint/2010/main" val="352563479"/>
-      </p:ext>
-    </p:extLst>
-  </p:cSld>
-  <p:clrMapOvr>
-    <a:masterClrMapping/>
-  </p:clrMapOvr>
-</p:sld>
-</file>
-
 <file path=ppt/slides/slide19.xml><?xml version="1.0" encoding="utf-8"?>
 <p:sld xmlns:a="http://schemas.openxmlformats.org/drawingml/2006/main" xmlns:r="http://schemas.openxmlformats.org/officeDocument/2006/relationships" xmlns:p="http://schemas.openxmlformats.org/presentationml/2006/main">
   <p:cSld>
@@ -11612,7 +12054,7 @@
           <a:p>
             <a:r>
               <a:rPr lang="en-US" dirty="0"/>
-              <a:t>A Polynomial Object </a:t>
+              <a:t>Example Usage of Syntactic Sugar: Polynomials </a:t>
             </a:r>
           </a:p>
         </p:txBody>
@@ -11627,12 +12069,7 @@
             <p:ph idx="1"/>
           </p:nvPr>
         </p:nvSpPr>
-        <p:spPr>
-          <a:xfrm>
-            <a:off x="680321" y="2336873"/>
-            <a:ext cx="10756117" cy="3599316"/>
-          </a:xfrm>
-        </p:spPr>
+        <p:spPr/>
         <p:txBody>
           <a:bodyPr/>
           <a:lstStyle/>
@@ -11656,170 +12093,7 @@
             </a:pPr>
             <a:r>
               <a:rPr lang="en-US" dirty="0"/>
-              <a:t>Indexing </a:t>
-            </a:r>
-            <a:r>
-              <a:rPr lang="mr-IN" dirty="0"/>
-              <a:t>–</a:t>
-            </a:r>
-            <a:r>
-              <a:rPr lang="en-US" dirty="0"/>
-              <a:t> requires </a:t>
-            </a:r>
-            <a:r>
-              <a:rPr lang="en-US" i="1" dirty="0"/>
-              <a:t>__</a:t>
-            </a:r>
-            <a:r>
-              <a:rPr lang="en-US" i="1" dirty="0" err="1"/>
-              <a:t>getitem</a:t>
-            </a:r>
-            <a:r>
-              <a:rPr lang="en-US" i="1" dirty="0"/>
-              <a:t>__ </a:t>
-            </a:r>
-            <a:r>
-              <a:rPr lang="en-US" dirty="0"/>
-              <a:t>function, which takes the index as a parameter  </a:t>
-            </a:r>
-          </a:p>
-          <a:p>
-            <a:pPr marL="0" marR="0" lvl="0" indent="0" defTabSz="914400" eaLnBrk="1" fontAlgn="auto" latinLnBrk="0" hangingPunct="1">
-              <a:lnSpc>
-                <a:spcPct val="100000"/>
-              </a:lnSpc>
-              <a:spcBef>
-                <a:spcPts val="0"/>
-              </a:spcBef>
-              <a:spcAft>
-                <a:spcPts val="0"/>
-              </a:spcAft>
-              <a:buClrTx/>
-              <a:buSzTx/>
-              <a:buFontTx/>
-              <a:buNone/>
-              <a:tabLst/>
-              <a:defRPr/>
-            </a:pPr>
-            <a:endParaRPr lang="en-US" dirty="0"/>
-          </a:p>
-          <a:p>
-            <a:pPr marL="0" marR="0" lvl="0" indent="0" defTabSz="914400" eaLnBrk="1" fontAlgn="auto" latinLnBrk="0" hangingPunct="1">
-              <a:lnSpc>
-                <a:spcPct val="100000"/>
-              </a:lnSpc>
-              <a:spcBef>
-                <a:spcPts val="0"/>
-              </a:spcBef>
-              <a:spcAft>
-                <a:spcPts val="0"/>
-              </a:spcAft>
-              <a:buClrTx/>
-              <a:buSzTx/>
-              <a:buFontTx/>
-              <a:buNone/>
-              <a:tabLst/>
-              <a:defRPr/>
-            </a:pPr>
-            <a:endParaRPr lang="en-US" dirty="0"/>
-          </a:p>
-          <a:p>
-            <a:pPr marL="0" marR="0" lvl="0" indent="0" defTabSz="914400" eaLnBrk="1" fontAlgn="auto" latinLnBrk="0" hangingPunct="1">
-              <a:lnSpc>
-                <a:spcPct val="100000"/>
-              </a:lnSpc>
-              <a:spcBef>
-                <a:spcPts val="0"/>
-              </a:spcBef>
-              <a:spcAft>
-                <a:spcPts val="0"/>
-              </a:spcAft>
-              <a:buClrTx/>
-              <a:buSzTx/>
-              <a:buFontTx/>
-              <a:buNone/>
-              <a:tabLst/>
-              <a:defRPr/>
-            </a:pPr>
-            <a:endParaRPr lang="en-US" dirty="0"/>
-          </a:p>
-          <a:p>
-            <a:pPr marL="0" marR="0" lvl="0" indent="0" defTabSz="914400" eaLnBrk="1" fontAlgn="auto" latinLnBrk="0" hangingPunct="1">
-              <a:lnSpc>
-                <a:spcPct val="100000"/>
-              </a:lnSpc>
-              <a:spcBef>
-                <a:spcPts val="0"/>
-              </a:spcBef>
-              <a:spcAft>
-                <a:spcPts val="0"/>
-              </a:spcAft>
-              <a:buClrTx/>
-              <a:buSzTx/>
-              <a:buFontTx/>
-              <a:buNone/>
-              <a:tabLst/>
-              <a:defRPr/>
-            </a:pPr>
-            <a:endParaRPr lang="en-US" dirty="0"/>
-          </a:p>
-          <a:p>
-            <a:pPr marL="0" marR="0" lvl="0" indent="0" defTabSz="914400" eaLnBrk="1" fontAlgn="auto" latinLnBrk="0" hangingPunct="1">
-              <a:lnSpc>
-                <a:spcPct val="100000"/>
-              </a:lnSpc>
-              <a:spcBef>
-                <a:spcPts val="0"/>
-              </a:spcBef>
-              <a:spcAft>
-                <a:spcPts val="0"/>
-              </a:spcAft>
-              <a:buClrTx/>
-              <a:buSzTx/>
-              <a:buFontTx/>
-              <a:buNone/>
-              <a:tabLst/>
-              <a:defRPr/>
-            </a:pPr>
-            <a:endParaRPr lang="en-US" dirty="0"/>
-          </a:p>
-          <a:p>
-            <a:pPr marL="0" marR="0" lvl="0" indent="0" defTabSz="914400" eaLnBrk="1" fontAlgn="auto" latinLnBrk="0" hangingPunct="1">
-              <a:lnSpc>
-                <a:spcPct val="100000"/>
-              </a:lnSpc>
-              <a:spcBef>
-                <a:spcPts val="0"/>
-              </a:spcBef>
-              <a:spcAft>
-                <a:spcPts val="0"/>
-              </a:spcAft>
-              <a:buClrTx/>
-              <a:buSzTx/>
-              <a:buFontTx/>
-              <a:buNone/>
-              <a:tabLst/>
-              <a:defRPr/>
-            </a:pPr>
-            <a:r>
-              <a:rPr lang="en-US" dirty="0"/>
-              <a:t>Calling </a:t>
-            </a:r>
-            <a:r>
-              <a:rPr lang="mr-IN" dirty="0"/>
-              <a:t>–</a:t>
-            </a:r>
-            <a:r>
-              <a:rPr lang="en-US" dirty="0"/>
-              <a:t> requires </a:t>
-            </a:r>
-            <a:r>
-              <a:rPr lang="en-US" i="1" dirty="0"/>
-              <a:t>__call__</a:t>
-            </a:r>
-            <a:r>
-              <a:rPr lang="en-US" dirty="0"/>
-              <a:t> function, which takes any number of parameters </a:t>
+              <a:t>Goals: </a:t>
             </a:r>
           </a:p>
           <a:p>
@@ -11833,7 +12107,79 @@
             </a:pPr>
             <a:r>
               <a:rPr lang="en-US" dirty="0"/>
-              <a:t>Here it should be a value </a:t>
+              <a:t>Properties: coefficients and the order of the polynomial </a:t>
+            </a:r>
+          </a:p>
+          <a:p>
+            <a:pPr lvl="1">
+              <a:lnSpc>
+                <a:spcPct val="100000"/>
+              </a:lnSpc>
+              <a:spcBef>
+                <a:spcPts val="0"/>
+              </a:spcBef>
+            </a:pPr>
+            <a:r>
+              <a:rPr lang="en-US" dirty="0"/>
+              <a:t>Indexing </a:t>
+            </a:r>
+            <a:r>
+              <a:rPr lang="mr-IN" dirty="0"/>
+              <a:t>–</a:t>
+            </a:r>
+            <a:r>
+              <a:rPr lang="en-US" dirty="0"/>
+              <a:t> index </a:t>
+            </a:r>
+            <a:r>
+              <a:rPr lang="en-US" i="1" dirty="0" err="1"/>
+              <a:t>i</a:t>
+            </a:r>
+            <a:r>
+              <a:rPr lang="en-US" dirty="0"/>
+              <a:t> should return the </a:t>
+            </a:r>
+            <a:r>
+              <a:rPr lang="en-US" i="1" dirty="0" err="1"/>
+              <a:t>i</a:t>
+            </a:r>
+            <a:r>
+              <a:rPr lang="en-US" dirty="0" err="1"/>
+              <a:t>’th</a:t>
+            </a:r>
+            <a:r>
+              <a:rPr lang="en-US" dirty="0"/>
+              <a:t> coefficient </a:t>
+            </a:r>
+          </a:p>
+          <a:p>
+            <a:pPr lvl="1">
+              <a:lnSpc>
+                <a:spcPct val="100000"/>
+              </a:lnSpc>
+              <a:spcBef>
+                <a:spcPts val="0"/>
+              </a:spcBef>
+            </a:pPr>
+            <a:r>
+              <a:rPr lang="en-US" dirty="0"/>
+              <a:t>Calling </a:t>
+            </a:r>
+            <a:r>
+              <a:rPr lang="mr-IN" dirty="0"/>
+              <a:t>–</a:t>
+            </a:r>
+            <a:r>
+              <a:rPr lang="en-US" dirty="0"/>
+              <a:t> </a:t>
+            </a:r>
+            <a:r>
+              <a:rPr lang="en-US" i="1" dirty="0"/>
+              <a:t>f(x) </a:t>
+            </a:r>
+            <a:r>
+              <a:rPr lang="en-US" dirty="0"/>
+              <a:t>should evaluate the polynomial at the value of </a:t>
             </a:r>
             <a:r>
               <a:rPr lang="en-US" i="1" dirty="0"/>
@@ -11841,75 +12187,158 @@
             </a:r>
             <a:r>
               <a:rPr lang="en-US" dirty="0"/>
-              <a:t> to evaluate the polynomial at </a:t>
-            </a:r>
-          </a:p>
-        </p:txBody>
-      </p:sp>
-      <p:pic>
-        <p:nvPicPr>
-          <p:cNvPr id="5" name="Picture 4"/>
-          <p:cNvPicPr>
-            <a:picLocks noChangeAspect="1"/>
-          </p:cNvPicPr>
-          <p:nvPr/>
-        </p:nvPicPr>
-        <p:blipFill>
-          <a:blip r:embed="rId3">
-            <a:extLst>
-              <a:ext uri="{28A0092B-C50C-407E-A947-70E740481C1C}">
-                <a14:useLocalDpi xmlns:a14="http://schemas.microsoft.com/office/drawing/2010/main" val="0"/>
-              </a:ext>
-            </a:extLst>
-          </a:blip>
-          <a:stretch>
-            <a:fillRect/>
-          </a:stretch>
-        </p:blipFill>
-        <p:spPr>
-          <a:xfrm>
-            <a:off x="2762729" y="3135212"/>
-            <a:ext cx="6591300" cy="1384300"/>
-          </a:xfrm>
-          <a:prstGeom prst="rect">
-            <a:avLst/>
-          </a:prstGeom>
-        </p:spPr>
-      </p:pic>
-      <p:pic>
-        <p:nvPicPr>
-          <p:cNvPr id="6" name="Picture 5"/>
-          <p:cNvPicPr>
-            <a:picLocks noChangeAspect="1"/>
-          </p:cNvPicPr>
-          <p:nvPr/>
-        </p:nvPicPr>
-        <p:blipFill>
-          <a:blip r:embed="rId4">
-            <a:extLst>
-              <a:ext uri="{28A0092B-C50C-407E-A947-70E740481C1C}">
-                <a14:useLocalDpi xmlns:a14="http://schemas.microsoft.com/office/drawing/2010/main" val="0"/>
-              </a:ext>
-            </a:extLst>
-          </a:blip>
-          <a:stretch>
-            <a:fillRect/>
-          </a:stretch>
-        </p:blipFill>
-        <p:spPr>
-          <a:xfrm>
-            <a:off x="4134329" y="5428189"/>
-            <a:ext cx="3848100" cy="1016000"/>
-          </a:xfrm>
-          <a:prstGeom prst="rect">
-            <a:avLst/>
-          </a:prstGeom>
-        </p:spPr>
-      </p:pic>
+              <a:t> </a:t>
+            </a:r>
+          </a:p>
+          <a:p>
+            <a:pPr lvl="1">
+              <a:lnSpc>
+                <a:spcPct val="100000"/>
+              </a:lnSpc>
+              <a:spcBef>
+                <a:spcPts val="0"/>
+              </a:spcBef>
+            </a:pPr>
+            <a:r>
+              <a:rPr lang="en-US" dirty="0"/>
+              <a:t>Item Assignment </a:t>
+            </a:r>
+            <a:r>
+              <a:rPr lang="mr-IN" dirty="0"/>
+              <a:t>–</a:t>
+            </a:r>
+            <a:r>
+              <a:rPr lang="en-US" dirty="0"/>
+              <a:t> </a:t>
+            </a:r>
+            <a:r>
+              <a:rPr lang="en-US" i="1" dirty="0"/>
+              <a:t>f[</a:t>
+            </a:r>
+            <a:r>
+              <a:rPr lang="en-US" i="1" dirty="0" err="1"/>
+              <a:t>i</a:t>
+            </a:r>
+            <a:r>
+              <a:rPr lang="en-US" i="1" dirty="0"/>
+              <a:t>] = a</a:t>
+            </a:r>
+            <a:r>
+              <a:rPr lang="en-US" dirty="0"/>
+              <a:t> should assign the </a:t>
+            </a:r>
+            <a:r>
+              <a:rPr lang="en-US" i="1" dirty="0" err="1"/>
+              <a:t>i</a:t>
+            </a:r>
+            <a:r>
+              <a:rPr lang="en-US" dirty="0" err="1"/>
+              <a:t>’th</a:t>
+            </a:r>
+            <a:r>
+              <a:rPr lang="en-US" dirty="0"/>
+              <a:t> coefficient to the value of </a:t>
+            </a:r>
+            <a:r>
+              <a:rPr lang="en-US" i="1" dirty="0"/>
+              <a:t>a</a:t>
+            </a:r>
+            <a:r>
+              <a:rPr lang="en-US" dirty="0"/>
+              <a:t> </a:t>
+            </a:r>
+          </a:p>
+          <a:p>
+            <a:pPr lvl="1">
+              <a:lnSpc>
+                <a:spcPct val="100000"/>
+              </a:lnSpc>
+              <a:spcBef>
+                <a:spcPts val="0"/>
+              </a:spcBef>
+            </a:pPr>
+            <a:r>
+              <a:rPr lang="en-US" dirty="0"/>
+              <a:t>A string representation </a:t>
+            </a:r>
+          </a:p>
+          <a:p>
+            <a:pPr marL="0" indent="0">
+              <a:lnSpc>
+                <a:spcPct val="100000"/>
+              </a:lnSpc>
+              <a:spcBef>
+                <a:spcPts val="0"/>
+              </a:spcBef>
+              <a:buNone/>
+            </a:pPr>
+            <a:endParaRPr lang="en-US" dirty="0"/>
+          </a:p>
+          <a:p>
+            <a:pPr marL="0" indent="0">
+              <a:lnSpc>
+                <a:spcPct val="100000"/>
+              </a:lnSpc>
+              <a:spcBef>
+                <a:spcPts val="0"/>
+              </a:spcBef>
+              <a:buNone/>
+            </a:pPr>
+            <a:endParaRPr lang="en-US" dirty="0"/>
+          </a:p>
+          <a:p>
+            <a:pPr marL="0" indent="0">
+              <a:lnSpc>
+                <a:spcPct val="100000"/>
+              </a:lnSpc>
+              <a:spcBef>
+                <a:spcPts val="0"/>
+              </a:spcBef>
+              <a:buNone/>
+            </a:pPr>
+            <a:r>
+              <a:rPr lang="en-US" dirty="0"/>
+              <a:t>Note: This object is scripted at examples/</a:t>
+            </a:r>
+            <a:r>
+              <a:rPr lang="en-US" dirty="0" err="1"/>
+              <a:t>mypkg</a:t>
+            </a:r>
+            <a:r>
+              <a:rPr lang="en-US" dirty="0"/>
+              <a:t>/</a:t>
+            </a:r>
+            <a:r>
+              <a:rPr lang="en-US" dirty="0" err="1"/>
+              <a:t>mathlib</a:t>
+            </a:r>
+            <a:r>
+              <a:rPr lang="en-US" dirty="0"/>
+              <a:t>/</a:t>
+            </a:r>
+            <a:r>
+              <a:rPr lang="en-US" dirty="0" err="1"/>
+              <a:t>polynomial.py</a:t>
+            </a:r>
+            <a:r>
+              <a:rPr lang="en-US" dirty="0"/>
+              <a:t> in the </a:t>
+            </a:r>
+            <a:r>
+              <a:rPr lang="en-US" dirty="0" err="1"/>
+              <a:t>git</a:t>
+            </a:r>
+            <a:r>
+              <a:rPr lang="en-US" dirty="0"/>
+              <a:t> repository </a:t>
+            </a:r>
+          </a:p>
+        </p:txBody>
+      </p:sp>
     </p:spTree>
     <p:extLst>
       <p:ext uri="{BB962C8B-B14F-4D97-AF65-F5344CB8AC3E}">
-        <p14:creationId xmlns:p14="http://schemas.microsoft.com/office/powerpoint/2010/main" val="1721541879"/>
+        <p14:creationId xmlns:p14="http://schemas.microsoft.com/office/powerpoint/2010/main" val="1260141961"/>
       </p:ext>
     </p:extLst>
   </p:cSld>
@@ -12102,7 +12531,12 @@
             <p:ph idx="1"/>
           </p:nvPr>
         </p:nvSpPr>
-        <p:spPr/>
+        <p:spPr>
+          <a:xfrm>
+            <a:off x="680321" y="2336873"/>
+            <a:ext cx="5243961" cy="3599316"/>
+          </a:xfrm>
+        </p:spPr>
         <p:txBody>
           <a:bodyPr/>
           <a:lstStyle/>
@@ -12126,54 +12560,15 @@
             </a:pPr>
             <a:r>
               <a:rPr lang="en-US" dirty="0"/>
-              <a:t>Item assignment </a:t>
-            </a:r>
-            <a:r>
-              <a:rPr lang="mr-IN" dirty="0"/>
-              <a:t>–</a:t>
-            </a:r>
-            <a:r>
-              <a:rPr lang="en-US" dirty="0"/>
-              <a:t> requires </a:t>
-            </a:r>
-            <a:r>
-              <a:rPr lang="en-US" i="1" dirty="0"/>
-              <a:t>__</a:t>
-            </a:r>
-            <a:r>
-              <a:rPr lang="en-US" i="1" dirty="0" err="1"/>
-              <a:t>setitem</a:t>
-            </a:r>
-            <a:r>
-              <a:rPr lang="en-US" i="1" dirty="0"/>
-              <a:t>__</a:t>
-            </a:r>
-            <a:r>
-              <a:rPr lang="en-US" dirty="0"/>
-              <a:t> function, which takes the index and the value to assign, in that order. </a:t>
-            </a:r>
-          </a:p>
-          <a:p>
-            <a:pPr marL="0" marR="0" lvl="0" indent="0" defTabSz="914400" eaLnBrk="1" fontAlgn="auto" latinLnBrk="0" hangingPunct="1">
-              <a:lnSpc>
-                <a:spcPct val="100000"/>
-              </a:lnSpc>
-              <a:spcBef>
-                <a:spcPts val="0"/>
-              </a:spcBef>
-              <a:spcAft>
-                <a:spcPts val="0"/>
-              </a:spcAft>
-              <a:buClrTx/>
-              <a:buSzTx/>
-              <a:buFontTx/>
-              <a:buNone/>
-              <a:tabLst/>
-              <a:defRPr/>
-            </a:pPr>
-            <a:r>
-              <a:rPr lang="en-US" dirty="0"/>
-              <a:t> </a:t>
+              <a:t>The first pieces of the implementation: the __</a:t>
+            </a:r>
+            <a:r>
+              <a:rPr lang="en-US" dirty="0" err="1"/>
+              <a:t>init</a:t>
+            </a:r>
+            <a:r>
+              <a:rPr lang="en-US" dirty="0"/>
+              <a:t>__ function and the properties </a:t>
             </a:r>
           </a:p>
         </p:txBody>
@@ -12187,7 +12582,7 @@
           <p:nvPr/>
         </p:nvPicPr>
         <p:blipFill>
-          <a:blip r:embed="rId2">
+          <a:blip r:embed="rId3">
             <a:extLst>
               <a:ext uri="{28A0092B-C50C-407E-A947-70E740481C1C}">
                 <a14:useLocalDpi xmlns:a14="http://schemas.microsoft.com/office/drawing/2010/main" val="0"/>
@@ -12200,8 +12595,38 @@
         </p:blipFill>
         <p:spPr>
           <a:xfrm>
-            <a:off x="2692937" y="3739089"/>
-            <a:ext cx="6883400" cy="2197100"/>
+            <a:off x="249328" y="3419841"/>
+            <a:ext cx="6112835" cy="3249454"/>
+          </a:xfrm>
+          <a:prstGeom prst="rect">
+            <a:avLst/>
+          </a:prstGeom>
+        </p:spPr>
+      </p:pic>
+      <p:pic>
+        <p:nvPicPr>
+          <p:cNvPr id="5" name="Picture 4"/>
+          <p:cNvPicPr>
+            <a:picLocks noChangeAspect="1"/>
+          </p:cNvPicPr>
+          <p:nvPr/>
+        </p:nvPicPr>
+        <p:blipFill>
+          <a:blip r:embed="rId4">
+            <a:extLst>
+              <a:ext uri="{28A0092B-C50C-407E-A947-70E740481C1C}">
+                <a14:useLocalDpi xmlns:a14="http://schemas.microsoft.com/office/drawing/2010/main" val="0"/>
+              </a:ext>
+            </a:extLst>
+          </a:blip>
+          <a:stretch>
+            <a:fillRect/>
+          </a:stretch>
+        </p:blipFill>
+        <p:spPr>
+          <a:xfrm>
+            <a:off x="6355275" y="2009594"/>
+            <a:ext cx="5671808" cy="4659701"/>
           </a:xfrm>
           <a:prstGeom prst="rect">
             <a:avLst/>
@@ -12211,7 +12636,7 @@
     </p:spTree>
     <p:extLst>
       <p:ext uri="{BB962C8B-B14F-4D97-AF65-F5344CB8AC3E}">
-        <p14:creationId xmlns:p14="http://schemas.microsoft.com/office/powerpoint/2010/main" val="879552914"/>
+        <p14:creationId xmlns:p14="http://schemas.microsoft.com/office/powerpoint/2010/main" val="352563479"/>
       </p:ext>
     </p:extLst>
   </p:cSld>
@@ -12273,7 +12698,7 @@
         <p:spPr>
           <a:xfrm>
             <a:off x="680321" y="2336873"/>
-            <a:ext cx="4960625" cy="3599316"/>
+            <a:ext cx="10756117" cy="3599316"/>
           </a:xfrm>
         </p:spPr>
         <p:txBody>
@@ -12299,7 +12724,7 @@
             </a:pPr>
             <a:r>
               <a:rPr lang="en-US" dirty="0"/>
-              <a:t>A string representation </a:t>
+              <a:t>Indexing </a:t>
             </a:r>
             <a:r>
               <a:rPr lang="mr-IN" dirty="0"/>
@@ -12315,7 +12740,7 @@
             </a:r>
             <a:r>
               <a:rPr lang="en-US" i="1" dirty="0" err="1"/>
-              <a:t>str</a:t>
+              <a:t>getitem</a:t>
             </a:r>
             <a:r>
               <a:rPr lang="en-US" i="1" dirty="0"/>
@@ -12323,23 +12748,146 @@
             </a:r>
             <a:r>
               <a:rPr lang="en-US" dirty="0"/>
-              <a:t>and </a:t>
+              <a:t>function, which takes the index as a parameter  </a:t>
+            </a:r>
+          </a:p>
+          <a:p>
+            <a:pPr marL="0" marR="0" lvl="0" indent="0" defTabSz="914400" eaLnBrk="1" fontAlgn="auto" latinLnBrk="0" hangingPunct="1">
+              <a:lnSpc>
+                <a:spcPct val="100000"/>
+              </a:lnSpc>
+              <a:spcBef>
+                <a:spcPts val="0"/>
+              </a:spcBef>
+              <a:spcAft>
+                <a:spcPts val="0"/>
+              </a:spcAft>
+              <a:buClrTx/>
+              <a:buSzTx/>
+              <a:buFontTx/>
+              <a:buNone/>
+              <a:tabLst/>
+              <a:defRPr/>
+            </a:pPr>
+            <a:endParaRPr lang="en-US" dirty="0"/>
+          </a:p>
+          <a:p>
+            <a:pPr marL="0" marR="0" lvl="0" indent="0" defTabSz="914400" eaLnBrk="1" fontAlgn="auto" latinLnBrk="0" hangingPunct="1">
+              <a:lnSpc>
+                <a:spcPct val="100000"/>
+              </a:lnSpc>
+              <a:spcBef>
+                <a:spcPts val="0"/>
+              </a:spcBef>
+              <a:spcAft>
+                <a:spcPts val="0"/>
+              </a:spcAft>
+              <a:buClrTx/>
+              <a:buSzTx/>
+              <a:buFontTx/>
+              <a:buNone/>
+              <a:tabLst/>
+              <a:defRPr/>
+            </a:pPr>
+            <a:endParaRPr lang="en-US" dirty="0"/>
+          </a:p>
+          <a:p>
+            <a:pPr marL="0" marR="0" lvl="0" indent="0" defTabSz="914400" eaLnBrk="1" fontAlgn="auto" latinLnBrk="0" hangingPunct="1">
+              <a:lnSpc>
+                <a:spcPct val="100000"/>
+              </a:lnSpc>
+              <a:spcBef>
+                <a:spcPts val="0"/>
+              </a:spcBef>
+              <a:spcAft>
+                <a:spcPts val="0"/>
+              </a:spcAft>
+              <a:buClrTx/>
+              <a:buSzTx/>
+              <a:buFontTx/>
+              <a:buNone/>
+              <a:tabLst/>
+              <a:defRPr/>
+            </a:pPr>
+            <a:endParaRPr lang="en-US" dirty="0"/>
+          </a:p>
+          <a:p>
+            <a:pPr marL="0" marR="0" lvl="0" indent="0" defTabSz="914400" eaLnBrk="1" fontAlgn="auto" latinLnBrk="0" hangingPunct="1">
+              <a:lnSpc>
+                <a:spcPct val="100000"/>
+              </a:lnSpc>
+              <a:spcBef>
+                <a:spcPts val="0"/>
+              </a:spcBef>
+              <a:spcAft>
+                <a:spcPts val="0"/>
+              </a:spcAft>
+              <a:buClrTx/>
+              <a:buSzTx/>
+              <a:buFontTx/>
+              <a:buNone/>
+              <a:tabLst/>
+              <a:defRPr/>
+            </a:pPr>
+            <a:endParaRPr lang="en-US" dirty="0"/>
+          </a:p>
+          <a:p>
+            <a:pPr marL="0" marR="0" lvl="0" indent="0" defTabSz="914400" eaLnBrk="1" fontAlgn="auto" latinLnBrk="0" hangingPunct="1">
+              <a:lnSpc>
+                <a:spcPct val="100000"/>
+              </a:lnSpc>
+              <a:spcBef>
+                <a:spcPts val="0"/>
+              </a:spcBef>
+              <a:spcAft>
+                <a:spcPts val="0"/>
+              </a:spcAft>
+              <a:buClrTx/>
+              <a:buSzTx/>
+              <a:buFontTx/>
+              <a:buNone/>
+              <a:tabLst/>
+              <a:defRPr/>
+            </a:pPr>
+            <a:endParaRPr lang="en-US" dirty="0"/>
+          </a:p>
+          <a:p>
+            <a:pPr marL="0" marR="0" lvl="0" indent="0" defTabSz="914400" eaLnBrk="1" fontAlgn="auto" latinLnBrk="0" hangingPunct="1">
+              <a:lnSpc>
+                <a:spcPct val="100000"/>
+              </a:lnSpc>
+              <a:spcBef>
+                <a:spcPts val="0"/>
+              </a:spcBef>
+              <a:spcAft>
+                <a:spcPts val="0"/>
+              </a:spcAft>
+              <a:buClrTx/>
+              <a:buSzTx/>
+              <a:buFontTx/>
+              <a:buNone/>
+              <a:tabLst/>
+              <a:defRPr/>
+            </a:pPr>
+            <a:r>
+              <a:rPr lang="en-US" dirty="0"/>
+              <a:t>Calling </a:t>
+            </a:r>
+            <a:r>
+              <a:rPr lang="mr-IN" dirty="0"/>
+              <a:t>–</a:t>
+            </a:r>
+            <a:r>
+              <a:rPr lang="en-US" dirty="0"/>
+              <a:t> requires </a:t>
             </a:r>
             <a:r>
               <a:rPr lang="en-US" i="1" dirty="0"/>
-              <a:t>__</a:t>
-            </a:r>
-            <a:r>
-              <a:rPr lang="en-US" i="1" dirty="0" err="1"/>
-              <a:t>repr</a:t>
-            </a:r>
-            <a:r>
-              <a:rPr lang="en-US" i="1" dirty="0"/>
-              <a:t>__ </a:t>
-            </a:r>
-            <a:r>
-              <a:rPr lang="en-US" dirty="0"/>
-              <a:t>functions, which do slightly different things. </a:t>
+              <a:t>__call__</a:t>
+            </a:r>
+            <a:r>
+              <a:rPr lang="en-US" dirty="0"/>
+              <a:t> function, which takes any number of parameters </a:t>
             </a:r>
           </a:p>
           <a:p>
@@ -12352,62 +12900,23 @@
               </a:spcBef>
             </a:pPr>
             <a:r>
+              <a:rPr lang="en-US" dirty="0"/>
+              <a:t>Here it should be a value </a:t>
+            </a:r>
+            <a:r>
               <a:rPr lang="en-US" i="1" dirty="0"/>
-              <a:t>__</a:t>
-            </a:r>
-            <a:r>
-              <a:rPr lang="en-US" i="1" dirty="0" err="1"/>
-              <a:t>str</a:t>
-            </a:r>
-            <a:r>
-              <a:rPr lang="en-US" i="1" dirty="0"/>
-              <a:t>__</a:t>
-            </a:r>
-            <a:r>
-              <a:rPr lang="en-US" dirty="0"/>
-              <a:t> is called when you type-cast to a string </a:t>
-            </a:r>
-          </a:p>
-          <a:p>
-            <a:pPr lvl="1">
-              <a:lnSpc>
-                <a:spcPct val="100000"/>
-              </a:lnSpc>
-              <a:spcBef>
-                <a:spcPts val="0"/>
-              </a:spcBef>
-            </a:pPr>
-            <a:r>
-              <a:rPr lang="en-US" i="1" dirty="0"/>
-              <a:t>__</a:t>
-            </a:r>
-            <a:r>
-              <a:rPr lang="en-US" i="1" dirty="0" err="1"/>
-              <a:t>repr</a:t>
-            </a:r>
-            <a:r>
-              <a:rPr lang="en-US" i="1" dirty="0"/>
-              <a:t>__ </a:t>
-            </a:r>
-            <a:r>
-              <a:rPr lang="en-US" dirty="0"/>
-              <a:t>is called when you run a line with just the object in </a:t>
-            </a:r>
-            <a:r>
-              <a:rPr lang="en-US" i="1" dirty="0" err="1"/>
-              <a:t>ipython</a:t>
-            </a:r>
-            <a:r>
-              <a:rPr lang="en-US" dirty="0"/>
-              <a:t> or a notebook </a:t>
-            </a:r>
-            <a:endParaRPr lang="en-US" i="1" dirty="0"/>
+              <a:t>x</a:t>
+            </a:r>
+            <a:r>
+              <a:rPr lang="en-US" dirty="0"/>
+              <a:t> to evaluate the polynomial at </a:t>
+            </a:r>
           </a:p>
         </p:txBody>
       </p:sp>
       <p:pic>
         <p:nvPicPr>
-          <p:cNvPr id="4" name="Picture 3"/>
+          <p:cNvPr id="5" name="Picture 4"/>
           <p:cNvPicPr>
             <a:picLocks noChangeAspect="1"/>
           </p:cNvPicPr>
@@ -12427,8 +12936,38 @@
         </p:blipFill>
         <p:spPr>
           <a:xfrm>
-            <a:off x="6072568" y="2208369"/>
-            <a:ext cx="5816600" cy="4051300"/>
+            <a:off x="2762729" y="3135212"/>
+            <a:ext cx="6591300" cy="1384300"/>
+          </a:xfrm>
+          <a:prstGeom prst="rect">
+            <a:avLst/>
+          </a:prstGeom>
+        </p:spPr>
+      </p:pic>
+      <p:pic>
+        <p:nvPicPr>
+          <p:cNvPr id="6" name="Picture 5"/>
+          <p:cNvPicPr>
+            <a:picLocks noChangeAspect="1"/>
+          </p:cNvPicPr>
+          <p:nvPr/>
+        </p:nvPicPr>
+        <p:blipFill>
+          <a:blip r:embed="rId4">
+            <a:extLst>
+              <a:ext uri="{28A0092B-C50C-407E-A947-70E740481C1C}">
+                <a14:useLocalDpi xmlns:a14="http://schemas.microsoft.com/office/drawing/2010/main" val="0"/>
+              </a:ext>
+            </a:extLst>
+          </a:blip>
+          <a:stretch>
+            <a:fillRect/>
+          </a:stretch>
+        </p:blipFill>
+        <p:spPr>
+          <a:xfrm>
+            <a:off x="4134329" y="5428189"/>
+            <a:ext cx="3848100" cy="1016000"/>
           </a:xfrm>
           <a:prstGeom prst="rect">
             <a:avLst/>
@@ -12438,7 +12977,7 @@
     </p:spTree>
     <p:extLst>
       <p:ext uri="{BB962C8B-B14F-4D97-AF65-F5344CB8AC3E}">
-        <p14:creationId xmlns:p14="http://schemas.microsoft.com/office/powerpoint/2010/main" val="1675763766"/>
+        <p14:creationId xmlns:p14="http://schemas.microsoft.com/office/powerpoint/2010/main" val="1721541879"/>
       </p:ext>
     </p:extLst>
   </p:cSld>
@@ -12497,12 +13036,7 @@
             <p:ph idx="1"/>
           </p:nvPr>
         </p:nvSpPr>
-        <p:spPr>
-          <a:xfrm>
-            <a:off x="680322" y="2336873"/>
-            <a:ext cx="5681842" cy="3599316"/>
-          </a:xfrm>
-        </p:spPr>
+        <p:spPr/>
         <p:txBody>
           <a:bodyPr/>
           <a:lstStyle/>
@@ -12526,7 +13060,7 @@
             </a:pPr>
             <a:r>
               <a:rPr lang="en-US" dirty="0"/>
-              <a:t>In action </a:t>
+              <a:t>Item assignment </a:t>
             </a:r>
             <a:r>
               <a:rPr lang="mr-IN" dirty="0"/>
@@ -12534,7 +13068,23 @@
             </a:r>
             <a:r>
               <a:rPr lang="en-US" dirty="0"/>
-              <a:t> the example has all of these features because of the magic methods implemented in the polynomial class </a:t>
+              <a:t> requires </a:t>
+            </a:r>
+            <a:r>
+              <a:rPr lang="en-US" i="1" dirty="0"/>
+              <a:t>__</a:t>
+            </a:r>
+            <a:r>
+              <a:rPr lang="en-US" i="1" dirty="0" err="1"/>
+              <a:t>setitem</a:t>
+            </a:r>
+            <a:r>
+              <a:rPr lang="en-US" i="1" dirty="0"/>
+              <a:t>__</a:t>
+            </a:r>
+            <a:r>
+              <a:rPr lang="en-US" dirty="0"/>
+              <a:t> function, which takes the index and the value to assign, in that order. </a:t>
             </a:r>
           </a:p>
           <a:p>
@@ -12555,85 +13105,9 @@
               <a:tabLst/>
               <a:defRPr/>
             </a:pPr>
-            <a:endParaRPr lang="en-US" dirty="0"/>
-          </a:p>
-          <a:p>
-            <a:pPr marL="0" marR="0" lvl="0" indent="0" defTabSz="914400" eaLnBrk="1" fontAlgn="auto" latinLnBrk="0" hangingPunct="1">
-              <a:lnSpc>
-                <a:spcPct val="100000"/>
-              </a:lnSpc>
-              <a:spcBef>
-                <a:spcPts val="0"/>
-              </a:spcBef>
-              <a:spcAft>
-                <a:spcPts val="0"/>
-              </a:spcAft>
-              <a:buClrTx/>
-              <a:buSzTx/>
-              <a:buFontTx/>
-              <a:buNone/>
-              <a:tabLst/>
-              <a:defRPr/>
-            </a:pPr>
-            <a:endParaRPr lang="en-US" dirty="0"/>
-          </a:p>
-          <a:p>
-            <a:pPr marL="0" marR="0" lvl="0" indent="0" defTabSz="914400" eaLnBrk="1" fontAlgn="auto" latinLnBrk="0" hangingPunct="1">
-              <a:lnSpc>
-                <a:spcPct val="100000"/>
-              </a:lnSpc>
-              <a:spcBef>
-                <a:spcPts val="0"/>
-              </a:spcBef>
-              <a:spcAft>
-                <a:spcPts val="0"/>
-              </a:spcAft>
-              <a:buClrTx/>
-              <a:buSzTx/>
-              <a:buFontTx/>
-              <a:buNone/>
-              <a:tabLst/>
-              <a:defRPr/>
-            </a:pPr>
-            <a:endParaRPr lang="en-US" dirty="0"/>
-          </a:p>
-          <a:p>
-            <a:pPr marL="0" marR="0" lvl="0" indent="0" defTabSz="914400" eaLnBrk="1" fontAlgn="auto" latinLnBrk="0" hangingPunct="1">
-              <a:lnSpc>
-                <a:spcPct val="100000"/>
-              </a:lnSpc>
-              <a:spcBef>
-                <a:spcPts val="0"/>
-              </a:spcBef>
-              <a:spcAft>
-                <a:spcPts val="0"/>
-              </a:spcAft>
-              <a:buClrTx/>
-              <a:buSzTx/>
-              <a:buFontTx/>
-              <a:buNone/>
-              <a:tabLst/>
-              <a:defRPr/>
-            </a:pPr>
-            <a:r>
-              <a:rPr lang="en-US" dirty="0"/>
-              <a:t>This is a essentially a reimplementation of </a:t>
-            </a:r>
-            <a:r>
-              <a:rPr lang="en-US" dirty="0" err="1"/>
-              <a:t>NumPy’s</a:t>
-            </a:r>
             <a:r>
               <a:rPr lang="en-US" dirty="0"/>
               <a:t> </a:t>
-            </a:r>
-            <a:r>
-              <a:rPr lang="en-US" i="1" dirty="0"/>
-              <a:t>poly1d</a:t>
-            </a:r>
-            <a:r>
-              <a:rPr lang="en-US" dirty="0"/>
-              <a:t> object </a:t>
             </a:r>
           </a:p>
         </p:txBody>
@@ -12660,6 +13134,466 @@
         </p:blipFill>
         <p:spPr>
           <a:xfrm>
+            <a:off x="2692937" y="3739089"/>
+            <a:ext cx="6883400" cy="2197100"/>
+          </a:xfrm>
+          <a:prstGeom prst="rect">
+            <a:avLst/>
+          </a:prstGeom>
+        </p:spPr>
+      </p:pic>
+    </p:spTree>
+    <p:extLst>
+      <p:ext uri="{BB962C8B-B14F-4D97-AF65-F5344CB8AC3E}">
+        <p14:creationId xmlns:p14="http://schemas.microsoft.com/office/powerpoint/2010/main" val="879552914"/>
+      </p:ext>
+    </p:extLst>
+  </p:cSld>
+  <p:clrMapOvr>
+    <a:masterClrMapping/>
+  </p:clrMapOvr>
+</p:sld>
+</file>
+
+<file path=ppt/slides/slide23.xml><?xml version="1.0" encoding="utf-8"?>
+<p:sld xmlns:a="http://schemas.openxmlformats.org/drawingml/2006/main" xmlns:r="http://schemas.openxmlformats.org/officeDocument/2006/relationships" xmlns:p="http://schemas.openxmlformats.org/presentationml/2006/main">
+  <p:cSld>
+    <p:spTree>
+      <p:nvGrpSpPr>
+        <p:cNvPr id="1" name=""/>
+        <p:cNvGrpSpPr/>
+        <p:nvPr/>
+      </p:nvGrpSpPr>
+      <p:grpSpPr>
+        <a:xfrm>
+          <a:off x="0" y="0"/>
+          <a:ext cx="0" cy="0"/>
+          <a:chOff x="0" y="0"/>
+          <a:chExt cx="0" cy="0"/>
+        </a:xfrm>
+      </p:grpSpPr>
+      <p:sp>
+        <p:nvSpPr>
+          <p:cNvPr id="2" name="Title 1"/>
+          <p:cNvSpPr>
+            <a:spLocks noGrp="1"/>
+          </p:cNvSpPr>
+          <p:nvPr>
+            <p:ph type="title"/>
+          </p:nvPr>
+        </p:nvSpPr>
+        <p:spPr/>
+        <p:txBody>
+          <a:bodyPr/>
+          <a:lstStyle/>
+          <a:p>
+            <a:r>
+              <a:rPr lang="en-US" dirty="0"/>
+              <a:t>A Polynomial Object </a:t>
+            </a:r>
+          </a:p>
+        </p:txBody>
+      </p:sp>
+      <p:sp>
+        <p:nvSpPr>
+          <p:cNvPr id="3" name="Content Placeholder 2"/>
+          <p:cNvSpPr>
+            <a:spLocks noGrp="1"/>
+          </p:cNvSpPr>
+          <p:nvPr>
+            <p:ph idx="1"/>
+          </p:nvPr>
+        </p:nvSpPr>
+        <p:spPr>
+          <a:xfrm>
+            <a:off x="680321" y="2336873"/>
+            <a:ext cx="4960625" cy="3599316"/>
+          </a:xfrm>
+        </p:spPr>
+        <p:txBody>
+          <a:bodyPr/>
+          <a:lstStyle/>
+          <a:p>
+            <a:pPr marL="0" marR="0" lvl="0" indent="0" defTabSz="914400" eaLnBrk="1" fontAlgn="auto" latinLnBrk="0" hangingPunct="1">
+              <a:lnSpc>
+                <a:spcPct val="100000"/>
+              </a:lnSpc>
+              <a:spcBef>
+                <a:spcPts val="0"/>
+              </a:spcBef>
+              <a:spcAft>
+                <a:spcPts val="0"/>
+              </a:spcAft>
+              <a:buClrTx/>
+              <a:buSzTx/>
+              <a:buFontTx/>
+              <a:buNone/>
+              <a:tabLst/>
+              <a:defRPr/>
+            </a:pPr>
+            <a:r>
+              <a:rPr lang="en-US" dirty="0"/>
+              <a:t>A string representation </a:t>
+            </a:r>
+            <a:r>
+              <a:rPr lang="mr-IN" dirty="0"/>
+              <a:t>–</a:t>
+            </a:r>
+            <a:r>
+              <a:rPr lang="en-US" dirty="0"/>
+              <a:t> requires </a:t>
+            </a:r>
+            <a:r>
+              <a:rPr lang="en-US" i="1" dirty="0"/>
+              <a:t>__</a:t>
+            </a:r>
+            <a:r>
+              <a:rPr lang="en-US" i="1" dirty="0" err="1"/>
+              <a:t>str</a:t>
+            </a:r>
+            <a:r>
+              <a:rPr lang="en-US" i="1" dirty="0"/>
+              <a:t>__ </a:t>
+            </a:r>
+            <a:r>
+              <a:rPr lang="en-US" dirty="0"/>
+              <a:t>and </a:t>
+            </a:r>
+            <a:r>
+              <a:rPr lang="en-US" i="1" dirty="0"/>
+              <a:t>__</a:t>
+            </a:r>
+            <a:r>
+              <a:rPr lang="en-US" i="1" dirty="0" err="1"/>
+              <a:t>repr</a:t>
+            </a:r>
+            <a:r>
+              <a:rPr lang="en-US" i="1" dirty="0"/>
+              <a:t>__ </a:t>
+            </a:r>
+            <a:r>
+              <a:rPr lang="en-US" dirty="0"/>
+              <a:t>functions, which do slightly different things. </a:t>
+            </a:r>
+          </a:p>
+          <a:p>
+            <a:pPr lvl="1">
+              <a:lnSpc>
+                <a:spcPct val="100000"/>
+              </a:lnSpc>
+              <a:spcBef>
+                <a:spcPts val="0"/>
+              </a:spcBef>
+            </a:pPr>
+            <a:r>
+              <a:rPr lang="en-US" i="1" dirty="0"/>
+              <a:t>__</a:t>
+            </a:r>
+            <a:r>
+              <a:rPr lang="en-US" i="1" dirty="0" err="1"/>
+              <a:t>str</a:t>
+            </a:r>
+            <a:r>
+              <a:rPr lang="en-US" i="1" dirty="0"/>
+              <a:t>__</a:t>
+            </a:r>
+            <a:r>
+              <a:rPr lang="en-US" dirty="0"/>
+              <a:t> is called when you type-cast to a string </a:t>
+            </a:r>
+          </a:p>
+          <a:p>
+            <a:pPr lvl="1">
+              <a:lnSpc>
+                <a:spcPct val="100000"/>
+              </a:lnSpc>
+              <a:spcBef>
+                <a:spcPts val="0"/>
+              </a:spcBef>
+            </a:pPr>
+            <a:r>
+              <a:rPr lang="en-US" i="1" dirty="0"/>
+              <a:t>__</a:t>
+            </a:r>
+            <a:r>
+              <a:rPr lang="en-US" i="1" dirty="0" err="1"/>
+              <a:t>repr</a:t>
+            </a:r>
+            <a:r>
+              <a:rPr lang="en-US" i="1" dirty="0"/>
+              <a:t>__ </a:t>
+            </a:r>
+            <a:r>
+              <a:rPr lang="en-US" dirty="0"/>
+              <a:t>is called when you run a line with just the object in </a:t>
+            </a:r>
+            <a:r>
+              <a:rPr lang="en-US" i="1" dirty="0" err="1"/>
+              <a:t>ipython</a:t>
+            </a:r>
+            <a:r>
+              <a:rPr lang="en-US" dirty="0"/>
+              <a:t> or a notebook </a:t>
+            </a:r>
+            <a:endParaRPr lang="en-US" i="1" dirty="0"/>
+          </a:p>
+        </p:txBody>
+      </p:sp>
+      <p:pic>
+        <p:nvPicPr>
+          <p:cNvPr id="4" name="Picture 3"/>
+          <p:cNvPicPr>
+            <a:picLocks noChangeAspect="1"/>
+          </p:cNvPicPr>
+          <p:nvPr/>
+        </p:nvPicPr>
+        <p:blipFill>
+          <a:blip r:embed="rId3">
+            <a:extLst>
+              <a:ext uri="{28A0092B-C50C-407E-A947-70E740481C1C}">
+                <a14:useLocalDpi xmlns:a14="http://schemas.microsoft.com/office/drawing/2010/main" val="0"/>
+              </a:ext>
+            </a:extLst>
+          </a:blip>
+          <a:stretch>
+            <a:fillRect/>
+          </a:stretch>
+        </p:blipFill>
+        <p:spPr>
+          <a:xfrm>
+            <a:off x="6072568" y="2208369"/>
+            <a:ext cx="5816600" cy="4051300"/>
+          </a:xfrm>
+          <a:prstGeom prst="rect">
+            <a:avLst/>
+          </a:prstGeom>
+        </p:spPr>
+      </p:pic>
+    </p:spTree>
+    <p:extLst>
+      <p:ext uri="{BB962C8B-B14F-4D97-AF65-F5344CB8AC3E}">
+        <p14:creationId xmlns:p14="http://schemas.microsoft.com/office/powerpoint/2010/main" val="1675763766"/>
+      </p:ext>
+    </p:extLst>
+  </p:cSld>
+  <p:clrMapOvr>
+    <a:masterClrMapping/>
+  </p:clrMapOvr>
+</p:sld>
+</file>
+
+<file path=ppt/slides/slide24.xml><?xml version="1.0" encoding="utf-8"?>
+<p:sld xmlns:a="http://schemas.openxmlformats.org/drawingml/2006/main" xmlns:r="http://schemas.openxmlformats.org/officeDocument/2006/relationships" xmlns:p="http://schemas.openxmlformats.org/presentationml/2006/main">
+  <p:cSld>
+    <p:spTree>
+      <p:nvGrpSpPr>
+        <p:cNvPr id="1" name=""/>
+        <p:cNvGrpSpPr/>
+        <p:nvPr/>
+      </p:nvGrpSpPr>
+      <p:grpSpPr>
+        <a:xfrm>
+          <a:off x="0" y="0"/>
+          <a:ext cx="0" cy="0"/>
+          <a:chOff x="0" y="0"/>
+          <a:chExt cx="0" cy="0"/>
+        </a:xfrm>
+      </p:grpSpPr>
+      <p:sp>
+        <p:nvSpPr>
+          <p:cNvPr id="2" name="Title 1"/>
+          <p:cNvSpPr>
+            <a:spLocks noGrp="1"/>
+          </p:cNvSpPr>
+          <p:nvPr>
+            <p:ph type="title"/>
+          </p:nvPr>
+        </p:nvSpPr>
+        <p:spPr/>
+        <p:txBody>
+          <a:bodyPr/>
+          <a:lstStyle/>
+          <a:p>
+            <a:r>
+              <a:rPr lang="en-US" dirty="0"/>
+              <a:t>A Polynomial Object </a:t>
+            </a:r>
+          </a:p>
+        </p:txBody>
+      </p:sp>
+      <p:sp>
+        <p:nvSpPr>
+          <p:cNvPr id="3" name="Content Placeholder 2"/>
+          <p:cNvSpPr>
+            <a:spLocks noGrp="1"/>
+          </p:cNvSpPr>
+          <p:nvPr>
+            <p:ph idx="1"/>
+          </p:nvPr>
+        </p:nvSpPr>
+        <p:spPr>
+          <a:xfrm>
+            <a:off x="680322" y="2336873"/>
+            <a:ext cx="5681842" cy="3599316"/>
+          </a:xfrm>
+        </p:spPr>
+        <p:txBody>
+          <a:bodyPr/>
+          <a:lstStyle/>
+          <a:p>
+            <a:pPr marL="0" marR="0" lvl="0" indent="0" defTabSz="914400" eaLnBrk="1" fontAlgn="auto" latinLnBrk="0" hangingPunct="1">
+              <a:lnSpc>
+                <a:spcPct val="100000"/>
+              </a:lnSpc>
+              <a:spcBef>
+                <a:spcPts val="0"/>
+              </a:spcBef>
+              <a:spcAft>
+                <a:spcPts val="0"/>
+              </a:spcAft>
+              <a:buClrTx/>
+              <a:buSzTx/>
+              <a:buFontTx/>
+              <a:buNone/>
+              <a:tabLst/>
+              <a:defRPr/>
+            </a:pPr>
+            <a:r>
+              <a:rPr lang="en-US" dirty="0"/>
+              <a:t>In action </a:t>
+            </a:r>
+            <a:r>
+              <a:rPr lang="mr-IN" dirty="0"/>
+              <a:t>–</a:t>
+            </a:r>
+            <a:r>
+              <a:rPr lang="en-US" dirty="0"/>
+              <a:t> the example has all of these features because of the magic methods implemented in the polynomial class </a:t>
+            </a:r>
+          </a:p>
+          <a:p>
+            <a:pPr marL="0" marR="0" lvl="0" indent="0" defTabSz="914400" eaLnBrk="1" fontAlgn="auto" latinLnBrk="0" hangingPunct="1">
+              <a:lnSpc>
+                <a:spcPct val="100000"/>
+              </a:lnSpc>
+              <a:spcBef>
+                <a:spcPts val="0"/>
+              </a:spcBef>
+              <a:spcAft>
+                <a:spcPts val="0"/>
+              </a:spcAft>
+              <a:buClrTx/>
+              <a:buSzTx/>
+              <a:buFontTx/>
+              <a:buNone/>
+              <a:tabLst/>
+              <a:defRPr/>
+            </a:pPr>
+            <a:endParaRPr lang="en-US" dirty="0"/>
+          </a:p>
+          <a:p>
+            <a:pPr marL="0" marR="0" lvl="0" indent="0" defTabSz="914400" eaLnBrk="1" fontAlgn="auto" latinLnBrk="0" hangingPunct="1">
+              <a:lnSpc>
+                <a:spcPct val="100000"/>
+              </a:lnSpc>
+              <a:spcBef>
+                <a:spcPts val="0"/>
+              </a:spcBef>
+              <a:spcAft>
+                <a:spcPts val="0"/>
+              </a:spcAft>
+              <a:buClrTx/>
+              <a:buSzTx/>
+              <a:buFontTx/>
+              <a:buNone/>
+              <a:tabLst/>
+              <a:defRPr/>
+            </a:pPr>
+            <a:endParaRPr lang="en-US" dirty="0"/>
+          </a:p>
+          <a:p>
+            <a:pPr marL="0" marR="0" lvl="0" indent="0" defTabSz="914400" eaLnBrk="1" fontAlgn="auto" latinLnBrk="0" hangingPunct="1">
+              <a:lnSpc>
+                <a:spcPct val="100000"/>
+              </a:lnSpc>
+              <a:spcBef>
+                <a:spcPts val="0"/>
+              </a:spcBef>
+              <a:spcAft>
+                <a:spcPts val="0"/>
+              </a:spcAft>
+              <a:buClrTx/>
+              <a:buSzTx/>
+              <a:buFontTx/>
+              <a:buNone/>
+              <a:tabLst/>
+              <a:defRPr/>
+            </a:pPr>
+            <a:endParaRPr lang="en-US" dirty="0"/>
+          </a:p>
+          <a:p>
+            <a:pPr marL="0" marR="0" lvl="0" indent="0" defTabSz="914400" eaLnBrk="1" fontAlgn="auto" latinLnBrk="0" hangingPunct="1">
+              <a:lnSpc>
+                <a:spcPct val="100000"/>
+              </a:lnSpc>
+              <a:spcBef>
+                <a:spcPts val="0"/>
+              </a:spcBef>
+              <a:spcAft>
+                <a:spcPts val="0"/>
+              </a:spcAft>
+              <a:buClrTx/>
+              <a:buSzTx/>
+              <a:buFontTx/>
+              <a:buNone/>
+              <a:tabLst/>
+              <a:defRPr/>
+            </a:pPr>
+            <a:r>
+              <a:rPr lang="en-US" dirty="0"/>
+              <a:t>This is a essentially a reimplementation of </a:t>
+            </a:r>
+            <a:r>
+              <a:rPr lang="en-US" dirty="0" err="1"/>
+              <a:t>NumPy’s</a:t>
+            </a:r>
+            <a:r>
+              <a:rPr lang="en-US" dirty="0"/>
+              <a:t> </a:t>
+            </a:r>
+            <a:r>
+              <a:rPr lang="en-US" i="1" dirty="0"/>
+              <a:t>poly1d</a:t>
+            </a:r>
+            <a:r>
+              <a:rPr lang="en-US" dirty="0"/>
+              <a:t> object </a:t>
+            </a:r>
+          </a:p>
+        </p:txBody>
+      </p:sp>
+      <p:pic>
+        <p:nvPicPr>
+          <p:cNvPr id="4" name="Picture 3"/>
+          <p:cNvPicPr>
+            <a:picLocks noChangeAspect="1"/>
+          </p:cNvPicPr>
+          <p:nvPr/>
+        </p:nvPicPr>
+        <p:blipFill>
+          <a:blip r:embed="rId2">
+            <a:extLst>
+              <a:ext uri="{28A0092B-C50C-407E-A947-70E740481C1C}">
+                <a14:useLocalDpi xmlns:a14="http://schemas.microsoft.com/office/drawing/2010/main" val="0"/>
+              </a:ext>
+            </a:extLst>
+          </a:blip>
+          <a:stretch>
+            <a:fillRect/>
+          </a:stretch>
+        </p:blipFill>
+        <p:spPr>
+          <a:xfrm>
             <a:off x="7195457" y="18676"/>
             <a:ext cx="4996543" cy="6858000"/>
           </a:xfrm>
@@ -12681,7 +13615,7 @@
 </p:sld>
 </file>
 
-<file path=ppt/slides/slide23.xml><?xml version="1.0" encoding="utf-8"?>
+<file path=ppt/slides/slide25.xml><?xml version="1.0" encoding="utf-8"?>
 <p:sld xmlns:a="http://schemas.openxmlformats.org/drawingml/2006/main" xmlns:r="http://schemas.openxmlformats.org/officeDocument/2006/relationships" xmlns:p="http://schemas.openxmlformats.org/presentationml/2006/main">
   <p:cSld>
     <p:spTree>
@@ -13344,7 +14278,7 @@
 </p:sld>
 </file>
 
-<file path=ppt/slides/slide24.xml><?xml version="1.0" encoding="utf-8"?>
+<file path=ppt/slides/slide26.xml><?xml version="1.0" encoding="utf-8"?>
 <p:sld xmlns:a="http://schemas.openxmlformats.org/drawingml/2006/main" xmlns:r="http://schemas.openxmlformats.org/officeDocument/2006/relationships" xmlns:p="http://schemas.openxmlformats.org/presentationml/2006/main">
   <p:cSld>
     <p:spTree>
@@ -13785,7 +14719,7 @@
 </p:sld>
 </file>
 
-<file path=ppt/slides/slide25.xml><?xml version="1.0" encoding="utf-8"?>
+<file path=ppt/slides/slide27.xml><?xml version="1.0" encoding="utf-8"?>
 <p:sld xmlns:a="http://schemas.openxmlformats.org/drawingml/2006/main" xmlns:r="http://schemas.openxmlformats.org/officeDocument/2006/relationships" xmlns:p="http://schemas.openxmlformats.org/presentationml/2006/main">
   <p:cSld>
     <p:spTree>
@@ -14064,546 +14998,6 @@
     <p:extLst>
       <p:ext uri="{BB962C8B-B14F-4D97-AF65-F5344CB8AC3E}">
         <p14:creationId xmlns:p14="http://schemas.microsoft.com/office/powerpoint/2010/main" val="1642823146"/>
-      </p:ext>
-    </p:extLst>
-  </p:cSld>
-  <p:clrMapOvr>
-    <a:masterClrMapping/>
-  </p:clrMapOvr>
-</p:sld>
-</file>
-
-<file path=ppt/slides/slide26.xml><?xml version="1.0" encoding="utf-8"?>
-<p:sld xmlns:a="http://schemas.openxmlformats.org/drawingml/2006/main" xmlns:r="http://schemas.openxmlformats.org/officeDocument/2006/relationships" xmlns:p="http://schemas.openxmlformats.org/presentationml/2006/main">
-  <p:cSld>
-    <p:spTree>
-      <p:nvGrpSpPr>
-        <p:cNvPr id="1" name=""/>
-        <p:cNvGrpSpPr/>
-        <p:nvPr/>
-      </p:nvGrpSpPr>
-      <p:grpSpPr>
-        <a:xfrm>
-          <a:off x="0" y="0"/>
-          <a:ext cx="0" cy="0"/>
-          <a:chOff x="0" y="0"/>
-          <a:chExt cx="0" cy="0"/>
-        </a:xfrm>
-      </p:grpSpPr>
-      <p:sp>
-        <p:nvSpPr>
-          <p:cNvPr id="2" name="Title 1"/>
-          <p:cNvSpPr>
-            <a:spLocks noGrp="1"/>
-          </p:cNvSpPr>
-          <p:nvPr>
-            <p:ph type="title"/>
-          </p:nvPr>
-        </p:nvSpPr>
-        <p:spPr/>
-        <p:txBody>
-          <a:bodyPr/>
-          <a:lstStyle/>
-          <a:p>
-            <a:r>
-              <a:rPr lang="en-US" dirty="0"/>
-              <a:t>Emulating Numeric Types: A Polynomial </a:t>
-            </a:r>
-          </a:p>
-        </p:txBody>
-      </p:sp>
-      <p:sp>
-        <p:nvSpPr>
-          <p:cNvPr id="3" name="Content Placeholder 2"/>
-          <p:cNvSpPr>
-            <a:spLocks noGrp="1"/>
-          </p:cNvSpPr>
-          <p:nvPr>
-            <p:ph idx="1"/>
-          </p:nvPr>
-        </p:nvSpPr>
-        <p:spPr>
-          <a:xfrm>
-            <a:off x="680321" y="2336873"/>
-            <a:ext cx="10807634" cy="4231352"/>
-          </a:xfrm>
-        </p:spPr>
-        <p:txBody>
-          <a:bodyPr/>
-          <a:lstStyle/>
-          <a:p>
-            <a:pPr marL="0" marR="0" lvl="0" indent="0" defTabSz="914400" eaLnBrk="1" fontAlgn="auto" latinLnBrk="0" hangingPunct="1">
-              <a:lnSpc>
-                <a:spcPct val="100000"/>
-              </a:lnSpc>
-              <a:spcBef>
-                <a:spcPts val="0"/>
-              </a:spcBef>
-              <a:spcAft>
-                <a:spcPts val="0"/>
-              </a:spcAft>
-              <a:buClrTx/>
-              <a:buSzTx/>
-              <a:buFontTx/>
-              <a:buNone/>
-              <a:tabLst/>
-              <a:defRPr/>
-            </a:pPr>
-            <a:r>
-              <a:rPr lang="en-US" dirty="0"/>
-              <a:t>Adding polynomials: The coefficients of each power on </a:t>
-            </a:r>
-            <a:r>
-              <a:rPr lang="en-US" i="1" dirty="0"/>
-              <a:t>x</a:t>
-            </a:r>
-            <a:r>
-              <a:rPr lang="en-US" dirty="0"/>
-              <a:t> add </a:t>
-            </a:r>
-          </a:p>
-          <a:p>
-            <a:pPr marL="0" marR="0" lvl="0" indent="0" defTabSz="914400" eaLnBrk="1" fontAlgn="auto" latinLnBrk="0" hangingPunct="1">
-              <a:lnSpc>
-                <a:spcPct val="100000"/>
-              </a:lnSpc>
-              <a:spcBef>
-                <a:spcPts val="0"/>
-              </a:spcBef>
-              <a:spcAft>
-                <a:spcPts val="0"/>
-              </a:spcAft>
-              <a:buClrTx/>
-              <a:buSzTx/>
-              <a:buFontTx/>
-              <a:buNone/>
-              <a:tabLst/>
-              <a:defRPr/>
-            </a:pPr>
-            <a:endParaRPr lang="en-US" dirty="0"/>
-          </a:p>
-          <a:p>
-            <a:pPr marL="0" marR="0" lvl="0" indent="0" defTabSz="914400" eaLnBrk="1" fontAlgn="auto" latinLnBrk="0" hangingPunct="1">
-              <a:lnSpc>
-                <a:spcPct val="100000"/>
-              </a:lnSpc>
-              <a:spcBef>
-                <a:spcPts val="0"/>
-              </a:spcBef>
-              <a:spcAft>
-                <a:spcPts val="0"/>
-              </a:spcAft>
-              <a:buClrTx/>
-              <a:buSzTx/>
-              <a:buFontTx/>
-              <a:buNone/>
-              <a:tabLst/>
-              <a:defRPr/>
-            </a:pPr>
-            <a:endParaRPr lang="en-US" dirty="0"/>
-          </a:p>
-          <a:p>
-            <a:pPr marL="0" marR="0" lvl="0" indent="0" defTabSz="914400" eaLnBrk="1" fontAlgn="auto" latinLnBrk="0" hangingPunct="1">
-              <a:lnSpc>
-                <a:spcPct val="100000"/>
-              </a:lnSpc>
-              <a:spcBef>
-                <a:spcPts val="0"/>
-              </a:spcBef>
-              <a:spcAft>
-                <a:spcPts val="0"/>
-              </a:spcAft>
-              <a:buClrTx/>
-              <a:buSzTx/>
-              <a:buFontTx/>
-              <a:buNone/>
-              <a:tabLst/>
-              <a:defRPr/>
-            </a:pPr>
-            <a:endParaRPr lang="en-US" dirty="0"/>
-          </a:p>
-          <a:p>
-            <a:pPr marL="0" marR="0" lvl="0" indent="0" defTabSz="914400" eaLnBrk="1" fontAlgn="auto" latinLnBrk="0" hangingPunct="1">
-              <a:lnSpc>
-                <a:spcPct val="100000"/>
-              </a:lnSpc>
-              <a:spcBef>
-                <a:spcPts val="0"/>
-              </a:spcBef>
-              <a:spcAft>
-                <a:spcPts val="0"/>
-              </a:spcAft>
-              <a:buClrTx/>
-              <a:buSzTx/>
-              <a:buFontTx/>
-              <a:buNone/>
-              <a:tabLst/>
-              <a:defRPr/>
-            </a:pPr>
-            <a:endParaRPr lang="en-US" dirty="0"/>
-          </a:p>
-          <a:p>
-            <a:pPr marL="0" marR="0" lvl="0" indent="0" defTabSz="914400" eaLnBrk="1" fontAlgn="auto" latinLnBrk="0" hangingPunct="1">
-              <a:lnSpc>
-                <a:spcPct val="100000"/>
-              </a:lnSpc>
-              <a:spcBef>
-                <a:spcPts val="0"/>
-              </a:spcBef>
-              <a:spcAft>
-                <a:spcPts val="0"/>
-              </a:spcAft>
-              <a:buClrTx/>
-              <a:buSzTx/>
-              <a:buFontTx/>
-              <a:buNone/>
-              <a:tabLst/>
-              <a:defRPr/>
-            </a:pPr>
-            <a:endParaRPr lang="en-US" dirty="0"/>
-          </a:p>
-          <a:p>
-            <a:pPr marL="0" marR="0" lvl="0" indent="0" defTabSz="914400" eaLnBrk="1" fontAlgn="auto" latinLnBrk="0" hangingPunct="1">
-              <a:lnSpc>
-                <a:spcPct val="100000"/>
-              </a:lnSpc>
-              <a:spcBef>
-                <a:spcPts val="0"/>
-              </a:spcBef>
-              <a:spcAft>
-                <a:spcPts val="0"/>
-              </a:spcAft>
-              <a:buClrTx/>
-              <a:buSzTx/>
-              <a:buFontTx/>
-              <a:buNone/>
-              <a:tabLst/>
-              <a:defRPr/>
-            </a:pPr>
-            <a:endParaRPr lang="en-US" dirty="0"/>
-          </a:p>
-          <a:p>
-            <a:pPr marL="0" marR="0" lvl="0" indent="0" defTabSz="914400" eaLnBrk="1" fontAlgn="auto" latinLnBrk="0" hangingPunct="1">
-              <a:lnSpc>
-                <a:spcPct val="100000"/>
-              </a:lnSpc>
-              <a:spcBef>
-                <a:spcPts val="0"/>
-              </a:spcBef>
-              <a:spcAft>
-                <a:spcPts val="0"/>
-              </a:spcAft>
-              <a:buClrTx/>
-              <a:buSzTx/>
-              <a:buFontTx/>
-              <a:buNone/>
-              <a:tabLst/>
-              <a:defRPr/>
-            </a:pPr>
-            <a:endParaRPr lang="en-US" dirty="0"/>
-          </a:p>
-        </p:txBody>
-      </p:sp>
-      <p:pic>
-        <p:nvPicPr>
-          <p:cNvPr id="5" name="Picture 4"/>
-          <p:cNvPicPr>
-            <a:picLocks noChangeAspect="1"/>
-          </p:cNvPicPr>
-          <p:nvPr/>
-        </p:nvPicPr>
-        <p:blipFill>
-          <a:blip r:embed="rId2">
-            <a:extLst>
-              <a:ext uri="{28A0092B-C50C-407E-A947-70E740481C1C}">
-                <a14:useLocalDpi xmlns:a14="http://schemas.microsoft.com/office/drawing/2010/main" val="0"/>
-              </a:ext>
-            </a:extLst>
-          </a:blip>
-          <a:stretch>
-            <a:fillRect/>
-          </a:stretch>
-        </p:blipFill>
-        <p:spPr>
-          <a:xfrm>
-            <a:off x="3284963" y="3209074"/>
-            <a:ext cx="6324600" cy="1803400"/>
-          </a:xfrm>
-          <a:prstGeom prst="rect">
-            <a:avLst/>
-          </a:prstGeom>
-        </p:spPr>
-      </p:pic>
-    </p:spTree>
-    <p:extLst>
-      <p:ext uri="{BB962C8B-B14F-4D97-AF65-F5344CB8AC3E}">
-        <p14:creationId xmlns:p14="http://schemas.microsoft.com/office/powerpoint/2010/main" val="667367013"/>
-      </p:ext>
-    </p:extLst>
-  </p:cSld>
-  <p:clrMapOvr>
-    <a:masterClrMapping/>
-  </p:clrMapOvr>
-</p:sld>
-</file>
-
-<file path=ppt/slides/slide27.xml><?xml version="1.0" encoding="utf-8"?>
-<p:sld xmlns:a="http://schemas.openxmlformats.org/drawingml/2006/main" xmlns:r="http://schemas.openxmlformats.org/officeDocument/2006/relationships" xmlns:p="http://schemas.openxmlformats.org/presentationml/2006/main">
-  <p:cSld>
-    <p:spTree>
-      <p:nvGrpSpPr>
-        <p:cNvPr id="1" name=""/>
-        <p:cNvGrpSpPr/>
-        <p:nvPr/>
-      </p:nvGrpSpPr>
-      <p:grpSpPr>
-        <a:xfrm>
-          <a:off x="0" y="0"/>
-          <a:ext cx="0" cy="0"/>
-          <a:chOff x="0" y="0"/>
-          <a:chExt cx="0" cy="0"/>
-        </a:xfrm>
-      </p:grpSpPr>
-      <p:sp>
-        <p:nvSpPr>
-          <p:cNvPr id="2" name="Title 1"/>
-          <p:cNvSpPr>
-            <a:spLocks noGrp="1"/>
-          </p:cNvSpPr>
-          <p:nvPr>
-            <p:ph type="title"/>
-          </p:nvPr>
-        </p:nvSpPr>
-        <p:spPr/>
-        <p:txBody>
-          <a:bodyPr/>
-          <a:lstStyle/>
-          <a:p>
-            <a:r>
-              <a:rPr lang="en-US" dirty="0"/>
-              <a:t>Emulating Numeric Types: A Polynomial </a:t>
-            </a:r>
-          </a:p>
-        </p:txBody>
-      </p:sp>
-      <p:sp>
-        <p:nvSpPr>
-          <p:cNvPr id="3" name="Content Placeholder 2"/>
-          <p:cNvSpPr>
-            <a:spLocks noGrp="1"/>
-          </p:cNvSpPr>
-          <p:nvPr>
-            <p:ph idx="1"/>
-          </p:nvPr>
-        </p:nvSpPr>
-        <p:spPr>
-          <a:xfrm>
-            <a:off x="680321" y="2336873"/>
-            <a:ext cx="10807634" cy="4231352"/>
-          </a:xfrm>
-        </p:spPr>
-        <p:txBody>
-          <a:bodyPr/>
-          <a:lstStyle/>
-          <a:p>
-            <a:pPr marL="0" marR="0" lvl="0" indent="0" defTabSz="914400" eaLnBrk="1" fontAlgn="auto" latinLnBrk="0" hangingPunct="1">
-              <a:lnSpc>
-                <a:spcPct val="100000"/>
-              </a:lnSpc>
-              <a:spcBef>
-                <a:spcPts val="0"/>
-              </a:spcBef>
-              <a:spcAft>
-                <a:spcPts val="0"/>
-              </a:spcAft>
-              <a:buClrTx/>
-              <a:buSzTx/>
-              <a:buFontTx/>
-              <a:buNone/>
-              <a:tabLst/>
-              <a:defRPr/>
-            </a:pPr>
-            <a:r>
-              <a:rPr lang="en-US" dirty="0"/>
-              <a:t>Subtracting polynomials: Use what we’ve already written to add the negative </a:t>
-            </a:r>
-          </a:p>
-          <a:p>
-            <a:pPr marL="0" marR="0" lvl="0" indent="0" defTabSz="914400" eaLnBrk="1" fontAlgn="auto" latinLnBrk="0" hangingPunct="1">
-              <a:lnSpc>
-                <a:spcPct val="100000"/>
-              </a:lnSpc>
-              <a:spcBef>
-                <a:spcPts val="0"/>
-              </a:spcBef>
-              <a:spcAft>
-                <a:spcPts val="0"/>
-              </a:spcAft>
-              <a:buClrTx/>
-              <a:buSzTx/>
-              <a:buFontTx/>
-              <a:buNone/>
-              <a:tabLst/>
-              <a:defRPr/>
-            </a:pPr>
-            <a:endParaRPr lang="en-US" dirty="0"/>
-          </a:p>
-          <a:p>
-            <a:pPr marL="0" marR="0" lvl="0" indent="0" defTabSz="914400" eaLnBrk="1" fontAlgn="auto" latinLnBrk="0" hangingPunct="1">
-              <a:lnSpc>
-                <a:spcPct val="100000"/>
-              </a:lnSpc>
-              <a:spcBef>
-                <a:spcPts val="0"/>
-              </a:spcBef>
-              <a:spcAft>
-                <a:spcPts val="0"/>
-              </a:spcAft>
-              <a:buClrTx/>
-              <a:buSzTx/>
-              <a:buFontTx/>
-              <a:buNone/>
-              <a:tabLst/>
-              <a:defRPr/>
-            </a:pPr>
-            <a:endParaRPr lang="en-US" dirty="0"/>
-          </a:p>
-          <a:p>
-            <a:pPr marL="0" marR="0" lvl="0" indent="0" defTabSz="914400" eaLnBrk="1" fontAlgn="auto" latinLnBrk="0" hangingPunct="1">
-              <a:lnSpc>
-                <a:spcPct val="100000"/>
-              </a:lnSpc>
-              <a:spcBef>
-                <a:spcPts val="0"/>
-              </a:spcBef>
-              <a:spcAft>
-                <a:spcPts val="0"/>
-              </a:spcAft>
-              <a:buClrTx/>
-              <a:buSzTx/>
-              <a:buFontTx/>
-              <a:buNone/>
-              <a:tabLst/>
-              <a:defRPr/>
-            </a:pPr>
-            <a:endParaRPr lang="en-US" dirty="0"/>
-          </a:p>
-          <a:p>
-            <a:pPr marL="0" marR="0" lvl="0" indent="0" defTabSz="914400" eaLnBrk="1" fontAlgn="auto" latinLnBrk="0" hangingPunct="1">
-              <a:lnSpc>
-                <a:spcPct val="100000"/>
-              </a:lnSpc>
-              <a:spcBef>
-                <a:spcPts val="0"/>
-              </a:spcBef>
-              <a:spcAft>
-                <a:spcPts val="0"/>
-              </a:spcAft>
-              <a:buClrTx/>
-              <a:buSzTx/>
-              <a:buFontTx/>
-              <a:buNone/>
-              <a:tabLst/>
-              <a:defRPr/>
-            </a:pPr>
-            <a:endParaRPr lang="en-US" dirty="0"/>
-          </a:p>
-          <a:p>
-            <a:pPr marL="0" marR="0" lvl="0" indent="0" defTabSz="914400" eaLnBrk="1" fontAlgn="auto" latinLnBrk="0" hangingPunct="1">
-              <a:lnSpc>
-                <a:spcPct val="100000"/>
-              </a:lnSpc>
-              <a:spcBef>
-                <a:spcPts val="0"/>
-              </a:spcBef>
-              <a:spcAft>
-                <a:spcPts val="0"/>
-              </a:spcAft>
-              <a:buClrTx/>
-              <a:buSzTx/>
-              <a:buFontTx/>
-              <a:buNone/>
-              <a:tabLst/>
-              <a:defRPr/>
-            </a:pPr>
-            <a:endParaRPr lang="en-US" dirty="0"/>
-          </a:p>
-          <a:p>
-            <a:pPr marL="0" marR="0" lvl="0" indent="0" defTabSz="914400" eaLnBrk="1" fontAlgn="auto" latinLnBrk="0" hangingPunct="1">
-              <a:lnSpc>
-                <a:spcPct val="100000"/>
-              </a:lnSpc>
-              <a:spcBef>
-                <a:spcPts val="0"/>
-              </a:spcBef>
-              <a:spcAft>
-                <a:spcPts val="0"/>
-              </a:spcAft>
-              <a:buClrTx/>
-              <a:buSzTx/>
-              <a:buFontTx/>
-              <a:buNone/>
-              <a:tabLst/>
-              <a:defRPr/>
-            </a:pPr>
-            <a:endParaRPr lang="en-US" dirty="0"/>
-          </a:p>
-          <a:p>
-            <a:pPr marL="0" marR="0" lvl="0" indent="0" defTabSz="914400" eaLnBrk="1" fontAlgn="auto" latinLnBrk="0" hangingPunct="1">
-              <a:lnSpc>
-                <a:spcPct val="100000"/>
-              </a:lnSpc>
-              <a:spcBef>
-                <a:spcPts val="0"/>
-              </a:spcBef>
-              <a:spcAft>
-                <a:spcPts val="0"/>
-              </a:spcAft>
-              <a:buClrTx/>
-              <a:buSzTx/>
-              <a:buFontTx/>
-              <a:buNone/>
-              <a:tabLst/>
-              <a:defRPr/>
-            </a:pPr>
-            <a:endParaRPr lang="en-US" dirty="0"/>
-          </a:p>
-        </p:txBody>
-      </p:sp>
-      <p:pic>
-        <p:nvPicPr>
-          <p:cNvPr id="4" name="Picture 3"/>
-          <p:cNvPicPr>
-            <a:picLocks noChangeAspect="1"/>
-          </p:cNvPicPr>
-          <p:nvPr/>
-        </p:nvPicPr>
-        <p:blipFill>
-          <a:blip r:embed="rId2">
-            <a:extLst>
-              <a:ext uri="{28A0092B-C50C-407E-A947-70E740481C1C}">
-                <a14:useLocalDpi xmlns:a14="http://schemas.microsoft.com/office/drawing/2010/main" val="0"/>
-              </a:ext>
-            </a:extLst>
-          </a:blip>
-          <a:stretch>
-            <a:fillRect/>
-          </a:stretch>
-        </p:blipFill>
-        <p:spPr>
-          <a:xfrm>
-            <a:off x="2928188" y="3674664"/>
-            <a:ext cx="6311900" cy="1333500"/>
-          </a:xfrm>
-          <a:prstGeom prst="rect">
-            <a:avLst/>
-          </a:prstGeom>
-        </p:spPr>
-      </p:pic>
-    </p:spTree>
-    <p:extLst>
-      <p:ext uri="{BB962C8B-B14F-4D97-AF65-F5344CB8AC3E}">
-        <p14:creationId xmlns:p14="http://schemas.microsoft.com/office/powerpoint/2010/main" val="902332397"/>
       </p:ext>
     </p:extLst>
   </p:cSld>
@@ -14669,9 +15063,7 @@
           </a:xfrm>
         </p:spPr>
         <p:txBody>
-          <a:bodyPr>
-            <a:normAutofit/>
-          </a:bodyPr>
+          <a:bodyPr/>
           <a:lstStyle/>
           <a:p>
             <a:pPr marL="0" marR="0" lvl="0" indent="0" defTabSz="914400" eaLnBrk="1" fontAlgn="auto" latinLnBrk="0" hangingPunct="1">
@@ -14693,182 +15085,15 @@
             </a:pPr>
             <a:r>
               <a:rPr lang="en-US" dirty="0"/>
-              <a:t>Equivalence comparison: If two polynomials have the same coefficients, say that they are equal to one another </a:t>
-            </a:r>
-          </a:p>
-          <a:p>
-            <a:pPr marL="0" marR="0" lvl="0" indent="0" defTabSz="914400" eaLnBrk="1" fontAlgn="auto" latinLnBrk="0" hangingPunct="1">
-              <a:lnSpc>
-                <a:spcPct val="100000"/>
-              </a:lnSpc>
-              <a:spcBef>
-                <a:spcPts val="0"/>
-              </a:spcBef>
-              <a:spcAft>
-                <a:spcPts val="0"/>
-              </a:spcAft>
-              <a:buClrTx/>
-              <a:buSzTx/>
-              <a:buFontTx/>
-              <a:buNone/>
-              <a:tabLst/>
-              <a:defRPr/>
-            </a:pPr>
-            <a:endParaRPr lang="en-US" dirty="0"/>
-          </a:p>
-          <a:p>
-            <a:pPr marL="0" marR="0" lvl="0" indent="0" defTabSz="914400" eaLnBrk="1" fontAlgn="auto" latinLnBrk="0" hangingPunct="1">
-              <a:lnSpc>
-                <a:spcPct val="100000"/>
-              </a:lnSpc>
-              <a:spcBef>
-                <a:spcPts val="0"/>
-              </a:spcBef>
-              <a:spcAft>
-                <a:spcPts val="0"/>
-              </a:spcAft>
-              <a:buClrTx/>
-              <a:buSzTx/>
-              <a:buFontTx/>
-              <a:buNone/>
-              <a:tabLst/>
-              <a:defRPr/>
-            </a:pPr>
-            <a:endParaRPr lang="en-US" dirty="0"/>
-          </a:p>
-          <a:p>
-            <a:pPr marL="0" marR="0" lvl="0" indent="0" defTabSz="914400" eaLnBrk="1" fontAlgn="auto" latinLnBrk="0" hangingPunct="1">
-              <a:lnSpc>
-                <a:spcPct val="100000"/>
-              </a:lnSpc>
-              <a:spcBef>
-                <a:spcPts val="0"/>
-              </a:spcBef>
-              <a:spcAft>
-                <a:spcPts val="0"/>
-              </a:spcAft>
-              <a:buClrTx/>
-              <a:buSzTx/>
-              <a:buFontTx/>
-              <a:buNone/>
-              <a:tabLst/>
-              <a:defRPr/>
-            </a:pPr>
-            <a:endParaRPr lang="en-US" dirty="0"/>
-          </a:p>
-          <a:p>
-            <a:pPr marL="0" marR="0" lvl="0" indent="0" defTabSz="914400" eaLnBrk="1" fontAlgn="auto" latinLnBrk="0" hangingPunct="1">
-              <a:lnSpc>
-                <a:spcPct val="100000"/>
-              </a:lnSpc>
-              <a:spcBef>
-                <a:spcPts val="0"/>
-              </a:spcBef>
-              <a:spcAft>
-                <a:spcPts val="0"/>
-              </a:spcAft>
-              <a:buClrTx/>
-              <a:buSzTx/>
-              <a:buFontTx/>
-              <a:buNone/>
-              <a:tabLst/>
-              <a:defRPr/>
-            </a:pPr>
-            <a:endParaRPr lang="en-US" dirty="0"/>
-          </a:p>
-          <a:p>
-            <a:pPr marL="0" marR="0" lvl="0" indent="0" defTabSz="914400" eaLnBrk="1" fontAlgn="auto" latinLnBrk="0" hangingPunct="1">
-              <a:lnSpc>
-                <a:spcPct val="100000"/>
-              </a:lnSpc>
-              <a:spcBef>
-                <a:spcPts val="0"/>
-              </a:spcBef>
-              <a:spcAft>
-                <a:spcPts val="0"/>
-              </a:spcAft>
-              <a:buClrTx/>
-              <a:buSzTx/>
-              <a:buFontTx/>
-              <a:buNone/>
-              <a:tabLst/>
-              <a:defRPr/>
-            </a:pPr>
-            <a:endParaRPr lang="en-US" dirty="0"/>
-          </a:p>
-          <a:p>
-            <a:pPr marL="0" marR="0" lvl="0" indent="0" defTabSz="914400" eaLnBrk="1" fontAlgn="auto" latinLnBrk="0" hangingPunct="1">
-              <a:lnSpc>
-                <a:spcPct val="100000"/>
-              </a:lnSpc>
-              <a:spcBef>
-                <a:spcPts val="0"/>
-              </a:spcBef>
-              <a:spcAft>
-                <a:spcPts val="0"/>
-              </a:spcAft>
-              <a:buClrTx/>
-              <a:buSzTx/>
-              <a:buFontTx/>
-              <a:buNone/>
-              <a:tabLst/>
-              <a:defRPr/>
-            </a:pPr>
-            <a:endParaRPr lang="en-US" dirty="0"/>
-          </a:p>
-          <a:p>
-            <a:pPr marL="0" marR="0" lvl="0" indent="0" defTabSz="914400" eaLnBrk="1" fontAlgn="auto" latinLnBrk="0" hangingPunct="1">
-              <a:lnSpc>
-                <a:spcPct val="100000"/>
-              </a:lnSpc>
-              <a:spcBef>
-                <a:spcPts val="0"/>
-              </a:spcBef>
-              <a:spcAft>
-                <a:spcPts val="0"/>
-              </a:spcAft>
-              <a:buClrTx/>
-              <a:buSzTx/>
-              <a:buFontTx/>
-              <a:buNone/>
-              <a:tabLst/>
-              <a:defRPr/>
-            </a:pPr>
-            <a:r>
-              <a:rPr lang="en-US" dirty="0"/>
-              <a:t>Note: This </a:t>
+              <a:t>Adding polynomials: The coefficients of each power on </a:t>
             </a:r>
             <a:r>
               <a:rPr lang="en-US" i="1" dirty="0"/>
-              <a:t>__ne__ </a:t>
-            </a:r>
-            <a:r>
-              <a:rPr lang="en-US" dirty="0"/>
-              <a:t>method actually isn’t necessary. If you write an </a:t>
-            </a:r>
-            <a:r>
-              <a:rPr lang="en-US" i="1" dirty="0"/>
-              <a:t>__</a:t>
-            </a:r>
-            <a:r>
-              <a:rPr lang="en-US" i="1" dirty="0" err="1"/>
-              <a:t>eq</a:t>
-            </a:r>
-            <a:r>
-              <a:rPr lang="en-US" i="1" dirty="0"/>
-              <a:t>__ </a:t>
-            </a:r>
-            <a:r>
-              <a:rPr lang="en-US" dirty="0"/>
-              <a:t>method, the </a:t>
-            </a:r>
-            <a:r>
-              <a:rPr lang="en-US" i="1" dirty="0"/>
-              <a:t>__ne__</a:t>
-            </a:r>
-            <a:r>
-              <a:rPr lang="en-US" dirty="0"/>
-              <a:t> method takes on this default form. Advice: If you ever override that, you should have a good reason for doing so. </a:t>
+              <a:t>x</a:t>
+            </a:r>
+            <a:r>
+              <a:rPr lang="en-US" dirty="0"/>
+              <a:t> add </a:t>
             </a:r>
           </a:p>
           <a:p>
@@ -15035,8 +15260,8 @@
         </p:blipFill>
         <p:spPr>
           <a:xfrm>
-            <a:off x="3226728" y="3190388"/>
-            <a:ext cx="5711211" cy="2031138"/>
+            <a:off x="3284963" y="3209074"/>
+            <a:ext cx="6324600" cy="1803400"/>
           </a:xfrm>
           <a:prstGeom prst="rect">
             <a:avLst/>
@@ -15046,7 +15271,7 @@
     </p:spTree>
     <p:extLst>
       <p:ext uri="{BB962C8B-B14F-4D97-AF65-F5344CB8AC3E}">
-        <p14:creationId xmlns:p14="http://schemas.microsoft.com/office/powerpoint/2010/main" val="1398279766"/>
+        <p14:creationId xmlns:p14="http://schemas.microsoft.com/office/powerpoint/2010/main" val="667367013"/>
       </p:ext>
     </p:extLst>
   </p:cSld>
@@ -15107,8 +15332,8 @@
         </p:nvSpPr>
         <p:spPr>
           <a:xfrm>
-            <a:off x="680322" y="2336873"/>
-            <a:ext cx="6377302" cy="3599316"/>
+            <a:off x="680321" y="2336873"/>
+            <a:ext cx="10807634" cy="4231352"/>
           </a:xfrm>
         </p:spPr>
         <p:txBody>
@@ -15134,31 +15359,7 @@
             </a:pPr>
             <a:r>
               <a:rPr lang="en-US" dirty="0"/>
-              <a:t>In action </a:t>
-            </a:r>
-            <a:r>
-              <a:rPr lang="mr-IN" dirty="0"/>
-              <a:t>–</a:t>
-            </a:r>
-            <a:r>
-              <a:rPr lang="en-US" dirty="0"/>
-              <a:t> </a:t>
-            </a:r>
-            <a:r>
-              <a:rPr lang="en-US" i="1" dirty="0"/>
-              <a:t>x</a:t>
-            </a:r>
-            <a:r>
-              <a:rPr lang="en-US" dirty="0"/>
-              <a:t> and </a:t>
-            </a:r>
-            <a:r>
-              <a:rPr lang="en-US" i="1" dirty="0"/>
-              <a:t>y</a:t>
-            </a:r>
-            <a:r>
-              <a:rPr lang="en-US" dirty="0"/>
-              <a:t> have all of these features because of the magic methods we implemented </a:t>
+              <a:t>Subtracting polynomials: Use what we’ve already written to add the negative </a:t>
             </a:r>
           </a:p>
           <a:p>
@@ -15239,26 +15440,67 @@
               <a:tabLst/>
               <a:defRPr/>
             </a:pPr>
-            <a:r>
-              <a:rPr lang="en-US" dirty="0"/>
-              <a:t>Features like this are also included in </a:t>
-            </a:r>
-            <a:r>
-              <a:rPr lang="en-US" dirty="0" err="1"/>
-              <a:t>NumPy’s</a:t>
-            </a:r>
-            <a:r>
-              <a:rPr lang="en-US" dirty="0"/>
-              <a:t> </a:t>
-            </a:r>
-            <a:r>
-              <a:rPr lang="en-US" i="1" dirty="0"/>
-              <a:t>poly1d</a:t>
-            </a:r>
-            <a:r>
-              <a:rPr lang="en-US" dirty="0"/>
-              <a:t> object </a:t>
-            </a:r>
+            <a:endParaRPr lang="en-US" dirty="0"/>
+          </a:p>
+          <a:p>
+            <a:pPr marL="0" marR="0" lvl="0" indent="0" defTabSz="914400" eaLnBrk="1" fontAlgn="auto" latinLnBrk="0" hangingPunct="1">
+              <a:lnSpc>
+                <a:spcPct val="100000"/>
+              </a:lnSpc>
+              <a:spcBef>
+                <a:spcPts val="0"/>
+              </a:spcBef>
+              <a:spcAft>
+                <a:spcPts val="0"/>
+              </a:spcAft>
+              <a:buClrTx/>
+              <a:buSzTx/>
+              <a:buFontTx/>
+              <a:buNone/>
+              <a:tabLst/>
+              <a:defRPr/>
+            </a:pPr>
+            <a:endParaRPr lang="en-US" dirty="0"/>
+          </a:p>
+          <a:p>
+            <a:pPr marL="0" marR="0" lvl="0" indent="0" defTabSz="914400" eaLnBrk="1" fontAlgn="auto" latinLnBrk="0" hangingPunct="1">
+              <a:lnSpc>
+                <a:spcPct val="100000"/>
+              </a:lnSpc>
+              <a:spcBef>
+                <a:spcPts val="0"/>
+              </a:spcBef>
+              <a:spcAft>
+                <a:spcPts val="0"/>
+              </a:spcAft>
+              <a:buClrTx/>
+              <a:buSzTx/>
+              <a:buFontTx/>
+              <a:buNone/>
+              <a:tabLst/>
+              <a:defRPr/>
+            </a:pPr>
+            <a:endParaRPr lang="en-US" dirty="0"/>
+          </a:p>
+          <a:p>
+            <a:pPr marL="0" marR="0" lvl="0" indent="0" defTabSz="914400" eaLnBrk="1" fontAlgn="auto" latinLnBrk="0" hangingPunct="1">
+              <a:lnSpc>
+                <a:spcPct val="100000"/>
+              </a:lnSpc>
+              <a:spcBef>
+                <a:spcPts val="0"/>
+              </a:spcBef>
+              <a:spcAft>
+                <a:spcPts val="0"/>
+              </a:spcAft>
+              <a:buClrTx/>
+              <a:buSzTx/>
+              <a:buFontTx/>
+              <a:buNone/>
+              <a:tabLst/>
+              <a:defRPr/>
+            </a:pPr>
+            <a:endParaRPr lang="en-US" dirty="0"/>
           </a:p>
         </p:txBody>
       </p:sp>
@@ -15284,8 +15526,8 @@
         </p:blipFill>
         <p:spPr>
           <a:xfrm>
-            <a:off x="7375838" y="1594647"/>
-            <a:ext cx="4266664" cy="5127482"/>
+            <a:off x="2928188" y="3674664"/>
+            <a:ext cx="6311900" cy="1333500"/>
           </a:xfrm>
           <a:prstGeom prst="rect">
             <a:avLst/>
@@ -15295,7 +15537,7 @@
     </p:spTree>
     <p:extLst>
       <p:ext uri="{BB962C8B-B14F-4D97-AF65-F5344CB8AC3E}">
-        <p14:creationId xmlns:p14="http://schemas.microsoft.com/office/powerpoint/2010/main" val="44603956"/>
+        <p14:creationId xmlns:p14="http://schemas.microsoft.com/office/powerpoint/2010/main" val="902332397"/>
       </p:ext>
     </p:extLst>
   </p:cSld>
@@ -15481,6 +15723,698 @@
           <a:p>
             <a:r>
               <a:rPr lang="en-US" dirty="0"/>
+              <a:t>Emulating Numeric Types: A Polynomial </a:t>
+            </a:r>
+          </a:p>
+        </p:txBody>
+      </p:sp>
+      <p:sp>
+        <p:nvSpPr>
+          <p:cNvPr id="3" name="Content Placeholder 2"/>
+          <p:cNvSpPr>
+            <a:spLocks noGrp="1"/>
+          </p:cNvSpPr>
+          <p:nvPr>
+            <p:ph idx="1"/>
+          </p:nvPr>
+        </p:nvSpPr>
+        <p:spPr>
+          <a:xfrm>
+            <a:off x="680321" y="2336873"/>
+            <a:ext cx="10807634" cy="4231352"/>
+          </a:xfrm>
+        </p:spPr>
+        <p:txBody>
+          <a:bodyPr>
+            <a:normAutofit/>
+          </a:bodyPr>
+          <a:lstStyle/>
+          <a:p>
+            <a:pPr marL="0" marR="0" lvl="0" indent="0" defTabSz="914400" eaLnBrk="1" fontAlgn="auto" latinLnBrk="0" hangingPunct="1">
+              <a:lnSpc>
+                <a:spcPct val="100000"/>
+              </a:lnSpc>
+              <a:spcBef>
+                <a:spcPts val="0"/>
+              </a:spcBef>
+              <a:spcAft>
+                <a:spcPts val="0"/>
+              </a:spcAft>
+              <a:buClrTx/>
+              <a:buSzTx/>
+              <a:buFontTx/>
+              <a:buNone/>
+              <a:tabLst/>
+              <a:defRPr/>
+            </a:pPr>
+            <a:r>
+              <a:rPr lang="en-US" dirty="0"/>
+              <a:t>Equivalence comparison: If two polynomials have the same coefficients, say that they are equal to one another </a:t>
+            </a:r>
+          </a:p>
+          <a:p>
+            <a:pPr marL="0" marR="0" lvl="0" indent="0" defTabSz="914400" eaLnBrk="1" fontAlgn="auto" latinLnBrk="0" hangingPunct="1">
+              <a:lnSpc>
+                <a:spcPct val="100000"/>
+              </a:lnSpc>
+              <a:spcBef>
+                <a:spcPts val="0"/>
+              </a:spcBef>
+              <a:spcAft>
+                <a:spcPts val="0"/>
+              </a:spcAft>
+              <a:buClrTx/>
+              <a:buSzTx/>
+              <a:buFontTx/>
+              <a:buNone/>
+              <a:tabLst/>
+              <a:defRPr/>
+            </a:pPr>
+            <a:endParaRPr lang="en-US" dirty="0"/>
+          </a:p>
+          <a:p>
+            <a:pPr marL="0" marR="0" lvl="0" indent="0" defTabSz="914400" eaLnBrk="1" fontAlgn="auto" latinLnBrk="0" hangingPunct="1">
+              <a:lnSpc>
+                <a:spcPct val="100000"/>
+              </a:lnSpc>
+              <a:spcBef>
+                <a:spcPts val="0"/>
+              </a:spcBef>
+              <a:spcAft>
+                <a:spcPts val="0"/>
+              </a:spcAft>
+              <a:buClrTx/>
+              <a:buSzTx/>
+              <a:buFontTx/>
+              <a:buNone/>
+              <a:tabLst/>
+              <a:defRPr/>
+            </a:pPr>
+            <a:endParaRPr lang="en-US" dirty="0"/>
+          </a:p>
+          <a:p>
+            <a:pPr marL="0" marR="0" lvl="0" indent="0" defTabSz="914400" eaLnBrk="1" fontAlgn="auto" latinLnBrk="0" hangingPunct="1">
+              <a:lnSpc>
+                <a:spcPct val="100000"/>
+              </a:lnSpc>
+              <a:spcBef>
+                <a:spcPts val="0"/>
+              </a:spcBef>
+              <a:spcAft>
+                <a:spcPts val="0"/>
+              </a:spcAft>
+              <a:buClrTx/>
+              <a:buSzTx/>
+              <a:buFontTx/>
+              <a:buNone/>
+              <a:tabLst/>
+              <a:defRPr/>
+            </a:pPr>
+            <a:endParaRPr lang="en-US" dirty="0"/>
+          </a:p>
+          <a:p>
+            <a:pPr marL="0" marR="0" lvl="0" indent="0" defTabSz="914400" eaLnBrk="1" fontAlgn="auto" latinLnBrk="0" hangingPunct="1">
+              <a:lnSpc>
+                <a:spcPct val="100000"/>
+              </a:lnSpc>
+              <a:spcBef>
+                <a:spcPts val="0"/>
+              </a:spcBef>
+              <a:spcAft>
+                <a:spcPts val="0"/>
+              </a:spcAft>
+              <a:buClrTx/>
+              <a:buSzTx/>
+              <a:buFontTx/>
+              <a:buNone/>
+              <a:tabLst/>
+              <a:defRPr/>
+            </a:pPr>
+            <a:endParaRPr lang="en-US" dirty="0"/>
+          </a:p>
+          <a:p>
+            <a:pPr marL="0" marR="0" lvl="0" indent="0" defTabSz="914400" eaLnBrk="1" fontAlgn="auto" latinLnBrk="0" hangingPunct="1">
+              <a:lnSpc>
+                <a:spcPct val="100000"/>
+              </a:lnSpc>
+              <a:spcBef>
+                <a:spcPts val="0"/>
+              </a:spcBef>
+              <a:spcAft>
+                <a:spcPts val="0"/>
+              </a:spcAft>
+              <a:buClrTx/>
+              <a:buSzTx/>
+              <a:buFontTx/>
+              <a:buNone/>
+              <a:tabLst/>
+              <a:defRPr/>
+            </a:pPr>
+            <a:endParaRPr lang="en-US" dirty="0"/>
+          </a:p>
+          <a:p>
+            <a:pPr marL="0" marR="0" lvl="0" indent="0" defTabSz="914400" eaLnBrk="1" fontAlgn="auto" latinLnBrk="0" hangingPunct="1">
+              <a:lnSpc>
+                <a:spcPct val="100000"/>
+              </a:lnSpc>
+              <a:spcBef>
+                <a:spcPts val="0"/>
+              </a:spcBef>
+              <a:spcAft>
+                <a:spcPts val="0"/>
+              </a:spcAft>
+              <a:buClrTx/>
+              <a:buSzTx/>
+              <a:buFontTx/>
+              <a:buNone/>
+              <a:tabLst/>
+              <a:defRPr/>
+            </a:pPr>
+            <a:endParaRPr lang="en-US" dirty="0"/>
+          </a:p>
+          <a:p>
+            <a:pPr marL="0" marR="0" lvl="0" indent="0" defTabSz="914400" eaLnBrk="1" fontAlgn="auto" latinLnBrk="0" hangingPunct="1">
+              <a:lnSpc>
+                <a:spcPct val="100000"/>
+              </a:lnSpc>
+              <a:spcBef>
+                <a:spcPts val="0"/>
+              </a:spcBef>
+              <a:spcAft>
+                <a:spcPts val="0"/>
+              </a:spcAft>
+              <a:buClrTx/>
+              <a:buSzTx/>
+              <a:buFontTx/>
+              <a:buNone/>
+              <a:tabLst/>
+              <a:defRPr/>
+            </a:pPr>
+            <a:r>
+              <a:rPr lang="en-US" dirty="0"/>
+              <a:t>Note: This </a:t>
+            </a:r>
+            <a:r>
+              <a:rPr lang="en-US" i="1" dirty="0"/>
+              <a:t>__ne__ </a:t>
+            </a:r>
+            <a:r>
+              <a:rPr lang="en-US" dirty="0"/>
+              <a:t>method actually isn’t necessary. If you write an </a:t>
+            </a:r>
+            <a:r>
+              <a:rPr lang="en-US" i="1" dirty="0"/>
+              <a:t>__</a:t>
+            </a:r>
+            <a:r>
+              <a:rPr lang="en-US" i="1" dirty="0" err="1"/>
+              <a:t>eq</a:t>
+            </a:r>
+            <a:r>
+              <a:rPr lang="en-US" i="1" dirty="0"/>
+              <a:t>__ </a:t>
+            </a:r>
+            <a:r>
+              <a:rPr lang="en-US" dirty="0"/>
+              <a:t>method, the </a:t>
+            </a:r>
+            <a:r>
+              <a:rPr lang="en-US" i="1" dirty="0"/>
+              <a:t>__ne__</a:t>
+            </a:r>
+            <a:r>
+              <a:rPr lang="en-US" dirty="0"/>
+              <a:t> method takes on this default form. Advice: If you ever override that, you should have a good reason for doing so. </a:t>
+            </a:r>
+          </a:p>
+          <a:p>
+            <a:pPr marL="0" marR="0" lvl="0" indent="0" defTabSz="914400" eaLnBrk="1" fontAlgn="auto" latinLnBrk="0" hangingPunct="1">
+              <a:lnSpc>
+                <a:spcPct val="100000"/>
+              </a:lnSpc>
+              <a:spcBef>
+                <a:spcPts val="0"/>
+              </a:spcBef>
+              <a:spcAft>
+                <a:spcPts val="0"/>
+              </a:spcAft>
+              <a:buClrTx/>
+              <a:buSzTx/>
+              <a:buFontTx/>
+              <a:buNone/>
+              <a:tabLst/>
+              <a:defRPr/>
+            </a:pPr>
+            <a:endParaRPr lang="en-US" dirty="0"/>
+          </a:p>
+          <a:p>
+            <a:pPr marL="0" marR="0" lvl="0" indent="0" defTabSz="914400" eaLnBrk="1" fontAlgn="auto" latinLnBrk="0" hangingPunct="1">
+              <a:lnSpc>
+                <a:spcPct val="100000"/>
+              </a:lnSpc>
+              <a:spcBef>
+                <a:spcPts val="0"/>
+              </a:spcBef>
+              <a:spcAft>
+                <a:spcPts val="0"/>
+              </a:spcAft>
+              <a:buClrTx/>
+              <a:buSzTx/>
+              <a:buFontTx/>
+              <a:buNone/>
+              <a:tabLst/>
+              <a:defRPr/>
+            </a:pPr>
+            <a:endParaRPr lang="en-US" dirty="0"/>
+          </a:p>
+          <a:p>
+            <a:pPr marL="0" marR="0" lvl="0" indent="0" defTabSz="914400" eaLnBrk="1" fontAlgn="auto" latinLnBrk="0" hangingPunct="1">
+              <a:lnSpc>
+                <a:spcPct val="100000"/>
+              </a:lnSpc>
+              <a:spcBef>
+                <a:spcPts val="0"/>
+              </a:spcBef>
+              <a:spcAft>
+                <a:spcPts val="0"/>
+              </a:spcAft>
+              <a:buClrTx/>
+              <a:buSzTx/>
+              <a:buFontTx/>
+              <a:buNone/>
+              <a:tabLst/>
+              <a:defRPr/>
+            </a:pPr>
+            <a:endParaRPr lang="en-US" dirty="0"/>
+          </a:p>
+          <a:p>
+            <a:pPr marL="0" marR="0" lvl="0" indent="0" defTabSz="914400" eaLnBrk="1" fontAlgn="auto" latinLnBrk="0" hangingPunct="1">
+              <a:lnSpc>
+                <a:spcPct val="100000"/>
+              </a:lnSpc>
+              <a:spcBef>
+                <a:spcPts val="0"/>
+              </a:spcBef>
+              <a:spcAft>
+                <a:spcPts val="0"/>
+              </a:spcAft>
+              <a:buClrTx/>
+              <a:buSzTx/>
+              <a:buFontTx/>
+              <a:buNone/>
+              <a:tabLst/>
+              <a:defRPr/>
+            </a:pPr>
+            <a:endParaRPr lang="en-US" dirty="0"/>
+          </a:p>
+          <a:p>
+            <a:pPr marL="0" marR="0" lvl="0" indent="0" defTabSz="914400" eaLnBrk="1" fontAlgn="auto" latinLnBrk="0" hangingPunct="1">
+              <a:lnSpc>
+                <a:spcPct val="100000"/>
+              </a:lnSpc>
+              <a:spcBef>
+                <a:spcPts val="0"/>
+              </a:spcBef>
+              <a:spcAft>
+                <a:spcPts val="0"/>
+              </a:spcAft>
+              <a:buClrTx/>
+              <a:buSzTx/>
+              <a:buFontTx/>
+              <a:buNone/>
+              <a:tabLst/>
+              <a:defRPr/>
+            </a:pPr>
+            <a:endParaRPr lang="en-US" dirty="0"/>
+          </a:p>
+          <a:p>
+            <a:pPr marL="0" marR="0" lvl="0" indent="0" defTabSz="914400" eaLnBrk="1" fontAlgn="auto" latinLnBrk="0" hangingPunct="1">
+              <a:lnSpc>
+                <a:spcPct val="100000"/>
+              </a:lnSpc>
+              <a:spcBef>
+                <a:spcPts val="0"/>
+              </a:spcBef>
+              <a:spcAft>
+                <a:spcPts val="0"/>
+              </a:spcAft>
+              <a:buClrTx/>
+              <a:buSzTx/>
+              <a:buFontTx/>
+              <a:buNone/>
+              <a:tabLst/>
+              <a:defRPr/>
+            </a:pPr>
+            <a:endParaRPr lang="en-US" dirty="0"/>
+          </a:p>
+          <a:p>
+            <a:pPr marL="0" marR="0" lvl="0" indent="0" defTabSz="914400" eaLnBrk="1" fontAlgn="auto" latinLnBrk="0" hangingPunct="1">
+              <a:lnSpc>
+                <a:spcPct val="100000"/>
+              </a:lnSpc>
+              <a:spcBef>
+                <a:spcPts val="0"/>
+              </a:spcBef>
+              <a:spcAft>
+                <a:spcPts val="0"/>
+              </a:spcAft>
+              <a:buClrTx/>
+              <a:buSzTx/>
+              <a:buFontTx/>
+              <a:buNone/>
+              <a:tabLst/>
+              <a:defRPr/>
+            </a:pPr>
+            <a:endParaRPr lang="en-US" dirty="0"/>
+          </a:p>
+        </p:txBody>
+      </p:sp>
+      <p:pic>
+        <p:nvPicPr>
+          <p:cNvPr id="5" name="Picture 4"/>
+          <p:cNvPicPr>
+            <a:picLocks noChangeAspect="1"/>
+          </p:cNvPicPr>
+          <p:nvPr/>
+        </p:nvPicPr>
+        <p:blipFill>
+          <a:blip r:embed="rId2">
+            <a:extLst>
+              <a:ext uri="{28A0092B-C50C-407E-A947-70E740481C1C}">
+                <a14:useLocalDpi xmlns:a14="http://schemas.microsoft.com/office/drawing/2010/main" val="0"/>
+              </a:ext>
+            </a:extLst>
+          </a:blip>
+          <a:stretch>
+            <a:fillRect/>
+          </a:stretch>
+        </p:blipFill>
+        <p:spPr>
+          <a:xfrm>
+            <a:off x="3226728" y="3190388"/>
+            <a:ext cx="5711211" cy="2031138"/>
+          </a:xfrm>
+          <a:prstGeom prst="rect">
+            <a:avLst/>
+          </a:prstGeom>
+        </p:spPr>
+      </p:pic>
+    </p:spTree>
+    <p:extLst>
+      <p:ext uri="{BB962C8B-B14F-4D97-AF65-F5344CB8AC3E}">
+        <p14:creationId xmlns:p14="http://schemas.microsoft.com/office/powerpoint/2010/main" val="1398279766"/>
+      </p:ext>
+    </p:extLst>
+  </p:cSld>
+  <p:clrMapOvr>
+    <a:masterClrMapping/>
+  </p:clrMapOvr>
+</p:sld>
+</file>
+
+<file path=ppt/slides/slide31.xml><?xml version="1.0" encoding="utf-8"?>
+<p:sld xmlns:a="http://schemas.openxmlformats.org/drawingml/2006/main" xmlns:r="http://schemas.openxmlformats.org/officeDocument/2006/relationships" xmlns:p="http://schemas.openxmlformats.org/presentationml/2006/main">
+  <p:cSld>
+    <p:spTree>
+      <p:nvGrpSpPr>
+        <p:cNvPr id="1" name=""/>
+        <p:cNvGrpSpPr/>
+        <p:nvPr/>
+      </p:nvGrpSpPr>
+      <p:grpSpPr>
+        <a:xfrm>
+          <a:off x="0" y="0"/>
+          <a:ext cx="0" cy="0"/>
+          <a:chOff x="0" y="0"/>
+          <a:chExt cx="0" cy="0"/>
+        </a:xfrm>
+      </p:grpSpPr>
+      <p:sp>
+        <p:nvSpPr>
+          <p:cNvPr id="2" name="Title 1"/>
+          <p:cNvSpPr>
+            <a:spLocks noGrp="1"/>
+          </p:cNvSpPr>
+          <p:nvPr>
+            <p:ph type="title"/>
+          </p:nvPr>
+        </p:nvSpPr>
+        <p:spPr/>
+        <p:txBody>
+          <a:bodyPr/>
+          <a:lstStyle/>
+          <a:p>
+            <a:r>
+              <a:rPr lang="en-US" dirty="0"/>
+              <a:t>Emulating Numeric Types: A Polynomial </a:t>
+            </a:r>
+          </a:p>
+        </p:txBody>
+      </p:sp>
+      <p:sp>
+        <p:nvSpPr>
+          <p:cNvPr id="3" name="Content Placeholder 2"/>
+          <p:cNvSpPr>
+            <a:spLocks noGrp="1"/>
+          </p:cNvSpPr>
+          <p:nvPr>
+            <p:ph idx="1"/>
+          </p:nvPr>
+        </p:nvSpPr>
+        <p:spPr>
+          <a:xfrm>
+            <a:off x="680322" y="2336873"/>
+            <a:ext cx="6377302" cy="3599316"/>
+          </a:xfrm>
+        </p:spPr>
+        <p:txBody>
+          <a:bodyPr/>
+          <a:lstStyle/>
+          <a:p>
+            <a:pPr marL="0" marR="0" lvl="0" indent="0" defTabSz="914400" eaLnBrk="1" fontAlgn="auto" latinLnBrk="0" hangingPunct="1">
+              <a:lnSpc>
+                <a:spcPct val="100000"/>
+              </a:lnSpc>
+              <a:spcBef>
+                <a:spcPts val="0"/>
+              </a:spcBef>
+              <a:spcAft>
+                <a:spcPts val="0"/>
+              </a:spcAft>
+              <a:buClrTx/>
+              <a:buSzTx/>
+              <a:buFontTx/>
+              <a:buNone/>
+              <a:tabLst/>
+              <a:defRPr/>
+            </a:pPr>
+            <a:r>
+              <a:rPr lang="en-US" dirty="0"/>
+              <a:t>In action </a:t>
+            </a:r>
+            <a:r>
+              <a:rPr lang="mr-IN" dirty="0"/>
+              <a:t>–</a:t>
+            </a:r>
+            <a:r>
+              <a:rPr lang="en-US" dirty="0"/>
+              <a:t> </a:t>
+            </a:r>
+            <a:r>
+              <a:rPr lang="en-US" i="1" dirty="0"/>
+              <a:t>x</a:t>
+            </a:r>
+            <a:r>
+              <a:rPr lang="en-US" dirty="0"/>
+              <a:t> and </a:t>
+            </a:r>
+            <a:r>
+              <a:rPr lang="en-US" i="1" dirty="0"/>
+              <a:t>y</a:t>
+            </a:r>
+            <a:r>
+              <a:rPr lang="en-US" dirty="0"/>
+              <a:t> have all of these features because of the magic methods we implemented </a:t>
+            </a:r>
+          </a:p>
+          <a:p>
+            <a:pPr marL="0" marR="0" lvl="0" indent="0" defTabSz="914400" eaLnBrk="1" fontAlgn="auto" latinLnBrk="0" hangingPunct="1">
+              <a:lnSpc>
+                <a:spcPct val="100000"/>
+              </a:lnSpc>
+              <a:spcBef>
+                <a:spcPts val="0"/>
+              </a:spcBef>
+              <a:spcAft>
+                <a:spcPts val="0"/>
+              </a:spcAft>
+              <a:buClrTx/>
+              <a:buSzTx/>
+              <a:buFontTx/>
+              <a:buNone/>
+              <a:tabLst/>
+              <a:defRPr/>
+            </a:pPr>
+            <a:endParaRPr lang="en-US" dirty="0"/>
+          </a:p>
+          <a:p>
+            <a:pPr marL="0" marR="0" lvl="0" indent="0" defTabSz="914400" eaLnBrk="1" fontAlgn="auto" latinLnBrk="0" hangingPunct="1">
+              <a:lnSpc>
+                <a:spcPct val="100000"/>
+              </a:lnSpc>
+              <a:spcBef>
+                <a:spcPts val="0"/>
+              </a:spcBef>
+              <a:spcAft>
+                <a:spcPts val="0"/>
+              </a:spcAft>
+              <a:buClrTx/>
+              <a:buSzTx/>
+              <a:buFontTx/>
+              <a:buNone/>
+              <a:tabLst/>
+              <a:defRPr/>
+            </a:pPr>
+            <a:endParaRPr lang="en-US" dirty="0"/>
+          </a:p>
+          <a:p>
+            <a:pPr marL="0" marR="0" lvl="0" indent="0" defTabSz="914400" eaLnBrk="1" fontAlgn="auto" latinLnBrk="0" hangingPunct="1">
+              <a:lnSpc>
+                <a:spcPct val="100000"/>
+              </a:lnSpc>
+              <a:spcBef>
+                <a:spcPts val="0"/>
+              </a:spcBef>
+              <a:spcAft>
+                <a:spcPts val="0"/>
+              </a:spcAft>
+              <a:buClrTx/>
+              <a:buSzTx/>
+              <a:buFontTx/>
+              <a:buNone/>
+              <a:tabLst/>
+              <a:defRPr/>
+            </a:pPr>
+            <a:endParaRPr lang="en-US" dirty="0"/>
+          </a:p>
+          <a:p>
+            <a:pPr marL="0" marR="0" lvl="0" indent="0" defTabSz="914400" eaLnBrk="1" fontAlgn="auto" latinLnBrk="0" hangingPunct="1">
+              <a:lnSpc>
+                <a:spcPct val="100000"/>
+              </a:lnSpc>
+              <a:spcBef>
+                <a:spcPts val="0"/>
+              </a:spcBef>
+              <a:spcAft>
+                <a:spcPts val="0"/>
+              </a:spcAft>
+              <a:buClrTx/>
+              <a:buSzTx/>
+              <a:buFontTx/>
+              <a:buNone/>
+              <a:tabLst/>
+              <a:defRPr/>
+            </a:pPr>
+            <a:r>
+              <a:rPr lang="en-US" dirty="0"/>
+              <a:t>Features like this are also included in </a:t>
+            </a:r>
+            <a:r>
+              <a:rPr lang="en-US" dirty="0" err="1"/>
+              <a:t>NumPy’s</a:t>
+            </a:r>
+            <a:r>
+              <a:rPr lang="en-US" dirty="0"/>
+              <a:t> </a:t>
+            </a:r>
+            <a:r>
+              <a:rPr lang="en-US" i="1" dirty="0"/>
+              <a:t>poly1d</a:t>
+            </a:r>
+            <a:r>
+              <a:rPr lang="en-US" dirty="0"/>
+              <a:t> object </a:t>
+            </a:r>
+          </a:p>
+        </p:txBody>
+      </p:sp>
+      <p:pic>
+        <p:nvPicPr>
+          <p:cNvPr id="4" name="Picture 3"/>
+          <p:cNvPicPr>
+            <a:picLocks noChangeAspect="1"/>
+          </p:cNvPicPr>
+          <p:nvPr/>
+        </p:nvPicPr>
+        <p:blipFill>
+          <a:blip r:embed="rId2">
+            <a:extLst>
+              <a:ext uri="{28A0092B-C50C-407E-A947-70E740481C1C}">
+                <a14:useLocalDpi xmlns:a14="http://schemas.microsoft.com/office/drawing/2010/main" val="0"/>
+              </a:ext>
+            </a:extLst>
+          </a:blip>
+          <a:stretch>
+            <a:fillRect/>
+          </a:stretch>
+        </p:blipFill>
+        <p:spPr>
+          <a:xfrm>
+            <a:off x="7375838" y="1594647"/>
+            <a:ext cx="4266664" cy="5127482"/>
+          </a:xfrm>
+          <a:prstGeom prst="rect">
+            <a:avLst/>
+          </a:prstGeom>
+        </p:spPr>
+      </p:pic>
+    </p:spTree>
+    <p:extLst>
+      <p:ext uri="{BB962C8B-B14F-4D97-AF65-F5344CB8AC3E}">
+        <p14:creationId xmlns:p14="http://schemas.microsoft.com/office/powerpoint/2010/main" val="44603956"/>
+      </p:ext>
+    </p:extLst>
+  </p:cSld>
+  <p:clrMapOvr>
+    <a:masterClrMapping/>
+  </p:clrMapOvr>
+</p:sld>
+</file>
+
+<file path=ppt/slides/slide32.xml><?xml version="1.0" encoding="utf-8"?>
+<p:sld xmlns:a="http://schemas.openxmlformats.org/drawingml/2006/main" xmlns:r="http://schemas.openxmlformats.org/officeDocument/2006/relationships" xmlns:p="http://schemas.openxmlformats.org/presentationml/2006/main">
+  <p:cSld>
+    <p:spTree>
+      <p:nvGrpSpPr>
+        <p:cNvPr id="1" name=""/>
+        <p:cNvGrpSpPr/>
+        <p:nvPr/>
+      </p:nvGrpSpPr>
+      <p:grpSpPr>
+        <a:xfrm>
+          <a:off x="0" y="0"/>
+          <a:ext cx="0" cy="0"/>
+          <a:chOff x="0" y="0"/>
+          <a:chExt cx="0" cy="0"/>
+        </a:xfrm>
+      </p:grpSpPr>
+      <p:sp>
+        <p:nvSpPr>
+          <p:cNvPr id="2" name="Title 1"/>
+          <p:cNvSpPr>
+            <a:spLocks noGrp="1"/>
+          </p:cNvSpPr>
+          <p:nvPr>
+            <p:ph type="title"/>
+          </p:nvPr>
+        </p:nvSpPr>
+        <p:spPr/>
+        <p:txBody>
+          <a:bodyPr/>
+          <a:lstStyle/>
+          <a:p>
+            <a:r>
+              <a:rPr lang="en-US" dirty="0"/>
               <a:t>Recall: Lists vs. Arrays</a:t>
             </a:r>
           </a:p>
@@ -15640,7 +16574,13 @@
       </p:grpSpPr>
       <p:sp>
         <p:nvSpPr>
-          <p:cNvPr id="2" name="Title 1"/>
+          <p:cNvPr id="2" name="Title 1">
+            <a:extLst>
+              <a:ext uri="{FF2B5EF4-FFF2-40B4-BE49-F238E27FC236}">
+                <a16:creationId xmlns:a16="http://schemas.microsoft.com/office/drawing/2014/main" id="{00518BA8-FD30-5249-BCD0-965011A46BF6}"/>
+              </a:ext>
+            </a:extLst>
+          </p:cNvPr>
           <p:cNvSpPr>
             <a:spLocks noGrp="1"/>
           </p:cNvSpPr>
@@ -15655,14 +16595,20 @@
           <a:p>
             <a:r>
               <a:rPr lang="en-US" dirty="0"/>
-              <a:t>An Example Object: A Dog </a:t>
-            </a:r>
-          </a:p>
-        </p:txBody>
-      </p:sp>
-      <p:sp>
-        <p:nvSpPr>
-          <p:cNvPr id="3" name="Content Placeholder 2"/>
+              <a:t>Data Container</a:t>
+            </a:r>
+          </a:p>
+        </p:txBody>
+      </p:sp>
+      <p:sp>
+        <p:nvSpPr>
+          <p:cNvPr id="3" name="Content Placeholder 2">
+            <a:extLst>
+              <a:ext uri="{FF2B5EF4-FFF2-40B4-BE49-F238E27FC236}">
+                <a16:creationId xmlns:a16="http://schemas.microsoft.com/office/drawing/2014/main" id="{12FA5387-BCBD-2D4D-AA20-EDABAD6AC357}"/>
+              </a:ext>
+            </a:extLst>
+          </p:cNvPr>
           <p:cNvSpPr>
             <a:spLocks noGrp="1"/>
           </p:cNvSpPr>
@@ -15672,196 +16618,113 @@
         </p:nvSpPr>
         <p:spPr>
           <a:xfrm>
-            <a:off x="680321" y="2336873"/>
-            <a:ext cx="5024443" cy="4063928"/>
+            <a:off x="241515" y="2086378"/>
+            <a:ext cx="4600941" cy="4441422"/>
           </a:xfrm>
         </p:spPr>
         <p:txBody>
           <a:bodyPr/>
           <a:lstStyle/>
           <a:p>
-            <a:pPr marL="0" marR="0" lvl="0" indent="0" defTabSz="914400" eaLnBrk="1" fontAlgn="auto" latinLnBrk="0" hangingPunct="1">
-              <a:lnSpc>
-                <a:spcPct val="100000"/>
-              </a:lnSpc>
-              <a:spcBef>
-                <a:spcPts val="0"/>
-              </a:spcBef>
-              <a:spcAft>
-                <a:spcPts val="0"/>
-              </a:spcAft>
-              <a:buClrTx/>
-              <a:buSzTx/>
-              <a:buFontTx/>
-              <a:buNone/>
-              <a:tabLst/>
-              <a:defRPr/>
-            </a:pPr>
-            <a:r>
-              <a:rPr lang="en-US" dirty="0"/>
-              <a:t>Attributes: color, breed, name, gender </a:t>
-            </a:r>
-          </a:p>
-          <a:p>
-            <a:pPr marL="0" marR="0" lvl="0" indent="0" defTabSz="914400" eaLnBrk="1" fontAlgn="auto" latinLnBrk="0" hangingPunct="1">
-              <a:lnSpc>
-                <a:spcPct val="100000"/>
-              </a:lnSpc>
-              <a:spcBef>
-                <a:spcPts val="0"/>
-              </a:spcBef>
-              <a:spcAft>
-                <a:spcPts val="0"/>
-              </a:spcAft>
-              <a:buClrTx/>
-              <a:buSzTx/>
-              <a:buFontTx/>
-              <a:buNone/>
-              <a:tabLst/>
-              <a:defRPr/>
+            <a:pPr marL="0" indent="0">
+              <a:buNone/>
+            </a:pPr>
+            <a:r>
+              <a:rPr lang="en-US" dirty="0"/>
+              <a:t>The simplest object – all it does is hold on to the attributes that you give it</a:t>
+            </a:r>
+          </a:p>
+          <a:p>
+            <a:pPr marL="0" indent="0">
+              <a:buNone/>
             </a:pPr>
             <a:endParaRPr lang="en-US" dirty="0"/>
           </a:p>
           <a:p>
-            <a:pPr marL="0" marR="0" lvl="0" indent="0" defTabSz="914400" eaLnBrk="1" fontAlgn="auto" latinLnBrk="0" hangingPunct="1">
-              <a:lnSpc>
-                <a:spcPct val="100000"/>
-              </a:lnSpc>
-              <a:spcBef>
-                <a:spcPts val="0"/>
-              </a:spcBef>
-              <a:spcAft>
-                <a:spcPts val="0"/>
-              </a:spcAft>
-              <a:buClrTx/>
-              <a:buSzTx/>
-              <a:buFontTx/>
-              <a:buNone/>
-              <a:tabLst/>
-              <a:defRPr/>
-            </a:pPr>
-            <a:r>
-              <a:rPr lang="en-US" dirty="0"/>
-              <a:t>Functions: bark, roll over, shake, eat, drink, chase tail </a:t>
-            </a:r>
-          </a:p>
-          <a:p>
-            <a:pPr marL="0" marR="0" lvl="0" indent="0" defTabSz="914400" eaLnBrk="1" fontAlgn="auto" latinLnBrk="0" hangingPunct="1">
-              <a:lnSpc>
-                <a:spcPct val="100000"/>
-              </a:lnSpc>
-              <a:spcBef>
-                <a:spcPts val="0"/>
-              </a:spcBef>
-              <a:spcAft>
-                <a:spcPts val="0"/>
-              </a:spcAft>
-              <a:buClrTx/>
-              <a:buSzTx/>
-              <a:buFontTx/>
-              <a:buNone/>
-              <a:tabLst/>
-              <a:defRPr/>
+            <a:pPr marL="0" indent="0">
+              <a:buNone/>
+            </a:pPr>
+            <a:r>
+              <a:rPr lang="en-US" i="1" dirty="0"/>
+              <a:t>class container: pass</a:t>
+            </a:r>
+            <a:r>
+              <a:rPr lang="en-US" dirty="0"/>
+              <a:t> is all you need</a:t>
+            </a:r>
+          </a:p>
+          <a:p>
+            <a:pPr lvl="1"/>
+            <a:r>
+              <a:rPr lang="en-US" dirty="0"/>
+              <a:t>Doesn’t </a:t>
+            </a:r>
+            <a:r>
+              <a:rPr lang="en-US" i="1" dirty="0"/>
+              <a:t>need</a:t>
+            </a:r>
+            <a:r>
+              <a:rPr lang="en-US" dirty="0"/>
+              <a:t> to be called container</a:t>
+            </a:r>
+          </a:p>
+          <a:p>
+            <a:pPr marL="0" indent="0">
+              <a:buNone/>
             </a:pPr>
             <a:endParaRPr lang="en-US" dirty="0"/>
           </a:p>
           <a:p>
-            <a:pPr marL="0" marR="0" lvl="0" indent="0" defTabSz="914400" eaLnBrk="1" fontAlgn="auto" latinLnBrk="0" hangingPunct="1">
-              <a:lnSpc>
-                <a:spcPct val="100000"/>
-              </a:lnSpc>
-              <a:spcBef>
-                <a:spcPts val="0"/>
-              </a:spcBef>
-              <a:spcAft>
-                <a:spcPts val="0"/>
-              </a:spcAft>
-              <a:buClrTx/>
-              <a:buSzTx/>
-              <a:buFontTx/>
-              <a:buNone/>
-              <a:tabLst/>
-              <a:defRPr/>
-            </a:pPr>
-            <a:r>
-              <a:rPr lang="en-US" dirty="0"/>
-              <a:t>Data: date of birth, veterinary records, previous owners </a:t>
-            </a:r>
-          </a:p>
-          <a:p>
-            <a:pPr marL="0" marR="0" lvl="0" indent="0" defTabSz="914400" eaLnBrk="1" fontAlgn="auto" latinLnBrk="0" hangingPunct="1">
-              <a:lnSpc>
-                <a:spcPct val="100000"/>
-              </a:lnSpc>
-              <a:spcBef>
-                <a:spcPts val="0"/>
-              </a:spcBef>
-              <a:spcAft>
-                <a:spcPts val="0"/>
-              </a:spcAft>
-              <a:buClrTx/>
-              <a:buSzTx/>
-              <a:buFontTx/>
-              <a:buNone/>
-              <a:tabLst/>
-              <a:defRPr/>
-            </a:pPr>
-            <a:endParaRPr lang="en-US" dirty="0"/>
-          </a:p>
-          <a:p>
-            <a:pPr marL="0" marR="0" lvl="0" indent="0" defTabSz="914400" eaLnBrk="1" fontAlgn="auto" latinLnBrk="0" hangingPunct="1">
-              <a:lnSpc>
-                <a:spcPct val="100000"/>
-              </a:lnSpc>
-              <a:spcBef>
-                <a:spcPts val="0"/>
-              </a:spcBef>
-              <a:spcAft>
-                <a:spcPts val="0"/>
-              </a:spcAft>
-              <a:buClrTx/>
-              <a:buSzTx/>
-              <a:buFontTx/>
-              <a:buNone/>
-              <a:tabLst/>
-              <a:defRPr/>
-            </a:pPr>
-            <a:r>
-              <a:rPr lang="en-US" dirty="0"/>
-              <a:t>Interactions with other objects: play with </a:t>
-            </a:r>
-            <a:r>
-              <a:rPr lang="en-US"/>
-              <a:t>other dogs/owner, chase cats </a:t>
-            </a:r>
-            <a:endParaRPr lang="en-US" dirty="0"/>
+            <a:pPr marL="0" indent="0">
+              <a:buNone/>
+            </a:pPr>
+            <a:r>
+              <a:rPr lang="en-US" dirty="0"/>
+              <a:t>The argument </a:t>
+            </a:r>
+            <a:r>
+              <a:rPr lang="en-US" i="1" dirty="0"/>
+              <a:t>pass</a:t>
+            </a:r>
+            <a:r>
+              <a:rPr lang="en-US" dirty="0"/>
+              <a:t> here means “do nothing.” Objects with more specialization instead have </a:t>
+            </a:r>
+            <a:r>
+              <a:rPr lang="en-US" i="1" dirty="0"/>
+              <a:t>def</a:t>
+            </a:r>
+            <a:r>
+              <a:rPr lang="en-US" dirty="0"/>
+              <a:t> statements within them.</a:t>
+            </a:r>
           </a:p>
         </p:txBody>
       </p:sp>
       <p:pic>
         <p:nvPicPr>
-          <p:cNvPr id="4" name="Picture 3"/>
+          <p:cNvPr id="5" name="Picture 4" descr="Text&#10;&#10;Description automatically generated">
+            <a:extLst>
+              <a:ext uri="{FF2B5EF4-FFF2-40B4-BE49-F238E27FC236}">
+                <a16:creationId xmlns:a16="http://schemas.microsoft.com/office/drawing/2014/main" id="{87BCC6D0-0942-4740-BB96-38FF41C18C7D}"/>
+              </a:ext>
+            </a:extLst>
+          </p:cNvPr>
           <p:cNvPicPr>
             <a:picLocks noChangeAspect="1"/>
           </p:cNvPicPr>
           <p:nvPr/>
         </p:nvPicPr>
         <p:blipFill>
-          <a:blip r:embed="rId2">
-            <a:extLst>
-              <a:ext uri="{28A0092B-C50C-407E-A947-70E740481C1C}">
-                <a14:useLocalDpi xmlns:a14="http://schemas.microsoft.com/office/drawing/2010/main" val="0"/>
-              </a:ext>
-            </a:extLst>
-          </a:blip>
+          <a:blip r:embed="rId3"/>
           <a:stretch>
             <a:fillRect/>
           </a:stretch>
         </p:blipFill>
         <p:spPr>
           <a:xfrm>
-            <a:off x="6024918" y="2213055"/>
-            <a:ext cx="5712157" cy="4331045"/>
+            <a:off x="4965485" y="330200"/>
+            <a:ext cx="6985000" cy="6197600"/>
           </a:xfrm>
           <a:prstGeom prst="rect">
             <a:avLst/>
@@ -15871,7 +16734,7 @@
     </p:spTree>
     <p:extLst>
       <p:ext uri="{BB962C8B-B14F-4D97-AF65-F5344CB8AC3E}">
-        <p14:creationId xmlns:p14="http://schemas.microsoft.com/office/powerpoint/2010/main" val="2073029493"/>
+        <p14:creationId xmlns:p14="http://schemas.microsoft.com/office/powerpoint/2010/main" val="4032532645"/>
       </p:ext>
     </p:extLst>
   </p:cSld>
@@ -15915,14 +16778,14 @@
           <a:p>
             <a:r>
               <a:rPr lang="en-US" dirty="0"/>
-              <a:t>Dogs in Python </a:t>
-            </a:r>
-          </a:p>
-        </p:txBody>
-      </p:sp>
-      <p:sp>
-        <p:nvSpPr>
-          <p:cNvPr id="5" name="Content Placeholder 4"/>
+              <a:t>An Example Object: A Dog </a:t>
+            </a:r>
+          </a:p>
+        </p:txBody>
+      </p:sp>
+      <p:sp>
+        <p:nvSpPr>
+          <p:cNvPr id="3" name="Content Placeholder 2"/>
           <p:cNvSpPr>
             <a:spLocks noGrp="1"/>
           </p:cNvSpPr>
@@ -15932,74 +16795,175 @@
         </p:nvSpPr>
         <p:spPr>
           <a:xfrm>
-            <a:off x="680320" y="2336872"/>
-            <a:ext cx="5693183" cy="4063928"/>
+            <a:off x="680321" y="2336873"/>
+            <a:ext cx="5024443" cy="4063928"/>
           </a:xfrm>
         </p:spPr>
         <p:txBody>
           <a:bodyPr/>
           <a:lstStyle/>
           <a:p>
-            <a:pPr marL="0" indent="0">
-              <a:buNone/>
-            </a:pPr>
-            <a:r>
-              <a:rPr lang="en-US" dirty="0"/>
-              <a:t>How you create instances of the class (i.e. objects) is determined by the __</a:t>
-            </a:r>
-            <a:r>
-              <a:rPr lang="en-US" dirty="0" err="1"/>
-              <a:t>init</a:t>
-            </a:r>
-            <a:r>
-              <a:rPr lang="en-US" dirty="0"/>
-              <a:t>__ function. </a:t>
-            </a:r>
-          </a:p>
-          <a:p>
-            <a:pPr marL="0" indent="0">
-              <a:buNone/>
+            <a:pPr marL="0" marR="0" lvl="0" indent="0" defTabSz="914400" eaLnBrk="1" fontAlgn="auto" latinLnBrk="0" hangingPunct="1">
+              <a:lnSpc>
+                <a:spcPct val="100000"/>
+              </a:lnSpc>
+              <a:spcBef>
+                <a:spcPts val="0"/>
+              </a:spcBef>
+              <a:spcAft>
+                <a:spcPts val="0"/>
+              </a:spcAft>
+              <a:buClrTx/>
+              <a:buSzTx/>
+              <a:buFontTx/>
+              <a:buNone/>
+              <a:tabLst/>
+              <a:defRPr/>
+            </a:pPr>
+            <a:r>
+              <a:rPr lang="en-US" dirty="0"/>
+              <a:t>Attributes: color, breed, name, gender </a:t>
+            </a:r>
+          </a:p>
+          <a:p>
+            <a:pPr marL="0" marR="0" lvl="0" indent="0" defTabSz="914400" eaLnBrk="1" fontAlgn="auto" latinLnBrk="0" hangingPunct="1">
+              <a:lnSpc>
+                <a:spcPct val="100000"/>
+              </a:lnSpc>
+              <a:spcBef>
+                <a:spcPts val="0"/>
+              </a:spcBef>
+              <a:spcAft>
+                <a:spcPts val="0"/>
+              </a:spcAft>
+              <a:buClrTx/>
+              <a:buSzTx/>
+              <a:buFontTx/>
+              <a:buNone/>
+              <a:tabLst/>
+              <a:defRPr/>
             </a:pPr>
             <a:endParaRPr lang="en-US" dirty="0"/>
           </a:p>
           <a:p>
-            <a:pPr marL="0" indent="0">
-              <a:buNone/>
-            </a:pPr>
-            <a:r>
-              <a:rPr lang="en-US" dirty="0"/>
-              <a:t>The first argument to __</a:t>
-            </a:r>
-            <a:r>
-              <a:rPr lang="en-US" dirty="0" err="1"/>
-              <a:t>init</a:t>
-            </a:r>
-            <a:r>
-              <a:rPr lang="en-US" dirty="0"/>
-              <a:t>__ should always be </a:t>
-            </a:r>
-            <a:r>
-              <a:rPr lang="en-US" i="1" dirty="0"/>
-              <a:t>self </a:t>
-            </a:r>
-            <a:r>
-              <a:rPr lang="mr-IN" i="1" dirty="0"/>
-              <a:t>–</a:t>
-            </a:r>
-            <a:r>
-              <a:rPr lang="en-US" i="1" dirty="0"/>
-              <a:t> </a:t>
-            </a:r>
-            <a:r>
-              <a:rPr lang="en-US" dirty="0"/>
-              <a:t>this is true of most functions in a class, and refers to the object itself being passed </a:t>
-            </a:r>
+            <a:pPr marL="0" marR="0" lvl="0" indent="0" defTabSz="914400" eaLnBrk="1" fontAlgn="auto" latinLnBrk="0" hangingPunct="1">
+              <a:lnSpc>
+                <a:spcPct val="100000"/>
+              </a:lnSpc>
+              <a:spcBef>
+                <a:spcPts val="0"/>
+              </a:spcBef>
+              <a:spcAft>
+                <a:spcPts val="0"/>
+              </a:spcAft>
+              <a:buClrTx/>
+              <a:buSzTx/>
+              <a:buFontTx/>
+              <a:buNone/>
+              <a:tabLst/>
+              <a:defRPr/>
+            </a:pPr>
+            <a:r>
+              <a:rPr lang="en-US" dirty="0"/>
+              <a:t>Functions: bark, roll over, shake, eat, drink, chase tail </a:t>
+            </a:r>
+          </a:p>
+          <a:p>
+            <a:pPr marL="0" marR="0" lvl="0" indent="0" defTabSz="914400" eaLnBrk="1" fontAlgn="auto" latinLnBrk="0" hangingPunct="1">
+              <a:lnSpc>
+                <a:spcPct val="100000"/>
+              </a:lnSpc>
+              <a:spcBef>
+                <a:spcPts val="0"/>
+              </a:spcBef>
+              <a:spcAft>
+                <a:spcPts val="0"/>
+              </a:spcAft>
+              <a:buClrTx/>
+              <a:buSzTx/>
+              <a:buFontTx/>
+              <a:buNone/>
+              <a:tabLst/>
+              <a:defRPr/>
+            </a:pPr>
+            <a:endParaRPr lang="en-US" dirty="0"/>
+          </a:p>
+          <a:p>
+            <a:pPr marL="0" marR="0" lvl="0" indent="0" defTabSz="914400" eaLnBrk="1" fontAlgn="auto" latinLnBrk="0" hangingPunct="1">
+              <a:lnSpc>
+                <a:spcPct val="100000"/>
+              </a:lnSpc>
+              <a:spcBef>
+                <a:spcPts val="0"/>
+              </a:spcBef>
+              <a:spcAft>
+                <a:spcPts val="0"/>
+              </a:spcAft>
+              <a:buClrTx/>
+              <a:buSzTx/>
+              <a:buFontTx/>
+              <a:buNone/>
+              <a:tabLst/>
+              <a:defRPr/>
+            </a:pPr>
+            <a:r>
+              <a:rPr lang="en-US" dirty="0"/>
+              <a:t>Data: date of birth, veterinary records, previous owners </a:t>
+            </a:r>
+          </a:p>
+          <a:p>
+            <a:pPr marL="0" marR="0" lvl="0" indent="0" defTabSz="914400" eaLnBrk="1" fontAlgn="auto" latinLnBrk="0" hangingPunct="1">
+              <a:lnSpc>
+                <a:spcPct val="100000"/>
+              </a:lnSpc>
+              <a:spcBef>
+                <a:spcPts val="0"/>
+              </a:spcBef>
+              <a:spcAft>
+                <a:spcPts val="0"/>
+              </a:spcAft>
+              <a:buClrTx/>
+              <a:buSzTx/>
+              <a:buFontTx/>
+              <a:buNone/>
+              <a:tabLst/>
+              <a:defRPr/>
+            </a:pPr>
+            <a:endParaRPr lang="en-US" dirty="0"/>
+          </a:p>
+          <a:p>
+            <a:pPr marL="0" marR="0" lvl="0" indent="0" defTabSz="914400" eaLnBrk="1" fontAlgn="auto" latinLnBrk="0" hangingPunct="1">
+              <a:lnSpc>
+                <a:spcPct val="100000"/>
+              </a:lnSpc>
+              <a:spcBef>
+                <a:spcPts val="0"/>
+              </a:spcBef>
+              <a:spcAft>
+                <a:spcPts val="0"/>
+              </a:spcAft>
+              <a:buClrTx/>
+              <a:buSzTx/>
+              <a:buFontTx/>
+              <a:buNone/>
+              <a:tabLst/>
+              <a:defRPr/>
+            </a:pPr>
+            <a:r>
+              <a:rPr lang="en-US" dirty="0"/>
+              <a:t>Interactions with other objects: play with </a:t>
+            </a:r>
+            <a:r>
+              <a:rPr lang="en-US"/>
+              <a:t>other dogs/owner, chase cats </a:t>
+            </a:r>
+            <a:endParaRPr lang="en-US" dirty="0"/>
           </a:p>
         </p:txBody>
       </p:sp>
       <p:pic>
         <p:nvPicPr>
-          <p:cNvPr id="6" name="Picture 5"/>
+          <p:cNvPr id="4" name="Picture 3"/>
           <p:cNvPicPr>
             <a:picLocks noChangeAspect="1"/>
           </p:cNvPicPr>
@@ -16019,38 +16983,8 @@
         </p:blipFill>
         <p:spPr>
           <a:xfrm>
-            <a:off x="7075640" y="1082582"/>
-            <a:ext cx="3911600" cy="2005224"/>
-          </a:xfrm>
-          <a:prstGeom prst="rect">
-            <a:avLst/>
-          </a:prstGeom>
-        </p:spPr>
-      </p:pic>
-      <p:pic>
-        <p:nvPicPr>
-          <p:cNvPr id="7" name="Picture 6"/>
-          <p:cNvPicPr>
-            <a:picLocks noChangeAspect="1"/>
-          </p:cNvPicPr>
-          <p:nvPr/>
-        </p:nvPicPr>
-        <p:blipFill>
-          <a:blip r:embed="rId3">
-            <a:extLst>
-              <a:ext uri="{28A0092B-C50C-407E-A947-70E740481C1C}">
-                <a14:useLocalDpi xmlns:a14="http://schemas.microsoft.com/office/drawing/2010/main" val="0"/>
-              </a:ext>
-            </a:extLst>
-          </a:blip>
-          <a:stretch>
-            <a:fillRect/>
-          </a:stretch>
-        </p:blipFill>
-        <p:spPr>
-          <a:xfrm>
-            <a:off x="7075640" y="3087806"/>
-            <a:ext cx="3911600" cy="3429000"/>
+            <a:off x="6024918" y="2213055"/>
+            <a:ext cx="5712157" cy="4331045"/>
           </a:xfrm>
           <a:prstGeom prst="rect">
             <a:avLst/>
@@ -16060,7 +16994,7 @@
     </p:spTree>
     <p:extLst>
       <p:ext uri="{BB962C8B-B14F-4D97-AF65-F5344CB8AC3E}">
-        <p14:creationId xmlns:p14="http://schemas.microsoft.com/office/powerpoint/2010/main" val="908146313"/>
+        <p14:creationId xmlns:p14="http://schemas.microsoft.com/office/powerpoint/2010/main" val="2073029493"/>
       </p:ext>
     </p:extLst>
   </p:cSld>
@@ -16122,7 +17056,7 @@
         <p:spPr>
           <a:xfrm>
             <a:off x="680320" y="2336872"/>
-            <a:ext cx="5734127" cy="4063928"/>
+            <a:ext cx="5693183" cy="4063928"/>
           </a:xfrm>
         </p:spPr>
         <p:txBody>
@@ -16182,29 +17116,6 @@
             <a:r>
               <a:rPr lang="en-US" dirty="0"/>
               <a:t>this is true of most functions in a class, and refers to the object itself being passed </a:t>
-            </a:r>
-          </a:p>
-          <a:p>
-            <a:pPr marL="0" indent="0">
-              <a:buNone/>
-            </a:pPr>
-            <a:endParaRPr lang="en-US" dirty="0"/>
-          </a:p>
-          <a:p>
-            <a:pPr marL="0" indent="0">
-              <a:buNone/>
-            </a:pPr>
-            <a:r>
-              <a:rPr lang="en-US" dirty="0"/>
-              <a:t>This gets the job done, but</a:t>
-            </a:r>
-            <a:r>
-              <a:rPr lang="mr-IN" dirty="0"/>
-              <a:t>…</a:t>
-            </a:r>
-            <a:r>
-              <a:rPr lang="en-US" dirty="0"/>
-              <a:t> </a:t>
             </a:r>
           </a:p>
         </p:txBody>
@@ -16272,7 +17183,7 @@
     </p:spTree>
     <p:extLst>
       <p:ext uri="{BB962C8B-B14F-4D97-AF65-F5344CB8AC3E}">
-        <p14:creationId xmlns:p14="http://schemas.microsoft.com/office/powerpoint/2010/main" val="897467764"/>
+        <p14:creationId xmlns:p14="http://schemas.microsoft.com/office/powerpoint/2010/main" val="908146313"/>
       </p:ext>
     </p:extLst>
   </p:cSld>
@@ -16333,14 +17244,12 @@
         </p:nvSpPr>
         <p:spPr>
           <a:xfrm>
-            <a:off x="680321" y="2336872"/>
-            <a:ext cx="5679536" cy="4269680"/>
-          </a:xfrm>
-        </p:spPr>
-        <p:txBody>
-          <a:bodyPr>
-            <a:normAutofit/>
-          </a:bodyPr>
+            <a:off x="680320" y="2336872"/>
+            <a:ext cx="5734127" cy="4063928"/>
+          </a:xfrm>
+        </p:spPr>
+        <p:txBody>
+          <a:bodyPr/>
           <a:lstStyle/>
           <a:p>
             <a:pPr marL="0" indent="0">
@@ -16410,7 +17319,15 @@
             </a:pPr>
             <a:r>
               <a:rPr lang="en-US" dirty="0"/>
-              <a:t>This gets the job done, but it’s easily broken </a:t>
+              <a:t>This gets the job done, but</a:t>
+            </a:r>
+            <a:r>
+              <a:rPr lang="mr-IN" dirty="0"/>
+              <a:t>…</a:t>
+            </a:r>
+            <a:r>
+              <a:rPr lang="en-US" dirty="0"/>
+              <a:t> </a:t>
             </a:r>
           </a:p>
         </p:txBody>
@@ -16418,36 +17335,6 @@
       <p:pic>
         <p:nvPicPr>
           <p:cNvPr id="6" name="Picture 5"/>
-          <p:cNvPicPr>
-            <a:picLocks noChangeAspect="1"/>
-          </p:cNvPicPr>
-          <p:nvPr/>
-        </p:nvPicPr>
-        <p:blipFill>
-          <a:blip r:embed="rId2">
-            <a:extLst>
-              <a:ext uri="{28A0092B-C50C-407E-A947-70E740481C1C}">
-                <a14:useLocalDpi xmlns:a14="http://schemas.microsoft.com/office/drawing/2010/main" val="0"/>
-              </a:ext>
-            </a:extLst>
-          </a:blip>
-          <a:stretch>
-            <a:fillRect/>
-          </a:stretch>
-        </p:blipFill>
-        <p:spPr>
-          <a:xfrm>
-            <a:off x="7061992" y="753228"/>
-            <a:ext cx="3911600" cy="2005224"/>
-          </a:xfrm>
-          <a:prstGeom prst="rect">
-            <a:avLst/>
-          </a:prstGeom>
-        </p:spPr>
-      </p:pic>
-      <p:pic>
-        <p:nvPicPr>
-          <p:cNvPr id="3" name="Picture 2"/>
           <p:cNvPicPr>
             <a:picLocks noChangeAspect="1"/>
           </p:cNvPicPr>
@@ -16467,8 +17354,38 @@
         </p:blipFill>
         <p:spPr>
           <a:xfrm>
-            <a:off x="7093742" y="2758452"/>
-            <a:ext cx="3848100" cy="3848100"/>
+            <a:off x="7075640" y="1082582"/>
+            <a:ext cx="3911600" cy="2005224"/>
+          </a:xfrm>
+          <a:prstGeom prst="rect">
+            <a:avLst/>
+          </a:prstGeom>
+        </p:spPr>
+      </p:pic>
+      <p:pic>
+        <p:nvPicPr>
+          <p:cNvPr id="7" name="Picture 6"/>
+          <p:cNvPicPr>
+            <a:picLocks noChangeAspect="1"/>
+          </p:cNvPicPr>
+          <p:nvPr/>
+        </p:nvPicPr>
+        <p:blipFill>
+          <a:blip r:embed="rId4">
+            <a:extLst>
+              <a:ext uri="{28A0092B-C50C-407E-A947-70E740481C1C}">
+                <a14:useLocalDpi xmlns:a14="http://schemas.microsoft.com/office/drawing/2010/main" val="0"/>
+              </a:ext>
+            </a:extLst>
+          </a:blip>
+          <a:stretch>
+            <a:fillRect/>
+          </a:stretch>
+        </p:blipFill>
+        <p:spPr>
+          <a:xfrm>
+            <a:off x="7075640" y="3087806"/>
+            <a:ext cx="3911600" cy="3429000"/>
           </a:xfrm>
           <a:prstGeom prst="rect">
             <a:avLst/>
@@ -16478,7 +17395,7 @@
     </p:spTree>
     <p:extLst>
       <p:ext uri="{BB962C8B-B14F-4D97-AF65-F5344CB8AC3E}">
-        <p14:creationId xmlns:p14="http://schemas.microsoft.com/office/powerpoint/2010/main" val="1998286766"/>
+        <p14:creationId xmlns:p14="http://schemas.microsoft.com/office/powerpoint/2010/main" val="897467764"/>
       </p:ext>
     </p:extLst>
   </p:cSld>
@@ -16540,7 +17457,7 @@
         <p:spPr>
           <a:xfrm>
             <a:off x="680321" y="2336872"/>
-            <a:ext cx="5079034" cy="4269680"/>
+            <a:ext cx="5679536" cy="4269680"/>
           </a:xfrm>
         </p:spPr>
         <p:txBody>
@@ -16554,23 +17471,54 @@
             </a:pPr>
             <a:r>
               <a:rPr lang="en-US" dirty="0"/>
-              <a:t>Error-handling of attributes requires </a:t>
+              <a:t>How you create instances of the class (i.e. objects) is determined by the __</a:t>
+            </a:r>
+            <a:r>
+              <a:rPr lang="en-US" dirty="0" err="1"/>
+              <a:t>init</a:t>
+            </a:r>
+            <a:r>
+              <a:rPr lang="en-US" dirty="0"/>
+              <a:t>__ function. </a:t>
+            </a:r>
+          </a:p>
+          <a:p>
+            <a:pPr marL="0" indent="0">
+              <a:buNone/>
+            </a:pPr>
+            <a:endParaRPr lang="en-US" dirty="0"/>
+          </a:p>
+          <a:p>
+            <a:pPr marL="0" indent="0">
+              <a:buNone/>
+            </a:pPr>
+            <a:r>
+              <a:rPr lang="en-US" dirty="0"/>
+              <a:t>The first argument to __</a:t>
+            </a:r>
+            <a:r>
+              <a:rPr lang="en-US" dirty="0" err="1"/>
+              <a:t>init</a:t>
+            </a:r>
+            <a:r>
+              <a:rPr lang="en-US" dirty="0"/>
+              <a:t>__ should always be </a:t>
             </a:r>
             <a:r>
               <a:rPr lang="en-US" i="1" dirty="0"/>
-              <a:t>property</a:t>
-            </a:r>
-            <a:r>
-              <a:rPr lang="en-US" dirty="0"/>
-              <a:t> and </a:t>
+              <a:t>self </a:t>
+            </a:r>
+            <a:r>
+              <a:rPr lang="mr-IN" i="1" dirty="0"/>
+              <a:t>–</a:t>
             </a:r>
             <a:r>
               <a:rPr lang="en-US" i="1" dirty="0"/>
-              <a:t>setter</a:t>
-            </a:r>
-            <a:r>
-              <a:rPr lang="en-US" dirty="0"/>
-              <a:t> functions </a:t>
+              <a:t> </a:t>
+            </a:r>
+            <a:r>
+              <a:rPr lang="en-US" dirty="0"/>
+              <a:t>this is true of most functions in a class, and refers to the object itself being passed </a:t>
             </a:r>
           </a:p>
           <a:p>
@@ -16584,74 +17532,45 @@
               <a:buNone/>
             </a:pPr>
             <a:r>
-              <a:rPr lang="en-US" i="1" dirty="0" err="1"/>
-              <a:t>self._property</a:t>
-            </a:r>
-            <a:r>
-              <a:rPr lang="en-US" dirty="0"/>
-              <a:t> is a conventional way of storing </a:t>
-            </a:r>
-            <a:r>
-              <a:rPr lang="en-US" i="1" dirty="0" err="1"/>
-              <a:t>self.property</a:t>
-            </a:r>
-            <a:r>
-              <a:rPr lang="en-US" dirty="0"/>
-              <a:t> under the hood, protected by error-handling </a:t>
-            </a:r>
-          </a:p>
-          <a:p>
-            <a:pPr marL="0" indent="0">
-              <a:buNone/>
-            </a:pPr>
-            <a:endParaRPr lang="en-US" i="1" dirty="0"/>
-          </a:p>
-          <a:p>
-            <a:pPr marL="0" indent="0">
-              <a:buNone/>
-            </a:pPr>
-            <a:r>
-              <a:rPr lang="en-US" dirty="0"/>
-              <a:t>This throws a </a:t>
-            </a:r>
-            <a:r>
-              <a:rPr lang="en-US" i="1" dirty="0" err="1"/>
-              <a:t>TypeError</a:t>
-            </a:r>
-            <a:r>
-              <a:rPr lang="en-US" dirty="0"/>
-              <a:t> whenever the user tries to set </a:t>
-            </a:r>
-            <a:r>
-              <a:rPr lang="en-US" i="1" dirty="0"/>
-              <a:t>name</a:t>
-            </a:r>
-            <a:r>
-              <a:rPr lang="en-US" dirty="0"/>
-              <a:t> or </a:t>
-            </a:r>
-            <a:r>
-              <a:rPr lang="en-US" i="1" dirty="0"/>
-              <a:t>breed</a:t>
-            </a:r>
-            <a:r>
-              <a:rPr lang="en-US" dirty="0"/>
-              <a:t> to something other than a </a:t>
-            </a:r>
-            <a:r>
-              <a:rPr lang="en-US" i="1" dirty="0" err="1"/>
-              <a:t>str</a:t>
-            </a:r>
-            <a:r>
-              <a:rPr lang="en-US" dirty="0"/>
-              <a:t> </a:t>
+              <a:rPr lang="en-US" dirty="0"/>
+              <a:t>This gets the job done, but it’s easily broken </a:t>
             </a:r>
           </a:p>
         </p:txBody>
       </p:sp>
       <p:pic>
         <p:nvPicPr>
-          <p:cNvPr id="4" name="Picture 3"/>
+          <p:cNvPr id="6" name="Picture 5"/>
+          <p:cNvPicPr>
+            <a:picLocks noChangeAspect="1"/>
+          </p:cNvPicPr>
+          <p:nvPr/>
+        </p:nvPicPr>
+        <p:blipFill>
+          <a:blip r:embed="rId2">
+            <a:extLst>
+              <a:ext uri="{28A0092B-C50C-407E-A947-70E740481C1C}">
+                <a14:useLocalDpi xmlns:a14="http://schemas.microsoft.com/office/drawing/2010/main" val="0"/>
+              </a:ext>
+            </a:extLst>
+          </a:blip>
+          <a:stretch>
+            <a:fillRect/>
+          </a:stretch>
+        </p:blipFill>
+        <p:spPr>
+          <a:xfrm>
+            <a:off x="7061992" y="753228"/>
+            <a:ext cx="3911600" cy="2005224"/>
+          </a:xfrm>
+          <a:prstGeom prst="rect">
+            <a:avLst/>
+          </a:prstGeom>
+        </p:spPr>
+      </p:pic>
+      <p:pic>
+        <p:nvPicPr>
+          <p:cNvPr id="3" name="Picture 2"/>
           <p:cNvPicPr>
             <a:picLocks noChangeAspect="1"/>
           </p:cNvPicPr>
@@ -16671,8 +17590,8 @@
         </p:blipFill>
         <p:spPr>
           <a:xfrm>
-            <a:off x="5899037" y="0"/>
-            <a:ext cx="6292963" cy="6858000"/>
+            <a:off x="7093742" y="2758452"/>
+            <a:ext cx="3848100" cy="3848100"/>
           </a:xfrm>
           <a:prstGeom prst="rect">
             <a:avLst/>
@@ -16682,7 +17601,7 @@
     </p:spTree>
     <p:extLst>
       <p:ext uri="{BB962C8B-B14F-4D97-AF65-F5344CB8AC3E}">
-        <p14:creationId xmlns:p14="http://schemas.microsoft.com/office/powerpoint/2010/main" val="1680839577"/>
+        <p14:creationId xmlns:p14="http://schemas.microsoft.com/office/powerpoint/2010/main" val="1998286766"/>
       </p:ext>
     </p:extLst>
   </p:cSld>
@@ -16847,23 +17766,22 @@
               <a:t>str</a:t>
             </a:r>
             <a:r>
-              <a:rPr lang="en-US"/>
+              <a:rPr lang="en-US" dirty="0"/>
               <a:t> </a:t>
             </a:r>
-            <a:endParaRPr lang="en-US" dirty="0"/>
           </a:p>
         </p:txBody>
       </p:sp>
       <p:pic>
         <p:nvPicPr>
-          <p:cNvPr id="3" name="Picture 2"/>
+          <p:cNvPr id="4" name="Picture 3"/>
           <p:cNvPicPr>
             <a:picLocks noChangeAspect="1"/>
           </p:cNvPicPr>
           <p:nvPr/>
         </p:nvPicPr>
         <p:blipFill>
-          <a:blip r:embed="rId2">
+          <a:blip r:embed="rId3">
             <a:extLst>
               <a:ext uri="{28A0092B-C50C-407E-A947-70E740481C1C}">
                 <a14:useLocalDpi xmlns:a14="http://schemas.microsoft.com/office/drawing/2010/main" val="0"/>
@@ -16876,8 +17794,8 @@
         </p:blipFill>
         <p:spPr>
           <a:xfrm>
-            <a:off x="5759355" y="717543"/>
-            <a:ext cx="6375173" cy="5889009"/>
+            <a:off x="5899037" y="0"/>
+            <a:ext cx="6292963" cy="6858000"/>
           </a:xfrm>
           <a:prstGeom prst="rect">
             <a:avLst/>
@@ -16887,7 +17805,7 @@
     </p:spTree>
     <p:extLst>
       <p:ext uri="{BB962C8B-B14F-4D97-AF65-F5344CB8AC3E}">
-        <p14:creationId xmlns:p14="http://schemas.microsoft.com/office/powerpoint/2010/main" val="569915285"/>
+        <p14:creationId xmlns:p14="http://schemas.microsoft.com/office/powerpoint/2010/main" val="1680839577"/>
       </p:ext>
     </p:extLst>
   </p:cSld>

--- a/slides/classes.pptx
+++ b/slides/classes.pptx
@@ -228,7 +228,7 @@
           <a:p>
             <a:fld id="{B7A48688-84F4-1E49-8ACA-B3D0469C8F43}" type="datetimeFigureOut">
               <a:rPr lang="en-US" smtClean="0"/>
-              <a:t>5/15/22</a:t>
+              <a:t>5/16/22</a:t>
             </a:fld>
             <a:endParaRPr lang="en-US"/>
           </a:p>
@@ -628,11 +628,19 @@
           <a:p>
             <a:r>
               <a:rPr lang="en-US" dirty="0"/>
-              <a:t>Note verbally here that when developers speak</a:t>
+              <a:t>Note</a:t>
             </a:r>
             <a:r>
               <a:rPr lang="en-US" baseline="0" dirty="0"/>
-              <a:t> of ”callable objects” they’re not just referring to functions. This also includes classes with a __call__ function. </a:t>
+              <a:t> verbally that the </a:t>
+            </a:r>
+            <a:r>
+              <a:rPr lang="en-US" baseline="0" dirty="0" err="1"/>
+              <a:t>coeffs.setter</a:t>
+            </a:r>
+            <a:r>
+              <a:rPr lang="en-US" baseline="0" dirty="0"/>
+              <a:t> function is a good example of production-level code </a:t>
             </a:r>
             <a:endParaRPr lang="en-US" dirty="0"/>
           </a:p>
@@ -655,7 +663,7 @@
           <a:p>
             <a:fld id="{FB38BE01-6562-DE45-9404-D6DD8A86E18A}" type="slidenum">
               <a:rPr lang="en-US" smtClean="0"/>
-              <a:t>21</a:t>
+              <a:t>20</a:t>
             </a:fld>
             <a:endParaRPr lang="en-US"/>
           </a:p>
@@ -664,7 +672,7 @@
     </p:spTree>
     <p:extLst>
       <p:ext uri="{BB962C8B-B14F-4D97-AF65-F5344CB8AC3E}">
-        <p14:creationId xmlns:p14="http://schemas.microsoft.com/office/powerpoint/2010/main" val="810331557"/>
+        <p14:creationId xmlns:p14="http://schemas.microsoft.com/office/powerpoint/2010/main" val="505673754"/>
       </p:ext>
     </p:extLst>
   </p:cSld>
@@ -720,15 +728,99 @@
           <a:p>
             <a:r>
               <a:rPr lang="en-US" dirty="0"/>
-              <a:t>Note verbally that this definition of __</a:t>
-            </a:r>
-            <a:r>
-              <a:rPr lang="en-US" dirty="0" err="1"/>
-              <a:t>str</a:t>
-            </a:r>
-            <a:r>
-              <a:rPr lang="en-US" dirty="0"/>
-              <a:t>__ is</a:t>
+              <a:t>Note verbally here that when developers speak</a:t>
+            </a:r>
+            <a:r>
+              <a:rPr lang="en-US" baseline="0" dirty="0"/>
+              <a:t> of ”callable objects” they’re not just referring to functions. This also includes classes with a __call__ function. </a:t>
+            </a:r>
+            <a:endParaRPr lang="en-US" dirty="0"/>
+          </a:p>
+        </p:txBody>
+      </p:sp>
+      <p:sp>
+        <p:nvSpPr>
+          <p:cNvPr id="4" name="Slide Number Placeholder 3"/>
+          <p:cNvSpPr>
+            <a:spLocks noGrp="1"/>
+          </p:cNvSpPr>
+          <p:nvPr>
+            <p:ph type="sldNum" sz="quarter" idx="10"/>
+          </p:nvPr>
+        </p:nvSpPr>
+        <p:spPr/>
+        <p:txBody>
+          <a:bodyPr/>
+          <a:lstStyle/>
+          <a:p>
+            <a:fld id="{FB38BE01-6562-DE45-9404-D6DD8A86E18A}" type="slidenum">
+              <a:rPr lang="en-US" smtClean="0"/>
+              <a:t>21</a:t>
+            </a:fld>
+            <a:endParaRPr lang="en-US"/>
+          </a:p>
+        </p:txBody>
+      </p:sp>
+    </p:spTree>
+    <p:extLst>
+      <p:ext uri="{BB962C8B-B14F-4D97-AF65-F5344CB8AC3E}">
+        <p14:creationId xmlns:p14="http://schemas.microsoft.com/office/powerpoint/2010/main" val="810331557"/>
+      </p:ext>
+    </p:extLst>
+  </p:cSld>
+  <p:clrMapOvr>
+    <a:masterClrMapping/>
+  </p:clrMapOvr>
+</p:notes>
+</file>
+
+<file path=ppt/notesSlides/notesSlide12.xml><?xml version="1.0" encoding="utf-8"?>
+<p:notes xmlns:a="http://schemas.openxmlformats.org/drawingml/2006/main" xmlns:r="http://schemas.openxmlformats.org/officeDocument/2006/relationships" xmlns:p="http://schemas.openxmlformats.org/presentationml/2006/main">
+  <p:cSld>
+    <p:spTree>
+      <p:nvGrpSpPr>
+        <p:cNvPr id="1" name=""/>
+        <p:cNvGrpSpPr/>
+        <p:nvPr/>
+      </p:nvGrpSpPr>
+      <p:grpSpPr>
+        <a:xfrm>
+          <a:off x="0" y="0"/>
+          <a:ext cx="0" cy="0"/>
+          <a:chOff x="0" y="0"/>
+          <a:chExt cx="0" cy="0"/>
+        </a:xfrm>
+      </p:grpSpPr>
+      <p:sp>
+        <p:nvSpPr>
+          <p:cNvPr id="2" name="Slide Image Placeholder 1"/>
+          <p:cNvSpPr>
+            <a:spLocks noGrp="1" noRot="1" noChangeAspect="1"/>
+          </p:cNvSpPr>
+          <p:nvPr>
+            <p:ph type="sldImg"/>
+          </p:nvPr>
+        </p:nvSpPr>
+        <p:spPr/>
+      </p:sp>
+      <p:sp>
+        <p:nvSpPr>
+          <p:cNvPr id="3" name="Notes Placeholder 2"/>
+          <p:cNvSpPr>
+            <a:spLocks noGrp="1"/>
+          </p:cNvSpPr>
+          <p:nvPr>
+            <p:ph type="body" idx="1"/>
+          </p:nvPr>
+        </p:nvSpPr>
+        <p:spPr/>
+        <p:txBody>
+          <a:bodyPr/>
+          <a:lstStyle/>
+          <a:p>
+            <a:r>
+              <a:rPr lang="en-US" dirty="0"/>
+              <a:t>Note verbally that this definition of __str__ is</a:t>
             </a:r>
             <a:r>
               <a:rPr lang="en-US" baseline="0" dirty="0"/>
@@ -782,7 +874,7 @@
 </p:notes>
 </file>
 
-<file path=ppt/notesSlides/notesSlide12.xml><?xml version="1.0" encoding="utf-8"?>
+<file path=ppt/notesSlides/notesSlide13.xml><?xml version="1.0" encoding="utf-8"?>
 <p:notes xmlns:a="http://schemas.openxmlformats.org/drawingml/2006/main" xmlns:r="http://schemas.openxmlformats.org/officeDocument/2006/relationships" xmlns:p="http://schemas.openxmlformats.org/presentationml/2006/main">
   <p:cSld>
     <p:spTree>
@@ -910,6 +1002,23 @@
           <a:bodyPr/>
           <a:lstStyle/>
           <a:p>
+            <a:pPr marL="0" marR="0" lvl="0" indent="0" algn="l" defTabSz="914400" rtl="0" eaLnBrk="1" fontAlgn="auto" latinLnBrk="0" hangingPunct="1">
+              <a:lnSpc>
+                <a:spcPct val="100000"/>
+              </a:lnSpc>
+              <a:spcBef>
+                <a:spcPts val="0"/>
+              </a:spcBef>
+              <a:spcAft>
+                <a:spcPts val="0"/>
+              </a:spcAft>
+              <a:buClrTx/>
+              <a:buSzTx/>
+              <a:buFontTx/>
+              <a:buNone/>
+              <a:tabLst/>
+              <a:defRPr/>
+            </a:pPr>
             <a:r>
               <a:rPr lang="en-US" dirty="0"/>
               <a:t>We’ll see another example focusing on the meaning of </a:t>
@@ -943,7 +1052,7 @@
           <a:p>
             <a:fld id="{FB38BE01-6562-DE45-9404-D6DD8A86E18A}" type="slidenum">
               <a:rPr lang="en-US" smtClean="0"/>
-              <a:t>7</a:t>
+              <a:t>6</a:t>
             </a:fld>
             <a:endParaRPr lang="en-US"/>
           </a:p>
@@ -952,7 +1061,7 @@
     </p:spTree>
     <p:extLst>
       <p:ext uri="{BB962C8B-B14F-4D97-AF65-F5344CB8AC3E}">
-        <p14:creationId xmlns:p14="http://schemas.microsoft.com/office/powerpoint/2010/main" val="2669075619"/>
+        <p14:creationId xmlns:p14="http://schemas.microsoft.com/office/powerpoint/2010/main" val="2404131526"/>
       </p:ext>
     </p:extLst>
   </p:cSld>
@@ -1008,35 +1117,15 @@
           <a:p>
             <a:r>
               <a:rPr lang="en-US" dirty="0"/>
-              <a:t>Note verbally</a:t>
-            </a:r>
-            <a:r>
-              <a:rPr lang="en-US" baseline="0" dirty="0"/>
-              <a:t> here that @property, @</a:t>
-            </a:r>
-            <a:r>
-              <a:rPr lang="en-US" baseline="0" dirty="0" err="1"/>
-              <a:t>name.setter</a:t>
-            </a:r>
-            <a:r>
-              <a:rPr lang="en-US" baseline="0" dirty="0"/>
-              <a:t>, and @</a:t>
-            </a:r>
-            <a:r>
-              <a:rPr lang="en-US" baseline="0" dirty="0" err="1"/>
-              <a:t>breed.setter</a:t>
-            </a:r>
-            <a:r>
-              <a:rPr lang="en-US" baseline="0" dirty="0"/>
-              <a:t> are called decorators, and that we’ll see some more of them in a second. You can make your own decorators but that’s a bit outside the scope of the </a:t>
-            </a:r>
-            <a:r>
-              <a:rPr lang="en-US" baseline="0" dirty="0" err="1"/>
-              <a:t>bootcamp</a:t>
-            </a:r>
-            <a:r>
-              <a:rPr lang="en-US" baseline="0" dirty="0"/>
-              <a:t>. </a:t>
+              <a:t>We’ll see another example focusing on the meaning of </a:t>
+            </a:r>
+            <a:r>
+              <a:rPr lang="en-US" i="1" dirty="0"/>
+              <a:t>self</a:t>
+            </a:r>
+            <a:r>
+              <a:rPr lang="en-US" i="0" dirty="0"/>
+              <a:t> in a few slides.</a:t>
             </a:r>
             <a:endParaRPr lang="en-US" dirty="0"/>
           </a:p>
@@ -1049,7 +1138,7 @@
             <a:spLocks noGrp="1"/>
           </p:cNvSpPr>
           <p:nvPr>
-            <p:ph type="sldNum" sz="quarter" idx="10"/>
+            <p:ph type="sldNum" sz="quarter" idx="5"/>
           </p:nvPr>
         </p:nvSpPr>
         <p:spPr/>
@@ -1059,7 +1148,7 @@
           <a:p>
             <a:fld id="{FB38BE01-6562-DE45-9404-D6DD8A86E18A}" type="slidenum">
               <a:rPr lang="en-US" smtClean="0"/>
-              <a:t>9</a:t>
+              <a:t>7</a:t>
             </a:fld>
             <a:endParaRPr lang="en-US"/>
           </a:p>
@@ -1068,7 +1157,7 @@
     </p:spTree>
     <p:extLst>
       <p:ext uri="{BB962C8B-B14F-4D97-AF65-F5344CB8AC3E}">
-        <p14:creationId xmlns:p14="http://schemas.microsoft.com/office/powerpoint/2010/main" val="192457221"/>
+        <p14:creationId xmlns:p14="http://schemas.microsoft.com/office/powerpoint/2010/main" val="2669075619"/>
       </p:ext>
     </p:extLst>
   </p:cSld>
@@ -1124,16 +1213,37 @@
           <a:p>
             <a:r>
               <a:rPr lang="en-US" dirty="0"/>
-              <a:t>We’ll get back to </a:t>
-            </a:r>
-            <a:r>
-              <a:rPr lang="en-US" dirty="0" err="1"/>
-              <a:t>doggos</a:t>
-            </a:r>
-            <a:r>
-              <a:rPr lang="en-US" dirty="0"/>
-              <a:t> in just a second.</a:t>
-            </a:r>
+              <a:t>Note verbally</a:t>
+            </a:r>
+            <a:r>
+              <a:rPr lang="en-US" baseline="0" dirty="0"/>
+              <a:t> here that @property, @</a:t>
+            </a:r>
+            <a:r>
+              <a:rPr lang="en-US" baseline="0" dirty="0" err="1"/>
+              <a:t>name.setter</a:t>
+            </a:r>
+            <a:r>
+              <a:rPr lang="en-US" baseline="0" dirty="0"/>
+              <a:t>, and @</a:t>
+            </a:r>
+            <a:r>
+              <a:rPr lang="en-US" baseline="0" dirty="0" err="1"/>
+              <a:t>breed.setter</a:t>
+            </a:r>
+            <a:r>
+              <a:rPr lang="en-US" baseline="0" dirty="0"/>
+              <a:t> are called decorators, and that we’ll see some more of them in a second. You can make your own decorators but that’s a bit outside the scope of the </a:t>
+            </a:r>
+            <a:r>
+              <a:rPr lang="en-US" baseline="0" dirty="0" err="1"/>
+              <a:t>bootcamp</a:t>
+            </a:r>
+            <a:r>
+              <a:rPr lang="en-US" baseline="0" dirty="0"/>
+              <a:t>. </a:t>
+            </a:r>
+            <a:endParaRPr lang="en-US" dirty="0"/>
           </a:p>
         </p:txBody>
       </p:sp>
@@ -1144,7 +1254,7 @@
             <a:spLocks noGrp="1"/>
           </p:cNvSpPr>
           <p:nvPr>
-            <p:ph type="sldNum" sz="quarter" idx="5"/>
+            <p:ph type="sldNum" sz="quarter" idx="10"/>
           </p:nvPr>
         </p:nvSpPr>
         <p:spPr/>
@@ -1154,7 +1264,7 @@
           <a:p>
             <a:fld id="{FB38BE01-6562-DE45-9404-D6DD8A86E18A}" type="slidenum">
               <a:rPr lang="en-US" smtClean="0"/>
-              <a:t>11</a:t>
+              <a:t>9</a:t>
             </a:fld>
             <a:endParaRPr lang="en-US"/>
           </a:p>
@@ -1163,7 +1273,7 @@
     </p:spTree>
     <p:extLst>
       <p:ext uri="{BB962C8B-B14F-4D97-AF65-F5344CB8AC3E}">
-        <p14:creationId xmlns:p14="http://schemas.microsoft.com/office/powerpoint/2010/main" val="1538892501"/>
+        <p14:creationId xmlns:p14="http://schemas.microsoft.com/office/powerpoint/2010/main" val="192457221"/>
       </p:ext>
     </p:extLst>
   </p:cSld>
@@ -1219,74 +1329,16 @@
           <a:p>
             <a:r>
               <a:rPr lang="en-US" dirty="0"/>
-              <a:t>Note: </a:t>
-            </a:r>
-            <a:r>
-              <a:rPr lang="en-US" i="1" dirty="0"/>
-              <a:t>self </a:t>
-            </a:r>
-            <a:r>
-              <a:rPr lang="en-US" dirty="0"/>
-              <a:t>is not a python keyword. It is standard convention to use </a:t>
-            </a:r>
-            <a:r>
-              <a:rPr lang="en-US" i="1" dirty="0"/>
-              <a:t>self </a:t>
-            </a:r>
-            <a:r>
-              <a:rPr lang="en-US" i="0" dirty="0"/>
-              <a:t>to refer to the instance of the class (i.e. the object), but it </a:t>
-            </a:r>
-            <a:r>
-              <a:rPr lang="en-US" i="1" dirty="0"/>
-              <a:t>must</a:t>
-            </a:r>
-            <a:r>
-              <a:rPr lang="en-US" i="0" dirty="0"/>
-              <a:t> be the first argument.</a:t>
-            </a:r>
-          </a:p>
-          <a:p>
-            <a:endParaRPr lang="en-US" i="0" dirty="0"/>
-          </a:p>
-          <a:p>
-            <a:r>
-              <a:rPr lang="en-US" i="0" dirty="0"/>
-              <a:t>The nomenclature here is enlightening – the keyword </a:t>
-            </a:r>
-            <a:r>
-              <a:rPr lang="en-US" i="1" dirty="0"/>
-              <a:t>class</a:t>
-            </a:r>
-            <a:r>
-              <a:rPr lang="en-US" i="0" dirty="0"/>
-              <a:t> is used because a class implements a “class of objects.” </a:t>
-            </a:r>
-            <a:r>
-              <a:rPr lang="en-US" i="1" dirty="0"/>
-              <a:t>class dog</a:t>
-            </a:r>
-            <a:r>
-              <a:rPr lang="en-US" i="0" dirty="0"/>
-              <a:t> doesn’t represent a single dog, but dogs in the abstract sense, and </a:t>
-            </a:r>
-            <a:r>
-              <a:rPr lang="en-US" i="1" dirty="0"/>
-              <a:t>snoopy</a:t>
-            </a:r>
-            <a:r>
-              <a:rPr lang="en-US" i="0" dirty="0"/>
-              <a:t> is an instance of </a:t>
-            </a:r>
-            <a:r>
-              <a:rPr lang="en-US" i="1" dirty="0"/>
-              <a:t>dog</a:t>
-            </a:r>
-            <a:r>
-              <a:rPr lang="en-US" i="0" dirty="0"/>
-              <a:t> because he is only one dog.</a:t>
-            </a:r>
-            <a:endParaRPr lang="en-US" dirty="0"/>
+              <a:t>We’ll get back to </a:t>
+            </a:r>
+            <a:r>
+              <a:rPr lang="en-US" dirty="0" err="1"/>
+              <a:t>doggos</a:t>
+            </a:r>
+            <a:r>
+              <a:rPr lang="en-US" dirty="0"/>
+              <a:t> in just a second.</a:t>
+            </a:r>
           </a:p>
         </p:txBody>
       </p:sp>
@@ -1307,7 +1359,7 @@
           <a:p>
             <a:fld id="{FB38BE01-6562-DE45-9404-D6DD8A86E18A}" type="slidenum">
               <a:rPr lang="en-US" smtClean="0"/>
-              <a:t>12</a:t>
+              <a:t>11</a:t>
             </a:fld>
             <a:endParaRPr lang="en-US"/>
           </a:p>
@@ -1316,7 +1368,7 @@
     </p:spTree>
     <p:extLst>
       <p:ext uri="{BB962C8B-B14F-4D97-AF65-F5344CB8AC3E}">
-        <p14:creationId xmlns:p14="http://schemas.microsoft.com/office/powerpoint/2010/main" val="1642333116"/>
+        <p14:creationId xmlns:p14="http://schemas.microsoft.com/office/powerpoint/2010/main" val="1538892501"/>
       </p:ext>
     </p:extLst>
   </p:cSld>
@@ -1372,19 +1424,72 @@
           <a:p>
             <a:r>
               <a:rPr lang="en-US" dirty="0"/>
-              <a:t>The key difference between</a:t>
-            </a:r>
-            <a:r>
-              <a:rPr lang="en-US" baseline="0" dirty="0"/>
-              <a:t> static methods and class methods is that static methods don’t interact with a single instance (i.e. they don’t take </a:t>
-            </a:r>
-            <a:r>
-              <a:rPr lang="en-US" i="1" baseline="0" dirty="0"/>
-              <a:t>self</a:t>
-            </a:r>
-            <a:r>
-              <a:rPr lang="en-US" i="0" baseline="0" dirty="0"/>
-              <a:t> as an argument).</a:t>
+              <a:t>Note: </a:t>
+            </a:r>
+            <a:r>
+              <a:rPr lang="en-US" i="1" dirty="0"/>
+              <a:t>self </a:t>
+            </a:r>
+            <a:r>
+              <a:rPr lang="en-US" dirty="0"/>
+              <a:t>is not a python keyword. It is standard convention to use </a:t>
+            </a:r>
+            <a:r>
+              <a:rPr lang="en-US" i="1" dirty="0"/>
+              <a:t>self </a:t>
+            </a:r>
+            <a:r>
+              <a:rPr lang="en-US" i="0" dirty="0"/>
+              <a:t>to refer to the instance of the class (i.e. the object), but it </a:t>
+            </a:r>
+            <a:r>
+              <a:rPr lang="en-US" i="1" dirty="0"/>
+              <a:t>must</a:t>
+            </a:r>
+            <a:r>
+              <a:rPr lang="en-US" i="0" dirty="0"/>
+              <a:t> be the first argument.</a:t>
+            </a:r>
+          </a:p>
+          <a:p>
+            <a:endParaRPr lang="en-US" i="0" dirty="0"/>
+          </a:p>
+          <a:p>
+            <a:r>
+              <a:rPr lang="en-US" i="0" dirty="0"/>
+              <a:t>The nomenclature here is enlightening – the keyword </a:t>
+            </a:r>
+            <a:r>
+              <a:rPr lang="en-US" i="1" dirty="0"/>
+              <a:t>class</a:t>
+            </a:r>
+            <a:r>
+              <a:rPr lang="en-US" i="0" dirty="0"/>
+              <a:t> is used because a class implements a “class of objects.” </a:t>
+            </a:r>
+            <a:r>
+              <a:rPr lang="en-US" i="1" dirty="0"/>
+              <a:t>class dog</a:t>
+            </a:r>
+            <a:r>
+              <a:rPr lang="en-US" i="0" dirty="0"/>
+              <a:t> doesn’t represent a single dog, but dogs in the abstract sense, and </a:t>
+            </a:r>
+            <a:r>
+              <a:rPr lang="en-US" i="1" dirty="0"/>
+              <a:t>snoopy</a:t>
+            </a:r>
+            <a:r>
+              <a:rPr lang="en-US" i="0" dirty="0"/>
+              <a:t> is an instance of </a:t>
+            </a:r>
+            <a:r>
+              <a:rPr lang="en-US" i="1" dirty="0"/>
+              <a:t>dog</a:t>
+            </a:r>
+            <a:r>
+              <a:rPr lang="en-US" i="0" dirty="0"/>
+              <a:t> because he is only one dog.</a:t>
             </a:r>
             <a:endParaRPr lang="en-US" dirty="0"/>
           </a:p>
@@ -1397,7 +1502,7 @@
             <a:spLocks noGrp="1"/>
           </p:cNvSpPr>
           <p:nvPr>
-            <p:ph type="sldNum" sz="quarter" idx="10"/>
+            <p:ph type="sldNum" sz="quarter" idx="5"/>
           </p:nvPr>
         </p:nvSpPr>
         <p:spPr/>
@@ -1407,7 +1512,7 @@
           <a:p>
             <a:fld id="{FB38BE01-6562-DE45-9404-D6DD8A86E18A}" type="slidenum">
               <a:rPr lang="en-US" smtClean="0"/>
-              <a:t>14</a:t>
+              <a:t>12</a:t>
             </a:fld>
             <a:endParaRPr lang="en-US"/>
           </a:p>
@@ -1416,7 +1521,7 @@
     </p:spTree>
     <p:extLst>
       <p:ext uri="{BB962C8B-B14F-4D97-AF65-F5344CB8AC3E}">
-        <p14:creationId xmlns:p14="http://schemas.microsoft.com/office/powerpoint/2010/main" val="1711151255"/>
+        <p14:creationId xmlns:p14="http://schemas.microsoft.com/office/powerpoint/2010/main" val="1642333116"/>
       </p:ext>
     </p:extLst>
   </p:cSld>
@@ -1470,30 +1575,21 @@
           <a:bodyPr/>
           <a:lstStyle/>
           <a:p>
-            <a:pPr marL="0" marR="0" indent="0" algn="l" defTabSz="914400" rtl="0" eaLnBrk="1" fontAlgn="auto" latinLnBrk="0" hangingPunct="1">
-              <a:lnSpc>
-                <a:spcPct val="100000"/>
-              </a:lnSpc>
-              <a:spcBef>
-                <a:spcPts val="0"/>
-              </a:spcBef>
-              <a:spcAft>
-                <a:spcPts val="0"/>
-              </a:spcAft>
-              <a:buClrTx/>
-              <a:buSzTx/>
-              <a:buFontTx/>
-              <a:buNone/>
-              <a:tabLst/>
-              <a:defRPr/>
-            </a:pPr>
             <a:r>
               <a:rPr lang="en-US" dirty="0"/>
               <a:t>The key difference between</a:t>
             </a:r>
             <a:r>
               <a:rPr lang="en-US" baseline="0" dirty="0"/>
-              <a:t> static methods and class methods is that static methods don’t interact with a single instance. </a:t>
+              <a:t> static methods and class methods is that static methods don’t interact with a single instance (i.e. they don’t take </a:t>
+            </a:r>
+            <a:r>
+              <a:rPr lang="en-US" i="1" baseline="0" dirty="0"/>
+              <a:t>self</a:t>
+            </a:r>
+            <a:r>
+              <a:rPr lang="en-US" i="0" baseline="0" dirty="0"/>
+              <a:t> as an argument).</a:t>
             </a:r>
             <a:endParaRPr lang="en-US" dirty="0"/>
           </a:p>
@@ -1516,7 +1612,7 @@
           <a:p>
             <a:fld id="{FB38BE01-6562-DE45-9404-D6DD8A86E18A}" type="slidenum">
               <a:rPr lang="en-US" smtClean="0"/>
-              <a:t>16</a:t>
+              <a:t>14</a:t>
             </a:fld>
             <a:endParaRPr lang="en-US"/>
           </a:p>
@@ -1525,7 +1621,7 @@
     </p:spTree>
     <p:extLst>
       <p:ext uri="{BB962C8B-B14F-4D97-AF65-F5344CB8AC3E}">
-        <p14:creationId xmlns:p14="http://schemas.microsoft.com/office/powerpoint/2010/main" val="680890540"/>
+        <p14:creationId xmlns:p14="http://schemas.microsoft.com/office/powerpoint/2010/main" val="1711151255"/>
       </p:ext>
     </p:extLst>
   </p:cSld>
@@ -1579,13 +1675,30 @@
           <a:bodyPr/>
           <a:lstStyle/>
           <a:p>
-            <a:r>
-              <a:rPr lang="en-US" dirty="0"/>
-              <a:t>Note</a:t>
+            <a:pPr marL="0" marR="0" indent="0" algn="l" defTabSz="914400" rtl="0" eaLnBrk="1" fontAlgn="auto" latinLnBrk="0" hangingPunct="1">
+              <a:lnSpc>
+                <a:spcPct val="100000"/>
+              </a:lnSpc>
+              <a:spcBef>
+                <a:spcPts val="0"/>
+              </a:spcBef>
+              <a:spcAft>
+                <a:spcPts val="0"/>
+              </a:spcAft>
+              <a:buClrTx/>
+              <a:buSzTx/>
+              <a:buFontTx/>
+              <a:buNone/>
+              <a:tabLst/>
+              <a:defRPr/>
+            </a:pPr>
+            <a:r>
+              <a:rPr lang="en-US" dirty="0"/>
+              <a:t>The key difference between</a:t>
             </a:r>
             <a:r>
               <a:rPr lang="en-US" baseline="0" dirty="0"/>
-              <a:t> verbally that there are TWO trailing and leading underscores, four in total </a:t>
+              <a:t> static methods and class methods is that static methods don’t interact with a single instance. </a:t>
             </a:r>
             <a:endParaRPr lang="en-US" dirty="0"/>
           </a:p>
@@ -1608,7 +1721,7 @@
           <a:p>
             <a:fld id="{FB38BE01-6562-DE45-9404-D6DD8A86E18A}" type="slidenum">
               <a:rPr lang="en-US" smtClean="0"/>
-              <a:t>18</a:t>
+              <a:t>16</a:t>
             </a:fld>
             <a:endParaRPr lang="en-US"/>
           </a:p>
@@ -1617,7 +1730,7 @@
     </p:spTree>
     <p:extLst>
       <p:ext uri="{BB962C8B-B14F-4D97-AF65-F5344CB8AC3E}">
-        <p14:creationId xmlns:p14="http://schemas.microsoft.com/office/powerpoint/2010/main" val="1965693612"/>
+        <p14:creationId xmlns:p14="http://schemas.microsoft.com/office/powerpoint/2010/main" val="680890540"/>
       </p:ext>
     </p:extLst>
   </p:cSld>
@@ -1677,15 +1790,7 @@
             </a:r>
             <a:r>
               <a:rPr lang="en-US" baseline="0" dirty="0"/>
-              <a:t> verbally that the </a:t>
-            </a:r>
-            <a:r>
-              <a:rPr lang="en-US" baseline="0" dirty="0" err="1"/>
-              <a:t>coeffs.setter</a:t>
-            </a:r>
-            <a:r>
-              <a:rPr lang="en-US" baseline="0" dirty="0"/>
-              <a:t> function is a good example of production-level code </a:t>
+              <a:t> verbally that there are TWO trailing and leading underscores, four in total </a:t>
             </a:r>
             <a:endParaRPr lang="en-US" dirty="0"/>
           </a:p>
@@ -1708,7 +1813,7 @@
           <a:p>
             <a:fld id="{FB38BE01-6562-DE45-9404-D6DD8A86E18A}" type="slidenum">
               <a:rPr lang="en-US" smtClean="0"/>
-              <a:t>20</a:t>
+              <a:t>18</a:t>
             </a:fld>
             <a:endParaRPr lang="en-US"/>
           </a:p>
@@ -1717,7 +1822,7 @@
     </p:spTree>
     <p:extLst>
       <p:ext uri="{BB962C8B-B14F-4D97-AF65-F5344CB8AC3E}">
-        <p14:creationId xmlns:p14="http://schemas.microsoft.com/office/powerpoint/2010/main" val="505673754"/>
+        <p14:creationId xmlns:p14="http://schemas.microsoft.com/office/powerpoint/2010/main" val="1965693612"/>
       </p:ext>
     </p:extLst>
   </p:cSld>
@@ -2003,7 +2108,7 @@
           <a:p>
             <a:fld id="{51673806-0BCD-1F42-BAA8-2011034B3C6A}" type="datetimeFigureOut">
               <a:rPr lang="en-US" smtClean="0"/>
-              <a:t>5/15/22</a:t>
+              <a:t>5/16/22</a:t>
             </a:fld>
             <a:endParaRPr lang="en-US"/>
           </a:p>
@@ -2417,7 +2522,7 @@
           <a:p>
             <a:fld id="{51673806-0BCD-1F42-BAA8-2011034B3C6A}" type="datetimeFigureOut">
               <a:rPr lang="en-US" smtClean="0"/>
-              <a:t>5/15/22</a:t>
+              <a:t>5/16/22</a:t>
             </a:fld>
             <a:endParaRPr lang="en-US"/>
           </a:p>
@@ -2748,7 +2853,7 @@
           <a:p>
             <a:fld id="{51673806-0BCD-1F42-BAA8-2011034B3C6A}" type="datetimeFigureOut">
               <a:rPr lang="en-US" smtClean="0"/>
-              <a:t>5/15/22</a:t>
+              <a:t>5/16/22</a:t>
             </a:fld>
             <a:endParaRPr lang="en-US"/>
           </a:p>
@@ -3148,7 +3253,7 @@
           <a:p>
             <a:fld id="{51673806-0BCD-1F42-BAA8-2011034B3C6A}" type="datetimeFigureOut">
               <a:rPr lang="en-US" smtClean="0"/>
-              <a:t>5/15/22</a:t>
+              <a:t>5/16/22</a:t>
             </a:fld>
             <a:endParaRPr lang="en-US"/>
           </a:p>
@@ -3711,7 +3816,7 @@
           <a:p>
             <a:fld id="{51673806-0BCD-1F42-BAA8-2011034B3C6A}" type="datetimeFigureOut">
               <a:rPr lang="en-US" smtClean="0"/>
-              <a:t>5/15/22</a:t>
+              <a:t>5/16/22</a:t>
             </a:fld>
             <a:endParaRPr lang="en-US"/>
           </a:p>
@@ -4387,7 +4492,7 @@
           <a:p>
             <a:fld id="{51673806-0BCD-1F42-BAA8-2011034B3C6A}" type="datetimeFigureOut">
               <a:rPr lang="en-US" smtClean="0"/>
-              <a:t>5/15/22</a:t>
+              <a:t>5/16/22</a:t>
             </a:fld>
             <a:endParaRPr lang="en-US"/>
           </a:p>
@@ -5295,7 +5400,7 @@
           <a:p>
             <a:fld id="{51673806-0BCD-1F42-BAA8-2011034B3C6A}" type="datetimeFigureOut">
               <a:rPr lang="en-US" smtClean="0"/>
-              <a:t>5/15/22</a:t>
+              <a:t>5/16/22</a:t>
             </a:fld>
             <a:endParaRPr lang="en-US"/>
           </a:p>
@@ -5603,7 +5708,7 @@
           <a:p>
             <a:fld id="{51673806-0BCD-1F42-BAA8-2011034B3C6A}" type="datetimeFigureOut">
               <a:rPr lang="en-US" smtClean="0"/>
-              <a:t>5/15/22</a:t>
+              <a:t>5/16/22</a:t>
             </a:fld>
             <a:endParaRPr lang="en-US"/>
           </a:p>
@@ -5862,7 +5967,7 @@
           <a:p>
             <a:fld id="{51673806-0BCD-1F42-BAA8-2011034B3C6A}" type="datetimeFigureOut">
               <a:rPr lang="en-US" smtClean="0"/>
-              <a:t>5/15/22</a:t>
+              <a:t>5/16/22</a:t>
             </a:fld>
             <a:endParaRPr lang="en-US"/>
           </a:p>
@@ -6185,7 +6290,7 @@
           <a:p>
             <a:fld id="{51673806-0BCD-1F42-BAA8-2011034B3C6A}" type="datetimeFigureOut">
               <a:rPr lang="en-US" smtClean="0"/>
-              <a:t>5/15/22</a:t>
+              <a:t>5/16/22</a:t>
             </a:fld>
             <a:endParaRPr lang="en-US"/>
           </a:p>
@@ -6569,7 +6674,7 @@
           <a:p>
             <a:fld id="{51673806-0BCD-1F42-BAA8-2011034B3C6A}" type="datetimeFigureOut">
               <a:rPr lang="en-US" smtClean="0"/>
-              <a:t>5/15/22</a:t>
+              <a:t>5/16/22</a:t>
             </a:fld>
             <a:endParaRPr lang="en-US"/>
           </a:p>
@@ -6945,7 +7050,7 @@
           <a:p>
             <a:fld id="{51673806-0BCD-1F42-BAA8-2011034B3C6A}" type="datetimeFigureOut">
               <a:rPr lang="en-US" smtClean="0"/>
-              <a:t>5/15/22</a:t>
+              <a:t>5/16/22</a:t>
             </a:fld>
             <a:endParaRPr lang="en-US"/>
           </a:p>
@@ -7451,7 +7556,7 @@
           <a:p>
             <a:fld id="{51673806-0BCD-1F42-BAA8-2011034B3C6A}" type="datetimeFigureOut">
               <a:rPr lang="en-US" smtClean="0"/>
-              <a:t>5/15/22</a:t>
+              <a:t>5/16/22</a:t>
             </a:fld>
             <a:endParaRPr lang="en-US"/>
           </a:p>
@@ -7708,7 +7813,7 @@
           <a:p>
             <a:fld id="{51673806-0BCD-1F42-BAA8-2011034B3C6A}" type="datetimeFigureOut">
               <a:rPr lang="en-US" smtClean="0"/>
-              <a:t>5/15/22</a:t>
+              <a:t>5/16/22</a:t>
             </a:fld>
             <a:endParaRPr lang="en-US"/>
           </a:p>
@@ -7866,7 +7971,7 @@
           <a:p>
             <a:fld id="{51673806-0BCD-1F42-BAA8-2011034B3C6A}" type="datetimeFigureOut">
               <a:rPr lang="en-US" smtClean="0"/>
-              <a:t>5/15/22</a:t>
+              <a:t>5/16/22</a:t>
             </a:fld>
             <a:endParaRPr lang="en-US"/>
           </a:p>
@@ -8256,7 +8361,7 @@
           <a:p>
             <a:fld id="{51673806-0BCD-1F42-BAA8-2011034B3C6A}" type="datetimeFigureOut">
               <a:rPr lang="en-US" smtClean="0"/>
-              <a:t>5/15/22</a:t>
+              <a:t>5/16/22</a:t>
             </a:fld>
             <a:endParaRPr lang="en-US"/>
           </a:p>
@@ -8665,7 +8770,7 @@
           <a:p>
             <a:fld id="{51673806-0BCD-1F42-BAA8-2011034B3C6A}" type="datetimeFigureOut">
               <a:rPr lang="en-US" smtClean="0"/>
-              <a:t>5/15/22</a:t>
+              <a:t>5/16/22</a:t>
             </a:fld>
             <a:endParaRPr lang="en-US"/>
           </a:p>
@@ -8911,7 +9016,7 @@
             <a:fld id="{51673806-0BCD-1F42-BAA8-2011034B3C6A}" type="datetimeFigureOut">
               <a:rPr lang="en-US" smtClean="0"/>
               <a:pPr/>
-              <a:t>5/15/22</a:t>
+              <a:t>5/16/22</a:t>
             </a:fld>
             <a:endParaRPr lang="en-US" dirty="0"/>
           </a:p>
@@ -13551,15 +13656,7 @@
             </a:pPr>
             <a:r>
               <a:rPr lang="en-US" dirty="0"/>
-              <a:t>This is a essentially a reimplementation of </a:t>
-            </a:r>
-            <a:r>
-              <a:rPr lang="en-US" dirty="0" err="1"/>
-              <a:t>NumPy’s</a:t>
-            </a:r>
-            <a:r>
-              <a:rPr lang="en-US" dirty="0"/>
-              <a:t> </a:t>
+              <a:t>This is essentially a reimplementation of NumPy’s </a:t>
             </a:r>
             <a:r>
               <a:rPr lang="en-US" i="1" dirty="0"/>
@@ -14840,7 +14937,7 @@
             </a:pPr>
             <a:r>
               <a:rPr lang="en-US" dirty="0"/>
-              <a:t>Unary -: Each coefficient is the negative of the origin </a:t>
+              <a:t>Unary -: Each coefficient is the negative of the original</a:t>
             </a:r>
           </a:p>
           <a:p>
@@ -14927,7 +15024,7 @@
             </a:pPr>
             <a:r>
               <a:rPr lang="en-US" dirty="0"/>
-              <a:t>Magic methods can return anything, hence need to specifically create a polynomial object. They don’t call </a:t>
+              <a:t>Magic methods can return anything, hence the need to specifically create a polynomial object. They don’t call </a:t>
             </a:r>
             <a:r>
               <a:rPr lang="en-US" i="1" dirty="0"/>
@@ -16865,7 +16962,7 @@
             </a:pPr>
             <a:r>
               <a:rPr lang="en-US" dirty="0"/>
-              <a:t>Functions: bark, roll over, shake, eat, drink, chase tail </a:t>
+              <a:t>Functions: bark, roll over, shake, eat, drink, chase their tail </a:t>
             </a:r>
           </a:p>
           <a:p>
@@ -16951,13 +17048,8 @@
             </a:pPr>
             <a:r>
               <a:rPr lang="en-US" dirty="0"/>
-              <a:t>Interactions with other objects: play with </a:t>
-            </a:r>
-            <a:r>
-              <a:rPr lang="en-US"/>
-              <a:t>other dogs/owner, chase cats </a:t>
-            </a:r>
-            <a:endParaRPr lang="en-US" dirty="0"/>
+              <a:t>Interactions with other objects: play with other dogs/owner, chase cats </a:t>
+            </a:r>
           </a:p>
         </p:txBody>
       </p:sp>
@@ -17129,7 +17221,7 @@
           <p:nvPr/>
         </p:nvPicPr>
         <p:blipFill>
-          <a:blip r:embed="rId2">
+          <a:blip r:embed="rId3">
             <a:extLst>
               <a:ext uri="{28A0092B-C50C-407E-A947-70E740481C1C}">
                 <a14:useLocalDpi xmlns:a14="http://schemas.microsoft.com/office/drawing/2010/main" val="0"/>
@@ -17159,7 +17251,7 @@
           <p:nvPr/>
         </p:nvPicPr>
         <p:blipFill>
-          <a:blip r:embed="rId3">
+          <a:blip r:embed="rId4">
             <a:extLst>
               <a:ext uri="{28A0092B-C50C-407E-A947-70E740481C1C}">
                 <a14:useLocalDpi xmlns:a14="http://schemas.microsoft.com/office/drawing/2010/main" val="0"/>
